--- a/presentations/20131122-Deepsec-ACH project.pptx
+++ b/presentations/20131122-Deepsec-ACH project.pptx
@@ -5,8 +5,11 @@
     <p:sldMasterId id="2147483648" r:id="rId1"/>
   </p:sldMasterIdLst>
   <p:notesMasterIdLst>
-    <p:notesMasterId r:id="rId33"/>
+    <p:notesMasterId r:id="rId36"/>
   </p:notesMasterIdLst>
+  <p:handoutMasterIdLst>
+    <p:handoutMasterId r:id="rId37"/>
+  </p:handoutMasterIdLst>
   <p:sldIdLst>
     <p:sldId id="256" r:id="rId2"/>
     <p:sldId id="265" r:id="rId3"/>
@@ -19,29 +22,32 @@
     <p:sldId id="269" r:id="rId10"/>
     <p:sldId id="281" r:id="rId11"/>
     <p:sldId id="286" r:id="rId12"/>
-    <p:sldId id="282" r:id="rId13"/>
-    <p:sldId id="298" r:id="rId14"/>
-    <p:sldId id="299" r:id="rId15"/>
-    <p:sldId id="284" r:id="rId16"/>
-    <p:sldId id="289" r:id="rId17"/>
-    <p:sldId id="285" r:id="rId18"/>
-    <p:sldId id="287" r:id="rId19"/>
-    <p:sldId id="290" r:id="rId20"/>
-    <p:sldId id="291" r:id="rId21"/>
-    <p:sldId id="292" r:id="rId22"/>
-    <p:sldId id="293" r:id="rId23"/>
-    <p:sldId id="294" r:id="rId24"/>
-    <p:sldId id="295" r:id="rId25"/>
-    <p:sldId id="296" r:id="rId26"/>
-    <p:sldId id="279" r:id="rId27"/>
-    <p:sldId id="297" r:id="rId28"/>
-    <p:sldId id="264" r:id="rId29"/>
-    <p:sldId id="262" r:id="rId30"/>
-    <p:sldId id="275" r:id="rId31"/>
-    <p:sldId id="276" r:id="rId32"/>
+    <p:sldId id="300" r:id="rId13"/>
+    <p:sldId id="301" r:id="rId14"/>
+    <p:sldId id="282" r:id="rId15"/>
+    <p:sldId id="298" r:id="rId16"/>
+    <p:sldId id="299" r:id="rId17"/>
+    <p:sldId id="302" r:id="rId18"/>
+    <p:sldId id="284" r:id="rId19"/>
+    <p:sldId id="289" r:id="rId20"/>
+    <p:sldId id="285" r:id="rId21"/>
+    <p:sldId id="287" r:id="rId22"/>
+    <p:sldId id="290" r:id="rId23"/>
+    <p:sldId id="291" r:id="rId24"/>
+    <p:sldId id="292" r:id="rId25"/>
+    <p:sldId id="293" r:id="rId26"/>
+    <p:sldId id="294" r:id="rId27"/>
+    <p:sldId id="295" r:id="rId28"/>
+    <p:sldId id="296" r:id="rId29"/>
+    <p:sldId id="279" r:id="rId30"/>
+    <p:sldId id="297" r:id="rId31"/>
+    <p:sldId id="264" r:id="rId32"/>
+    <p:sldId id="262" r:id="rId33"/>
+    <p:sldId id="275" r:id="rId34"/>
+    <p:sldId id="276" r:id="rId35"/>
   </p:sldIdLst>
   <p:sldSz cx="9144000" cy="6858000" type="screen4x3"/>
-  <p:notesSz cx="6858000" cy="9144000"/>
+  <p:notesSz cx="6669088" cy="9753600"/>
   <p:defaultTextStyle>
     <a:defPPr>
       <a:defRPr lang="de-DE"/>
@@ -140,6 +146,171 @@
 </p:presentation>
 </file>
 
+<file path=ppt/handoutMasters/handoutMaster1.xml><?xml version="1.0" encoding="utf-8"?>
+<p:handoutMaster xmlns:a="http://schemas.openxmlformats.org/drawingml/2006/main" xmlns:r="http://schemas.openxmlformats.org/officeDocument/2006/relationships" xmlns:p="http://schemas.openxmlformats.org/presentationml/2006/main">
+  <p:cSld>
+    <p:bg>
+      <p:bgRef idx="1001">
+        <a:schemeClr val="bg1"/>
+      </p:bgRef>
+    </p:bg>
+    <p:spTree>
+      <p:nvGrpSpPr>
+        <p:cNvPr id="1" name=""/>
+        <p:cNvGrpSpPr/>
+        <p:nvPr/>
+      </p:nvGrpSpPr>
+      <p:grpSpPr>
+        <a:xfrm>
+          <a:off x="0" y="0"/>
+          <a:ext cx="0" cy="0"/>
+          <a:chOff x="0" y="0"/>
+          <a:chExt cx="0" cy="0"/>
+        </a:xfrm>
+      </p:grpSpPr>
+      <p:sp>
+        <p:nvSpPr>
+          <p:cNvPr id="2" name="Kopfzeilenplatzhalter 1"/>
+          <p:cNvSpPr>
+            <a:spLocks noGrp="1"/>
+          </p:cNvSpPr>
+          <p:nvPr>
+            <p:ph type="hdr" sz="quarter"/>
+          </p:nvPr>
+        </p:nvSpPr>
+        <p:spPr>
+          <a:xfrm>
+            <a:off x="0" y="0"/>
+            <a:ext cx="2889938" cy="487680"/>
+          </a:xfrm>
+          <a:prstGeom prst="rect">
+            <a:avLst/>
+          </a:prstGeom>
+        </p:spPr>
+        <p:txBody>
+          <a:bodyPr vert="horz" lIns="91440" tIns="45720" rIns="91440" bIns="45720" rtlCol="0"/>
+          <a:lstStyle>
+            <a:lvl1pPr algn="l">
+              <a:defRPr sz="1200"/>
+            </a:lvl1pPr>
+          </a:lstStyle>
+          <a:p>
+            <a:endParaRPr lang="de-AT"/>
+          </a:p>
+        </p:txBody>
+      </p:sp>
+      <p:sp>
+        <p:nvSpPr>
+          <p:cNvPr id="3" name="Datumsplatzhalter 2"/>
+          <p:cNvSpPr>
+            <a:spLocks noGrp="1"/>
+          </p:cNvSpPr>
+          <p:nvPr>
+            <p:ph type="dt" sz="quarter" idx="1"/>
+          </p:nvPr>
+        </p:nvSpPr>
+        <p:spPr>
+          <a:xfrm>
+            <a:off x="3777607" y="0"/>
+            <a:ext cx="2889938" cy="487680"/>
+          </a:xfrm>
+          <a:prstGeom prst="rect">
+            <a:avLst/>
+          </a:prstGeom>
+        </p:spPr>
+        <p:txBody>
+          <a:bodyPr vert="horz" lIns="91440" tIns="45720" rIns="91440" bIns="45720" rtlCol="0"/>
+          <a:lstStyle>
+            <a:lvl1pPr algn="r">
+              <a:defRPr sz="1200"/>
+            </a:lvl1pPr>
+          </a:lstStyle>
+          <a:p>
+            <a:fld id="{E10B4001-CD18-4312-9795-665ED90C6D88}" type="datetimeFigureOut">
+              <a:rPr lang="de-AT" smtClean="0"/>
+              <a:t>21.11.2013</a:t>
+            </a:fld>
+            <a:endParaRPr lang="de-AT"/>
+          </a:p>
+        </p:txBody>
+      </p:sp>
+      <p:sp>
+        <p:nvSpPr>
+          <p:cNvPr id="4" name="Fußzeilenplatzhalter 3"/>
+          <p:cNvSpPr>
+            <a:spLocks noGrp="1"/>
+          </p:cNvSpPr>
+          <p:nvPr>
+            <p:ph type="ftr" sz="quarter" idx="2"/>
+          </p:nvPr>
+        </p:nvSpPr>
+        <p:spPr>
+          <a:xfrm>
+            <a:off x="0" y="9264227"/>
+            <a:ext cx="2889938" cy="487680"/>
+          </a:xfrm>
+          <a:prstGeom prst="rect">
+            <a:avLst/>
+          </a:prstGeom>
+        </p:spPr>
+        <p:txBody>
+          <a:bodyPr vert="horz" lIns="91440" tIns="45720" rIns="91440" bIns="45720" rtlCol="0" anchor="b"/>
+          <a:lstStyle>
+            <a:lvl1pPr algn="l">
+              <a:defRPr sz="1200"/>
+            </a:lvl1pPr>
+          </a:lstStyle>
+          <a:p>
+            <a:endParaRPr lang="de-AT"/>
+          </a:p>
+        </p:txBody>
+      </p:sp>
+      <p:sp>
+        <p:nvSpPr>
+          <p:cNvPr id="5" name="Foliennummernplatzhalter 4"/>
+          <p:cNvSpPr>
+            <a:spLocks noGrp="1"/>
+          </p:cNvSpPr>
+          <p:nvPr>
+            <p:ph type="sldNum" sz="quarter" idx="3"/>
+          </p:nvPr>
+        </p:nvSpPr>
+        <p:spPr>
+          <a:xfrm>
+            <a:off x="3777607" y="9264227"/>
+            <a:ext cx="2889938" cy="487680"/>
+          </a:xfrm>
+          <a:prstGeom prst="rect">
+            <a:avLst/>
+          </a:prstGeom>
+        </p:spPr>
+        <p:txBody>
+          <a:bodyPr vert="horz" lIns="91440" tIns="45720" rIns="91440" bIns="45720" rtlCol="0" anchor="b"/>
+          <a:lstStyle>
+            <a:lvl1pPr algn="r">
+              <a:defRPr sz="1200"/>
+            </a:lvl1pPr>
+          </a:lstStyle>
+          <a:p>
+            <a:fld id="{8CACB30C-B797-4A21-AB80-7656C9CD216D}" type="slidenum">
+              <a:rPr lang="de-AT" smtClean="0"/>
+              <a:t>‹Nr.›</a:t>
+            </a:fld>
+            <a:endParaRPr lang="de-AT"/>
+          </a:p>
+        </p:txBody>
+      </p:sp>
+    </p:spTree>
+    <p:extLst>
+      <p:ext uri="{BB962C8B-B14F-4D97-AF65-F5344CB8AC3E}">
+        <p14:creationId xmlns:p14="http://schemas.microsoft.com/office/powerpoint/2010/main" val="3645468486"/>
+      </p:ext>
+    </p:extLst>
+  </p:cSld>
+  <p:clrMap bg1="lt1" tx1="dk1" bg2="lt2" tx2="dk2" accent1="accent1" accent2="accent2" accent3="accent3" accent4="accent4" accent5="accent5" accent6="accent6" hlink="hlink" folHlink="folHlink"/>
+</p:handoutMaster>
+</file>
+
 <file path=ppt/notesMasters/notesMaster1.xml><?xml version="1.0" encoding="utf-8"?>
 <p:notesMaster xmlns:a="http://schemas.openxmlformats.org/drawingml/2006/main" xmlns:r="http://schemas.openxmlformats.org/officeDocument/2006/relationships" xmlns:p="http://schemas.openxmlformats.org/presentationml/2006/main">
   <p:cSld>
@@ -175,7 +346,7 @@
         <p:spPr>
           <a:xfrm>
             <a:off x="0" y="0"/>
-            <a:ext cx="2971800" cy="457200"/>
+            <a:ext cx="2889938" cy="487680"/>
           </a:xfrm>
           <a:prstGeom prst="rect">
             <a:avLst/>
@@ -205,8 +376,8 @@
         </p:nvSpPr>
         <p:spPr>
           <a:xfrm>
-            <a:off x="3884613" y="0"/>
-            <a:ext cx="2971800" cy="457200"/>
+            <a:off x="3777607" y="0"/>
+            <a:ext cx="2889938" cy="487680"/>
           </a:xfrm>
           <a:prstGeom prst="rect">
             <a:avLst/>
@@ -222,7 +393,7 @@
           <a:p>
             <a:fld id="{ABD7BA35-4792-AE4F-B7A6-A4BCD39DEB01}" type="datetimeFigureOut">
               <a:rPr lang="de-DE" smtClean="0"/>
-              <a:t>11/21/13</a:t>
+              <a:t>21.11.2013</a:t>
             </a:fld>
             <a:endParaRPr lang="de-DE"/>
           </a:p>
@@ -240,8 +411,8 @@
         </p:nvSpPr>
         <p:spPr>
           <a:xfrm>
-            <a:off x="1143000" y="685800"/>
-            <a:ext cx="4572000" cy="3429000"/>
+            <a:off x="896938" y="731838"/>
+            <a:ext cx="4875212" cy="3657600"/>
           </a:xfrm>
           <a:prstGeom prst="rect">
             <a:avLst/>
@@ -273,8 +444,8 @@
         </p:nvSpPr>
         <p:spPr>
           <a:xfrm>
-            <a:off x="685800" y="4343400"/>
-            <a:ext cx="5486400" cy="4114800"/>
+            <a:off x="666909" y="4632960"/>
+            <a:ext cx="5335270" cy="4389120"/>
           </a:xfrm>
           <a:prstGeom prst="rect">
             <a:avLst/>
@@ -333,8 +504,8 @@
         </p:nvSpPr>
         <p:spPr>
           <a:xfrm>
-            <a:off x="0" y="8685213"/>
-            <a:ext cx="2971800" cy="457200"/>
+            <a:off x="0" y="9264227"/>
+            <a:ext cx="2889938" cy="487680"/>
           </a:xfrm>
           <a:prstGeom prst="rect">
             <a:avLst/>
@@ -364,8 +535,8 @@
         </p:nvSpPr>
         <p:spPr>
           <a:xfrm>
-            <a:off x="3884613" y="8685213"/>
-            <a:ext cx="2971800" cy="457200"/>
+            <a:off x="3777607" y="9264227"/>
+            <a:ext cx="2889938" cy="487680"/>
           </a:xfrm>
           <a:prstGeom prst="rect">
             <a:avLst/>
@@ -771,7 +942,7 @@
           <a:p>
             <a:fld id="{8862424E-C109-F440-84A3-689A668A7AFE}" type="datetimeFigureOut">
               <a:rPr lang="de-DE" smtClean="0"/>
-              <a:t>11/21/13</a:t>
+              <a:t>21.11.2013</a:t>
             </a:fld>
             <a:endParaRPr lang="de-DE"/>
           </a:p>
@@ -941,7 +1112,7 @@
           <a:p>
             <a:fld id="{8862424E-C109-F440-84A3-689A668A7AFE}" type="datetimeFigureOut">
               <a:rPr lang="de-DE" smtClean="0"/>
-              <a:t>11/21/13</a:t>
+              <a:t>21.11.2013</a:t>
             </a:fld>
             <a:endParaRPr lang="de-DE"/>
           </a:p>
@@ -1121,7 +1292,7 @@
           <a:p>
             <a:fld id="{8862424E-C109-F440-84A3-689A668A7AFE}" type="datetimeFigureOut">
               <a:rPr lang="de-DE" smtClean="0"/>
-              <a:t>11/21/13</a:t>
+              <a:t>21.11.2013</a:t>
             </a:fld>
             <a:endParaRPr lang="de-DE"/>
           </a:p>
@@ -1291,7 +1462,7 @@
           <a:p>
             <a:fld id="{8862424E-C109-F440-84A3-689A668A7AFE}" type="datetimeFigureOut">
               <a:rPr lang="de-DE" smtClean="0"/>
-              <a:t>11/21/13</a:t>
+              <a:t>21.11.2013</a:t>
             </a:fld>
             <a:endParaRPr lang="de-DE"/>
           </a:p>
@@ -1537,7 +1708,7 @@
           <a:p>
             <a:fld id="{8862424E-C109-F440-84A3-689A668A7AFE}" type="datetimeFigureOut">
               <a:rPr lang="de-DE" smtClean="0"/>
-              <a:t>11/21/13</a:t>
+              <a:t>21.11.2013</a:t>
             </a:fld>
             <a:endParaRPr lang="de-DE"/>
           </a:p>
@@ -1825,7 +1996,7 @@
           <a:p>
             <a:fld id="{8862424E-C109-F440-84A3-689A668A7AFE}" type="datetimeFigureOut">
               <a:rPr lang="de-DE" smtClean="0"/>
-              <a:t>11/21/13</a:t>
+              <a:t>21.11.2013</a:t>
             </a:fld>
             <a:endParaRPr lang="de-DE"/>
           </a:p>
@@ -2247,7 +2418,7 @@
           <a:p>
             <a:fld id="{8862424E-C109-F440-84A3-689A668A7AFE}" type="datetimeFigureOut">
               <a:rPr lang="de-DE" smtClean="0"/>
-              <a:t>11/21/13</a:t>
+              <a:t>21.11.2013</a:t>
             </a:fld>
             <a:endParaRPr lang="de-DE"/>
           </a:p>
@@ -2365,7 +2536,7 @@
           <a:p>
             <a:fld id="{8862424E-C109-F440-84A3-689A668A7AFE}" type="datetimeFigureOut">
               <a:rPr lang="de-DE" smtClean="0"/>
-              <a:t>11/21/13</a:t>
+              <a:t>21.11.2013</a:t>
             </a:fld>
             <a:endParaRPr lang="de-DE"/>
           </a:p>
@@ -2460,7 +2631,7 @@
           <a:p>
             <a:fld id="{8862424E-C109-F440-84A3-689A668A7AFE}" type="datetimeFigureOut">
               <a:rPr lang="de-DE" smtClean="0"/>
-              <a:t>11/21/13</a:t>
+              <a:t>21.11.2013</a:t>
             </a:fld>
             <a:endParaRPr lang="de-DE"/>
           </a:p>
@@ -2737,7 +2908,7 @@
           <a:p>
             <a:fld id="{8862424E-C109-F440-84A3-689A668A7AFE}" type="datetimeFigureOut">
               <a:rPr lang="de-DE" smtClean="0"/>
-              <a:t>11/21/13</a:t>
+              <a:t>21.11.2013</a:t>
             </a:fld>
             <a:endParaRPr lang="de-DE"/>
           </a:p>
@@ -2990,7 +3161,7 @@
           <a:p>
             <a:fld id="{8862424E-C109-F440-84A3-689A668A7AFE}" type="datetimeFigureOut">
               <a:rPr lang="de-DE" smtClean="0"/>
-              <a:t>11/21/13</a:t>
+              <a:t>21.11.2013</a:t>
             </a:fld>
             <a:endParaRPr lang="de-DE"/>
           </a:p>
@@ -3203,7 +3374,7 @@
           <a:p>
             <a:fld id="{8862424E-C109-F440-84A3-689A668A7AFE}" type="datetimeFigureOut">
               <a:rPr lang="de-DE" smtClean="0"/>
-              <a:t>11/21/13</a:t>
+              <a:t>21.11.2013</a:t>
             </a:fld>
             <a:endParaRPr lang="de-DE"/>
           </a:p>
@@ -3660,7 +3831,7 @@
   <p:timing>
     <p:tnLst>
       <p:par>
-        <p:cTn xmlns:p14="http://schemas.microsoft.com/office/powerpoint/2010/main" id="1" dur="indefinite" restart="never" nodeType="tmRoot"/>
+        <p:cTn id="1" dur="indefinite" restart="never" nodeType="tmRoot"/>
       </p:par>
     </p:tnLst>
   </p:timing>
@@ -3719,59 +3890,115 @@
         </p:nvSpPr>
         <p:spPr/>
         <p:txBody>
-          <a:bodyPr/>
+          <a:bodyPr>
+            <a:normAutofit fontScale="92500" lnSpcReduction="20000"/>
+          </a:bodyPr>
           <a:lstStyle/>
           <a:p>
             <a:r>
               <a:rPr lang="de-DE" dirty="0"/>
-              <a:t>http://</a:t>
-            </a:r>
-            <a:r>
-              <a:rPr lang="de-DE" dirty="0" err="1"/>
-              <a:t>www.keylength.com</a:t>
-            </a:r>
-            <a:r>
-              <a:rPr lang="de-DE" dirty="0"/>
-              <a:t>/ </a:t>
+              <a:t>http://www.keylength.com/ </a:t>
+            </a:r>
+          </a:p>
+          <a:p>
+            <a:r>
+              <a:rPr lang="de-DE" dirty="0" smtClean="0"/>
+              <a:t>Recommended </a:t>
+            </a:r>
+            <a:r>
+              <a:rPr lang="de-DE" dirty="0" err="1" smtClean="0"/>
+              <a:t>Keylengths</a:t>
+            </a:r>
+            <a:r>
+              <a:rPr lang="de-DE" dirty="0" smtClean="0"/>
+              <a:t>, </a:t>
+            </a:r>
+            <a:r>
+              <a:rPr lang="de-DE" dirty="0" err="1" smtClean="0"/>
+              <a:t>Hashing</a:t>
+            </a:r>
+            <a:r>
+              <a:rPr lang="de-DE" dirty="0" smtClean="0"/>
+              <a:t> </a:t>
+            </a:r>
+            <a:r>
+              <a:rPr lang="de-DE" dirty="0" err="1" smtClean="0"/>
+              <a:t>algorithms</a:t>
+            </a:r>
+            <a:r>
+              <a:rPr lang="de-DE" dirty="0" smtClean="0"/>
+              <a:t>, etc.</a:t>
+            </a:r>
+          </a:p>
+          <a:p>
+            <a:r>
+              <a:rPr lang="de-DE" dirty="0" err="1" smtClean="0"/>
+              <a:t>Currently</a:t>
+            </a:r>
+            <a:r>
+              <a:rPr lang="de-DE" dirty="0" smtClean="0"/>
+              <a:t>:</a:t>
+            </a:r>
+            <a:endParaRPr lang="de-DE" dirty="0" smtClean="0"/>
+          </a:p>
+          <a:p>
+            <a:pPr lvl="1"/>
+            <a:r>
+              <a:rPr lang="de-DE" dirty="0" smtClean="0"/>
+              <a:t>RSA</a:t>
+            </a:r>
+            <a:r>
+              <a:rPr lang="de-DE" dirty="0" smtClean="0"/>
+              <a:t>: &gt;= 2048 </a:t>
+            </a:r>
+            <a:r>
+              <a:rPr lang="de-DE" dirty="0" err="1" smtClean="0"/>
+              <a:t>bits</a:t>
+            </a:r>
+            <a:r>
+              <a:rPr lang="de-DE" dirty="0" smtClean="0"/>
+              <a:t>	</a:t>
+            </a:r>
+            <a:endParaRPr lang="de-DE" dirty="0" smtClean="0"/>
+          </a:p>
+          <a:p>
+            <a:pPr lvl="1"/>
+            <a:r>
+              <a:rPr lang="de-DE" dirty="0" smtClean="0"/>
+              <a:t>ECC</a:t>
+            </a:r>
+            <a:r>
+              <a:rPr lang="de-DE" dirty="0" smtClean="0"/>
+              <a:t>: &gt;= </a:t>
+            </a:r>
+            <a:r>
+              <a:rPr lang="de-DE" dirty="0" smtClean="0"/>
+              <a:t>256	</a:t>
+            </a:r>
+          </a:p>
+          <a:p>
+            <a:pPr lvl="1"/>
+            <a:r>
+              <a:rPr lang="de-DE" dirty="0" smtClean="0"/>
+              <a:t>SHA 2+ (SHA 256,…)</a:t>
+            </a:r>
+            <a:endParaRPr lang="de-DE" dirty="0" smtClean="0"/>
+          </a:p>
+          <a:p>
+            <a:r>
+              <a:rPr lang="de-DE" dirty="0" smtClean="0"/>
+              <a:t>Demo</a:t>
             </a:r>
             <a:endParaRPr lang="de-DE" dirty="0"/>
           </a:p>
           <a:p>
             <a:r>
-              <a:rPr lang="de-DE" dirty="0" err="1" smtClean="0"/>
-              <a:t>For</a:t>
-            </a:r>
-            <a:r>
-              <a:rPr lang="de-DE" dirty="0" smtClean="0"/>
-              <a:t> RSA: &gt;= 2048 </a:t>
-            </a:r>
-            <a:r>
-              <a:rPr lang="de-DE" dirty="0" err="1" smtClean="0"/>
-              <a:t>bits</a:t>
-            </a:r>
-            <a:endParaRPr lang="de-DE" dirty="0" smtClean="0"/>
-          </a:p>
-          <a:p>
-            <a:r>
-              <a:rPr lang="de-DE" dirty="0" err="1" smtClean="0"/>
-              <a:t>For</a:t>
-            </a:r>
-            <a:r>
-              <a:rPr lang="de-DE" dirty="0" smtClean="0"/>
-              <a:t> ECC: &gt;= 256</a:t>
-            </a:r>
-          </a:p>
-          <a:p>
-            <a:endParaRPr lang="de-DE" dirty="0"/>
-          </a:p>
-          <a:p>
-            <a:r>
               <a:rPr lang="de-DE" dirty="0" smtClean="0">
                 <a:solidFill>
                   <a:srgbClr val="FF0000"/>
                 </a:solidFill>
               </a:rPr>
-              <a:t>TODO </a:t>
+              <a:t>(TODO </a:t>
             </a:r>
             <a:r>
               <a:rPr lang="de-DE" dirty="0" err="1" smtClean="0">
@@ -3787,7 +4014,7 @@
                   <a:srgbClr val="FF0000"/>
                 </a:solidFill>
               </a:rPr>
-              <a:t>: </a:t>
+              <a:t>: keylengths.com </a:t>
             </a:r>
             <a:r>
               <a:rPr lang="de-DE" dirty="0" err="1" smtClean="0">
@@ -3795,7 +4022,7 @@
                   <a:srgbClr val="FF0000"/>
                 </a:solidFill>
               </a:rPr>
-              <a:t>keylengths.com</a:t>
+              <a:t>screenshot</a:t>
             </a:r>
             <a:r>
               <a:rPr lang="de-DE" dirty="0" smtClean="0">
@@ -3811,7 +4038,7 @@
                   <a:srgbClr val="FF0000"/>
                 </a:solidFill>
               </a:rPr>
-              <a:t>screenshot</a:t>
+              <a:t>or</a:t>
             </a:r>
             <a:r>
               <a:rPr lang="de-DE" dirty="0" smtClean="0">
@@ -3827,7 +4054,7 @@
                   <a:srgbClr val="FF0000"/>
                 </a:solidFill>
               </a:rPr>
-              <a:t>or</a:t>
+              <a:t>we</a:t>
             </a:r>
             <a:r>
               <a:rPr lang="de-DE" dirty="0" smtClean="0">
@@ -3843,7 +4070,7 @@
                   <a:srgbClr val="FF0000"/>
                 </a:solidFill>
               </a:rPr>
-              <a:t>we</a:t>
+              <a:t>show</a:t>
             </a:r>
             <a:r>
               <a:rPr lang="de-DE" dirty="0" smtClean="0">
@@ -3859,7 +4086,7 @@
                   <a:srgbClr val="FF0000"/>
                 </a:solidFill>
               </a:rPr>
-              <a:t>show</a:t>
+              <a:t>it</a:t>
             </a:r>
             <a:r>
               <a:rPr lang="de-DE" dirty="0" smtClean="0">
@@ -3870,21 +4097,18 @@
               <a:t> </a:t>
             </a:r>
             <a:r>
-              <a:rPr lang="de-DE" dirty="0" err="1" smtClean="0">
+              <a:rPr lang="de-DE" dirty="0" smtClean="0">
                 <a:solidFill>
                   <a:srgbClr val="FF0000"/>
                 </a:solidFill>
               </a:rPr>
-              <a:t>it</a:t>
-            </a:r>
-            <a:r>
-              <a:rPr lang="de-DE" dirty="0" smtClean="0">
-                <a:solidFill>
-                  <a:srgbClr val="FF0000"/>
-                </a:solidFill>
-              </a:rPr>
-              <a:t> live</a:t>
-            </a:r>
+              <a:t>live)</a:t>
+            </a:r>
+            <a:endParaRPr lang="de-DE" dirty="0" smtClean="0">
+              <a:solidFill>
+                <a:srgbClr val="FF0000"/>
+              </a:solidFill>
+            </a:endParaRPr>
           </a:p>
         </p:txBody>
       </p:sp>
@@ -3960,12 +4184,18 @@
         </p:nvSpPr>
         <p:spPr/>
         <p:txBody>
-          <a:bodyPr/>
-          <a:lstStyle/>
-          <a:p>
-            <a:r>
-              <a:rPr lang="de-DE" dirty="0" smtClean="0"/>
-              <a:t>Forward Secrecy</a:t>
+          <a:bodyPr>
+            <a:normAutofit/>
+          </a:bodyPr>
+          <a:lstStyle/>
+          <a:p>
+            <a:r>
+              <a:rPr lang="de-DE" dirty="0" smtClean="0"/>
+              <a:t>Forward </a:t>
+            </a:r>
+            <a:r>
+              <a:rPr lang="de-DE" dirty="0"/>
+              <a:t>Secrecy-Motivation: </a:t>
             </a:r>
             <a:endParaRPr lang="de-DE" dirty="0"/>
           </a:p>
@@ -3983,75 +4213,167 @@
         </p:nvSpPr>
         <p:spPr/>
         <p:txBody>
-          <a:bodyPr/>
-          <a:lstStyle/>
-          <a:p>
-            <a:r>
-              <a:rPr lang="de-DE" dirty="0" smtClean="0"/>
-              <a:t>DH</a:t>
-            </a:r>
-            <a:r>
-              <a:rPr lang="de-DE" dirty="0" smtClean="0">
-                <a:solidFill>
-                  <a:srgbClr val="008000"/>
-                </a:solidFill>
-              </a:rPr>
-              <a:t>E</a:t>
-            </a:r>
-            <a:r>
-              <a:rPr lang="de-DE" dirty="0" smtClean="0"/>
-              <a:t>: </a:t>
-            </a:r>
-            <a:r>
-              <a:rPr lang="de-DE" dirty="0" err="1" smtClean="0"/>
-              <a:t>ephemeral</a:t>
-            </a:r>
-            <a:r>
-              <a:rPr lang="de-DE" dirty="0" smtClean="0"/>
-              <a:t> keys</a:t>
-            </a:r>
-          </a:p>
-          <a:p>
-            <a:r>
-              <a:rPr lang="de-DE" dirty="0" smtClean="0"/>
-              <a:t>PFS ==</a:t>
-            </a:r>
-          </a:p>
-          <a:p>
-            <a:r>
-              <a:rPr lang="de-DE" dirty="0" smtClean="0"/>
-              <a:t>Pro:</a:t>
-            </a:r>
-          </a:p>
+          <a:bodyPr>
+            <a:normAutofit/>
+          </a:bodyPr>
+          <a:lstStyle/>
           <a:p>
             <a:pPr lvl="1"/>
-            <a:endParaRPr lang="de-DE" dirty="0" smtClean="0"/>
-          </a:p>
-          <a:p>
-            <a:r>
-              <a:rPr lang="de-DE" dirty="0" smtClean="0"/>
-              <a:t>Contra: </a:t>
-            </a:r>
+            <a:r>
+              <a:rPr lang="de-DE" sz="2400" dirty="0" err="1" smtClean="0"/>
+              <a:t>Three</a:t>
+            </a:r>
+            <a:r>
+              <a:rPr lang="de-DE" sz="2400" dirty="0" smtClean="0"/>
+              <a:t> </a:t>
+            </a:r>
+            <a:r>
+              <a:rPr lang="de-DE" sz="2400" dirty="0" err="1" smtClean="0"/>
+              <a:t>letter</a:t>
+            </a:r>
+            <a:r>
+              <a:rPr lang="de-DE" sz="2400" dirty="0" smtClean="0"/>
+              <a:t> </a:t>
+            </a:r>
+            <a:r>
+              <a:rPr lang="de-DE" sz="2400" dirty="0" err="1" smtClean="0"/>
+              <a:t>agency</a:t>
+            </a:r>
+            <a:r>
+              <a:rPr lang="de-DE" sz="2400" dirty="0" smtClean="0"/>
+              <a:t> (TLA) </a:t>
+            </a:r>
+            <a:r>
+              <a:rPr lang="de-DE" sz="2400" dirty="0" err="1" smtClean="0"/>
+              <a:t>stores</a:t>
+            </a:r>
+            <a:r>
+              <a:rPr lang="de-DE" sz="2400" dirty="0" smtClean="0"/>
+              <a:t> all </a:t>
+            </a:r>
+            <a:r>
+              <a:rPr lang="de-DE" sz="2400" dirty="0" err="1" smtClean="0"/>
+              <a:t>ssl</a:t>
+            </a:r>
+            <a:r>
+              <a:rPr lang="de-DE" sz="2400" dirty="0" smtClean="0"/>
+              <a:t> </a:t>
+            </a:r>
+            <a:r>
+              <a:rPr lang="de-DE" sz="2400" dirty="0" err="1" smtClean="0"/>
+              <a:t>traffic</a:t>
+            </a:r>
+            <a:endParaRPr lang="de-DE" sz="2400" dirty="0" smtClean="0"/>
           </a:p>
           <a:p>
             <a:pPr lvl="1"/>
-            <a:endParaRPr lang="de-DE" dirty="0" smtClean="0"/>
+            <a:r>
+              <a:rPr lang="de-DE" sz="2400" dirty="0" err="1" smtClean="0"/>
+              <a:t>Someday</a:t>
+            </a:r>
+            <a:r>
+              <a:rPr lang="de-DE" sz="2400" dirty="0" smtClean="0"/>
+              <a:t> TLA </a:t>
+            </a:r>
+            <a:r>
+              <a:rPr lang="de-DE" sz="2400" dirty="0" err="1" smtClean="0"/>
+              <a:t>gains</a:t>
+            </a:r>
+            <a:r>
+              <a:rPr lang="de-DE" sz="2400" dirty="0" smtClean="0"/>
+              <a:t> </a:t>
+            </a:r>
+            <a:r>
+              <a:rPr lang="de-DE" sz="2400" dirty="0" err="1" smtClean="0"/>
+              <a:t>access</a:t>
+            </a:r>
+            <a:r>
+              <a:rPr lang="de-DE" sz="2400" dirty="0" smtClean="0"/>
+              <a:t> </a:t>
+            </a:r>
+            <a:r>
+              <a:rPr lang="de-DE" sz="2400" dirty="0" err="1" smtClean="0"/>
+              <a:t>to</a:t>
+            </a:r>
+            <a:r>
+              <a:rPr lang="de-DE" sz="2400" dirty="0" smtClean="0"/>
+              <a:t> </a:t>
+            </a:r>
+            <a:r>
+              <a:rPr lang="de-DE" sz="2400" dirty="0" err="1" smtClean="0"/>
+              <a:t>ssl</a:t>
+            </a:r>
+            <a:r>
+              <a:rPr lang="de-DE" sz="2400" dirty="0" smtClean="0"/>
+              <a:t>-private </a:t>
+            </a:r>
+            <a:r>
+              <a:rPr lang="de-DE" sz="2400" dirty="0" err="1" smtClean="0"/>
+              <a:t>key</a:t>
+            </a:r>
+            <a:r>
+              <a:rPr lang="de-DE" sz="2400" dirty="0" smtClean="0"/>
+              <a:t> </a:t>
+            </a:r>
+            <a:br>
+              <a:rPr lang="de-DE" sz="2400" dirty="0" smtClean="0"/>
+            </a:br>
+            <a:r>
+              <a:rPr lang="de-DE" sz="2400" dirty="0" smtClean="0"/>
+              <a:t>(</a:t>
+            </a:r>
+            <a:r>
+              <a:rPr lang="de-DE" sz="2400" dirty="0" err="1" smtClean="0"/>
+              <a:t>Brute</a:t>
+            </a:r>
+            <a:r>
+              <a:rPr lang="de-DE" sz="2400" dirty="0" smtClean="0"/>
+              <a:t> Force, </a:t>
+            </a:r>
+            <a:r>
+              <a:rPr lang="de-DE" sz="2400" dirty="0" err="1" smtClean="0"/>
+              <a:t>Physical</a:t>
+            </a:r>
+            <a:r>
+              <a:rPr lang="de-DE" sz="2400" dirty="0" smtClean="0"/>
+              <a:t> Force)</a:t>
+            </a:r>
           </a:p>
           <a:p>
             <a:pPr lvl="1"/>
             <a:r>
-              <a:rPr lang="de-DE" dirty="0" smtClean="0">
-                <a:solidFill>
-                  <a:srgbClr val="FF0000"/>
-                </a:solidFill>
-              </a:rPr>
-              <a:t>TODO: Daniel, Ramin</a:t>
-            </a:r>
-            <a:endParaRPr lang="de-DE" dirty="0">
-              <a:solidFill>
-                <a:srgbClr val="FF0000"/>
-              </a:solidFill>
-            </a:endParaRPr>
+              <a:rPr lang="de-DE" sz="2400" dirty="0" smtClean="0"/>
+              <a:t>TLA </a:t>
+            </a:r>
+            <a:r>
+              <a:rPr lang="de-DE" sz="2400" dirty="0" err="1" smtClean="0"/>
+              <a:t>can</a:t>
+            </a:r>
+            <a:r>
+              <a:rPr lang="de-DE" sz="2400" dirty="0" smtClean="0"/>
+              <a:t> </a:t>
+            </a:r>
+            <a:r>
+              <a:rPr lang="de-DE" sz="2400" dirty="0" err="1" smtClean="0"/>
+              <a:t>decrypt</a:t>
+            </a:r>
+            <a:r>
+              <a:rPr lang="de-DE" sz="2400" dirty="0" smtClean="0"/>
+              <a:t> all </a:t>
+            </a:r>
+            <a:r>
+              <a:rPr lang="de-DE" sz="2400" dirty="0" err="1" smtClean="0"/>
+              <a:t>stored</a:t>
+            </a:r>
+            <a:r>
+              <a:rPr lang="de-DE" sz="2400" dirty="0" smtClean="0"/>
+              <a:t> </a:t>
+            </a:r>
+            <a:r>
+              <a:rPr lang="de-DE" sz="2400" dirty="0" err="1" smtClean="0"/>
+              <a:t>traffic</a:t>
+            </a:r>
+            <a:endParaRPr lang="de-DE" sz="2400" dirty="0" smtClean="0"/>
           </a:p>
         </p:txBody>
       </p:sp>
@@ -4085,6 +4407,47 @@
           </a:p>
         </p:txBody>
       </p:sp>
+      <p:pic>
+        <p:nvPicPr>
+          <p:cNvPr id="2050" name="Picture 2" descr="Z:\Backup\RNS\_Docs\PKI-Workshop-BaCa\xkcd_security.png"/>
+          <p:cNvPicPr>
+            <a:picLocks noChangeAspect="1" noChangeArrowheads="1"/>
+          </p:cNvPicPr>
+          <p:nvPr/>
+        </p:nvPicPr>
+        <p:blipFill>
+          <a:blip r:embed="rId2">
+            <a:extLst>
+              <a:ext uri="{28A0092B-C50C-407E-A947-70E740481C1C}">
+                <a14:useLocalDpi xmlns:a14="http://schemas.microsoft.com/office/drawing/2010/main" val="0"/>
+              </a:ext>
+            </a:extLst>
+          </a:blip>
+          <a:srcRect/>
+          <a:stretch>
+            <a:fillRect/>
+          </a:stretch>
+        </p:blipFill>
+        <p:spPr bwMode="auto">
+          <a:xfrm>
+            <a:off x="3693433" y="3352946"/>
+            <a:ext cx="5119688" cy="3132138"/>
+          </a:xfrm>
+          <a:prstGeom prst="rect">
+            <a:avLst/>
+          </a:prstGeom>
+          <a:noFill/>
+          <a:extLst>
+            <a:ext uri="{909E8E84-426E-40DD-AFC4-6F175D3DCCD1}">
+              <a14:hiddenFill xmlns:a14="http://schemas.microsoft.com/office/drawing/2010/main">
+                <a:solidFill>
+                  <a:srgbClr val="FFFFFF"/>
+                </a:solidFill>
+              </a14:hiddenFill>
+            </a:ext>
+          </a:extLst>
+        </p:spPr>
+      </p:pic>
     </p:spTree>
     <p:extLst>
       <p:ext uri="{BB962C8B-B14F-4D97-AF65-F5344CB8AC3E}">
@@ -4131,399 +4494,302 @@
           <a:lstStyle/>
           <a:p>
             <a:r>
-              <a:rPr lang="de-DE" dirty="0" smtClean="0"/>
-              <a:t>RNGs</a:t>
+              <a:rPr lang="de-DE" dirty="0" err="1" smtClean="0"/>
+              <a:t>Perfect</a:t>
+            </a:r>
+            <a:r>
+              <a:rPr lang="de-DE" dirty="0" smtClean="0"/>
+              <a:t> Forward Secrecy</a:t>
+            </a:r>
+            <a:endParaRPr lang="de-AT" dirty="0"/>
+          </a:p>
+        </p:txBody>
+      </p:sp>
+      <p:sp>
+        <p:nvSpPr>
+          <p:cNvPr id="3" name="Inhaltsplatzhalter 2"/>
+          <p:cNvSpPr>
+            <a:spLocks noGrp="1"/>
+          </p:cNvSpPr>
+          <p:nvPr>
+            <p:ph idx="1"/>
+          </p:nvPr>
+        </p:nvSpPr>
+        <p:spPr/>
+        <p:txBody>
+          <a:bodyPr>
+            <a:normAutofit fontScale="85000" lnSpcReduction="10000"/>
+          </a:bodyPr>
+          <a:lstStyle/>
+          <a:p>
+            <a:r>
+              <a:rPr lang="de-DE" dirty="0"/>
+              <a:t>DH</a:t>
+            </a:r>
+            <a:r>
+              <a:rPr lang="de-DE" dirty="0">
+                <a:solidFill>
+                  <a:srgbClr val="008000"/>
+                </a:solidFill>
+              </a:rPr>
+              <a:t>E</a:t>
+            </a:r>
+            <a:r>
+              <a:rPr lang="de-DE" dirty="0"/>
+              <a:t>: Diffie Hellman </a:t>
+            </a:r>
+            <a:r>
+              <a:rPr lang="de-DE" dirty="0" err="1">
+                <a:solidFill>
+                  <a:srgbClr val="008000"/>
+                </a:solidFill>
+              </a:rPr>
+              <a:t>E</a:t>
+            </a:r>
+            <a:r>
+              <a:rPr lang="de-DE" dirty="0" err="1"/>
+              <a:t>phemeral</a:t>
             </a:r>
             <a:endParaRPr lang="de-DE" dirty="0"/>
           </a:p>
-        </p:txBody>
-      </p:sp>
-      <p:sp>
-        <p:nvSpPr>
-          <p:cNvPr id="3" name="Inhaltsplatzhalter 2"/>
-          <p:cNvSpPr>
-            <a:spLocks noGrp="1"/>
-          </p:cNvSpPr>
-          <p:nvPr>
-            <p:ph idx="1"/>
-          </p:nvPr>
-        </p:nvSpPr>
-        <p:spPr/>
-        <p:txBody>
-          <a:bodyPr>
-            <a:normAutofit fontScale="92500" lnSpcReduction="10000"/>
-          </a:bodyPr>
-          <a:lstStyle/>
-          <a:p>
-            <a:r>
-              <a:rPr lang="de-DE" dirty="0" err="1" smtClean="0"/>
-              <a:t>Entropy</a:t>
-            </a:r>
-            <a:r>
-              <a:rPr lang="de-DE" dirty="0" smtClean="0"/>
-              <a:t> after </a:t>
-            </a:r>
-            <a:r>
-              <a:rPr lang="de-DE" dirty="0" err="1" smtClean="0"/>
-              <a:t>startup</a:t>
-            </a:r>
-            <a:r>
-              <a:rPr lang="de-DE" dirty="0" smtClean="0"/>
+          <a:p>
+            <a:r>
+              <a:rPr lang="de-DE" dirty="0" err="1"/>
+              <a:t>Ephemeral</a:t>
+            </a:r>
+            <a:r>
+              <a:rPr lang="de-DE" dirty="0"/>
               <a:t>: </a:t>
             </a:r>
             <a:r>
-              <a:rPr lang="de-DE" dirty="0" err="1" smtClean="0"/>
-              <a:t>embedded</a:t>
-            </a:r>
-            <a:r>
-              <a:rPr lang="de-DE" dirty="0" smtClean="0"/>
-              <a:t> </a:t>
-            </a:r>
-            <a:r>
-              <a:rPr lang="de-DE" dirty="0" err="1" smtClean="0"/>
-              <a:t>devices</a:t>
+              <a:rPr lang="de-DE" dirty="0" err="1"/>
+              <a:t>new</a:t>
+            </a:r>
+            <a:r>
+              <a:rPr lang="de-DE" dirty="0"/>
+              <a:t> </a:t>
+            </a:r>
+            <a:r>
+              <a:rPr lang="de-DE" dirty="0" err="1"/>
+              <a:t>key</a:t>
+            </a:r>
+            <a:r>
+              <a:rPr lang="de-DE" dirty="0"/>
+              <a:t> </a:t>
+            </a:r>
+            <a:r>
+              <a:rPr lang="de-DE" dirty="0" err="1"/>
+              <a:t>for</a:t>
+            </a:r>
+            <a:r>
+              <a:rPr lang="de-DE" dirty="0"/>
+              <a:t> </a:t>
+            </a:r>
+            <a:r>
+              <a:rPr lang="de-DE" dirty="0" err="1"/>
+              <a:t>each</a:t>
+            </a:r>
+            <a:r>
+              <a:rPr lang="de-DE" dirty="0"/>
+              <a:t> </a:t>
+            </a:r>
+            <a:r>
+              <a:rPr lang="de-DE" dirty="0" err="1"/>
+              <a:t>execution</a:t>
+            </a:r>
+            <a:r>
+              <a:rPr lang="de-DE" dirty="0"/>
+              <a:t> </a:t>
+            </a:r>
+            <a:r>
+              <a:rPr lang="de-DE" dirty="0" err="1"/>
+              <a:t>of</a:t>
+            </a:r>
+            <a:r>
+              <a:rPr lang="de-DE" dirty="0"/>
+              <a:t> a </a:t>
+            </a:r>
+            <a:r>
+              <a:rPr lang="de-DE" dirty="0" err="1"/>
+              <a:t>key</a:t>
+            </a:r>
+            <a:r>
+              <a:rPr lang="de-DE" dirty="0"/>
+              <a:t> </a:t>
+            </a:r>
+            <a:r>
+              <a:rPr lang="de-DE" dirty="0" err="1"/>
+              <a:t>exchange</a:t>
+            </a:r>
+            <a:r>
+              <a:rPr lang="de-DE" dirty="0"/>
+              <a:t> </a:t>
+            </a:r>
+            <a:r>
+              <a:rPr lang="de-DE" dirty="0" err="1" smtClean="0"/>
+              <a:t>process</a:t>
             </a:r>
             <a:endParaRPr lang="de-DE" dirty="0" smtClean="0"/>
           </a:p>
           <a:p>
             <a:r>
               <a:rPr lang="de-DE" dirty="0" smtClean="0"/>
-              <a:t>Dual EC_DRBG </a:t>
-            </a:r>
-            <a:r>
-              <a:rPr lang="de-DE" dirty="0" err="1" smtClean="0"/>
-              <a:t>is</a:t>
-            </a:r>
-            <a:r>
-              <a:rPr lang="de-DE" dirty="0" smtClean="0"/>
-              <a:t> </a:t>
-            </a:r>
-            <a:r>
-              <a:rPr lang="de-DE" dirty="0" err="1" smtClean="0"/>
-              <a:t>known</a:t>
-            </a:r>
-            <a:r>
-              <a:rPr lang="de-DE" dirty="0" smtClean="0"/>
-              <a:t> </a:t>
-            </a:r>
-            <a:r>
-              <a:rPr lang="de-DE" dirty="0" err="1" smtClean="0"/>
-              <a:t>weak</a:t>
-            </a:r>
-            <a:r>
-              <a:rPr lang="de-DE" dirty="0" smtClean="0"/>
-              <a:t> (RSA </a:t>
-            </a:r>
-            <a:r>
-              <a:rPr lang="de-DE" dirty="0" err="1" smtClean="0"/>
-              <a:t>used</a:t>
-            </a:r>
-            <a:r>
-              <a:rPr lang="de-DE" dirty="0" smtClean="0"/>
-              <a:t> </a:t>
-            </a:r>
-            <a:r>
-              <a:rPr lang="de-DE" dirty="0" err="1" smtClean="0"/>
-              <a:t>it</a:t>
-            </a:r>
-            <a:r>
-              <a:rPr lang="de-DE" dirty="0" smtClean="0"/>
-              <a:t>)</a:t>
-            </a:r>
-          </a:p>
-          <a:p>
-            <a:r>
-              <a:rPr lang="de-DE" dirty="0" smtClean="0">
-                <a:solidFill>
-                  <a:srgbClr val="FF0000"/>
-                </a:solidFill>
-              </a:rPr>
-              <a:t>Daniel: Paper (</a:t>
-            </a:r>
-            <a:r>
-              <a:rPr lang="de-DE" dirty="0" err="1" smtClean="0">
-                <a:solidFill>
-                  <a:srgbClr val="FF0000"/>
-                </a:solidFill>
-              </a:rPr>
-              <a:t>Lenstra</a:t>
-            </a:r>
-            <a:r>
-              <a:rPr lang="de-DE" dirty="0" smtClean="0">
-                <a:solidFill>
-                  <a:srgbClr val="FF0000"/>
-                </a:solidFill>
-              </a:rPr>
-              <a:t>?) 2%-5% of </a:t>
-            </a:r>
-            <a:r>
-              <a:rPr lang="de-DE" dirty="0" err="1" smtClean="0">
-                <a:solidFill>
-                  <a:srgbClr val="FF0000"/>
-                </a:solidFill>
-              </a:rPr>
-              <a:t>p,q</a:t>
-            </a:r>
-            <a:r>
-              <a:rPr lang="de-DE" dirty="0" smtClean="0">
-                <a:solidFill>
-                  <a:srgbClr val="FF0000"/>
-                </a:solidFill>
-              </a:rPr>
-              <a:t> was </a:t>
-            </a:r>
-            <a:r>
-              <a:rPr lang="de-DE" dirty="0" err="1" smtClean="0">
-                <a:solidFill>
-                  <a:srgbClr val="FF0000"/>
-                </a:solidFill>
-              </a:rPr>
-              <a:t>guessable</a:t>
-            </a:r>
-            <a:endParaRPr lang="de-DE" dirty="0" smtClean="0">
-              <a:solidFill>
-                <a:srgbClr val="FF0000"/>
-              </a:solidFill>
-            </a:endParaRPr>
-          </a:p>
-          <a:p>
-            <a:r>
-              <a:rPr lang="de-DE" dirty="0" err="1" smtClean="0"/>
-              <a:t>Use</a:t>
-            </a:r>
-            <a:r>
-              <a:rPr lang="de-DE" dirty="0" smtClean="0"/>
-              <a:t> tools such </a:t>
-            </a:r>
-            <a:r>
-              <a:rPr lang="de-DE" dirty="0" err="1" smtClean="0"/>
-              <a:t>as</a:t>
-            </a:r>
-            <a:r>
-              <a:rPr lang="de-DE" dirty="0" smtClean="0"/>
-              <a:t> </a:t>
-            </a:r>
-            <a:r>
-              <a:rPr lang="de-DE" dirty="0" err="1" smtClean="0"/>
-              <a:t>HavGE</a:t>
-            </a:r>
-            <a:r>
-              <a:rPr lang="de-DE" dirty="0" smtClean="0"/>
-              <a:t> </a:t>
-            </a:r>
-            <a:r>
-              <a:rPr lang="de-DE" dirty="0" err="1" smtClean="0"/>
-              <a:t>to</a:t>
-            </a:r>
-            <a:r>
-              <a:rPr lang="de-DE" dirty="0" smtClean="0"/>
-              <a:t> </a:t>
-            </a:r>
-            <a:r>
-              <a:rPr lang="de-DE" dirty="0" err="1" smtClean="0"/>
-              <a:t>increase</a:t>
-            </a:r>
-            <a:r>
-              <a:rPr lang="de-DE" dirty="0" smtClean="0"/>
-              <a:t> </a:t>
-            </a:r>
-            <a:r>
-              <a:rPr lang="de-DE" dirty="0" err="1" smtClean="0"/>
-              <a:t>entropy</a:t>
+              <a:t>SSL private-Key </a:t>
+            </a:r>
+            <a:r>
+              <a:rPr lang="de-DE" dirty="0" err="1" smtClean="0"/>
+              <a:t>only</a:t>
+            </a:r>
+            <a:r>
+              <a:rPr lang="de-DE" dirty="0" smtClean="0"/>
+              <a:t> </a:t>
+            </a:r>
+            <a:r>
+              <a:rPr lang="de-DE" dirty="0" err="1" smtClean="0"/>
+              <a:t>for</a:t>
+            </a:r>
+            <a:r>
+              <a:rPr lang="de-DE" dirty="0" smtClean="0"/>
+              <a:t> </a:t>
+            </a:r>
+            <a:r>
+              <a:rPr lang="de-DE" dirty="0" err="1" smtClean="0"/>
+              <a:t>authentication</a:t>
+            </a:r>
+            <a:endParaRPr lang="de-DE" dirty="0"/>
+          </a:p>
+          <a:p>
+            <a:r>
+              <a:rPr lang="de-DE" dirty="0" smtClean="0"/>
+              <a:t>Alternative </a:t>
+            </a:r>
+            <a:r>
+              <a:rPr lang="de-DE" dirty="0" err="1" smtClean="0"/>
+              <a:t>new</a:t>
+            </a:r>
+            <a:r>
+              <a:rPr lang="de-DE" dirty="0" smtClean="0"/>
+              <a:t> </a:t>
+            </a:r>
+            <a:r>
+              <a:rPr lang="de-DE" dirty="0" err="1" smtClean="0"/>
+              <a:t>ssl</a:t>
+            </a:r>
+            <a:r>
+              <a:rPr lang="de-DE" dirty="0" smtClean="0"/>
+              <a:t> private </a:t>
+            </a:r>
+            <a:r>
+              <a:rPr lang="de-DE" dirty="0" err="1" smtClean="0"/>
+              <a:t>key</a:t>
+            </a:r>
+            <a:r>
+              <a:rPr lang="de-DE" dirty="0" smtClean="0"/>
+              <a:t> </a:t>
+            </a:r>
+            <a:r>
+              <a:rPr lang="de-DE" dirty="0" err="1" smtClean="0"/>
+              <a:t>every</a:t>
+            </a:r>
+            <a:r>
+              <a:rPr lang="de-DE" dirty="0" smtClean="0"/>
+              <a:t> x </a:t>
+            </a:r>
+            <a:r>
+              <a:rPr lang="de-DE" strike="sngStrike" dirty="0" err="1" smtClean="0"/>
+              <a:t>days</a:t>
+            </a:r>
+            <a:r>
+              <a:rPr lang="de-DE" dirty="0" smtClean="0"/>
+              <a:t> </a:t>
+            </a:r>
+            <a:r>
+              <a:rPr lang="de-DE" dirty="0" err="1" smtClean="0"/>
+              <a:t>months</a:t>
+            </a:r>
+            <a:endParaRPr lang="de-DE" dirty="0"/>
+          </a:p>
+          <a:p>
+            <a:r>
+              <a:rPr lang="de-DE" dirty="0"/>
+              <a:t>Pro:</a:t>
+            </a:r>
+          </a:p>
+          <a:p>
+            <a:pPr lvl="1"/>
+            <a:r>
+              <a:rPr lang="de-DE" dirty="0" err="1" smtClean="0"/>
+              <a:t>Highest</a:t>
+            </a:r>
+            <a:r>
+              <a:rPr lang="de-DE" dirty="0" smtClean="0"/>
+              <a:t> Security </a:t>
+            </a:r>
+            <a:r>
+              <a:rPr lang="de-DE" dirty="0" err="1" smtClean="0"/>
+              <a:t>against</a:t>
+            </a:r>
+            <a:r>
+              <a:rPr lang="de-DE" dirty="0" smtClean="0"/>
+              <a:t> </a:t>
+            </a:r>
+            <a:r>
+              <a:rPr lang="de-DE" dirty="0" err="1" smtClean="0"/>
+              <a:t>future</a:t>
+            </a:r>
+            <a:r>
+              <a:rPr lang="de-DE" dirty="0" smtClean="0"/>
+              <a:t> </a:t>
+            </a:r>
+            <a:r>
+              <a:rPr lang="de-DE" dirty="0" err="1" smtClean="0"/>
+              <a:t>attacks</a:t>
+            </a:r>
+            <a:endParaRPr lang="de-DE" dirty="0"/>
+          </a:p>
+          <a:p>
+            <a:r>
+              <a:rPr lang="de-DE" dirty="0"/>
+              <a:t>Contra: </a:t>
+            </a:r>
+          </a:p>
+          <a:p>
+            <a:pPr lvl="1"/>
+            <a:r>
+              <a:rPr lang="de-DE" dirty="0" err="1" smtClean="0"/>
+              <a:t>Elliptic</a:t>
+            </a:r>
+            <a:r>
+              <a:rPr lang="de-DE" dirty="0" smtClean="0"/>
+              <a:t> </a:t>
+            </a:r>
+            <a:r>
+              <a:rPr lang="de-DE" dirty="0" err="1" smtClean="0"/>
+              <a:t>Curve</a:t>
             </a:r>
             <a:endParaRPr lang="de-DE" dirty="0" smtClean="0"/>
           </a:p>
           <a:p>
-            <a:r>
-              <a:rPr lang="de-DE" dirty="0" smtClean="0"/>
-              <a:t>RNGs are </a:t>
-            </a:r>
-            <a:r>
-              <a:rPr lang="de-DE" i="1" dirty="0" err="1" smtClean="0"/>
-              <a:t>important</a:t>
-            </a:r>
-            <a:r>
-              <a:rPr lang="de-DE" dirty="0" smtClean="0"/>
-              <a:t>. </a:t>
+            <a:pPr lvl="1"/>
+            <a:r>
+              <a:rPr lang="de-DE" dirty="0" smtClean="0"/>
+              <a:t>Processing </a:t>
+            </a:r>
+            <a:r>
+              <a:rPr lang="de-DE" dirty="0" err="1" smtClean="0"/>
+              <a:t>costs</a:t>
             </a:r>
             <a:endParaRPr lang="de-DE" dirty="0"/>
           </a:p>
           <a:p>
-            <a:r>
-              <a:rPr lang="de-DE" dirty="0" smtClean="0"/>
-              <a:t>Re-</a:t>
-            </a:r>
-            <a:r>
-              <a:rPr lang="de-DE" dirty="0" err="1" smtClean="0"/>
-              <a:t>generate</a:t>
-            </a:r>
-            <a:r>
-              <a:rPr lang="de-DE" dirty="0" smtClean="0"/>
-              <a:t> keys </a:t>
-            </a:r>
-            <a:r>
-              <a:rPr lang="de-DE" dirty="0" err="1" smtClean="0"/>
-              <a:t>from</a:t>
-            </a:r>
-            <a:r>
-              <a:rPr lang="de-DE" dirty="0" smtClean="0"/>
-              <a:t> time </a:t>
-            </a:r>
-            <a:r>
-              <a:rPr lang="de-DE" dirty="0" err="1" smtClean="0"/>
-              <a:t>to</a:t>
-            </a:r>
-            <a:r>
-              <a:rPr lang="de-DE" dirty="0" smtClean="0"/>
-              <a:t> time</a:t>
-            </a:r>
-          </a:p>
-          <a:p>
-            <a:r>
-              <a:rPr lang="de-DE" dirty="0" smtClean="0"/>
-              <a:t>Intel RNG: ? </a:t>
-            </a:r>
-            <a:r>
-              <a:rPr lang="de-DE" dirty="0" err="1" smtClean="0"/>
-              <a:t>It</a:t>
-            </a:r>
-            <a:r>
-              <a:rPr lang="de-DE" dirty="0" smtClean="0"/>
-              <a:t> </a:t>
-            </a:r>
-            <a:r>
-              <a:rPr lang="de-DE" dirty="0" err="1" smtClean="0"/>
-              <a:t>does</a:t>
-            </a:r>
-            <a:r>
-              <a:rPr lang="de-DE" dirty="0" smtClean="0"/>
-              <a:t> not </a:t>
-            </a:r>
-            <a:r>
-              <a:rPr lang="de-DE" dirty="0" err="1" smtClean="0"/>
-              <a:t>harm</a:t>
-            </a:r>
-            <a:r>
-              <a:rPr lang="de-DE" dirty="0" smtClean="0"/>
-              <a:t> </a:t>
-            </a:r>
-            <a:r>
-              <a:rPr lang="de-DE" dirty="0" err="1" smtClean="0"/>
-              <a:t>to</a:t>
-            </a:r>
-            <a:r>
-              <a:rPr lang="de-DE" dirty="0" smtClean="0"/>
-              <a:t> </a:t>
-            </a:r>
-            <a:r>
-              <a:rPr lang="de-DE" dirty="0" err="1" smtClean="0"/>
-              <a:t>add</a:t>
-            </a:r>
-            <a:r>
-              <a:rPr lang="de-DE" dirty="0" smtClean="0"/>
-              <a:t> it. </a:t>
-            </a:r>
-            <a:r>
-              <a:rPr lang="de-DE" dirty="0" err="1" smtClean="0"/>
-              <a:t>Entropy</a:t>
-            </a:r>
-            <a:r>
-              <a:rPr lang="de-DE" dirty="0" smtClean="0"/>
-              <a:t> </a:t>
-            </a:r>
-            <a:r>
-              <a:rPr lang="de-DE" dirty="0" err="1" smtClean="0"/>
-              <a:t>only</a:t>
-            </a:r>
-            <a:r>
-              <a:rPr lang="de-DE" dirty="0" smtClean="0"/>
-              <a:t> </a:t>
-            </a:r>
-            <a:r>
-              <a:rPr lang="de-DE" dirty="0" err="1" smtClean="0"/>
-              <a:t>goes</a:t>
-            </a:r>
-            <a:r>
-              <a:rPr lang="de-DE" dirty="0" smtClean="0"/>
-              <a:t> </a:t>
-            </a:r>
-            <a:r>
-              <a:rPr lang="de-DE" dirty="0" err="1" smtClean="0"/>
-              <a:t>up</a:t>
-            </a:r>
-            <a:r>
-              <a:rPr lang="de-DE" dirty="0"/>
-              <a:t> </a:t>
-            </a:r>
-            <a:r>
-              <a:rPr lang="de-DE" dirty="0" smtClean="0"/>
-              <a:t>(in </a:t>
-            </a:r>
-            <a:r>
-              <a:rPr lang="de-DE" dirty="0" err="1" smtClean="0"/>
-              <a:t>the</a:t>
-            </a:r>
-            <a:r>
-              <a:rPr lang="de-DE" dirty="0" smtClean="0"/>
-              <a:t> </a:t>
-            </a:r>
-            <a:r>
-              <a:rPr lang="de-DE" dirty="0" err="1" smtClean="0"/>
-              <a:t>long</a:t>
-            </a:r>
-            <a:r>
-              <a:rPr lang="de-DE" dirty="0" smtClean="0"/>
-              <a:t> </a:t>
-            </a:r>
-            <a:r>
-              <a:rPr lang="de-DE" dirty="0" err="1" smtClean="0"/>
-              <a:t>run</a:t>
-            </a:r>
-            <a:r>
-              <a:rPr lang="de-DE" dirty="0" smtClean="0"/>
-              <a:t>).</a:t>
-            </a:r>
-            <a:endParaRPr lang="de-DE" dirty="0"/>
-          </a:p>
-          <a:p>
-            <a:endParaRPr lang="de-DE" dirty="0"/>
-          </a:p>
-        </p:txBody>
-      </p:sp>
-      <p:sp>
-        <p:nvSpPr>
-          <p:cNvPr id="4" name="Textfeld 3"/>
-          <p:cNvSpPr txBox="1"/>
-          <p:nvPr/>
-        </p:nvSpPr>
-        <p:spPr>
-          <a:xfrm>
-            <a:off x="7318323" y="6126163"/>
-            <a:ext cx="1676031" cy="369332"/>
-          </a:xfrm>
-          <a:prstGeom prst="rect">
-            <a:avLst/>
-          </a:prstGeom>
-          <a:noFill/>
-        </p:spPr>
-        <p:txBody>
-          <a:bodyPr wrap="square" rtlCol="0">
-            <a:spAutoFit/>
-          </a:bodyPr>
-          <a:lstStyle/>
-          <a:p>
-            <a:r>
-              <a:rPr lang="de-DE" dirty="0" smtClean="0"/>
-              <a:t>Ramin, Daniel</a:t>
-            </a:r>
-            <a:endParaRPr lang="de-DE" dirty="0"/>
+            <a:endParaRPr lang="de-AT" dirty="0"/>
           </a:p>
         </p:txBody>
       </p:sp>
     </p:spTree>
     <p:extLst>
       <p:ext uri="{BB962C8B-B14F-4D97-AF65-F5344CB8AC3E}">
-        <p14:creationId xmlns:p14="http://schemas.microsoft.com/office/powerpoint/2010/main" val="609016222"/>
+        <p14:creationId xmlns:p14="http://schemas.microsoft.com/office/powerpoint/2010/main" val="2158474236"/>
       </p:ext>
     </p:extLst>
   </p:cSld>
@@ -4566,66 +4832,182 @@
           <a:lstStyle/>
           <a:p>
             <a:r>
-              <a:rPr lang="de-DE" dirty="0" err="1" smtClean="0"/>
-              <a:t>Attacks</a:t>
-            </a:r>
+              <a:rPr lang="de-AT" dirty="0" smtClean="0"/>
+              <a:t>RNGs</a:t>
+            </a:r>
+            <a:endParaRPr lang="de-AT" dirty="0"/>
+          </a:p>
+        </p:txBody>
+      </p:sp>
+      <p:sp>
+        <p:nvSpPr>
+          <p:cNvPr id="3" name="Inhaltsplatzhalter 2"/>
+          <p:cNvSpPr>
+            <a:spLocks noGrp="1"/>
+          </p:cNvSpPr>
+          <p:nvPr>
+            <p:ph idx="1"/>
+          </p:nvPr>
+        </p:nvSpPr>
+        <p:spPr/>
+        <p:txBody>
+          <a:bodyPr/>
+          <a:lstStyle/>
+          <a:p>
+            <a:r>
+              <a:rPr lang="de-DE" dirty="0"/>
+              <a:t>RNGs </a:t>
+            </a:r>
+            <a:r>
+              <a:rPr lang="de-DE" dirty="0" err="1"/>
+              <a:t>are</a:t>
+            </a:r>
+            <a:r>
+              <a:rPr lang="de-DE" dirty="0"/>
+              <a:t> </a:t>
+            </a:r>
+            <a:r>
+              <a:rPr lang="de-DE" i="1" dirty="0" err="1"/>
+              <a:t>important</a:t>
+            </a:r>
+            <a:r>
+              <a:rPr lang="de-DE" dirty="0"/>
+              <a:t>. </a:t>
+            </a:r>
+            <a:endParaRPr lang="de-AT" dirty="0" smtClean="0"/>
+          </a:p>
+          <a:p>
+            <a:r>
+              <a:rPr lang="de-AT" dirty="0" smtClean="0"/>
+              <a:t>Nadia </a:t>
+            </a:r>
+            <a:r>
+              <a:rPr lang="de-AT" dirty="0" err="1" smtClean="0"/>
+              <a:t>Heninger</a:t>
+            </a:r>
+            <a:r>
+              <a:rPr lang="de-AT" dirty="0" smtClean="0"/>
+              <a:t> et al / </a:t>
+            </a:r>
+            <a:r>
+              <a:rPr lang="de-AT" dirty="0" err="1" smtClean="0"/>
+              <a:t>Lenstra</a:t>
+            </a:r>
+            <a:r>
+              <a:rPr lang="de-AT" dirty="0" smtClean="0"/>
+              <a:t> et al</a:t>
+            </a:r>
+          </a:p>
+          <a:p>
+            <a:endParaRPr lang="de-DE" dirty="0" smtClean="0"/>
+          </a:p>
+          <a:p>
             <a:endParaRPr lang="de-DE" dirty="0"/>
           </a:p>
-        </p:txBody>
-      </p:sp>
-      <p:sp>
-        <p:nvSpPr>
-          <p:cNvPr id="4" name="Textplatzhalter 3"/>
-          <p:cNvSpPr>
-            <a:spLocks noGrp="1"/>
-          </p:cNvSpPr>
-          <p:nvPr>
-            <p:ph type="body" idx="1"/>
-          </p:nvPr>
-        </p:nvSpPr>
-        <p:spPr/>
-        <p:txBody>
-          <a:bodyPr/>
-          <a:lstStyle/>
-          <a:p>
-            <a:endParaRPr lang="de-DE"/>
-          </a:p>
-        </p:txBody>
-      </p:sp>
-      <p:sp>
-        <p:nvSpPr>
-          <p:cNvPr id="5" name="Textfeld 4"/>
-          <p:cNvSpPr txBox="1"/>
+          <a:p>
+            <a:endParaRPr lang="de-DE" dirty="0" smtClean="0"/>
+          </a:p>
+          <a:p>
+            <a:endParaRPr lang="de-DE" dirty="0"/>
+          </a:p>
+          <a:p>
+            <a:r>
+              <a:rPr lang="de-DE" dirty="0" err="1" smtClean="0"/>
+              <a:t>Entropy</a:t>
+            </a:r>
+            <a:r>
+              <a:rPr lang="de-DE" dirty="0" smtClean="0"/>
+              <a:t> </a:t>
+            </a:r>
+            <a:r>
+              <a:rPr lang="de-DE" dirty="0"/>
+              <a:t>after </a:t>
+            </a:r>
+            <a:r>
+              <a:rPr lang="de-DE" dirty="0" err="1"/>
+              <a:t>startup</a:t>
+            </a:r>
+            <a:r>
+              <a:rPr lang="de-DE" dirty="0"/>
+              <a:t>: </a:t>
+            </a:r>
+            <a:r>
+              <a:rPr lang="de-DE" dirty="0" err="1"/>
+              <a:t>embedded</a:t>
+            </a:r>
+            <a:r>
+              <a:rPr lang="de-DE" dirty="0"/>
+              <a:t> </a:t>
+            </a:r>
+            <a:r>
+              <a:rPr lang="de-DE" dirty="0" err="1"/>
+              <a:t>devices</a:t>
+            </a:r>
+            <a:endParaRPr lang="de-DE" dirty="0"/>
+          </a:p>
+          <a:p>
+            <a:endParaRPr lang="de-AT" dirty="0"/>
+          </a:p>
+        </p:txBody>
+      </p:sp>
+      <p:pic>
+        <p:nvPicPr>
+          <p:cNvPr id="3074" name="Picture 2"/>
+          <p:cNvPicPr>
+            <a:picLocks noChangeAspect="1" noChangeArrowheads="1"/>
+          </p:cNvPicPr>
           <p:nvPr/>
-        </p:nvSpPr>
-        <p:spPr>
+        </p:nvPicPr>
+        <p:blipFill>
+          <a:blip r:embed="rId2">
+            <a:extLst>
+              <a:ext uri="{28A0092B-C50C-407E-A947-70E740481C1C}">
+                <a14:useLocalDpi xmlns:a14="http://schemas.microsoft.com/office/drawing/2010/main" val="0"/>
+              </a:ext>
+            </a:extLst>
+          </a:blip>
+          <a:srcRect/>
+          <a:stretch>
+            <a:fillRect/>
+          </a:stretch>
+        </p:blipFill>
+        <p:spPr bwMode="auto">
           <a:xfrm>
-            <a:off x="7318323" y="6126163"/>
-            <a:ext cx="1676031" cy="369332"/>
+            <a:off x="1072592" y="2707545"/>
+            <a:ext cx="6619875" cy="2447925"/>
           </a:xfrm>
           <a:prstGeom prst="rect">
             <a:avLst/>
           </a:prstGeom>
           <a:noFill/>
+          <a:ln>
+            <a:noFill/>
+          </a:ln>
+          <a:extLst>
+            <a:ext uri="{909E8E84-426E-40DD-AFC4-6F175D3DCCD1}">
+              <a14:hiddenFill xmlns:a14="http://schemas.microsoft.com/office/drawing/2010/main">
+                <a:solidFill>
+                  <a:schemeClr val="accent1"/>
+                </a:solidFill>
+              </a14:hiddenFill>
+            </a:ext>
+            <a:ext uri="{91240B29-F687-4F45-9708-019B960494DF}">
+              <a14:hiddenLine xmlns:a14="http://schemas.microsoft.com/office/drawing/2010/main" w="9525">
+                <a:solidFill>
+                  <a:schemeClr val="tx1"/>
+                </a:solidFill>
+                <a:miter lim="800000"/>
+                <a:headEnd/>
+                <a:tailEnd/>
+              </a14:hiddenLine>
+            </a:ext>
+          </a:extLst>
         </p:spPr>
-        <p:txBody>
-          <a:bodyPr wrap="square" rtlCol="0">
-            <a:spAutoFit/>
-          </a:bodyPr>
-          <a:lstStyle/>
-          <a:p>
-            <a:r>
-              <a:rPr lang="de-DE" dirty="0" smtClean="0"/>
-              <a:t>Ramin, Daniel</a:t>
-            </a:r>
-            <a:endParaRPr lang="de-DE" dirty="0"/>
-          </a:p>
-        </p:txBody>
-      </p:sp>
+      </p:pic>
     </p:spTree>
     <p:extLst>
       <p:ext uri="{BB962C8B-B14F-4D97-AF65-F5344CB8AC3E}">
-        <p14:creationId xmlns:p14="http://schemas.microsoft.com/office/powerpoint/2010/main" val="2435306798"/>
+        <p14:creationId xmlns:p14="http://schemas.microsoft.com/office/powerpoint/2010/main" val="4035698347"/>
       </p:ext>
     </p:extLst>
   </p:cSld>
@@ -4654,7 +5036,7 @@
       </p:grpSpPr>
       <p:sp>
         <p:nvSpPr>
-          <p:cNvPr id="4" name="Titel 3"/>
+          <p:cNvPr id="2" name="Titel 1"/>
           <p:cNvSpPr>
             <a:spLocks noGrp="1"/>
           </p:cNvSpPr>
@@ -4668,8 +5050,8 @@
           <a:lstStyle/>
           <a:p>
             <a:r>
-              <a:rPr lang="de-DE" dirty="0" err="1" smtClean="0"/>
-              <a:t>Attacks</a:t>
+              <a:rPr lang="de-DE" dirty="0" smtClean="0"/>
+              <a:t>RNGs</a:t>
             </a:r>
             <a:endParaRPr lang="de-DE" dirty="0"/>
           </a:p>
@@ -4677,7 +5059,7 @@
       </p:sp>
       <p:sp>
         <p:nvSpPr>
-          <p:cNvPr id="5" name="Inhaltsplatzhalter 4"/>
+          <p:cNvPr id="3" name="Inhaltsplatzhalter 2"/>
           <p:cNvSpPr>
             <a:spLocks noGrp="1"/>
           </p:cNvSpPr>
@@ -4687,33 +5069,286 @@
         </p:nvSpPr>
         <p:spPr/>
         <p:txBody>
-          <a:bodyPr/>
-          <a:lstStyle/>
-          <a:p>
-            <a:r>
-              <a:rPr lang="de-DE" dirty="0" err="1" smtClean="0"/>
-              <a:t>Beast</a:t>
+          <a:bodyPr>
+            <a:normAutofit lnSpcReduction="10000"/>
+          </a:bodyPr>
+          <a:lstStyle/>
+          <a:p>
+            <a:r>
+              <a:rPr lang="de-DE" dirty="0" err="1" smtClean="0"/>
+              <a:t>Weak</a:t>
+            </a:r>
+            <a:r>
+              <a:rPr lang="de-DE" dirty="0" smtClean="0"/>
+              <a:t> RNG</a:t>
+            </a:r>
+          </a:p>
+          <a:p>
+            <a:pPr lvl="1"/>
+            <a:r>
+              <a:rPr lang="de-DE" dirty="0" smtClean="0"/>
+              <a:t>Dual </a:t>
+            </a:r>
+            <a:r>
+              <a:rPr lang="de-DE" dirty="0" smtClean="0"/>
+              <a:t>EC_DRBG </a:t>
+            </a:r>
+            <a:r>
+              <a:rPr lang="de-DE" dirty="0" err="1" smtClean="0"/>
+              <a:t>is</a:t>
+            </a:r>
+            <a:r>
+              <a:rPr lang="de-DE" dirty="0" smtClean="0"/>
+              <a:t> </a:t>
+            </a:r>
+            <a:r>
+              <a:rPr lang="de-DE" dirty="0" err="1" smtClean="0"/>
+              <a:t>weak</a:t>
+            </a:r>
+            <a:r>
+              <a:rPr lang="de-DE" dirty="0" smtClean="0"/>
+              <a:t> (</a:t>
+            </a:r>
+            <a:r>
+              <a:rPr lang="de-DE" dirty="0" err="1" smtClean="0"/>
+              <a:t>slow</a:t>
+            </a:r>
+            <a:r>
+              <a:rPr lang="de-DE" dirty="0" smtClean="0"/>
+              <a:t>, </a:t>
+            </a:r>
+            <a:r>
+              <a:rPr lang="de-DE" dirty="0" err="1" smtClean="0"/>
+              <a:t>used</a:t>
+            </a:r>
+            <a:r>
+              <a:rPr lang="de-DE" dirty="0" smtClean="0"/>
+              <a:t> in RSA-</a:t>
+            </a:r>
+            <a:r>
+              <a:rPr lang="de-DE" dirty="0" err="1" smtClean="0"/>
+              <a:t>toolkit</a:t>
+            </a:r>
+            <a:r>
+              <a:rPr lang="de-DE" dirty="0" smtClean="0"/>
+              <a:t>)</a:t>
             </a:r>
             <a:endParaRPr lang="de-DE" dirty="0" smtClean="0"/>
           </a:p>
           <a:p>
-            <a:r>
-              <a:rPr lang="de-DE" dirty="0" smtClean="0"/>
-              <a:t>Lucky 13</a:t>
-            </a:r>
-          </a:p>
-          <a:p>
-            <a:r>
-              <a:rPr lang="de-DE" dirty="0" smtClean="0"/>
-              <a:t>.... TODO Daniel</a:t>
+            <a:pPr lvl="1"/>
+            <a:r>
+              <a:rPr lang="de-DE" dirty="0" smtClean="0"/>
+              <a:t>Intel RNG </a:t>
+            </a:r>
+            <a:r>
+              <a:rPr lang="de-DE" b="1" dirty="0" smtClean="0"/>
+              <a:t>?</a:t>
+            </a:r>
+            <a:r>
+              <a:rPr lang="de-DE" dirty="0" smtClean="0"/>
+              <a:t> </a:t>
+            </a:r>
+            <a:r>
+              <a:rPr lang="de-DE" dirty="0" err="1" smtClean="0"/>
+              <a:t>Recommendation</a:t>
+            </a:r>
+            <a:r>
+              <a:rPr lang="de-DE" dirty="0" smtClean="0"/>
+              <a:t>: </a:t>
+            </a:r>
+            <a:r>
+              <a:rPr lang="de-DE" dirty="0" err="1" smtClean="0"/>
+              <a:t>add</a:t>
+            </a:r>
+            <a:r>
+              <a:rPr lang="de-DE" dirty="0" smtClean="0"/>
+              <a:t> System-</a:t>
+            </a:r>
+            <a:r>
+              <a:rPr lang="de-DE" dirty="0" err="1" smtClean="0"/>
+              <a:t>Entropy</a:t>
+            </a:r>
+            <a:r>
+              <a:rPr lang="de-DE" dirty="0" smtClean="0"/>
+              <a:t> (Network). </a:t>
+            </a:r>
+            <a:r>
+              <a:rPr lang="de-DE" dirty="0" err="1" smtClean="0"/>
+              <a:t>Entropy</a:t>
+            </a:r>
+            <a:r>
+              <a:rPr lang="de-DE" dirty="0" smtClean="0"/>
+              <a:t> </a:t>
+            </a:r>
+            <a:r>
+              <a:rPr lang="de-DE" dirty="0" err="1" smtClean="0"/>
+              <a:t>only</a:t>
+            </a:r>
+            <a:r>
+              <a:rPr lang="de-DE" dirty="0" smtClean="0"/>
+              <a:t> </a:t>
+            </a:r>
+            <a:r>
+              <a:rPr lang="de-DE" dirty="0" err="1" smtClean="0"/>
+              <a:t>goes</a:t>
+            </a:r>
+            <a:r>
+              <a:rPr lang="de-DE" dirty="0" smtClean="0"/>
+              <a:t> </a:t>
+            </a:r>
+            <a:r>
+              <a:rPr lang="de-DE" dirty="0" err="1" smtClean="0"/>
+              <a:t>up</a:t>
+            </a:r>
+            <a:r>
+              <a:rPr lang="de-DE" dirty="0" smtClean="0"/>
+              <a:t>.</a:t>
+            </a:r>
+          </a:p>
+          <a:p>
+            <a:r>
+              <a:rPr lang="de-DE" dirty="0" smtClean="0"/>
+              <a:t>Tools (</a:t>
+            </a:r>
+            <a:r>
+              <a:rPr lang="de-DE" dirty="0" err="1" smtClean="0"/>
+              <a:t>eg</a:t>
+            </a:r>
+            <a:r>
+              <a:rPr lang="de-DE" dirty="0" smtClean="0"/>
+              <a:t>. </a:t>
+            </a:r>
+            <a:r>
+              <a:rPr lang="de-DE" dirty="0" err="1" smtClean="0"/>
+              <a:t>HavGE</a:t>
+            </a:r>
+            <a:r>
+              <a:rPr lang="de-DE" dirty="0" smtClean="0"/>
+              <a:t> </a:t>
+            </a:r>
+            <a:r>
+              <a:rPr lang="de-AT" sz="1800" dirty="0">
+                <a:hlinkClick r:id="rId2"/>
+              </a:rPr>
+              <a:t>http://dl.acm.org/citation.cfm?id=945516</a:t>
+            </a:r>
+            <a:r>
+              <a:rPr lang="de-DE" dirty="0" smtClean="0"/>
+              <a:t>)</a:t>
             </a:r>
             <a:endParaRPr lang="de-DE" dirty="0"/>
           </a:p>
-        </p:txBody>
-      </p:sp>
-      <p:sp>
-        <p:nvSpPr>
-          <p:cNvPr id="6" name="Textfeld 5"/>
+          <a:p>
+            <a:r>
+              <a:rPr lang="de-DE" dirty="0" smtClean="0"/>
+              <a:t>RTFM </a:t>
+            </a:r>
+          </a:p>
+          <a:p>
+            <a:pPr lvl="1"/>
+            <a:r>
+              <a:rPr lang="de-DE" dirty="0" err="1" smtClean="0"/>
+              <a:t>when</a:t>
+            </a:r>
+            <a:r>
+              <a:rPr lang="de-DE" dirty="0" smtClean="0"/>
+              <a:t> </a:t>
+            </a:r>
+            <a:r>
+              <a:rPr lang="de-DE" dirty="0" err="1" smtClean="0"/>
+              <a:t>is</a:t>
+            </a:r>
+            <a:r>
+              <a:rPr lang="de-DE" dirty="0" smtClean="0"/>
+              <a:t> </a:t>
+            </a:r>
+            <a:r>
+              <a:rPr lang="de-DE" dirty="0" err="1" smtClean="0"/>
+              <a:t>the</a:t>
+            </a:r>
+            <a:r>
+              <a:rPr lang="de-DE" dirty="0" smtClean="0"/>
+              <a:t> </a:t>
+            </a:r>
+            <a:r>
+              <a:rPr lang="de-DE" dirty="0" err="1" smtClean="0"/>
+              <a:t>router</a:t>
+            </a:r>
+            <a:r>
+              <a:rPr lang="de-DE" dirty="0" smtClean="0"/>
+              <a:t> </a:t>
+            </a:r>
+            <a:r>
+              <a:rPr lang="de-DE" dirty="0" err="1" smtClean="0"/>
+              <a:t>key</a:t>
+            </a:r>
+            <a:r>
+              <a:rPr lang="de-DE" dirty="0" smtClean="0"/>
+              <a:t> </a:t>
+            </a:r>
+            <a:r>
+              <a:rPr lang="de-DE" dirty="0" err="1" smtClean="0"/>
+              <a:t>generated</a:t>
+            </a:r>
+            <a:endParaRPr lang="de-DE" dirty="0"/>
+          </a:p>
+          <a:p>
+            <a:pPr lvl="1"/>
+            <a:r>
+              <a:rPr lang="de-DE" dirty="0" smtClean="0"/>
+              <a:t>Default Keys ?</a:t>
+            </a:r>
+          </a:p>
+          <a:p>
+            <a:r>
+              <a:rPr lang="de-DE" dirty="0" smtClean="0"/>
+              <a:t>Re-</a:t>
+            </a:r>
+            <a:r>
+              <a:rPr lang="de-DE" dirty="0" err="1" smtClean="0"/>
+              <a:t>generate</a:t>
+            </a:r>
+            <a:r>
+              <a:rPr lang="de-DE" dirty="0" smtClean="0"/>
+              <a:t> </a:t>
+            </a:r>
+            <a:r>
+              <a:rPr lang="de-DE" dirty="0" err="1"/>
+              <a:t>keys</a:t>
+            </a:r>
+            <a:r>
+              <a:rPr lang="de-DE" dirty="0"/>
+              <a:t> </a:t>
+            </a:r>
+            <a:r>
+              <a:rPr lang="de-DE" dirty="0" err="1"/>
+              <a:t>from</a:t>
+            </a:r>
+            <a:r>
+              <a:rPr lang="de-DE" dirty="0"/>
+              <a:t> time </a:t>
+            </a:r>
+            <a:r>
+              <a:rPr lang="de-DE" dirty="0" err="1"/>
+              <a:t>to</a:t>
+            </a:r>
+            <a:r>
+              <a:rPr lang="de-DE" dirty="0"/>
+              <a:t> time</a:t>
+            </a:r>
+          </a:p>
+          <a:p>
+            <a:endParaRPr lang="de-DE" dirty="0"/>
+          </a:p>
+          <a:p>
+            <a:endParaRPr lang="de-DE" dirty="0"/>
+          </a:p>
+        </p:txBody>
+      </p:sp>
+      <p:sp>
+        <p:nvSpPr>
+          <p:cNvPr id="4" name="Textfeld 3"/>
           <p:cNvSpPr txBox="1"/>
           <p:nvPr/>
         </p:nvSpPr>
@@ -4744,7 +5379,7 @@
     </p:spTree>
     <p:extLst>
       <p:ext uri="{BB962C8B-B14F-4D97-AF65-F5344CB8AC3E}">
-        <p14:creationId xmlns:p14="http://schemas.microsoft.com/office/powerpoint/2010/main" val="281450852"/>
+        <p14:creationId xmlns:p14="http://schemas.microsoft.com/office/powerpoint/2010/main" val="609016222"/>
       </p:ext>
     </p:extLst>
   </p:cSld>
@@ -4773,7 +5408,7 @@
       </p:grpSpPr>
       <p:sp>
         <p:nvSpPr>
-          <p:cNvPr id="4" name="Titel 3"/>
+          <p:cNvPr id="2" name="Titel 1"/>
           <p:cNvSpPr>
             <a:spLocks noGrp="1"/>
           </p:cNvSpPr>
@@ -4788,15 +5423,7 @@
           <a:p>
             <a:r>
               <a:rPr lang="de-DE" dirty="0" err="1" smtClean="0"/>
-              <a:t>Cipher</a:t>
-            </a:r>
-            <a:r>
-              <a:rPr lang="de-DE" dirty="0" smtClean="0"/>
-              <a:t> </a:t>
-            </a:r>
-            <a:r>
-              <a:rPr lang="de-DE" dirty="0" err="1" smtClean="0"/>
-              <a:t>suites</a:t>
+              <a:t>Attacks</a:t>
             </a:r>
             <a:endParaRPr lang="de-DE" dirty="0"/>
           </a:p>
@@ -4804,7 +5431,7 @@
       </p:sp>
       <p:sp>
         <p:nvSpPr>
-          <p:cNvPr id="5" name="Textplatzhalter 4"/>
+          <p:cNvPr id="4" name="Textplatzhalter 3"/>
           <p:cNvSpPr>
             <a:spLocks noGrp="1"/>
           </p:cNvSpPr>
@@ -4818,13 +5445,43 @@
           <a:lstStyle/>
           <a:p>
             <a:endParaRPr lang="de-DE"/>
+          </a:p>
+        </p:txBody>
+      </p:sp>
+      <p:sp>
+        <p:nvSpPr>
+          <p:cNvPr id="5" name="Textfeld 4"/>
+          <p:cNvSpPr txBox="1"/>
+          <p:nvPr/>
+        </p:nvSpPr>
+        <p:spPr>
+          <a:xfrm>
+            <a:off x="7318323" y="6126163"/>
+            <a:ext cx="1676031" cy="369332"/>
+          </a:xfrm>
+          <a:prstGeom prst="rect">
+            <a:avLst/>
+          </a:prstGeom>
+          <a:noFill/>
+        </p:spPr>
+        <p:txBody>
+          <a:bodyPr wrap="square" rtlCol="0">
+            <a:spAutoFit/>
+          </a:bodyPr>
+          <a:lstStyle/>
+          <a:p>
+            <a:r>
+              <a:rPr lang="de-DE" dirty="0" smtClean="0"/>
+              <a:t>Ramin, Daniel</a:t>
+            </a:r>
+            <a:endParaRPr lang="de-DE" dirty="0"/>
           </a:p>
         </p:txBody>
       </p:sp>
     </p:spTree>
     <p:extLst>
       <p:ext uri="{BB962C8B-B14F-4D97-AF65-F5344CB8AC3E}">
-        <p14:creationId xmlns:p14="http://schemas.microsoft.com/office/powerpoint/2010/main" val="293412987"/>
+        <p14:creationId xmlns:p14="http://schemas.microsoft.com/office/powerpoint/2010/main" val="2435306798"/>
       </p:ext>
     </p:extLst>
   </p:cSld>
@@ -4853,7 +5510,7 @@
       </p:grpSpPr>
       <p:sp>
         <p:nvSpPr>
-          <p:cNvPr id="2" name="Titel 1"/>
+          <p:cNvPr id="4" name="Titel 3"/>
           <p:cNvSpPr>
             <a:spLocks noGrp="1"/>
           </p:cNvSpPr>
@@ -4868,31 +5525,11 @@
           <a:p>
             <a:r>
               <a:rPr lang="de-DE" dirty="0" err="1" smtClean="0"/>
-              <a:t>Some</a:t>
-            </a:r>
-            <a:r>
-              <a:rPr lang="de-DE" dirty="0" smtClean="0"/>
-              <a:t> </a:t>
-            </a:r>
-            <a:r>
-              <a:rPr lang="de-DE" dirty="0" err="1" smtClean="0"/>
-              <a:t>general</a:t>
-            </a:r>
-            <a:r>
-              <a:rPr lang="de-DE" dirty="0" smtClean="0"/>
-              <a:t> </a:t>
-            </a:r>
-            <a:r>
-              <a:rPr lang="de-DE" dirty="0" err="1" smtClean="0"/>
-              <a:t>thoughts</a:t>
-            </a:r>
-            <a:r>
-              <a:rPr lang="de-DE" dirty="0" smtClean="0"/>
-              <a:t> on </a:t>
-            </a:r>
-            <a:r>
-              <a:rPr lang="de-DE" dirty="0" err="1" smtClean="0"/>
-              <a:t>settings</a:t>
+              <a:t>Attacks</a:t>
+            </a:r>
+            <a:r>
+              <a:rPr lang="de-DE" dirty="0" smtClean="0"/>
+              <a:t> - BEAST</a:t>
             </a:r>
             <a:endParaRPr lang="de-DE" dirty="0"/>
           </a:p>
@@ -4900,7 +5537,7 @@
       </p:sp>
       <p:sp>
         <p:nvSpPr>
-          <p:cNvPr id="3" name="Inhaltsplatzhalter 2"/>
+          <p:cNvPr id="5" name="Inhaltsplatzhalter 4"/>
           <p:cNvSpPr>
             <a:spLocks noGrp="1"/>
           </p:cNvSpPr>
@@ -4911,201 +5548,185 @@
         <p:spPr/>
         <p:txBody>
           <a:bodyPr>
-            <a:normAutofit/>
+            <a:normAutofit fontScale="85000" lnSpcReduction="20000"/>
           </a:bodyPr>
           <a:lstStyle/>
           <a:p>
+            <a:pPr marL="342900" lvl="1" indent="-342900">
+              <a:buFont typeface="Arial"/>
+              <a:buChar char="•"/>
+            </a:pPr>
+            <a:r>
+              <a:rPr lang="en-US" sz="2600" dirty="0" smtClean="0"/>
+              <a:t>Browser </a:t>
+            </a:r>
+            <a:r>
+              <a:rPr lang="en-US" sz="2600" dirty="0"/>
+              <a:t>Exploit Against SSL/TLS (</a:t>
+            </a:r>
+            <a:r>
+              <a:rPr lang="en-US" sz="2600" b="1" i="1" dirty="0"/>
+              <a:t>BEAST</a:t>
+            </a:r>
+            <a:r>
+              <a:rPr lang="en-US" sz="2600" dirty="0"/>
+              <a:t>) </a:t>
+            </a:r>
+            <a:r>
+              <a:rPr lang="en-US" sz="2600" dirty="0" smtClean="0"/>
+              <a:t>attack</a:t>
+            </a:r>
+            <a:endParaRPr lang="de-DE" sz="2600" dirty="0" smtClean="0"/>
+          </a:p>
+          <a:p>
+            <a:pPr marL="742950" lvl="2" indent="-342900"/>
+            <a:r>
+              <a:rPr lang="de-DE" dirty="0" err="1" smtClean="0"/>
+              <a:t>Predict</a:t>
+            </a:r>
+            <a:r>
+              <a:rPr lang="de-DE" dirty="0" smtClean="0"/>
+              <a:t> IV </a:t>
+            </a:r>
+            <a:r>
+              <a:rPr lang="de-DE" dirty="0" err="1" smtClean="0"/>
+              <a:t>of</a:t>
+            </a:r>
+            <a:r>
+              <a:rPr lang="de-DE" dirty="0" smtClean="0"/>
+              <a:t> CBC</a:t>
+            </a:r>
+            <a:endParaRPr lang="de-DE" dirty="0"/>
+          </a:p>
+          <a:p>
+            <a:endParaRPr lang="de-DE" dirty="0" smtClean="0"/>
+          </a:p>
+          <a:p>
+            <a:endParaRPr lang="de-DE" dirty="0"/>
+          </a:p>
+          <a:p>
+            <a:endParaRPr lang="de-DE" dirty="0" smtClean="0"/>
+          </a:p>
+          <a:p>
+            <a:endParaRPr lang="de-DE" dirty="0"/>
+          </a:p>
+          <a:p>
+            <a:endParaRPr lang="de-DE" dirty="0" smtClean="0"/>
+          </a:p>
+          <a:p>
+            <a:endParaRPr lang="de-DE" dirty="0" smtClean="0"/>
+          </a:p>
+          <a:p>
+            <a:pPr lvl="1"/>
+            <a:r>
+              <a:rPr lang="de-DE" dirty="0" smtClean="0"/>
+              <a:t>Subsequent packet </a:t>
+            </a:r>
+            <a:r>
+              <a:rPr lang="de-DE" dirty="0" err="1" smtClean="0"/>
+              <a:t>use</a:t>
+            </a:r>
+            <a:r>
+              <a:rPr lang="de-DE" dirty="0" smtClean="0"/>
+              <a:t> IV </a:t>
+            </a:r>
+            <a:r>
+              <a:rPr lang="de-DE" dirty="0" err="1" smtClean="0"/>
+              <a:t>that</a:t>
+            </a:r>
+            <a:r>
+              <a:rPr lang="de-DE" dirty="0" smtClean="0"/>
+              <a:t> </a:t>
+            </a:r>
+            <a:r>
+              <a:rPr lang="de-DE" dirty="0" err="1" smtClean="0"/>
+              <a:t>is</a:t>
+            </a:r>
+            <a:r>
+              <a:rPr lang="de-DE" dirty="0" smtClean="0"/>
+              <a:t> </a:t>
+            </a:r>
+            <a:r>
+              <a:rPr lang="de-DE" dirty="0" err="1" smtClean="0"/>
+              <a:t>the</a:t>
+            </a:r>
+            <a:r>
+              <a:rPr lang="de-DE" dirty="0" smtClean="0"/>
+              <a:t> last </a:t>
+            </a:r>
+            <a:r>
+              <a:rPr lang="de-DE" dirty="0" err="1" smtClean="0"/>
+              <a:t>cyphertext</a:t>
+            </a:r>
+            <a:r>
+              <a:rPr lang="de-DE" dirty="0" smtClean="0"/>
+              <a:t> block </a:t>
+            </a:r>
+            <a:r>
+              <a:rPr lang="de-DE" dirty="0" err="1" smtClean="0"/>
+              <a:t>of</a:t>
+            </a:r>
+            <a:r>
+              <a:rPr lang="de-DE" dirty="0" smtClean="0"/>
+              <a:t> </a:t>
+            </a:r>
+            <a:r>
+              <a:rPr lang="de-DE" dirty="0" err="1" smtClean="0"/>
+              <a:t>the</a:t>
+            </a:r>
+            <a:r>
+              <a:rPr lang="de-DE" dirty="0" smtClean="0"/>
+              <a:t> </a:t>
+            </a:r>
+            <a:r>
+              <a:rPr lang="de-DE" dirty="0" err="1" smtClean="0"/>
+              <a:t>previous</a:t>
+            </a:r>
+            <a:r>
+              <a:rPr lang="de-DE" dirty="0" smtClean="0"/>
+              <a:t> packet</a:t>
+            </a:r>
+          </a:p>
+          <a:p>
+            <a:pPr lvl="1"/>
             <a:r>
               <a:rPr lang="de-DE" dirty="0"/>
-              <a:t>General</a:t>
+              <a:t>Chosen </a:t>
+            </a:r>
+            <a:r>
+              <a:rPr lang="de-DE" dirty="0" err="1"/>
+              <a:t>Plaintext</a:t>
+            </a:r>
+            <a:r>
+              <a:rPr lang="de-DE" dirty="0"/>
+              <a:t> </a:t>
+            </a:r>
+            <a:r>
+              <a:rPr lang="de-DE" dirty="0" err="1"/>
+              <a:t>Attack</a:t>
+            </a:r>
+            <a:r>
+              <a:rPr lang="de-DE" dirty="0"/>
+              <a:t> (</a:t>
+            </a:r>
+            <a:r>
+              <a:rPr lang="de-DE" dirty="0" err="1"/>
+              <a:t>eg</a:t>
+            </a:r>
+            <a:r>
+              <a:rPr lang="de-DE" dirty="0"/>
+              <a:t>. Cookie-name)</a:t>
             </a:r>
           </a:p>
           <a:p>
             <a:pPr lvl="1"/>
-            <a:r>
-              <a:rPr lang="de-DE" sz="2200" dirty="0" err="1"/>
-              <a:t>Disable</a:t>
-            </a:r>
-            <a:r>
-              <a:rPr lang="de-DE" sz="2200" dirty="0"/>
-              <a:t> SSL 2.0 (</a:t>
-            </a:r>
-            <a:r>
-              <a:rPr lang="de-DE" sz="2200" dirty="0" err="1"/>
-              <a:t>weak</a:t>
-            </a:r>
-            <a:r>
-              <a:rPr lang="de-DE" sz="2200" dirty="0"/>
-              <a:t> </a:t>
-            </a:r>
-            <a:r>
-              <a:rPr lang="de-DE" sz="2200" dirty="0" err="1"/>
-              <a:t>algorithms</a:t>
-            </a:r>
-            <a:r>
-              <a:rPr lang="de-DE" sz="2200" dirty="0"/>
-              <a:t>)</a:t>
-            </a:r>
-          </a:p>
-          <a:p>
-            <a:pPr lvl="1"/>
-            <a:r>
-              <a:rPr lang="de-DE" sz="2200" dirty="0" err="1"/>
-              <a:t>Disable</a:t>
-            </a:r>
-            <a:r>
-              <a:rPr lang="de-DE" sz="2200" dirty="0"/>
-              <a:t> SSL 3.0 (BEAST </a:t>
-            </a:r>
-            <a:r>
-              <a:rPr lang="de-DE" sz="2200" dirty="0" err="1"/>
-              <a:t>vs</a:t>
-            </a:r>
-            <a:r>
-              <a:rPr lang="de-DE" sz="2200" dirty="0"/>
-              <a:t> IE/XP)</a:t>
-            </a:r>
-          </a:p>
-          <a:p>
-            <a:pPr lvl="1"/>
-            <a:r>
-              <a:rPr lang="de-DE" sz="2200" dirty="0" err="1"/>
-              <a:t>Enable</a:t>
-            </a:r>
-            <a:r>
-              <a:rPr lang="de-DE" sz="2200" dirty="0"/>
-              <a:t> TLS 1.0 </a:t>
-            </a:r>
-            <a:r>
-              <a:rPr lang="de-DE" sz="2200" dirty="0" err="1"/>
-              <a:t>or</a:t>
-            </a:r>
-            <a:r>
-              <a:rPr lang="de-DE" sz="2200" dirty="0"/>
-              <a:t> </a:t>
-            </a:r>
-            <a:r>
-              <a:rPr lang="de-DE" sz="2200" dirty="0" err="1"/>
-              <a:t>better</a:t>
-            </a:r>
-            <a:endParaRPr lang="de-DE" sz="2200" dirty="0"/>
-          </a:p>
-          <a:p>
-            <a:pPr lvl="1"/>
-            <a:r>
-              <a:rPr lang="de-DE" sz="2200" dirty="0" err="1"/>
-              <a:t>Disable</a:t>
-            </a:r>
-            <a:r>
-              <a:rPr lang="de-DE" sz="2200" dirty="0"/>
-              <a:t> TLS-</a:t>
-            </a:r>
-            <a:r>
-              <a:rPr lang="de-DE" sz="2200" dirty="0" err="1"/>
-              <a:t>Compression</a:t>
-            </a:r>
-            <a:r>
-              <a:rPr lang="de-DE" sz="2200" dirty="0"/>
-              <a:t> (SSL-CRIME </a:t>
-            </a:r>
-            <a:r>
-              <a:rPr lang="de-DE" sz="2200" dirty="0" err="1"/>
-              <a:t>Attack</a:t>
-            </a:r>
-            <a:r>
-              <a:rPr lang="de-DE" sz="2200" dirty="0"/>
-              <a:t>)</a:t>
-            </a:r>
-          </a:p>
-          <a:p>
-            <a:pPr lvl="1"/>
-            <a:r>
-              <a:rPr lang="de-DE" sz="2200" dirty="0" err="1"/>
-              <a:t>Implement</a:t>
-            </a:r>
-            <a:r>
-              <a:rPr lang="de-DE" sz="2200" dirty="0"/>
-              <a:t> HSTS (HTTP </a:t>
-            </a:r>
-            <a:r>
-              <a:rPr lang="de-DE" sz="2200" dirty="0" err="1"/>
-              <a:t>Strict</a:t>
-            </a:r>
-            <a:r>
-              <a:rPr lang="de-DE" sz="2200" dirty="0"/>
-              <a:t> Transport Security)</a:t>
-            </a:r>
-          </a:p>
-          <a:p>
-            <a:r>
-              <a:rPr lang="de-DE" dirty="0" smtClean="0"/>
-              <a:t>Variant A: </a:t>
-            </a:r>
-            <a:r>
-              <a:rPr lang="de-DE" dirty="0" err="1" smtClean="0"/>
-              <a:t>fewer</a:t>
-            </a:r>
-            <a:r>
-              <a:rPr lang="de-DE" dirty="0" smtClean="0"/>
-              <a:t> </a:t>
-            </a:r>
-            <a:r>
-              <a:rPr lang="de-DE" dirty="0" err="1" smtClean="0"/>
-              <a:t>supported</a:t>
-            </a:r>
-            <a:r>
-              <a:rPr lang="de-DE" dirty="0" smtClean="0"/>
-              <a:t> </a:t>
-            </a:r>
-            <a:r>
-              <a:rPr lang="de-DE" dirty="0" err="1" smtClean="0"/>
-              <a:t>clients</a:t>
-            </a:r>
             <a:endParaRPr lang="de-DE" dirty="0" smtClean="0"/>
           </a:p>
-          <a:p>
-            <a:r>
-              <a:rPr lang="de-DE" dirty="0" smtClean="0"/>
-              <a:t>Variant B: </a:t>
-            </a:r>
-            <a:r>
-              <a:rPr lang="de-DE" dirty="0" err="1" smtClean="0"/>
-              <a:t>more</a:t>
-            </a:r>
-            <a:r>
-              <a:rPr lang="de-DE" dirty="0" smtClean="0"/>
-              <a:t> </a:t>
-            </a:r>
-            <a:r>
-              <a:rPr lang="de-DE" dirty="0" err="1" smtClean="0"/>
-              <a:t>clients</a:t>
-            </a:r>
-            <a:r>
-              <a:rPr lang="de-DE" dirty="0" smtClean="0"/>
-              <a:t>, </a:t>
-            </a:r>
-            <a:r>
-              <a:rPr lang="de-DE" dirty="0" err="1" smtClean="0"/>
-              <a:t>weaker</a:t>
-            </a:r>
-            <a:r>
-              <a:rPr lang="de-DE" dirty="0" smtClean="0"/>
-              <a:t> </a:t>
-            </a:r>
-            <a:r>
-              <a:rPr lang="de-DE" dirty="0" err="1" smtClean="0"/>
-              <a:t>settings</a:t>
-            </a:r>
-            <a:endParaRPr lang="de-DE" dirty="0" smtClean="0"/>
-          </a:p>
-          <a:p>
-            <a:endParaRPr lang="de-DE" dirty="0"/>
-          </a:p>
-        </p:txBody>
-      </p:sp>
-      <p:sp>
-        <p:nvSpPr>
-          <p:cNvPr id="5" name="Textfeld 4"/>
+        </p:txBody>
+      </p:sp>
+      <p:sp>
+        <p:nvSpPr>
+          <p:cNvPr id="6" name="Textfeld 5"/>
           <p:cNvSpPr txBox="1"/>
           <p:nvPr/>
         </p:nvSpPr>
@@ -5133,23 +5754,70 @@
           </a:p>
         </p:txBody>
       </p:sp>
+      <p:pic>
+        <p:nvPicPr>
+          <p:cNvPr id="4098" name="Picture 2"/>
+          <p:cNvPicPr>
+            <a:picLocks noChangeAspect="1" noChangeArrowheads="1"/>
+          </p:cNvPicPr>
+          <p:nvPr/>
+        </p:nvPicPr>
+        <p:blipFill>
+          <a:blip r:embed="rId2">
+            <a:extLst>
+              <a:ext uri="{28A0092B-C50C-407E-A947-70E740481C1C}">
+                <a14:useLocalDpi xmlns:a14="http://schemas.microsoft.com/office/drawing/2010/main" val="0"/>
+              </a:ext>
+            </a:extLst>
+          </a:blip>
+          <a:srcRect/>
+          <a:stretch>
+            <a:fillRect/>
+          </a:stretch>
+        </p:blipFill>
+        <p:spPr bwMode="auto">
+          <a:xfrm>
+            <a:off x="1210962" y="2213275"/>
+            <a:ext cx="6107361" cy="2331109"/>
+          </a:xfrm>
+          <a:prstGeom prst="rect">
+            <a:avLst/>
+          </a:prstGeom>
+          <a:noFill/>
+          <a:ln>
+            <a:noFill/>
+          </a:ln>
+          <a:extLst>
+            <a:ext uri="{909E8E84-426E-40DD-AFC4-6F175D3DCCD1}">
+              <a14:hiddenFill xmlns:a14="http://schemas.microsoft.com/office/drawing/2010/main">
+                <a:solidFill>
+                  <a:schemeClr val="accent1"/>
+                </a:solidFill>
+              </a14:hiddenFill>
+            </a:ext>
+            <a:ext uri="{91240B29-F687-4F45-9708-019B960494DF}">
+              <a14:hiddenLine xmlns:a14="http://schemas.microsoft.com/office/drawing/2010/main" w="9525">
+                <a:solidFill>
+                  <a:schemeClr val="tx1"/>
+                </a:solidFill>
+                <a:miter lim="800000"/>
+                <a:headEnd/>
+                <a:tailEnd/>
+              </a14:hiddenLine>
+            </a:ext>
+          </a:extLst>
+        </p:spPr>
+      </p:pic>
     </p:spTree>
     <p:extLst>
       <p:ext uri="{BB962C8B-B14F-4D97-AF65-F5344CB8AC3E}">
-        <p14:creationId xmlns:p14="http://schemas.microsoft.com/office/powerpoint/2010/main" val="1681068627"/>
+        <p14:creationId xmlns:p14="http://schemas.microsoft.com/office/powerpoint/2010/main" val="281450852"/>
       </p:ext>
     </p:extLst>
   </p:cSld>
   <p:clrMapOvr>
     <a:masterClrMapping/>
   </p:clrMapOvr>
-  <p:timing>
-    <p:tnLst>
-      <p:par>
-        <p:cTn xmlns:p14="http://schemas.microsoft.com/office/powerpoint/2010/main" id="1" dur="indefinite" restart="never" nodeType="tmRoot"/>
-      </p:par>
-    </p:tnLst>
-  </p:timing>
 </p:sld>
 </file>
 
@@ -5186,10 +5854,18 @@
           <a:lstStyle/>
           <a:p>
             <a:r>
-              <a:rPr lang="de-DE" dirty="0" smtClean="0"/>
-              <a:t>Variant A</a:t>
-            </a:r>
-            <a:endParaRPr lang="de-DE" dirty="0"/>
+              <a:rPr lang="de-DE" dirty="0" err="1"/>
+              <a:t>Attacks</a:t>
+            </a:r>
+            <a:r>
+              <a:rPr lang="de-DE" dirty="0"/>
+              <a:t> - </a:t>
+            </a:r>
+            <a:r>
+              <a:rPr lang="de-DE" dirty="0" smtClean="0"/>
+              <a:t>CRIME</a:t>
+            </a:r>
+            <a:endParaRPr lang="de-AT" dirty="0"/>
           </a:p>
         </p:txBody>
       </p:sp>
@@ -5205,254 +5881,158 @@
         </p:nvSpPr>
         <p:spPr/>
         <p:txBody>
-          <a:bodyPr>
-            <a:normAutofit fontScale="92500" lnSpcReduction="20000"/>
-          </a:bodyPr>
-          <a:lstStyle/>
-          <a:p>
-            <a:pPr marL="0" indent="0">
-              <a:buNone/>
-            </a:pPr>
-            <a:r>
-              <a:rPr lang="de-DE" dirty="0"/>
-              <a:t>’</a:t>
-            </a:r>
-            <a:r>
-              <a:rPr lang="de-DE" dirty="0">
-                <a:solidFill>
-                  <a:srgbClr val="FF0000"/>
-                </a:solidFill>
-              </a:rPr>
-              <a:t>E</a:t>
-            </a:r>
-            <a:r>
-              <a:rPr lang="de-DE" dirty="0"/>
-              <a:t>ECDH+aRSA+AES256:EDH+aRSA+AES256:!SSLv3’ </a:t>
-            </a:r>
-            <a:endParaRPr lang="de-DE" dirty="0" smtClean="0"/>
-          </a:p>
-          <a:p>
-            <a:endParaRPr lang="de-DE" dirty="0"/>
-          </a:p>
-          <a:p>
-            <a:endParaRPr lang="de-DE" dirty="0" smtClean="0"/>
-          </a:p>
-          <a:p>
-            <a:endParaRPr lang="de-DE" dirty="0" smtClean="0"/>
-          </a:p>
-          <a:p>
-            <a:endParaRPr lang="de-DE" dirty="0" smtClean="0"/>
-          </a:p>
-          <a:p>
-            <a:pPr marL="0" indent="0">
-              <a:buNone/>
-            </a:pPr>
-            <a:r>
-              <a:rPr lang="de-DE" b="1" dirty="0" err="1" smtClean="0"/>
-              <a:t>Compatibility</a:t>
-            </a:r>
-            <a:r>
-              <a:rPr lang="de-DE" dirty="0" smtClean="0"/>
+          <a:bodyPr/>
+          <a:lstStyle/>
+          <a:p>
+            <a:r>
+              <a:rPr lang="en-US" dirty="0"/>
+              <a:t>Compression Ratio Info-leak Made Easy (CRIME) </a:t>
+            </a:r>
+            <a:r>
+              <a:rPr lang="en-US" dirty="0" smtClean="0"/>
+              <a:t>attack</a:t>
+            </a:r>
+          </a:p>
+          <a:p>
+            <a:pPr lvl="1"/>
+            <a:r>
+              <a:rPr lang="en-US" sz="2400" dirty="0" err="1" smtClean="0"/>
+              <a:t>Sidechannel</a:t>
+            </a:r>
+            <a:r>
+              <a:rPr lang="en-US" sz="2400" dirty="0" smtClean="0"/>
+              <a:t> attack</a:t>
+            </a:r>
+          </a:p>
+          <a:p>
+            <a:pPr lvl="1"/>
+            <a:r>
+              <a:rPr lang="en-US" sz="2400" dirty="0" smtClean="0"/>
+              <a:t>Information based on compressed size of http requests</a:t>
+            </a:r>
+          </a:p>
+          <a:p>
+            <a:pPr lvl="1"/>
+            <a:r>
+              <a:rPr lang="en-US" sz="2400" dirty="0" smtClean="0"/>
+              <a:t>MITM, </a:t>
+            </a:r>
+            <a:r>
+              <a:rPr lang="en-US" sz="2400" dirty="0" err="1"/>
+              <a:t>Bruteforce</a:t>
+            </a:r>
+            <a:r>
+              <a:rPr lang="en-US" sz="2400" dirty="0"/>
               <a:t>: </a:t>
             </a:r>
-          </a:p>
-          <a:p>
-            <a:pPr marL="0" indent="0">
-              <a:buNone/>
-            </a:pPr>
-            <a:r>
-              <a:rPr lang="de-DE" dirty="0" err="1"/>
-              <a:t>Only</a:t>
-            </a:r>
-            <a:r>
-              <a:rPr lang="de-DE" dirty="0"/>
-              <a:t> </a:t>
-            </a:r>
-            <a:r>
-              <a:rPr lang="de-DE" dirty="0" err="1"/>
-              <a:t>clients</a:t>
-            </a:r>
-            <a:r>
-              <a:rPr lang="de-DE" dirty="0"/>
-              <a:t> </a:t>
-            </a:r>
-            <a:r>
-              <a:rPr lang="de-DE" dirty="0" err="1"/>
-              <a:t>which</a:t>
-            </a:r>
-            <a:r>
-              <a:rPr lang="de-DE" dirty="0"/>
-              <a:t> </a:t>
-            </a:r>
-            <a:r>
-              <a:rPr lang="de-DE" dirty="0" err="1"/>
-              <a:t>support</a:t>
-            </a:r>
-            <a:r>
-              <a:rPr lang="de-DE" dirty="0"/>
-              <a:t> TLS1.2 are </a:t>
-            </a:r>
-            <a:r>
-              <a:rPr lang="de-DE" dirty="0" err="1"/>
-              <a:t>covered</a:t>
-            </a:r>
-            <a:r>
-              <a:rPr lang="de-DE" dirty="0"/>
-              <a:t> </a:t>
-            </a:r>
-            <a:r>
-              <a:rPr lang="de-DE" dirty="0" err="1"/>
-              <a:t>by</a:t>
-            </a:r>
-            <a:r>
-              <a:rPr lang="de-DE" dirty="0"/>
-              <a:t> </a:t>
-            </a:r>
-            <a:r>
-              <a:rPr lang="de-DE" dirty="0" err="1"/>
-              <a:t>these</a:t>
-            </a:r>
-            <a:r>
-              <a:rPr lang="de-DE" dirty="0"/>
-              <a:t> </a:t>
-            </a:r>
-            <a:r>
-              <a:rPr lang="de-DE" dirty="0" err="1"/>
-              <a:t>cipher</a:t>
-            </a:r>
-            <a:r>
-              <a:rPr lang="de-DE" dirty="0"/>
-              <a:t> </a:t>
-            </a:r>
-            <a:r>
-              <a:rPr lang="de-DE" dirty="0" err="1"/>
-              <a:t>suites</a:t>
-            </a:r>
-            <a:r>
-              <a:rPr lang="de-DE" dirty="0"/>
-              <a:t> (Chrome 30, </a:t>
-            </a:r>
-            <a:r>
-              <a:rPr lang="de-DE" dirty="0" err="1"/>
-              <a:t>Win</a:t>
-            </a:r>
-            <a:r>
-              <a:rPr lang="de-DE" dirty="0"/>
-              <a:t> 7 </a:t>
-            </a:r>
-            <a:r>
-              <a:rPr lang="de-DE" dirty="0" err="1"/>
-              <a:t>and</a:t>
-            </a:r>
-            <a:r>
-              <a:rPr lang="de-DE" dirty="0"/>
-              <a:t> </a:t>
-            </a:r>
-            <a:r>
-              <a:rPr lang="de-DE" dirty="0" err="1"/>
-              <a:t>Win</a:t>
-            </a:r>
-            <a:r>
-              <a:rPr lang="de-DE" dirty="0"/>
-              <a:t> 8.1 </a:t>
-            </a:r>
-            <a:r>
-              <a:rPr lang="de-DE" dirty="0" err="1"/>
-              <a:t>crypto</a:t>
-            </a:r>
-            <a:r>
-              <a:rPr lang="de-DE" dirty="0"/>
-              <a:t> </a:t>
-            </a:r>
-            <a:r>
-              <a:rPr lang="de-DE" dirty="0" err="1"/>
-              <a:t>stack</a:t>
-            </a:r>
-            <a:r>
-              <a:rPr lang="de-DE" dirty="0"/>
-              <a:t>, Opera 17, </a:t>
-            </a:r>
-            <a:r>
-              <a:rPr lang="de-DE" dirty="0" err="1"/>
-              <a:t>OpenSSL</a:t>
-            </a:r>
-            <a:r>
-              <a:rPr lang="de-DE" dirty="0"/>
-              <a:t> ≥ 1.0.1e, Safari 6 / </a:t>
-            </a:r>
-            <a:r>
-              <a:rPr lang="de-DE" dirty="0" err="1"/>
-              <a:t>iOS</a:t>
-            </a:r>
-            <a:r>
-              <a:rPr lang="de-DE" dirty="0"/>
-              <a:t> 6.0.1, Safari 7 / OS X 10.9) </a:t>
-            </a:r>
-            <a:endParaRPr lang="de-DE" dirty="0"/>
-          </a:p>
-          <a:p>
-            <a:endParaRPr lang="de-DE" dirty="0"/>
+            <a:r>
+              <a:rPr lang="en-US" sz="2400" dirty="0" smtClean="0"/>
+              <a:t>Client </a:t>
+            </a:r>
+            <a:r>
+              <a:rPr lang="en-US" sz="2400" dirty="0" err="1" smtClean="0"/>
+              <a:t>Javascript</a:t>
+            </a:r>
+            <a:r>
+              <a:rPr lang="en-US" sz="2400" dirty="0" smtClean="0"/>
+              <a:t> to Browse to …</a:t>
+            </a:r>
+          </a:p>
+          <a:p>
+            <a:pPr lvl="1"/>
+            <a:endParaRPr lang="en-US" sz="2400" dirty="0"/>
+          </a:p>
+          <a:p>
+            <a:pPr lvl="1"/>
+            <a:endParaRPr lang="en-US" sz="2400" dirty="0" smtClean="0"/>
+          </a:p>
+          <a:p>
+            <a:pPr lvl="1"/>
+            <a:endParaRPr lang="en-US" sz="2400" dirty="0"/>
+          </a:p>
+          <a:p>
+            <a:pPr lvl="1"/>
+            <a:r>
+              <a:rPr lang="en-US" sz="2400" dirty="0" smtClean="0"/>
+              <a:t>Compressed size smaller when </a:t>
+            </a:r>
+            <a:r>
+              <a:rPr lang="en-US" sz="2400" dirty="0" err="1" smtClean="0"/>
+              <a:t>secretcookie</a:t>
+            </a:r>
+            <a:r>
+              <a:rPr lang="en-US" sz="2400" dirty="0" smtClean="0"/>
+              <a:t> correct.</a:t>
+            </a:r>
+          </a:p>
+          <a:p>
+            <a:pPr lvl="1"/>
+            <a:endParaRPr lang="en-US" sz="2400" dirty="0"/>
+          </a:p>
+          <a:p>
+            <a:pPr lvl="1"/>
+            <a:endParaRPr lang="de-AT" sz="2400" dirty="0"/>
           </a:p>
         </p:txBody>
       </p:sp>
       <p:pic>
         <p:nvPicPr>
-          <p:cNvPr id="4" name="Bild 3"/>
+          <p:cNvPr id="5123" name="Picture 3"/>
           <p:cNvPicPr>
-            <a:picLocks noChangeAspect="1"/>
+            <a:picLocks noChangeAspect="1" noChangeArrowheads="1"/>
           </p:cNvPicPr>
           <p:nvPr/>
         </p:nvPicPr>
         <p:blipFill>
-          <a:blip r:embed="rId2"/>
+          <a:blip r:embed="rId2">
+            <a:extLst>
+              <a:ext uri="{28A0092B-C50C-407E-A947-70E740481C1C}">
+                <a14:useLocalDpi xmlns:a14="http://schemas.microsoft.com/office/drawing/2010/main" val="0"/>
+              </a:ext>
+            </a:extLst>
+          </a:blip>
+          <a:srcRect/>
           <a:stretch>
             <a:fillRect/>
           </a:stretch>
         </p:blipFill>
-        <p:spPr>
+        <p:spPr bwMode="auto">
           <a:xfrm>
-            <a:off x="728709" y="2337415"/>
-            <a:ext cx="7686582" cy="1462780"/>
-          </a:xfrm>
-          <a:prstGeom prst="rect">
-            <a:avLst/>
-          </a:prstGeom>
-        </p:spPr>
-      </p:pic>
-      <p:sp>
-        <p:nvSpPr>
-          <p:cNvPr id="5" name="Textfeld 4"/>
-          <p:cNvSpPr txBox="1"/>
-          <p:nvPr/>
-        </p:nvSpPr>
-        <p:spPr>
-          <a:xfrm>
-            <a:off x="7318323" y="6126163"/>
-            <a:ext cx="1676031" cy="369332"/>
+            <a:off x="1188824" y="3995480"/>
+            <a:ext cx="7244608" cy="1177882"/>
           </a:xfrm>
           <a:prstGeom prst="rect">
             <a:avLst/>
           </a:prstGeom>
           <a:noFill/>
+          <a:ln>
+            <a:noFill/>
+          </a:ln>
+          <a:extLst>
+            <a:ext uri="{909E8E84-426E-40DD-AFC4-6F175D3DCCD1}">
+              <a14:hiddenFill xmlns:a14="http://schemas.microsoft.com/office/drawing/2010/main">
+                <a:solidFill>
+                  <a:schemeClr val="accent1"/>
+                </a:solidFill>
+              </a14:hiddenFill>
+            </a:ext>
+            <a:ext uri="{91240B29-F687-4F45-9708-019B960494DF}">
+              <a14:hiddenLine xmlns:a14="http://schemas.microsoft.com/office/drawing/2010/main" w="9525">
+                <a:solidFill>
+                  <a:schemeClr val="tx1"/>
+                </a:solidFill>
+                <a:miter lim="800000"/>
+                <a:headEnd/>
+                <a:tailEnd/>
+              </a14:hiddenLine>
+            </a:ext>
+          </a:extLst>
         </p:spPr>
-        <p:txBody>
-          <a:bodyPr wrap="square" rtlCol="0">
-            <a:spAutoFit/>
-          </a:bodyPr>
-          <a:lstStyle/>
-          <a:p>
-            <a:r>
-              <a:rPr lang="de-DE" dirty="0" smtClean="0"/>
-              <a:t>Ramin, Daniel</a:t>
-            </a:r>
-            <a:endParaRPr lang="de-DE" dirty="0"/>
-          </a:p>
-        </p:txBody>
-      </p:sp>
+      </p:pic>
     </p:spTree>
     <p:extLst>
       <p:ext uri="{BB962C8B-B14F-4D97-AF65-F5344CB8AC3E}">
-        <p14:creationId xmlns:p14="http://schemas.microsoft.com/office/powerpoint/2010/main" val="2726979669"/>
+        <p14:creationId xmlns:p14="http://schemas.microsoft.com/office/powerpoint/2010/main" val="2772196962"/>
       </p:ext>
     </p:extLst>
   </p:cSld>
@@ -5481,7 +6061,7 @@
       </p:grpSpPr>
       <p:sp>
         <p:nvSpPr>
-          <p:cNvPr id="2" name="Titel 1"/>
+          <p:cNvPr id="4" name="Titel 3"/>
           <p:cNvSpPr>
             <a:spLocks noGrp="1"/>
           </p:cNvSpPr>
@@ -5495,8 +6075,16 @@
           <a:lstStyle/>
           <a:p>
             <a:r>
-              <a:rPr lang="de-DE" dirty="0" smtClean="0"/>
-              <a:t>Variant B</a:t>
+              <a:rPr lang="de-DE" dirty="0" err="1" smtClean="0"/>
+              <a:t>Cipher</a:t>
+            </a:r>
+            <a:r>
+              <a:rPr lang="de-DE" dirty="0" smtClean="0"/>
+              <a:t> </a:t>
+            </a:r>
+            <a:r>
+              <a:rPr lang="de-DE" dirty="0" err="1" smtClean="0"/>
+              <a:t>suites</a:t>
             </a:r>
             <a:endParaRPr lang="de-DE" dirty="0"/>
           </a:p>
@@ -5504,12 +6092,12 @@
       </p:sp>
       <p:sp>
         <p:nvSpPr>
-          <p:cNvPr id="3" name="Inhaltsplatzhalter 2"/>
-          <p:cNvSpPr>
-            <a:spLocks noGrp="1"/>
-          </p:cNvSpPr>
-          <p:nvPr>
-            <p:ph idx="1"/>
+          <p:cNvPr id="5" name="Textplatzhalter 4"/>
+          <p:cNvSpPr>
+            <a:spLocks noGrp="1"/>
+          </p:cNvSpPr>
+          <p:nvPr>
+            <p:ph type="body" idx="1"/>
           </p:nvPr>
         </p:nvSpPr>
         <p:spPr/>
@@ -5517,115 +6105,20 @@
           <a:bodyPr/>
           <a:lstStyle/>
           <a:p>
-            <a:r>
-              <a:rPr lang="de-DE" dirty="0" err="1"/>
-              <a:t>weaker</a:t>
-            </a:r>
-            <a:r>
-              <a:rPr lang="de-DE" dirty="0"/>
-              <a:t> </a:t>
-            </a:r>
-            <a:r>
-              <a:rPr lang="de-DE" dirty="0" err="1"/>
-              <a:t>ciphers</a:t>
-            </a:r>
-            <a:r>
-              <a:rPr lang="de-DE" dirty="0"/>
-              <a:t>, </a:t>
-            </a:r>
-            <a:r>
-              <a:rPr lang="de-DE" dirty="0" err="1"/>
-              <a:t>many</a:t>
-            </a:r>
-            <a:r>
-              <a:rPr lang="de-DE" dirty="0"/>
-              <a:t> </a:t>
-            </a:r>
-            <a:r>
-              <a:rPr lang="de-DE" dirty="0" err="1"/>
-              <a:t>clients</a:t>
-            </a:r>
-            <a:r>
-              <a:rPr lang="de-DE" dirty="0"/>
-              <a:t> </a:t>
-            </a:r>
-          </a:p>
-          <a:p>
-            <a:endParaRPr lang="de-DE" dirty="0"/>
-          </a:p>
-        </p:txBody>
-      </p:sp>
-      <p:pic>
-        <p:nvPicPr>
-          <p:cNvPr id="4" name="Bild 3"/>
-          <p:cNvPicPr>
-            <a:picLocks noChangeAspect="1"/>
-          </p:cNvPicPr>
-          <p:nvPr/>
-        </p:nvPicPr>
-        <p:blipFill>
-          <a:blip r:embed="rId2"/>
-          <a:stretch>
-            <a:fillRect/>
-          </a:stretch>
-        </p:blipFill>
-        <p:spPr>
-          <a:xfrm>
-            <a:off x="0" y="2409000"/>
-            <a:ext cx="9144000" cy="3717163"/>
-          </a:xfrm>
-          <a:prstGeom prst="rect">
-            <a:avLst/>
-          </a:prstGeom>
-        </p:spPr>
-      </p:pic>
-      <p:sp>
-        <p:nvSpPr>
-          <p:cNvPr id="5" name="Textfeld 4"/>
-          <p:cNvSpPr txBox="1"/>
-          <p:nvPr/>
-        </p:nvSpPr>
-        <p:spPr>
-          <a:xfrm>
-            <a:off x="7318323" y="6126163"/>
-            <a:ext cx="1676031" cy="369332"/>
-          </a:xfrm>
-          <a:prstGeom prst="rect">
-            <a:avLst/>
-          </a:prstGeom>
-          <a:noFill/>
-        </p:spPr>
-        <p:txBody>
-          <a:bodyPr wrap="square" rtlCol="0">
-            <a:spAutoFit/>
-          </a:bodyPr>
-          <a:lstStyle/>
-          <a:p>
-            <a:r>
-              <a:rPr lang="de-DE" dirty="0" smtClean="0"/>
-              <a:t>Ramin, Daniel</a:t>
-            </a:r>
-            <a:endParaRPr lang="de-DE" dirty="0"/>
+            <a:endParaRPr lang="de-DE"/>
           </a:p>
         </p:txBody>
       </p:sp>
     </p:spTree>
     <p:extLst>
       <p:ext uri="{BB962C8B-B14F-4D97-AF65-F5344CB8AC3E}">
-        <p14:creationId xmlns:p14="http://schemas.microsoft.com/office/powerpoint/2010/main" val="663298998"/>
+        <p14:creationId xmlns:p14="http://schemas.microsoft.com/office/powerpoint/2010/main" val="293412987"/>
       </p:ext>
     </p:extLst>
   </p:cSld>
   <p:clrMapOvr>
     <a:masterClrMapping/>
   </p:clrMapOvr>
-  <p:timing>
-    <p:tnLst>
-      <p:par>
-        <p:cTn xmlns:p14="http://schemas.microsoft.com/office/powerpoint/2010/main" id="1" dur="indefinite" restart="never" nodeType="tmRoot"/>
-      </p:par>
-    </p:tnLst>
-  </p:timing>
 </p:sld>
 </file>
 
@@ -5662,115 +6155,242 @@
           <a:lstStyle/>
           <a:p>
             <a:r>
+              <a:rPr lang="de-DE" dirty="0" err="1" smtClean="0"/>
+              <a:t>Some</a:t>
+            </a:r>
+            <a:r>
+              <a:rPr lang="de-DE" dirty="0" smtClean="0"/>
+              <a:t> </a:t>
+            </a:r>
+            <a:r>
+              <a:rPr lang="de-DE" dirty="0" err="1" smtClean="0"/>
+              <a:t>general</a:t>
+            </a:r>
+            <a:r>
+              <a:rPr lang="de-DE" dirty="0" smtClean="0"/>
+              <a:t> </a:t>
+            </a:r>
+            <a:r>
+              <a:rPr lang="de-DE" dirty="0" err="1" smtClean="0"/>
+              <a:t>thoughts</a:t>
+            </a:r>
+            <a:r>
+              <a:rPr lang="de-DE" dirty="0" smtClean="0"/>
+              <a:t> on </a:t>
+            </a:r>
+            <a:r>
+              <a:rPr lang="de-DE" dirty="0" err="1" smtClean="0"/>
+              <a:t>settings</a:t>
+            </a:r>
+            <a:endParaRPr lang="de-DE" dirty="0"/>
+          </a:p>
+        </p:txBody>
+      </p:sp>
+      <p:sp>
+        <p:nvSpPr>
+          <p:cNvPr id="3" name="Inhaltsplatzhalter 2"/>
+          <p:cNvSpPr>
+            <a:spLocks noGrp="1"/>
+          </p:cNvSpPr>
+          <p:nvPr>
+            <p:ph idx="1"/>
+          </p:nvPr>
+        </p:nvSpPr>
+        <p:spPr/>
+        <p:txBody>
+          <a:bodyPr>
+            <a:normAutofit/>
+          </a:bodyPr>
+          <a:lstStyle/>
+          <a:p>
+            <a:r>
+              <a:rPr lang="de-DE" dirty="0"/>
+              <a:t>General</a:t>
+            </a:r>
+          </a:p>
+          <a:p>
+            <a:pPr lvl="1"/>
+            <a:r>
+              <a:rPr lang="de-DE" sz="2200" dirty="0" err="1"/>
+              <a:t>Disable</a:t>
+            </a:r>
+            <a:r>
+              <a:rPr lang="de-DE" sz="2200" dirty="0"/>
+              <a:t> SSL 2.0 (</a:t>
+            </a:r>
+            <a:r>
+              <a:rPr lang="de-DE" sz="2200" dirty="0" err="1"/>
+              <a:t>weak</a:t>
+            </a:r>
+            <a:r>
+              <a:rPr lang="de-DE" sz="2200" dirty="0"/>
+              <a:t> </a:t>
+            </a:r>
+            <a:r>
+              <a:rPr lang="de-DE" sz="2200" dirty="0" err="1"/>
+              <a:t>algorithms</a:t>
+            </a:r>
+            <a:r>
+              <a:rPr lang="de-DE" sz="2200" dirty="0"/>
+              <a:t>)</a:t>
+            </a:r>
+          </a:p>
+          <a:p>
+            <a:pPr lvl="1"/>
+            <a:r>
+              <a:rPr lang="de-DE" sz="2200" dirty="0" err="1"/>
+              <a:t>Disable</a:t>
+            </a:r>
+            <a:r>
+              <a:rPr lang="de-DE" sz="2200" dirty="0"/>
+              <a:t> SSL 3.0 (BEAST </a:t>
+            </a:r>
+            <a:r>
+              <a:rPr lang="de-DE" sz="2200" dirty="0" err="1"/>
+              <a:t>vs</a:t>
+            </a:r>
+            <a:r>
+              <a:rPr lang="de-DE" sz="2200" dirty="0"/>
+              <a:t> IE/XP)</a:t>
+            </a:r>
+          </a:p>
+          <a:p>
+            <a:pPr lvl="1"/>
+            <a:r>
+              <a:rPr lang="de-DE" sz="2200" dirty="0" err="1"/>
+              <a:t>Enable</a:t>
+            </a:r>
+            <a:r>
+              <a:rPr lang="de-DE" sz="2200" dirty="0"/>
+              <a:t> TLS 1.0 </a:t>
+            </a:r>
+            <a:r>
+              <a:rPr lang="de-DE" sz="2200" dirty="0" err="1"/>
+              <a:t>or</a:t>
+            </a:r>
+            <a:r>
+              <a:rPr lang="de-DE" sz="2200" dirty="0"/>
+              <a:t> </a:t>
+            </a:r>
+            <a:r>
+              <a:rPr lang="de-DE" sz="2200" dirty="0" err="1"/>
+              <a:t>better</a:t>
+            </a:r>
+            <a:endParaRPr lang="de-DE" sz="2200" dirty="0"/>
+          </a:p>
+          <a:p>
+            <a:pPr lvl="1"/>
+            <a:r>
+              <a:rPr lang="de-DE" sz="2200" dirty="0" err="1"/>
+              <a:t>Disable</a:t>
+            </a:r>
+            <a:r>
+              <a:rPr lang="de-DE" sz="2200" dirty="0"/>
+              <a:t> TLS-</a:t>
+            </a:r>
+            <a:r>
+              <a:rPr lang="de-DE" sz="2200" dirty="0" err="1"/>
+              <a:t>Compression</a:t>
+            </a:r>
+            <a:r>
+              <a:rPr lang="de-DE" sz="2200" dirty="0"/>
+              <a:t> (SSL-CRIME </a:t>
+            </a:r>
+            <a:r>
+              <a:rPr lang="de-DE" sz="2200" dirty="0" err="1"/>
+              <a:t>Attack</a:t>
+            </a:r>
+            <a:r>
+              <a:rPr lang="de-DE" sz="2200" dirty="0"/>
+              <a:t>)</a:t>
+            </a:r>
+          </a:p>
+          <a:p>
+            <a:pPr lvl="1"/>
+            <a:r>
+              <a:rPr lang="de-DE" sz="2200" dirty="0" err="1"/>
+              <a:t>Implement</a:t>
+            </a:r>
+            <a:r>
+              <a:rPr lang="de-DE" sz="2200" dirty="0"/>
+              <a:t> HSTS (HTTP </a:t>
+            </a:r>
+            <a:r>
+              <a:rPr lang="de-DE" sz="2200" dirty="0" err="1"/>
+              <a:t>Strict</a:t>
+            </a:r>
+            <a:r>
+              <a:rPr lang="de-DE" sz="2200" dirty="0"/>
+              <a:t> Transport Security)</a:t>
+            </a:r>
+          </a:p>
+          <a:p>
+            <a:r>
+              <a:rPr lang="de-DE" dirty="0" smtClean="0"/>
+              <a:t>Variant A: </a:t>
+            </a:r>
+            <a:r>
+              <a:rPr lang="de-DE" dirty="0" err="1" smtClean="0"/>
+              <a:t>fewer</a:t>
+            </a:r>
+            <a:r>
+              <a:rPr lang="de-DE" dirty="0" smtClean="0"/>
+              <a:t> </a:t>
+            </a:r>
+            <a:r>
+              <a:rPr lang="de-DE" dirty="0" err="1" smtClean="0"/>
+              <a:t>supported</a:t>
+            </a:r>
+            <a:r>
+              <a:rPr lang="de-DE" dirty="0" smtClean="0"/>
+              <a:t> </a:t>
+            </a:r>
+            <a:r>
+              <a:rPr lang="de-DE" dirty="0" err="1" smtClean="0"/>
+              <a:t>clients</a:t>
+            </a:r>
+            <a:endParaRPr lang="de-DE" dirty="0" smtClean="0"/>
+          </a:p>
+          <a:p>
+            <a:r>
               <a:rPr lang="de-DE" dirty="0" smtClean="0"/>
               <a:t>Variant B: </a:t>
             </a:r>
             <a:r>
               <a:rPr lang="de-DE" dirty="0" err="1" smtClean="0"/>
-              <a:t>Compatibility</a:t>
-            </a:r>
+              <a:t>more</a:t>
+            </a:r>
+            <a:r>
+              <a:rPr lang="de-DE" dirty="0" smtClean="0"/>
+              <a:t> </a:t>
+            </a:r>
+            <a:r>
+              <a:rPr lang="de-DE" dirty="0" err="1" smtClean="0"/>
+              <a:t>clients</a:t>
+            </a:r>
+            <a:r>
+              <a:rPr lang="de-DE" dirty="0" smtClean="0"/>
+              <a:t>, </a:t>
+            </a:r>
+            <a:r>
+              <a:rPr lang="de-DE" dirty="0" err="1" smtClean="0"/>
+              <a:t>weaker</a:t>
+            </a:r>
+            <a:r>
+              <a:rPr lang="de-DE" dirty="0" smtClean="0"/>
+              <a:t> </a:t>
+            </a:r>
+            <a:r>
+              <a:rPr lang="de-DE" dirty="0" err="1" smtClean="0"/>
+              <a:t>settings</a:t>
+            </a:r>
+            <a:endParaRPr lang="de-DE" dirty="0" smtClean="0"/>
+          </a:p>
+          <a:p>
             <a:endParaRPr lang="de-DE" dirty="0"/>
           </a:p>
         </p:txBody>
       </p:sp>
-      <p:sp>
-        <p:nvSpPr>
-          <p:cNvPr id="3" name="Inhaltsplatzhalter 2"/>
-          <p:cNvSpPr>
-            <a:spLocks noGrp="1"/>
-          </p:cNvSpPr>
-          <p:nvPr>
-            <p:ph idx="1"/>
-          </p:nvPr>
-        </p:nvSpPr>
-        <p:spPr/>
-        <p:txBody>
-          <a:bodyPr/>
-          <a:lstStyle/>
-          <a:p>
-            <a:r>
-              <a:rPr lang="de-DE" dirty="0" smtClean="0">
-                <a:solidFill>
-                  <a:srgbClr val="FF0000"/>
-                </a:solidFill>
-              </a:rPr>
-              <a:t>TODO </a:t>
-            </a:r>
-            <a:r>
-              <a:rPr lang="de-DE" dirty="0" err="1" smtClean="0">
-                <a:solidFill>
-                  <a:srgbClr val="FF0000"/>
-                </a:solidFill>
-              </a:rPr>
-              <a:t>aaron</a:t>
-            </a:r>
-            <a:r>
-              <a:rPr lang="de-DE" dirty="0" smtClean="0">
-                <a:solidFill>
-                  <a:srgbClr val="FF0000"/>
-                </a:solidFill>
-              </a:rPr>
-              <a:t>: </a:t>
-            </a:r>
-            <a:r>
-              <a:rPr lang="de-DE" dirty="0" err="1" smtClean="0">
-                <a:solidFill>
-                  <a:srgbClr val="FF0000"/>
-                </a:solidFill>
-              </a:rPr>
-              <a:t>screenshot</a:t>
-            </a:r>
-            <a:r>
-              <a:rPr lang="de-DE" dirty="0" smtClean="0">
-                <a:solidFill>
-                  <a:srgbClr val="FF0000"/>
-                </a:solidFill>
-              </a:rPr>
-              <a:t> </a:t>
-            </a:r>
-            <a:r>
-              <a:rPr lang="de-DE" dirty="0" err="1" smtClean="0">
-                <a:solidFill>
-                  <a:srgbClr val="FF0000"/>
-                </a:solidFill>
-              </a:rPr>
-              <a:t>ssllabs</a:t>
-            </a:r>
-            <a:endParaRPr lang="de-DE" dirty="0" smtClean="0">
-              <a:solidFill>
-                <a:srgbClr val="FF0000"/>
-              </a:solidFill>
-            </a:endParaRPr>
-          </a:p>
-          <a:p>
-            <a:endParaRPr lang="de-DE" dirty="0"/>
-          </a:p>
-        </p:txBody>
-      </p:sp>
-      <p:pic>
-        <p:nvPicPr>
-          <p:cNvPr id="4" name="Bild 3"/>
-          <p:cNvPicPr>
-            <a:picLocks noChangeAspect="1"/>
-          </p:cNvPicPr>
-          <p:nvPr/>
-        </p:nvPicPr>
-        <p:blipFill>
-          <a:blip r:embed="rId2"/>
-          <a:stretch>
-            <a:fillRect/>
-          </a:stretch>
-        </p:blipFill>
-        <p:spPr>
-          <a:xfrm>
-            <a:off x="2786113" y="3361056"/>
-            <a:ext cx="6645568" cy="4984176"/>
-          </a:xfrm>
-          <a:prstGeom prst="rect">
-            <a:avLst/>
-          </a:prstGeom>
-        </p:spPr>
-      </p:pic>
       <p:sp>
         <p:nvSpPr>
           <p:cNvPr id="5" name="Textfeld 4"/>
@@ -5804,7 +6424,7 @@
     </p:spTree>
     <p:extLst>
       <p:ext uri="{BB962C8B-B14F-4D97-AF65-F5344CB8AC3E}">
-        <p14:creationId xmlns:p14="http://schemas.microsoft.com/office/powerpoint/2010/main" val="395281444"/>
+        <p14:creationId xmlns:p14="http://schemas.microsoft.com/office/powerpoint/2010/main" val="1681068627"/>
       </p:ext>
     </p:extLst>
   </p:cSld>
@@ -5814,7 +6434,7 @@
   <p:timing>
     <p:tnLst>
       <p:par>
-        <p:cTn xmlns:p14="http://schemas.microsoft.com/office/powerpoint/2010/main" id="1" dur="indefinite" restart="never" nodeType="tmRoot"/>
+        <p:cTn id="1" dur="indefinite" restart="never" nodeType="tmRoot"/>
       </p:par>
     </p:tnLst>
   </p:timing>
@@ -5920,6 +6540,13 @@
   <p:clrMapOvr>
     <a:masterClrMapping/>
   </p:clrMapOvr>
+  <p:timing>
+    <p:tnLst>
+      <p:par>
+        <p:cTn id="1" dur="indefinite" restart="never" nodeType="tmRoot"/>
+      </p:par>
+    </p:tnLst>
+  </p:timing>
 </p:sld>
 </file>
 
@@ -5956,105 +6583,247 @@
           <a:lstStyle/>
           <a:p>
             <a:r>
-              <a:rPr lang="de-DE" dirty="0" err="1" smtClean="0"/>
-              <a:t>Choosing</a:t>
-            </a:r>
-            <a:r>
-              <a:rPr lang="de-DE" dirty="0" smtClean="0"/>
-              <a:t> </a:t>
-            </a:r>
-            <a:r>
-              <a:rPr lang="de-DE" dirty="0" err="1" smtClean="0"/>
-              <a:t>your</a:t>
-            </a:r>
-            <a:r>
-              <a:rPr lang="de-DE" dirty="0" smtClean="0"/>
-              <a:t> </a:t>
-            </a:r>
-            <a:r>
-              <a:rPr lang="de-DE" dirty="0" err="1" smtClean="0"/>
-              <a:t>own</a:t>
-            </a:r>
-            <a:r>
-              <a:rPr lang="de-DE" dirty="0" smtClean="0"/>
-              <a:t> </a:t>
-            </a:r>
-            <a:r>
-              <a:rPr lang="de-DE" dirty="0" err="1" smtClean="0"/>
+              <a:rPr lang="de-DE" dirty="0" smtClean="0"/>
+              <a:t>Variant A</a:t>
+            </a:r>
+            <a:endParaRPr lang="de-DE" dirty="0"/>
+          </a:p>
+        </p:txBody>
+      </p:sp>
+      <p:sp>
+        <p:nvSpPr>
+          <p:cNvPr id="3" name="Inhaltsplatzhalter 2"/>
+          <p:cNvSpPr>
+            <a:spLocks noGrp="1"/>
+          </p:cNvSpPr>
+          <p:nvPr>
+            <p:ph idx="1"/>
+          </p:nvPr>
+        </p:nvSpPr>
+        <p:spPr/>
+        <p:txBody>
+          <a:bodyPr>
+            <a:normAutofit fontScale="92500" lnSpcReduction="20000"/>
+          </a:bodyPr>
+          <a:lstStyle/>
+          <a:p>
+            <a:pPr marL="0" indent="0">
+              <a:buNone/>
+            </a:pPr>
+            <a:r>
+              <a:rPr lang="de-DE" dirty="0"/>
+              <a:t>’</a:t>
+            </a:r>
+            <a:r>
+              <a:rPr lang="de-DE" dirty="0">
+                <a:solidFill>
+                  <a:srgbClr val="FF0000"/>
+                </a:solidFill>
+              </a:rPr>
+              <a:t>E</a:t>
+            </a:r>
+            <a:r>
+              <a:rPr lang="de-DE" dirty="0"/>
+              <a:t>ECDH+aRSA+AES256:EDH+aRSA+AES256:!SSLv3’ </a:t>
+            </a:r>
+            <a:endParaRPr lang="de-DE" dirty="0" smtClean="0"/>
+          </a:p>
+          <a:p>
+            <a:endParaRPr lang="de-DE" dirty="0"/>
+          </a:p>
+          <a:p>
+            <a:endParaRPr lang="de-DE" dirty="0" smtClean="0"/>
+          </a:p>
+          <a:p>
+            <a:endParaRPr lang="de-DE" dirty="0" smtClean="0"/>
+          </a:p>
+          <a:p>
+            <a:endParaRPr lang="de-DE" dirty="0" smtClean="0"/>
+          </a:p>
+          <a:p>
+            <a:pPr marL="0" indent="0">
+              <a:buNone/>
+            </a:pPr>
+            <a:r>
+              <a:rPr lang="de-DE" b="1" dirty="0" err="1" smtClean="0"/>
+              <a:t>Compatibility</a:t>
+            </a:r>
+            <a:r>
+              <a:rPr lang="de-DE" dirty="0" smtClean="0"/>
+              <a:t>: </a:t>
+            </a:r>
+          </a:p>
+          <a:p>
+            <a:pPr marL="0" indent="0">
+              <a:buNone/>
+            </a:pPr>
+            <a:r>
+              <a:rPr lang="de-DE" dirty="0" err="1"/>
+              <a:t>Only</a:t>
+            </a:r>
+            <a:r>
+              <a:rPr lang="de-DE" dirty="0"/>
+              <a:t> </a:t>
+            </a:r>
+            <a:r>
+              <a:rPr lang="de-DE" dirty="0" err="1"/>
+              <a:t>clients</a:t>
+            </a:r>
+            <a:r>
+              <a:rPr lang="de-DE" dirty="0"/>
+              <a:t> </a:t>
+            </a:r>
+            <a:r>
+              <a:rPr lang="de-DE" dirty="0" err="1"/>
+              <a:t>which</a:t>
+            </a:r>
+            <a:r>
+              <a:rPr lang="de-DE" dirty="0"/>
+              <a:t> support TLS1.2 are </a:t>
+            </a:r>
+            <a:r>
+              <a:rPr lang="de-DE" dirty="0" err="1"/>
+              <a:t>covered</a:t>
+            </a:r>
+            <a:r>
+              <a:rPr lang="de-DE" dirty="0"/>
+              <a:t> </a:t>
+            </a:r>
+            <a:r>
+              <a:rPr lang="de-DE" dirty="0" err="1"/>
+              <a:t>by</a:t>
+            </a:r>
+            <a:r>
+              <a:rPr lang="de-DE" dirty="0"/>
+              <a:t> </a:t>
+            </a:r>
+            <a:r>
+              <a:rPr lang="de-DE" dirty="0" err="1"/>
+              <a:t>these</a:t>
+            </a:r>
+            <a:r>
+              <a:rPr lang="de-DE" dirty="0"/>
+              <a:t> </a:t>
+            </a:r>
+            <a:r>
+              <a:rPr lang="de-DE" dirty="0" err="1"/>
               <a:t>cipher</a:t>
             </a:r>
             <a:r>
-              <a:rPr lang="de-DE" dirty="0" smtClean="0"/>
-              <a:t> </a:t>
-            </a:r>
-            <a:r>
-              <a:rPr lang="de-DE" dirty="0" err="1" smtClean="0"/>
-              <a:t>string</a:t>
-            </a:r>
+              <a:rPr lang="de-DE" dirty="0"/>
+              <a:t> </a:t>
+            </a:r>
+            <a:r>
+              <a:rPr lang="de-DE" dirty="0" err="1"/>
+              <a:t>suites</a:t>
+            </a:r>
+            <a:r>
+              <a:rPr lang="de-DE" dirty="0"/>
+              <a:t> (Chrome 30, </a:t>
+            </a:r>
+            <a:r>
+              <a:rPr lang="de-DE" dirty="0" err="1"/>
+              <a:t>Win</a:t>
+            </a:r>
+            <a:r>
+              <a:rPr lang="de-DE" dirty="0"/>
+              <a:t> 7 </a:t>
+            </a:r>
+            <a:r>
+              <a:rPr lang="de-DE" dirty="0" err="1"/>
+              <a:t>and</a:t>
+            </a:r>
+            <a:r>
+              <a:rPr lang="de-DE" dirty="0"/>
+              <a:t> </a:t>
+            </a:r>
+            <a:r>
+              <a:rPr lang="de-DE" dirty="0" err="1"/>
+              <a:t>Win</a:t>
+            </a:r>
+            <a:r>
+              <a:rPr lang="de-DE" dirty="0"/>
+              <a:t> </a:t>
+            </a:r>
+            <a:r>
+              <a:rPr lang="de-DE" dirty="0" smtClean="0"/>
+              <a:t>8.1, </a:t>
+            </a:r>
+            <a:r>
+              <a:rPr lang="de-DE" dirty="0"/>
+              <a:t>Opera 17, </a:t>
+            </a:r>
+            <a:r>
+              <a:rPr lang="de-DE" dirty="0" err="1"/>
+              <a:t>OpenSSL</a:t>
+            </a:r>
+            <a:r>
+              <a:rPr lang="de-DE" dirty="0"/>
+              <a:t> ≥ 1.0.1e, Safari 6 / </a:t>
+            </a:r>
+            <a:r>
+              <a:rPr lang="de-DE" dirty="0" err="1"/>
+              <a:t>iOS</a:t>
+            </a:r>
+            <a:r>
+              <a:rPr lang="de-DE" dirty="0"/>
+              <a:t> 6.0.1, Safari 7 / OS X 10.9) </a:t>
+            </a:r>
+          </a:p>
+          <a:p>
             <a:endParaRPr lang="de-DE" dirty="0"/>
           </a:p>
         </p:txBody>
       </p:sp>
-      <p:sp>
-        <p:nvSpPr>
-          <p:cNvPr id="3" name="Inhaltsplatzhalter 2"/>
-          <p:cNvSpPr>
-            <a:spLocks noGrp="1"/>
-          </p:cNvSpPr>
-          <p:nvPr>
-            <p:ph idx="1"/>
-          </p:nvPr>
-        </p:nvSpPr>
-        <p:spPr/>
-        <p:txBody>
-          <a:bodyPr/>
-          <a:lstStyle/>
-          <a:p>
-            <a:r>
-              <a:rPr lang="de-DE" dirty="0" smtClean="0">
-                <a:solidFill>
-                  <a:srgbClr val="FF0000"/>
-                </a:solidFill>
-              </a:rPr>
-              <a:t>TODO </a:t>
-            </a:r>
-            <a:r>
-              <a:rPr lang="de-DE" dirty="0" err="1" smtClean="0">
-                <a:solidFill>
-                  <a:srgbClr val="FF0000"/>
-                </a:solidFill>
-              </a:rPr>
-              <a:t>aaron</a:t>
-            </a:r>
-            <a:r>
-              <a:rPr lang="de-DE" dirty="0" smtClean="0">
-                <a:solidFill>
-                  <a:srgbClr val="FF0000"/>
-                </a:solidFill>
-              </a:rPr>
-              <a:t>: zusammenfassen</a:t>
-            </a:r>
-          </a:p>
-          <a:p>
-            <a:r>
-              <a:rPr lang="de-DE" dirty="0" smtClean="0"/>
-              <a:t>TODO </a:t>
-            </a:r>
-            <a:r>
-              <a:rPr lang="de-DE" dirty="0" err="1" smtClean="0"/>
-              <a:t>aaron</a:t>
-            </a:r>
-            <a:r>
-              <a:rPr lang="de-DE" dirty="0" smtClean="0"/>
-              <a:t>: </a:t>
-            </a:r>
-            <a:r>
-              <a:rPr lang="de-DE" dirty="0" err="1" smtClean="0"/>
-              <a:t>Ask</a:t>
-            </a:r>
-            <a:r>
-              <a:rPr lang="de-DE" dirty="0" smtClean="0"/>
-              <a:t> Adi</a:t>
+      <p:pic>
+        <p:nvPicPr>
+          <p:cNvPr id="4" name="Bild 3"/>
+          <p:cNvPicPr>
+            <a:picLocks noChangeAspect="1"/>
+          </p:cNvPicPr>
+          <p:nvPr/>
+        </p:nvPicPr>
+        <p:blipFill>
+          <a:blip r:embed="rId2"/>
+          <a:stretch>
+            <a:fillRect/>
+          </a:stretch>
+        </p:blipFill>
+        <p:spPr>
+          <a:xfrm>
+            <a:off x="728709" y="2337415"/>
+            <a:ext cx="7686582" cy="1462780"/>
+          </a:xfrm>
+          <a:prstGeom prst="rect">
+            <a:avLst/>
+          </a:prstGeom>
+        </p:spPr>
+      </p:pic>
+      <p:sp>
+        <p:nvSpPr>
+          <p:cNvPr id="5" name="Textfeld 4"/>
+          <p:cNvSpPr txBox="1"/>
+          <p:nvPr/>
+        </p:nvSpPr>
+        <p:spPr>
+          <a:xfrm>
+            <a:off x="7318323" y="6126163"/>
+            <a:ext cx="1676031" cy="369332"/>
+          </a:xfrm>
+          <a:prstGeom prst="rect">
+            <a:avLst/>
+          </a:prstGeom>
+          <a:noFill/>
+        </p:spPr>
+        <p:txBody>
+          <a:bodyPr wrap="square" rtlCol="0">
+            <a:spAutoFit/>
+          </a:bodyPr>
+          <a:lstStyle/>
+          <a:p>
+            <a:r>
+              <a:rPr lang="de-DE" dirty="0" smtClean="0"/>
+              <a:t>Ramin, Daniel</a:t>
             </a:r>
             <a:endParaRPr lang="de-DE" dirty="0"/>
           </a:p>
@@ -6063,7 +6832,7 @@
     </p:spTree>
     <p:extLst>
       <p:ext uri="{BB962C8B-B14F-4D97-AF65-F5344CB8AC3E}">
-        <p14:creationId xmlns:p14="http://schemas.microsoft.com/office/powerpoint/2010/main" val="765680266"/>
+        <p14:creationId xmlns:p14="http://schemas.microsoft.com/office/powerpoint/2010/main" val="2726979669"/>
       </p:ext>
     </p:extLst>
   </p:cSld>
@@ -6092,7 +6861,7 @@
       </p:grpSpPr>
       <p:sp>
         <p:nvSpPr>
-          <p:cNvPr id="4" name="Titel 3"/>
+          <p:cNvPr id="2" name="Titel 1"/>
           <p:cNvSpPr>
             <a:spLocks noGrp="1"/>
           </p:cNvSpPr>
@@ -6106,16 +6875,8 @@
           <a:lstStyle/>
           <a:p>
             <a:r>
-              <a:rPr lang="de-DE" dirty="0" err="1" smtClean="0"/>
-              <a:t>Practical</a:t>
-            </a:r>
-            <a:r>
-              <a:rPr lang="de-DE" dirty="0" smtClean="0"/>
-              <a:t> </a:t>
-            </a:r>
-            <a:r>
-              <a:rPr lang="de-DE" dirty="0" err="1" smtClean="0"/>
-              <a:t>settings</a:t>
+              <a:rPr lang="de-DE" dirty="0" smtClean="0"/>
+              <a:t>Variant B</a:t>
             </a:r>
             <a:endParaRPr lang="de-DE" dirty="0"/>
           </a:p>
@@ -6123,12 +6884,12 @@
       </p:sp>
       <p:sp>
         <p:nvSpPr>
-          <p:cNvPr id="5" name="Textplatzhalter 4"/>
-          <p:cNvSpPr>
-            <a:spLocks noGrp="1"/>
-          </p:cNvSpPr>
-          <p:nvPr>
-            <p:ph type="body" idx="1"/>
+          <p:cNvPr id="3" name="Inhaltsplatzhalter 2"/>
+          <p:cNvSpPr>
+            <a:spLocks noGrp="1"/>
+          </p:cNvSpPr>
+          <p:nvPr>
+            <p:ph idx="1"/>
           </p:nvPr>
         </p:nvSpPr>
         <p:spPr/>
@@ -6136,20 +6897,78 @@
           <a:bodyPr/>
           <a:lstStyle/>
           <a:p>
-            <a:endParaRPr lang="de-DE"/>
-          </a:p>
-        </p:txBody>
-      </p:sp>
-      <p:sp>
-        <p:nvSpPr>
-          <p:cNvPr id="6" name="Textfeld 5"/>
+            <a:r>
+              <a:rPr lang="de-DE" dirty="0" err="1"/>
+              <a:t>weaker</a:t>
+            </a:r>
+            <a:r>
+              <a:rPr lang="de-DE" dirty="0"/>
+              <a:t> </a:t>
+            </a:r>
+            <a:r>
+              <a:rPr lang="de-DE" dirty="0" err="1"/>
+              <a:t>ciphers</a:t>
+            </a:r>
+            <a:r>
+              <a:rPr lang="de-DE" dirty="0"/>
+              <a:t>, </a:t>
+            </a:r>
+            <a:r>
+              <a:rPr lang="de-DE" dirty="0" err="1"/>
+              <a:t>many</a:t>
+            </a:r>
+            <a:r>
+              <a:rPr lang="de-DE" dirty="0"/>
+              <a:t> </a:t>
+            </a:r>
+            <a:r>
+              <a:rPr lang="de-DE" dirty="0" err="1"/>
+              <a:t>clients</a:t>
+            </a:r>
+            <a:r>
+              <a:rPr lang="de-DE" dirty="0"/>
+              <a:t> </a:t>
+            </a:r>
+          </a:p>
+          <a:p>
+            <a:endParaRPr lang="de-DE" dirty="0"/>
+          </a:p>
+        </p:txBody>
+      </p:sp>
+      <p:pic>
+        <p:nvPicPr>
+          <p:cNvPr id="4" name="Bild 3"/>
+          <p:cNvPicPr>
+            <a:picLocks noChangeAspect="1"/>
+          </p:cNvPicPr>
+          <p:nvPr/>
+        </p:nvPicPr>
+        <p:blipFill>
+          <a:blip r:embed="rId2"/>
+          <a:stretch>
+            <a:fillRect/>
+          </a:stretch>
+        </p:blipFill>
+        <p:spPr>
+          <a:xfrm>
+            <a:off x="0" y="2409000"/>
+            <a:ext cx="9144000" cy="3717163"/>
+          </a:xfrm>
+          <a:prstGeom prst="rect">
+            <a:avLst/>
+          </a:prstGeom>
+        </p:spPr>
+      </p:pic>
+      <p:sp>
+        <p:nvSpPr>
+          <p:cNvPr id="5" name="Textfeld 4"/>
           <p:cNvSpPr txBox="1"/>
           <p:nvPr/>
         </p:nvSpPr>
         <p:spPr>
           <a:xfrm>
-            <a:off x="7297503" y="6126163"/>
-            <a:ext cx="1389297" cy="369332"/>
+            <a:off x="7318323" y="6126163"/>
+            <a:ext cx="1676031" cy="369332"/>
           </a:xfrm>
           <a:prstGeom prst="rect">
             <a:avLst/>
@@ -6164,7 +6983,7 @@
           <a:p>
             <a:r>
               <a:rPr lang="de-DE" dirty="0" smtClean="0"/>
-              <a:t>Aaron</a:t>
+              <a:t>Ramin, Daniel</a:t>
             </a:r>
             <a:endParaRPr lang="de-DE" dirty="0"/>
           </a:p>
@@ -6173,13 +6992,20 @@
     </p:spTree>
     <p:extLst>
       <p:ext uri="{BB962C8B-B14F-4D97-AF65-F5344CB8AC3E}">
-        <p14:creationId xmlns:p14="http://schemas.microsoft.com/office/powerpoint/2010/main" val="1813752796"/>
+        <p14:creationId xmlns:p14="http://schemas.microsoft.com/office/powerpoint/2010/main" val="663298998"/>
       </p:ext>
     </p:extLst>
   </p:cSld>
   <p:clrMapOvr>
     <a:masterClrMapping/>
   </p:clrMapOvr>
+  <p:timing>
+    <p:tnLst>
+      <p:par>
+        <p:cTn id="1" dur="indefinite" restart="never" nodeType="tmRoot"/>
+      </p:par>
+    </p:tnLst>
+  </p:timing>
 </p:sld>
 </file>
 
@@ -6202,7 +7028,7 @@
       </p:grpSpPr>
       <p:sp>
         <p:nvSpPr>
-          <p:cNvPr id="6" name="Titel 5"/>
+          <p:cNvPr id="2" name="Titel 1"/>
           <p:cNvSpPr>
             <a:spLocks noGrp="1"/>
           </p:cNvSpPr>
@@ -6216,32 +7042,12 @@
           <a:lstStyle/>
           <a:p>
             <a:r>
-              <a:rPr lang="de-DE" dirty="0" err="1" smtClean="0"/>
-              <a:t>What</a:t>
-            </a:r>
-            <a:r>
-              <a:rPr lang="de-DE" dirty="0" smtClean="0"/>
-              <a:t> </a:t>
-            </a:r>
-            <a:r>
-              <a:rPr lang="de-DE" dirty="0" err="1" smtClean="0"/>
-              <a:t>we</a:t>
-            </a:r>
-            <a:r>
-              <a:rPr lang="de-DE" dirty="0" smtClean="0"/>
-              <a:t> </a:t>
-            </a:r>
-            <a:r>
-              <a:rPr lang="de-DE" dirty="0" err="1" smtClean="0"/>
-              <a:t>have</a:t>
-            </a:r>
-            <a:r>
-              <a:rPr lang="de-DE" dirty="0" smtClean="0"/>
-              <a:t> so </a:t>
-            </a:r>
-            <a:r>
-              <a:rPr lang="de-DE" dirty="0" err="1" smtClean="0"/>
-              <a:t>far</a:t>
+              <a:rPr lang="de-DE" dirty="0" smtClean="0"/>
+              <a:t>Variant B: </a:t>
+            </a:r>
+            <a:r>
+              <a:rPr lang="de-DE" dirty="0" err="1" smtClean="0"/>
+              <a:t>Compatibility</a:t>
             </a:r>
             <a:endParaRPr lang="de-DE" dirty="0"/>
           </a:p>
@@ -6249,7 +7055,7 @@
       </p:sp>
       <p:sp>
         <p:nvSpPr>
-          <p:cNvPr id="7" name="Inhaltsplatzhalter 6"/>
+          <p:cNvPr id="3" name="Inhaltsplatzhalter 2"/>
           <p:cNvSpPr>
             <a:spLocks noGrp="1"/>
           </p:cNvSpPr>
@@ -6259,120 +7065,102 @@
         </p:nvSpPr>
         <p:spPr/>
         <p:txBody>
-          <a:bodyPr>
-            <a:normAutofit/>
-          </a:bodyPr>
-          <a:lstStyle/>
-          <a:p>
-            <a:r>
-              <a:rPr lang="de-DE" dirty="0" smtClean="0"/>
-              <a:t>Web server: Apache, </a:t>
-            </a:r>
-            <a:r>
-              <a:rPr lang="de-DE" dirty="0" err="1" smtClean="0"/>
-              <a:t>nginx</a:t>
-            </a:r>
-            <a:r>
-              <a:rPr lang="de-DE" dirty="0" smtClean="0"/>
-              <a:t>, IIS, </a:t>
-            </a:r>
-            <a:r>
-              <a:rPr lang="de-DE" dirty="0" err="1" smtClean="0"/>
-              <a:t>lighttpd</a:t>
-            </a:r>
-            <a:endParaRPr lang="de-DE" dirty="0"/>
-          </a:p>
-          <a:p>
-            <a:r>
-              <a:rPr lang="de-DE" dirty="0" smtClean="0"/>
-              <a:t>Mail: </a:t>
-            </a:r>
-            <a:r>
-              <a:rPr lang="de-DE" dirty="0" err="1" smtClean="0"/>
-              <a:t>Dovecot</a:t>
-            </a:r>
-            <a:r>
-              <a:rPr lang="de-DE" dirty="0" smtClean="0"/>
-              <a:t>, </a:t>
-            </a:r>
-            <a:r>
-              <a:rPr lang="de-DE" dirty="0" err="1" smtClean="0"/>
-              <a:t>cyrus</a:t>
-            </a:r>
-            <a:r>
-              <a:rPr lang="de-DE" dirty="0" smtClean="0"/>
-              <a:t>, </a:t>
-            </a:r>
-            <a:r>
-              <a:rPr lang="de-DE" dirty="0" err="1" smtClean="0"/>
-              <a:t>Postfix</a:t>
-            </a:r>
-            <a:r>
-              <a:rPr lang="de-DE" dirty="0" smtClean="0"/>
-              <a:t>, </a:t>
-            </a:r>
-            <a:r>
-              <a:rPr lang="de-DE" dirty="0" err="1" smtClean="0"/>
-              <a:t>Exim</a:t>
-            </a:r>
-            <a:r>
-              <a:rPr lang="de-DE" dirty="0" smtClean="0"/>
-              <a:t>, </a:t>
-            </a:r>
+          <a:bodyPr/>
+          <a:lstStyle/>
+          <a:p>
             <a:r>
               <a:rPr lang="de-DE" dirty="0" smtClean="0">
                 <a:solidFill>
-                  <a:srgbClr val="FF6600"/>
-                </a:solidFill>
-              </a:rPr>
-              <a:t>Exchange</a:t>
-            </a:r>
-          </a:p>
-          <a:p>
+                  <a:srgbClr val="FF0000"/>
+                </a:solidFill>
+              </a:rPr>
+              <a:t>TODO </a:t>
+            </a:r>
+            <a:r>
+              <a:rPr lang="de-DE" dirty="0" err="1" smtClean="0">
+                <a:solidFill>
+                  <a:srgbClr val="FF0000"/>
+                </a:solidFill>
+              </a:rPr>
+              <a:t>aaron</a:t>
+            </a:r>
             <a:r>
               <a:rPr lang="de-DE" dirty="0" smtClean="0">
                 <a:solidFill>
-                  <a:srgbClr val="000000"/>
-                </a:solidFill>
-              </a:rPr>
-              <a:t>DBs: </a:t>
-            </a:r>
-            <a:r>
-              <a:rPr lang="de-DE" dirty="0" err="1" smtClean="0"/>
-              <a:t>Postgresql</a:t>
-            </a:r>
-            <a:r>
-              <a:rPr lang="de-DE" dirty="0" smtClean="0"/>
-              <a:t>, Mysql</a:t>
-            </a:r>
-          </a:p>
-          <a:p>
+                  <a:srgbClr val="FF0000"/>
+                </a:solidFill>
+              </a:rPr>
+              <a:t>: </a:t>
+            </a:r>
             <a:r>
               <a:rPr lang="de-DE" dirty="0" err="1" smtClean="0">
                 <a:solidFill>
-                  <a:srgbClr val="000000"/>
-                </a:solidFill>
-              </a:rPr>
-              <a:t>Proxies</a:t>
-            </a:r>
-            <a:endParaRPr lang="de-DE" dirty="0">
+                  <a:srgbClr val="FF0000"/>
+                </a:solidFill>
+              </a:rPr>
+              <a:t>screenshot</a:t>
+            </a:r>
+            <a:r>
+              <a:rPr lang="de-DE" dirty="0" smtClean="0">
+                <a:solidFill>
+                  <a:srgbClr val="FF0000"/>
+                </a:solidFill>
+              </a:rPr>
+              <a:t> </a:t>
+            </a:r>
+            <a:r>
+              <a:rPr lang="de-DE" dirty="0" err="1" smtClean="0">
+                <a:solidFill>
+                  <a:srgbClr val="FF0000"/>
+                </a:solidFill>
+              </a:rPr>
+              <a:t>ssllabs</a:t>
+            </a:r>
+            <a:endParaRPr lang="de-DE" dirty="0" smtClean="0">
               <a:solidFill>
-                <a:srgbClr val="000000"/>
+                <a:srgbClr val="FF0000"/>
               </a:solidFill>
             </a:endParaRPr>
           </a:p>
-        </p:txBody>
-      </p:sp>
-      <p:sp>
-        <p:nvSpPr>
-          <p:cNvPr id="8" name="Textfeld 7"/>
+          <a:p>
+            <a:endParaRPr lang="de-DE" dirty="0"/>
+          </a:p>
+        </p:txBody>
+      </p:sp>
+      <p:pic>
+        <p:nvPicPr>
+          <p:cNvPr id="4" name="Bild 3"/>
+          <p:cNvPicPr>
+            <a:picLocks noChangeAspect="1"/>
+          </p:cNvPicPr>
+          <p:nvPr/>
+        </p:nvPicPr>
+        <p:blipFill>
+          <a:blip r:embed="rId2"/>
+          <a:stretch>
+            <a:fillRect/>
+          </a:stretch>
+        </p:blipFill>
+        <p:spPr>
+          <a:xfrm>
+            <a:off x="2786113" y="3361056"/>
+            <a:ext cx="6645568" cy="4984176"/>
+          </a:xfrm>
+          <a:prstGeom prst="rect">
+            <a:avLst/>
+          </a:prstGeom>
+        </p:spPr>
+      </p:pic>
+      <p:sp>
+        <p:nvSpPr>
+          <p:cNvPr id="5" name="Textfeld 4"/>
           <p:cNvSpPr txBox="1"/>
           <p:nvPr/>
         </p:nvSpPr>
         <p:spPr>
           <a:xfrm>
-            <a:off x="7297503" y="6126163"/>
-            <a:ext cx="1389297" cy="369332"/>
+            <a:off x="7318323" y="6126163"/>
+            <a:ext cx="1676031" cy="369332"/>
           </a:xfrm>
           <a:prstGeom prst="rect">
             <a:avLst/>
@@ -6387,7 +7175,7 @@
           <a:p>
             <a:r>
               <a:rPr lang="de-DE" dirty="0" smtClean="0"/>
-              <a:t>Aaron</a:t>
+              <a:t>Ramin, Daniel</a:t>
             </a:r>
             <a:endParaRPr lang="de-DE" dirty="0"/>
           </a:p>
@@ -6396,13 +7184,20 @@
     </p:spTree>
     <p:extLst>
       <p:ext uri="{BB962C8B-B14F-4D97-AF65-F5344CB8AC3E}">
-        <p14:creationId xmlns:p14="http://schemas.microsoft.com/office/powerpoint/2010/main" val="4235670127"/>
+        <p14:creationId xmlns:p14="http://schemas.microsoft.com/office/powerpoint/2010/main" val="395281444"/>
       </p:ext>
     </p:extLst>
   </p:cSld>
   <p:clrMapOvr>
     <a:masterClrMapping/>
   </p:clrMapOvr>
+  <p:timing>
+    <p:tnLst>
+      <p:par>
+        <p:cTn id="1" dur="indefinite" restart="never" nodeType="tmRoot"/>
+      </p:par>
+    </p:tnLst>
+  </p:timing>
 </p:sld>
 </file>
 
@@ -6440,47 +7235,39 @@
           <a:p>
             <a:r>
               <a:rPr lang="de-DE" dirty="0" err="1" smtClean="0"/>
-              <a:t>What</a:t>
-            </a:r>
-            <a:r>
-              <a:rPr lang="de-DE" dirty="0" smtClean="0"/>
-              <a:t> </a:t>
-            </a:r>
-            <a:r>
-              <a:rPr lang="de-DE" dirty="0" err="1" smtClean="0"/>
-              <a:t>we</a:t>
-            </a:r>
-            <a:r>
-              <a:rPr lang="de-DE" dirty="0" smtClean="0"/>
-              <a:t> </a:t>
-            </a:r>
-            <a:r>
-              <a:rPr lang="de-DE" dirty="0" err="1" smtClean="0"/>
-              <a:t>would</a:t>
-            </a:r>
-            <a:r>
-              <a:rPr lang="de-DE" dirty="0" smtClean="0"/>
-              <a:t> </a:t>
-            </a:r>
-            <a:r>
-              <a:rPr lang="de-DE" dirty="0" err="1" smtClean="0"/>
-              <a:t>like</a:t>
-            </a:r>
-            <a:r>
-              <a:rPr lang="de-DE" dirty="0" smtClean="0"/>
-              <a:t> </a:t>
-            </a:r>
-            <a:r>
-              <a:rPr lang="de-DE" dirty="0" err="1" smtClean="0"/>
-              <a:t>to</a:t>
-            </a:r>
-            <a:r>
-              <a:rPr lang="de-DE" dirty="0" smtClean="0"/>
-              <a:t> </a:t>
-            </a:r>
-            <a:r>
-              <a:rPr lang="de-DE" dirty="0" err="1" smtClean="0"/>
-              <a:t>see</a:t>
+              <a:t>Choosing</a:t>
+            </a:r>
+            <a:r>
+              <a:rPr lang="de-DE" dirty="0" smtClean="0"/>
+              <a:t> </a:t>
+            </a:r>
+            <a:r>
+              <a:rPr lang="de-DE" dirty="0" err="1" smtClean="0"/>
+              <a:t>your</a:t>
+            </a:r>
+            <a:r>
+              <a:rPr lang="de-DE" dirty="0" smtClean="0"/>
+              <a:t> </a:t>
+            </a:r>
+            <a:r>
+              <a:rPr lang="de-DE" dirty="0" err="1" smtClean="0"/>
+              <a:t>own</a:t>
+            </a:r>
+            <a:r>
+              <a:rPr lang="de-DE" dirty="0" smtClean="0"/>
+              <a:t> </a:t>
+            </a:r>
+            <a:r>
+              <a:rPr lang="de-DE" dirty="0" err="1" smtClean="0"/>
+              <a:t>cipher</a:t>
+            </a:r>
+            <a:r>
+              <a:rPr lang="de-DE" dirty="0" smtClean="0"/>
+              <a:t> </a:t>
+            </a:r>
+            <a:r>
+              <a:rPr lang="de-DE" dirty="0" err="1" smtClean="0"/>
+              <a:t>string</a:t>
             </a:r>
             <a:endParaRPr lang="de-DE" dirty="0"/>
           </a:p>
@@ -6498,210 +7285,54 @@
         </p:nvSpPr>
         <p:spPr/>
         <p:txBody>
-          <a:bodyPr>
-            <a:normAutofit fontScale="92500" lnSpcReduction="10000"/>
-          </a:bodyPr>
-          <a:lstStyle/>
-          <a:p>
-            <a:r>
-              <a:rPr lang="de-DE" dirty="0">
-                <a:solidFill>
-                  <a:srgbClr val="FF6600"/>
-                </a:solidFill>
-              </a:rPr>
-              <a:t>Mail: </a:t>
-            </a:r>
+          <a:bodyPr/>
+          <a:lstStyle/>
+          <a:p>
             <a:r>
               <a:rPr lang="de-DE" dirty="0" smtClean="0">
                 <a:solidFill>
-                  <a:srgbClr val="FF6600"/>
-                </a:solidFill>
-              </a:rPr>
-              <a:t>Exchange</a:t>
-            </a:r>
-          </a:p>
-          <a:p>
+                  <a:srgbClr val="FF0000"/>
+                </a:solidFill>
+              </a:rPr>
+              <a:t>TODO </a:t>
+            </a:r>
+            <a:r>
+              <a:rPr lang="de-DE" dirty="0" err="1" smtClean="0">
+                <a:solidFill>
+                  <a:srgbClr val="FF0000"/>
+                </a:solidFill>
+              </a:rPr>
+              <a:t>aaron</a:t>
+            </a:r>
             <a:r>
               <a:rPr lang="de-DE" dirty="0" smtClean="0">
                 <a:solidFill>
-                  <a:srgbClr val="FF6600"/>
-                </a:solidFill>
-              </a:rPr>
-              <a:t>SSH</a:t>
-            </a:r>
-            <a:endParaRPr lang="de-DE" dirty="0">
-              <a:solidFill>
-                <a:srgbClr val="FF6600"/>
-              </a:solidFill>
-            </a:endParaRPr>
-          </a:p>
-          <a:p>
-            <a:r>
-              <a:rPr lang="de-DE" dirty="0">
-                <a:solidFill>
-                  <a:srgbClr val="FF6600"/>
-                </a:solidFill>
-              </a:rPr>
-              <a:t>VPN: </a:t>
-            </a:r>
-            <a:r>
-              <a:rPr lang="de-DE" dirty="0" err="1">
-                <a:solidFill>
-                  <a:srgbClr val="FF6600"/>
-                </a:solidFill>
-              </a:rPr>
-              <a:t>OpenVPN</a:t>
-            </a:r>
-            <a:r>
-              <a:rPr lang="de-DE" dirty="0">
-                <a:solidFill>
-                  <a:srgbClr val="FF6600"/>
-                </a:solidFill>
-              </a:rPr>
-              <a:t>, IPSec, PPTP, Cisco IPSec, </a:t>
-            </a:r>
-            <a:r>
-              <a:rPr lang="de-DE" dirty="0" err="1">
-                <a:solidFill>
-                  <a:srgbClr val="FF6600"/>
-                </a:solidFill>
-              </a:rPr>
-              <a:t>Juniper</a:t>
-            </a:r>
-            <a:r>
-              <a:rPr lang="de-DE" dirty="0">
-                <a:solidFill>
-                  <a:srgbClr val="FF6600"/>
-                </a:solidFill>
-              </a:rPr>
-              <a:t> </a:t>
-            </a:r>
-            <a:r>
-              <a:rPr lang="de-DE" dirty="0" err="1">
-                <a:solidFill>
-                  <a:srgbClr val="FF6600"/>
-                </a:solidFill>
-              </a:rPr>
-              <a:t>Ipsec</a:t>
-            </a:r>
-            <a:r>
-              <a:rPr lang="de-DE" dirty="0">
-                <a:solidFill>
-                  <a:srgbClr val="FF6600"/>
-                </a:solidFill>
-              </a:rPr>
-              <a:t>, L2TP, </a:t>
-            </a:r>
-            <a:r>
-              <a:rPr lang="de-DE" dirty="0" err="1">
-                <a:solidFill>
-                  <a:srgbClr val="FF6600"/>
-                </a:solidFill>
-              </a:rPr>
-              <a:t>Racoon</a:t>
-            </a:r>
-            <a:endParaRPr lang="de-DE" dirty="0">
-              <a:solidFill>
-                <a:srgbClr val="FF6600"/>
-              </a:solidFill>
-            </a:endParaRPr>
-          </a:p>
-          <a:p>
-            <a:r>
-              <a:rPr lang="de-DE" dirty="0">
-                <a:solidFill>
-                  <a:srgbClr val="FF6600"/>
-                </a:solidFill>
-              </a:rPr>
-              <a:t>PGP</a:t>
-            </a:r>
-          </a:p>
-          <a:p>
-            <a:r>
-              <a:rPr lang="de-DE" dirty="0">
-                <a:solidFill>
-                  <a:srgbClr val="FF6600"/>
-                </a:solidFill>
-              </a:rPr>
-              <a:t>IPMI, ILO, ...</a:t>
-            </a:r>
-          </a:p>
-          <a:p>
-            <a:r>
-              <a:rPr lang="de-DE" dirty="0">
-                <a:solidFill>
-                  <a:srgbClr val="FF6600"/>
-                </a:solidFill>
-              </a:rPr>
-              <a:t>SIP</a:t>
-            </a:r>
-          </a:p>
-          <a:p>
-            <a:r>
-              <a:rPr lang="de-DE" dirty="0" smtClean="0">
-                <a:solidFill>
-                  <a:srgbClr val="FF6600"/>
-                </a:solidFill>
-              </a:rPr>
-              <a:t>XMPP</a:t>
-            </a:r>
-          </a:p>
-          <a:p>
-            <a:r>
-              <a:rPr lang="de-DE" dirty="0">
-                <a:solidFill>
-                  <a:srgbClr val="FF6600"/>
-                </a:solidFill>
-              </a:rPr>
-              <a:t>DBs: </a:t>
-            </a:r>
-            <a:r>
-              <a:rPr lang="de-DE" dirty="0" smtClean="0">
-                <a:solidFill>
-                  <a:srgbClr val="FF6600"/>
-                </a:solidFill>
-              </a:rPr>
-              <a:t>Oracle</a:t>
-            </a:r>
-            <a:r>
-              <a:rPr lang="de-DE" dirty="0">
-                <a:solidFill>
-                  <a:srgbClr val="FF6600"/>
-                </a:solidFill>
-              </a:rPr>
-              <a:t>, DB2</a:t>
-            </a:r>
-          </a:p>
-          <a:p>
-            <a:endParaRPr lang="de-DE" dirty="0"/>
-          </a:p>
-        </p:txBody>
-      </p:sp>
-      <p:sp>
-        <p:nvSpPr>
-          <p:cNvPr id="4" name="Textfeld 3"/>
-          <p:cNvSpPr txBox="1"/>
-          <p:nvPr/>
-        </p:nvSpPr>
-        <p:spPr>
-          <a:xfrm>
-            <a:off x="7297503" y="6126163"/>
-            <a:ext cx="1389297" cy="369332"/>
-          </a:xfrm>
-          <a:prstGeom prst="rect">
-            <a:avLst/>
-          </a:prstGeom>
-          <a:noFill/>
-        </p:spPr>
-        <p:txBody>
-          <a:bodyPr wrap="square" rtlCol="0">
-            <a:spAutoFit/>
-          </a:bodyPr>
-          <a:lstStyle/>
-          <a:p>
-            <a:r>
-              <a:rPr lang="de-DE" dirty="0" smtClean="0"/>
-              <a:t>Aaron</a:t>
+                  <a:srgbClr val="FF0000"/>
+                </a:solidFill>
+              </a:rPr>
+              <a:t>: zusammenfassen</a:t>
+            </a:r>
+          </a:p>
+          <a:p>
+            <a:r>
+              <a:rPr lang="de-DE" dirty="0" smtClean="0"/>
+              <a:t>TODO </a:t>
+            </a:r>
+            <a:r>
+              <a:rPr lang="de-DE" dirty="0" err="1" smtClean="0"/>
+              <a:t>aaron</a:t>
+            </a:r>
+            <a:r>
+              <a:rPr lang="de-DE" dirty="0" smtClean="0"/>
+              <a:t>: </a:t>
+            </a:r>
+            <a:r>
+              <a:rPr lang="de-DE" dirty="0" err="1" smtClean="0"/>
+              <a:t>Ask</a:t>
+            </a:r>
+            <a:r>
+              <a:rPr lang="de-DE" dirty="0" smtClean="0"/>
+              <a:t> Adi</a:t>
             </a:r>
             <a:endParaRPr lang="de-DE" dirty="0"/>
           </a:p>
@@ -6710,7 +7341,7 @@
     </p:spTree>
     <p:extLst>
       <p:ext uri="{BB962C8B-B14F-4D97-AF65-F5344CB8AC3E}">
-        <p14:creationId xmlns:p14="http://schemas.microsoft.com/office/powerpoint/2010/main" val="3458012645"/>
+        <p14:creationId xmlns:p14="http://schemas.microsoft.com/office/powerpoint/2010/main" val="765680266"/>
       </p:ext>
     </p:extLst>
   </p:cSld>
@@ -6739,7 +7370,7 @@
       </p:grpSpPr>
       <p:sp>
         <p:nvSpPr>
-          <p:cNvPr id="2" name="Titel 1"/>
+          <p:cNvPr id="4" name="Titel 3"/>
           <p:cNvSpPr>
             <a:spLocks noGrp="1"/>
           </p:cNvSpPr>
@@ -6754,11 +7385,15 @@
           <a:p>
             <a:r>
               <a:rPr lang="de-DE" dirty="0" err="1" smtClean="0"/>
-              <a:t>Example</a:t>
-            </a:r>
-            <a:r>
-              <a:rPr lang="de-DE" dirty="0" smtClean="0"/>
-              <a:t>: Apache</a:t>
+              <a:t>Practical</a:t>
+            </a:r>
+            <a:r>
+              <a:rPr lang="de-DE" dirty="0" smtClean="0"/>
+              <a:t> </a:t>
+            </a:r>
+            <a:r>
+              <a:rPr lang="de-DE" dirty="0" err="1" smtClean="0"/>
+              <a:t>settings</a:t>
             </a:r>
             <a:endParaRPr lang="de-DE" dirty="0"/>
           </a:p>
@@ -6766,12 +7401,12 @@
       </p:sp>
       <p:sp>
         <p:nvSpPr>
-          <p:cNvPr id="3" name="Inhaltsplatzhalter 2"/>
-          <p:cNvSpPr>
-            <a:spLocks noGrp="1"/>
-          </p:cNvSpPr>
-          <p:nvPr>
-            <p:ph idx="1"/>
+          <p:cNvPr id="5" name="Textplatzhalter 4"/>
+          <p:cNvSpPr>
+            <a:spLocks noGrp="1"/>
+          </p:cNvSpPr>
+          <p:nvPr>
+            <p:ph type="body" idx="1"/>
           </p:nvPr>
         </p:nvSpPr>
         <p:spPr/>
@@ -6779,33 +7414,13 @@
           <a:bodyPr/>
           <a:lstStyle/>
           <a:p>
-            <a:r>
-              <a:rPr lang="de-DE" dirty="0" smtClean="0">
-                <a:solidFill>
-                  <a:srgbClr val="FF0000"/>
-                </a:solidFill>
-              </a:rPr>
-              <a:t>TODO </a:t>
-            </a:r>
-            <a:r>
-              <a:rPr lang="de-DE" dirty="0" err="1" smtClean="0">
-                <a:solidFill>
-                  <a:srgbClr val="FF0000"/>
-                </a:solidFill>
-              </a:rPr>
-              <a:t>aaron</a:t>
-            </a:r>
-            <a:endParaRPr lang="de-DE" dirty="0">
-              <a:solidFill>
-                <a:srgbClr val="FF0000"/>
-              </a:solidFill>
-            </a:endParaRPr>
-          </a:p>
-        </p:txBody>
-      </p:sp>
-      <p:sp>
-        <p:nvSpPr>
-          <p:cNvPr id="4" name="Textfeld 3"/>
+            <a:endParaRPr lang="de-DE"/>
+          </a:p>
+        </p:txBody>
+      </p:sp>
+      <p:sp>
+        <p:nvSpPr>
+          <p:cNvPr id="6" name="Textfeld 5"/>
           <p:cNvSpPr txBox="1"/>
           <p:nvPr/>
         </p:nvSpPr>
@@ -6836,7 +7451,7 @@
     </p:spTree>
     <p:extLst>
       <p:ext uri="{BB962C8B-B14F-4D97-AF65-F5344CB8AC3E}">
-        <p14:creationId xmlns:p14="http://schemas.microsoft.com/office/powerpoint/2010/main" val="2041378095"/>
+        <p14:creationId xmlns:p14="http://schemas.microsoft.com/office/powerpoint/2010/main" val="1813752796"/>
       </p:ext>
     </p:extLst>
   </p:cSld>
@@ -6865,7 +7480,7 @@
       </p:grpSpPr>
       <p:sp>
         <p:nvSpPr>
-          <p:cNvPr id="4" name="Titel 3"/>
+          <p:cNvPr id="6" name="Titel 5"/>
           <p:cNvSpPr>
             <a:spLocks noGrp="1"/>
           </p:cNvSpPr>
@@ -6880,7 +7495,31 @@
           <a:p>
             <a:r>
               <a:rPr lang="de-DE" dirty="0" err="1" smtClean="0"/>
-              <a:t>Testing</a:t>
+              <a:t>What</a:t>
+            </a:r>
+            <a:r>
+              <a:rPr lang="de-DE" dirty="0" smtClean="0"/>
+              <a:t> </a:t>
+            </a:r>
+            <a:r>
+              <a:rPr lang="de-DE" dirty="0" err="1" smtClean="0"/>
+              <a:t>we</a:t>
+            </a:r>
+            <a:r>
+              <a:rPr lang="de-DE" dirty="0" smtClean="0"/>
+              <a:t> </a:t>
+            </a:r>
+            <a:r>
+              <a:rPr lang="de-DE" dirty="0" err="1" smtClean="0"/>
+              <a:t>have</a:t>
+            </a:r>
+            <a:r>
+              <a:rPr lang="de-DE" dirty="0" smtClean="0"/>
+              <a:t> so </a:t>
+            </a:r>
+            <a:r>
+              <a:rPr lang="de-DE" dirty="0" err="1" smtClean="0"/>
+              <a:t>far</a:t>
             </a:r>
             <a:endParaRPr lang="de-DE" dirty="0"/>
           </a:p>
@@ -6888,26 +7527,123 @@
       </p:sp>
       <p:sp>
         <p:nvSpPr>
-          <p:cNvPr id="5" name="Textplatzhalter 4"/>
-          <p:cNvSpPr>
-            <a:spLocks noGrp="1"/>
-          </p:cNvSpPr>
-          <p:nvPr>
-            <p:ph type="body" idx="1"/>
+          <p:cNvPr id="7" name="Inhaltsplatzhalter 6"/>
+          <p:cNvSpPr>
+            <a:spLocks noGrp="1"/>
+          </p:cNvSpPr>
+          <p:nvPr>
+            <p:ph idx="1"/>
           </p:nvPr>
         </p:nvSpPr>
         <p:spPr/>
         <p:txBody>
-          <a:bodyPr/>
-          <a:lstStyle/>
-          <a:p>
-            <a:endParaRPr lang="de-DE"/>
-          </a:p>
-        </p:txBody>
-      </p:sp>
-      <p:sp>
-        <p:nvSpPr>
-          <p:cNvPr id="6" name="Textfeld 5"/>
+          <a:bodyPr>
+            <a:normAutofit/>
+          </a:bodyPr>
+          <a:lstStyle/>
+          <a:p>
+            <a:r>
+              <a:rPr lang="de-DE" dirty="0" smtClean="0"/>
+              <a:t>Web server: Apache, </a:t>
+            </a:r>
+            <a:r>
+              <a:rPr lang="de-DE" dirty="0" err="1" smtClean="0"/>
+              <a:t>nginx</a:t>
+            </a:r>
+            <a:r>
+              <a:rPr lang="de-DE" dirty="0" smtClean="0"/>
+              <a:t>, IIS, </a:t>
+            </a:r>
+            <a:r>
+              <a:rPr lang="de-DE" dirty="0" err="1" smtClean="0"/>
+              <a:t>lighttpd</a:t>
+            </a:r>
+            <a:endParaRPr lang="de-DE" dirty="0"/>
+          </a:p>
+          <a:p>
+            <a:r>
+              <a:rPr lang="de-DE" dirty="0" smtClean="0"/>
+              <a:t>Mail: </a:t>
+            </a:r>
+            <a:r>
+              <a:rPr lang="de-DE" dirty="0" err="1" smtClean="0"/>
+              <a:t>Dovecot</a:t>
+            </a:r>
+            <a:r>
+              <a:rPr lang="de-DE" dirty="0" smtClean="0"/>
+              <a:t>, </a:t>
+            </a:r>
+            <a:r>
+              <a:rPr lang="de-DE" dirty="0" err="1" smtClean="0"/>
+              <a:t>cyrus</a:t>
+            </a:r>
+            <a:r>
+              <a:rPr lang="de-DE" dirty="0" smtClean="0"/>
+              <a:t>, </a:t>
+            </a:r>
+            <a:r>
+              <a:rPr lang="de-DE" dirty="0" err="1" smtClean="0"/>
+              <a:t>Postfix</a:t>
+            </a:r>
+            <a:r>
+              <a:rPr lang="de-DE" dirty="0" smtClean="0"/>
+              <a:t>, </a:t>
+            </a:r>
+            <a:r>
+              <a:rPr lang="de-DE" dirty="0" err="1" smtClean="0"/>
+              <a:t>Exim</a:t>
+            </a:r>
+            <a:r>
+              <a:rPr lang="de-DE" dirty="0" smtClean="0"/>
+              <a:t>, </a:t>
+            </a:r>
+            <a:r>
+              <a:rPr lang="de-DE" dirty="0" smtClean="0">
+                <a:solidFill>
+                  <a:srgbClr val="FF6600"/>
+                </a:solidFill>
+              </a:rPr>
+              <a:t>Exchange</a:t>
+            </a:r>
+          </a:p>
+          <a:p>
+            <a:r>
+              <a:rPr lang="de-DE" dirty="0" smtClean="0">
+                <a:solidFill>
+                  <a:srgbClr val="000000"/>
+                </a:solidFill>
+              </a:rPr>
+              <a:t>DBs: </a:t>
+            </a:r>
+            <a:r>
+              <a:rPr lang="de-DE" dirty="0" err="1" smtClean="0"/>
+              <a:t>Postgresql</a:t>
+            </a:r>
+            <a:r>
+              <a:rPr lang="de-DE" dirty="0" smtClean="0"/>
+              <a:t>, Mysql</a:t>
+            </a:r>
+          </a:p>
+          <a:p>
+            <a:r>
+              <a:rPr lang="de-DE" dirty="0" err="1" smtClean="0">
+                <a:solidFill>
+                  <a:srgbClr val="000000"/>
+                </a:solidFill>
+              </a:rPr>
+              <a:t>Proxies</a:t>
+            </a:r>
+            <a:endParaRPr lang="de-DE" dirty="0">
+              <a:solidFill>
+                <a:srgbClr val="000000"/>
+              </a:solidFill>
+            </a:endParaRPr>
+          </a:p>
+        </p:txBody>
+      </p:sp>
+      <p:sp>
+        <p:nvSpPr>
+          <p:cNvPr id="8" name="Textfeld 7"/>
           <p:cNvSpPr txBox="1"/>
           <p:nvPr/>
         </p:nvSpPr>
@@ -6938,7 +7674,7 @@
     </p:spTree>
     <p:extLst>
       <p:ext uri="{BB962C8B-B14F-4D97-AF65-F5344CB8AC3E}">
-        <p14:creationId xmlns:p14="http://schemas.microsoft.com/office/powerpoint/2010/main" val="1609773502"/>
+        <p14:creationId xmlns:p14="http://schemas.microsoft.com/office/powerpoint/2010/main" val="4235670127"/>
       </p:ext>
     </p:extLst>
   </p:cSld>
@@ -6982,7 +7718,31 @@
           <a:p>
             <a:r>
               <a:rPr lang="de-DE" dirty="0" err="1" smtClean="0"/>
-              <a:t>How</a:t>
+              <a:t>What</a:t>
+            </a:r>
+            <a:r>
+              <a:rPr lang="de-DE" dirty="0" smtClean="0"/>
+              <a:t> </a:t>
+            </a:r>
+            <a:r>
+              <a:rPr lang="de-DE" dirty="0" err="1" smtClean="0"/>
+              <a:t>we</a:t>
+            </a:r>
+            <a:r>
+              <a:rPr lang="de-DE" dirty="0" smtClean="0"/>
+              <a:t> </a:t>
+            </a:r>
+            <a:r>
+              <a:rPr lang="de-DE" dirty="0" err="1" smtClean="0"/>
+              <a:t>would</a:t>
+            </a:r>
+            <a:r>
+              <a:rPr lang="de-DE" dirty="0" smtClean="0"/>
+              <a:t> </a:t>
+            </a:r>
+            <a:r>
+              <a:rPr lang="de-DE" dirty="0" err="1" smtClean="0"/>
+              <a:t>like</a:t>
             </a:r>
             <a:r>
               <a:rPr lang="de-DE" dirty="0" smtClean="0"/>
@@ -6998,11 +7758,7 @@
             </a:r>
             <a:r>
               <a:rPr lang="de-DE" dirty="0" err="1" smtClean="0"/>
-              <a:t>test</a:t>
-            </a:r>
-            <a:r>
-              <a:rPr lang="de-DE" dirty="0" smtClean="0"/>
-              <a:t>? - Tools</a:t>
+              <a:t>see</a:t>
             </a:r>
             <a:endParaRPr lang="de-DE" dirty="0"/>
           </a:p>
@@ -7021,183 +7777,181 @@
         <p:spPr/>
         <p:txBody>
           <a:bodyPr>
-            <a:normAutofit/>
+            <a:normAutofit fontScale="92500" lnSpcReduction="10000"/>
           </a:bodyPr>
           <a:lstStyle/>
           <a:p>
             <a:r>
-              <a:rPr lang="de-DE" dirty="0" err="1" smtClean="0"/>
-              <a:t>ssllabs.com</a:t>
-            </a:r>
-            <a:endParaRPr lang="de-DE" dirty="0" smtClean="0"/>
-          </a:p>
-          <a:p>
-            <a:r>
-              <a:rPr lang="de-DE" dirty="0" err="1"/>
-              <a:t>x</a:t>
-            </a:r>
-            <a:r>
-              <a:rPr lang="de-DE" dirty="0" err="1" smtClean="0"/>
-              <a:t>mpp.org</a:t>
-            </a:r>
-            <a:endParaRPr lang="de-DE" dirty="0" smtClean="0"/>
-          </a:p>
-          <a:p>
-            <a:r>
-              <a:rPr lang="de-DE" dirty="0" err="1" smtClean="0"/>
-              <a:t>tlstester</a:t>
-            </a:r>
-            <a:r>
-              <a:rPr lang="de-DE" dirty="0" smtClean="0"/>
-              <a:t>...</a:t>
-            </a:r>
-          </a:p>
-          <a:p>
-            <a:r>
-              <a:rPr lang="de-DE" dirty="0" err="1" smtClean="0"/>
-              <a:t>What</a:t>
-            </a:r>
-            <a:r>
-              <a:rPr lang="de-DE" dirty="0" smtClean="0"/>
-              <a:t> </a:t>
-            </a:r>
-            <a:r>
-              <a:rPr lang="de-DE" dirty="0" err="1" smtClean="0"/>
-              <a:t>can</a:t>
-            </a:r>
-            <a:r>
-              <a:rPr lang="de-DE" dirty="0" smtClean="0"/>
-              <a:t> </a:t>
-            </a:r>
-            <a:r>
-              <a:rPr lang="de-DE" dirty="0" err="1" smtClean="0"/>
-              <a:t>people</a:t>
-            </a:r>
-            <a:r>
-              <a:rPr lang="de-DE" dirty="0" smtClean="0"/>
-              <a:t> do </a:t>
-            </a:r>
-            <a:r>
-              <a:rPr lang="de-DE" dirty="0" err="1" smtClean="0"/>
-              <a:t>to</a:t>
-            </a:r>
-            <a:r>
-              <a:rPr lang="de-DE" dirty="0" smtClean="0"/>
-              <a:t> </a:t>
-            </a:r>
-            <a:r>
-              <a:rPr lang="de-DE" dirty="0" err="1" smtClean="0"/>
-              <a:t>test</a:t>
-            </a:r>
-            <a:r>
-              <a:rPr lang="de-DE" dirty="0" smtClean="0"/>
-              <a:t> </a:t>
-            </a:r>
-            <a:r>
-              <a:rPr lang="de-DE" dirty="0" err="1" smtClean="0"/>
-              <a:t>themselves</a:t>
-            </a:r>
-            <a:r>
-              <a:rPr lang="de-DE" dirty="0" smtClean="0"/>
-              <a:t>?</a:t>
-            </a:r>
-          </a:p>
-          <a:p>
-            <a:r>
-              <a:rPr lang="de-DE" dirty="0" err="1" smtClean="0"/>
-              <a:t>What</a:t>
-            </a:r>
-            <a:r>
-              <a:rPr lang="de-DE" dirty="0" smtClean="0"/>
-              <a:t> </a:t>
-            </a:r>
-            <a:r>
-              <a:rPr lang="de-DE" dirty="0" err="1" smtClean="0"/>
-              <a:t>does</a:t>
-            </a:r>
-            <a:r>
-              <a:rPr lang="de-DE" dirty="0"/>
-              <a:t> </a:t>
-            </a:r>
-            <a:r>
-              <a:rPr lang="de-DE" dirty="0" smtClean="0"/>
-              <a:t>a </a:t>
-            </a:r>
-            <a:r>
-              <a:rPr lang="de-DE" dirty="0" err="1" smtClean="0"/>
-              <a:t>test</a:t>
-            </a:r>
-            <a:r>
-              <a:rPr lang="de-DE" dirty="0" smtClean="0"/>
-              <a:t> </a:t>
-            </a:r>
-            <a:r>
-              <a:rPr lang="de-DE" dirty="0" err="1" smtClean="0"/>
-              <a:t>result</a:t>
-            </a:r>
-            <a:r>
-              <a:rPr lang="de-DE" dirty="0" smtClean="0"/>
-              <a:t> </a:t>
-            </a:r>
-            <a:r>
-              <a:rPr lang="de-DE" dirty="0" err="1" smtClean="0"/>
-              <a:t>mean</a:t>
-            </a:r>
-            <a:r>
-              <a:rPr lang="de-DE" dirty="0" smtClean="0"/>
-              <a:t>?</a:t>
-            </a:r>
-          </a:p>
-          <a:p>
-            <a:r>
-              <a:rPr lang="de-DE" dirty="0" smtClean="0"/>
-              <a:t>Potential </a:t>
-            </a:r>
-            <a:r>
-              <a:rPr lang="de-DE" dirty="0" err="1" smtClean="0"/>
-              <a:t>for</a:t>
-            </a:r>
-            <a:r>
-              <a:rPr lang="de-DE" dirty="0" smtClean="0"/>
-              <a:t> a </a:t>
-            </a:r>
-            <a:r>
-              <a:rPr lang="de-DE" dirty="0" err="1" smtClean="0"/>
-              <a:t>config</a:t>
-            </a:r>
-            <a:r>
-              <a:rPr lang="de-DE" dirty="0" smtClean="0"/>
-              <a:t> file </a:t>
-            </a:r>
-            <a:r>
-              <a:rPr lang="de-DE" dirty="0" err="1" smtClean="0"/>
-              <a:t>generator</a:t>
-            </a:r>
-            <a:r>
-              <a:rPr lang="de-DE" dirty="0" smtClean="0"/>
-              <a:t> (</a:t>
-            </a:r>
-            <a:r>
-              <a:rPr lang="de-DE" dirty="0" err="1" smtClean="0"/>
-              <a:t>as</a:t>
-            </a:r>
-            <a:r>
-              <a:rPr lang="de-DE" dirty="0" smtClean="0"/>
-              <a:t> </a:t>
-            </a:r>
-            <a:r>
-              <a:rPr lang="de-DE" dirty="0" err="1" smtClean="0"/>
-              <a:t>discussed</a:t>
-            </a:r>
-            <a:r>
-              <a:rPr lang="de-DE" dirty="0" smtClean="0"/>
-              <a:t>)</a:t>
-            </a:r>
-            <a:r>
-              <a:rPr lang="de-DE" dirty="0" smtClean="0"/>
-              <a:t>?</a:t>
-            </a:r>
-            <a:endParaRPr lang="de-DE" dirty="0" smtClean="0"/>
+              <a:rPr lang="de-DE" dirty="0">
+                <a:solidFill>
+                  <a:srgbClr val="FF6600"/>
+                </a:solidFill>
+              </a:rPr>
+              <a:t>Mail: </a:t>
+            </a:r>
+            <a:r>
+              <a:rPr lang="de-DE" dirty="0" smtClean="0">
+                <a:solidFill>
+                  <a:srgbClr val="FF6600"/>
+                </a:solidFill>
+              </a:rPr>
+              <a:t>Exchange</a:t>
+            </a:r>
+          </a:p>
+          <a:p>
+            <a:r>
+              <a:rPr lang="de-DE" dirty="0" smtClean="0">
+                <a:solidFill>
+                  <a:srgbClr val="FF6600"/>
+                </a:solidFill>
+              </a:rPr>
+              <a:t>SSH</a:t>
+            </a:r>
+            <a:endParaRPr lang="de-DE" dirty="0">
+              <a:solidFill>
+                <a:srgbClr val="FF6600"/>
+              </a:solidFill>
+            </a:endParaRPr>
+          </a:p>
+          <a:p>
+            <a:r>
+              <a:rPr lang="de-DE" dirty="0">
+                <a:solidFill>
+                  <a:srgbClr val="FF6600"/>
+                </a:solidFill>
+              </a:rPr>
+              <a:t>VPN: </a:t>
+            </a:r>
+            <a:r>
+              <a:rPr lang="de-DE" dirty="0" err="1">
+                <a:solidFill>
+                  <a:srgbClr val="FF6600"/>
+                </a:solidFill>
+              </a:rPr>
+              <a:t>OpenVPN</a:t>
+            </a:r>
+            <a:r>
+              <a:rPr lang="de-DE" dirty="0">
+                <a:solidFill>
+                  <a:srgbClr val="FF6600"/>
+                </a:solidFill>
+              </a:rPr>
+              <a:t>, IPSec, PPTP, Cisco IPSec, </a:t>
+            </a:r>
+            <a:r>
+              <a:rPr lang="de-DE" dirty="0" err="1">
+                <a:solidFill>
+                  <a:srgbClr val="FF6600"/>
+                </a:solidFill>
+              </a:rPr>
+              <a:t>Juniper</a:t>
+            </a:r>
+            <a:r>
+              <a:rPr lang="de-DE" dirty="0">
+                <a:solidFill>
+                  <a:srgbClr val="FF6600"/>
+                </a:solidFill>
+              </a:rPr>
+              <a:t> </a:t>
+            </a:r>
+            <a:r>
+              <a:rPr lang="de-DE" dirty="0" err="1">
+                <a:solidFill>
+                  <a:srgbClr val="FF6600"/>
+                </a:solidFill>
+              </a:rPr>
+              <a:t>Ipsec</a:t>
+            </a:r>
+            <a:r>
+              <a:rPr lang="de-DE" dirty="0">
+                <a:solidFill>
+                  <a:srgbClr val="FF6600"/>
+                </a:solidFill>
+              </a:rPr>
+              <a:t>, L2TP, </a:t>
+            </a:r>
+            <a:r>
+              <a:rPr lang="de-DE" dirty="0" err="1">
+                <a:solidFill>
+                  <a:srgbClr val="FF6600"/>
+                </a:solidFill>
+              </a:rPr>
+              <a:t>Racoon</a:t>
+            </a:r>
+            <a:endParaRPr lang="de-DE" dirty="0">
+              <a:solidFill>
+                <a:srgbClr val="FF6600"/>
+              </a:solidFill>
+            </a:endParaRPr>
+          </a:p>
+          <a:p>
+            <a:r>
+              <a:rPr lang="de-DE" dirty="0">
+                <a:solidFill>
+                  <a:srgbClr val="FF6600"/>
+                </a:solidFill>
+              </a:rPr>
+              <a:t>PGP</a:t>
+            </a:r>
+          </a:p>
+          <a:p>
+            <a:r>
+              <a:rPr lang="de-DE" dirty="0">
+                <a:solidFill>
+                  <a:srgbClr val="FF6600"/>
+                </a:solidFill>
+              </a:rPr>
+              <a:t>IPMI, ILO, ...</a:t>
+            </a:r>
+          </a:p>
+          <a:p>
+            <a:r>
+              <a:rPr lang="de-DE" dirty="0">
+                <a:solidFill>
+                  <a:srgbClr val="FF6600"/>
+                </a:solidFill>
+              </a:rPr>
+              <a:t>SIP</a:t>
+            </a:r>
+          </a:p>
+          <a:p>
+            <a:r>
+              <a:rPr lang="de-DE" dirty="0" smtClean="0">
+                <a:solidFill>
+                  <a:srgbClr val="FF6600"/>
+                </a:solidFill>
+              </a:rPr>
+              <a:t>XMPP</a:t>
+            </a:r>
+          </a:p>
+          <a:p>
+            <a:r>
+              <a:rPr lang="de-DE" dirty="0">
+                <a:solidFill>
+                  <a:srgbClr val="FF6600"/>
+                </a:solidFill>
+              </a:rPr>
+              <a:t>DBs: </a:t>
+            </a:r>
+            <a:r>
+              <a:rPr lang="de-DE" dirty="0" smtClean="0">
+                <a:solidFill>
+                  <a:srgbClr val="FF6600"/>
+                </a:solidFill>
+              </a:rPr>
+              <a:t>Oracle</a:t>
+            </a:r>
+            <a:r>
+              <a:rPr lang="de-DE" dirty="0">
+                <a:solidFill>
+                  <a:srgbClr val="FF6600"/>
+                </a:solidFill>
+              </a:rPr>
+              <a:t>, DB2</a:t>
+            </a:r>
+          </a:p>
+          <a:p>
+            <a:endParaRPr lang="de-DE" dirty="0"/>
           </a:p>
         </p:txBody>
       </p:sp>
@@ -7234,20 +7988,13 @@
     </p:spTree>
     <p:extLst>
       <p:ext uri="{BB962C8B-B14F-4D97-AF65-F5344CB8AC3E}">
-        <p14:creationId xmlns:p14="http://schemas.microsoft.com/office/powerpoint/2010/main" val="2778558749"/>
+        <p14:creationId xmlns:p14="http://schemas.microsoft.com/office/powerpoint/2010/main" val="3458012645"/>
       </p:ext>
     </p:extLst>
   </p:cSld>
   <p:clrMapOvr>
     <a:masterClrMapping/>
   </p:clrMapOvr>
-  <p:timing>
-    <p:tnLst>
-      <p:par>
-        <p:cTn xmlns:p14="http://schemas.microsoft.com/office/powerpoint/2010/main" id="1" dur="indefinite" restart="never" nodeType="tmRoot"/>
-      </p:par>
-    </p:tnLst>
-  </p:timing>
 </p:sld>
 </file>
 
@@ -7285,7 +8032,11 @@
           <a:p>
             <a:r>
               <a:rPr lang="de-DE" dirty="0" err="1" smtClean="0"/>
-              <a:t>ssllabs</a:t>
+              <a:t>Example</a:t>
+            </a:r>
+            <a:r>
+              <a:rPr lang="de-DE" dirty="0" smtClean="0"/>
+              <a:t>: Apache</a:t>
             </a:r>
             <a:endParaRPr lang="de-DE" dirty="0"/>
           </a:p>
@@ -7307,16 +8058,26 @@
           <a:lstStyle/>
           <a:p>
             <a:r>
-              <a:rPr lang="de-DE" dirty="0">
+              <a:rPr lang="de-DE" dirty="0" smtClean="0">
                 <a:solidFill>
                   <a:srgbClr val="FF0000"/>
                 </a:solidFill>
               </a:rPr>
-              <a:t>Screenshots</a:t>
-            </a:r>
-          </a:p>
-          <a:p>
-            <a:endParaRPr lang="de-DE" dirty="0"/>
+              <a:t>TODO </a:t>
+            </a:r>
+            <a:r>
+              <a:rPr lang="de-DE" dirty="0" err="1" smtClean="0">
+                <a:solidFill>
+                  <a:srgbClr val="FF0000"/>
+                </a:solidFill>
+              </a:rPr>
+              <a:t>aaron</a:t>
+            </a:r>
+            <a:endParaRPr lang="de-DE" dirty="0">
+              <a:solidFill>
+                <a:srgbClr val="FF0000"/>
+              </a:solidFill>
+            </a:endParaRPr>
           </a:p>
         </p:txBody>
       </p:sp>
@@ -7353,7 +8114,7 @@
     </p:spTree>
     <p:extLst>
       <p:ext uri="{BB962C8B-B14F-4D97-AF65-F5344CB8AC3E}">
-        <p14:creationId xmlns:p14="http://schemas.microsoft.com/office/powerpoint/2010/main" val="4093919544"/>
+        <p14:creationId xmlns:p14="http://schemas.microsoft.com/office/powerpoint/2010/main" val="2041378095"/>
       </p:ext>
     </p:extLst>
   </p:cSld>
@@ -7382,7 +8143,7 @@
       </p:grpSpPr>
       <p:sp>
         <p:nvSpPr>
-          <p:cNvPr id="2" name="Titel 1"/>
+          <p:cNvPr id="4" name="Titel 3"/>
           <p:cNvSpPr>
             <a:spLocks noGrp="1"/>
           </p:cNvSpPr>
@@ -7397,31 +8158,7 @@
           <a:p>
             <a:r>
               <a:rPr lang="de-DE" dirty="0" err="1" smtClean="0"/>
-              <a:t>Current</a:t>
-            </a:r>
-            <a:r>
-              <a:rPr lang="de-DE" dirty="0" smtClean="0"/>
-              <a:t> </a:t>
-            </a:r>
-            <a:r>
-              <a:rPr lang="de-DE" dirty="0" err="1" smtClean="0"/>
-              <a:t>state</a:t>
-            </a:r>
-            <a:r>
-              <a:rPr lang="de-DE" dirty="0" smtClean="0"/>
-              <a:t> </a:t>
-            </a:r>
-            <a:r>
-              <a:rPr lang="de-DE" dirty="0" err="1" smtClean="0"/>
-              <a:t>as</a:t>
-            </a:r>
-            <a:r>
-              <a:rPr lang="de-DE" dirty="0" smtClean="0"/>
-              <a:t> of 2013/11</a:t>
-            </a:r>
-            <a:r>
-              <a:rPr lang="de-DE" dirty="0" smtClean="0"/>
-              <a:t>/22</a:t>
+              <a:t>Testing</a:t>
             </a:r>
             <a:endParaRPr lang="de-DE" dirty="0"/>
           </a:p>
@@ -7429,12 +8166,12 @@
       </p:sp>
       <p:sp>
         <p:nvSpPr>
-          <p:cNvPr id="3" name="Inhaltsplatzhalter 2"/>
-          <p:cNvSpPr>
-            <a:spLocks noGrp="1"/>
-          </p:cNvSpPr>
-          <p:nvPr>
-            <p:ph idx="1"/>
+          <p:cNvPr id="5" name="Textplatzhalter 4"/>
+          <p:cNvSpPr>
+            <a:spLocks noGrp="1"/>
+          </p:cNvSpPr>
+          <p:nvPr>
+            <p:ph type="body" idx="1"/>
           </p:nvPr>
         </p:nvSpPr>
         <p:spPr/>
@@ -7442,17 +8179,35 @@
           <a:bodyPr/>
           <a:lstStyle/>
           <a:p>
-            <a:r>
-              <a:rPr lang="de-DE" dirty="0" smtClean="0"/>
-              <a:t>Aaron – TODO </a:t>
-            </a:r>
-            <a:r>
-              <a:rPr lang="de-DE" dirty="0" err="1" smtClean="0"/>
-              <a:t>write</a:t>
-            </a:r>
-            <a:r>
-              <a:rPr lang="de-DE" dirty="0" smtClean="0"/>
-              <a:t> </a:t>
+            <a:endParaRPr lang="de-DE"/>
+          </a:p>
+        </p:txBody>
+      </p:sp>
+      <p:sp>
+        <p:nvSpPr>
+          <p:cNvPr id="6" name="Textfeld 5"/>
+          <p:cNvSpPr txBox="1"/>
+          <p:nvPr/>
+        </p:nvSpPr>
+        <p:spPr>
+          <a:xfrm>
+            <a:off x="7297503" y="6126163"/>
+            <a:ext cx="1389297" cy="369332"/>
+          </a:xfrm>
+          <a:prstGeom prst="rect">
+            <a:avLst/>
+          </a:prstGeom>
+          <a:noFill/>
+        </p:spPr>
+        <p:txBody>
+          <a:bodyPr wrap="square" rtlCol="0">
+            <a:spAutoFit/>
+          </a:bodyPr>
+          <a:lstStyle/>
+          <a:p>
+            <a:r>
+              <a:rPr lang="de-DE" dirty="0" smtClean="0"/>
+              <a:t>Aaron</a:t>
             </a:r>
             <a:endParaRPr lang="de-DE" dirty="0"/>
           </a:p>
@@ -7461,7 +8216,7 @@
     </p:spTree>
     <p:extLst>
       <p:ext uri="{BB962C8B-B14F-4D97-AF65-F5344CB8AC3E}">
-        <p14:creationId xmlns:p14="http://schemas.microsoft.com/office/powerpoint/2010/main" val="51044277"/>
+        <p14:creationId xmlns:p14="http://schemas.microsoft.com/office/powerpoint/2010/main" val="1609773502"/>
       </p:ext>
     </p:extLst>
   </p:cSld>
@@ -7500,6 +8255,49 @@
         </p:nvSpPr>
         <p:spPr/>
         <p:txBody>
+          <a:bodyPr/>
+          <a:lstStyle/>
+          <a:p>
+            <a:r>
+              <a:rPr lang="de-DE" dirty="0" err="1" smtClean="0"/>
+              <a:t>How</a:t>
+            </a:r>
+            <a:r>
+              <a:rPr lang="de-DE" dirty="0" smtClean="0"/>
+              <a:t> </a:t>
+            </a:r>
+            <a:r>
+              <a:rPr lang="de-DE" dirty="0" err="1" smtClean="0"/>
+              <a:t>to</a:t>
+            </a:r>
+            <a:r>
+              <a:rPr lang="de-DE" dirty="0" smtClean="0"/>
+              <a:t> </a:t>
+            </a:r>
+            <a:r>
+              <a:rPr lang="de-DE" dirty="0" err="1" smtClean="0"/>
+              <a:t>test</a:t>
+            </a:r>
+            <a:r>
+              <a:rPr lang="de-DE" dirty="0" smtClean="0"/>
+              <a:t>? - Tools</a:t>
+            </a:r>
+            <a:endParaRPr lang="de-DE" dirty="0"/>
+          </a:p>
+        </p:txBody>
+      </p:sp>
+      <p:sp>
+        <p:nvSpPr>
+          <p:cNvPr id="3" name="Inhaltsplatzhalter 2"/>
+          <p:cNvSpPr>
+            <a:spLocks noGrp="1"/>
+          </p:cNvSpPr>
+          <p:nvPr>
+            <p:ph idx="1"/>
+          </p:nvPr>
+        </p:nvSpPr>
+        <p:spPr/>
+        <p:txBody>
           <a:bodyPr>
             <a:normAutofit/>
           </a:bodyPr>
@@ -7507,57 +8305,131 @@
           <a:p>
             <a:r>
               <a:rPr lang="de-DE" dirty="0" err="1" smtClean="0"/>
-              <a:t>Participation</a:t>
-            </a:r>
-            <a:endParaRPr lang="de-DE" dirty="0"/>
-          </a:p>
-        </p:txBody>
-      </p:sp>
-      <p:sp>
-        <p:nvSpPr>
-          <p:cNvPr id="3" name="Inhaltsplatzhalter 2"/>
-          <p:cNvSpPr>
-            <a:spLocks noGrp="1"/>
-          </p:cNvSpPr>
-          <p:nvPr>
-            <p:ph idx="1"/>
-          </p:nvPr>
-        </p:nvSpPr>
-        <p:spPr/>
-        <p:txBody>
-          <a:bodyPr/>
-          <a:lstStyle/>
-          <a:p>
-            <a:r>
-              <a:rPr lang="de-DE" dirty="0" err="1" smtClean="0"/>
-              <a:t>Authors</a:t>
-            </a:r>
-            <a:r>
-              <a:rPr lang="de-DE" dirty="0" smtClean="0"/>
-              <a:t>: </a:t>
-            </a:r>
-            <a:r>
-              <a:rPr lang="de-DE" dirty="0" err="1" smtClean="0"/>
-              <a:t>cryptologists</a:t>
-            </a:r>
-            <a:r>
-              <a:rPr lang="de-DE" dirty="0" smtClean="0"/>
-              <a:t>, sysadmins, </a:t>
-            </a:r>
-            <a:r>
-              <a:rPr lang="de-DE" dirty="0" err="1" smtClean="0"/>
-              <a:t>hackers</a:t>
+              <a:t>ssllabs.com</a:t>
             </a:r>
             <a:endParaRPr lang="de-DE" dirty="0" smtClean="0"/>
           </a:p>
           <a:p>
             <a:r>
-              <a:rPr lang="de-DE" dirty="0" err="1" smtClean="0"/>
-              <a:t>Apply</a:t>
-            </a:r>
-            <a:r>
-              <a:rPr lang="de-DE" dirty="0" smtClean="0"/>
-              <a:t> </a:t>
+              <a:rPr lang="de-DE" dirty="0" err="1"/>
+              <a:t>x</a:t>
+            </a:r>
+            <a:r>
+              <a:rPr lang="de-DE" dirty="0" err="1" smtClean="0"/>
+              <a:t>mpp.org</a:t>
+            </a:r>
+            <a:endParaRPr lang="de-DE" dirty="0" smtClean="0"/>
+          </a:p>
+          <a:p>
+            <a:r>
+              <a:rPr lang="de-DE" dirty="0" err="1" smtClean="0"/>
+              <a:t>tlstester</a:t>
+            </a:r>
+            <a:r>
+              <a:rPr lang="de-DE" dirty="0" smtClean="0"/>
+              <a:t>...</a:t>
+            </a:r>
+          </a:p>
+          <a:p>
+            <a:r>
+              <a:rPr lang="de-DE" dirty="0" err="1" smtClean="0"/>
+              <a:t>What</a:t>
+            </a:r>
+            <a:r>
+              <a:rPr lang="de-DE" dirty="0" smtClean="0"/>
+              <a:t> </a:t>
+            </a:r>
+            <a:r>
+              <a:rPr lang="de-DE" dirty="0" err="1" smtClean="0"/>
+              <a:t>can</a:t>
+            </a:r>
+            <a:r>
+              <a:rPr lang="de-DE" dirty="0" smtClean="0"/>
+              <a:t> </a:t>
+            </a:r>
+            <a:r>
+              <a:rPr lang="de-DE" dirty="0" err="1" smtClean="0"/>
+              <a:t>people</a:t>
+            </a:r>
+            <a:r>
+              <a:rPr lang="de-DE" dirty="0" smtClean="0"/>
+              <a:t> do </a:t>
+            </a:r>
+            <a:r>
+              <a:rPr lang="de-DE" dirty="0" err="1" smtClean="0"/>
+              <a:t>to</a:t>
+            </a:r>
+            <a:r>
+              <a:rPr lang="de-DE" dirty="0" smtClean="0"/>
+              <a:t> </a:t>
+            </a:r>
+            <a:r>
+              <a:rPr lang="de-DE" dirty="0" err="1" smtClean="0"/>
+              <a:t>test</a:t>
+            </a:r>
+            <a:r>
+              <a:rPr lang="de-DE" dirty="0" smtClean="0"/>
+              <a:t> </a:t>
+            </a:r>
+            <a:r>
+              <a:rPr lang="de-DE" dirty="0" err="1" smtClean="0"/>
+              <a:t>themselves</a:t>
+            </a:r>
+            <a:r>
+              <a:rPr lang="de-DE" dirty="0" smtClean="0"/>
+              <a:t>?</a:t>
+            </a:r>
+          </a:p>
+          <a:p>
+            <a:r>
+              <a:rPr lang="de-DE" dirty="0" err="1" smtClean="0"/>
+              <a:t>What</a:t>
+            </a:r>
+            <a:r>
+              <a:rPr lang="de-DE" dirty="0" smtClean="0"/>
+              <a:t> </a:t>
+            </a:r>
+            <a:r>
+              <a:rPr lang="de-DE" dirty="0" err="1" smtClean="0"/>
+              <a:t>does</a:t>
+            </a:r>
+            <a:r>
+              <a:rPr lang="de-DE" dirty="0"/>
+              <a:t> </a:t>
+            </a:r>
+            <a:r>
+              <a:rPr lang="de-DE" dirty="0" smtClean="0"/>
+              <a:t>a </a:t>
+            </a:r>
+            <a:r>
+              <a:rPr lang="de-DE" dirty="0" err="1" smtClean="0"/>
+              <a:t>test</a:t>
+            </a:r>
+            <a:r>
+              <a:rPr lang="de-DE" dirty="0" smtClean="0"/>
+              <a:t> </a:t>
+            </a:r>
+            <a:r>
+              <a:rPr lang="de-DE" dirty="0" err="1" smtClean="0"/>
+              <a:t>result</a:t>
+            </a:r>
+            <a:r>
+              <a:rPr lang="de-DE" dirty="0" smtClean="0"/>
+              <a:t> </a:t>
+            </a:r>
+            <a:r>
+              <a:rPr lang="de-DE" dirty="0" err="1" smtClean="0"/>
+              <a:t>mean</a:t>
+            </a:r>
+            <a:r>
+              <a:rPr lang="de-DE" dirty="0" smtClean="0"/>
+              <a:t>?</a:t>
+            </a:r>
+          </a:p>
+          <a:p>
+            <a:r>
+              <a:rPr lang="de-DE" dirty="0" smtClean="0"/>
+              <a:t>Potential </a:t>
             </a:r>
             <a:r>
               <a:rPr lang="de-DE" dirty="0" err="1" smtClean="0"/>
@@ -7565,100 +8437,40 @@
             </a:r>
             <a:r>
               <a:rPr lang="de-DE" dirty="0" smtClean="0"/>
-              <a:t> </a:t>
-            </a:r>
-            <a:r>
-              <a:rPr lang="de-DE" dirty="0" err="1" smtClean="0"/>
-              <a:t>write</a:t>
-            </a:r>
-            <a:r>
-              <a:rPr lang="de-DE" dirty="0" smtClean="0"/>
-              <a:t>-perms</a:t>
-            </a:r>
-          </a:p>
-          <a:p>
-            <a:r>
-              <a:rPr lang="de-DE" dirty="0" smtClean="0"/>
-              <a:t>World-</a:t>
-            </a:r>
-            <a:r>
-              <a:rPr lang="de-DE" dirty="0" err="1" smtClean="0"/>
-              <a:t>readable</a:t>
-            </a:r>
-            <a:endParaRPr lang="de-DE" dirty="0" smtClean="0"/>
-          </a:p>
-          <a:p>
-            <a:r>
-              <a:rPr lang="de-DE" dirty="0" smtClean="0"/>
-              <a:t>Variantes: </a:t>
-            </a:r>
-          </a:p>
-          <a:p>
-            <a:pPr lvl="1"/>
-            <a:r>
-              <a:rPr lang="de-DE" dirty="0" smtClean="0"/>
-              <a:t>(A) </a:t>
-            </a:r>
-            <a:r>
-              <a:rPr lang="de-DE" dirty="0" err="1" smtClean="0"/>
-              <a:t>reviewer</a:t>
-            </a:r>
-            <a:r>
-              <a:rPr lang="de-DE" dirty="0" smtClean="0"/>
-              <a:t>: </a:t>
-            </a:r>
-            <a:r>
-              <a:rPr lang="de-DE" dirty="0" err="1" smtClean="0"/>
-              <a:t>the</a:t>
-            </a:r>
-            <a:r>
-              <a:rPr lang="de-DE" dirty="0" smtClean="0"/>
-              <a:t> </a:t>
-            </a:r>
-            <a:r>
-              <a:rPr lang="de-DE" dirty="0" err="1" smtClean="0"/>
-              <a:t>harder</a:t>
-            </a:r>
-            <a:r>
-              <a:rPr lang="de-DE" dirty="0" smtClean="0"/>
-              <a:t> </a:t>
-            </a:r>
-            <a:r>
-              <a:rPr lang="de-DE" dirty="0" err="1" smtClean="0"/>
-              <a:t>job</a:t>
-            </a:r>
-            <a:r>
-              <a:rPr lang="de-DE" dirty="0" smtClean="0"/>
-              <a:t> ;-)</a:t>
-            </a:r>
-          </a:p>
-          <a:p>
-            <a:pPr lvl="1"/>
-            <a:r>
-              <a:rPr lang="de-DE" dirty="0" smtClean="0"/>
-              <a:t>(B) </a:t>
-            </a:r>
-            <a:r>
-              <a:rPr lang="de-DE" dirty="0" err="1" smtClean="0"/>
-              <a:t>co-author</a:t>
-            </a:r>
-            <a:r>
-              <a:rPr lang="de-DE" dirty="0" smtClean="0"/>
-              <a:t>: </a:t>
-            </a:r>
-            <a:r>
-              <a:rPr lang="de-DE" dirty="0" err="1" smtClean="0"/>
-              <a:t>add</a:t>
-            </a:r>
-            <a:r>
-              <a:rPr lang="de-DE" dirty="0" smtClean="0"/>
               <a:t> a </a:t>
             </a:r>
             <a:r>
               <a:rPr lang="de-DE" dirty="0" err="1" smtClean="0"/>
-              <a:t>section</a:t>
-            </a:r>
-            <a:endParaRPr lang="de-DE" dirty="0"/>
+              <a:t>config</a:t>
+            </a:r>
+            <a:r>
+              <a:rPr lang="de-DE" dirty="0" smtClean="0"/>
+              <a:t> file </a:t>
+            </a:r>
+            <a:r>
+              <a:rPr lang="de-DE" dirty="0" err="1" smtClean="0"/>
+              <a:t>generator</a:t>
+            </a:r>
+            <a:r>
+              <a:rPr lang="de-DE" dirty="0" smtClean="0"/>
+              <a:t> (</a:t>
+            </a:r>
+            <a:r>
+              <a:rPr lang="de-DE" dirty="0" err="1" smtClean="0"/>
+              <a:t>as</a:t>
+            </a:r>
+            <a:r>
+              <a:rPr lang="de-DE" dirty="0" smtClean="0"/>
+              <a:t> </a:t>
+            </a:r>
+            <a:r>
+              <a:rPr lang="de-DE" dirty="0" err="1" smtClean="0"/>
+              <a:t>discussed</a:t>
+            </a:r>
+            <a:r>
+              <a:rPr lang="de-DE" dirty="0" smtClean="0"/>
+              <a:t>)?</a:t>
+            </a:r>
           </a:p>
         </p:txBody>
       </p:sp>
@@ -7695,7 +8507,7 @@
     </p:spTree>
     <p:extLst>
       <p:ext uri="{BB962C8B-B14F-4D97-AF65-F5344CB8AC3E}">
-        <p14:creationId xmlns:p14="http://schemas.microsoft.com/office/powerpoint/2010/main" val="976292356"/>
+        <p14:creationId xmlns:p14="http://schemas.microsoft.com/office/powerpoint/2010/main" val="2778558749"/>
       </p:ext>
     </p:extLst>
   </p:cSld>
@@ -7705,7 +8517,7 @@
   <p:timing>
     <p:tnLst>
       <p:par>
-        <p:cTn xmlns:p14="http://schemas.microsoft.com/office/powerpoint/2010/main" id="1" dur="indefinite" restart="never" nodeType="tmRoot"/>
+        <p:cTn id="1" dur="indefinite" restart="never" nodeType="tmRoot"/>
       </p:par>
     </p:tnLst>
   </p:timing>
@@ -7860,7 +8672,7 @@
   <p:timing>
     <p:tnLst>
       <p:par>
-        <p:cTn xmlns:p14="http://schemas.microsoft.com/office/powerpoint/2010/main" id="1" dur="indefinite" restart="never" nodeType="tmRoot"/>
+        <p:cTn id="1" dur="indefinite" restart="never" nodeType="tmRoot"/>
       </p:par>
     </p:tnLst>
   </p:timing>
@@ -7900,6 +8712,463 @@
           <a:lstStyle/>
           <a:p>
             <a:r>
+              <a:rPr lang="de-DE" dirty="0" err="1" smtClean="0"/>
+              <a:t>ssllabs</a:t>
+            </a:r>
+            <a:endParaRPr lang="de-DE" dirty="0"/>
+          </a:p>
+        </p:txBody>
+      </p:sp>
+      <p:sp>
+        <p:nvSpPr>
+          <p:cNvPr id="3" name="Inhaltsplatzhalter 2"/>
+          <p:cNvSpPr>
+            <a:spLocks noGrp="1"/>
+          </p:cNvSpPr>
+          <p:nvPr>
+            <p:ph idx="1"/>
+          </p:nvPr>
+        </p:nvSpPr>
+        <p:spPr/>
+        <p:txBody>
+          <a:bodyPr/>
+          <a:lstStyle/>
+          <a:p>
+            <a:r>
+              <a:rPr lang="de-DE" dirty="0">
+                <a:solidFill>
+                  <a:srgbClr val="FF0000"/>
+                </a:solidFill>
+              </a:rPr>
+              <a:t>Screenshots</a:t>
+            </a:r>
+          </a:p>
+          <a:p>
+            <a:endParaRPr lang="de-DE" dirty="0"/>
+          </a:p>
+        </p:txBody>
+      </p:sp>
+      <p:sp>
+        <p:nvSpPr>
+          <p:cNvPr id="4" name="Textfeld 3"/>
+          <p:cNvSpPr txBox="1"/>
+          <p:nvPr/>
+        </p:nvSpPr>
+        <p:spPr>
+          <a:xfrm>
+            <a:off x="7297503" y="6126163"/>
+            <a:ext cx="1389297" cy="369332"/>
+          </a:xfrm>
+          <a:prstGeom prst="rect">
+            <a:avLst/>
+          </a:prstGeom>
+          <a:noFill/>
+        </p:spPr>
+        <p:txBody>
+          <a:bodyPr wrap="square" rtlCol="0">
+            <a:spAutoFit/>
+          </a:bodyPr>
+          <a:lstStyle/>
+          <a:p>
+            <a:r>
+              <a:rPr lang="de-DE" dirty="0" smtClean="0"/>
+              <a:t>Aaron</a:t>
+            </a:r>
+            <a:endParaRPr lang="de-DE" dirty="0"/>
+          </a:p>
+        </p:txBody>
+      </p:sp>
+    </p:spTree>
+    <p:extLst>
+      <p:ext uri="{BB962C8B-B14F-4D97-AF65-F5344CB8AC3E}">
+        <p14:creationId xmlns:p14="http://schemas.microsoft.com/office/powerpoint/2010/main" val="4093919544"/>
+      </p:ext>
+    </p:extLst>
+  </p:cSld>
+  <p:clrMapOvr>
+    <a:masterClrMapping/>
+  </p:clrMapOvr>
+</p:sld>
+</file>
+
+<file path=ppt/slides/slide31.xml><?xml version="1.0" encoding="utf-8"?>
+<p:sld xmlns:a="http://schemas.openxmlformats.org/drawingml/2006/main" xmlns:r="http://schemas.openxmlformats.org/officeDocument/2006/relationships" xmlns:p="http://schemas.openxmlformats.org/presentationml/2006/main">
+  <p:cSld>
+    <p:spTree>
+      <p:nvGrpSpPr>
+        <p:cNvPr id="1" name=""/>
+        <p:cNvGrpSpPr/>
+        <p:nvPr/>
+      </p:nvGrpSpPr>
+      <p:grpSpPr>
+        <a:xfrm>
+          <a:off x="0" y="0"/>
+          <a:ext cx="0" cy="0"/>
+          <a:chOff x="0" y="0"/>
+          <a:chExt cx="0" cy="0"/>
+        </a:xfrm>
+      </p:grpSpPr>
+      <p:sp>
+        <p:nvSpPr>
+          <p:cNvPr id="2" name="Titel 1"/>
+          <p:cNvSpPr>
+            <a:spLocks noGrp="1"/>
+          </p:cNvSpPr>
+          <p:nvPr>
+            <p:ph type="title"/>
+          </p:nvPr>
+        </p:nvSpPr>
+        <p:spPr/>
+        <p:txBody>
+          <a:bodyPr/>
+          <a:lstStyle/>
+          <a:p>
+            <a:r>
+              <a:rPr lang="de-DE" dirty="0" err="1" smtClean="0"/>
+              <a:t>Current</a:t>
+            </a:r>
+            <a:r>
+              <a:rPr lang="de-DE" dirty="0" smtClean="0"/>
+              <a:t> </a:t>
+            </a:r>
+            <a:r>
+              <a:rPr lang="de-DE" dirty="0" err="1" smtClean="0"/>
+              <a:t>state</a:t>
+            </a:r>
+            <a:r>
+              <a:rPr lang="de-DE" dirty="0" smtClean="0"/>
+              <a:t> </a:t>
+            </a:r>
+            <a:r>
+              <a:rPr lang="de-DE" dirty="0" err="1" smtClean="0"/>
+              <a:t>as</a:t>
+            </a:r>
+            <a:r>
+              <a:rPr lang="de-DE" dirty="0" smtClean="0"/>
+              <a:t> of 2013/11/22</a:t>
+            </a:r>
+            <a:endParaRPr lang="de-DE" dirty="0"/>
+          </a:p>
+        </p:txBody>
+      </p:sp>
+      <p:sp>
+        <p:nvSpPr>
+          <p:cNvPr id="3" name="Inhaltsplatzhalter 2"/>
+          <p:cNvSpPr>
+            <a:spLocks noGrp="1"/>
+          </p:cNvSpPr>
+          <p:nvPr>
+            <p:ph idx="1"/>
+          </p:nvPr>
+        </p:nvSpPr>
+        <p:spPr/>
+        <p:txBody>
+          <a:bodyPr/>
+          <a:lstStyle/>
+          <a:p>
+            <a:r>
+              <a:rPr lang="de-DE" dirty="0" smtClean="0"/>
+              <a:t>Aaron – TODO </a:t>
+            </a:r>
+            <a:r>
+              <a:rPr lang="de-DE" dirty="0" err="1" smtClean="0"/>
+              <a:t>write</a:t>
+            </a:r>
+            <a:r>
+              <a:rPr lang="de-DE" dirty="0" smtClean="0"/>
+              <a:t> </a:t>
+            </a:r>
+            <a:endParaRPr lang="de-DE" dirty="0"/>
+          </a:p>
+        </p:txBody>
+      </p:sp>
+    </p:spTree>
+    <p:extLst>
+      <p:ext uri="{BB962C8B-B14F-4D97-AF65-F5344CB8AC3E}">
+        <p14:creationId xmlns:p14="http://schemas.microsoft.com/office/powerpoint/2010/main" val="51044277"/>
+      </p:ext>
+    </p:extLst>
+  </p:cSld>
+  <p:clrMapOvr>
+    <a:masterClrMapping/>
+  </p:clrMapOvr>
+</p:sld>
+</file>
+
+<file path=ppt/slides/slide32.xml><?xml version="1.0" encoding="utf-8"?>
+<p:sld xmlns:a="http://schemas.openxmlformats.org/drawingml/2006/main" xmlns:r="http://schemas.openxmlformats.org/officeDocument/2006/relationships" xmlns:p="http://schemas.openxmlformats.org/presentationml/2006/main">
+  <p:cSld>
+    <p:spTree>
+      <p:nvGrpSpPr>
+        <p:cNvPr id="1" name=""/>
+        <p:cNvGrpSpPr/>
+        <p:nvPr/>
+      </p:nvGrpSpPr>
+      <p:grpSpPr>
+        <a:xfrm>
+          <a:off x="0" y="0"/>
+          <a:ext cx="0" cy="0"/>
+          <a:chOff x="0" y="0"/>
+          <a:chExt cx="0" cy="0"/>
+        </a:xfrm>
+      </p:grpSpPr>
+      <p:sp>
+        <p:nvSpPr>
+          <p:cNvPr id="2" name="Titel 1"/>
+          <p:cNvSpPr>
+            <a:spLocks noGrp="1"/>
+          </p:cNvSpPr>
+          <p:nvPr>
+            <p:ph type="title"/>
+          </p:nvPr>
+        </p:nvSpPr>
+        <p:spPr/>
+        <p:txBody>
+          <a:bodyPr>
+            <a:normAutofit/>
+          </a:bodyPr>
+          <a:lstStyle/>
+          <a:p>
+            <a:r>
+              <a:rPr lang="de-DE" dirty="0" err="1" smtClean="0"/>
+              <a:t>Participation</a:t>
+            </a:r>
+            <a:endParaRPr lang="de-DE" dirty="0"/>
+          </a:p>
+        </p:txBody>
+      </p:sp>
+      <p:sp>
+        <p:nvSpPr>
+          <p:cNvPr id="3" name="Inhaltsplatzhalter 2"/>
+          <p:cNvSpPr>
+            <a:spLocks noGrp="1"/>
+          </p:cNvSpPr>
+          <p:nvPr>
+            <p:ph idx="1"/>
+          </p:nvPr>
+        </p:nvSpPr>
+        <p:spPr/>
+        <p:txBody>
+          <a:bodyPr/>
+          <a:lstStyle/>
+          <a:p>
+            <a:r>
+              <a:rPr lang="de-DE" dirty="0" err="1" smtClean="0"/>
+              <a:t>Authors</a:t>
+            </a:r>
+            <a:r>
+              <a:rPr lang="de-DE" dirty="0" smtClean="0"/>
+              <a:t>: </a:t>
+            </a:r>
+            <a:r>
+              <a:rPr lang="de-DE" dirty="0" err="1" smtClean="0"/>
+              <a:t>cryptologists</a:t>
+            </a:r>
+            <a:r>
+              <a:rPr lang="de-DE" dirty="0" smtClean="0"/>
+              <a:t>, sysadmins, </a:t>
+            </a:r>
+            <a:r>
+              <a:rPr lang="de-DE" dirty="0" err="1" smtClean="0"/>
+              <a:t>hackers</a:t>
+            </a:r>
+            <a:endParaRPr lang="de-DE" dirty="0" smtClean="0"/>
+          </a:p>
+          <a:p>
+            <a:r>
+              <a:rPr lang="de-DE" dirty="0" err="1" smtClean="0"/>
+              <a:t>Apply</a:t>
+            </a:r>
+            <a:r>
+              <a:rPr lang="de-DE" dirty="0" smtClean="0"/>
+              <a:t> </a:t>
+            </a:r>
+            <a:r>
+              <a:rPr lang="de-DE" dirty="0" err="1" smtClean="0"/>
+              <a:t>for</a:t>
+            </a:r>
+            <a:r>
+              <a:rPr lang="de-DE" dirty="0" smtClean="0"/>
+              <a:t> </a:t>
+            </a:r>
+            <a:r>
+              <a:rPr lang="de-DE" dirty="0" err="1" smtClean="0"/>
+              <a:t>write</a:t>
+            </a:r>
+            <a:r>
+              <a:rPr lang="de-DE" dirty="0" smtClean="0"/>
+              <a:t>-perms</a:t>
+            </a:r>
+          </a:p>
+          <a:p>
+            <a:r>
+              <a:rPr lang="de-DE" dirty="0" smtClean="0"/>
+              <a:t>World-</a:t>
+            </a:r>
+            <a:r>
+              <a:rPr lang="de-DE" dirty="0" err="1" smtClean="0"/>
+              <a:t>readable</a:t>
+            </a:r>
+            <a:endParaRPr lang="de-DE" dirty="0" smtClean="0"/>
+          </a:p>
+          <a:p>
+            <a:r>
+              <a:rPr lang="de-DE" dirty="0" smtClean="0"/>
+              <a:t>Variantes: </a:t>
+            </a:r>
+          </a:p>
+          <a:p>
+            <a:pPr lvl="1"/>
+            <a:r>
+              <a:rPr lang="de-DE" dirty="0" smtClean="0"/>
+              <a:t>(A) </a:t>
+            </a:r>
+            <a:r>
+              <a:rPr lang="de-DE" dirty="0" err="1" smtClean="0"/>
+              <a:t>reviewer</a:t>
+            </a:r>
+            <a:r>
+              <a:rPr lang="de-DE" dirty="0" smtClean="0"/>
+              <a:t>: </a:t>
+            </a:r>
+            <a:r>
+              <a:rPr lang="de-DE" dirty="0" err="1" smtClean="0"/>
+              <a:t>the</a:t>
+            </a:r>
+            <a:r>
+              <a:rPr lang="de-DE" dirty="0" smtClean="0"/>
+              <a:t> </a:t>
+            </a:r>
+            <a:r>
+              <a:rPr lang="de-DE" dirty="0" err="1" smtClean="0"/>
+              <a:t>harder</a:t>
+            </a:r>
+            <a:r>
+              <a:rPr lang="de-DE" dirty="0" smtClean="0"/>
+              <a:t> </a:t>
+            </a:r>
+            <a:r>
+              <a:rPr lang="de-DE" dirty="0" err="1" smtClean="0"/>
+              <a:t>job</a:t>
+            </a:r>
+            <a:r>
+              <a:rPr lang="de-DE" dirty="0" smtClean="0"/>
+              <a:t> ;-)</a:t>
+            </a:r>
+          </a:p>
+          <a:p>
+            <a:pPr lvl="1"/>
+            <a:r>
+              <a:rPr lang="de-DE" dirty="0" smtClean="0"/>
+              <a:t>(B) </a:t>
+            </a:r>
+            <a:r>
+              <a:rPr lang="de-DE" dirty="0" err="1" smtClean="0"/>
+              <a:t>co-author</a:t>
+            </a:r>
+            <a:r>
+              <a:rPr lang="de-DE" dirty="0" smtClean="0"/>
+              <a:t>: </a:t>
+            </a:r>
+            <a:r>
+              <a:rPr lang="de-DE" dirty="0" err="1" smtClean="0"/>
+              <a:t>add</a:t>
+            </a:r>
+            <a:r>
+              <a:rPr lang="de-DE" dirty="0" smtClean="0"/>
+              <a:t> a </a:t>
+            </a:r>
+            <a:r>
+              <a:rPr lang="de-DE" dirty="0" err="1" smtClean="0"/>
+              <a:t>section</a:t>
+            </a:r>
+            <a:endParaRPr lang="de-DE" dirty="0"/>
+          </a:p>
+        </p:txBody>
+      </p:sp>
+      <p:sp>
+        <p:nvSpPr>
+          <p:cNvPr id="4" name="Textfeld 3"/>
+          <p:cNvSpPr txBox="1"/>
+          <p:nvPr/>
+        </p:nvSpPr>
+        <p:spPr>
+          <a:xfrm>
+            <a:off x="7297503" y="6126163"/>
+            <a:ext cx="1389297" cy="369332"/>
+          </a:xfrm>
+          <a:prstGeom prst="rect">
+            <a:avLst/>
+          </a:prstGeom>
+          <a:noFill/>
+        </p:spPr>
+        <p:txBody>
+          <a:bodyPr wrap="square" rtlCol="0">
+            <a:spAutoFit/>
+          </a:bodyPr>
+          <a:lstStyle/>
+          <a:p>
+            <a:r>
+              <a:rPr lang="de-DE" dirty="0" smtClean="0"/>
+              <a:t>Aaron</a:t>
+            </a:r>
+            <a:endParaRPr lang="de-DE" dirty="0"/>
+          </a:p>
+        </p:txBody>
+      </p:sp>
+    </p:spTree>
+    <p:extLst>
+      <p:ext uri="{BB962C8B-B14F-4D97-AF65-F5344CB8AC3E}">
+        <p14:creationId xmlns:p14="http://schemas.microsoft.com/office/powerpoint/2010/main" val="976292356"/>
+      </p:ext>
+    </p:extLst>
+  </p:cSld>
+  <p:clrMapOvr>
+    <a:masterClrMapping/>
+  </p:clrMapOvr>
+  <p:timing>
+    <p:tnLst>
+      <p:par>
+        <p:cTn id="1" dur="indefinite" restart="never" nodeType="tmRoot"/>
+      </p:par>
+    </p:tnLst>
+  </p:timing>
+</p:sld>
+</file>
+
+<file path=ppt/slides/slide33.xml><?xml version="1.0" encoding="utf-8"?>
+<p:sld xmlns:a="http://schemas.openxmlformats.org/drawingml/2006/main" xmlns:r="http://schemas.openxmlformats.org/officeDocument/2006/relationships" xmlns:p="http://schemas.openxmlformats.org/presentationml/2006/main">
+  <p:cSld>
+    <p:spTree>
+      <p:nvGrpSpPr>
+        <p:cNvPr id="1" name=""/>
+        <p:cNvGrpSpPr/>
+        <p:nvPr/>
+      </p:nvGrpSpPr>
+      <p:grpSpPr>
+        <a:xfrm>
+          <a:off x="0" y="0"/>
+          <a:ext cx="0" cy="0"/>
+          <a:chOff x="0" y="0"/>
+          <a:chExt cx="0" cy="0"/>
+        </a:xfrm>
+      </p:grpSpPr>
+      <p:sp>
+        <p:nvSpPr>
+          <p:cNvPr id="2" name="Titel 1"/>
+          <p:cNvSpPr>
+            <a:spLocks noGrp="1"/>
+          </p:cNvSpPr>
+          <p:nvPr>
+            <p:ph type="title"/>
+          </p:nvPr>
+        </p:nvSpPr>
+        <p:spPr/>
+        <p:txBody>
+          <a:bodyPr/>
+          <a:lstStyle/>
+          <a:p>
+            <a:r>
               <a:rPr lang="de-DE" dirty="0" smtClean="0"/>
               <a:t>Links</a:t>
             </a:r>
@@ -8043,7 +9312,7 @@
 </p:sld>
 </file>
 
-<file path=ppt/slides/slide31.xml><?xml version="1.0" encoding="utf-8"?>
+<file path=ppt/slides/slide34.xml><?xml version="1.0" encoding="utf-8"?>
 <p:sld xmlns:a="http://schemas.openxmlformats.org/drawingml/2006/main" xmlns:r="http://schemas.openxmlformats.org/officeDocument/2006/relationships" xmlns:p="http://schemas.openxmlformats.org/presentationml/2006/main">
   <p:cSld>
     <p:spTree>
@@ -9262,7 +10531,7 @@
   <p:timing>
     <p:tnLst>
       <p:par>
-        <p:cTn xmlns:p14="http://schemas.microsoft.com/office/powerpoint/2010/main" id="1" dur="indefinite" restart="never" nodeType="tmRoot"/>
+        <p:cTn id="1" dur="indefinite" restart="never" nodeType="tmRoot"/>
       </p:par>
     </p:tnLst>
   </p:timing>
@@ -10153,7 +11422,9 @@
         </p:nvSpPr>
         <p:spPr/>
         <p:txBody>
-          <a:bodyPr/>
+          <a:bodyPr>
+            <a:normAutofit/>
+          </a:bodyPr>
           <a:lstStyle/>
           <a:p>
             <a:r>
@@ -10196,6 +11467,86 @@
           </a:p>
           <a:p>
             <a:r>
+              <a:rPr lang="de-DE" dirty="0" smtClean="0"/>
+              <a:t>Trust </a:t>
+            </a:r>
+            <a:r>
+              <a:rPr lang="de-DE" dirty="0" err="1" smtClean="0"/>
+              <a:t>the</a:t>
+            </a:r>
+            <a:r>
+              <a:rPr lang="de-DE" dirty="0" smtClean="0"/>
+              <a:t> </a:t>
+            </a:r>
+            <a:r>
+              <a:rPr lang="de-DE" dirty="0" err="1" smtClean="0"/>
+              <a:t>Math</a:t>
+            </a:r>
+            <a:endParaRPr lang="de-DE" dirty="0" smtClean="0"/>
+          </a:p>
+          <a:p>
+            <a:pPr marL="342900" lvl="1" indent="-342900">
+              <a:buFont typeface="Arial"/>
+              <a:buChar char="•"/>
+            </a:pPr>
+            <a:r>
+              <a:rPr lang="en-US" sz="3200" dirty="0"/>
+              <a:t>“Nothing Up My Sleeve Numbers</a:t>
+            </a:r>
+            <a:r>
+              <a:rPr lang="en-US" sz="3200" dirty="0"/>
+              <a:t>”</a:t>
+            </a:r>
+            <a:endParaRPr lang="de-DE" sz="3200" dirty="0"/>
+          </a:p>
+          <a:p>
+            <a:pPr lvl="1"/>
+            <a:r>
+              <a:rPr lang="en-US" dirty="0" err="1" smtClean="0"/>
+              <a:t>eg</a:t>
+            </a:r>
+            <a:r>
+              <a:rPr lang="en-US" dirty="0" smtClean="0"/>
+              <a:t>. NIST P-256 (</a:t>
+            </a:r>
+            <a:r>
+              <a:rPr lang="de-AT" sz="1600" dirty="0">
+                <a:hlinkClick r:id="rId2"/>
+              </a:rPr>
+              <a:t>http://</a:t>
+            </a:r>
+            <a:r>
+              <a:rPr lang="de-AT" sz="1600" dirty="0" smtClean="0">
+                <a:hlinkClick r:id="rId2"/>
+              </a:rPr>
+              <a:t>safecurves.cr.yp.to/rigid.html</a:t>
+            </a:r>
+            <a:r>
+              <a:rPr lang="en-US" dirty="0" smtClean="0"/>
+              <a:t>)</a:t>
+            </a:r>
+            <a:endParaRPr lang="en-US" dirty="0"/>
+          </a:p>
+          <a:p>
+            <a:pPr lvl="1"/>
+            <a:r>
+              <a:rPr lang="en-US" sz="1800" dirty="0" smtClean="0">
+                <a:latin typeface="Courier" pitchFamily="49" charset="0"/>
+              </a:rPr>
+              <a:t>Coefficients </a:t>
+            </a:r>
+            <a:r>
+              <a:rPr lang="en-US" sz="1800" dirty="0">
+                <a:latin typeface="Courier" pitchFamily="49" charset="0"/>
+              </a:rPr>
+              <a:t>generated by hashing the unexplained seed c49d3608 86e70493 6a6678e1 139d26b7 819f7e90.</a:t>
+            </a:r>
+            <a:endParaRPr lang="de-DE" sz="1800" dirty="0" smtClean="0">
+              <a:latin typeface="Courier" pitchFamily="49" charset="0"/>
+            </a:endParaRPr>
+          </a:p>
+          <a:p>
+            <a:r>
               <a:rPr lang="de-DE" dirty="0" err="1" smtClean="0"/>
               <a:t>Might</a:t>
             </a:r>
@@ -10243,63 +11594,51 @@
           </a:p>
           <a:p>
             <a:r>
-              <a:rPr lang="de-DE" dirty="0" err="1" smtClean="0"/>
-              <a:t>Doubts</a:t>
-            </a:r>
-            <a:r>
-              <a:rPr lang="de-DE" dirty="0" smtClean="0"/>
-              <a:t> </a:t>
-            </a:r>
-            <a:r>
-              <a:rPr lang="de-DE" dirty="0" err="1" smtClean="0"/>
-              <a:t>about</a:t>
-            </a:r>
-            <a:r>
-              <a:rPr lang="de-DE" dirty="0" smtClean="0"/>
-              <a:t> </a:t>
-            </a:r>
-            <a:r>
-              <a:rPr lang="de-DE" dirty="0" err="1" smtClean="0"/>
-              <a:t>the</a:t>
-            </a:r>
-            <a:r>
-              <a:rPr lang="de-DE" dirty="0" smtClean="0"/>
-              <a:t> </a:t>
-            </a:r>
-            <a:r>
-              <a:rPr lang="de-DE" dirty="0" err="1" smtClean="0"/>
-              <a:t>security</a:t>
-            </a:r>
-            <a:r>
-              <a:rPr lang="de-DE" dirty="0" smtClean="0"/>
-              <a:t> of </a:t>
-            </a:r>
-            <a:r>
-              <a:rPr lang="de-DE" dirty="0" err="1" smtClean="0"/>
-              <a:t>certain</a:t>
-            </a:r>
-            <a:r>
-              <a:rPr lang="de-DE" dirty="0" smtClean="0"/>
-              <a:t> </a:t>
-            </a:r>
-            <a:r>
-              <a:rPr lang="de-DE" dirty="0" err="1" smtClean="0"/>
-              <a:t>curves</a:t>
-            </a:r>
-            <a:r>
-              <a:rPr lang="de-DE" dirty="0" smtClean="0"/>
-              <a:t> (NIST </a:t>
-            </a:r>
-            <a:r>
-              <a:rPr lang="de-DE" dirty="0" err="1" smtClean="0"/>
-              <a:t>curves</a:t>
-            </a:r>
-            <a:r>
-              <a:rPr lang="de-DE" dirty="0" smtClean="0"/>
-              <a:t>)</a:t>
-            </a:r>
-          </a:p>
-          <a:p>
+              <a:rPr lang="de-DE" dirty="0" smtClean="0"/>
+              <a:t>Most </a:t>
+            </a:r>
+            <a:r>
+              <a:rPr lang="de-DE" dirty="0" err="1" smtClean="0"/>
+              <a:t>Applications</a:t>
+            </a:r>
+            <a:r>
+              <a:rPr lang="de-DE" dirty="0" smtClean="0"/>
+              <a:t> </a:t>
+            </a:r>
+            <a:r>
+              <a:rPr lang="de-DE" dirty="0" err="1" smtClean="0"/>
+              <a:t>only</a:t>
+            </a:r>
+            <a:r>
+              <a:rPr lang="de-DE" dirty="0" smtClean="0"/>
+              <a:t> </a:t>
+            </a:r>
+            <a:r>
+              <a:rPr lang="de-DE" dirty="0" err="1" smtClean="0"/>
+              <a:t>work</a:t>
+            </a:r>
+            <a:r>
+              <a:rPr lang="de-DE" dirty="0" smtClean="0"/>
+              <a:t> </a:t>
+            </a:r>
+            <a:r>
+              <a:rPr lang="de-DE" dirty="0" err="1" smtClean="0"/>
+              <a:t>with</a:t>
+            </a:r>
+            <a:r>
+              <a:rPr lang="de-DE" dirty="0" smtClean="0"/>
+              <a:t> NIST-</a:t>
+            </a:r>
+            <a:r>
+              <a:rPr lang="de-DE" dirty="0" err="1" smtClean="0"/>
+              <a:t>Curves</a:t>
+            </a:r>
+            <a:endParaRPr lang="de-DE" dirty="0" smtClean="0"/>
+          </a:p>
+          <a:p>
+            <a:pPr marL="0" indent="0">
+              <a:buNone/>
+            </a:pPr>
             <a:endParaRPr lang="de-DE" dirty="0"/>
           </a:p>
         </p:txBody>
@@ -10985,4 +12324,289 @@
   </a:objectDefaults>
   <a:extraClrSchemeLst/>
 </a:theme>
+</file>
+
+<file path=ppt/theme/theme3.xml><?xml version="1.0" encoding="utf-8"?>
+<a:theme xmlns:a="http://schemas.openxmlformats.org/drawingml/2006/main" name="Larissa">
+  <a:themeElements>
+    <a:clrScheme name="Larissa">
+      <a:dk1>
+        <a:sysClr val="windowText" lastClr="000000"/>
+      </a:dk1>
+      <a:lt1>
+        <a:sysClr val="window" lastClr="FFFFFF"/>
+      </a:lt1>
+      <a:dk2>
+        <a:srgbClr val="1F497D"/>
+      </a:dk2>
+      <a:lt2>
+        <a:srgbClr val="EEECE1"/>
+      </a:lt2>
+      <a:accent1>
+        <a:srgbClr val="4F81BD"/>
+      </a:accent1>
+      <a:accent2>
+        <a:srgbClr val="C0504D"/>
+      </a:accent2>
+      <a:accent3>
+        <a:srgbClr val="9BBB59"/>
+      </a:accent3>
+      <a:accent4>
+        <a:srgbClr val="8064A2"/>
+      </a:accent4>
+      <a:accent5>
+        <a:srgbClr val="4BACC6"/>
+      </a:accent5>
+      <a:accent6>
+        <a:srgbClr val="F79646"/>
+      </a:accent6>
+      <a:hlink>
+        <a:srgbClr val="0000FF"/>
+      </a:hlink>
+      <a:folHlink>
+        <a:srgbClr val="800080"/>
+      </a:folHlink>
+    </a:clrScheme>
+    <a:fontScheme name="Larissa">
+      <a:majorFont>
+        <a:latin typeface="Calibri"/>
+        <a:ea typeface=""/>
+        <a:cs typeface=""/>
+        <a:font script="Jpan" typeface="ＭＳ Ｐゴシック"/>
+        <a:font script="Hang" typeface="맑은 고딕"/>
+        <a:font script="Hans" typeface="宋体"/>
+        <a:font script="Hant" typeface="新細明體"/>
+        <a:font script="Arab" typeface="Times New Roman"/>
+        <a:font script="Hebr" typeface="Times New Roman"/>
+        <a:font script="Thai" typeface="Angsana New"/>
+        <a:font script="Ethi" typeface="Nyala"/>
+        <a:font script="Beng" typeface="Vrinda"/>
+        <a:font script="Gujr" typeface="Shruti"/>
+        <a:font script="Khmr" typeface="MoolBoran"/>
+        <a:font script="Knda" typeface="Tunga"/>
+        <a:font script="Guru" typeface="Raavi"/>
+        <a:font script="Cans" typeface="Euphemia"/>
+        <a:font script="Cher" typeface="Plantagenet Cherokee"/>
+        <a:font script="Yiii" typeface="Microsoft Yi Baiti"/>
+        <a:font script="Tibt" typeface="Microsoft Himalaya"/>
+        <a:font script="Thaa" typeface="MV Boli"/>
+        <a:font script="Deva" typeface="Mangal"/>
+        <a:font script="Telu" typeface="Gautami"/>
+        <a:font script="Taml" typeface="Latha"/>
+        <a:font script="Syrc" typeface="Estrangelo Edessa"/>
+        <a:font script="Orya" typeface="Kalinga"/>
+        <a:font script="Mlym" typeface="Kartika"/>
+        <a:font script="Laoo" typeface="DokChampa"/>
+        <a:font script="Sinh" typeface="Iskoola Pota"/>
+        <a:font script="Mong" typeface="Mongolian Baiti"/>
+        <a:font script="Viet" typeface="Times New Roman"/>
+        <a:font script="Uigh" typeface="Microsoft Uighur"/>
+        <a:font script="Geor" typeface="Sylfaen"/>
+      </a:majorFont>
+      <a:minorFont>
+        <a:latin typeface="Calibri"/>
+        <a:ea typeface=""/>
+        <a:cs typeface=""/>
+        <a:font script="Jpan" typeface="ＭＳ Ｐゴシック"/>
+        <a:font script="Hang" typeface="맑은 고딕"/>
+        <a:font script="Hans" typeface="宋体"/>
+        <a:font script="Hant" typeface="新細明體"/>
+        <a:font script="Arab" typeface="Arial"/>
+        <a:font script="Hebr" typeface="Arial"/>
+        <a:font script="Thai" typeface="Cordia New"/>
+        <a:font script="Ethi" typeface="Nyala"/>
+        <a:font script="Beng" typeface="Vrinda"/>
+        <a:font script="Gujr" typeface="Shruti"/>
+        <a:font script="Khmr" typeface="DaunPenh"/>
+        <a:font script="Knda" typeface="Tunga"/>
+        <a:font script="Guru" typeface="Raavi"/>
+        <a:font script="Cans" typeface="Euphemia"/>
+        <a:font script="Cher" typeface="Plantagenet Cherokee"/>
+        <a:font script="Yiii" typeface="Microsoft Yi Baiti"/>
+        <a:font script="Tibt" typeface="Microsoft Himalaya"/>
+        <a:font script="Thaa" typeface="MV Boli"/>
+        <a:font script="Deva" typeface="Mangal"/>
+        <a:font script="Telu" typeface="Gautami"/>
+        <a:font script="Taml" typeface="Latha"/>
+        <a:font script="Syrc" typeface="Estrangelo Edessa"/>
+        <a:font script="Orya" typeface="Kalinga"/>
+        <a:font script="Mlym" typeface="Kartika"/>
+        <a:font script="Laoo" typeface="DokChampa"/>
+        <a:font script="Sinh" typeface="Iskoola Pota"/>
+        <a:font script="Mong" typeface="Mongolian Baiti"/>
+        <a:font script="Viet" typeface="Arial"/>
+        <a:font script="Uigh" typeface="Microsoft Uighur"/>
+        <a:font script="Geor" typeface="Sylfaen"/>
+      </a:minorFont>
+    </a:fontScheme>
+    <a:fmtScheme name="Larissa">
+      <a:fillStyleLst>
+        <a:solidFill>
+          <a:schemeClr val="phClr"/>
+        </a:solidFill>
+        <a:gradFill rotWithShape="1">
+          <a:gsLst>
+            <a:gs pos="0">
+              <a:schemeClr val="phClr">
+                <a:tint val="50000"/>
+                <a:satMod val="300000"/>
+              </a:schemeClr>
+            </a:gs>
+            <a:gs pos="35000">
+              <a:schemeClr val="phClr">
+                <a:tint val="37000"/>
+                <a:satMod val="300000"/>
+              </a:schemeClr>
+            </a:gs>
+            <a:gs pos="100000">
+              <a:schemeClr val="phClr">
+                <a:tint val="15000"/>
+                <a:satMod val="350000"/>
+              </a:schemeClr>
+            </a:gs>
+          </a:gsLst>
+          <a:lin ang="16200000" scaled="1"/>
+        </a:gradFill>
+        <a:gradFill rotWithShape="1">
+          <a:gsLst>
+            <a:gs pos="0">
+              <a:schemeClr val="phClr">
+                <a:shade val="51000"/>
+                <a:satMod val="130000"/>
+              </a:schemeClr>
+            </a:gs>
+            <a:gs pos="80000">
+              <a:schemeClr val="phClr">
+                <a:shade val="93000"/>
+                <a:satMod val="130000"/>
+              </a:schemeClr>
+            </a:gs>
+            <a:gs pos="100000">
+              <a:schemeClr val="phClr">
+                <a:shade val="94000"/>
+                <a:satMod val="135000"/>
+              </a:schemeClr>
+            </a:gs>
+          </a:gsLst>
+          <a:lin ang="16200000" scaled="0"/>
+        </a:gradFill>
+      </a:fillStyleLst>
+      <a:lnStyleLst>
+        <a:ln w="9525" cap="flat" cmpd="sng" algn="ctr">
+          <a:solidFill>
+            <a:schemeClr val="phClr">
+              <a:shade val="95000"/>
+              <a:satMod val="105000"/>
+            </a:schemeClr>
+          </a:solidFill>
+          <a:prstDash val="solid"/>
+        </a:ln>
+        <a:ln w="25400" cap="flat" cmpd="sng" algn="ctr">
+          <a:solidFill>
+            <a:schemeClr val="phClr"/>
+          </a:solidFill>
+          <a:prstDash val="solid"/>
+        </a:ln>
+        <a:ln w="38100" cap="flat" cmpd="sng" algn="ctr">
+          <a:solidFill>
+            <a:schemeClr val="phClr"/>
+          </a:solidFill>
+          <a:prstDash val="solid"/>
+        </a:ln>
+      </a:lnStyleLst>
+      <a:effectStyleLst>
+        <a:effectStyle>
+          <a:effectLst>
+            <a:outerShdw blurRad="40000" dist="20000" dir="5400000" rotWithShape="0">
+              <a:srgbClr val="000000">
+                <a:alpha val="38000"/>
+              </a:srgbClr>
+            </a:outerShdw>
+          </a:effectLst>
+        </a:effectStyle>
+        <a:effectStyle>
+          <a:effectLst>
+            <a:outerShdw blurRad="40000" dist="23000" dir="5400000" rotWithShape="0">
+              <a:srgbClr val="000000">
+                <a:alpha val="35000"/>
+              </a:srgbClr>
+            </a:outerShdw>
+          </a:effectLst>
+        </a:effectStyle>
+        <a:effectStyle>
+          <a:effectLst>
+            <a:outerShdw blurRad="40000" dist="23000" dir="5400000" rotWithShape="0">
+              <a:srgbClr val="000000">
+                <a:alpha val="35000"/>
+              </a:srgbClr>
+            </a:outerShdw>
+          </a:effectLst>
+          <a:scene3d>
+            <a:camera prst="orthographicFront">
+              <a:rot lat="0" lon="0" rev="0"/>
+            </a:camera>
+            <a:lightRig rig="threePt" dir="t">
+              <a:rot lat="0" lon="0" rev="1200000"/>
+            </a:lightRig>
+          </a:scene3d>
+          <a:sp3d>
+            <a:bevelT w="63500" h="25400"/>
+          </a:sp3d>
+        </a:effectStyle>
+      </a:effectStyleLst>
+      <a:bgFillStyleLst>
+        <a:solidFill>
+          <a:schemeClr val="phClr"/>
+        </a:solidFill>
+        <a:gradFill rotWithShape="1">
+          <a:gsLst>
+            <a:gs pos="0">
+              <a:schemeClr val="phClr">
+                <a:tint val="40000"/>
+                <a:satMod val="350000"/>
+              </a:schemeClr>
+            </a:gs>
+            <a:gs pos="40000">
+              <a:schemeClr val="phClr">
+                <a:tint val="45000"/>
+                <a:shade val="99000"/>
+                <a:satMod val="350000"/>
+              </a:schemeClr>
+            </a:gs>
+            <a:gs pos="100000">
+              <a:schemeClr val="phClr">
+                <a:shade val="20000"/>
+                <a:satMod val="255000"/>
+              </a:schemeClr>
+            </a:gs>
+          </a:gsLst>
+          <a:path path="circle">
+            <a:fillToRect l="50000" t="-80000" r="50000" b="180000"/>
+          </a:path>
+        </a:gradFill>
+        <a:gradFill rotWithShape="1">
+          <a:gsLst>
+            <a:gs pos="0">
+              <a:schemeClr val="phClr">
+                <a:tint val="80000"/>
+                <a:satMod val="300000"/>
+              </a:schemeClr>
+            </a:gs>
+            <a:gs pos="100000">
+              <a:schemeClr val="phClr">
+                <a:shade val="30000"/>
+                <a:satMod val="200000"/>
+              </a:schemeClr>
+            </a:gs>
+          </a:gsLst>
+          <a:path path="circle">
+            <a:fillToRect l="50000" t="50000" r="50000" b="50000"/>
+          </a:path>
+        </a:gradFill>
+      </a:bgFillStyleLst>
+    </a:fmtScheme>
+  </a:themeElements>
+  <a:objectDefaults/>
+  <a:extraClrSchemeLst/>
+</a:theme>
 </file>
--- a/presentations/20131122-Deepsec-ACH project.pptx
+++ b/presentations/20131122-Deepsec-ACH project.pptx
@@ -5,10 +5,10 @@
     <p:sldMasterId id="2147483648" r:id="rId1"/>
   </p:sldMasterIdLst>
   <p:notesMasterIdLst>
-    <p:notesMasterId r:id="rId36"/>
+    <p:notesMasterId r:id="rId43"/>
   </p:notesMasterIdLst>
   <p:handoutMasterIdLst>
-    <p:handoutMasterId r:id="rId37"/>
+    <p:handoutMasterId r:id="rId44"/>
   </p:handoutMasterIdLst>
   <p:sldIdLst>
     <p:sldId id="256" r:id="rId2"/>
@@ -19,32 +19,39 @@
     <p:sldId id="283" r:id="rId7"/>
     <p:sldId id="267" r:id="rId8"/>
     <p:sldId id="268" r:id="rId9"/>
-    <p:sldId id="269" r:id="rId10"/>
-    <p:sldId id="281" r:id="rId11"/>
-    <p:sldId id="286" r:id="rId12"/>
-    <p:sldId id="300" r:id="rId13"/>
-    <p:sldId id="301" r:id="rId14"/>
-    <p:sldId id="282" r:id="rId15"/>
-    <p:sldId id="298" r:id="rId16"/>
-    <p:sldId id="299" r:id="rId17"/>
-    <p:sldId id="302" r:id="rId18"/>
-    <p:sldId id="284" r:id="rId19"/>
-    <p:sldId id="289" r:id="rId20"/>
-    <p:sldId id="285" r:id="rId21"/>
-    <p:sldId id="287" r:id="rId22"/>
-    <p:sldId id="290" r:id="rId23"/>
-    <p:sldId id="291" r:id="rId24"/>
-    <p:sldId id="292" r:id="rId25"/>
-    <p:sldId id="293" r:id="rId26"/>
-    <p:sldId id="294" r:id="rId27"/>
-    <p:sldId id="295" r:id="rId28"/>
-    <p:sldId id="296" r:id="rId29"/>
-    <p:sldId id="279" r:id="rId30"/>
-    <p:sldId id="297" r:id="rId31"/>
-    <p:sldId id="264" r:id="rId32"/>
-    <p:sldId id="262" r:id="rId33"/>
-    <p:sldId id="275" r:id="rId34"/>
-    <p:sldId id="276" r:id="rId35"/>
+    <p:sldId id="308" r:id="rId10"/>
+    <p:sldId id="269" r:id="rId11"/>
+    <p:sldId id="281" r:id="rId12"/>
+    <p:sldId id="309" r:id="rId13"/>
+    <p:sldId id="286" r:id="rId14"/>
+    <p:sldId id="300" r:id="rId15"/>
+    <p:sldId id="301" r:id="rId16"/>
+    <p:sldId id="282" r:id="rId17"/>
+    <p:sldId id="298" r:id="rId18"/>
+    <p:sldId id="299" r:id="rId19"/>
+    <p:sldId id="302" r:id="rId20"/>
+    <p:sldId id="284" r:id="rId21"/>
+    <p:sldId id="289" r:id="rId22"/>
+    <p:sldId id="285" r:id="rId23"/>
+    <p:sldId id="287" r:id="rId24"/>
+    <p:sldId id="290" r:id="rId25"/>
+    <p:sldId id="306" r:id="rId26"/>
+    <p:sldId id="307" r:id="rId27"/>
+    <p:sldId id="291" r:id="rId28"/>
+    <p:sldId id="292" r:id="rId29"/>
+    <p:sldId id="293" r:id="rId30"/>
+    <p:sldId id="294" r:id="rId31"/>
+    <p:sldId id="295" r:id="rId32"/>
+    <p:sldId id="296" r:id="rId33"/>
+    <p:sldId id="279" r:id="rId34"/>
+    <p:sldId id="297" r:id="rId35"/>
+    <p:sldId id="303" r:id="rId36"/>
+    <p:sldId id="304" r:id="rId37"/>
+    <p:sldId id="305" r:id="rId38"/>
+    <p:sldId id="264" r:id="rId39"/>
+    <p:sldId id="262" r:id="rId40"/>
+    <p:sldId id="275" r:id="rId41"/>
+    <p:sldId id="276" r:id="rId42"/>
   </p:sldIdLst>
   <p:sldSz cx="9144000" cy="6858000" type="screen4x3"/>
   <p:notesSz cx="6669088" cy="9753600"/>
@@ -228,7 +235,7 @@
           <a:p>
             <a:fld id="{E10B4001-CD18-4312-9795-665ED90C6D88}" type="datetimeFigureOut">
               <a:rPr lang="de-AT" smtClean="0"/>
-              <a:t>21.11.2013</a:t>
+              <a:t>11/22/13</a:t>
             </a:fld>
             <a:endParaRPr lang="de-AT"/>
           </a:p>
@@ -393,7 +400,7 @@
           <a:p>
             <a:fld id="{ABD7BA35-4792-AE4F-B7A6-A4BCD39DEB01}" type="datetimeFigureOut">
               <a:rPr lang="de-DE" smtClean="0"/>
-              <a:t>21.11.2013</a:t>
+              <a:t>11/22/13</a:t>
             </a:fld>
             <a:endParaRPr lang="de-DE"/>
           </a:p>
@@ -942,7 +949,7 @@
           <a:p>
             <a:fld id="{8862424E-C109-F440-84A3-689A668A7AFE}" type="datetimeFigureOut">
               <a:rPr lang="de-DE" smtClean="0"/>
-              <a:t>21.11.2013</a:t>
+              <a:t>11/22/13</a:t>
             </a:fld>
             <a:endParaRPr lang="de-DE"/>
           </a:p>
@@ -1112,7 +1119,7 @@
           <a:p>
             <a:fld id="{8862424E-C109-F440-84A3-689A668A7AFE}" type="datetimeFigureOut">
               <a:rPr lang="de-DE" smtClean="0"/>
-              <a:t>21.11.2013</a:t>
+              <a:t>11/22/13</a:t>
             </a:fld>
             <a:endParaRPr lang="de-DE"/>
           </a:p>
@@ -1292,7 +1299,7 @@
           <a:p>
             <a:fld id="{8862424E-C109-F440-84A3-689A668A7AFE}" type="datetimeFigureOut">
               <a:rPr lang="de-DE" smtClean="0"/>
-              <a:t>21.11.2013</a:t>
+              <a:t>11/22/13</a:t>
             </a:fld>
             <a:endParaRPr lang="de-DE"/>
           </a:p>
@@ -1462,7 +1469,7 @@
           <a:p>
             <a:fld id="{8862424E-C109-F440-84A3-689A668A7AFE}" type="datetimeFigureOut">
               <a:rPr lang="de-DE" smtClean="0"/>
-              <a:t>21.11.2013</a:t>
+              <a:t>11/22/13</a:t>
             </a:fld>
             <a:endParaRPr lang="de-DE"/>
           </a:p>
@@ -1708,7 +1715,7 @@
           <a:p>
             <a:fld id="{8862424E-C109-F440-84A3-689A668A7AFE}" type="datetimeFigureOut">
               <a:rPr lang="de-DE" smtClean="0"/>
-              <a:t>21.11.2013</a:t>
+              <a:t>11/22/13</a:t>
             </a:fld>
             <a:endParaRPr lang="de-DE"/>
           </a:p>
@@ -1996,7 +2003,7 @@
           <a:p>
             <a:fld id="{8862424E-C109-F440-84A3-689A668A7AFE}" type="datetimeFigureOut">
               <a:rPr lang="de-DE" smtClean="0"/>
-              <a:t>21.11.2013</a:t>
+              <a:t>11/22/13</a:t>
             </a:fld>
             <a:endParaRPr lang="de-DE"/>
           </a:p>
@@ -2418,7 +2425,7 @@
           <a:p>
             <a:fld id="{8862424E-C109-F440-84A3-689A668A7AFE}" type="datetimeFigureOut">
               <a:rPr lang="de-DE" smtClean="0"/>
-              <a:t>21.11.2013</a:t>
+              <a:t>11/22/13</a:t>
             </a:fld>
             <a:endParaRPr lang="de-DE"/>
           </a:p>
@@ -2536,7 +2543,7 @@
           <a:p>
             <a:fld id="{8862424E-C109-F440-84A3-689A668A7AFE}" type="datetimeFigureOut">
               <a:rPr lang="de-DE" smtClean="0"/>
-              <a:t>21.11.2013</a:t>
+              <a:t>11/22/13</a:t>
             </a:fld>
             <a:endParaRPr lang="de-DE"/>
           </a:p>
@@ -2631,7 +2638,7 @@
           <a:p>
             <a:fld id="{8862424E-C109-F440-84A3-689A668A7AFE}" type="datetimeFigureOut">
               <a:rPr lang="de-DE" smtClean="0"/>
-              <a:t>21.11.2013</a:t>
+              <a:t>11/22/13</a:t>
             </a:fld>
             <a:endParaRPr lang="de-DE"/>
           </a:p>
@@ -2908,7 +2915,7 @@
           <a:p>
             <a:fld id="{8862424E-C109-F440-84A3-689A668A7AFE}" type="datetimeFigureOut">
               <a:rPr lang="de-DE" smtClean="0"/>
-              <a:t>21.11.2013</a:t>
+              <a:t>11/22/13</a:t>
             </a:fld>
             <a:endParaRPr lang="de-DE"/>
           </a:p>
@@ -3161,7 +3168,7 @@
           <a:p>
             <a:fld id="{8862424E-C109-F440-84A3-689A668A7AFE}" type="datetimeFigureOut">
               <a:rPr lang="de-DE" smtClean="0"/>
-              <a:t>21.11.2013</a:t>
+              <a:t>11/22/13</a:t>
             </a:fld>
             <a:endParaRPr lang="de-DE"/>
           </a:p>
@@ -3374,7 +3381,7 @@
           <a:p>
             <a:fld id="{8862424E-C109-F440-84A3-689A668A7AFE}" type="datetimeFigureOut">
               <a:rPr lang="de-DE" smtClean="0"/>
-              <a:t>21.11.2013</a:t>
+              <a:t>11/22/13</a:t>
             </a:fld>
             <a:endParaRPr lang="de-DE"/>
           </a:p>
@@ -3831,7 +3838,7 @@
   <p:timing>
     <p:tnLst>
       <p:par>
-        <p:cTn id="1" dur="indefinite" restart="never" nodeType="tmRoot"/>
+        <p:cTn xmlns:p14="http://schemas.microsoft.com/office/powerpoint/2010/main" id="1" dur="indefinite" restart="never" nodeType="tmRoot"/>
       </p:par>
     </p:tnLst>
   </p:timing>
@@ -3872,7 +3879,19 @@
           <a:p>
             <a:r>
               <a:rPr lang="de-DE" dirty="0" err="1" smtClean="0"/>
-              <a:t>Keylengths</a:t>
+              <a:t>Some</a:t>
+            </a:r>
+            <a:r>
+              <a:rPr lang="de-DE" dirty="0" smtClean="0"/>
+              <a:t> </a:t>
+            </a:r>
+            <a:r>
+              <a:rPr lang="de-DE" dirty="0" err="1" smtClean="0"/>
+              <a:t>thoughts</a:t>
+            </a:r>
+            <a:r>
+              <a:rPr lang="de-DE" dirty="0" smtClean="0"/>
+              <a:t> on ECC</a:t>
             </a:r>
             <a:endParaRPr lang="de-DE" dirty="0"/>
           </a:p>
@@ -3891,230 +3910,225 @@
         <p:spPr/>
         <p:txBody>
           <a:bodyPr>
-            <a:normAutofit fontScale="92500" lnSpcReduction="20000"/>
+            <a:normAutofit/>
           </a:bodyPr>
           <a:lstStyle/>
           <a:p>
             <a:r>
-              <a:rPr lang="de-DE" dirty="0"/>
-              <a:t>http://www.keylength.com/ </a:t>
-            </a:r>
-          </a:p>
-          <a:p>
-            <a:r>
-              <a:rPr lang="de-DE" dirty="0" smtClean="0"/>
-              <a:t>Recommended </a:t>
-            </a:r>
-            <a:r>
-              <a:rPr lang="de-DE" dirty="0" err="1" smtClean="0"/>
-              <a:t>Keylengths</a:t>
-            </a:r>
-            <a:r>
-              <a:rPr lang="de-DE" dirty="0" smtClean="0"/>
-              <a:t>, </a:t>
-            </a:r>
-            <a:r>
-              <a:rPr lang="de-DE" dirty="0" err="1" smtClean="0"/>
-              <a:t>Hashing</a:t>
-            </a:r>
-            <a:r>
-              <a:rPr lang="de-DE" dirty="0" smtClean="0"/>
-              <a:t> </a:t>
-            </a:r>
-            <a:r>
-              <a:rPr lang="de-DE" dirty="0" err="1" smtClean="0"/>
-              <a:t>algorithms</a:t>
-            </a:r>
-            <a:r>
-              <a:rPr lang="de-DE" dirty="0" smtClean="0"/>
-              <a:t>, etc.</a:t>
-            </a:r>
-          </a:p>
-          <a:p>
-            <a:r>
               <a:rPr lang="de-DE" dirty="0" err="1" smtClean="0"/>
               <a:t>Currently</a:t>
             </a:r>
             <a:r>
               <a:rPr lang="de-DE" dirty="0" smtClean="0"/>
-              <a:t>:</a:t>
+              <a:t> </a:t>
+            </a:r>
+            <a:r>
+              <a:rPr lang="de-DE" dirty="0" err="1" smtClean="0"/>
+              <a:t>this</a:t>
+            </a:r>
+            <a:r>
+              <a:rPr lang="de-DE" dirty="0" smtClean="0"/>
+              <a:t> </a:t>
+            </a:r>
+            <a:r>
+              <a:rPr lang="de-DE" dirty="0" err="1" smtClean="0"/>
+              <a:t>is</a:t>
+            </a:r>
+            <a:r>
+              <a:rPr lang="de-DE" dirty="0" smtClean="0"/>
+              <a:t> </a:t>
+            </a:r>
+            <a:r>
+              <a:rPr lang="de-DE" dirty="0" err="1" smtClean="0"/>
+              <a:t>under</a:t>
+            </a:r>
+            <a:r>
+              <a:rPr lang="de-DE" dirty="0" smtClean="0"/>
+              <a:t> heavy </a:t>
+            </a:r>
+            <a:r>
+              <a:rPr lang="de-DE" dirty="0" err="1" smtClean="0"/>
+              <a:t>debate</a:t>
             </a:r>
             <a:endParaRPr lang="de-DE" dirty="0" smtClean="0"/>
           </a:p>
           <a:p>
+            <a:r>
+              <a:rPr lang="de-DE" dirty="0" smtClean="0"/>
+              <a:t>Trust </a:t>
+            </a:r>
+            <a:r>
+              <a:rPr lang="de-DE" dirty="0" err="1" smtClean="0"/>
+              <a:t>the</a:t>
+            </a:r>
+            <a:r>
+              <a:rPr lang="de-DE" dirty="0" smtClean="0"/>
+              <a:t> </a:t>
+            </a:r>
+            <a:r>
+              <a:rPr lang="de-DE" dirty="0" err="1" smtClean="0"/>
+              <a:t>Math</a:t>
+            </a:r>
+            <a:endParaRPr lang="de-DE" dirty="0" smtClean="0"/>
+          </a:p>
+          <a:p>
+            <a:pPr marL="342900" lvl="1" indent="-342900">
+              <a:buFont typeface="Arial"/>
+              <a:buChar char="•"/>
+            </a:pPr>
+            <a:r>
+              <a:rPr lang="en-US" sz="3200" dirty="0"/>
+              <a:t>“Nothing Up My Sleeve Numbers”</a:t>
+            </a:r>
+            <a:endParaRPr lang="de-DE" sz="3200" dirty="0"/>
+          </a:p>
+          <a:p>
             <a:pPr lvl="1"/>
             <a:r>
-              <a:rPr lang="de-DE" dirty="0" smtClean="0"/>
-              <a:t>RSA</a:t>
-            </a:r>
-            <a:r>
-              <a:rPr lang="de-DE" dirty="0" smtClean="0"/>
-              <a:t>: &gt;= 2048 </a:t>
-            </a:r>
-            <a:r>
-              <a:rPr lang="de-DE" dirty="0" err="1" smtClean="0"/>
-              <a:t>bits</a:t>
-            </a:r>
-            <a:r>
-              <a:rPr lang="de-DE" dirty="0" smtClean="0"/>
-              <a:t>	</a:t>
+              <a:rPr lang="en-US" dirty="0" err="1" smtClean="0"/>
+              <a:t>eg</a:t>
+            </a:r>
+            <a:r>
+              <a:rPr lang="en-US" dirty="0" smtClean="0"/>
+              <a:t>. NIST P-256 (</a:t>
+            </a:r>
+            <a:r>
+              <a:rPr lang="de-AT" sz="1600" dirty="0">
+                <a:hlinkClick r:id="rId2"/>
+              </a:rPr>
+              <a:t>http://</a:t>
+            </a:r>
+            <a:r>
+              <a:rPr lang="de-AT" sz="1600" dirty="0" smtClean="0">
+                <a:hlinkClick r:id="rId2"/>
+              </a:rPr>
+              <a:t>safecurves.cr.yp.to/rigid.html</a:t>
+            </a:r>
+            <a:r>
+              <a:rPr lang="en-US" dirty="0" smtClean="0"/>
+              <a:t>)</a:t>
+            </a:r>
+            <a:endParaRPr lang="en-US" dirty="0"/>
+          </a:p>
+          <a:p>
+            <a:pPr lvl="1"/>
+            <a:r>
+              <a:rPr lang="en-US" sz="1800" dirty="0" smtClean="0">
+                <a:latin typeface="Courier" pitchFamily="49" charset="0"/>
+              </a:rPr>
+              <a:t>Coefficients </a:t>
+            </a:r>
+            <a:r>
+              <a:rPr lang="en-US" sz="1800" dirty="0">
+                <a:latin typeface="Courier" pitchFamily="49" charset="0"/>
+              </a:rPr>
+              <a:t>generated by hashing the unexplained seed c49d3608 86e70493 6a6678e1 139d26b7 819f7e90.</a:t>
+            </a:r>
+            <a:endParaRPr lang="de-DE" sz="1800" dirty="0" smtClean="0">
+              <a:latin typeface="Courier" pitchFamily="49" charset="0"/>
+            </a:endParaRPr>
+          </a:p>
+          <a:p>
+            <a:r>
+              <a:rPr lang="de-DE" dirty="0" err="1" smtClean="0"/>
+              <a:t>Might</a:t>
+            </a:r>
+            <a:r>
+              <a:rPr lang="de-DE" dirty="0" smtClean="0"/>
+              <a:t> </a:t>
+            </a:r>
+            <a:r>
+              <a:rPr lang="de-DE" dirty="0" err="1" smtClean="0"/>
+              <a:t>have</a:t>
+            </a:r>
+            <a:r>
+              <a:rPr lang="de-DE" dirty="0" smtClean="0"/>
+              <a:t> </a:t>
+            </a:r>
+            <a:r>
+              <a:rPr lang="de-DE" dirty="0" err="1" smtClean="0"/>
+              <a:t>to</a:t>
+            </a:r>
+            <a:r>
+              <a:rPr lang="de-DE" dirty="0" smtClean="0"/>
+              <a:t> </a:t>
+            </a:r>
+            <a:r>
+              <a:rPr lang="de-DE" dirty="0" err="1" smtClean="0"/>
+              <a:t>change</a:t>
+            </a:r>
+            <a:r>
+              <a:rPr lang="de-DE" dirty="0" smtClean="0"/>
+              <a:t> </a:t>
+            </a:r>
+            <a:r>
+              <a:rPr lang="de-DE" dirty="0" err="1" smtClean="0"/>
+              <a:t>settings</a:t>
+            </a:r>
+            <a:r>
+              <a:rPr lang="de-DE" dirty="0" smtClean="0"/>
+              <a:t> </a:t>
+            </a:r>
+            <a:r>
+              <a:rPr lang="de-DE" dirty="0" err="1" smtClean="0"/>
+              <a:t>tomorrow</a:t>
             </a:r>
             <a:endParaRPr lang="de-DE" dirty="0" smtClean="0"/>
           </a:p>
           <a:p>
-            <a:pPr lvl="1"/>
-            <a:r>
-              <a:rPr lang="de-DE" dirty="0" smtClean="0"/>
-              <a:t>ECC</a:t>
-            </a:r>
-            <a:r>
-              <a:rPr lang="de-DE" dirty="0" smtClean="0"/>
-              <a:t>: &gt;= </a:t>
-            </a:r>
-            <a:r>
-              <a:rPr lang="de-DE" dirty="0" smtClean="0"/>
-              <a:t>256	</a:t>
-            </a:r>
-          </a:p>
-          <a:p>
-            <a:pPr lvl="1"/>
-            <a:r>
-              <a:rPr lang="de-DE" dirty="0" smtClean="0"/>
-              <a:t>SHA 2+ (SHA 256,…)</a:t>
+            <a:r>
+              <a:rPr lang="de-DE" dirty="0" smtClean="0"/>
+              <a:t>Most </a:t>
+            </a:r>
+            <a:r>
+              <a:rPr lang="de-DE" dirty="0" err="1" smtClean="0"/>
+              <a:t>Applications</a:t>
+            </a:r>
+            <a:r>
+              <a:rPr lang="de-DE" dirty="0" smtClean="0"/>
+              <a:t> </a:t>
+            </a:r>
+            <a:r>
+              <a:rPr lang="de-DE" dirty="0" err="1" smtClean="0"/>
+              <a:t>only</a:t>
+            </a:r>
+            <a:r>
+              <a:rPr lang="de-DE" dirty="0" smtClean="0"/>
+              <a:t> </a:t>
+            </a:r>
+            <a:r>
+              <a:rPr lang="de-DE" dirty="0" err="1" smtClean="0"/>
+              <a:t>work</a:t>
+            </a:r>
+            <a:r>
+              <a:rPr lang="de-DE" dirty="0" smtClean="0"/>
+              <a:t> </a:t>
+            </a:r>
+            <a:r>
+              <a:rPr lang="de-DE" dirty="0" err="1" smtClean="0"/>
+              <a:t>with</a:t>
+            </a:r>
+            <a:r>
+              <a:rPr lang="de-DE" dirty="0" smtClean="0"/>
+              <a:t> NIST-</a:t>
+            </a:r>
+            <a:r>
+              <a:rPr lang="de-DE" dirty="0" err="1" smtClean="0"/>
+              <a:t>Curves</a:t>
             </a:r>
             <a:endParaRPr lang="de-DE" dirty="0" smtClean="0"/>
           </a:p>
           <a:p>
-            <a:r>
-              <a:rPr lang="de-DE" dirty="0" smtClean="0"/>
-              <a:t>Demo</a:t>
-            </a:r>
+            <a:pPr marL="0" indent="0">
+              <a:buNone/>
+            </a:pPr>
             <a:endParaRPr lang="de-DE" dirty="0"/>
           </a:p>
-          <a:p>
-            <a:r>
-              <a:rPr lang="de-DE" dirty="0" smtClean="0">
-                <a:solidFill>
-                  <a:srgbClr val="FF0000"/>
-                </a:solidFill>
-              </a:rPr>
-              <a:t>(TODO </a:t>
-            </a:r>
-            <a:r>
-              <a:rPr lang="de-DE" dirty="0" err="1" smtClean="0">
-                <a:solidFill>
-                  <a:srgbClr val="FF0000"/>
-                </a:solidFill>
-              </a:rPr>
-              <a:t>aaron</a:t>
-            </a:r>
-            <a:r>
-              <a:rPr lang="de-DE" dirty="0" smtClean="0">
-                <a:solidFill>
-                  <a:srgbClr val="FF0000"/>
-                </a:solidFill>
-              </a:rPr>
-              <a:t>: keylengths.com </a:t>
-            </a:r>
-            <a:r>
-              <a:rPr lang="de-DE" dirty="0" err="1" smtClean="0">
-                <a:solidFill>
-                  <a:srgbClr val="FF0000"/>
-                </a:solidFill>
-              </a:rPr>
-              <a:t>screenshot</a:t>
-            </a:r>
-            <a:r>
-              <a:rPr lang="de-DE" dirty="0" smtClean="0">
-                <a:solidFill>
-                  <a:srgbClr val="FF0000"/>
-                </a:solidFill>
-              </a:rPr>
-              <a:t> </a:t>
-            </a:r>
-            <a:r>
-              <a:rPr lang="de-DE" dirty="0" err="1" smtClean="0">
-                <a:solidFill>
-                  <a:srgbClr val="FF0000"/>
-                </a:solidFill>
-              </a:rPr>
-              <a:t>or</a:t>
-            </a:r>
-            <a:r>
-              <a:rPr lang="de-DE" dirty="0" smtClean="0">
-                <a:solidFill>
-                  <a:srgbClr val="FF0000"/>
-                </a:solidFill>
-              </a:rPr>
-              <a:t> </a:t>
-            </a:r>
-            <a:r>
-              <a:rPr lang="de-DE" dirty="0" err="1" smtClean="0">
-                <a:solidFill>
-                  <a:srgbClr val="FF0000"/>
-                </a:solidFill>
-              </a:rPr>
-              <a:t>we</a:t>
-            </a:r>
-            <a:r>
-              <a:rPr lang="de-DE" dirty="0" smtClean="0">
-                <a:solidFill>
-                  <a:srgbClr val="FF0000"/>
-                </a:solidFill>
-              </a:rPr>
-              <a:t> </a:t>
-            </a:r>
-            <a:r>
-              <a:rPr lang="de-DE" dirty="0" err="1" smtClean="0">
-                <a:solidFill>
-                  <a:srgbClr val="FF0000"/>
-                </a:solidFill>
-              </a:rPr>
-              <a:t>show</a:t>
-            </a:r>
-            <a:r>
-              <a:rPr lang="de-DE" dirty="0" smtClean="0">
-                <a:solidFill>
-                  <a:srgbClr val="FF0000"/>
-                </a:solidFill>
-              </a:rPr>
-              <a:t> </a:t>
-            </a:r>
-            <a:r>
-              <a:rPr lang="de-DE" dirty="0" err="1" smtClean="0">
-                <a:solidFill>
-                  <a:srgbClr val="FF0000"/>
-                </a:solidFill>
-              </a:rPr>
-              <a:t>it</a:t>
-            </a:r>
-            <a:r>
-              <a:rPr lang="de-DE" dirty="0" smtClean="0">
-                <a:solidFill>
-                  <a:srgbClr val="FF0000"/>
-                </a:solidFill>
-              </a:rPr>
-              <a:t> </a:t>
-            </a:r>
-            <a:r>
-              <a:rPr lang="de-DE" dirty="0" smtClean="0">
-                <a:solidFill>
-                  <a:srgbClr val="FF0000"/>
-                </a:solidFill>
-              </a:rPr>
-              <a:t>live)</a:t>
-            </a:r>
-            <a:endParaRPr lang="de-DE" dirty="0" smtClean="0">
-              <a:solidFill>
-                <a:srgbClr val="FF0000"/>
-              </a:solidFill>
-            </a:endParaRPr>
-          </a:p>
-        </p:txBody>
-      </p:sp>
-      <p:sp>
-        <p:nvSpPr>
-          <p:cNvPr id="4" name="Textfeld 3"/>
+        </p:txBody>
+      </p:sp>
+      <p:sp>
+        <p:nvSpPr>
+          <p:cNvPr id="5" name="Textfeld 4"/>
           <p:cNvSpPr txBox="1"/>
           <p:nvPr/>
         </p:nvSpPr>
@@ -4145,13 +4159,20 @@
     </p:spTree>
     <p:extLst>
       <p:ext uri="{BB962C8B-B14F-4D97-AF65-F5344CB8AC3E}">
-        <p14:creationId xmlns:p14="http://schemas.microsoft.com/office/powerpoint/2010/main" val="49560506"/>
+        <p14:creationId xmlns:p14="http://schemas.microsoft.com/office/powerpoint/2010/main" val="3561811505"/>
       </p:ext>
     </p:extLst>
   </p:cSld>
   <p:clrMapOvr>
     <a:masterClrMapping/>
   </p:clrMapOvr>
+  <p:timing>
+    <p:tnLst>
+      <p:par>
+        <p:cTn xmlns:p14="http://schemas.microsoft.com/office/powerpoint/2010/main" id="1" dur="indefinite" restart="never" nodeType="tmRoot"/>
+      </p:par>
+    </p:tnLst>
+  </p:timing>
 </p:sld>
 </file>
 
@@ -4184,12 +4205,263 @@
         </p:nvSpPr>
         <p:spPr/>
         <p:txBody>
+          <a:bodyPr/>
+          <a:lstStyle/>
+          <a:p>
+            <a:r>
+              <a:rPr lang="de-DE" dirty="0" err="1" smtClean="0"/>
+              <a:t>Keylengths</a:t>
+            </a:r>
+            <a:endParaRPr lang="de-DE" dirty="0"/>
+          </a:p>
+        </p:txBody>
+      </p:sp>
+      <p:sp>
+        <p:nvSpPr>
+          <p:cNvPr id="3" name="Inhaltsplatzhalter 2"/>
+          <p:cNvSpPr>
+            <a:spLocks noGrp="1"/>
+          </p:cNvSpPr>
+          <p:nvPr>
+            <p:ph idx="1"/>
+          </p:nvPr>
+        </p:nvSpPr>
+        <p:spPr/>
+        <p:txBody>
           <a:bodyPr>
             <a:normAutofit/>
           </a:bodyPr>
           <a:lstStyle/>
           <a:p>
             <a:r>
+              <a:rPr lang="de-DE" dirty="0"/>
+              <a:t>http://www.keylength.com/ </a:t>
+            </a:r>
+          </a:p>
+          <a:p>
+            <a:r>
+              <a:rPr lang="de-DE" dirty="0" smtClean="0"/>
+              <a:t>Recommended </a:t>
+            </a:r>
+            <a:r>
+              <a:rPr lang="de-DE" dirty="0" err="1" smtClean="0"/>
+              <a:t>Keylengths</a:t>
+            </a:r>
+            <a:r>
+              <a:rPr lang="de-DE" dirty="0" smtClean="0"/>
+              <a:t>, </a:t>
+            </a:r>
+            <a:r>
+              <a:rPr lang="de-DE" dirty="0" err="1" smtClean="0"/>
+              <a:t>Hashing</a:t>
+            </a:r>
+            <a:r>
+              <a:rPr lang="de-DE" dirty="0" smtClean="0"/>
+              <a:t> </a:t>
+            </a:r>
+            <a:r>
+              <a:rPr lang="de-DE" dirty="0" err="1" smtClean="0"/>
+              <a:t>algorithms</a:t>
+            </a:r>
+            <a:r>
+              <a:rPr lang="de-DE" dirty="0" smtClean="0"/>
+              <a:t>, etc.</a:t>
+            </a:r>
+          </a:p>
+          <a:p>
+            <a:r>
+              <a:rPr lang="de-DE" dirty="0" err="1" smtClean="0"/>
+              <a:t>Currently</a:t>
+            </a:r>
+            <a:r>
+              <a:rPr lang="de-DE" dirty="0" smtClean="0"/>
+              <a:t>:</a:t>
+            </a:r>
+          </a:p>
+          <a:p>
+            <a:pPr lvl="1"/>
+            <a:r>
+              <a:rPr lang="de-DE" dirty="0" smtClean="0"/>
+              <a:t>RSA: &gt;= 2048 </a:t>
+            </a:r>
+            <a:r>
+              <a:rPr lang="de-DE" dirty="0" err="1" smtClean="0"/>
+              <a:t>bits</a:t>
+            </a:r>
+            <a:r>
+              <a:rPr lang="de-DE" dirty="0" smtClean="0"/>
+              <a:t>	</a:t>
+            </a:r>
+          </a:p>
+          <a:p>
+            <a:pPr lvl="1"/>
+            <a:r>
+              <a:rPr lang="de-DE" dirty="0" smtClean="0"/>
+              <a:t>ECC: &gt;= 256	</a:t>
+            </a:r>
+          </a:p>
+          <a:p>
+            <a:pPr lvl="1"/>
+            <a:r>
+              <a:rPr lang="de-DE" dirty="0" smtClean="0"/>
+              <a:t>SHA 2+ (SHA 256,…)</a:t>
+            </a:r>
+          </a:p>
+          <a:p>
+            <a:r>
+              <a:rPr lang="de-DE" dirty="0" smtClean="0"/>
+              <a:t>Demo</a:t>
+            </a:r>
+            <a:endParaRPr lang="de-DE" dirty="0"/>
+          </a:p>
+        </p:txBody>
+      </p:sp>
+      <p:sp>
+        <p:nvSpPr>
+          <p:cNvPr id="4" name="Textfeld 3"/>
+          <p:cNvSpPr txBox="1"/>
+          <p:nvPr/>
+        </p:nvSpPr>
+        <p:spPr>
+          <a:xfrm>
+            <a:off x="7318323" y="6126163"/>
+            <a:ext cx="1676031" cy="369332"/>
+          </a:xfrm>
+          <a:prstGeom prst="rect">
+            <a:avLst/>
+          </a:prstGeom>
+          <a:noFill/>
+        </p:spPr>
+        <p:txBody>
+          <a:bodyPr wrap="square" rtlCol="0">
+            <a:spAutoFit/>
+          </a:bodyPr>
+          <a:lstStyle/>
+          <a:p>
+            <a:r>
+              <a:rPr lang="de-DE" dirty="0" smtClean="0"/>
+              <a:t>Ramin, Daniel</a:t>
+            </a:r>
+            <a:endParaRPr lang="de-DE" dirty="0"/>
+          </a:p>
+        </p:txBody>
+      </p:sp>
+    </p:spTree>
+    <p:extLst>
+      <p:ext uri="{BB962C8B-B14F-4D97-AF65-F5344CB8AC3E}">
+        <p14:creationId xmlns:p14="http://schemas.microsoft.com/office/powerpoint/2010/main" val="49560506"/>
+      </p:ext>
+    </p:extLst>
+  </p:cSld>
+  <p:clrMapOvr>
+    <a:masterClrMapping/>
+  </p:clrMapOvr>
+  <p:timing>
+    <p:tnLst>
+      <p:par>
+        <p:cTn xmlns:p14="http://schemas.microsoft.com/office/powerpoint/2010/main" id="1" dur="indefinite" restart="never" nodeType="tmRoot"/>
+      </p:par>
+    </p:tnLst>
+  </p:timing>
+</p:sld>
+</file>
+
+<file path=ppt/slides/slide12.xml><?xml version="1.0" encoding="utf-8"?>
+<p:sld xmlns:a="http://schemas.openxmlformats.org/drawingml/2006/main" xmlns:r="http://schemas.openxmlformats.org/officeDocument/2006/relationships" xmlns:p="http://schemas.openxmlformats.org/presentationml/2006/main">
+  <p:cSld>
+    <p:spTree>
+      <p:nvGrpSpPr>
+        <p:cNvPr id="1" name=""/>
+        <p:cNvGrpSpPr/>
+        <p:nvPr/>
+      </p:nvGrpSpPr>
+      <p:grpSpPr>
+        <a:xfrm>
+          <a:off x="0" y="0"/>
+          <a:ext cx="0" cy="0"/>
+          <a:chOff x="0" y="0"/>
+          <a:chExt cx="0" cy="0"/>
+        </a:xfrm>
+      </p:grpSpPr>
+      <p:pic>
+        <p:nvPicPr>
+          <p:cNvPr id="5" name="Bild 4"/>
+          <p:cNvPicPr>
+            <a:picLocks noChangeAspect="1"/>
+          </p:cNvPicPr>
+          <p:nvPr/>
+        </p:nvPicPr>
+        <p:blipFill>
+          <a:blip r:embed="rId2"/>
+          <a:stretch>
+            <a:fillRect/>
+          </a:stretch>
+        </p:blipFill>
+        <p:spPr>
+          <a:xfrm>
+            <a:off x="660400" y="0"/>
+            <a:ext cx="7812621" cy="6858000"/>
+          </a:xfrm>
+          <a:prstGeom prst="rect">
+            <a:avLst/>
+          </a:prstGeom>
+        </p:spPr>
+      </p:pic>
+    </p:spTree>
+    <p:extLst>
+      <p:ext uri="{BB962C8B-B14F-4D97-AF65-F5344CB8AC3E}">
+        <p14:creationId xmlns:p14="http://schemas.microsoft.com/office/powerpoint/2010/main" val="107859648"/>
+      </p:ext>
+    </p:extLst>
+  </p:cSld>
+  <p:clrMapOvr>
+    <a:masterClrMapping/>
+  </p:clrMapOvr>
+  <p:timing>
+    <p:tnLst>
+      <p:par>
+        <p:cTn xmlns:p14="http://schemas.microsoft.com/office/powerpoint/2010/main" id="1" dur="indefinite" restart="never" nodeType="tmRoot"/>
+      </p:par>
+    </p:tnLst>
+  </p:timing>
+</p:sld>
+</file>
+
+<file path=ppt/slides/slide13.xml><?xml version="1.0" encoding="utf-8"?>
+<p:sld xmlns:a="http://schemas.openxmlformats.org/drawingml/2006/main" xmlns:r="http://schemas.openxmlformats.org/officeDocument/2006/relationships" xmlns:p="http://schemas.openxmlformats.org/presentationml/2006/main">
+  <p:cSld>
+    <p:spTree>
+      <p:nvGrpSpPr>
+        <p:cNvPr id="1" name=""/>
+        <p:cNvGrpSpPr/>
+        <p:nvPr/>
+      </p:nvGrpSpPr>
+      <p:grpSpPr>
+        <a:xfrm>
+          <a:off x="0" y="0"/>
+          <a:ext cx="0" cy="0"/>
+          <a:chOff x="0" y="0"/>
+          <a:chExt cx="0" cy="0"/>
+        </a:xfrm>
+      </p:grpSpPr>
+      <p:sp>
+        <p:nvSpPr>
+          <p:cNvPr id="2" name="Titel 1"/>
+          <p:cNvSpPr>
+            <a:spLocks noGrp="1"/>
+          </p:cNvSpPr>
+          <p:nvPr>
+            <p:ph type="title"/>
+          </p:nvPr>
+        </p:nvSpPr>
+        <p:spPr/>
+        <p:txBody>
+          <a:bodyPr>
+            <a:normAutofit/>
+          </a:bodyPr>
+          <a:lstStyle/>
+          <a:p>
+            <a:r>
               <a:rPr lang="de-DE" dirty="0" smtClean="0"/>
               <a:t>Forward </a:t>
             </a:r>
@@ -4197,7 +4469,6 @@
               <a:rPr lang="de-DE" dirty="0"/>
               <a:t>Secrecy-Motivation: </a:t>
             </a:r>
-            <a:endParaRPr lang="de-DE" dirty="0"/>
           </a:p>
         </p:txBody>
       </p:sp>
@@ -4438,7 +4709,7 @@
           </a:prstGeom>
           <a:noFill/>
           <a:extLst>
-            <a:ext uri="{909E8E84-426E-40DD-AFC4-6F175D3DCCD1}">
+            <a:ext uri="{909E8E84-426E-40dd-AFC4-6F175D3DCCD1}">
               <a14:hiddenFill xmlns:a14="http://schemas.microsoft.com/office/drawing/2010/main">
                 <a:solidFill>
                   <a:srgbClr val="FFFFFF"/>
@@ -4458,10 +4729,17 @@
   <p:clrMapOvr>
     <a:masterClrMapping/>
   </p:clrMapOvr>
+  <p:timing>
+    <p:tnLst>
+      <p:par>
+        <p:cTn xmlns:p14="http://schemas.microsoft.com/office/powerpoint/2010/main" id="1" dur="indefinite" restart="never" nodeType="tmRoot"/>
+      </p:par>
+    </p:tnLst>
+  </p:timing>
 </p:sld>
 </file>
 
-<file path=ppt/slides/slide12.xml><?xml version="1.0" encoding="utf-8"?>
+<file path=ppt/slides/slide14.xml><?xml version="1.0" encoding="utf-8"?>
 <p:sld xmlns:a="http://schemas.openxmlformats.org/drawingml/2006/main" xmlns:r="http://schemas.openxmlformats.org/officeDocument/2006/relationships" xmlns:p="http://schemas.openxmlformats.org/presentationml/2006/main">
   <p:cSld>
     <p:spTree>
@@ -4796,10 +5074,17 @@
   <p:clrMapOvr>
     <a:masterClrMapping/>
   </p:clrMapOvr>
+  <p:timing>
+    <p:tnLst>
+      <p:par>
+        <p:cTn xmlns:p14="http://schemas.microsoft.com/office/powerpoint/2010/main" id="1" dur="indefinite" restart="never" nodeType="tmRoot"/>
+      </p:par>
+    </p:tnLst>
+  </p:timing>
 </p:sld>
 </file>
 
-<file path=ppt/slides/slide13.xml><?xml version="1.0" encoding="utf-8"?>
+<file path=ppt/slides/slide15.xml><?xml version="1.0" encoding="utf-8"?>
 <p:sld xmlns:a="http://schemas.openxmlformats.org/drawingml/2006/main" xmlns:r="http://schemas.openxmlformats.org/officeDocument/2006/relationships" xmlns:p="http://schemas.openxmlformats.org/presentationml/2006/main">
   <p:cSld>
     <p:spTree>
@@ -4984,14 +5269,14 @@
             <a:noFill/>
           </a:ln>
           <a:extLst>
-            <a:ext uri="{909E8E84-426E-40DD-AFC4-6F175D3DCCD1}">
+            <a:ext uri="{909E8E84-426E-40dd-AFC4-6F175D3DCCD1}">
               <a14:hiddenFill xmlns:a14="http://schemas.microsoft.com/office/drawing/2010/main">
                 <a:solidFill>
                   <a:schemeClr val="accent1"/>
                 </a:solidFill>
               </a14:hiddenFill>
             </a:ext>
-            <a:ext uri="{91240B29-F687-4F45-9708-019B960494DF}">
+            <a:ext uri="{91240B29-F687-4f45-9708-019B960494DF}">
               <a14:hiddenLine xmlns:a14="http://schemas.microsoft.com/office/drawing/2010/main" w="9525">
                 <a:solidFill>
                   <a:schemeClr val="tx1"/>
@@ -5014,10 +5299,17 @@
   <p:clrMapOvr>
     <a:masterClrMapping/>
   </p:clrMapOvr>
+  <p:timing>
+    <p:tnLst>
+      <p:par>
+        <p:cTn xmlns:p14="http://schemas.microsoft.com/office/powerpoint/2010/main" id="1" dur="indefinite" restart="never" nodeType="tmRoot"/>
+      </p:par>
+    </p:tnLst>
+  </p:timing>
 </p:sld>
 </file>
 
-<file path=ppt/slides/slide14.xml><?xml version="1.0" encoding="utf-8"?>
+<file path=ppt/slides/slide16.xml><?xml version="1.0" encoding="utf-8"?>
 <p:sld xmlns:a="http://schemas.openxmlformats.org/drawingml/2006/main" xmlns:r="http://schemas.openxmlformats.org/officeDocument/2006/relationships" xmlns:p="http://schemas.openxmlformats.org/presentationml/2006/main">
   <p:cSld>
     <p:spTree>
@@ -5087,11 +5379,7 @@
             <a:pPr lvl="1"/>
             <a:r>
               <a:rPr lang="de-DE" dirty="0" smtClean="0"/>
-              <a:t>Dual </a:t>
-            </a:r>
-            <a:r>
-              <a:rPr lang="de-DE" dirty="0" smtClean="0"/>
-              <a:t>EC_DRBG </a:t>
+              <a:t>Dual EC_DRBG </a:t>
             </a:r>
             <a:r>
               <a:rPr lang="de-DE" dirty="0" err="1" smtClean="0"/>
@@ -5133,7 +5421,6 @@
               <a:rPr lang="de-DE" dirty="0" smtClean="0"/>
               <a:t>)</a:t>
             </a:r>
-            <a:endParaRPr lang="de-DE" dirty="0" smtClean="0"/>
           </a:p>
           <a:p>
             <a:pPr lvl="1"/>
@@ -5389,7 +5676,7 @@
 </p:sld>
 </file>
 
-<file path=ppt/slides/slide15.xml><?xml version="1.0" encoding="utf-8"?>
+<file path=ppt/slides/slide17.xml><?xml version="1.0" encoding="utf-8"?>
 <p:sld xmlns:a="http://schemas.openxmlformats.org/drawingml/2006/main" xmlns:r="http://schemas.openxmlformats.org/officeDocument/2006/relationships" xmlns:p="http://schemas.openxmlformats.org/presentationml/2006/main">
   <p:cSld>
     <p:spTree>
@@ -5491,7 +5778,7 @@
 </p:sld>
 </file>
 
-<file path=ppt/slides/slide16.xml><?xml version="1.0" encoding="utf-8"?>
+<file path=ppt/slides/slide18.xml><?xml version="1.0" encoding="utf-8"?>
 <p:sld xmlns:a="http://schemas.openxmlformats.org/drawingml/2006/main" xmlns:r="http://schemas.openxmlformats.org/officeDocument/2006/relationships" xmlns:p="http://schemas.openxmlformats.org/presentationml/2006/main">
   <p:cSld>
     <p:spTree>
@@ -5788,14 +6075,14 @@
             <a:noFill/>
           </a:ln>
           <a:extLst>
-            <a:ext uri="{909E8E84-426E-40DD-AFC4-6F175D3DCCD1}">
+            <a:ext uri="{909E8E84-426E-40dd-AFC4-6F175D3DCCD1}">
               <a14:hiddenFill xmlns:a14="http://schemas.microsoft.com/office/drawing/2010/main">
                 <a:solidFill>
                   <a:schemeClr val="accent1"/>
                 </a:solidFill>
               </a14:hiddenFill>
             </a:ext>
-            <a:ext uri="{91240B29-F687-4F45-9708-019B960494DF}">
+            <a:ext uri="{91240B29-F687-4f45-9708-019B960494DF}">
               <a14:hiddenLine xmlns:a14="http://schemas.microsoft.com/office/drawing/2010/main" w="9525">
                 <a:solidFill>
                   <a:schemeClr val="tx1"/>
@@ -5821,7 +6108,7 @@
 </p:sld>
 </file>
 
-<file path=ppt/slides/slide17.xml><?xml version="1.0" encoding="utf-8"?>
+<file path=ppt/slides/slide19.xml><?xml version="1.0" encoding="utf-8"?>
 <p:sld xmlns:a="http://schemas.openxmlformats.org/drawingml/2006/main" xmlns:r="http://schemas.openxmlformats.org/officeDocument/2006/relationships" xmlns:p="http://schemas.openxmlformats.org/presentationml/2006/main">
   <p:cSld>
     <p:spTree>
@@ -6009,14 +6296,14 @@
             <a:noFill/>
           </a:ln>
           <a:extLst>
-            <a:ext uri="{909E8E84-426E-40DD-AFC4-6F175D3DCCD1}">
+            <a:ext uri="{909E8E84-426E-40dd-AFC4-6F175D3DCCD1}">
               <a14:hiddenFill xmlns:a14="http://schemas.microsoft.com/office/drawing/2010/main">
                 <a:solidFill>
                   <a:schemeClr val="accent1"/>
                 </a:solidFill>
               </a14:hiddenFill>
             </a:ext>
-            <a:ext uri="{91240B29-F687-4F45-9708-019B960494DF}">
+            <a:ext uri="{91240B29-F687-4f45-9708-019B960494DF}">
               <a14:hiddenLine xmlns:a14="http://schemas.microsoft.com/office/drawing/2010/main" w="9525">
                 <a:solidFill>
                   <a:schemeClr val="tx1"/>
@@ -6042,405 +6329,6 @@
 </p:sld>
 </file>
 
-<file path=ppt/slides/slide18.xml><?xml version="1.0" encoding="utf-8"?>
-<p:sld xmlns:a="http://schemas.openxmlformats.org/drawingml/2006/main" xmlns:r="http://schemas.openxmlformats.org/officeDocument/2006/relationships" xmlns:p="http://schemas.openxmlformats.org/presentationml/2006/main">
-  <p:cSld>
-    <p:spTree>
-      <p:nvGrpSpPr>
-        <p:cNvPr id="1" name=""/>
-        <p:cNvGrpSpPr/>
-        <p:nvPr/>
-      </p:nvGrpSpPr>
-      <p:grpSpPr>
-        <a:xfrm>
-          <a:off x="0" y="0"/>
-          <a:ext cx="0" cy="0"/>
-          <a:chOff x="0" y="0"/>
-          <a:chExt cx="0" cy="0"/>
-        </a:xfrm>
-      </p:grpSpPr>
-      <p:sp>
-        <p:nvSpPr>
-          <p:cNvPr id="4" name="Titel 3"/>
-          <p:cNvSpPr>
-            <a:spLocks noGrp="1"/>
-          </p:cNvSpPr>
-          <p:nvPr>
-            <p:ph type="title"/>
-          </p:nvPr>
-        </p:nvSpPr>
-        <p:spPr/>
-        <p:txBody>
-          <a:bodyPr/>
-          <a:lstStyle/>
-          <a:p>
-            <a:r>
-              <a:rPr lang="de-DE" dirty="0" err="1" smtClean="0"/>
-              <a:t>Cipher</a:t>
-            </a:r>
-            <a:r>
-              <a:rPr lang="de-DE" dirty="0" smtClean="0"/>
-              <a:t> </a:t>
-            </a:r>
-            <a:r>
-              <a:rPr lang="de-DE" dirty="0" err="1" smtClean="0"/>
-              <a:t>suites</a:t>
-            </a:r>
-            <a:endParaRPr lang="de-DE" dirty="0"/>
-          </a:p>
-        </p:txBody>
-      </p:sp>
-      <p:sp>
-        <p:nvSpPr>
-          <p:cNvPr id="5" name="Textplatzhalter 4"/>
-          <p:cNvSpPr>
-            <a:spLocks noGrp="1"/>
-          </p:cNvSpPr>
-          <p:nvPr>
-            <p:ph type="body" idx="1"/>
-          </p:nvPr>
-        </p:nvSpPr>
-        <p:spPr/>
-        <p:txBody>
-          <a:bodyPr/>
-          <a:lstStyle/>
-          <a:p>
-            <a:endParaRPr lang="de-DE"/>
-          </a:p>
-        </p:txBody>
-      </p:sp>
-    </p:spTree>
-    <p:extLst>
-      <p:ext uri="{BB962C8B-B14F-4D97-AF65-F5344CB8AC3E}">
-        <p14:creationId xmlns:p14="http://schemas.microsoft.com/office/powerpoint/2010/main" val="293412987"/>
-      </p:ext>
-    </p:extLst>
-  </p:cSld>
-  <p:clrMapOvr>
-    <a:masterClrMapping/>
-  </p:clrMapOvr>
-</p:sld>
-</file>
-
-<file path=ppt/slides/slide19.xml><?xml version="1.0" encoding="utf-8"?>
-<p:sld xmlns:a="http://schemas.openxmlformats.org/drawingml/2006/main" xmlns:r="http://schemas.openxmlformats.org/officeDocument/2006/relationships" xmlns:p="http://schemas.openxmlformats.org/presentationml/2006/main">
-  <p:cSld>
-    <p:spTree>
-      <p:nvGrpSpPr>
-        <p:cNvPr id="1" name=""/>
-        <p:cNvGrpSpPr/>
-        <p:nvPr/>
-      </p:nvGrpSpPr>
-      <p:grpSpPr>
-        <a:xfrm>
-          <a:off x="0" y="0"/>
-          <a:ext cx="0" cy="0"/>
-          <a:chOff x="0" y="0"/>
-          <a:chExt cx="0" cy="0"/>
-        </a:xfrm>
-      </p:grpSpPr>
-      <p:sp>
-        <p:nvSpPr>
-          <p:cNvPr id="2" name="Titel 1"/>
-          <p:cNvSpPr>
-            <a:spLocks noGrp="1"/>
-          </p:cNvSpPr>
-          <p:nvPr>
-            <p:ph type="title"/>
-          </p:nvPr>
-        </p:nvSpPr>
-        <p:spPr/>
-        <p:txBody>
-          <a:bodyPr/>
-          <a:lstStyle/>
-          <a:p>
-            <a:r>
-              <a:rPr lang="de-DE" dirty="0" err="1" smtClean="0"/>
-              <a:t>Some</a:t>
-            </a:r>
-            <a:r>
-              <a:rPr lang="de-DE" dirty="0" smtClean="0"/>
-              <a:t> </a:t>
-            </a:r>
-            <a:r>
-              <a:rPr lang="de-DE" dirty="0" err="1" smtClean="0"/>
-              <a:t>general</a:t>
-            </a:r>
-            <a:r>
-              <a:rPr lang="de-DE" dirty="0" smtClean="0"/>
-              <a:t> </a:t>
-            </a:r>
-            <a:r>
-              <a:rPr lang="de-DE" dirty="0" err="1" smtClean="0"/>
-              <a:t>thoughts</a:t>
-            </a:r>
-            <a:r>
-              <a:rPr lang="de-DE" dirty="0" smtClean="0"/>
-              <a:t> on </a:t>
-            </a:r>
-            <a:r>
-              <a:rPr lang="de-DE" dirty="0" err="1" smtClean="0"/>
-              <a:t>settings</a:t>
-            </a:r>
-            <a:endParaRPr lang="de-DE" dirty="0"/>
-          </a:p>
-        </p:txBody>
-      </p:sp>
-      <p:sp>
-        <p:nvSpPr>
-          <p:cNvPr id="3" name="Inhaltsplatzhalter 2"/>
-          <p:cNvSpPr>
-            <a:spLocks noGrp="1"/>
-          </p:cNvSpPr>
-          <p:nvPr>
-            <p:ph idx="1"/>
-          </p:nvPr>
-        </p:nvSpPr>
-        <p:spPr/>
-        <p:txBody>
-          <a:bodyPr>
-            <a:normAutofit/>
-          </a:bodyPr>
-          <a:lstStyle/>
-          <a:p>
-            <a:r>
-              <a:rPr lang="de-DE" dirty="0"/>
-              <a:t>General</a:t>
-            </a:r>
-          </a:p>
-          <a:p>
-            <a:pPr lvl="1"/>
-            <a:r>
-              <a:rPr lang="de-DE" sz="2200" dirty="0" err="1"/>
-              <a:t>Disable</a:t>
-            </a:r>
-            <a:r>
-              <a:rPr lang="de-DE" sz="2200" dirty="0"/>
-              <a:t> SSL 2.0 (</a:t>
-            </a:r>
-            <a:r>
-              <a:rPr lang="de-DE" sz="2200" dirty="0" err="1"/>
-              <a:t>weak</a:t>
-            </a:r>
-            <a:r>
-              <a:rPr lang="de-DE" sz="2200" dirty="0"/>
-              <a:t> </a:t>
-            </a:r>
-            <a:r>
-              <a:rPr lang="de-DE" sz="2200" dirty="0" err="1"/>
-              <a:t>algorithms</a:t>
-            </a:r>
-            <a:r>
-              <a:rPr lang="de-DE" sz="2200" dirty="0"/>
-              <a:t>)</a:t>
-            </a:r>
-          </a:p>
-          <a:p>
-            <a:pPr lvl="1"/>
-            <a:r>
-              <a:rPr lang="de-DE" sz="2200" dirty="0" err="1"/>
-              <a:t>Disable</a:t>
-            </a:r>
-            <a:r>
-              <a:rPr lang="de-DE" sz="2200" dirty="0"/>
-              <a:t> SSL 3.0 (BEAST </a:t>
-            </a:r>
-            <a:r>
-              <a:rPr lang="de-DE" sz="2200" dirty="0" err="1"/>
-              <a:t>vs</a:t>
-            </a:r>
-            <a:r>
-              <a:rPr lang="de-DE" sz="2200" dirty="0"/>
-              <a:t> IE/XP)</a:t>
-            </a:r>
-          </a:p>
-          <a:p>
-            <a:pPr lvl="1"/>
-            <a:r>
-              <a:rPr lang="de-DE" sz="2200" dirty="0" err="1"/>
-              <a:t>Enable</a:t>
-            </a:r>
-            <a:r>
-              <a:rPr lang="de-DE" sz="2200" dirty="0"/>
-              <a:t> TLS 1.0 </a:t>
-            </a:r>
-            <a:r>
-              <a:rPr lang="de-DE" sz="2200" dirty="0" err="1"/>
-              <a:t>or</a:t>
-            </a:r>
-            <a:r>
-              <a:rPr lang="de-DE" sz="2200" dirty="0"/>
-              <a:t> </a:t>
-            </a:r>
-            <a:r>
-              <a:rPr lang="de-DE" sz="2200" dirty="0" err="1"/>
-              <a:t>better</a:t>
-            </a:r>
-            <a:endParaRPr lang="de-DE" sz="2200" dirty="0"/>
-          </a:p>
-          <a:p>
-            <a:pPr lvl="1"/>
-            <a:r>
-              <a:rPr lang="de-DE" sz="2200" dirty="0" err="1"/>
-              <a:t>Disable</a:t>
-            </a:r>
-            <a:r>
-              <a:rPr lang="de-DE" sz="2200" dirty="0"/>
-              <a:t> TLS-</a:t>
-            </a:r>
-            <a:r>
-              <a:rPr lang="de-DE" sz="2200" dirty="0" err="1"/>
-              <a:t>Compression</a:t>
-            </a:r>
-            <a:r>
-              <a:rPr lang="de-DE" sz="2200" dirty="0"/>
-              <a:t> (SSL-CRIME </a:t>
-            </a:r>
-            <a:r>
-              <a:rPr lang="de-DE" sz="2200" dirty="0" err="1"/>
-              <a:t>Attack</a:t>
-            </a:r>
-            <a:r>
-              <a:rPr lang="de-DE" sz="2200" dirty="0"/>
-              <a:t>)</a:t>
-            </a:r>
-          </a:p>
-          <a:p>
-            <a:pPr lvl="1"/>
-            <a:r>
-              <a:rPr lang="de-DE" sz="2200" dirty="0" err="1"/>
-              <a:t>Implement</a:t>
-            </a:r>
-            <a:r>
-              <a:rPr lang="de-DE" sz="2200" dirty="0"/>
-              <a:t> HSTS (HTTP </a:t>
-            </a:r>
-            <a:r>
-              <a:rPr lang="de-DE" sz="2200" dirty="0" err="1"/>
-              <a:t>Strict</a:t>
-            </a:r>
-            <a:r>
-              <a:rPr lang="de-DE" sz="2200" dirty="0"/>
-              <a:t> Transport Security)</a:t>
-            </a:r>
-          </a:p>
-          <a:p>
-            <a:r>
-              <a:rPr lang="de-DE" dirty="0" smtClean="0"/>
-              <a:t>Variant A: </a:t>
-            </a:r>
-            <a:r>
-              <a:rPr lang="de-DE" dirty="0" err="1" smtClean="0"/>
-              <a:t>fewer</a:t>
-            </a:r>
-            <a:r>
-              <a:rPr lang="de-DE" dirty="0" smtClean="0"/>
-              <a:t> </a:t>
-            </a:r>
-            <a:r>
-              <a:rPr lang="de-DE" dirty="0" err="1" smtClean="0"/>
-              <a:t>supported</a:t>
-            </a:r>
-            <a:r>
-              <a:rPr lang="de-DE" dirty="0" smtClean="0"/>
-              <a:t> </a:t>
-            </a:r>
-            <a:r>
-              <a:rPr lang="de-DE" dirty="0" err="1" smtClean="0"/>
-              <a:t>clients</a:t>
-            </a:r>
-            <a:endParaRPr lang="de-DE" dirty="0" smtClean="0"/>
-          </a:p>
-          <a:p>
-            <a:r>
-              <a:rPr lang="de-DE" dirty="0" smtClean="0"/>
-              <a:t>Variant B: </a:t>
-            </a:r>
-            <a:r>
-              <a:rPr lang="de-DE" dirty="0" err="1" smtClean="0"/>
-              <a:t>more</a:t>
-            </a:r>
-            <a:r>
-              <a:rPr lang="de-DE" dirty="0" smtClean="0"/>
-              <a:t> </a:t>
-            </a:r>
-            <a:r>
-              <a:rPr lang="de-DE" dirty="0" err="1" smtClean="0"/>
-              <a:t>clients</a:t>
-            </a:r>
-            <a:r>
-              <a:rPr lang="de-DE" dirty="0" smtClean="0"/>
-              <a:t>, </a:t>
-            </a:r>
-            <a:r>
-              <a:rPr lang="de-DE" dirty="0" err="1" smtClean="0"/>
-              <a:t>weaker</a:t>
-            </a:r>
-            <a:r>
-              <a:rPr lang="de-DE" dirty="0" smtClean="0"/>
-              <a:t> </a:t>
-            </a:r>
-            <a:r>
-              <a:rPr lang="de-DE" dirty="0" err="1" smtClean="0"/>
-              <a:t>settings</a:t>
-            </a:r>
-            <a:endParaRPr lang="de-DE" dirty="0" smtClean="0"/>
-          </a:p>
-          <a:p>
-            <a:endParaRPr lang="de-DE" dirty="0"/>
-          </a:p>
-        </p:txBody>
-      </p:sp>
-      <p:sp>
-        <p:nvSpPr>
-          <p:cNvPr id="5" name="Textfeld 4"/>
-          <p:cNvSpPr txBox="1"/>
-          <p:nvPr/>
-        </p:nvSpPr>
-        <p:spPr>
-          <a:xfrm>
-            <a:off x="7318323" y="6126163"/>
-            <a:ext cx="1676031" cy="369332"/>
-          </a:xfrm>
-          <a:prstGeom prst="rect">
-            <a:avLst/>
-          </a:prstGeom>
-          <a:noFill/>
-        </p:spPr>
-        <p:txBody>
-          <a:bodyPr wrap="square" rtlCol="0">
-            <a:spAutoFit/>
-          </a:bodyPr>
-          <a:lstStyle/>
-          <a:p>
-            <a:r>
-              <a:rPr lang="de-DE" dirty="0" smtClean="0"/>
-              <a:t>Ramin, Daniel</a:t>
-            </a:r>
-            <a:endParaRPr lang="de-DE" dirty="0"/>
-          </a:p>
-        </p:txBody>
-      </p:sp>
-    </p:spTree>
-    <p:extLst>
-      <p:ext uri="{BB962C8B-B14F-4D97-AF65-F5344CB8AC3E}">
-        <p14:creationId xmlns:p14="http://schemas.microsoft.com/office/powerpoint/2010/main" val="1681068627"/>
-      </p:ext>
-    </p:extLst>
-  </p:cSld>
-  <p:clrMapOvr>
-    <a:masterClrMapping/>
-  </p:clrMapOvr>
-  <p:timing>
-    <p:tnLst>
-      <p:par>
-        <p:cTn id="1" dur="indefinite" restart="never" nodeType="tmRoot"/>
-      </p:par>
-    </p:tnLst>
-  </p:timing>
-</p:sld>
-</file>
-
 <file path=ppt/slides/slide2.xml><?xml version="1.0" encoding="utf-8"?>
 <p:sld xmlns:a="http://schemas.openxmlformats.org/drawingml/2006/main" xmlns:r="http://schemas.openxmlformats.org/officeDocument/2006/relationships" xmlns:p="http://schemas.openxmlformats.org/presentationml/2006/main">
   <p:cSld>
@@ -6508,7 +6396,7 @@
         </p:nvSpPr>
         <p:spPr>
           <a:xfrm>
-            <a:off x="6713249" y="682999"/>
+            <a:off x="7852580" y="6488668"/>
             <a:ext cx="1291420" cy="369332"/>
           </a:xfrm>
           <a:prstGeom prst="rect">
@@ -6543,7 +6431,7 @@
   <p:timing>
     <p:tnLst>
       <p:par>
-        <p:cTn id="1" dur="indefinite" restart="never" nodeType="tmRoot"/>
+        <p:cTn xmlns:p14="http://schemas.microsoft.com/office/powerpoint/2010/main" id="1" dur="indefinite" restart="never" nodeType="tmRoot"/>
       </p:par>
     </p:tnLst>
   </p:timing>
@@ -6569,7 +6457,7 @@
       </p:grpSpPr>
       <p:sp>
         <p:nvSpPr>
-          <p:cNvPr id="2" name="Titel 1"/>
+          <p:cNvPr id="4" name="Titel 3"/>
           <p:cNvSpPr>
             <a:spLocks noGrp="1"/>
           </p:cNvSpPr>
@@ -6583,8 +6471,16 @@
           <a:lstStyle/>
           <a:p>
             <a:r>
-              <a:rPr lang="de-DE" dirty="0" smtClean="0"/>
-              <a:t>Variant A</a:t>
+              <a:rPr lang="de-DE" dirty="0" err="1" smtClean="0"/>
+              <a:t>Cipher</a:t>
+            </a:r>
+            <a:r>
+              <a:rPr lang="de-DE" dirty="0" smtClean="0"/>
+              <a:t> </a:t>
+            </a:r>
+            <a:r>
+              <a:rPr lang="de-DE" dirty="0" err="1" smtClean="0"/>
+              <a:t>suites</a:t>
             </a:r>
             <a:endParaRPr lang="de-DE" dirty="0"/>
           </a:p>
@@ -6592,247 +6488,27 @@
       </p:sp>
       <p:sp>
         <p:nvSpPr>
-          <p:cNvPr id="3" name="Inhaltsplatzhalter 2"/>
-          <p:cNvSpPr>
-            <a:spLocks noGrp="1"/>
-          </p:cNvSpPr>
-          <p:nvPr>
-            <p:ph idx="1"/>
+          <p:cNvPr id="5" name="Textplatzhalter 4"/>
+          <p:cNvSpPr>
+            <a:spLocks noGrp="1"/>
+          </p:cNvSpPr>
+          <p:nvPr>
+            <p:ph type="body" idx="1"/>
           </p:nvPr>
         </p:nvSpPr>
         <p:spPr/>
         <p:txBody>
-          <a:bodyPr>
-            <a:normAutofit fontScale="92500" lnSpcReduction="20000"/>
-          </a:bodyPr>
-          <a:lstStyle/>
-          <a:p>
-            <a:pPr marL="0" indent="0">
-              <a:buNone/>
-            </a:pPr>
-            <a:r>
-              <a:rPr lang="de-DE" dirty="0"/>
-              <a:t>’</a:t>
-            </a:r>
-            <a:r>
-              <a:rPr lang="de-DE" dirty="0">
-                <a:solidFill>
-                  <a:srgbClr val="FF0000"/>
-                </a:solidFill>
-              </a:rPr>
-              <a:t>E</a:t>
-            </a:r>
-            <a:r>
-              <a:rPr lang="de-DE" dirty="0"/>
-              <a:t>ECDH+aRSA+AES256:EDH+aRSA+AES256:!SSLv3’ </a:t>
-            </a:r>
-            <a:endParaRPr lang="de-DE" dirty="0" smtClean="0"/>
-          </a:p>
-          <a:p>
-            <a:endParaRPr lang="de-DE" dirty="0"/>
-          </a:p>
-          <a:p>
-            <a:endParaRPr lang="de-DE" dirty="0" smtClean="0"/>
-          </a:p>
-          <a:p>
-            <a:endParaRPr lang="de-DE" dirty="0" smtClean="0"/>
-          </a:p>
-          <a:p>
-            <a:endParaRPr lang="de-DE" dirty="0" smtClean="0"/>
-          </a:p>
-          <a:p>
-            <a:pPr marL="0" indent="0">
-              <a:buNone/>
-            </a:pPr>
-            <a:r>
-              <a:rPr lang="de-DE" b="1" dirty="0" err="1" smtClean="0"/>
-              <a:t>Compatibility</a:t>
-            </a:r>
-            <a:r>
-              <a:rPr lang="de-DE" dirty="0" smtClean="0"/>
-              <a:t>: </a:t>
-            </a:r>
-          </a:p>
-          <a:p>
-            <a:pPr marL="0" indent="0">
-              <a:buNone/>
-            </a:pPr>
-            <a:r>
-              <a:rPr lang="de-DE" dirty="0" err="1"/>
-              <a:t>Only</a:t>
-            </a:r>
-            <a:r>
-              <a:rPr lang="de-DE" dirty="0"/>
-              <a:t> </a:t>
-            </a:r>
-            <a:r>
-              <a:rPr lang="de-DE" dirty="0" err="1"/>
-              <a:t>clients</a:t>
-            </a:r>
-            <a:r>
-              <a:rPr lang="de-DE" dirty="0"/>
-              <a:t> </a:t>
-            </a:r>
-            <a:r>
-              <a:rPr lang="de-DE" dirty="0" err="1"/>
-              <a:t>which</a:t>
-            </a:r>
-            <a:r>
-              <a:rPr lang="de-DE" dirty="0"/>
-              <a:t> support TLS1.2 are </a:t>
-            </a:r>
-            <a:r>
-              <a:rPr lang="de-DE" dirty="0" err="1"/>
-              <a:t>covered</a:t>
-            </a:r>
-            <a:r>
-              <a:rPr lang="de-DE" dirty="0"/>
-              <a:t> </a:t>
-            </a:r>
-            <a:r>
-              <a:rPr lang="de-DE" dirty="0" err="1"/>
-              <a:t>by</a:t>
-            </a:r>
-            <a:r>
-              <a:rPr lang="de-DE" dirty="0"/>
-              <a:t> </a:t>
-            </a:r>
-            <a:r>
-              <a:rPr lang="de-DE" dirty="0" err="1"/>
-              <a:t>these</a:t>
-            </a:r>
-            <a:r>
-              <a:rPr lang="de-DE" dirty="0"/>
-              <a:t> </a:t>
-            </a:r>
-            <a:r>
-              <a:rPr lang="de-DE" dirty="0" err="1"/>
-              <a:t>cipher</a:t>
-            </a:r>
-            <a:r>
-              <a:rPr lang="de-DE" dirty="0"/>
-              <a:t> </a:t>
-            </a:r>
-            <a:r>
-              <a:rPr lang="de-DE" dirty="0" err="1"/>
-              <a:t>suites</a:t>
-            </a:r>
-            <a:r>
-              <a:rPr lang="de-DE" dirty="0"/>
-              <a:t> (Chrome 30, </a:t>
-            </a:r>
-            <a:r>
-              <a:rPr lang="de-DE" dirty="0" err="1"/>
-              <a:t>Win</a:t>
-            </a:r>
-            <a:r>
-              <a:rPr lang="de-DE" dirty="0"/>
-              <a:t> 7 </a:t>
-            </a:r>
-            <a:r>
-              <a:rPr lang="de-DE" dirty="0" err="1"/>
-              <a:t>and</a:t>
-            </a:r>
-            <a:r>
-              <a:rPr lang="de-DE" dirty="0"/>
-              <a:t> </a:t>
-            </a:r>
-            <a:r>
-              <a:rPr lang="de-DE" dirty="0" err="1"/>
-              <a:t>Win</a:t>
-            </a:r>
-            <a:r>
-              <a:rPr lang="de-DE" dirty="0"/>
-              <a:t> </a:t>
-            </a:r>
-            <a:r>
-              <a:rPr lang="de-DE" dirty="0" smtClean="0"/>
-              <a:t>8.1, </a:t>
-            </a:r>
-            <a:r>
-              <a:rPr lang="de-DE" dirty="0"/>
-              <a:t>Opera 17, </a:t>
-            </a:r>
-            <a:r>
-              <a:rPr lang="de-DE" dirty="0" err="1"/>
-              <a:t>OpenSSL</a:t>
-            </a:r>
-            <a:r>
-              <a:rPr lang="de-DE" dirty="0"/>
-              <a:t> ≥ 1.0.1e, Safari 6 / </a:t>
-            </a:r>
-            <a:r>
-              <a:rPr lang="de-DE" dirty="0" err="1"/>
-              <a:t>iOS</a:t>
-            </a:r>
-            <a:r>
-              <a:rPr lang="de-DE" dirty="0"/>
-              <a:t> 6.0.1, Safari 7 / OS X 10.9) </a:t>
-            </a:r>
-          </a:p>
-          <a:p>
-            <a:endParaRPr lang="de-DE" dirty="0"/>
-          </a:p>
-        </p:txBody>
-      </p:sp>
-      <p:pic>
-        <p:nvPicPr>
-          <p:cNvPr id="4" name="Bild 3"/>
-          <p:cNvPicPr>
-            <a:picLocks noChangeAspect="1"/>
-          </p:cNvPicPr>
-          <p:nvPr/>
-        </p:nvPicPr>
-        <p:blipFill>
-          <a:blip r:embed="rId2"/>
-          <a:stretch>
-            <a:fillRect/>
-          </a:stretch>
-        </p:blipFill>
-        <p:spPr>
-          <a:xfrm>
-            <a:off x="728709" y="2337415"/>
-            <a:ext cx="7686582" cy="1462780"/>
-          </a:xfrm>
-          <a:prstGeom prst="rect">
-            <a:avLst/>
-          </a:prstGeom>
-        </p:spPr>
-      </p:pic>
-      <p:sp>
-        <p:nvSpPr>
-          <p:cNvPr id="5" name="Textfeld 4"/>
-          <p:cNvSpPr txBox="1"/>
-          <p:nvPr/>
-        </p:nvSpPr>
-        <p:spPr>
-          <a:xfrm>
-            <a:off x="7318323" y="6126163"/>
-            <a:ext cx="1676031" cy="369332"/>
-          </a:xfrm>
-          <a:prstGeom prst="rect">
-            <a:avLst/>
-          </a:prstGeom>
-          <a:noFill/>
-        </p:spPr>
-        <p:txBody>
-          <a:bodyPr wrap="square" rtlCol="0">
-            <a:spAutoFit/>
-          </a:bodyPr>
-          <a:lstStyle/>
-          <a:p>
-            <a:r>
-              <a:rPr lang="de-DE" dirty="0" smtClean="0"/>
-              <a:t>Ramin, Daniel</a:t>
-            </a:r>
-            <a:endParaRPr lang="de-DE" dirty="0"/>
+          <a:bodyPr/>
+          <a:lstStyle/>
+          <a:p>
+            <a:endParaRPr lang="de-DE"/>
           </a:p>
         </p:txBody>
       </p:sp>
     </p:spTree>
     <p:extLst>
       <p:ext uri="{BB962C8B-B14F-4D97-AF65-F5344CB8AC3E}">
-        <p14:creationId xmlns:p14="http://schemas.microsoft.com/office/powerpoint/2010/main" val="2726979669"/>
+        <p14:creationId xmlns:p14="http://schemas.microsoft.com/office/powerpoint/2010/main" val="293412987"/>
       </p:ext>
     </p:extLst>
   </p:cSld>
@@ -6875,6 +6551,617 @@
           <a:lstStyle/>
           <a:p>
             <a:r>
+              <a:rPr lang="de-DE" dirty="0" err="1" smtClean="0"/>
+              <a:t>Some</a:t>
+            </a:r>
+            <a:r>
+              <a:rPr lang="de-DE" dirty="0" smtClean="0"/>
+              <a:t> </a:t>
+            </a:r>
+            <a:r>
+              <a:rPr lang="de-DE" dirty="0" err="1" smtClean="0"/>
+              <a:t>general</a:t>
+            </a:r>
+            <a:r>
+              <a:rPr lang="de-DE" dirty="0" smtClean="0"/>
+              <a:t> </a:t>
+            </a:r>
+            <a:r>
+              <a:rPr lang="de-DE" dirty="0" err="1" smtClean="0"/>
+              <a:t>thoughts</a:t>
+            </a:r>
+            <a:r>
+              <a:rPr lang="de-DE" dirty="0" smtClean="0"/>
+              <a:t> on </a:t>
+            </a:r>
+            <a:r>
+              <a:rPr lang="de-DE" dirty="0" err="1" smtClean="0"/>
+              <a:t>settings</a:t>
+            </a:r>
+            <a:endParaRPr lang="de-DE" dirty="0"/>
+          </a:p>
+        </p:txBody>
+      </p:sp>
+      <p:sp>
+        <p:nvSpPr>
+          <p:cNvPr id="3" name="Inhaltsplatzhalter 2"/>
+          <p:cNvSpPr>
+            <a:spLocks noGrp="1"/>
+          </p:cNvSpPr>
+          <p:nvPr>
+            <p:ph idx="1"/>
+          </p:nvPr>
+        </p:nvSpPr>
+        <p:spPr/>
+        <p:txBody>
+          <a:bodyPr>
+            <a:normAutofit/>
+          </a:bodyPr>
+          <a:lstStyle/>
+          <a:p>
+            <a:r>
+              <a:rPr lang="de-DE" dirty="0"/>
+              <a:t>General</a:t>
+            </a:r>
+          </a:p>
+          <a:p>
+            <a:pPr lvl="1"/>
+            <a:r>
+              <a:rPr lang="de-DE" sz="2200" dirty="0" err="1"/>
+              <a:t>Disable</a:t>
+            </a:r>
+            <a:r>
+              <a:rPr lang="de-DE" sz="2200" dirty="0"/>
+              <a:t> SSL 2.0 (</a:t>
+            </a:r>
+            <a:r>
+              <a:rPr lang="de-DE" sz="2200" dirty="0" err="1"/>
+              <a:t>weak</a:t>
+            </a:r>
+            <a:r>
+              <a:rPr lang="de-DE" sz="2200" dirty="0"/>
+              <a:t> </a:t>
+            </a:r>
+            <a:r>
+              <a:rPr lang="de-DE" sz="2200" dirty="0" err="1"/>
+              <a:t>algorithms</a:t>
+            </a:r>
+            <a:r>
+              <a:rPr lang="de-DE" sz="2200" dirty="0"/>
+              <a:t>)</a:t>
+            </a:r>
+          </a:p>
+          <a:p>
+            <a:pPr lvl="1"/>
+            <a:r>
+              <a:rPr lang="de-DE" sz="2200" dirty="0" err="1"/>
+              <a:t>Disable</a:t>
+            </a:r>
+            <a:r>
+              <a:rPr lang="de-DE" sz="2200" dirty="0"/>
+              <a:t> SSL 3.0 (BEAST </a:t>
+            </a:r>
+            <a:r>
+              <a:rPr lang="de-DE" sz="2200" dirty="0" err="1"/>
+              <a:t>vs</a:t>
+            </a:r>
+            <a:r>
+              <a:rPr lang="de-DE" sz="2200" dirty="0"/>
+              <a:t> IE/XP)</a:t>
+            </a:r>
+          </a:p>
+          <a:p>
+            <a:pPr lvl="1"/>
+            <a:r>
+              <a:rPr lang="de-DE" sz="2200" dirty="0" err="1"/>
+              <a:t>Enable</a:t>
+            </a:r>
+            <a:r>
+              <a:rPr lang="de-DE" sz="2200" dirty="0"/>
+              <a:t> TLS 1.0 </a:t>
+            </a:r>
+            <a:r>
+              <a:rPr lang="de-DE" sz="2200" dirty="0" err="1"/>
+              <a:t>or</a:t>
+            </a:r>
+            <a:r>
+              <a:rPr lang="de-DE" sz="2200" dirty="0"/>
+              <a:t> </a:t>
+            </a:r>
+            <a:r>
+              <a:rPr lang="de-DE" sz="2200" dirty="0" err="1"/>
+              <a:t>better</a:t>
+            </a:r>
+            <a:endParaRPr lang="de-DE" sz="2200" dirty="0"/>
+          </a:p>
+          <a:p>
+            <a:pPr lvl="1"/>
+            <a:r>
+              <a:rPr lang="de-DE" sz="2200" dirty="0" err="1"/>
+              <a:t>Disable</a:t>
+            </a:r>
+            <a:r>
+              <a:rPr lang="de-DE" sz="2200" dirty="0"/>
+              <a:t> TLS-</a:t>
+            </a:r>
+            <a:r>
+              <a:rPr lang="de-DE" sz="2200" dirty="0" err="1"/>
+              <a:t>Compression</a:t>
+            </a:r>
+            <a:r>
+              <a:rPr lang="de-DE" sz="2200" dirty="0"/>
+              <a:t> (SSL-CRIME </a:t>
+            </a:r>
+            <a:r>
+              <a:rPr lang="de-DE" sz="2200" dirty="0" err="1"/>
+              <a:t>Attack</a:t>
+            </a:r>
+            <a:r>
+              <a:rPr lang="de-DE" sz="2200" dirty="0"/>
+              <a:t>)</a:t>
+            </a:r>
+          </a:p>
+          <a:p>
+            <a:pPr lvl="1"/>
+            <a:r>
+              <a:rPr lang="de-DE" sz="2200" dirty="0" err="1"/>
+              <a:t>Implement</a:t>
+            </a:r>
+            <a:r>
+              <a:rPr lang="de-DE" sz="2200" dirty="0"/>
+              <a:t> HSTS (HTTP </a:t>
+            </a:r>
+            <a:r>
+              <a:rPr lang="de-DE" sz="2200" dirty="0" err="1"/>
+              <a:t>Strict</a:t>
+            </a:r>
+            <a:r>
+              <a:rPr lang="de-DE" sz="2200" dirty="0"/>
+              <a:t> Transport Security)</a:t>
+            </a:r>
+          </a:p>
+          <a:p>
+            <a:r>
+              <a:rPr lang="de-DE" dirty="0" smtClean="0"/>
+              <a:t>Variant A: </a:t>
+            </a:r>
+            <a:r>
+              <a:rPr lang="de-DE" dirty="0" err="1" smtClean="0"/>
+              <a:t>fewer</a:t>
+            </a:r>
+            <a:r>
+              <a:rPr lang="de-DE" dirty="0" smtClean="0"/>
+              <a:t> </a:t>
+            </a:r>
+            <a:r>
+              <a:rPr lang="de-DE" dirty="0" err="1" smtClean="0"/>
+              <a:t>supported</a:t>
+            </a:r>
+            <a:r>
+              <a:rPr lang="de-DE" dirty="0" smtClean="0"/>
+              <a:t> </a:t>
+            </a:r>
+            <a:r>
+              <a:rPr lang="de-DE" dirty="0" err="1" smtClean="0"/>
+              <a:t>clients</a:t>
+            </a:r>
+            <a:endParaRPr lang="de-DE" dirty="0" smtClean="0"/>
+          </a:p>
+          <a:p>
+            <a:r>
+              <a:rPr lang="de-DE" dirty="0" smtClean="0"/>
+              <a:t>Variant B: </a:t>
+            </a:r>
+            <a:r>
+              <a:rPr lang="de-DE" dirty="0" err="1" smtClean="0"/>
+              <a:t>more</a:t>
+            </a:r>
+            <a:r>
+              <a:rPr lang="de-DE" dirty="0" smtClean="0"/>
+              <a:t> </a:t>
+            </a:r>
+            <a:r>
+              <a:rPr lang="de-DE" dirty="0" err="1" smtClean="0"/>
+              <a:t>clients</a:t>
+            </a:r>
+            <a:r>
+              <a:rPr lang="de-DE" dirty="0" smtClean="0"/>
+              <a:t>, </a:t>
+            </a:r>
+            <a:r>
+              <a:rPr lang="de-DE" dirty="0" err="1" smtClean="0"/>
+              <a:t>weaker</a:t>
+            </a:r>
+            <a:r>
+              <a:rPr lang="de-DE" dirty="0" smtClean="0"/>
+              <a:t> </a:t>
+            </a:r>
+            <a:r>
+              <a:rPr lang="de-DE" dirty="0" err="1" smtClean="0"/>
+              <a:t>settings</a:t>
+            </a:r>
+            <a:endParaRPr lang="de-DE" dirty="0" smtClean="0"/>
+          </a:p>
+          <a:p>
+            <a:endParaRPr lang="de-DE" dirty="0"/>
+          </a:p>
+        </p:txBody>
+      </p:sp>
+      <p:sp>
+        <p:nvSpPr>
+          <p:cNvPr id="5" name="Textfeld 4"/>
+          <p:cNvSpPr txBox="1"/>
+          <p:nvPr/>
+        </p:nvSpPr>
+        <p:spPr>
+          <a:xfrm>
+            <a:off x="7318323" y="6126163"/>
+            <a:ext cx="1676031" cy="369332"/>
+          </a:xfrm>
+          <a:prstGeom prst="rect">
+            <a:avLst/>
+          </a:prstGeom>
+          <a:noFill/>
+        </p:spPr>
+        <p:txBody>
+          <a:bodyPr wrap="square" rtlCol="0">
+            <a:spAutoFit/>
+          </a:bodyPr>
+          <a:lstStyle/>
+          <a:p>
+            <a:r>
+              <a:rPr lang="de-DE" dirty="0" smtClean="0"/>
+              <a:t>Ramin, Daniel</a:t>
+            </a:r>
+            <a:endParaRPr lang="de-DE" dirty="0"/>
+          </a:p>
+        </p:txBody>
+      </p:sp>
+    </p:spTree>
+    <p:extLst>
+      <p:ext uri="{BB962C8B-B14F-4D97-AF65-F5344CB8AC3E}">
+        <p14:creationId xmlns:p14="http://schemas.microsoft.com/office/powerpoint/2010/main" val="1681068627"/>
+      </p:ext>
+    </p:extLst>
+  </p:cSld>
+  <p:clrMapOvr>
+    <a:masterClrMapping/>
+  </p:clrMapOvr>
+  <p:timing>
+    <p:tnLst>
+      <p:par>
+        <p:cTn xmlns:p14="http://schemas.microsoft.com/office/powerpoint/2010/main" id="1" dur="indefinite" restart="never" nodeType="tmRoot"/>
+      </p:par>
+    </p:tnLst>
+  </p:timing>
+</p:sld>
+</file>
+
+<file path=ppt/slides/slide22.xml><?xml version="1.0" encoding="utf-8"?>
+<p:sld xmlns:a="http://schemas.openxmlformats.org/drawingml/2006/main" xmlns:r="http://schemas.openxmlformats.org/officeDocument/2006/relationships" xmlns:p="http://schemas.openxmlformats.org/presentationml/2006/main">
+  <p:cSld>
+    <p:spTree>
+      <p:nvGrpSpPr>
+        <p:cNvPr id="1" name=""/>
+        <p:cNvGrpSpPr/>
+        <p:nvPr/>
+      </p:nvGrpSpPr>
+      <p:grpSpPr>
+        <a:xfrm>
+          <a:off x="0" y="0"/>
+          <a:ext cx="0" cy="0"/>
+          <a:chOff x="0" y="0"/>
+          <a:chExt cx="0" cy="0"/>
+        </a:xfrm>
+      </p:grpSpPr>
+      <p:sp>
+        <p:nvSpPr>
+          <p:cNvPr id="2" name="Titel 1"/>
+          <p:cNvSpPr>
+            <a:spLocks noGrp="1"/>
+          </p:cNvSpPr>
+          <p:nvPr>
+            <p:ph type="title"/>
+          </p:nvPr>
+        </p:nvSpPr>
+        <p:spPr/>
+        <p:txBody>
+          <a:bodyPr/>
+          <a:lstStyle/>
+          <a:p>
+            <a:r>
+              <a:rPr lang="de-DE" dirty="0" smtClean="0"/>
+              <a:t>Variant A</a:t>
+            </a:r>
+            <a:endParaRPr lang="de-DE" dirty="0"/>
+          </a:p>
+        </p:txBody>
+      </p:sp>
+      <p:sp>
+        <p:nvSpPr>
+          <p:cNvPr id="3" name="Inhaltsplatzhalter 2"/>
+          <p:cNvSpPr>
+            <a:spLocks noGrp="1"/>
+          </p:cNvSpPr>
+          <p:nvPr>
+            <p:ph idx="1"/>
+          </p:nvPr>
+        </p:nvSpPr>
+        <p:spPr/>
+        <p:txBody>
+          <a:bodyPr>
+            <a:normAutofit fontScale="92500" lnSpcReduction="20000"/>
+          </a:bodyPr>
+          <a:lstStyle/>
+          <a:p>
+            <a:pPr marL="0" indent="0">
+              <a:buNone/>
+            </a:pPr>
+            <a:r>
+              <a:rPr lang="de-DE" dirty="0"/>
+              <a:t>’</a:t>
+            </a:r>
+            <a:r>
+              <a:rPr lang="de-DE" dirty="0">
+                <a:solidFill>
+                  <a:srgbClr val="FF0000"/>
+                </a:solidFill>
+              </a:rPr>
+              <a:t>E</a:t>
+            </a:r>
+            <a:r>
+              <a:rPr lang="de-DE" dirty="0"/>
+              <a:t>ECDH+aRSA+AES256:EDH+aRSA+AES256:!SSLv3’ </a:t>
+            </a:r>
+            <a:endParaRPr lang="de-DE" dirty="0" smtClean="0"/>
+          </a:p>
+          <a:p>
+            <a:endParaRPr lang="de-DE" dirty="0"/>
+          </a:p>
+          <a:p>
+            <a:endParaRPr lang="de-DE" dirty="0" smtClean="0"/>
+          </a:p>
+          <a:p>
+            <a:endParaRPr lang="de-DE" dirty="0" smtClean="0"/>
+          </a:p>
+          <a:p>
+            <a:endParaRPr lang="de-DE" dirty="0" smtClean="0"/>
+          </a:p>
+          <a:p>
+            <a:pPr marL="0" indent="0">
+              <a:buNone/>
+            </a:pPr>
+            <a:r>
+              <a:rPr lang="de-DE" b="1" dirty="0" err="1" smtClean="0"/>
+              <a:t>Compatibility</a:t>
+            </a:r>
+            <a:r>
+              <a:rPr lang="de-DE" dirty="0" smtClean="0"/>
+              <a:t>: </a:t>
+            </a:r>
+          </a:p>
+          <a:p>
+            <a:pPr marL="0" indent="0">
+              <a:buNone/>
+            </a:pPr>
+            <a:r>
+              <a:rPr lang="de-DE" dirty="0" err="1"/>
+              <a:t>Only</a:t>
+            </a:r>
+            <a:r>
+              <a:rPr lang="de-DE" dirty="0"/>
+              <a:t> </a:t>
+            </a:r>
+            <a:r>
+              <a:rPr lang="de-DE" dirty="0" err="1"/>
+              <a:t>clients</a:t>
+            </a:r>
+            <a:r>
+              <a:rPr lang="de-DE" dirty="0"/>
+              <a:t> </a:t>
+            </a:r>
+            <a:r>
+              <a:rPr lang="de-DE" dirty="0" err="1"/>
+              <a:t>which</a:t>
+            </a:r>
+            <a:r>
+              <a:rPr lang="de-DE" dirty="0"/>
+              <a:t> support TLS1.2 are </a:t>
+            </a:r>
+            <a:r>
+              <a:rPr lang="de-DE" dirty="0" err="1"/>
+              <a:t>covered</a:t>
+            </a:r>
+            <a:r>
+              <a:rPr lang="de-DE" dirty="0"/>
+              <a:t> </a:t>
+            </a:r>
+            <a:r>
+              <a:rPr lang="de-DE" dirty="0" err="1"/>
+              <a:t>by</a:t>
+            </a:r>
+            <a:r>
+              <a:rPr lang="de-DE" dirty="0"/>
+              <a:t> </a:t>
+            </a:r>
+            <a:r>
+              <a:rPr lang="de-DE" dirty="0" err="1"/>
+              <a:t>these</a:t>
+            </a:r>
+            <a:r>
+              <a:rPr lang="de-DE" dirty="0"/>
+              <a:t> </a:t>
+            </a:r>
+            <a:r>
+              <a:rPr lang="de-DE" dirty="0" err="1"/>
+              <a:t>cipher</a:t>
+            </a:r>
+            <a:r>
+              <a:rPr lang="de-DE" dirty="0"/>
+              <a:t> </a:t>
+            </a:r>
+            <a:r>
+              <a:rPr lang="de-DE" dirty="0" err="1"/>
+              <a:t>suites</a:t>
+            </a:r>
+            <a:r>
+              <a:rPr lang="de-DE" dirty="0"/>
+              <a:t> (Chrome 30, </a:t>
+            </a:r>
+            <a:r>
+              <a:rPr lang="de-DE" dirty="0" err="1"/>
+              <a:t>Win</a:t>
+            </a:r>
+            <a:r>
+              <a:rPr lang="de-DE" dirty="0"/>
+              <a:t> 7 </a:t>
+            </a:r>
+            <a:r>
+              <a:rPr lang="de-DE" dirty="0" err="1"/>
+              <a:t>and</a:t>
+            </a:r>
+            <a:r>
+              <a:rPr lang="de-DE" dirty="0"/>
+              <a:t> </a:t>
+            </a:r>
+            <a:r>
+              <a:rPr lang="de-DE" dirty="0" err="1"/>
+              <a:t>Win</a:t>
+            </a:r>
+            <a:r>
+              <a:rPr lang="de-DE" dirty="0"/>
+              <a:t> </a:t>
+            </a:r>
+            <a:r>
+              <a:rPr lang="de-DE" dirty="0" smtClean="0"/>
+              <a:t>8.1, </a:t>
+            </a:r>
+            <a:r>
+              <a:rPr lang="de-DE" dirty="0"/>
+              <a:t>Opera 17, </a:t>
+            </a:r>
+            <a:r>
+              <a:rPr lang="de-DE" dirty="0" err="1"/>
+              <a:t>OpenSSL</a:t>
+            </a:r>
+            <a:r>
+              <a:rPr lang="de-DE" dirty="0"/>
+              <a:t> ≥ 1.0.1e, Safari 6 / </a:t>
+            </a:r>
+            <a:r>
+              <a:rPr lang="de-DE" dirty="0" err="1"/>
+              <a:t>iOS</a:t>
+            </a:r>
+            <a:r>
+              <a:rPr lang="de-DE" dirty="0"/>
+              <a:t> 6.0.1, Safari 7 / OS X 10.9) </a:t>
+            </a:r>
+          </a:p>
+          <a:p>
+            <a:endParaRPr lang="de-DE" dirty="0"/>
+          </a:p>
+        </p:txBody>
+      </p:sp>
+      <p:pic>
+        <p:nvPicPr>
+          <p:cNvPr id="4" name="Bild 3"/>
+          <p:cNvPicPr>
+            <a:picLocks noChangeAspect="1"/>
+          </p:cNvPicPr>
+          <p:nvPr/>
+        </p:nvPicPr>
+        <p:blipFill>
+          <a:blip r:embed="rId2"/>
+          <a:stretch>
+            <a:fillRect/>
+          </a:stretch>
+        </p:blipFill>
+        <p:spPr>
+          <a:xfrm>
+            <a:off x="728709" y="2337415"/>
+            <a:ext cx="7686582" cy="1462780"/>
+          </a:xfrm>
+          <a:prstGeom prst="rect">
+            <a:avLst/>
+          </a:prstGeom>
+        </p:spPr>
+      </p:pic>
+      <p:sp>
+        <p:nvSpPr>
+          <p:cNvPr id="5" name="Textfeld 4"/>
+          <p:cNvSpPr txBox="1"/>
+          <p:nvPr/>
+        </p:nvSpPr>
+        <p:spPr>
+          <a:xfrm>
+            <a:off x="7318323" y="6126163"/>
+            <a:ext cx="1676031" cy="369332"/>
+          </a:xfrm>
+          <a:prstGeom prst="rect">
+            <a:avLst/>
+          </a:prstGeom>
+          <a:noFill/>
+        </p:spPr>
+        <p:txBody>
+          <a:bodyPr wrap="square" rtlCol="0">
+            <a:spAutoFit/>
+          </a:bodyPr>
+          <a:lstStyle/>
+          <a:p>
+            <a:r>
+              <a:rPr lang="de-DE" dirty="0" smtClean="0"/>
+              <a:t>Ramin, Daniel</a:t>
+            </a:r>
+            <a:endParaRPr lang="de-DE" dirty="0"/>
+          </a:p>
+        </p:txBody>
+      </p:sp>
+    </p:spTree>
+    <p:extLst>
+      <p:ext uri="{BB962C8B-B14F-4D97-AF65-F5344CB8AC3E}">
+        <p14:creationId xmlns:p14="http://schemas.microsoft.com/office/powerpoint/2010/main" val="2726979669"/>
+      </p:ext>
+    </p:extLst>
+  </p:cSld>
+  <p:clrMapOvr>
+    <a:masterClrMapping/>
+  </p:clrMapOvr>
+</p:sld>
+</file>
+
+<file path=ppt/slides/slide23.xml><?xml version="1.0" encoding="utf-8"?>
+<p:sld xmlns:a="http://schemas.openxmlformats.org/drawingml/2006/main" xmlns:r="http://schemas.openxmlformats.org/officeDocument/2006/relationships" xmlns:p="http://schemas.openxmlformats.org/presentationml/2006/main">
+  <p:cSld>
+    <p:spTree>
+      <p:nvGrpSpPr>
+        <p:cNvPr id="1" name=""/>
+        <p:cNvGrpSpPr/>
+        <p:nvPr/>
+      </p:nvGrpSpPr>
+      <p:grpSpPr>
+        <a:xfrm>
+          <a:off x="0" y="0"/>
+          <a:ext cx="0" cy="0"/>
+          <a:chOff x="0" y="0"/>
+          <a:chExt cx="0" cy="0"/>
+        </a:xfrm>
+      </p:grpSpPr>
+      <p:sp>
+        <p:nvSpPr>
+          <p:cNvPr id="2" name="Titel 1"/>
+          <p:cNvSpPr>
+            <a:spLocks noGrp="1"/>
+          </p:cNvSpPr>
+          <p:nvPr>
+            <p:ph type="title"/>
+          </p:nvPr>
+        </p:nvSpPr>
+        <p:spPr/>
+        <p:txBody>
+          <a:bodyPr/>
+          <a:lstStyle/>
+          <a:p>
+            <a:r>
               <a:rPr lang="de-DE" dirty="0" smtClean="0"/>
               <a:t>Variant B</a:t>
             </a:r>
@@ -6897,6 +7184,9 @@
           <a:bodyPr/>
           <a:lstStyle/>
           <a:p>
+            <a:pPr marL="0" indent="0">
+              <a:buNone/>
+            </a:pPr>
             <a:r>
               <a:rPr lang="de-DE" dirty="0" err="1"/>
               <a:t>weaker</a:t>
@@ -7002,352 +7292,10 @@
   <p:timing>
     <p:tnLst>
       <p:par>
-        <p:cTn id="1" dur="indefinite" restart="never" nodeType="tmRoot"/>
+        <p:cTn xmlns:p14="http://schemas.microsoft.com/office/powerpoint/2010/main" id="1" dur="indefinite" restart="never" nodeType="tmRoot"/>
       </p:par>
     </p:tnLst>
   </p:timing>
-</p:sld>
-</file>
-
-<file path=ppt/slides/slide22.xml><?xml version="1.0" encoding="utf-8"?>
-<p:sld xmlns:a="http://schemas.openxmlformats.org/drawingml/2006/main" xmlns:r="http://schemas.openxmlformats.org/officeDocument/2006/relationships" xmlns:p="http://schemas.openxmlformats.org/presentationml/2006/main">
-  <p:cSld>
-    <p:spTree>
-      <p:nvGrpSpPr>
-        <p:cNvPr id="1" name=""/>
-        <p:cNvGrpSpPr/>
-        <p:nvPr/>
-      </p:nvGrpSpPr>
-      <p:grpSpPr>
-        <a:xfrm>
-          <a:off x="0" y="0"/>
-          <a:ext cx="0" cy="0"/>
-          <a:chOff x="0" y="0"/>
-          <a:chExt cx="0" cy="0"/>
-        </a:xfrm>
-      </p:grpSpPr>
-      <p:sp>
-        <p:nvSpPr>
-          <p:cNvPr id="2" name="Titel 1"/>
-          <p:cNvSpPr>
-            <a:spLocks noGrp="1"/>
-          </p:cNvSpPr>
-          <p:nvPr>
-            <p:ph type="title"/>
-          </p:nvPr>
-        </p:nvSpPr>
-        <p:spPr/>
-        <p:txBody>
-          <a:bodyPr/>
-          <a:lstStyle/>
-          <a:p>
-            <a:r>
-              <a:rPr lang="de-DE" dirty="0" smtClean="0"/>
-              <a:t>Variant B: </a:t>
-            </a:r>
-            <a:r>
-              <a:rPr lang="de-DE" dirty="0" err="1" smtClean="0"/>
-              <a:t>Compatibility</a:t>
-            </a:r>
-            <a:endParaRPr lang="de-DE" dirty="0"/>
-          </a:p>
-        </p:txBody>
-      </p:sp>
-      <p:sp>
-        <p:nvSpPr>
-          <p:cNvPr id="3" name="Inhaltsplatzhalter 2"/>
-          <p:cNvSpPr>
-            <a:spLocks noGrp="1"/>
-          </p:cNvSpPr>
-          <p:nvPr>
-            <p:ph idx="1"/>
-          </p:nvPr>
-        </p:nvSpPr>
-        <p:spPr/>
-        <p:txBody>
-          <a:bodyPr/>
-          <a:lstStyle/>
-          <a:p>
-            <a:r>
-              <a:rPr lang="de-DE" dirty="0" smtClean="0">
-                <a:solidFill>
-                  <a:srgbClr val="FF0000"/>
-                </a:solidFill>
-              </a:rPr>
-              <a:t>TODO </a:t>
-            </a:r>
-            <a:r>
-              <a:rPr lang="de-DE" dirty="0" err="1" smtClean="0">
-                <a:solidFill>
-                  <a:srgbClr val="FF0000"/>
-                </a:solidFill>
-              </a:rPr>
-              <a:t>aaron</a:t>
-            </a:r>
-            <a:r>
-              <a:rPr lang="de-DE" dirty="0" smtClean="0">
-                <a:solidFill>
-                  <a:srgbClr val="FF0000"/>
-                </a:solidFill>
-              </a:rPr>
-              <a:t>: </a:t>
-            </a:r>
-            <a:r>
-              <a:rPr lang="de-DE" dirty="0" err="1" smtClean="0">
-                <a:solidFill>
-                  <a:srgbClr val="FF0000"/>
-                </a:solidFill>
-              </a:rPr>
-              <a:t>screenshot</a:t>
-            </a:r>
-            <a:r>
-              <a:rPr lang="de-DE" dirty="0" smtClean="0">
-                <a:solidFill>
-                  <a:srgbClr val="FF0000"/>
-                </a:solidFill>
-              </a:rPr>
-              <a:t> </a:t>
-            </a:r>
-            <a:r>
-              <a:rPr lang="de-DE" dirty="0" err="1" smtClean="0">
-                <a:solidFill>
-                  <a:srgbClr val="FF0000"/>
-                </a:solidFill>
-              </a:rPr>
-              <a:t>ssllabs</a:t>
-            </a:r>
-            <a:endParaRPr lang="de-DE" dirty="0" smtClean="0">
-              <a:solidFill>
-                <a:srgbClr val="FF0000"/>
-              </a:solidFill>
-            </a:endParaRPr>
-          </a:p>
-          <a:p>
-            <a:endParaRPr lang="de-DE" dirty="0"/>
-          </a:p>
-        </p:txBody>
-      </p:sp>
-      <p:pic>
-        <p:nvPicPr>
-          <p:cNvPr id="4" name="Bild 3"/>
-          <p:cNvPicPr>
-            <a:picLocks noChangeAspect="1"/>
-          </p:cNvPicPr>
-          <p:nvPr/>
-        </p:nvPicPr>
-        <p:blipFill>
-          <a:blip r:embed="rId2"/>
-          <a:stretch>
-            <a:fillRect/>
-          </a:stretch>
-        </p:blipFill>
-        <p:spPr>
-          <a:xfrm>
-            <a:off x="2786113" y="3361056"/>
-            <a:ext cx="6645568" cy="4984176"/>
-          </a:xfrm>
-          <a:prstGeom prst="rect">
-            <a:avLst/>
-          </a:prstGeom>
-        </p:spPr>
-      </p:pic>
-      <p:sp>
-        <p:nvSpPr>
-          <p:cNvPr id="5" name="Textfeld 4"/>
-          <p:cNvSpPr txBox="1"/>
-          <p:nvPr/>
-        </p:nvSpPr>
-        <p:spPr>
-          <a:xfrm>
-            <a:off x="7318323" y="6126163"/>
-            <a:ext cx="1676031" cy="369332"/>
-          </a:xfrm>
-          <a:prstGeom prst="rect">
-            <a:avLst/>
-          </a:prstGeom>
-          <a:noFill/>
-        </p:spPr>
-        <p:txBody>
-          <a:bodyPr wrap="square" rtlCol="0">
-            <a:spAutoFit/>
-          </a:bodyPr>
-          <a:lstStyle/>
-          <a:p>
-            <a:r>
-              <a:rPr lang="de-DE" dirty="0" smtClean="0"/>
-              <a:t>Ramin, Daniel</a:t>
-            </a:r>
-            <a:endParaRPr lang="de-DE" dirty="0"/>
-          </a:p>
-        </p:txBody>
-      </p:sp>
-    </p:spTree>
-    <p:extLst>
-      <p:ext uri="{BB962C8B-B14F-4D97-AF65-F5344CB8AC3E}">
-        <p14:creationId xmlns:p14="http://schemas.microsoft.com/office/powerpoint/2010/main" val="395281444"/>
-      </p:ext>
-    </p:extLst>
-  </p:cSld>
-  <p:clrMapOvr>
-    <a:masterClrMapping/>
-  </p:clrMapOvr>
-  <p:timing>
-    <p:tnLst>
-      <p:par>
-        <p:cTn id="1" dur="indefinite" restart="never" nodeType="tmRoot"/>
-      </p:par>
-    </p:tnLst>
-  </p:timing>
-</p:sld>
-</file>
-
-<file path=ppt/slides/slide23.xml><?xml version="1.0" encoding="utf-8"?>
-<p:sld xmlns:a="http://schemas.openxmlformats.org/drawingml/2006/main" xmlns:r="http://schemas.openxmlformats.org/officeDocument/2006/relationships" xmlns:p="http://schemas.openxmlformats.org/presentationml/2006/main">
-  <p:cSld>
-    <p:spTree>
-      <p:nvGrpSpPr>
-        <p:cNvPr id="1" name=""/>
-        <p:cNvGrpSpPr/>
-        <p:nvPr/>
-      </p:nvGrpSpPr>
-      <p:grpSpPr>
-        <a:xfrm>
-          <a:off x="0" y="0"/>
-          <a:ext cx="0" cy="0"/>
-          <a:chOff x="0" y="0"/>
-          <a:chExt cx="0" cy="0"/>
-        </a:xfrm>
-      </p:grpSpPr>
-      <p:sp>
-        <p:nvSpPr>
-          <p:cNvPr id="2" name="Titel 1"/>
-          <p:cNvSpPr>
-            <a:spLocks noGrp="1"/>
-          </p:cNvSpPr>
-          <p:nvPr>
-            <p:ph type="title"/>
-          </p:nvPr>
-        </p:nvSpPr>
-        <p:spPr/>
-        <p:txBody>
-          <a:bodyPr/>
-          <a:lstStyle/>
-          <a:p>
-            <a:r>
-              <a:rPr lang="de-DE" dirty="0" err="1" smtClean="0"/>
-              <a:t>Choosing</a:t>
-            </a:r>
-            <a:r>
-              <a:rPr lang="de-DE" dirty="0" smtClean="0"/>
-              <a:t> </a:t>
-            </a:r>
-            <a:r>
-              <a:rPr lang="de-DE" dirty="0" err="1" smtClean="0"/>
-              <a:t>your</a:t>
-            </a:r>
-            <a:r>
-              <a:rPr lang="de-DE" dirty="0" smtClean="0"/>
-              <a:t> </a:t>
-            </a:r>
-            <a:r>
-              <a:rPr lang="de-DE" dirty="0" err="1" smtClean="0"/>
-              <a:t>own</a:t>
-            </a:r>
-            <a:r>
-              <a:rPr lang="de-DE" dirty="0" smtClean="0"/>
-              <a:t> </a:t>
-            </a:r>
-            <a:r>
-              <a:rPr lang="de-DE" dirty="0" err="1" smtClean="0"/>
-              <a:t>cipher</a:t>
-            </a:r>
-            <a:r>
-              <a:rPr lang="de-DE" dirty="0" smtClean="0"/>
-              <a:t> </a:t>
-            </a:r>
-            <a:r>
-              <a:rPr lang="de-DE" dirty="0" err="1" smtClean="0"/>
-              <a:t>string</a:t>
-            </a:r>
-            <a:endParaRPr lang="de-DE" dirty="0"/>
-          </a:p>
-        </p:txBody>
-      </p:sp>
-      <p:sp>
-        <p:nvSpPr>
-          <p:cNvPr id="3" name="Inhaltsplatzhalter 2"/>
-          <p:cNvSpPr>
-            <a:spLocks noGrp="1"/>
-          </p:cNvSpPr>
-          <p:nvPr>
-            <p:ph idx="1"/>
-          </p:nvPr>
-        </p:nvSpPr>
-        <p:spPr/>
-        <p:txBody>
-          <a:bodyPr/>
-          <a:lstStyle/>
-          <a:p>
-            <a:r>
-              <a:rPr lang="de-DE" dirty="0" smtClean="0">
-                <a:solidFill>
-                  <a:srgbClr val="FF0000"/>
-                </a:solidFill>
-              </a:rPr>
-              <a:t>TODO </a:t>
-            </a:r>
-            <a:r>
-              <a:rPr lang="de-DE" dirty="0" err="1" smtClean="0">
-                <a:solidFill>
-                  <a:srgbClr val="FF0000"/>
-                </a:solidFill>
-              </a:rPr>
-              <a:t>aaron</a:t>
-            </a:r>
-            <a:r>
-              <a:rPr lang="de-DE" dirty="0" smtClean="0">
-                <a:solidFill>
-                  <a:srgbClr val="FF0000"/>
-                </a:solidFill>
-              </a:rPr>
-              <a:t>: zusammenfassen</a:t>
-            </a:r>
-          </a:p>
-          <a:p>
-            <a:r>
-              <a:rPr lang="de-DE" dirty="0" smtClean="0"/>
-              <a:t>TODO </a:t>
-            </a:r>
-            <a:r>
-              <a:rPr lang="de-DE" dirty="0" err="1" smtClean="0"/>
-              <a:t>aaron</a:t>
-            </a:r>
-            <a:r>
-              <a:rPr lang="de-DE" dirty="0" smtClean="0"/>
-              <a:t>: </a:t>
-            </a:r>
-            <a:r>
-              <a:rPr lang="de-DE" dirty="0" err="1" smtClean="0"/>
-              <a:t>Ask</a:t>
-            </a:r>
-            <a:r>
-              <a:rPr lang="de-DE" dirty="0" smtClean="0"/>
-              <a:t> Adi</a:t>
-            </a:r>
-            <a:endParaRPr lang="de-DE" dirty="0"/>
-          </a:p>
-        </p:txBody>
-      </p:sp>
-    </p:spTree>
-    <p:extLst>
-      <p:ext uri="{BB962C8B-B14F-4D97-AF65-F5344CB8AC3E}">
-        <p14:creationId xmlns:p14="http://schemas.microsoft.com/office/powerpoint/2010/main" val="765680266"/>
-      </p:ext>
-    </p:extLst>
-  </p:cSld>
-  <p:clrMapOvr>
-    <a:masterClrMapping/>
-  </p:clrMapOvr>
 </p:sld>
 </file>
 
@@ -7370,7 +7318,7 @@
       </p:grpSpPr>
       <p:sp>
         <p:nvSpPr>
-          <p:cNvPr id="4" name="Titel 3"/>
+          <p:cNvPr id="2" name="Titel 1"/>
           <p:cNvSpPr>
             <a:spLocks noGrp="1"/>
           </p:cNvSpPr>
@@ -7384,16 +7332,12 @@
           <a:lstStyle/>
           <a:p>
             <a:r>
-              <a:rPr lang="de-DE" dirty="0" err="1" smtClean="0"/>
-              <a:t>Practical</a:t>
-            </a:r>
-            <a:r>
-              <a:rPr lang="de-DE" dirty="0" smtClean="0"/>
-              <a:t> </a:t>
-            </a:r>
-            <a:r>
-              <a:rPr lang="de-DE" dirty="0" err="1" smtClean="0"/>
-              <a:t>settings</a:t>
+              <a:rPr lang="de-DE" dirty="0" smtClean="0"/>
+              <a:t>Variant B: </a:t>
+            </a:r>
+            <a:r>
+              <a:rPr lang="de-DE" dirty="0" err="1" smtClean="0"/>
+              <a:t>Compatibility</a:t>
             </a:r>
             <a:endParaRPr lang="de-DE" dirty="0"/>
           </a:p>
@@ -7401,12 +7345,12 @@
       </p:sp>
       <p:sp>
         <p:nvSpPr>
-          <p:cNvPr id="5" name="Textplatzhalter 4"/>
-          <p:cNvSpPr>
-            <a:spLocks noGrp="1"/>
-          </p:cNvSpPr>
-          <p:nvPr>
-            <p:ph type="body" idx="1"/>
+          <p:cNvPr id="3" name="Inhaltsplatzhalter 2"/>
+          <p:cNvSpPr>
+            <a:spLocks noGrp="1"/>
+          </p:cNvSpPr>
+          <p:nvPr>
+            <p:ph idx="1"/>
           </p:nvPr>
         </p:nvSpPr>
         <p:spPr/>
@@ -7414,20 +7358,44 @@
           <a:bodyPr/>
           <a:lstStyle/>
           <a:p>
-            <a:endParaRPr lang="de-DE"/>
-          </a:p>
-        </p:txBody>
-      </p:sp>
-      <p:sp>
-        <p:nvSpPr>
-          <p:cNvPr id="6" name="Textfeld 5"/>
+            <a:endParaRPr lang="de-DE" dirty="0"/>
+          </a:p>
+        </p:txBody>
+      </p:sp>
+      <p:pic>
+        <p:nvPicPr>
+          <p:cNvPr id="4" name="Bild 3"/>
+          <p:cNvPicPr>
+            <a:picLocks noChangeAspect="1"/>
+          </p:cNvPicPr>
+          <p:nvPr/>
+        </p:nvPicPr>
+        <p:blipFill>
+          <a:blip r:embed="rId2"/>
+          <a:stretch>
+            <a:fillRect/>
+          </a:stretch>
+        </p:blipFill>
+        <p:spPr>
+          <a:xfrm>
+            <a:off x="1130902" y="1344749"/>
+            <a:ext cx="6645568" cy="4984176"/>
+          </a:xfrm>
+          <a:prstGeom prst="rect">
+            <a:avLst/>
+          </a:prstGeom>
+        </p:spPr>
+      </p:pic>
+      <p:sp>
+        <p:nvSpPr>
+          <p:cNvPr id="5" name="Textfeld 4"/>
           <p:cNvSpPr txBox="1"/>
           <p:nvPr/>
         </p:nvSpPr>
         <p:spPr>
           <a:xfrm>
-            <a:off x="7297503" y="6126163"/>
-            <a:ext cx="1389297" cy="369332"/>
+            <a:off x="7318323" y="6126163"/>
+            <a:ext cx="1676031" cy="369332"/>
           </a:xfrm>
           <a:prstGeom prst="rect">
             <a:avLst/>
@@ -7442,7 +7410,7 @@
           <a:p>
             <a:r>
               <a:rPr lang="de-DE" dirty="0" smtClean="0"/>
-              <a:t>Aaron</a:t>
+              <a:t>Ramin, Daniel</a:t>
             </a:r>
             <a:endParaRPr lang="de-DE" dirty="0"/>
           </a:p>
@@ -7451,13 +7419,20 @@
     </p:spTree>
     <p:extLst>
       <p:ext uri="{BB962C8B-B14F-4D97-AF65-F5344CB8AC3E}">
-        <p14:creationId xmlns:p14="http://schemas.microsoft.com/office/powerpoint/2010/main" val="1813752796"/>
+        <p14:creationId xmlns:p14="http://schemas.microsoft.com/office/powerpoint/2010/main" val="395281444"/>
       </p:ext>
     </p:extLst>
   </p:cSld>
   <p:clrMapOvr>
     <a:masterClrMapping/>
   </p:clrMapOvr>
+  <p:timing>
+    <p:tnLst>
+      <p:par>
+        <p:cTn xmlns:p14="http://schemas.microsoft.com/office/powerpoint/2010/main" id="1" dur="indefinite" restart="never" nodeType="tmRoot"/>
+      </p:par>
+    </p:tnLst>
+  </p:timing>
 </p:sld>
 </file>
 
@@ -7480,7 +7455,7 @@
       </p:grpSpPr>
       <p:sp>
         <p:nvSpPr>
-          <p:cNvPr id="6" name="Titel 5"/>
+          <p:cNvPr id="2" name="Titel 1"/>
           <p:cNvSpPr>
             <a:spLocks noGrp="1"/>
           </p:cNvSpPr>
@@ -7494,32 +7469,12 @@
           <a:lstStyle/>
           <a:p>
             <a:r>
-              <a:rPr lang="de-DE" dirty="0" err="1" smtClean="0"/>
-              <a:t>What</a:t>
-            </a:r>
-            <a:r>
-              <a:rPr lang="de-DE" dirty="0" smtClean="0"/>
-              <a:t> </a:t>
-            </a:r>
-            <a:r>
-              <a:rPr lang="de-DE" dirty="0" err="1" smtClean="0"/>
-              <a:t>we</a:t>
-            </a:r>
-            <a:r>
-              <a:rPr lang="de-DE" dirty="0" smtClean="0"/>
-              <a:t> </a:t>
-            </a:r>
-            <a:r>
-              <a:rPr lang="de-DE" dirty="0" err="1" smtClean="0"/>
-              <a:t>have</a:t>
-            </a:r>
-            <a:r>
-              <a:rPr lang="de-DE" dirty="0" smtClean="0"/>
-              <a:t> so </a:t>
-            </a:r>
-            <a:r>
-              <a:rPr lang="de-DE" dirty="0" err="1" smtClean="0"/>
-              <a:t>far</a:t>
+              <a:rPr lang="de-DE" dirty="0" smtClean="0"/>
+              <a:t>Variant B: </a:t>
+            </a:r>
+            <a:r>
+              <a:rPr lang="de-DE" dirty="0" err="1" smtClean="0"/>
+              <a:t>Compatibility</a:t>
             </a:r>
             <a:endParaRPr lang="de-DE" dirty="0"/>
           </a:p>
@@ -7527,7 +7482,7 @@
       </p:sp>
       <p:sp>
         <p:nvSpPr>
-          <p:cNvPr id="7" name="Inhaltsplatzhalter 6"/>
+          <p:cNvPr id="3" name="Inhaltsplatzhalter 2"/>
           <p:cNvSpPr>
             <a:spLocks noGrp="1"/>
           </p:cNvSpPr>
@@ -7537,135 +7492,150 @@
         </p:nvSpPr>
         <p:spPr/>
         <p:txBody>
-          <a:bodyPr>
-            <a:normAutofit/>
-          </a:bodyPr>
-          <a:lstStyle/>
-          <a:p>
-            <a:r>
-              <a:rPr lang="de-DE" dirty="0" smtClean="0"/>
-              <a:t>Web server: Apache, </a:t>
-            </a:r>
-            <a:r>
-              <a:rPr lang="de-DE" dirty="0" err="1" smtClean="0"/>
-              <a:t>nginx</a:t>
-            </a:r>
-            <a:r>
-              <a:rPr lang="de-DE" dirty="0" smtClean="0"/>
-              <a:t>, IIS, </a:t>
-            </a:r>
-            <a:r>
-              <a:rPr lang="de-DE" dirty="0" err="1" smtClean="0"/>
-              <a:t>lighttpd</a:t>
-            </a:r>
+          <a:bodyPr/>
+          <a:lstStyle/>
+          <a:p>
             <a:endParaRPr lang="de-DE" dirty="0"/>
           </a:p>
-          <a:p>
-            <a:r>
-              <a:rPr lang="de-DE" dirty="0" smtClean="0"/>
-              <a:t>Mail: </a:t>
-            </a:r>
-            <a:r>
-              <a:rPr lang="de-DE" dirty="0" err="1" smtClean="0"/>
-              <a:t>Dovecot</a:t>
-            </a:r>
-            <a:r>
-              <a:rPr lang="de-DE" dirty="0" smtClean="0"/>
-              <a:t>, </a:t>
-            </a:r>
-            <a:r>
-              <a:rPr lang="de-DE" dirty="0" err="1" smtClean="0"/>
-              <a:t>cyrus</a:t>
-            </a:r>
-            <a:r>
-              <a:rPr lang="de-DE" dirty="0" smtClean="0"/>
-              <a:t>, </a:t>
-            </a:r>
-            <a:r>
-              <a:rPr lang="de-DE" dirty="0" err="1" smtClean="0"/>
-              <a:t>Postfix</a:t>
-            </a:r>
-            <a:r>
-              <a:rPr lang="de-DE" dirty="0" smtClean="0"/>
-              <a:t>, </a:t>
-            </a:r>
-            <a:r>
-              <a:rPr lang="de-DE" dirty="0" err="1" smtClean="0"/>
-              <a:t>Exim</a:t>
-            </a:r>
-            <a:r>
-              <a:rPr lang="de-DE" dirty="0" smtClean="0"/>
-              <a:t>, </a:t>
-            </a:r>
-            <a:r>
-              <a:rPr lang="de-DE" dirty="0" smtClean="0">
-                <a:solidFill>
-                  <a:srgbClr val="FF6600"/>
-                </a:solidFill>
-              </a:rPr>
-              <a:t>Exchange</a:t>
-            </a:r>
-          </a:p>
-          <a:p>
-            <a:r>
-              <a:rPr lang="de-DE" dirty="0" smtClean="0">
-                <a:solidFill>
-                  <a:srgbClr val="000000"/>
-                </a:solidFill>
-              </a:rPr>
-              <a:t>DBs: </a:t>
-            </a:r>
-            <a:r>
-              <a:rPr lang="de-DE" dirty="0" err="1" smtClean="0"/>
-              <a:t>Postgresql</a:t>
-            </a:r>
-            <a:r>
-              <a:rPr lang="de-DE" dirty="0" smtClean="0"/>
-              <a:t>, Mysql</a:t>
-            </a:r>
-          </a:p>
-          <a:p>
-            <a:r>
-              <a:rPr lang="de-DE" dirty="0" err="1" smtClean="0">
-                <a:solidFill>
-                  <a:srgbClr val="000000"/>
-                </a:solidFill>
-              </a:rPr>
-              <a:t>Proxies</a:t>
-            </a:r>
-            <a:endParaRPr lang="de-DE" dirty="0">
-              <a:solidFill>
-                <a:srgbClr val="000000"/>
-              </a:solidFill>
-            </a:endParaRPr>
-          </a:p>
-        </p:txBody>
-      </p:sp>
-      <p:sp>
-        <p:nvSpPr>
-          <p:cNvPr id="8" name="Textfeld 7"/>
-          <p:cNvSpPr txBox="1"/>
+        </p:txBody>
+      </p:sp>
+      <p:pic>
+        <p:nvPicPr>
+          <p:cNvPr id="6" name="Bild 5"/>
+          <p:cNvPicPr>
+            <a:picLocks noChangeAspect="1"/>
+          </p:cNvPicPr>
           <p:nvPr/>
-        </p:nvSpPr>
+        </p:nvPicPr>
+        <p:blipFill>
+          <a:blip r:embed="rId2"/>
+          <a:stretch>
+            <a:fillRect/>
+          </a:stretch>
+        </p:blipFill>
         <p:spPr>
           <a:xfrm>
-            <a:off x="7297503" y="6126163"/>
-            <a:ext cx="1389297" cy="369332"/>
+            <a:off x="1311678" y="1179885"/>
+            <a:ext cx="6502408" cy="5315610"/>
           </a:xfrm>
           <a:prstGeom prst="rect">
             <a:avLst/>
           </a:prstGeom>
-          <a:noFill/>
         </p:spPr>
-        <p:txBody>
-          <a:bodyPr wrap="square" rtlCol="0">
-            <a:spAutoFit/>
-          </a:bodyPr>
-          <a:lstStyle/>
-          <a:p>
-            <a:r>
-              <a:rPr lang="de-DE" dirty="0" smtClean="0"/>
-              <a:t>Aaron</a:t>
+      </p:pic>
+      <p:sp>
+        <p:nvSpPr>
+          <p:cNvPr id="8" name="Ovale Legende 7"/>
+          <p:cNvSpPr/>
+          <p:nvPr/>
+        </p:nvSpPr>
+        <p:spPr>
+          <a:xfrm>
+            <a:off x="3404113" y="3789468"/>
+            <a:ext cx="2852377" cy="645459"/>
+          </a:xfrm>
+          <a:prstGeom prst="wedgeEllipseCallout">
+            <a:avLst>
+              <a:gd name="adj1" fmla="val -76308"/>
+              <a:gd name="adj2" fmla="val 67338"/>
+            </a:avLst>
+          </a:prstGeom>
+        </p:spPr>
+        <p:style>
+          <a:lnRef idx="1">
+            <a:schemeClr val="accent1"/>
+          </a:lnRef>
+          <a:fillRef idx="3">
+            <a:schemeClr val="accent1"/>
+          </a:fillRef>
+          <a:effectRef idx="2">
+            <a:schemeClr val="accent1"/>
+          </a:effectRef>
+          <a:fontRef idx="minor">
+            <a:schemeClr val="lt1"/>
+          </a:fontRef>
+        </p:style>
+        <p:txBody>
+          <a:bodyPr rtlCol="0" anchor="ctr"/>
+          <a:lstStyle/>
+          <a:p>
+            <a:pPr algn="ctr"/>
+            <a:r>
+              <a:rPr lang="de-DE" dirty="0" smtClean="0"/>
+              <a:t>Can </a:t>
+            </a:r>
+            <a:r>
+              <a:rPr lang="de-DE" dirty="0" err="1" smtClean="0"/>
+              <a:t>be</a:t>
+            </a:r>
+            <a:r>
+              <a:rPr lang="de-DE" dirty="0" smtClean="0"/>
+              <a:t> </a:t>
+            </a:r>
+            <a:r>
+              <a:rPr lang="de-DE" dirty="0" err="1" smtClean="0"/>
+              <a:t>added</a:t>
+            </a:r>
+            <a:r>
+              <a:rPr lang="de-DE" dirty="0" smtClean="0"/>
+              <a:t> </a:t>
+            </a:r>
+            <a:r>
+              <a:rPr lang="de-DE" dirty="0" err="1" smtClean="0"/>
+              <a:t>with</a:t>
+            </a:r>
+            <a:r>
+              <a:rPr lang="de-DE" dirty="0" smtClean="0"/>
+              <a:t> JCE</a:t>
+            </a:r>
+            <a:endParaRPr lang="de-DE" dirty="0"/>
+          </a:p>
+        </p:txBody>
+      </p:sp>
+      <p:sp>
+        <p:nvSpPr>
+          <p:cNvPr id="9" name="Ovale Legende 8"/>
+          <p:cNvSpPr/>
+          <p:nvPr/>
+        </p:nvSpPr>
+        <p:spPr>
+          <a:xfrm>
+            <a:off x="3816766" y="2411506"/>
+            <a:ext cx="2852377" cy="645459"/>
+          </a:xfrm>
+          <a:prstGeom prst="wedgeEllipseCallout">
+            <a:avLst>
+              <a:gd name="adj1" fmla="val -67549"/>
+              <a:gd name="adj2" fmla="val 54435"/>
+            </a:avLst>
+          </a:prstGeom>
+        </p:spPr>
+        <p:style>
+          <a:lnRef idx="1">
+            <a:schemeClr val="accent1"/>
+          </a:lnRef>
+          <a:fillRef idx="3">
+            <a:schemeClr val="accent1"/>
+          </a:fillRef>
+          <a:effectRef idx="2">
+            <a:schemeClr val="accent1"/>
+          </a:effectRef>
+          <a:fontRef idx="minor">
+            <a:schemeClr val="lt1"/>
+          </a:fontRef>
+        </p:style>
+        <p:txBody>
+          <a:bodyPr rtlCol="0" anchor="ctr"/>
+          <a:lstStyle/>
+          <a:p>
+            <a:pPr algn="ctr"/>
+            <a:r>
+              <a:rPr lang="de-DE" dirty="0" smtClean="0"/>
+              <a:t>End-of-</a:t>
+            </a:r>
+            <a:r>
+              <a:rPr lang="de-DE" dirty="0" err="1" smtClean="0"/>
+              <a:t>life</a:t>
             </a:r>
             <a:endParaRPr lang="de-DE" dirty="0"/>
           </a:p>
@@ -7674,13 +7644,137 @@
     </p:spTree>
     <p:extLst>
       <p:ext uri="{BB962C8B-B14F-4D97-AF65-F5344CB8AC3E}">
-        <p14:creationId xmlns:p14="http://schemas.microsoft.com/office/powerpoint/2010/main" val="4235670127"/>
+        <p14:creationId xmlns:p14="http://schemas.microsoft.com/office/powerpoint/2010/main" val="3091993594"/>
       </p:ext>
     </p:extLst>
   </p:cSld>
   <p:clrMapOvr>
     <a:masterClrMapping/>
   </p:clrMapOvr>
+  <p:timing>
+    <p:tnLst>
+      <p:par>
+        <p:cTn xmlns:p14="http://schemas.microsoft.com/office/powerpoint/2010/main" id="1" dur="indefinite" restart="never" nodeType="tmRoot">
+          <p:childTnLst>
+            <p:seq concurrent="1" nextAc="seek">
+              <p:cTn id="2" dur="indefinite" nodeType="mainSeq">
+                <p:childTnLst>
+                  <p:par>
+                    <p:cTn id="3" fill="hold">
+                      <p:stCondLst>
+                        <p:cond delay="indefinite"/>
+                      </p:stCondLst>
+                      <p:childTnLst>
+                        <p:par>
+                          <p:cTn id="4" fill="hold">
+                            <p:stCondLst>
+                              <p:cond delay="0"/>
+                            </p:stCondLst>
+                            <p:childTnLst>
+                              <p:par>
+                                <p:cTn id="5" presetID="1" presetClass="entr" presetSubtype="0" fill="hold" grpId="0" nodeType="clickEffect">
+                                  <p:stCondLst>
+                                    <p:cond delay="0"/>
+                                  </p:stCondLst>
+                                  <p:childTnLst>
+                                    <p:set>
+                                      <p:cBhvr>
+                                        <p:cTn id="6" dur="1" fill="hold">
+                                          <p:stCondLst>
+                                            <p:cond delay="0"/>
+                                          </p:stCondLst>
+                                        </p:cTn>
+                                        <p:tgtEl>
+                                          <p:spTgt spid="9"/>
+                                        </p:tgtEl>
+                                        <p:attrNameLst>
+                                          <p:attrName>style.visibility</p:attrName>
+                                        </p:attrNameLst>
+                                      </p:cBhvr>
+                                      <p:to>
+                                        <p:strVal val="visible"/>
+                                      </p:to>
+                                    </p:set>
+                                  </p:childTnLst>
+                                </p:cTn>
+                              </p:par>
+                            </p:childTnLst>
+                          </p:cTn>
+                        </p:par>
+                      </p:childTnLst>
+                    </p:cTn>
+                  </p:par>
+                  <p:par>
+                    <p:cTn id="7" fill="hold">
+                      <p:stCondLst>
+                        <p:cond delay="indefinite"/>
+                      </p:stCondLst>
+                      <p:childTnLst>
+                        <p:par>
+                          <p:cTn id="8" fill="hold">
+                            <p:stCondLst>
+                              <p:cond delay="0"/>
+                            </p:stCondLst>
+                            <p:childTnLst>
+                              <p:par>
+                                <p:cTn id="9" presetID="1" presetClass="entr" presetSubtype="0" fill="hold" grpId="0" nodeType="clickEffect">
+                                  <p:stCondLst>
+                                    <p:cond delay="0"/>
+                                  </p:stCondLst>
+                                  <p:childTnLst>
+                                    <p:set>
+                                      <p:cBhvr>
+                                        <p:cTn id="10" dur="1" fill="hold">
+                                          <p:stCondLst>
+                                            <p:cond delay="0"/>
+                                          </p:stCondLst>
+                                        </p:cTn>
+                                        <p:tgtEl>
+                                          <p:spTgt spid="8"/>
+                                        </p:tgtEl>
+                                        <p:attrNameLst>
+                                          <p:attrName>style.visibility</p:attrName>
+                                        </p:attrNameLst>
+                                      </p:cBhvr>
+                                      <p:to>
+                                        <p:strVal val="visible"/>
+                                      </p:to>
+                                    </p:set>
+                                  </p:childTnLst>
+                                </p:cTn>
+                              </p:par>
+                            </p:childTnLst>
+                          </p:cTn>
+                        </p:par>
+                      </p:childTnLst>
+                    </p:cTn>
+                  </p:par>
+                </p:childTnLst>
+              </p:cTn>
+              <p:prevCondLst>
+                <p:cond evt="onPrev" delay="0">
+                  <p:tgtEl>
+                    <p:sldTgt/>
+                  </p:tgtEl>
+                </p:cond>
+              </p:prevCondLst>
+              <p:nextCondLst>
+                <p:cond evt="onNext" delay="0">
+                  <p:tgtEl>
+                    <p:sldTgt/>
+                  </p:tgtEl>
+                </p:cond>
+              </p:nextCondLst>
+            </p:seq>
+          </p:childTnLst>
+        </p:cTn>
+      </p:par>
+    </p:tnLst>
+    <p:bldLst>
+      <p:bldP spid="8" grpId="0" animBg="1"/>
+      <p:bldP spid="9" grpId="0" animBg="1"/>
+    </p:bldLst>
+  </p:timing>
 </p:sld>
 </file>
 
@@ -7713,36 +7807,342 @@
         </p:nvSpPr>
         <p:spPr/>
         <p:txBody>
-          <a:bodyPr/>
-          <a:lstStyle/>
-          <a:p>
-            <a:r>
-              <a:rPr lang="de-DE" dirty="0" err="1" smtClean="0"/>
-              <a:t>What</a:t>
-            </a:r>
-            <a:r>
-              <a:rPr lang="de-DE" dirty="0" smtClean="0"/>
-              <a:t> </a:t>
-            </a:r>
-            <a:r>
-              <a:rPr lang="de-DE" dirty="0" err="1" smtClean="0"/>
-              <a:t>we</a:t>
-            </a:r>
-            <a:r>
-              <a:rPr lang="de-DE" dirty="0" smtClean="0"/>
-              <a:t> </a:t>
-            </a:r>
-            <a:r>
-              <a:rPr lang="de-DE" dirty="0" err="1" smtClean="0"/>
-              <a:t>would</a:t>
-            </a:r>
-            <a:r>
-              <a:rPr lang="de-DE" dirty="0" smtClean="0"/>
-              <a:t> </a:t>
-            </a:r>
-            <a:r>
-              <a:rPr lang="de-DE" dirty="0" err="1" smtClean="0"/>
-              <a:t>like</a:t>
+          <a:bodyPr>
+            <a:normAutofit fontScale="90000"/>
+          </a:bodyPr>
+          <a:lstStyle/>
+          <a:p>
+            <a:r>
+              <a:rPr lang="de-DE" dirty="0" err="1" smtClean="0"/>
+              <a:t>Choosing</a:t>
+            </a:r>
+            <a:r>
+              <a:rPr lang="de-DE" dirty="0" smtClean="0"/>
+              <a:t> </a:t>
+            </a:r>
+            <a:r>
+              <a:rPr lang="de-DE" dirty="0" err="1" smtClean="0"/>
+              <a:t>your</a:t>
+            </a:r>
+            <a:r>
+              <a:rPr lang="de-DE" dirty="0" smtClean="0"/>
+              <a:t> </a:t>
+            </a:r>
+            <a:r>
+              <a:rPr lang="de-DE" dirty="0" err="1" smtClean="0"/>
+              <a:t>own</a:t>
+            </a:r>
+            <a:r>
+              <a:rPr lang="de-DE" dirty="0" smtClean="0"/>
+              <a:t> </a:t>
+            </a:r>
+            <a:r>
+              <a:rPr lang="de-DE" dirty="0" err="1" smtClean="0"/>
+              <a:t>cipher</a:t>
+            </a:r>
+            <a:r>
+              <a:rPr lang="de-DE" dirty="0" smtClean="0"/>
+              <a:t> </a:t>
+            </a:r>
+            <a:r>
+              <a:rPr lang="de-DE" dirty="0" err="1" smtClean="0"/>
+              <a:t>string</a:t>
+            </a:r>
+            <a:r>
+              <a:rPr lang="de-DE" dirty="0" smtClean="0"/>
+              <a:t> (1)</a:t>
+            </a:r>
+            <a:endParaRPr lang="de-DE" dirty="0"/>
+          </a:p>
+        </p:txBody>
+      </p:sp>
+      <p:sp>
+        <p:nvSpPr>
+          <p:cNvPr id="3" name="Inhaltsplatzhalter 2"/>
+          <p:cNvSpPr>
+            <a:spLocks noGrp="1"/>
+          </p:cNvSpPr>
+          <p:nvPr>
+            <p:ph idx="1"/>
+          </p:nvPr>
+        </p:nvSpPr>
+        <p:spPr/>
+        <p:txBody>
+          <a:bodyPr>
+            <a:normAutofit fontScale="92500" lnSpcReduction="20000"/>
+          </a:bodyPr>
+          <a:lstStyle/>
+          <a:p>
+            <a:r>
+              <a:rPr lang="de-DE" dirty="0" smtClean="0"/>
+              <a:t>Rolling </a:t>
+            </a:r>
+            <a:r>
+              <a:rPr lang="de-DE" dirty="0" err="1" smtClean="0"/>
+              <a:t>your</a:t>
+            </a:r>
+            <a:r>
+              <a:rPr lang="de-DE" dirty="0" smtClean="0"/>
+              <a:t> </a:t>
+            </a:r>
+            <a:r>
+              <a:rPr lang="de-DE" dirty="0" err="1" smtClean="0"/>
+              <a:t>own</a:t>
+            </a:r>
+            <a:r>
+              <a:rPr lang="de-DE" dirty="0" smtClean="0"/>
+              <a:t> </a:t>
+            </a:r>
+            <a:r>
+              <a:rPr lang="de-DE" dirty="0" err="1" smtClean="0"/>
+              <a:t>cipher</a:t>
+            </a:r>
+            <a:r>
+              <a:rPr lang="de-DE" dirty="0" smtClean="0"/>
+              <a:t> </a:t>
+            </a:r>
+            <a:r>
+              <a:rPr lang="de-DE" dirty="0" err="1" smtClean="0"/>
+              <a:t>suite</a:t>
+            </a:r>
+            <a:r>
+              <a:rPr lang="de-DE" dirty="0" smtClean="0"/>
+              <a:t> </a:t>
+            </a:r>
+            <a:r>
+              <a:rPr lang="de-DE" dirty="0" err="1" smtClean="0"/>
+              <a:t>string</a:t>
+            </a:r>
+            <a:r>
+              <a:rPr lang="de-DE" dirty="0" smtClean="0"/>
+              <a:t> </a:t>
+            </a:r>
+            <a:r>
+              <a:rPr lang="de-DE" dirty="0" err="1" smtClean="0"/>
+              <a:t>involves</a:t>
+            </a:r>
+            <a:r>
+              <a:rPr lang="de-DE" dirty="0" smtClean="0"/>
+              <a:t> a</a:t>
+            </a:r>
+            <a:r>
+              <a:rPr lang="de-DE" dirty="0" smtClean="0"/>
+              <a:t> trade-off </a:t>
+            </a:r>
+            <a:r>
+              <a:rPr lang="de-DE" dirty="0" err="1" smtClean="0"/>
+              <a:t>between</a:t>
+            </a:r>
+            <a:r>
+              <a:rPr lang="de-DE" dirty="0"/>
+              <a:t>:</a:t>
+            </a:r>
+            <a:endParaRPr lang="de-DE" dirty="0" smtClean="0"/>
+          </a:p>
+          <a:p>
+            <a:pPr lvl="1"/>
+            <a:r>
+              <a:rPr lang="de-DE" dirty="0" err="1" smtClean="0"/>
+              <a:t>Compatibility</a:t>
+            </a:r>
+            <a:r>
+              <a:rPr lang="de-DE" dirty="0" smtClean="0"/>
+              <a:t> (server &lt;-&gt; </a:t>
+            </a:r>
+            <a:r>
+              <a:rPr lang="de-DE" dirty="0" err="1" smtClean="0"/>
+              <a:t>client</a:t>
+            </a:r>
+            <a:r>
+              <a:rPr lang="de-DE" dirty="0" smtClean="0"/>
+              <a:t>), vs.</a:t>
+            </a:r>
+          </a:p>
+          <a:p>
+            <a:pPr lvl="1"/>
+            <a:r>
+              <a:rPr lang="de-DE" dirty="0" err="1"/>
+              <a:t>Known</a:t>
+            </a:r>
+            <a:r>
+              <a:rPr lang="de-DE" dirty="0"/>
+              <a:t> </a:t>
+            </a:r>
+            <a:r>
+              <a:rPr lang="de-DE" dirty="0" err="1"/>
+              <a:t>weak</a:t>
+            </a:r>
+            <a:r>
+              <a:rPr lang="de-DE" dirty="0"/>
+              <a:t> </a:t>
+            </a:r>
+            <a:r>
+              <a:rPr lang="de-DE" dirty="0" err="1"/>
+              <a:t>ciphers</a:t>
+            </a:r>
+            <a:r>
+              <a:rPr lang="de-DE" dirty="0"/>
+              <a:t>/</a:t>
+            </a:r>
+            <a:r>
+              <a:rPr lang="de-DE" dirty="0" err="1"/>
+              <a:t>hashes</a:t>
+            </a:r>
+            <a:r>
+              <a:rPr lang="de-DE" dirty="0"/>
+              <a:t>/</a:t>
+            </a:r>
+            <a:r>
+              <a:rPr lang="de-DE" dirty="0" smtClean="0"/>
+              <a:t>MACs</a:t>
+            </a:r>
+          </a:p>
+          <a:p>
+            <a:pPr lvl="1"/>
+            <a:r>
+              <a:rPr lang="de-DE" dirty="0" smtClean="0"/>
+              <a:t>The </a:t>
+            </a:r>
+            <a:r>
+              <a:rPr lang="de-DE" dirty="0" err="1" smtClean="0"/>
+              <a:t>choice</a:t>
+            </a:r>
+            <a:r>
+              <a:rPr lang="de-DE" dirty="0" smtClean="0"/>
+              <a:t> ECC </a:t>
+            </a:r>
+            <a:r>
+              <a:rPr lang="de-DE" dirty="0" err="1" smtClean="0"/>
+              <a:t>or</a:t>
+            </a:r>
+            <a:r>
+              <a:rPr lang="de-DE" dirty="0" smtClean="0"/>
+              <a:t> not, vs.</a:t>
+            </a:r>
+          </a:p>
+          <a:p>
+            <a:pPr lvl="1"/>
+            <a:r>
+              <a:rPr lang="de-DE" dirty="0" smtClean="0"/>
+              <a:t>Support </a:t>
+            </a:r>
+            <a:r>
+              <a:rPr lang="de-DE" dirty="0" err="1" smtClean="0"/>
+              <a:t>by</a:t>
+            </a:r>
+            <a:r>
+              <a:rPr lang="de-DE" dirty="0" smtClean="0"/>
+              <a:t> different </a:t>
+            </a:r>
+            <a:r>
+              <a:rPr lang="de-DE" dirty="0" err="1" smtClean="0"/>
+              <a:t>ssl</a:t>
+            </a:r>
+            <a:r>
+              <a:rPr lang="de-DE" dirty="0" smtClean="0"/>
+              <a:t> </a:t>
+            </a:r>
+            <a:r>
+              <a:rPr lang="de-DE" dirty="0" err="1" smtClean="0"/>
+              <a:t>libs</a:t>
+            </a:r>
+            <a:r>
+              <a:rPr lang="de-DE" dirty="0" smtClean="0"/>
+              <a:t> (</a:t>
+            </a:r>
+            <a:r>
+              <a:rPr lang="de-DE" dirty="0" err="1" smtClean="0"/>
+              <a:t>gnutls</a:t>
+            </a:r>
+            <a:r>
+              <a:rPr lang="de-DE" dirty="0" smtClean="0"/>
+              <a:t>, openssl,...) vs.</a:t>
+            </a:r>
+          </a:p>
+          <a:p>
+            <a:pPr lvl="1"/>
+            <a:r>
+              <a:rPr lang="de-DE" dirty="0" smtClean="0"/>
+              <a:t>Different </a:t>
+            </a:r>
+            <a:r>
+              <a:rPr lang="de-DE" dirty="0" err="1" smtClean="0"/>
+              <a:t>versions</a:t>
+            </a:r>
+            <a:r>
+              <a:rPr lang="de-DE" dirty="0" smtClean="0"/>
+              <a:t> of </a:t>
+            </a:r>
+            <a:r>
+              <a:rPr lang="de-DE" dirty="0" err="1" smtClean="0"/>
+              <a:t>ssl</a:t>
+            </a:r>
+            <a:r>
+              <a:rPr lang="de-DE" dirty="0" smtClean="0"/>
+              <a:t> </a:t>
+            </a:r>
+            <a:r>
+              <a:rPr lang="de-DE" dirty="0" err="1" smtClean="0"/>
+              <a:t>libs</a:t>
+            </a:r>
+            <a:endParaRPr lang="de-DE" dirty="0" smtClean="0"/>
+          </a:p>
+          <a:p>
+            <a:r>
+              <a:rPr lang="de-DE" dirty="0" smtClean="0"/>
+              <a:t>In </a:t>
+            </a:r>
+            <a:r>
+              <a:rPr lang="de-DE" dirty="0" err="1" smtClean="0"/>
+              <a:t>case</a:t>
+            </a:r>
+            <a:r>
+              <a:rPr lang="de-DE" dirty="0" smtClean="0"/>
+              <a:t> of </a:t>
+            </a:r>
+            <a:r>
+              <a:rPr lang="de-DE" dirty="0" err="1" smtClean="0"/>
+              <a:t>ssl</a:t>
+            </a:r>
+            <a:r>
+              <a:rPr lang="de-DE" dirty="0" smtClean="0"/>
+              <a:t> </a:t>
+            </a:r>
+            <a:r>
+              <a:rPr lang="de-DE" dirty="0" err="1" smtClean="0"/>
+              <a:t>lib</a:t>
+            </a:r>
+            <a:r>
+              <a:rPr lang="de-DE" dirty="0" smtClean="0"/>
+              <a:t> </a:t>
+            </a:r>
+            <a:r>
+              <a:rPr lang="de-DE" dirty="0" err="1" smtClean="0"/>
+              <a:t>version</a:t>
+            </a:r>
+            <a:r>
+              <a:rPr lang="de-DE" dirty="0" smtClean="0"/>
+              <a:t> </a:t>
+            </a:r>
+            <a:r>
+              <a:rPr lang="de-DE" dirty="0" err="1" smtClean="0"/>
+              <a:t>issues</a:t>
+            </a:r>
+            <a:r>
+              <a:rPr lang="de-DE" dirty="0" smtClean="0"/>
+              <a:t>: do </a:t>
+            </a:r>
+            <a:r>
+              <a:rPr lang="de-DE" dirty="0" err="1" smtClean="0"/>
+              <a:t>you</a:t>
+            </a:r>
+            <a:r>
+              <a:rPr lang="de-DE" dirty="0" smtClean="0"/>
+              <a:t> </a:t>
+            </a:r>
+            <a:r>
+              <a:rPr lang="de-DE" dirty="0" err="1" smtClean="0"/>
+              <a:t>want</a:t>
             </a:r>
             <a:r>
               <a:rPr lang="de-DE" dirty="0" smtClean="0"/>
@@ -7758,200 +8158,113 @@
             </a:r>
             <a:r>
               <a:rPr lang="de-DE" dirty="0" err="1" smtClean="0"/>
-              <a:t>see</a:t>
+              <a:t>re-compile</a:t>
+            </a:r>
+            <a:r>
+              <a:rPr lang="de-DE" dirty="0" smtClean="0"/>
+              <a:t> </a:t>
+            </a:r>
+            <a:r>
+              <a:rPr lang="de-DE" dirty="0" err="1" smtClean="0"/>
+              <a:t>the</a:t>
+            </a:r>
+            <a:r>
+              <a:rPr lang="de-DE" dirty="0" smtClean="0"/>
+              <a:t> </a:t>
+            </a:r>
+            <a:r>
+              <a:rPr lang="de-DE" dirty="0" err="1" smtClean="0"/>
+              <a:t>whole</a:t>
+            </a:r>
+            <a:r>
+              <a:rPr lang="de-DE" dirty="0" smtClean="0"/>
+              <a:t> server?</a:t>
+            </a:r>
+          </a:p>
+          <a:p>
+            <a:r>
+              <a:rPr lang="de-DE" dirty="0" err="1" smtClean="0"/>
+              <a:t>Be</a:t>
+            </a:r>
+            <a:r>
+              <a:rPr lang="de-DE" dirty="0" smtClean="0"/>
+              <a:t> </a:t>
+            </a:r>
+            <a:r>
+              <a:rPr lang="de-DE" dirty="0" err="1"/>
+              <a:t>aware</a:t>
+            </a:r>
+            <a:r>
+              <a:rPr lang="de-DE" dirty="0"/>
+              <a:t> of </a:t>
+            </a:r>
+            <a:r>
+              <a:rPr lang="de-DE" dirty="0" err="1"/>
+              <a:t>these</a:t>
+            </a:r>
+            <a:r>
+              <a:rPr lang="de-DE" dirty="0"/>
+              <a:t> </a:t>
+            </a:r>
+            <a:r>
+              <a:rPr lang="de-DE" dirty="0" err="1"/>
+              <a:t>issues</a:t>
+            </a:r>
+            <a:r>
+              <a:rPr lang="de-DE" dirty="0"/>
+              <a:t> </a:t>
+            </a:r>
+            <a:r>
+              <a:rPr lang="de-DE" dirty="0" err="1"/>
+              <a:t>before</a:t>
+            </a:r>
+            <a:r>
+              <a:rPr lang="de-DE" dirty="0"/>
+              <a:t> </a:t>
+            </a:r>
+            <a:r>
+              <a:rPr lang="de-DE" dirty="0" err="1"/>
+              <a:t>choosing</a:t>
+            </a:r>
+            <a:r>
+              <a:rPr lang="de-DE" dirty="0"/>
+              <a:t> </a:t>
+            </a:r>
+            <a:r>
+              <a:rPr lang="de-DE" dirty="0" err="1"/>
+              <a:t>your</a:t>
+            </a:r>
+            <a:r>
+              <a:rPr lang="de-DE" dirty="0"/>
+              <a:t> </a:t>
+            </a:r>
+            <a:r>
+              <a:rPr lang="de-DE" dirty="0" err="1"/>
+              <a:t>own</a:t>
+            </a:r>
+            <a:r>
+              <a:rPr lang="de-DE" dirty="0"/>
+              <a:t> </a:t>
+            </a:r>
+            <a:r>
+              <a:rPr lang="de-DE" dirty="0" err="1"/>
+              <a:t>cipher</a:t>
+            </a:r>
+            <a:r>
+              <a:rPr lang="de-DE" dirty="0"/>
+              <a:t> </a:t>
+            </a:r>
+            <a:r>
+              <a:rPr lang="de-DE" dirty="0" err="1"/>
+              <a:t>suite</a:t>
             </a:r>
             <a:endParaRPr lang="de-DE" dirty="0"/>
           </a:p>
-        </p:txBody>
-      </p:sp>
-      <p:sp>
-        <p:nvSpPr>
-          <p:cNvPr id="3" name="Inhaltsplatzhalter 2"/>
-          <p:cNvSpPr>
-            <a:spLocks noGrp="1"/>
-          </p:cNvSpPr>
-          <p:nvPr>
-            <p:ph idx="1"/>
-          </p:nvPr>
-        </p:nvSpPr>
-        <p:spPr/>
-        <p:txBody>
-          <a:bodyPr>
-            <a:normAutofit fontScale="92500" lnSpcReduction="10000"/>
-          </a:bodyPr>
-          <a:lstStyle/>
-          <a:p>
-            <a:r>
-              <a:rPr lang="de-DE" dirty="0">
-                <a:solidFill>
-                  <a:srgbClr val="FF6600"/>
-                </a:solidFill>
-              </a:rPr>
-              <a:t>Mail: </a:t>
-            </a:r>
-            <a:r>
-              <a:rPr lang="de-DE" dirty="0" smtClean="0">
-                <a:solidFill>
-                  <a:srgbClr val="FF6600"/>
-                </a:solidFill>
-              </a:rPr>
-              <a:t>Exchange</a:t>
-            </a:r>
-          </a:p>
-          <a:p>
-            <a:r>
-              <a:rPr lang="de-DE" dirty="0" smtClean="0">
-                <a:solidFill>
-                  <a:srgbClr val="FF6600"/>
-                </a:solidFill>
-              </a:rPr>
-              <a:t>SSH</a:t>
-            </a:r>
-            <a:endParaRPr lang="de-DE" dirty="0">
-              <a:solidFill>
-                <a:srgbClr val="FF6600"/>
-              </a:solidFill>
-            </a:endParaRPr>
-          </a:p>
-          <a:p>
-            <a:r>
-              <a:rPr lang="de-DE" dirty="0">
-                <a:solidFill>
-                  <a:srgbClr val="FF6600"/>
-                </a:solidFill>
-              </a:rPr>
-              <a:t>VPN: </a:t>
-            </a:r>
-            <a:r>
-              <a:rPr lang="de-DE" dirty="0" err="1">
-                <a:solidFill>
-                  <a:srgbClr val="FF6600"/>
-                </a:solidFill>
-              </a:rPr>
-              <a:t>OpenVPN</a:t>
-            </a:r>
-            <a:r>
-              <a:rPr lang="de-DE" dirty="0">
-                <a:solidFill>
-                  <a:srgbClr val="FF6600"/>
-                </a:solidFill>
-              </a:rPr>
-              <a:t>, IPSec, PPTP, Cisco IPSec, </a:t>
-            </a:r>
-            <a:r>
-              <a:rPr lang="de-DE" dirty="0" err="1">
-                <a:solidFill>
-                  <a:srgbClr val="FF6600"/>
-                </a:solidFill>
-              </a:rPr>
-              <a:t>Juniper</a:t>
-            </a:r>
-            <a:r>
-              <a:rPr lang="de-DE" dirty="0">
-                <a:solidFill>
-                  <a:srgbClr val="FF6600"/>
-                </a:solidFill>
-              </a:rPr>
-              <a:t> </a:t>
-            </a:r>
-            <a:r>
-              <a:rPr lang="de-DE" dirty="0" err="1">
-                <a:solidFill>
-                  <a:srgbClr val="FF6600"/>
-                </a:solidFill>
-              </a:rPr>
-              <a:t>Ipsec</a:t>
-            </a:r>
-            <a:r>
-              <a:rPr lang="de-DE" dirty="0">
-                <a:solidFill>
-                  <a:srgbClr val="FF6600"/>
-                </a:solidFill>
-              </a:rPr>
-              <a:t>, L2TP, </a:t>
-            </a:r>
-            <a:r>
-              <a:rPr lang="de-DE" dirty="0" err="1">
-                <a:solidFill>
-                  <a:srgbClr val="FF6600"/>
-                </a:solidFill>
-              </a:rPr>
-              <a:t>Racoon</a:t>
-            </a:r>
-            <a:endParaRPr lang="de-DE" dirty="0">
-              <a:solidFill>
-                <a:srgbClr val="FF6600"/>
-              </a:solidFill>
-            </a:endParaRPr>
-          </a:p>
-          <a:p>
-            <a:r>
-              <a:rPr lang="de-DE" dirty="0">
-                <a:solidFill>
-                  <a:srgbClr val="FF6600"/>
-                </a:solidFill>
-              </a:rPr>
-              <a:t>PGP</a:t>
-            </a:r>
-          </a:p>
-          <a:p>
-            <a:r>
-              <a:rPr lang="de-DE" dirty="0">
-                <a:solidFill>
-                  <a:srgbClr val="FF6600"/>
-                </a:solidFill>
-              </a:rPr>
-              <a:t>IPMI, ILO, ...</a:t>
-            </a:r>
-          </a:p>
-          <a:p>
-            <a:r>
-              <a:rPr lang="de-DE" dirty="0">
-                <a:solidFill>
-                  <a:srgbClr val="FF6600"/>
-                </a:solidFill>
-              </a:rPr>
-              <a:t>SIP</a:t>
-            </a:r>
-          </a:p>
-          <a:p>
-            <a:r>
-              <a:rPr lang="de-DE" dirty="0" smtClean="0">
-                <a:solidFill>
-                  <a:srgbClr val="FF6600"/>
-                </a:solidFill>
-              </a:rPr>
-              <a:t>XMPP</a:t>
-            </a:r>
-          </a:p>
-          <a:p>
-            <a:r>
-              <a:rPr lang="de-DE" dirty="0">
-                <a:solidFill>
-                  <a:srgbClr val="FF6600"/>
-                </a:solidFill>
-              </a:rPr>
-              <a:t>DBs: </a:t>
-            </a:r>
-            <a:r>
-              <a:rPr lang="de-DE" dirty="0" smtClean="0">
-                <a:solidFill>
-                  <a:srgbClr val="FF6600"/>
-                </a:solidFill>
-              </a:rPr>
-              <a:t>Oracle</a:t>
-            </a:r>
-            <a:r>
-              <a:rPr lang="de-DE" dirty="0">
-                <a:solidFill>
-                  <a:srgbClr val="FF6600"/>
-                </a:solidFill>
-              </a:rPr>
-              <a:t>, DB2</a:t>
-            </a:r>
-          </a:p>
-          <a:p>
-            <a:endParaRPr lang="de-DE" dirty="0"/>
+          <a:p>
+            <a:pPr marL="457200" lvl="1" indent="0">
+              <a:buNone/>
+            </a:pPr>
+            <a:endParaRPr lang="de-DE" dirty="0" smtClean="0"/>
           </a:p>
         </p:txBody>
       </p:sp>
@@ -7963,8 +8276,8 @@
         </p:nvSpPr>
         <p:spPr>
           <a:xfrm>
-            <a:off x="7297503" y="6126163"/>
-            <a:ext cx="1389297" cy="369332"/>
+            <a:off x="7318323" y="6126163"/>
+            <a:ext cx="1676031" cy="369332"/>
           </a:xfrm>
           <a:prstGeom prst="rect">
             <a:avLst/>
@@ -7979,7 +8292,7 @@
           <a:p>
             <a:r>
               <a:rPr lang="de-DE" dirty="0" smtClean="0"/>
-              <a:t>Aaron</a:t>
+              <a:t>Adi</a:t>
             </a:r>
             <a:endParaRPr lang="de-DE" dirty="0"/>
           </a:p>
@@ -7988,13 +8301,20 @@
     </p:spTree>
     <p:extLst>
       <p:ext uri="{BB962C8B-B14F-4D97-AF65-F5344CB8AC3E}">
-        <p14:creationId xmlns:p14="http://schemas.microsoft.com/office/powerpoint/2010/main" val="3458012645"/>
+        <p14:creationId xmlns:p14="http://schemas.microsoft.com/office/powerpoint/2010/main" val="2786823696"/>
       </p:ext>
     </p:extLst>
   </p:cSld>
   <p:clrMapOvr>
     <a:masterClrMapping/>
   </p:clrMapOvr>
+  <p:timing>
+    <p:tnLst>
+      <p:par>
+        <p:cTn xmlns:p14="http://schemas.microsoft.com/office/powerpoint/2010/main" id="1" dur="indefinite" restart="never" nodeType="tmRoot"/>
+      </p:par>
+    </p:tnLst>
+  </p:timing>
 </p:sld>
 </file>
 
@@ -8027,16 +8347,50 @@
         </p:nvSpPr>
         <p:spPr/>
         <p:txBody>
-          <a:bodyPr/>
-          <a:lstStyle/>
-          <a:p>
-            <a:r>
-              <a:rPr lang="de-DE" dirty="0" err="1" smtClean="0"/>
-              <a:t>Example</a:t>
-            </a:r>
-            <a:r>
-              <a:rPr lang="de-DE" dirty="0" smtClean="0"/>
-              <a:t>: Apache</a:t>
+          <a:bodyPr>
+            <a:normAutofit fontScale="90000"/>
+          </a:bodyPr>
+          <a:lstStyle/>
+          <a:p>
+            <a:r>
+              <a:rPr lang="de-DE" dirty="0" err="1" smtClean="0"/>
+              <a:t>Choosing</a:t>
+            </a:r>
+            <a:r>
+              <a:rPr lang="de-DE" dirty="0" smtClean="0"/>
+              <a:t> </a:t>
+            </a:r>
+            <a:r>
+              <a:rPr lang="de-DE" dirty="0" err="1" smtClean="0"/>
+              <a:t>your</a:t>
+            </a:r>
+            <a:r>
+              <a:rPr lang="de-DE" dirty="0" smtClean="0"/>
+              <a:t> </a:t>
+            </a:r>
+            <a:r>
+              <a:rPr lang="de-DE" dirty="0" err="1" smtClean="0"/>
+              <a:t>own</a:t>
+            </a:r>
+            <a:r>
+              <a:rPr lang="de-DE" dirty="0" smtClean="0"/>
+              <a:t> </a:t>
+            </a:r>
+            <a:r>
+              <a:rPr lang="de-DE" dirty="0" err="1" smtClean="0"/>
+              <a:t>cipher</a:t>
+            </a:r>
+            <a:r>
+              <a:rPr lang="de-DE" dirty="0" smtClean="0"/>
+              <a:t> </a:t>
+            </a:r>
+            <a:r>
+              <a:rPr lang="de-DE" dirty="0" err="1" smtClean="0"/>
+              <a:t>string</a:t>
+            </a:r>
+            <a:r>
+              <a:rPr lang="de-DE" dirty="0" smtClean="0"/>
+              <a:t> (2)</a:t>
             </a:r>
             <a:endParaRPr lang="de-DE" dirty="0"/>
           </a:p>
@@ -8054,30 +8408,30 @@
         </p:nvSpPr>
         <p:spPr/>
         <p:txBody>
-          <a:bodyPr/>
-          <a:lstStyle/>
-          <a:p>
-            <a:r>
-              <a:rPr lang="de-DE" dirty="0" smtClean="0">
-                <a:solidFill>
-                  <a:srgbClr val="FF0000"/>
-                </a:solidFill>
-              </a:rPr>
-              <a:t>TODO </a:t>
-            </a:r>
-            <a:r>
-              <a:rPr lang="de-DE" dirty="0" err="1" smtClean="0">
-                <a:solidFill>
-                  <a:srgbClr val="FF0000"/>
-                </a:solidFill>
-              </a:rPr>
-              <a:t>aaron</a:t>
-            </a:r>
-            <a:endParaRPr lang="de-DE" dirty="0">
-              <a:solidFill>
-                <a:srgbClr val="FF0000"/>
-              </a:solidFill>
-            </a:endParaRPr>
+          <a:bodyPr>
+            <a:normAutofit/>
+          </a:bodyPr>
+          <a:lstStyle/>
+          <a:p>
+            <a:r>
+              <a:rPr lang="de-DE" dirty="0" err="1" smtClean="0"/>
+              <a:t>Complexity</a:t>
+            </a:r>
+            <a:endParaRPr lang="de-DE" dirty="0" smtClean="0"/>
+          </a:p>
+          <a:p>
+            <a:r>
+              <a:rPr lang="de-DE" dirty="0" smtClean="0"/>
+              <a:t>Multi-dimensional </a:t>
+            </a:r>
+            <a:r>
+              <a:rPr lang="de-DE" dirty="0" err="1" smtClean="0"/>
+              <a:t>optimisation</a:t>
+            </a:r>
+            <a:endParaRPr lang="de-DE" dirty="0" smtClean="0"/>
+          </a:p>
+          <a:p>
+            <a:endParaRPr lang="de-DE" dirty="0" smtClean="0"/>
           </a:p>
         </p:txBody>
       </p:sp>
@@ -8089,8 +8443,8 @@
         </p:nvSpPr>
         <p:spPr>
           <a:xfrm>
-            <a:off x="7297503" y="6126163"/>
-            <a:ext cx="1389297" cy="369332"/>
+            <a:off x="7318323" y="6126163"/>
+            <a:ext cx="1676031" cy="369332"/>
           </a:xfrm>
           <a:prstGeom prst="rect">
             <a:avLst/>
@@ -8105,22 +8459,53 @@
           <a:p>
             <a:r>
               <a:rPr lang="de-DE" dirty="0" smtClean="0"/>
-              <a:t>Aaron</a:t>
+              <a:t>Adi</a:t>
             </a:r>
             <a:endParaRPr lang="de-DE" dirty="0"/>
           </a:p>
         </p:txBody>
       </p:sp>
+      <p:pic>
+        <p:nvPicPr>
+          <p:cNvPr id="7" name="Bild 6"/>
+          <p:cNvPicPr>
+            <a:picLocks noChangeAspect="1"/>
+          </p:cNvPicPr>
+          <p:nvPr/>
+        </p:nvPicPr>
+        <p:blipFill>
+          <a:blip r:embed="rId2"/>
+          <a:stretch>
+            <a:fillRect/>
+          </a:stretch>
+        </p:blipFill>
+        <p:spPr>
+          <a:xfrm>
+            <a:off x="2590800" y="3122826"/>
+            <a:ext cx="3949700" cy="2819400"/>
+          </a:xfrm>
+          <a:prstGeom prst="rect">
+            <a:avLst/>
+          </a:prstGeom>
+        </p:spPr>
+      </p:pic>
     </p:spTree>
     <p:extLst>
       <p:ext uri="{BB962C8B-B14F-4D97-AF65-F5344CB8AC3E}">
-        <p14:creationId xmlns:p14="http://schemas.microsoft.com/office/powerpoint/2010/main" val="2041378095"/>
+        <p14:creationId xmlns:p14="http://schemas.microsoft.com/office/powerpoint/2010/main" val="765680266"/>
       </p:ext>
     </p:extLst>
   </p:cSld>
   <p:clrMapOvr>
     <a:masterClrMapping/>
   </p:clrMapOvr>
+  <p:timing>
+    <p:tnLst>
+      <p:par>
+        <p:cTn xmlns:p14="http://schemas.microsoft.com/office/powerpoint/2010/main" id="1" dur="indefinite" restart="never" nodeType="tmRoot"/>
+      </p:par>
+    </p:tnLst>
+  </p:timing>
 </p:sld>
 </file>
 
@@ -8158,7 +8543,15 @@
           <a:p>
             <a:r>
               <a:rPr lang="de-DE" dirty="0" err="1" smtClean="0"/>
-              <a:t>Testing</a:t>
+              <a:t>Practical</a:t>
+            </a:r>
+            <a:r>
+              <a:rPr lang="de-DE" dirty="0" smtClean="0"/>
+              <a:t> </a:t>
+            </a:r>
+            <a:r>
+              <a:rPr lang="de-DE" dirty="0" err="1" smtClean="0"/>
+              <a:t>settings</a:t>
             </a:r>
             <a:endParaRPr lang="de-DE" dirty="0"/>
           </a:p>
@@ -8216,13 +8609,20 @@
     </p:spTree>
     <p:extLst>
       <p:ext uri="{BB962C8B-B14F-4D97-AF65-F5344CB8AC3E}">
-        <p14:creationId xmlns:p14="http://schemas.microsoft.com/office/powerpoint/2010/main" val="1609773502"/>
+        <p14:creationId xmlns:p14="http://schemas.microsoft.com/office/powerpoint/2010/main" val="1813752796"/>
       </p:ext>
     </p:extLst>
   </p:cSld>
   <p:clrMapOvr>
     <a:masterClrMapping/>
   </p:clrMapOvr>
+  <p:timing>
+    <p:tnLst>
+      <p:par>
+        <p:cTn xmlns:p14="http://schemas.microsoft.com/office/powerpoint/2010/main" id="1" dur="indefinite" restart="never" nodeType="tmRoot"/>
+      </p:par>
+    </p:tnLst>
+  </p:timing>
 </p:sld>
 </file>
 
@@ -8245,7 +8645,7 @@
       </p:grpSpPr>
       <p:sp>
         <p:nvSpPr>
-          <p:cNvPr id="2" name="Titel 1"/>
+          <p:cNvPr id="6" name="Titel 5"/>
           <p:cNvSpPr>
             <a:spLocks noGrp="1"/>
           </p:cNvSpPr>
@@ -8260,27 +8660,31 @@
           <a:p>
             <a:r>
               <a:rPr lang="de-DE" dirty="0" err="1" smtClean="0"/>
-              <a:t>How</a:t>
-            </a:r>
-            <a:r>
-              <a:rPr lang="de-DE" dirty="0" smtClean="0"/>
-              <a:t> </a:t>
-            </a:r>
-            <a:r>
-              <a:rPr lang="de-DE" dirty="0" err="1" smtClean="0"/>
-              <a:t>to</a:t>
-            </a:r>
-            <a:r>
-              <a:rPr lang="de-DE" dirty="0" smtClean="0"/>
-              <a:t> </a:t>
-            </a:r>
-            <a:r>
-              <a:rPr lang="de-DE" dirty="0" err="1" smtClean="0"/>
-              <a:t>test</a:t>
-            </a:r>
-            <a:r>
-              <a:rPr lang="de-DE" dirty="0" smtClean="0"/>
-              <a:t>? - Tools</a:t>
+              <a:t>What</a:t>
+            </a:r>
+            <a:r>
+              <a:rPr lang="de-DE" dirty="0" smtClean="0"/>
+              <a:t> </a:t>
+            </a:r>
+            <a:r>
+              <a:rPr lang="de-DE" dirty="0" err="1" smtClean="0"/>
+              <a:t>we</a:t>
+            </a:r>
+            <a:r>
+              <a:rPr lang="de-DE" dirty="0" smtClean="0"/>
+              <a:t> </a:t>
+            </a:r>
+            <a:r>
+              <a:rPr lang="de-DE" dirty="0" err="1" smtClean="0"/>
+              <a:t>have</a:t>
+            </a:r>
+            <a:r>
+              <a:rPr lang="de-DE" dirty="0" smtClean="0"/>
+              <a:t> so </a:t>
+            </a:r>
+            <a:r>
+              <a:rPr lang="de-DE" dirty="0" err="1" smtClean="0"/>
+              <a:t>far</a:t>
             </a:r>
             <a:endParaRPr lang="de-DE" dirty="0"/>
           </a:p>
@@ -8288,7 +8692,7 @@
       </p:sp>
       <p:sp>
         <p:nvSpPr>
-          <p:cNvPr id="3" name="Inhaltsplatzhalter 2"/>
+          <p:cNvPr id="7" name="Inhaltsplatzhalter 6"/>
           <p:cNvSpPr>
             <a:spLocks noGrp="1"/>
           </p:cNvSpPr>
@@ -8304,179 +8708,107 @@
           <a:lstStyle/>
           <a:p>
             <a:r>
-              <a:rPr lang="de-DE" dirty="0" err="1" smtClean="0"/>
-              <a:t>ssllabs.com</a:t>
-            </a:r>
-            <a:endParaRPr lang="de-DE" dirty="0" smtClean="0"/>
-          </a:p>
-          <a:p>
-            <a:r>
-              <a:rPr lang="de-DE" dirty="0" err="1"/>
-              <a:t>x</a:t>
-            </a:r>
-            <a:r>
-              <a:rPr lang="de-DE" dirty="0" err="1" smtClean="0"/>
-              <a:t>mpp.org</a:t>
-            </a:r>
-            <a:endParaRPr lang="de-DE" dirty="0" smtClean="0"/>
-          </a:p>
-          <a:p>
-            <a:r>
-              <a:rPr lang="de-DE" dirty="0" err="1" smtClean="0"/>
-              <a:t>tlstester</a:t>
-            </a:r>
-            <a:r>
-              <a:rPr lang="de-DE" dirty="0" smtClean="0"/>
-              <a:t>...</a:t>
-            </a:r>
-          </a:p>
-          <a:p>
-            <a:r>
-              <a:rPr lang="de-DE" dirty="0" err="1" smtClean="0"/>
-              <a:t>What</a:t>
-            </a:r>
-            <a:r>
-              <a:rPr lang="de-DE" dirty="0" smtClean="0"/>
-              <a:t> </a:t>
-            </a:r>
-            <a:r>
-              <a:rPr lang="de-DE" dirty="0" err="1" smtClean="0"/>
-              <a:t>can</a:t>
-            </a:r>
-            <a:r>
-              <a:rPr lang="de-DE" dirty="0" smtClean="0"/>
-              <a:t> </a:t>
-            </a:r>
-            <a:r>
-              <a:rPr lang="de-DE" dirty="0" err="1" smtClean="0"/>
-              <a:t>people</a:t>
-            </a:r>
-            <a:r>
-              <a:rPr lang="de-DE" dirty="0" smtClean="0"/>
-              <a:t> do </a:t>
-            </a:r>
-            <a:r>
-              <a:rPr lang="de-DE" dirty="0" err="1" smtClean="0"/>
-              <a:t>to</a:t>
-            </a:r>
-            <a:r>
-              <a:rPr lang="de-DE" dirty="0" smtClean="0"/>
-              <a:t> </a:t>
-            </a:r>
-            <a:r>
-              <a:rPr lang="de-DE" dirty="0" err="1" smtClean="0"/>
-              <a:t>test</a:t>
-            </a:r>
-            <a:r>
-              <a:rPr lang="de-DE" dirty="0" smtClean="0"/>
-              <a:t> </a:t>
-            </a:r>
-            <a:r>
-              <a:rPr lang="de-DE" dirty="0" err="1" smtClean="0"/>
-              <a:t>themselves</a:t>
-            </a:r>
-            <a:r>
-              <a:rPr lang="de-DE" dirty="0" smtClean="0"/>
-              <a:t>?</a:t>
-            </a:r>
-          </a:p>
-          <a:p>
-            <a:r>
-              <a:rPr lang="de-DE" dirty="0" err="1" smtClean="0"/>
-              <a:t>What</a:t>
-            </a:r>
-            <a:r>
-              <a:rPr lang="de-DE" dirty="0" smtClean="0"/>
-              <a:t> </a:t>
-            </a:r>
-            <a:r>
-              <a:rPr lang="de-DE" dirty="0" err="1" smtClean="0"/>
-              <a:t>does</a:t>
-            </a:r>
-            <a:r>
-              <a:rPr lang="de-DE" dirty="0"/>
-              <a:t> </a:t>
-            </a:r>
-            <a:r>
-              <a:rPr lang="de-DE" dirty="0" smtClean="0"/>
-              <a:t>a </a:t>
-            </a:r>
-            <a:r>
-              <a:rPr lang="de-DE" dirty="0" err="1" smtClean="0"/>
-              <a:t>test</a:t>
-            </a:r>
-            <a:r>
-              <a:rPr lang="de-DE" dirty="0" smtClean="0"/>
-              <a:t> </a:t>
-            </a:r>
-            <a:r>
-              <a:rPr lang="de-DE" dirty="0" err="1" smtClean="0"/>
-              <a:t>result</a:t>
-            </a:r>
-            <a:r>
-              <a:rPr lang="de-DE" dirty="0" smtClean="0"/>
-              <a:t> </a:t>
-            </a:r>
-            <a:r>
-              <a:rPr lang="de-DE" dirty="0" err="1" smtClean="0"/>
-              <a:t>mean</a:t>
-            </a:r>
-            <a:r>
-              <a:rPr lang="de-DE" dirty="0" smtClean="0"/>
-              <a:t>?</a:t>
-            </a:r>
-          </a:p>
-          <a:p>
-            <a:r>
-              <a:rPr lang="de-DE" dirty="0" smtClean="0"/>
-              <a:t>Potential </a:t>
-            </a:r>
-            <a:r>
-              <a:rPr lang="de-DE" dirty="0" err="1" smtClean="0"/>
-              <a:t>for</a:t>
-            </a:r>
-            <a:r>
-              <a:rPr lang="de-DE" dirty="0" smtClean="0"/>
-              <a:t> a </a:t>
-            </a:r>
-            <a:r>
-              <a:rPr lang="de-DE" dirty="0" err="1" smtClean="0"/>
-              <a:t>config</a:t>
-            </a:r>
-            <a:r>
-              <a:rPr lang="de-DE" dirty="0" smtClean="0"/>
-              <a:t> file </a:t>
-            </a:r>
-            <a:r>
-              <a:rPr lang="de-DE" dirty="0" err="1" smtClean="0"/>
-              <a:t>generator</a:t>
-            </a:r>
-            <a:r>
-              <a:rPr lang="de-DE" dirty="0" smtClean="0"/>
-              <a:t> (</a:t>
-            </a:r>
-            <a:r>
-              <a:rPr lang="de-DE" dirty="0" err="1" smtClean="0"/>
-              <a:t>as</a:t>
-            </a:r>
-            <a:r>
-              <a:rPr lang="de-DE" dirty="0" smtClean="0"/>
-              <a:t> </a:t>
-            </a:r>
-            <a:r>
-              <a:rPr lang="de-DE" dirty="0" err="1" smtClean="0"/>
-              <a:t>discussed</a:t>
-            </a:r>
-            <a:r>
-              <a:rPr lang="de-DE" dirty="0" smtClean="0"/>
-              <a:t>)?</a:t>
-            </a:r>
-          </a:p>
-        </p:txBody>
-      </p:sp>
-      <p:sp>
-        <p:nvSpPr>
-          <p:cNvPr id="4" name="Textfeld 3"/>
+              <a:rPr lang="de-DE" dirty="0" smtClean="0"/>
+              <a:t>Web server: Apache, </a:t>
+            </a:r>
+            <a:r>
+              <a:rPr lang="de-DE" dirty="0" err="1" smtClean="0"/>
+              <a:t>nginx</a:t>
+            </a:r>
+            <a:r>
+              <a:rPr lang="de-DE" dirty="0" smtClean="0"/>
+              <a:t>, IIS, </a:t>
+            </a:r>
+            <a:r>
+              <a:rPr lang="de-DE" dirty="0" err="1" smtClean="0"/>
+              <a:t>lighttpd</a:t>
+            </a:r>
+            <a:endParaRPr lang="de-DE" dirty="0"/>
+          </a:p>
+          <a:p>
+            <a:r>
+              <a:rPr lang="de-DE" dirty="0" smtClean="0"/>
+              <a:t>Mail: </a:t>
+            </a:r>
+            <a:r>
+              <a:rPr lang="de-DE" dirty="0" err="1" smtClean="0"/>
+              <a:t>Dovecot</a:t>
+            </a:r>
+            <a:r>
+              <a:rPr lang="de-DE" dirty="0" smtClean="0"/>
+              <a:t>, </a:t>
+            </a:r>
+            <a:r>
+              <a:rPr lang="de-DE" dirty="0" err="1" smtClean="0"/>
+              <a:t>cyrus</a:t>
+            </a:r>
+            <a:r>
+              <a:rPr lang="de-DE" dirty="0" smtClean="0"/>
+              <a:t>, </a:t>
+            </a:r>
+            <a:r>
+              <a:rPr lang="de-DE" dirty="0" err="1" smtClean="0"/>
+              <a:t>Postfix</a:t>
+            </a:r>
+            <a:r>
+              <a:rPr lang="de-DE" dirty="0" smtClean="0"/>
+              <a:t>, </a:t>
+            </a:r>
+            <a:r>
+              <a:rPr lang="de-DE" dirty="0" err="1" smtClean="0"/>
+              <a:t>Exim</a:t>
+            </a:r>
+            <a:r>
+              <a:rPr lang="de-DE" dirty="0" smtClean="0"/>
+              <a:t>, </a:t>
+            </a:r>
+            <a:r>
+              <a:rPr lang="de-DE" dirty="0" smtClean="0">
+                <a:solidFill>
+                  <a:srgbClr val="FF6600"/>
+                </a:solidFill>
+              </a:rPr>
+              <a:t>Exchange</a:t>
+            </a:r>
+          </a:p>
+          <a:p>
+            <a:r>
+              <a:rPr lang="de-DE" dirty="0" smtClean="0">
+                <a:solidFill>
+                  <a:srgbClr val="000000"/>
+                </a:solidFill>
+              </a:rPr>
+              <a:t>DBs: </a:t>
+            </a:r>
+            <a:r>
+              <a:rPr lang="de-DE" dirty="0" err="1" smtClean="0"/>
+              <a:t>Postgresql</a:t>
+            </a:r>
+            <a:r>
+              <a:rPr lang="de-DE" dirty="0" smtClean="0"/>
+              <a:t>, Mysql</a:t>
+            </a:r>
+          </a:p>
+          <a:p>
+            <a:r>
+              <a:rPr lang="de-DE" dirty="0" err="1" smtClean="0">
+                <a:solidFill>
+                  <a:srgbClr val="000000"/>
+                </a:solidFill>
+              </a:rPr>
+              <a:t>Proxies</a:t>
+            </a:r>
+            <a:endParaRPr lang="de-DE" dirty="0">
+              <a:solidFill>
+                <a:srgbClr val="000000"/>
+              </a:solidFill>
+            </a:endParaRPr>
+          </a:p>
+        </p:txBody>
+      </p:sp>
+      <p:sp>
+        <p:nvSpPr>
+          <p:cNvPr id="8" name="Textfeld 7"/>
           <p:cNvSpPr txBox="1"/>
           <p:nvPr/>
         </p:nvSpPr>
@@ -8507,20 +8839,13 @@
     </p:spTree>
     <p:extLst>
       <p:ext uri="{BB962C8B-B14F-4D97-AF65-F5344CB8AC3E}">
-        <p14:creationId xmlns:p14="http://schemas.microsoft.com/office/powerpoint/2010/main" val="2778558749"/>
+        <p14:creationId xmlns:p14="http://schemas.microsoft.com/office/powerpoint/2010/main" val="4235670127"/>
       </p:ext>
     </p:extLst>
   </p:cSld>
   <p:clrMapOvr>
     <a:masterClrMapping/>
   </p:clrMapOvr>
-  <p:timing>
-    <p:tnLst>
-      <p:par>
-        <p:cTn id="1" dur="indefinite" restart="never" nodeType="tmRoot"/>
-      </p:par>
-    </p:tnLst>
-  </p:timing>
 </p:sld>
 </file>
 
@@ -8672,7 +8997,7 @@
   <p:timing>
     <p:tnLst>
       <p:par>
-        <p:cTn id="1" dur="indefinite" restart="never" nodeType="tmRoot"/>
+        <p:cTn xmlns:p14="http://schemas.microsoft.com/office/powerpoint/2010/main" id="1" dur="indefinite" restart="never" nodeType="tmRoot"/>
       </p:par>
     </p:tnLst>
   </p:timing>
@@ -8713,7 +9038,47 @@
           <a:p>
             <a:r>
               <a:rPr lang="de-DE" dirty="0" err="1" smtClean="0"/>
-              <a:t>ssllabs</a:t>
+              <a:t>What</a:t>
+            </a:r>
+            <a:r>
+              <a:rPr lang="de-DE" dirty="0" smtClean="0"/>
+              <a:t> </a:t>
+            </a:r>
+            <a:r>
+              <a:rPr lang="de-DE" dirty="0" err="1" smtClean="0"/>
+              <a:t>we</a:t>
+            </a:r>
+            <a:r>
+              <a:rPr lang="de-DE" dirty="0" smtClean="0"/>
+              <a:t> </a:t>
+            </a:r>
+            <a:r>
+              <a:rPr lang="de-DE" dirty="0" err="1" smtClean="0"/>
+              <a:t>would</a:t>
+            </a:r>
+            <a:r>
+              <a:rPr lang="de-DE" dirty="0" smtClean="0"/>
+              <a:t> </a:t>
+            </a:r>
+            <a:r>
+              <a:rPr lang="de-DE" dirty="0" err="1" smtClean="0"/>
+              <a:t>like</a:t>
+            </a:r>
+            <a:r>
+              <a:rPr lang="de-DE" dirty="0" smtClean="0"/>
+              <a:t> </a:t>
+            </a:r>
+            <a:r>
+              <a:rPr lang="de-DE" dirty="0" err="1" smtClean="0"/>
+              <a:t>to</a:t>
+            </a:r>
+            <a:r>
+              <a:rPr lang="de-DE" dirty="0" smtClean="0"/>
+              <a:t> </a:t>
+            </a:r>
+            <a:r>
+              <a:rPr lang="de-DE" dirty="0" err="1" smtClean="0"/>
+              <a:t>see</a:t>
             </a:r>
             <a:endParaRPr lang="de-DE" dirty="0"/>
           </a:p>
@@ -8731,16 +9096,178 @@
         </p:nvSpPr>
         <p:spPr/>
         <p:txBody>
-          <a:bodyPr/>
+          <a:bodyPr>
+            <a:normAutofit fontScale="92500" lnSpcReduction="10000"/>
+          </a:bodyPr>
           <a:lstStyle/>
           <a:p>
             <a:r>
               <a:rPr lang="de-DE" dirty="0">
                 <a:solidFill>
-                  <a:srgbClr val="FF0000"/>
+                  <a:srgbClr val="FF6600"/>
                 </a:solidFill>
               </a:rPr>
-              <a:t>Screenshots</a:t>
+              <a:t>Mail: </a:t>
+            </a:r>
+            <a:r>
+              <a:rPr lang="de-DE" dirty="0" smtClean="0">
+                <a:solidFill>
+                  <a:srgbClr val="FF6600"/>
+                </a:solidFill>
+              </a:rPr>
+              <a:t>Exchange</a:t>
+            </a:r>
+          </a:p>
+          <a:p>
+            <a:r>
+              <a:rPr lang="de-DE" dirty="0" smtClean="0">
+                <a:solidFill>
+                  <a:srgbClr val="FF6600"/>
+                </a:solidFill>
+              </a:rPr>
+              <a:t>SSH</a:t>
+            </a:r>
+            <a:endParaRPr lang="de-DE" dirty="0">
+              <a:solidFill>
+                <a:srgbClr val="FF6600"/>
+              </a:solidFill>
+            </a:endParaRPr>
+          </a:p>
+          <a:p>
+            <a:r>
+              <a:rPr lang="de-DE" dirty="0">
+                <a:solidFill>
+                  <a:srgbClr val="FF6600"/>
+                </a:solidFill>
+              </a:rPr>
+              <a:t>VPN: </a:t>
+            </a:r>
+            <a:r>
+              <a:rPr lang="de-DE" dirty="0" err="1">
+                <a:solidFill>
+                  <a:srgbClr val="FF6600"/>
+                </a:solidFill>
+              </a:rPr>
+              <a:t>OpenVPN</a:t>
+            </a:r>
+            <a:r>
+              <a:rPr lang="de-DE" dirty="0">
+                <a:solidFill>
+                  <a:srgbClr val="FF6600"/>
+                </a:solidFill>
+              </a:rPr>
+              <a:t>, IPSec, PPTP, Cisco IPSec, </a:t>
+            </a:r>
+            <a:r>
+              <a:rPr lang="de-DE" dirty="0" err="1">
+                <a:solidFill>
+                  <a:srgbClr val="FF6600"/>
+                </a:solidFill>
+              </a:rPr>
+              <a:t>Juniper</a:t>
+            </a:r>
+            <a:r>
+              <a:rPr lang="de-DE" dirty="0">
+                <a:solidFill>
+                  <a:srgbClr val="FF6600"/>
+                </a:solidFill>
+              </a:rPr>
+              <a:t> </a:t>
+            </a:r>
+            <a:r>
+              <a:rPr lang="de-DE" dirty="0" err="1">
+                <a:solidFill>
+                  <a:srgbClr val="FF6600"/>
+                </a:solidFill>
+              </a:rPr>
+              <a:t>Ipsec</a:t>
+            </a:r>
+            <a:r>
+              <a:rPr lang="de-DE" dirty="0">
+                <a:solidFill>
+                  <a:srgbClr val="FF6600"/>
+                </a:solidFill>
+              </a:rPr>
+              <a:t>, L2TP, </a:t>
+            </a:r>
+            <a:r>
+              <a:rPr lang="de-DE" dirty="0" err="1">
+                <a:solidFill>
+                  <a:srgbClr val="FF6600"/>
+                </a:solidFill>
+              </a:rPr>
+              <a:t>Racoon</a:t>
+            </a:r>
+            <a:endParaRPr lang="de-DE" dirty="0">
+              <a:solidFill>
+                <a:srgbClr val="FF6600"/>
+              </a:solidFill>
+            </a:endParaRPr>
+          </a:p>
+          <a:p>
+            <a:r>
+              <a:rPr lang="de-DE" dirty="0">
+                <a:solidFill>
+                  <a:srgbClr val="FF6600"/>
+                </a:solidFill>
+              </a:rPr>
+              <a:t>PGP</a:t>
+            </a:r>
+          </a:p>
+          <a:p>
+            <a:r>
+              <a:rPr lang="de-DE" dirty="0">
+                <a:solidFill>
+                  <a:srgbClr val="FF6600"/>
+                </a:solidFill>
+              </a:rPr>
+              <a:t>IPMI, ILO, ...</a:t>
+            </a:r>
+          </a:p>
+          <a:p>
+            <a:r>
+              <a:rPr lang="de-DE" dirty="0">
+                <a:solidFill>
+                  <a:srgbClr val="FF6600"/>
+                </a:solidFill>
+              </a:rPr>
+              <a:t>SIP</a:t>
+            </a:r>
+          </a:p>
+          <a:p>
+            <a:r>
+              <a:rPr lang="de-DE" dirty="0" smtClean="0">
+                <a:solidFill>
+                  <a:srgbClr val="FF6600"/>
+                </a:solidFill>
+              </a:rPr>
+              <a:t>XMPP</a:t>
+            </a:r>
+          </a:p>
+          <a:p>
+            <a:r>
+              <a:rPr lang="de-DE" dirty="0">
+                <a:solidFill>
+                  <a:srgbClr val="FF6600"/>
+                </a:solidFill>
+              </a:rPr>
+              <a:t>DBs: </a:t>
+            </a:r>
+            <a:r>
+              <a:rPr lang="de-DE" dirty="0" smtClean="0">
+                <a:solidFill>
+                  <a:srgbClr val="FF6600"/>
+                </a:solidFill>
+              </a:rPr>
+              <a:t>Oracle</a:t>
+            </a:r>
+            <a:r>
+              <a:rPr lang="de-DE" dirty="0">
+                <a:solidFill>
+                  <a:srgbClr val="FF6600"/>
+                </a:solidFill>
+              </a:rPr>
+              <a:t>, DB2</a:t>
             </a:r>
           </a:p>
           <a:p>
@@ -8781,13 +9308,20 @@
     </p:spTree>
     <p:extLst>
       <p:ext uri="{BB962C8B-B14F-4D97-AF65-F5344CB8AC3E}">
-        <p14:creationId xmlns:p14="http://schemas.microsoft.com/office/powerpoint/2010/main" val="4093919544"/>
+        <p14:creationId xmlns:p14="http://schemas.microsoft.com/office/powerpoint/2010/main" val="3458012645"/>
       </p:ext>
     </p:extLst>
   </p:cSld>
   <p:clrMapOvr>
     <a:masterClrMapping/>
   </p:clrMapOvr>
+  <p:timing>
+    <p:tnLst>
+      <p:par>
+        <p:cTn xmlns:p14="http://schemas.microsoft.com/office/powerpoint/2010/main" id="1" dur="indefinite" restart="never" nodeType="tmRoot"/>
+      </p:par>
+    </p:tnLst>
+  </p:timing>
 </p:sld>
 </file>
 
@@ -8825,27 +9359,11 @@
           <a:p>
             <a:r>
               <a:rPr lang="de-DE" dirty="0" err="1" smtClean="0"/>
-              <a:t>Current</a:t>
-            </a:r>
-            <a:r>
-              <a:rPr lang="de-DE" dirty="0" smtClean="0"/>
-              <a:t> </a:t>
-            </a:r>
-            <a:r>
-              <a:rPr lang="de-DE" dirty="0" err="1" smtClean="0"/>
-              <a:t>state</a:t>
-            </a:r>
-            <a:r>
-              <a:rPr lang="de-DE" dirty="0" smtClean="0"/>
-              <a:t> </a:t>
-            </a:r>
-            <a:r>
-              <a:rPr lang="de-DE" dirty="0" err="1" smtClean="0"/>
-              <a:t>as</a:t>
-            </a:r>
-            <a:r>
-              <a:rPr lang="de-DE" dirty="0" smtClean="0"/>
-              <a:t> of 2013/11/22</a:t>
+              <a:t>Example</a:t>
+            </a:r>
+            <a:r>
+              <a:rPr lang="de-DE" dirty="0" smtClean="0"/>
+              <a:t>: Apache</a:t>
             </a:r>
             <a:endParaRPr lang="de-DE" dirty="0"/>
           </a:p>
@@ -8866,32 +9384,364 @@
           <a:bodyPr/>
           <a:lstStyle/>
           <a:p>
-            <a:r>
-              <a:rPr lang="de-DE" dirty="0" smtClean="0"/>
-              <a:t>Aaron – TODO </a:t>
-            </a:r>
-            <a:r>
-              <a:rPr lang="de-DE" dirty="0" err="1" smtClean="0"/>
-              <a:t>write</a:t>
-            </a:r>
-            <a:r>
-              <a:rPr lang="de-DE" dirty="0" smtClean="0"/>
-              <a:t> </a:t>
-            </a:r>
+            <a:pPr marL="0" indent="0">
+              <a:buNone/>
+            </a:pPr>
+            <a:r>
+              <a:rPr lang="de-DE" dirty="0" err="1" smtClean="0"/>
+              <a:t>Selecting</a:t>
+            </a:r>
+            <a:r>
+              <a:rPr lang="de-DE" dirty="0" smtClean="0"/>
+              <a:t> </a:t>
+            </a:r>
+            <a:r>
+              <a:rPr lang="de-DE" dirty="0" err="1" smtClean="0"/>
+              <a:t>cipher</a:t>
+            </a:r>
+            <a:r>
+              <a:rPr lang="de-DE" dirty="0" smtClean="0"/>
+              <a:t> </a:t>
+            </a:r>
+            <a:r>
+              <a:rPr lang="de-DE" dirty="0" err="1" smtClean="0"/>
+              <a:t>suites</a:t>
+            </a:r>
+            <a:r>
+              <a:rPr lang="de-DE" dirty="0" smtClean="0"/>
+              <a:t>:</a:t>
+            </a:r>
+          </a:p>
+          <a:p>
             <a:endParaRPr lang="de-DE" dirty="0"/>
+          </a:p>
+          <a:p>
+            <a:endParaRPr lang="de-DE" dirty="0" smtClean="0"/>
+          </a:p>
+          <a:p>
+            <a:endParaRPr lang="de-DE" dirty="0"/>
+          </a:p>
+          <a:p>
+            <a:endParaRPr lang="de-DE" dirty="0" smtClean="0"/>
+          </a:p>
+          <a:p>
+            <a:pPr marL="0" indent="0">
+              <a:buNone/>
+            </a:pPr>
+            <a:r>
+              <a:rPr lang="de-DE" dirty="0" err="1" smtClean="0"/>
+              <a:t>Additionally</a:t>
+            </a:r>
+            <a:r>
+              <a:rPr lang="de-DE" dirty="0" smtClean="0"/>
+              <a:t>:</a:t>
+            </a:r>
+          </a:p>
+          <a:p>
+            <a:endParaRPr lang="de-DE" dirty="0"/>
+          </a:p>
+        </p:txBody>
+      </p:sp>
+      <p:sp>
+        <p:nvSpPr>
+          <p:cNvPr id="4" name="Textfeld 3"/>
+          <p:cNvSpPr txBox="1"/>
+          <p:nvPr/>
+        </p:nvSpPr>
+        <p:spPr>
+          <a:xfrm>
+            <a:off x="7297503" y="6126163"/>
+            <a:ext cx="1389297" cy="369332"/>
+          </a:xfrm>
+          <a:prstGeom prst="rect">
+            <a:avLst/>
+          </a:prstGeom>
+          <a:noFill/>
+        </p:spPr>
+        <p:txBody>
+          <a:bodyPr wrap="square" rtlCol="0">
+            <a:spAutoFit/>
+          </a:bodyPr>
+          <a:lstStyle/>
+          <a:p>
+            <a:r>
+              <a:rPr lang="de-DE" dirty="0" smtClean="0"/>
+              <a:t>Aaron</a:t>
+            </a:r>
+            <a:endParaRPr lang="de-DE" dirty="0"/>
+          </a:p>
+        </p:txBody>
+      </p:sp>
+      <p:pic>
+        <p:nvPicPr>
+          <p:cNvPr id="5" name="Bild 4"/>
+          <p:cNvPicPr>
+            <a:picLocks noChangeAspect="1"/>
+          </p:cNvPicPr>
+          <p:nvPr/>
+        </p:nvPicPr>
+        <p:blipFill>
+          <a:blip r:embed="rId2"/>
+          <a:stretch>
+            <a:fillRect/>
+          </a:stretch>
+        </p:blipFill>
+        <p:spPr>
+          <a:xfrm>
+            <a:off x="791170" y="2272250"/>
+            <a:ext cx="7561660" cy="2296212"/>
+          </a:xfrm>
+          <a:prstGeom prst="rect">
+            <a:avLst/>
+          </a:prstGeom>
+        </p:spPr>
+      </p:pic>
+      <p:pic>
+        <p:nvPicPr>
+          <p:cNvPr id="6" name="Bild 5"/>
+          <p:cNvPicPr>
+            <a:picLocks noChangeAspect="1"/>
+          </p:cNvPicPr>
+          <p:nvPr/>
+        </p:nvPicPr>
+        <p:blipFill>
+          <a:blip r:embed="rId3"/>
+          <a:stretch>
+            <a:fillRect/>
+          </a:stretch>
+        </p:blipFill>
+        <p:spPr>
+          <a:xfrm>
+            <a:off x="791170" y="5182155"/>
+            <a:ext cx="7561660" cy="1313340"/>
+          </a:xfrm>
+          <a:prstGeom prst="rect">
+            <a:avLst/>
+          </a:prstGeom>
+        </p:spPr>
+      </p:pic>
+      <p:sp>
+        <p:nvSpPr>
+          <p:cNvPr id="7" name="Ring 6"/>
+          <p:cNvSpPr/>
+          <p:nvPr/>
+        </p:nvSpPr>
+        <p:spPr>
+          <a:xfrm>
+            <a:off x="2779505" y="4268357"/>
+            <a:ext cx="749530" cy="406014"/>
+          </a:xfrm>
+          <a:prstGeom prst="donut">
+            <a:avLst>
+              <a:gd name="adj" fmla="val 9616"/>
+            </a:avLst>
+          </a:prstGeom>
+        </p:spPr>
+        <p:style>
+          <a:lnRef idx="1">
+            <a:schemeClr val="accent1"/>
+          </a:lnRef>
+          <a:fillRef idx="3">
+            <a:schemeClr val="accent1"/>
+          </a:fillRef>
+          <a:effectRef idx="2">
+            <a:schemeClr val="accent1"/>
+          </a:effectRef>
+          <a:fontRef idx="minor">
+            <a:schemeClr val="lt1"/>
+          </a:fontRef>
+        </p:style>
+        <p:txBody>
+          <a:bodyPr rtlCol="0" anchor="ctr"/>
+          <a:lstStyle/>
+          <a:p>
+            <a:pPr algn="ctr"/>
+            <a:endParaRPr lang="de-DE">
+              <a:solidFill>
+                <a:schemeClr val="tx1"/>
+              </a:solidFill>
+            </a:endParaRPr>
+          </a:p>
+        </p:txBody>
+      </p:sp>
+      <p:sp>
+        <p:nvSpPr>
+          <p:cNvPr id="9" name="Ring 8"/>
+          <p:cNvSpPr/>
+          <p:nvPr/>
+        </p:nvSpPr>
+        <p:spPr>
+          <a:xfrm>
+            <a:off x="6547973" y="4268357"/>
+            <a:ext cx="1696852" cy="406014"/>
+          </a:xfrm>
+          <a:prstGeom prst="donut">
+            <a:avLst>
+              <a:gd name="adj" fmla="val 9616"/>
+            </a:avLst>
+          </a:prstGeom>
+        </p:spPr>
+        <p:style>
+          <a:lnRef idx="1">
+            <a:schemeClr val="accent1"/>
+          </a:lnRef>
+          <a:fillRef idx="3">
+            <a:schemeClr val="accent1"/>
+          </a:fillRef>
+          <a:effectRef idx="2">
+            <a:schemeClr val="accent1"/>
+          </a:effectRef>
+          <a:fontRef idx="minor">
+            <a:schemeClr val="lt1"/>
+          </a:fontRef>
+        </p:style>
+        <p:txBody>
+          <a:bodyPr rtlCol="0" anchor="ctr"/>
+          <a:lstStyle/>
+          <a:p>
+            <a:pPr algn="ctr"/>
+            <a:endParaRPr lang="de-DE">
+              <a:solidFill>
+                <a:schemeClr val="tx1"/>
+              </a:solidFill>
+            </a:endParaRPr>
           </a:p>
         </p:txBody>
       </p:sp>
     </p:spTree>
     <p:extLst>
       <p:ext uri="{BB962C8B-B14F-4D97-AF65-F5344CB8AC3E}">
-        <p14:creationId xmlns:p14="http://schemas.microsoft.com/office/powerpoint/2010/main" val="51044277"/>
+        <p14:creationId xmlns:p14="http://schemas.microsoft.com/office/powerpoint/2010/main" val="2041378095"/>
       </p:ext>
     </p:extLst>
   </p:cSld>
   <p:clrMapOvr>
     <a:masterClrMapping/>
   </p:clrMapOvr>
+  <p:timing>
+    <p:tnLst>
+      <p:par>
+        <p:cTn xmlns:p14="http://schemas.microsoft.com/office/powerpoint/2010/main" id="1" dur="indefinite" restart="never" nodeType="tmRoot">
+          <p:childTnLst>
+            <p:seq concurrent="1" nextAc="seek">
+              <p:cTn id="2" dur="indefinite" nodeType="mainSeq">
+                <p:childTnLst>
+                  <p:par>
+                    <p:cTn id="3" fill="hold">
+                      <p:stCondLst>
+                        <p:cond delay="indefinite"/>
+                      </p:stCondLst>
+                      <p:childTnLst>
+                        <p:par>
+                          <p:cTn id="4" fill="hold">
+                            <p:stCondLst>
+                              <p:cond delay="0"/>
+                            </p:stCondLst>
+                            <p:childTnLst>
+                              <p:par>
+                                <p:cTn id="5" presetID="1" presetClass="entr" presetSubtype="0" fill="hold" grpId="0" nodeType="clickEffect">
+                                  <p:stCondLst>
+                                    <p:cond delay="0"/>
+                                  </p:stCondLst>
+                                  <p:childTnLst>
+                                    <p:set>
+                                      <p:cBhvr>
+                                        <p:cTn id="6" dur="1" fill="hold">
+                                          <p:stCondLst>
+                                            <p:cond delay="0"/>
+                                          </p:stCondLst>
+                                        </p:cTn>
+                                        <p:tgtEl>
+                                          <p:spTgt spid="7"/>
+                                        </p:tgtEl>
+                                        <p:attrNameLst>
+                                          <p:attrName>style.visibility</p:attrName>
+                                        </p:attrNameLst>
+                                      </p:cBhvr>
+                                      <p:to>
+                                        <p:strVal val="visible"/>
+                                      </p:to>
+                                    </p:set>
+                                  </p:childTnLst>
+                                </p:cTn>
+                              </p:par>
+                            </p:childTnLst>
+                          </p:cTn>
+                        </p:par>
+                      </p:childTnLst>
+                    </p:cTn>
+                  </p:par>
+                  <p:par>
+                    <p:cTn id="7" fill="hold">
+                      <p:stCondLst>
+                        <p:cond delay="indefinite"/>
+                      </p:stCondLst>
+                      <p:childTnLst>
+                        <p:par>
+                          <p:cTn id="8" fill="hold">
+                            <p:stCondLst>
+                              <p:cond delay="0"/>
+                            </p:stCondLst>
+                            <p:childTnLst>
+                              <p:par>
+                                <p:cTn id="9" presetID="1" presetClass="entr" presetSubtype="0" fill="hold" grpId="0" nodeType="clickEffect">
+                                  <p:stCondLst>
+                                    <p:cond delay="0"/>
+                                  </p:stCondLst>
+                                  <p:childTnLst>
+                                    <p:set>
+                                      <p:cBhvr>
+                                        <p:cTn id="10" dur="1" fill="hold">
+                                          <p:stCondLst>
+                                            <p:cond delay="0"/>
+                                          </p:stCondLst>
+                                        </p:cTn>
+                                        <p:tgtEl>
+                                          <p:spTgt spid="9"/>
+                                        </p:tgtEl>
+                                        <p:attrNameLst>
+                                          <p:attrName>style.visibility</p:attrName>
+                                        </p:attrNameLst>
+                                      </p:cBhvr>
+                                      <p:to>
+                                        <p:strVal val="visible"/>
+                                      </p:to>
+                                    </p:set>
+                                  </p:childTnLst>
+                                </p:cTn>
+                              </p:par>
+                            </p:childTnLst>
+                          </p:cTn>
+                        </p:par>
+                      </p:childTnLst>
+                    </p:cTn>
+                  </p:par>
+                </p:childTnLst>
+              </p:cTn>
+              <p:prevCondLst>
+                <p:cond evt="onPrev" delay="0">
+                  <p:tgtEl>
+                    <p:sldTgt/>
+                  </p:tgtEl>
+                </p:cond>
+              </p:prevCondLst>
+              <p:nextCondLst>
+                <p:cond evt="onNext" delay="0">
+                  <p:tgtEl>
+                    <p:sldTgt/>
+                  </p:tgtEl>
+                </p:cond>
+              </p:nextCondLst>
+            </p:seq>
+          </p:childTnLst>
+        </p:cTn>
+      </p:par>
+    </p:tnLst>
+    <p:bldLst>
+      <p:bldP spid="7" grpId="0" animBg="1"/>
+      <p:bldP spid="9" grpId="0" animBg="1"/>
+    </p:bldLst>
+  </p:timing>
 </p:sld>
 </file>
 
@@ -8914,7 +9764,7 @@
       </p:grpSpPr>
       <p:sp>
         <p:nvSpPr>
-          <p:cNvPr id="2" name="Titel 1"/>
+          <p:cNvPr id="4" name="Titel 3"/>
           <p:cNvSpPr>
             <a:spLocks noGrp="1"/>
           </p:cNvSpPr>
@@ -8924,14 +9774,12 @@
         </p:nvSpPr>
         <p:spPr/>
         <p:txBody>
-          <a:bodyPr>
-            <a:normAutofit/>
-          </a:bodyPr>
-          <a:lstStyle/>
-          <a:p>
-            <a:r>
-              <a:rPr lang="de-DE" dirty="0" err="1" smtClean="0"/>
-              <a:t>Participation</a:t>
+          <a:bodyPr/>
+          <a:lstStyle/>
+          <a:p>
+            <a:r>
+              <a:rPr lang="de-DE" dirty="0" err="1" smtClean="0"/>
+              <a:t>Testing</a:t>
             </a:r>
             <a:endParaRPr lang="de-DE" dirty="0"/>
           </a:p>
@@ -8939,12 +9787,12 @@
       </p:sp>
       <p:sp>
         <p:nvSpPr>
-          <p:cNvPr id="3" name="Inhaltsplatzhalter 2"/>
-          <p:cNvSpPr>
-            <a:spLocks noGrp="1"/>
-          </p:cNvSpPr>
-          <p:nvPr>
-            <p:ph idx="1"/>
+          <p:cNvPr id="5" name="Textplatzhalter 4"/>
+          <p:cNvSpPr>
+            <a:spLocks noGrp="1"/>
+          </p:cNvSpPr>
+          <p:nvPr>
+            <p:ph type="body" idx="1"/>
           </p:nvPr>
         </p:nvSpPr>
         <p:spPr/>
@@ -8952,143 +9800,13 @@
           <a:bodyPr/>
           <a:lstStyle/>
           <a:p>
-            <a:r>
-              <a:rPr lang="de-DE" dirty="0" err="1" smtClean="0"/>
-              <a:t>Authors</a:t>
-            </a:r>
-            <a:r>
-              <a:rPr lang="de-DE" dirty="0" smtClean="0"/>
-              <a:t>: </a:t>
-            </a:r>
-            <a:r>
-              <a:rPr lang="de-DE" dirty="0" err="1" smtClean="0"/>
-              <a:t>cryptologists</a:t>
-            </a:r>
-            <a:r>
-              <a:rPr lang="de-DE" dirty="0" smtClean="0"/>
-              <a:t>, sysadmins, </a:t>
-            </a:r>
-            <a:r>
-              <a:rPr lang="de-DE" dirty="0" err="1" smtClean="0"/>
-              <a:t>hackers</a:t>
-            </a:r>
-            <a:endParaRPr lang="de-DE" dirty="0" smtClean="0"/>
-          </a:p>
-          <a:p>
-            <a:r>
-              <a:rPr lang="de-DE" dirty="0" err="1" smtClean="0"/>
-              <a:t>Apply</a:t>
-            </a:r>
-            <a:r>
-              <a:rPr lang="de-DE" dirty="0" smtClean="0"/>
-              <a:t> </a:t>
-            </a:r>
-            <a:r>
-              <a:rPr lang="de-DE" dirty="0" err="1" smtClean="0"/>
-              <a:t>for</a:t>
-            </a:r>
-            <a:r>
-              <a:rPr lang="de-DE" dirty="0" smtClean="0"/>
-              <a:t> </a:t>
-            </a:r>
-            <a:r>
-              <a:rPr lang="de-DE" dirty="0" err="1" smtClean="0"/>
-              <a:t>write</a:t>
-            </a:r>
-            <a:r>
-              <a:rPr lang="de-DE" dirty="0" smtClean="0"/>
-              <a:t>-perms</a:t>
-            </a:r>
-          </a:p>
-          <a:p>
-            <a:r>
-              <a:rPr lang="de-DE" dirty="0" smtClean="0"/>
-              <a:t>World-</a:t>
-            </a:r>
-            <a:r>
-              <a:rPr lang="de-DE" dirty="0" err="1" smtClean="0"/>
-              <a:t>readable</a:t>
-            </a:r>
-            <a:endParaRPr lang="de-DE" dirty="0" smtClean="0"/>
-          </a:p>
-          <a:p>
-            <a:r>
-              <a:rPr lang="de-DE" dirty="0" smtClean="0"/>
-              <a:t>Variantes: </a:t>
-            </a:r>
-          </a:p>
-          <a:p>
-            <a:pPr lvl="1"/>
-            <a:r>
-              <a:rPr lang="de-DE" dirty="0" smtClean="0"/>
-              <a:t>(A) </a:t>
-            </a:r>
-            <a:r>
-              <a:rPr lang="de-DE" dirty="0" err="1" smtClean="0"/>
-              <a:t>reviewer</a:t>
-            </a:r>
-            <a:r>
-              <a:rPr lang="de-DE" dirty="0" smtClean="0"/>
-              <a:t>: </a:t>
-            </a:r>
-            <a:r>
-              <a:rPr lang="de-DE" dirty="0" err="1" smtClean="0"/>
-              <a:t>the</a:t>
-            </a:r>
-            <a:r>
-              <a:rPr lang="de-DE" dirty="0" smtClean="0"/>
-              <a:t> </a:t>
-            </a:r>
-            <a:r>
-              <a:rPr lang="de-DE" dirty="0" err="1" smtClean="0"/>
-              <a:t>harder</a:t>
-            </a:r>
-            <a:r>
-              <a:rPr lang="de-DE" dirty="0" smtClean="0"/>
-              <a:t> </a:t>
-            </a:r>
-            <a:r>
-              <a:rPr lang="de-DE" dirty="0" err="1" smtClean="0"/>
-              <a:t>job</a:t>
-            </a:r>
-            <a:r>
-              <a:rPr lang="de-DE" dirty="0" smtClean="0"/>
-              <a:t> ;-)</a:t>
-            </a:r>
-          </a:p>
-          <a:p>
-            <a:pPr lvl="1"/>
-            <a:r>
-              <a:rPr lang="de-DE" dirty="0" smtClean="0"/>
-              <a:t>(B) </a:t>
-            </a:r>
-            <a:r>
-              <a:rPr lang="de-DE" dirty="0" err="1" smtClean="0"/>
-              <a:t>co-author</a:t>
-            </a:r>
-            <a:r>
-              <a:rPr lang="de-DE" dirty="0" smtClean="0"/>
-              <a:t>: </a:t>
-            </a:r>
-            <a:r>
-              <a:rPr lang="de-DE" dirty="0" err="1" smtClean="0"/>
-              <a:t>add</a:t>
-            </a:r>
-            <a:r>
-              <a:rPr lang="de-DE" dirty="0" smtClean="0"/>
-              <a:t> a </a:t>
-            </a:r>
-            <a:r>
-              <a:rPr lang="de-DE" dirty="0" err="1" smtClean="0"/>
-              <a:t>section</a:t>
-            </a:r>
-            <a:endParaRPr lang="de-DE" dirty="0"/>
-          </a:p>
-        </p:txBody>
-      </p:sp>
-      <p:sp>
-        <p:nvSpPr>
-          <p:cNvPr id="4" name="Textfeld 3"/>
+            <a:endParaRPr lang="de-DE"/>
+          </a:p>
+        </p:txBody>
+      </p:sp>
+      <p:sp>
+        <p:nvSpPr>
+          <p:cNvPr id="6" name="Textfeld 5"/>
           <p:cNvSpPr txBox="1"/>
           <p:nvPr/>
         </p:nvSpPr>
@@ -9119,7 +9837,7 @@
     </p:spTree>
     <p:extLst>
       <p:ext uri="{BB962C8B-B14F-4D97-AF65-F5344CB8AC3E}">
-        <p14:creationId xmlns:p14="http://schemas.microsoft.com/office/powerpoint/2010/main" val="976292356"/>
+        <p14:creationId xmlns:p14="http://schemas.microsoft.com/office/powerpoint/2010/main" val="1609773502"/>
       </p:ext>
     </p:extLst>
   </p:cSld>
@@ -9129,7 +9847,7 @@
   <p:timing>
     <p:tnLst>
       <p:par>
-        <p:cTn id="1" dur="indefinite" restart="never" nodeType="tmRoot"/>
+        <p:cTn xmlns:p14="http://schemas.microsoft.com/office/powerpoint/2010/main" id="1" dur="indefinite" restart="never" nodeType="tmRoot"/>
       </p:par>
     </p:tnLst>
   </p:timing>
@@ -9169,8 +9887,28 @@
           <a:lstStyle/>
           <a:p>
             <a:r>
-              <a:rPr lang="de-DE" dirty="0" smtClean="0"/>
-              <a:t>Links</a:t>
+              <a:rPr lang="de-DE" dirty="0" err="1" smtClean="0"/>
+              <a:t>How</a:t>
+            </a:r>
+            <a:r>
+              <a:rPr lang="de-DE" dirty="0" smtClean="0"/>
+              <a:t> </a:t>
+            </a:r>
+            <a:r>
+              <a:rPr lang="de-DE" dirty="0" err="1" smtClean="0"/>
+              <a:t>to</a:t>
+            </a:r>
+            <a:r>
+              <a:rPr lang="de-DE" dirty="0" smtClean="0"/>
+              <a:t> </a:t>
+            </a:r>
+            <a:r>
+              <a:rPr lang="de-DE" dirty="0" err="1" smtClean="0"/>
+              <a:t>test</a:t>
+            </a:r>
+            <a:r>
+              <a:rPr lang="de-DE" dirty="0" smtClean="0"/>
+              <a:t>? - Tools</a:t>
             </a:r>
             <a:endParaRPr lang="de-DE" dirty="0"/>
           </a:p>
@@ -9188,84 +9926,186 @@
         </p:nvSpPr>
         <p:spPr/>
         <p:txBody>
-          <a:bodyPr/>
-          <a:lstStyle/>
-          <a:p>
-            <a:r>
-              <a:rPr lang="de-DE" dirty="0" smtClean="0"/>
-              <a:t>Website: </a:t>
-            </a:r>
-            <a:r>
-              <a:rPr lang="de-DE" dirty="0" smtClean="0">
-                <a:hlinkClick r:id="rId2"/>
-              </a:rPr>
-              <a:t>www.bettercrypto.org</a:t>
+          <a:bodyPr>
+            <a:normAutofit lnSpcReduction="10000"/>
+          </a:bodyPr>
+          <a:lstStyle/>
+          <a:p>
+            <a:r>
+              <a:rPr lang="de-DE" dirty="0" err="1" smtClean="0"/>
+              <a:t>ssllabs.com</a:t>
             </a:r>
             <a:endParaRPr lang="de-DE" dirty="0" smtClean="0"/>
           </a:p>
           <a:p>
             <a:r>
-              <a:rPr lang="de-DE" dirty="0" err="1" smtClean="0"/>
-              <a:t>Git</a:t>
-            </a:r>
-            <a:r>
-              <a:rPr lang="de-DE" dirty="0" smtClean="0"/>
-              <a:t> </a:t>
-            </a:r>
-            <a:r>
-              <a:rPr lang="de-DE" dirty="0" err="1" smtClean="0"/>
-              <a:t>repo</a:t>
-            </a:r>
-            <a:r>
-              <a:rPr lang="de-DE" dirty="0" smtClean="0"/>
-              <a:t>: </a:t>
-            </a:r>
-            <a:r>
-              <a:rPr lang="de-DE" dirty="0" smtClean="0">
-                <a:hlinkClick r:id="rId3"/>
-              </a:rPr>
-              <a:t>https://git.bettercrypto.org</a:t>
+              <a:rPr lang="de-DE" dirty="0" err="1"/>
+              <a:t>x</a:t>
+            </a:r>
+            <a:r>
+              <a:rPr lang="de-DE" dirty="0" err="1" smtClean="0"/>
+              <a:t>mpp.net</a:t>
             </a:r>
             <a:endParaRPr lang="de-DE" dirty="0" smtClean="0"/>
           </a:p>
           <a:p>
             <a:r>
-              <a:rPr lang="de-DE" dirty="0" smtClean="0"/>
-              <a:t>Mailing </a:t>
-            </a:r>
-            <a:r>
-              <a:rPr lang="de-DE" dirty="0" err="1" smtClean="0"/>
-              <a:t>list</a:t>
+              <a:rPr lang="de-DE" dirty="0" err="1" smtClean="0"/>
+              <a:t>tlstester</a:t>
+            </a:r>
+            <a:r>
+              <a:rPr lang="de-DE" dirty="0" smtClean="0"/>
+              <a:t>.</a:t>
+            </a:r>
+          </a:p>
+          <a:p>
+            <a:r>
+              <a:rPr lang="de-DE" dirty="0" err="1" smtClean="0"/>
+              <a:t>SSLyze</a:t>
+            </a:r>
+            <a:endParaRPr lang="de-DE" dirty="0" smtClean="0"/>
+          </a:p>
+          <a:p>
+            <a:r>
+              <a:rPr lang="de-DE" dirty="0" err="1" smtClean="0"/>
+              <a:t>What</a:t>
+            </a:r>
+            <a:r>
+              <a:rPr lang="de-DE" dirty="0" smtClean="0"/>
+              <a:t> </a:t>
+            </a:r>
+            <a:r>
+              <a:rPr lang="de-DE" dirty="0" err="1" smtClean="0"/>
+              <a:t>can</a:t>
+            </a:r>
+            <a:r>
+              <a:rPr lang="de-DE" dirty="0" smtClean="0"/>
+              <a:t> </a:t>
+            </a:r>
+            <a:r>
+              <a:rPr lang="de-DE" dirty="0" err="1" smtClean="0"/>
+              <a:t>people</a:t>
+            </a:r>
+            <a:r>
+              <a:rPr lang="de-DE" dirty="0" smtClean="0"/>
+              <a:t> do </a:t>
+            </a:r>
+            <a:r>
+              <a:rPr lang="de-DE" dirty="0" err="1" smtClean="0"/>
+              <a:t>to</a:t>
+            </a:r>
+            <a:r>
+              <a:rPr lang="de-DE" dirty="0" smtClean="0"/>
+              <a:t> </a:t>
+            </a:r>
+            <a:r>
+              <a:rPr lang="de-DE" dirty="0" err="1" smtClean="0"/>
+              <a:t>test</a:t>
+            </a:r>
+            <a:r>
+              <a:rPr lang="de-DE" dirty="0" smtClean="0"/>
+              <a:t> </a:t>
+            </a:r>
+            <a:r>
+              <a:rPr lang="de-DE" dirty="0" err="1" smtClean="0"/>
+              <a:t>themselves</a:t>
+            </a:r>
+            <a:r>
+              <a:rPr lang="de-DE" dirty="0" smtClean="0"/>
+              <a:t>?</a:t>
+            </a:r>
+          </a:p>
+          <a:p>
+            <a:r>
+              <a:rPr lang="de-DE" dirty="0" err="1" smtClean="0"/>
+              <a:t>What</a:t>
+            </a:r>
+            <a:r>
+              <a:rPr lang="de-DE" dirty="0" smtClean="0"/>
+              <a:t> </a:t>
+            </a:r>
+            <a:r>
+              <a:rPr lang="de-DE" dirty="0" err="1" smtClean="0"/>
+              <a:t>does</a:t>
             </a:r>
             <a:r>
               <a:rPr lang="de-DE" dirty="0"/>
-              <a:t>: </a:t>
-            </a:r>
-            <a:r>
-              <a:rPr lang="de-DE" dirty="0" smtClean="0">
-                <a:hlinkClick r:id="rId4"/>
-              </a:rPr>
-              <a:t>http://lists.cert.at</a:t>
-            </a:r>
-            <a:r>
-              <a:rPr lang="de-DE" dirty="0">
-                <a:hlinkClick r:id="rId4"/>
-              </a:rPr>
-              <a:t>/cgi-bin/mailman/listinfo/</a:t>
-            </a:r>
-            <a:r>
-              <a:rPr lang="de-DE" dirty="0" smtClean="0">
-                <a:hlinkClick r:id="rId4"/>
-              </a:rPr>
-              <a:t>ach</a:t>
-            </a:r>
-            <a:r>
-              <a:rPr lang="de-DE" dirty="0" smtClean="0"/>
-              <a:t> </a:t>
-            </a:r>
-          </a:p>
-          <a:p>
-            <a:endParaRPr lang="de-DE" dirty="0"/>
+              <a:t> </a:t>
+            </a:r>
+            <a:r>
+              <a:rPr lang="de-DE" dirty="0" smtClean="0"/>
+              <a:t>a </a:t>
+            </a:r>
+            <a:r>
+              <a:rPr lang="de-DE" dirty="0" err="1" smtClean="0"/>
+              <a:t>test</a:t>
+            </a:r>
+            <a:r>
+              <a:rPr lang="de-DE" dirty="0" smtClean="0"/>
+              <a:t> </a:t>
+            </a:r>
+            <a:r>
+              <a:rPr lang="de-DE" dirty="0" err="1" smtClean="0"/>
+              <a:t>result</a:t>
+            </a:r>
+            <a:r>
+              <a:rPr lang="de-DE" dirty="0" smtClean="0"/>
+              <a:t> </a:t>
+            </a:r>
+            <a:r>
+              <a:rPr lang="de-DE" dirty="0" err="1" smtClean="0"/>
+              <a:t>mean</a:t>
+            </a:r>
+            <a:r>
+              <a:rPr lang="de-DE" dirty="0" smtClean="0"/>
+              <a:t>?</a:t>
+            </a:r>
+          </a:p>
+          <a:p>
+            <a:r>
+              <a:rPr lang="de-DE" dirty="0" smtClean="0"/>
+              <a:t>Potential </a:t>
+            </a:r>
+            <a:r>
+              <a:rPr lang="de-DE" dirty="0" err="1" smtClean="0"/>
+              <a:t>for</a:t>
+            </a:r>
+            <a:r>
+              <a:rPr lang="de-DE" dirty="0" smtClean="0"/>
+              <a:t> a </a:t>
+            </a:r>
+            <a:r>
+              <a:rPr lang="de-DE" dirty="0" err="1" smtClean="0"/>
+              <a:t>config</a:t>
+            </a:r>
+            <a:r>
+              <a:rPr lang="de-DE" dirty="0" smtClean="0"/>
+              <a:t> file </a:t>
+            </a:r>
+            <a:r>
+              <a:rPr lang="de-DE" dirty="0" err="1" smtClean="0"/>
+              <a:t>generator</a:t>
+            </a:r>
+            <a:r>
+              <a:rPr lang="de-DE" dirty="0" smtClean="0"/>
+              <a:t> (</a:t>
+            </a:r>
+            <a:r>
+              <a:rPr lang="de-DE" dirty="0" err="1" smtClean="0"/>
+              <a:t>as</a:t>
+            </a:r>
+            <a:r>
+              <a:rPr lang="de-DE" dirty="0" smtClean="0"/>
+              <a:t> </a:t>
+            </a:r>
+            <a:r>
+              <a:rPr lang="de-DE" dirty="0" err="1" smtClean="0"/>
+              <a:t>discussed</a:t>
+            </a:r>
+            <a:r>
+              <a:rPr lang="de-DE" dirty="0" smtClean="0"/>
+              <a:t>)?</a:t>
+            </a:r>
           </a:p>
         </p:txBody>
       </p:sp>
@@ -9302,13 +10142,20 @@
     </p:spTree>
     <p:extLst>
       <p:ext uri="{BB962C8B-B14F-4D97-AF65-F5344CB8AC3E}">
-        <p14:creationId xmlns:p14="http://schemas.microsoft.com/office/powerpoint/2010/main" val="665888502"/>
+        <p14:creationId xmlns:p14="http://schemas.microsoft.com/office/powerpoint/2010/main" val="2778558749"/>
       </p:ext>
     </p:extLst>
   </p:cSld>
   <p:clrMapOvr>
     <a:masterClrMapping/>
   </p:clrMapOvr>
+  <p:timing>
+    <p:tnLst>
+      <p:par>
+        <p:cTn xmlns:p14="http://schemas.microsoft.com/office/powerpoint/2010/main" id="1" dur="indefinite" restart="never" nodeType="tmRoot"/>
+      </p:par>
+    </p:tnLst>
+  </p:timing>
 </p:sld>
 </file>
 
@@ -9336,7 +10183,7 @@
             <a:spLocks noGrp="1"/>
           </p:cNvSpPr>
           <p:nvPr>
-            <p:ph type="ctrTitle"/>
+            <p:ph type="title"/>
           </p:nvPr>
         </p:nvSpPr>
         <p:spPr/>
@@ -9346,19 +10193,7 @@
           <a:p>
             <a:r>
               <a:rPr lang="de-DE" dirty="0" err="1" smtClean="0"/>
-              <a:t>Thank</a:t>
-            </a:r>
-            <a:r>
-              <a:rPr lang="de-DE" dirty="0" smtClean="0"/>
-              <a:t> </a:t>
-            </a:r>
-            <a:r>
-              <a:rPr lang="de-DE" dirty="0" err="1" smtClean="0"/>
-              <a:t>you</a:t>
-            </a:r>
-            <a:r>
-              <a:rPr lang="de-DE" dirty="0" smtClean="0"/>
-              <a:t>!</a:t>
+              <a:t>ssllabs</a:t>
             </a:r>
             <a:endParaRPr lang="de-DE" dirty="0"/>
           </a:p>
@@ -9366,171 +10201,1171 @@
       </p:sp>
       <p:sp>
         <p:nvSpPr>
-          <p:cNvPr id="4" name="Untertitel 3"/>
-          <p:cNvSpPr>
-            <a:spLocks noGrp="1"/>
-          </p:cNvSpPr>
-          <p:nvPr>
-            <p:ph type="subTitle" idx="1"/>
-          </p:nvPr>
-        </p:nvSpPr>
+          <p:cNvPr id="4" name="Textfeld 3"/>
+          <p:cNvSpPr txBox="1"/>
+          <p:nvPr/>
+        </p:nvSpPr>
+        <p:spPr>
+          <a:xfrm>
+            <a:off x="7297503" y="6126163"/>
+            <a:ext cx="1389297" cy="369332"/>
+          </a:xfrm>
+          <a:prstGeom prst="rect">
+            <a:avLst/>
+          </a:prstGeom>
+          <a:noFill/>
+        </p:spPr>
+        <p:txBody>
+          <a:bodyPr wrap="square" rtlCol="0">
+            <a:spAutoFit/>
+          </a:bodyPr>
+          <a:lstStyle/>
+          <a:p>
+            <a:r>
+              <a:rPr lang="de-DE" dirty="0" smtClean="0"/>
+              <a:t>Aaron</a:t>
+            </a:r>
+            <a:endParaRPr lang="de-DE" dirty="0"/>
+          </a:p>
+        </p:txBody>
+      </p:sp>
+      <p:pic>
+        <p:nvPicPr>
+          <p:cNvPr id="6" name="Inhaltsplatzhalter 5"/>
+          <p:cNvPicPr>
+            <a:picLocks noGrp="1" noChangeAspect="1"/>
+          </p:cNvPicPr>
+          <p:nvPr>
+            <p:ph idx="1"/>
+          </p:nvPr>
+        </p:nvPicPr>
+        <p:blipFill>
+          <a:blip r:embed="rId2"/>
+          <a:srcRect l="-13932" r="-13932"/>
+          <a:stretch>
+            <a:fillRect/>
+          </a:stretch>
+        </p:blipFill>
         <p:spPr/>
-        <p:txBody>
-          <a:bodyPr>
-            <a:normAutofit fontScale="32500" lnSpcReduction="20000"/>
-          </a:bodyPr>
-          <a:lstStyle/>
-          <a:p>
-            <a:r>
-              <a:rPr lang="de-DE" dirty="0" err="1" smtClean="0"/>
-              <a:t>Authors</a:t>
-            </a:r>
-            <a:r>
-              <a:rPr lang="de-DE" dirty="0" smtClean="0"/>
-              <a:t>:</a:t>
-            </a:r>
-          </a:p>
-          <a:p>
-            <a:r>
-              <a:rPr lang="de-DE" dirty="0" smtClean="0">
-                <a:solidFill>
-                  <a:srgbClr val="FF0000"/>
-                </a:solidFill>
-              </a:rPr>
-              <a:t>TODO... Add </a:t>
-            </a:r>
-            <a:r>
-              <a:rPr lang="de-DE" dirty="0" err="1" smtClean="0">
-                <a:solidFill>
-                  <a:srgbClr val="FF0000"/>
-                </a:solidFill>
-              </a:rPr>
-              <a:t>more</a:t>
-            </a:r>
-            <a:endParaRPr lang="de-DE" dirty="0" smtClean="0">
-              <a:solidFill>
-                <a:srgbClr val="FF0000"/>
-              </a:solidFill>
-            </a:endParaRPr>
-          </a:p>
-          <a:p>
-            <a:r>
-              <a:rPr lang="de-DE" dirty="0" smtClean="0"/>
-              <a:t>L. Aaron Kaplan </a:t>
-            </a:r>
-            <a:r>
-              <a:rPr lang="de-DE" dirty="0" smtClean="0">
-                <a:hlinkClick r:id="rId2"/>
-              </a:rPr>
-              <a:t>kaplan@cert.at</a:t>
-            </a:r>
-            <a:endParaRPr lang="de-DE" dirty="0" smtClean="0"/>
-          </a:p>
-          <a:p>
-            <a:r>
-              <a:rPr lang="de-DE" dirty="0" smtClean="0"/>
-              <a:t>Manuel </a:t>
-            </a:r>
-            <a:r>
-              <a:rPr lang="de-DE" dirty="0" err="1" smtClean="0"/>
-              <a:t>Koschuch</a:t>
-            </a:r>
-            <a:endParaRPr lang="de-DE" dirty="0" smtClean="0"/>
-          </a:p>
-          <a:p>
-            <a:r>
-              <a:rPr lang="de-DE" dirty="0" smtClean="0"/>
-              <a:t>Adi </a:t>
-            </a:r>
-            <a:r>
-              <a:rPr lang="de-DE" dirty="0" err="1" smtClean="0"/>
-              <a:t>Kriegisch</a:t>
-            </a:r>
-            <a:r>
-              <a:rPr lang="de-DE" dirty="0" smtClean="0"/>
-              <a:t> </a:t>
-            </a:r>
-            <a:r>
-              <a:rPr lang="de-DE" dirty="0" smtClean="0">
-                <a:hlinkClick r:id="rId3"/>
-              </a:rPr>
-              <a:t>adi@kriegisch.at</a:t>
-            </a:r>
-            <a:endParaRPr lang="de-DE" dirty="0" smtClean="0"/>
-          </a:p>
-          <a:p>
-            <a:r>
-              <a:rPr lang="de-DE" dirty="0" smtClean="0"/>
-              <a:t>Christian Mock</a:t>
-            </a:r>
-          </a:p>
-          <a:p>
-            <a:r>
-              <a:rPr lang="de-DE" dirty="0" smtClean="0"/>
-              <a:t>Ramin </a:t>
-            </a:r>
-            <a:r>
-              <a:rPr lang="de-DE" dirty="0" err="1" smtClean="0"/>
-              <a:t>Sabet</a:t>
-            </a:r>
-            <a:r>
-              <a:rPr lang="de-DE" dirty="0" smtClean="0"/>
-              <a:t> </a:t>
-            </a:r>
-          </a:p>
-          <a:p>
-            <a:r>
-              <a:rPr lang="de-DE" dirty="0" smtClean="0"/>
-              <a:t>Aaron Zauner &lt;</a:t>
-            </a:r>
-            <a:r>
-              <a:rPr lang="de-DE" dirty="0" err="1" smtClean="0"/>
-              <a:t>azet.org</a:t>
-            </a:r>
-            <a:r>
-              <a:rPr lang="de-DE" dirty="0" smtClean="0"/>
-              <a:t>&gt; </a:t>
-            </a:r>
-          </a:p>
-          <a:p>
-            <a:r>
-              <a:rPr lang="de-DE" dirty="0" smtClean="0"/>
-              <a:t>Pepi </a:t>
-            </a:r>
-            <a:r>
-              <a:rPr lang="de-DE" dirty="0" err="1" smtClean="0"/>
-              <a:t>Zawodsky</a:t>
-            </a:r>
-            <a:r>
-              <a:rPr lang="de-DE" dirty="0" smtClean="0"/>
-              <a:t> </a:t>
-            </a:r>
-            <a:r>
-              <a:rPr lang="de-DE" dirty="0" smtClean="0">
-                <a:hlinkClick r:id="rId4"/>
-              </a:rPr>
-              <a:t>pepi@maclemon.at</a:t>
-            </a:r>
-            <a:r>
-              <a:rPr lang="de-DE" dirty="0" smtClean="0"/>
-              <a:t> </a:t>
-            </a:r>
-          </a:p>
-          <a:p>
-            <a:endParaRPr lang="de-DE" dirty="0"/>
-          </a:p>
-        </p:txBody>
-      </p:sp>
+      </p:pic>
     </p:spTree>
     <p:extLst>
       <p:ext uri="{BB962C8B-B14F-4D97-AF65-F5344CB8AC3E}">
-        <p14:creationId xmlns:p14="http://schemas.microsoft.com/office/powerpoint/2010/main" val="1320588945"/>
+        <p14:creationId xmlns:p14="http://schemas.microsoft.com/office/powerpoint/2010/main" val="4093919544"/>
       </p:ext>
     </p:extLst>
   </p:cSld>
   <p:clrMapOvr>
     <a:masterClrMapping/>
   </p:clrMapOvr>
+  <p:timing>
+    <p:tnLst>
+      <p:par>
+        <p:cTn xmlns:p14="http://schemas.microsoft.com/office/powerpoint/2010/main" id="1" dur="indefinite" restart="never" nodeType="tmRoot"/>
+      </p:par>
+    </p:tnLst>
+  </p:timing>
+</p:sld>
+</file>
+
+<file path=ppt/slides/slide35.xml><?xml version="1.0" encoding="utf-8"?>
+<p:sld xmlns:a="http://schemas.openxmlformats.org/drawingml/2006/main" xmlns:r="http://schemas.openxmlformats.org/officeDocument/2006/relationships" xmlns:p="http://schemas.openxmlformats.org/presentationml/2006/main">
+  <p:cSld>
+    <p:spTree>
+      <p:nvGrpSpPr>
+        <p:cNvPr id="1" name=""/>
+        <p:cNvGrpSpPr/>
+        <p:nvPr/>
+      </p:nvGrpSpPr>
+      <p:grpSpPr>
+        <a:xfrm>
+          <a:off x="0" y="0"/>
+          <a:ext cx="0" cy="0"/>
+          <a:chOff x="0" y="0"/>
+          <a:chExt cx="0" cy="0"/>
+        </a:xfrm>
+      </p:grpSpPr>
+      <p:sp>
+        <p:nvSpPr>
+          <p:cNvPr id="2" name="Titel 1"/>
+          <p:cNvSpPr>
+            <a:spLocks noGrp="1"/>
+          </p:cNvSpPr>
+          <p:nvPr>
+            <p:ph type="title"/>
+          </p:nvPr>
+        </p:nvSpPr>
+        <p:spPr/>
+        <p:txBody>
+          <a:bodyPr/>
+          <a:lstStyle/>
+          <a:p>
+            <a:r>
+              <a:rPr lang="de-DE" dirty="0" err="1"/>
+              <a:t>s</a:t>
+            </a:r>
+            <a:r>
+              <a:rPr lang="de-DE" dirty="0" err="1" smtClean="0"/>
+              <a:t>sllabs</a:t>
+            </a:r>
+            <a:r>
+              <a:rPr lang="de-DE" dirty="0" smtClean="0"/>
+              <a:t> (2)</a:t>
+            </a:r>
+            <a:endParaRPr lang="de-DE" dirty="0"/>
+          </a:p>
+        </p:txBody>
+      </p:sp>
+      <p:pic>
+        <p:nvPicPr>
+          <p:cNvPr id="4" name="Bild 3"/>
+          <p:cNvPicPr>
+            <a:picLocks noChangeAspect="1"/>
+          </p:cNvPicPr>
+          <p:nvPr/>
+        </p:nvPicPr>
+        <p:blipFill>
+          <a:blip r:embed="rId2"/>
+          <a:stretch>
+            <a:fillRect/>
+          </a:stretch>
+        </p:blipFill>
+        <p:spPr>
+          <a:xfrm>
+            <a:off x="568212" y="1277604"/>
+            <a:ext cx="8007576" cy="5364376"/>
+          </a:xfrm>
+          <a:prstGeom prst="rect">
+            <a:avLst/>
+          </a:prstGeom>
+        </p:spPr>
+      </p:pic>
+    </p:spTree>
+    <p:extLst>
+      <p:ext uri="{BB962C8B-B14F-4D97-AF65-F5344CB8AC3E}">
+        <p14:creationId xmlns:p14="http://schemas.microsoft.com/office/powerpoint/2010/main" val="3464118341"/>
+      </p:ext>
+    </p:extLst>
+  </p:cSld>
+  <p:clrMapOvr>
+    <a:masterClrMapping/>
+  </p:clrMapOvr>
+  <p:timing>
+    <p:tnLst>
+      <p:par>
+        <p:cTn xmlns:p14="http://schemas.microsoft.com/office/powerpoint/2010/main" id="1" dur="indefinite" restart="never" nodeType="tmRoot"/>
+      </p:par>
+    </p:tnLst>
+  </p:timing>
+</p:sld>
+</file>
+
+<file path=ppt/slides/slide36.xml><?xml version="1.0" encoding="utf-8"?>
+<p:sld xmlns:a="http://schemas.openxmlformats.org/drawingml/2006/main" xmlns:r="http://schemas.openxmlformats.org/officeDocument/2006/relationships" xmlns:p="http://schemas.openxmlformats.org/presentationml/2006/main">
+  <p:cSld>
+    <p:spTree>
+      <p:nvGrpSpPr>
+        <p:cNvPr id="1" name=""/>
+        <p:cNvGrpSpPr/>
+        <p:nvPr/>
+      </p:nvGrpSpPr>
+      <p:grpSpPr>
+        <a:xfrm>
+          <a:off x="0" y="0"/>
+          <a:ext cx="0" cy="0"/>
+          <a:chOff x="0" y="0"/>
+          <a:chExt cx="0" cy="0"/>
+        </a:xfrm>
+      </p:grpSpPr>
+      <p:sp>
+        <p:nvSpPr>
+          <p:cNvPr id="2" name="Titel 1"/>
+          <p:cNvSpPr>
+            <a:spLocks noGrp="1"/>
+          </p:cNvSpPr>
+          <p:nvPr>
+            <p:ph type="title"/>
+          </p:nvPr>
+        </p:nvSpPr>
+        <p:spPr/>
+        <p:txBody>
+          <a:bodyPr/>
+          <a:lstStyle/>
+          <a:p>
+            <a:r>
+              <a:rPr lang="de-DE" dirty="0" err="1" smtClean="0"/>
+              <a:t>Ssllabs</a:t>
+            </a:r>
+            <a:r>
+              <a:rPr lang="de-DE" dirty="0" smtClean="0"/>
+              <a:t> (3)</a:t>
+            </a:r>
+            <a:endParaRPr lang="de-DE" dirty="0"/>
+          </a:p>
+        </p:txBody>
+      </p:sp>
+      <p:pic>
+        <p:nvPicPr>
+          <p:cNvPr id="4" name="Bild 3"/>
+          <p:cNvPicPr>
+            <a:picLocks noChangeAspect="1"/>
+          </p:cNvPicPr>
+          <p:nvPr/>
+        </p:nvPicPr>
+        <p:blipFill>
+          <a:blip r:embed="rId2"/>
+          <a:stretch>
+            <a:fillRect/>
+          </a:stretch>
+        </p:blipFill>
+        <p:spPr>
+          <a:xfrm>
+            <a:off x="368300" y="0"/>
+            <a:ext cx="8389163" cy="6858000"/>
+          </a:xfrm>
+          <a:prstGeom prst="rect">
+            <a:avLst/>
+          </a:prstGeom>
+        </p:spPr>
+      </p:pic>
+    </p:spTree>
+    <p:extLst>
+      <p:ext uri="{BB962C8B-B14F-4D97-AF65-F5344CB8AC3E}">
+        <p14:creationId xmlns:p14="http://schemas.microsoft.com/office/powerpoint/2010/main" val="1846901608"/>
+      </p:ext>
+    </p:extLst>
+  </p:cSld>
+  <p:clrMapOvr>
+    <a:masterClrMapping/>
+  </p:clrMapOvr>
+  <p:timing>
+    <p:tnLst>
+      <p:par>
+        <p:cTn xmlns:p14="http://schemas.microsoft.com/office/powerpoint/2010/main" id="1" dur="indefinite" restart="never" nodeType="tmRoot"/>
+      </p:par>
+    </p:tnLst>
+  </p:timing>
+</p:sld>
+</file>
+
+<file path=ppt/slides/slide37.xml><?xml version="1.0" encoding="utf-8"?>
+<p:sld xmlns:a="http://schemas.openxmlformats.org/drawingml/2006/main" xmlns:r="http://schemas.openxmlformats.org/officeDocument/2006/relationships" xmlns:p="http://schemas.openxmlformats.org/presentationml/2006/main">
+  <p:cSld>
+    <p:spTree>
+      <p:nvGrpSpPr>
+        <p:cNvPr id="1" name=""/>
+        <p:cNvGrpSpPr/>
+        <p:nvPr/>
+      </p:nvGrpSpPr>
+      <p:grpSpPr>
+        <a:xfrm>
+          <a:off x="0" y="0"/>
+          <a:ext cx="0" cy="0"/>
+          <a:chOff x="0" y="0"/>
+          <a:chExt cx="0" cy="0"/>
+        </a:xfrm>
+      </p:grpSpPr>
+      <p:sp>
+        <p:nvSpPr>
+          <p:cNvPr id="4" name="Titel 3"/>
+          <p:cNvSpPr>
+            <a:spLocks noGrp="1"/>
+          </p:cNvSpPr>
+          <p:nvPr>
+            <p:ph type="title"/>
+          </p:nvPr>
+        </p:nvSpPr>
+        <p:spPr/>
+        <p:txBody>
+          <a:bodyPr/>
+          <a:lstStyle/>
+          <a:p>
+            <a:r>
+              <a:rPr lang="de-DE" dirty="0" err="1" smtClean="0"/>
+              <a:t>Wrap-up</a:t>
+            </a:r>
+            <a:endParaRPr lang="de-DE" dirty="0"/>
+          </a:p>
+        </p:txBody>
+      </p:sp>
+      <p:sp>
+        <p:nvSpPr>
+          <p:cNvPr id="5" name="Textplatzhalter 4"/>
+          <p:cNvSpPr>
+            <a:spLocks noGrp="1"/>
+          </p:cNvSpPr>
+          <p:nvPr>
+            <p:ph type="body" idx="1"/>
+          </p:nvPr>
+        </p:nvSpPr>
+        <p:spPr/>
+        <p:txBody>
+          <a:bodyPr/>
+          <a:lstStyle/>
+          <a:p>
+            <a:endParaRPr lang="de-DE"/>
+          </a:p>
+        </p:txBody>
+      </p:sp>
+      <p:sp>
+        <p:nvSpPr>
+          <p:cNvPr id="6" name="Textfeld 5"/>
+          <p:cNvSpPr txBox="1"/>
+          <p:nvPr/>
+        </p:nvSpPr>
+        <p:spPr>
+          <a:xfrm>
+            <a:off x="7297503" y="6126163"/>
+            <a:ext cx="1389297" cy="369332"/>
+          </a:xfrm>
+          <a:prstGeom prst="rect">
+            <a:avLst/>
+          </a:prstGeom>
+          <a:noFill/>
+        </p:spPr>
+        <p:txBody>
+          <a:bodyPr wrap="square" rtlCol="0">
+            <a:spAutoFit/>
+          </a:bodyPr>
+          <a:lstStyle/>
+          <a:p>
+            <a:r>
+              <a:rPr lang="de-DE" dirty="0" smtClean="0"/>
+              <a:t>Aaron</a:t>
+            </a:r>
+            <a:endParaRPr lang="de-DE" dirty="0"/>
+          </a:p>
+        </p:txBody>
+      </p:sp>
+    </p:spTree>
+    <p:extLst>
+      <p:ext uri="{BB962C8B-B14F-4D97-AF65-F5344CB8AC3E}">
+        <p14:creationId xmlns:p14="http://schemas.microsoft.com/office/powerpoint/2010/main" val="4191511598"/>
+      </p:ext>
+    </p:extLst>
+  </p:cSld>
+  <p:clrMapOvr>
+    <a:masterClrMapping/>
+  </p:clrMapOvr>
+</p:sld>
+</file>
+
+<file path=ppt/slides/slide38.xml><?xml version="1.0" encoding="utf-8"?>
+<p:sld xmlns:a="http://schemas.openxmlformats.org/drawingml/2006/main" xmlns:r="http://schemas.openxmlformats.org/officeDocument/2006/relationships" xmlns:p="http://schemas.openxmlformats.org/presentationml/2006/main">
+  <p:cSld>
+    <p:spTree>
+      <p:nvGrpSpPr>
+        <p:cNvPr id="1" name=""/>
+        <p:cNvGrpSpPr/>
+        <p:nvPr/>
+      </p:nvGrpSpPr>
+      <p:grpSpPr>
+        <a:xfrm>
+          <a:off x="0" y="0"/>
+          <a:ext cx="0" cy="0"/>
+          <a:chOff x="0" y="0"/>
+          <a:chExt cx="0" cy="0"/>
+        </a:xfrm>
+      </p:grpSpPr>
+      <p:sp>
+        <p:nvSpPr>
+          <p:cNvPr id="2" name="Titel 1"/>
+          <p:cNvSpPr>
+            <a:spLocks noGrp="1"/>
+          </p:cNvSpPr>
+          <p:nvPr>
+            <p:ph type="title"/>
+          </p:nvPr>
+        </p:nvSpPr>
+        <p:spPr/>
+        <p:txBody>
+          <a:bodyPr/>
+          <a:lstStyle/>
+          <a:p>
+            <a:r>
+              <a:rPr lang="de-DE" dirty="0" err="1" smtClean="0"/>
+              <a:t>Current</a:t>
+            </a:r>
+            <a:r>
+              <a:rPr lang="de-DE" dirty="0" smtClean="0"/>
+              <a:t> </a:t>
+            </a:r>
+            <a:r>
+              <a:rPr lang="de-DE" dirty="0" err="1" smtClean="0"/>
+              <a:t>state</a:t>
+            </a:r>
+            <a:r>
+              <a:rPr lang="de-DE" dirty="0" smtClean="0"/>
+              <a:t> </a:t>
+            </a:r>
+            <a:r>
+              <a:rPr lang="de-DE" dirty="0" err="1" smtClean="0"/>
+              <a:t>as</a:t>
+            </a:r>
+            <a:r>
+              <a:rPr lang="de-DE" dirty="0" smtClean="0"/>
+              <a:t> of 2013/11/22</a:t>
+            </a:r>
+            <a:endParaRPr lang="de-DE" dirty="0"/>
+          </a:p>
+        </p:txBody>
+      </p:sp>
+      <p:sp>
+        <p:nvSpPr>
+          <p:cNvPr id="3" name="Inhaltsplatzhalter 2"/>
+          <p:cNvSpPr>
+            <a:spLocks noGrp="1"/>
+          </p:cNvSpPr>
+          <p:nvPr>
+            <p:ph idx="1"/>
+          </p:nvPr>
+        </p:nvSpPr>
+        <p:spPr/>
+        <p:txBody>
+          <a:bodyPr/>
+          <a:lstStyle/>
+          <a:p>
+            <a:pPr>
+              <a:buFont typeface="Wingdings" charset="2"/>
+              <a:buChar char="ü"/>
+            </a:pPr>
+            <a:r>
+              <a:rPr lang="de-DE" dirty="0" smtClean="0"/>
+              <a:t>Solid </a:t>
+            </a:r>
+            <a:r>
+              <a:rPr lang="de-DE" dirty="0" err="1" smtClean="0"/>
+              <a:t>basis</a:t>
+            </a:r>
+            <a:r>
+              <a:rPr lang="de-DE" dirty="0" smtClean="0"/>
+              <a:t> </a:t>
+            </a:r>
+            <a:r>
+              <a:rPr lang="de-DE" dirty="0" err="1" smtClean="0"/>
+              <a:t>with</a:t>
+            </a:r>
+            <a:r>
+              <a:rPr lang="de-DE" dirty="0" smtClean="0"/>
+              <a:t> Variant (A) </a:t>
+            </a:r>
+            <a:r>
+              <a:rPr lang="de-DE" dirty="0" err="1" smtClean="0"/>
+              <a:t>and</a:t>
+            </a:r>
+            <a:r>
+              <a:rPr lang="de-DE" dirty="0" smtClean="0"/>
+              <a:t> (B)</a:t>
+            </a:r>
+          </a:p>
+          <a:p>
+            <a:r>
+              <a:rPr lang="de-DE" dirty="0" err="1" smtClean="0"/>
+              <a:t>Section</a:t>
+            </a:r>
+            <a:r>
+              <a:rPr lang="de-DE" dirty="0" smtClean="0"/>
+              <a:t> „</a:t>
+            </a:r>
+            <a:r>
+              <a:rPr lang="de-DE" dirty="0" err="1" smtClean="0"/>
+              <a:t>cipher</a:t>
+            </a:r>
+            <a:r>
+              <a:rPr lang="de-DE" dirty="0" smtClean="0"/>
+              <a:t> </a:t>
+            </a:r>
+            <a:r>
+              <a:rPr lang="de-DE" dirty="0" err="1" smtClean="0"/>
+              <a:t>suites</a:t>
+            </a:r>
+            <a:r>
+              <a:rPr lang="de-DE" dirty="0" smtClean="0"/>
+              <a:t>“ still a </a:t>
+            </a:r>
+            <a:r>
+              <a:rPr lang="de-DE" dirty="0" err="1" smtClean="0"/>
+              <a:t>bit</a:t>
+            </a:r>
+            <a:r>
+              <a:rPr lang="de-DE" dirty="0" smtClean="0"/>
+              <a:t> </a:t>
+            </a:r>
+            <a:r>
+              <a:rPr lang="de-DE" dirty="0" err="1" smtClean="0"/>
+              <a:t>messy</a:t>
+            </a:r>
+            <a:r>
+              <a:rPr lang="de-DE" dirty="0" smtClean="0"/>
+              <a:t>, </a:t>
+            </a:r>
+            <a:r>
+              <a:rPr lang="de-DE" dirty="0" err="1" smtClean="0"/>
+              <a:t>needs</a:t>
+            </a:r>
+            <a:r>
+              <a:rPr lang="de-DE" dirty="0" smtClean="0"/>
+              <a:t> </a:t>
+            </a:r>
+            <a:r>
+              <a:rPr lang="de-DE" dirty="0" err="1" smtClean="0"/>
+              <a:t>more</a:t>
+            </a:r>
+            <a:r>
+              <a:rPr lang="de-DE" dirty="0" smtClean="0"/>
+              <a:t> </a:t>
+            </a:r>
+            <a:r>
+              <a:rPr lang="de-DE" dirty="0" err="1" smtClean="0"/>
+              <a:t>work</a:t>
+            </a:r>
+            <a:endParaRPr lang="de-DE" dirty="0" smtClean="0"/>
+          </a:p>
+          <a:p>
+            <a:r>
+              <a:rPr lang="de-DE" dirty="0" err="1" smtClean="0"/>
+              <a:t>Section</a:t>
+            </a:r>
+            <a:r>
+              <a:rPr lang="de-DE" dirty="0" smtClean="0"/>
+              <a:t> „</a:t>
+            </a:r>
+            <a:r>
+              <a:rPr lang="de-DE" dirty="0" err="1" smtClean="0"/>
+              <a:t>practical</a:t>
+            </a:r>
+            <a:r>
+              <a:rPr lang="de-DE" dirty="0" smtClean="0"/>
+              <a:t> </a:t>
+            </a:r>
+            <a:r>
+              <a:rPr lang="de-DE" dirty="0" err="1" smtClean="0"/>
+              <a:t>settings</a:t>
+            </a:r>
+            <a:r>
+              <a:rPr lang="de-DE" dirty="0" smtClean="0"/>
+              <a:t>“ – WIP. Need </a:t>
+            </a:r>
+            <a:r>
+              <a:rPr lang="de-DE" dirty="0" err="1" smtClean="0"/>
+              <a:t>more</a:t>
+            </a:r>
+            <a:r>
+              <a:rPr lang="de-DE" dirty="0" smtClean="0"/>
+              <a:t> </a:t>
+            </a:r>
+            <a:r>
+              <a:rPr lang="de-DE" dirty="0" err="1" smtClean="0"/>
+              <a:t>input</a:t>
+            </a:r>
+            <a:r>
+              <a:rPr lang="de-DE" dirty="0" smtClean="0"/>
+              <a:t> on VPNs, PGP, SSH, IPMI, SIP, XMPP, DBs</a:t>
+            </a:r>
+          </a:p>
+          <a:p>
+            <a:r>
+              <a:rPr lang="de-DE" dirty="0" smtClean="0"/>
+              <a:t>Need </a:t>
+            </a:r>
+            <a:r>
+              <a:rPr lang="de-DE" dirty="0" err="1" smtClean="0"/>
+              <a:t>to</a:t>
+            </a:r>
+            <a:r>
+              <a:rPr lang="de-DE" dirty="0" smtClean="0"/>
+              <a:t> </a:t>
+            </a:r>
+            <a:r>
+              <a:rPr lang="de-DE" dirty="0" err="1" smtClean="0"/>
+              <a:t>build</a:t>
+            </a:r>
+            <a:r>
+              <a:rPr lang="de-DE" dirty="0" smtClean="0"/>
+              <a:t> </a:t>
+            </a:r>
+            <a:r>
+              <a:rPr lang="de-DE" dirty="0" err="1" smtClean="0"/>
+              <a:t>testing</a:t>
+            </a:r>
+            <a:r>
+              <a:rPr lang="de-DE" dirty="0" smtClean="0"/>
+              <a:t> </a:t>
+            </a:r>
+            <a:r>
+              <a:rPr lang="de-DE" dirty="0" err="1" smtClean="0"/>
+              <a:t>setup</a:t>
+            </a:r>
+            <a:endParaRPr lang="de-DE" dirty="0" smtClean="0"/>
+          </a:p>
+          <a:p>
+            <a:endParaRPr lang="de-DE" dirty="0"/>
+          </a:p>
+        </p:txBody>
+      </p:sp>
+      <p:sp>
+        <p:nvSpPr>
+          <p:cNvPr id="4" name="Textfeld 3"/>
+          <p:cNvSpPr txBox="1"/>
+          <p:nvPr/>
+        </p:nvSpPr>
+        <p:spPr>
+          <a:xfrm>
+            <a:off x="7297503" y="6126163"/>
+            <a:ext cx="1389297" cy="369332"/>
+          </a:xfrm>
+          <a:prstGeom prst="rect">
+            <a:avLst/>
+          </a:prstGeom>
+          <a:noFill/>
+        </p:spPr>
+        <p:txBody>
+          <a:bodyPr wrap="square" rtlCol="0">
+            <a:spAutoFit/>
+          </a:bodyPr>
+          <a:lstStyle/>
+          <a:p>
+            <a:r>
+              <a:rPr lang="de-DE" dirty="0" smtClean="0"/>
+              <a:t>Aaron</a:t>
+            </a:r>
+            <a:endParaRPr lang="de-DE" dirty="0"/>
+          </a:p>
+        </p:txBody>
+      </p:sp>
+    </p:spTree>
+    <p:extLst>
+      <p:ext uri="{BB962C8B-B14F-4D97-AF65-F5344CB8AC3E}">
+        <p14:creationId xmlns:p14="http://schemas.microsoft.com/office/powerpoint/2010/main" val="51044277"/>
+      </p:ext>
+    </p:extLst>
+  </p:cSld>
+  <p:clrMapOvr>
+    <a:masterClrMapping/>
+  </p:clrMapOvr>
+  <p:timing>
+    <p:tnLst>
+      <p:par>
+        <p:cTn xmlns:p14="http://schemas.microsoft.com/office/powerpoint/2010/main" id="1" dur="indefinite" restart="never" nodeType="tmRoot"/>
+      </p:par>
+    </p:tnLst>
+  </p:timing>
+</p:sld>
+</file>
+
+<file path=ppt/slides/slide39.xml><?xml version="1.0" encoding="utf-8"?>
+<p:sld xmlns:a="http://schemas.openxmlformats.org/drawingml/2006/main" xmlns:r="http://schemas.openxmlformats.org/officeDocument/2006/relationships" xmlns:p="http://schemas.openxmlformats.org/presentationml/2006/main">
+  <p:cSld>
+    <p:spTree>
+      <p:nvGrpSpPr>
+        <p:cNvPr id="1" name=""/>
+        <p:cNvGrpSpPr/>
+        <p:nvPr/>
+      </p:nvGrpSpPr>
+      <p:grpSpPr>
+        <a:xfrm>
+          <a:off x="0" y="0"/>
+          <a:ext cx="0" cy="0"/>
+          <a:chOff x="0" y="0"/>
+          <a:chExt cx="0" cy="0"/>
+        </a:xfrm>
+      </p:grpSpPr>
+      <p:sp>
+        <p:nvSpPr>
+          <p:cNvPr id="2" name="Titel 1"/>
+          <p:cNvSpPr>
+            <a:spLocks noGrp="1"/>
+          </p:cNvSpPr>
+          <p:nvPr>
+            <p:ph type="title"/>
+          </p:nvPr>
+        </p:nvSpPr>
+        <p:spPr/>
+        <p:txBody>
+          <a:bodyPr>
+            <a:normAutofit/>
+          </a:bodyPr>
+          <a:lstStyle/>
+          <a:p>
+            <a:r>
+              <a:rPr lang="de-DE" dirty="0" err="1" smtClean="0"/>
+              <a:t>How</a:t>
+            </a:r>
+            <a:r>
+              <a:rPr lang="de-DE" dirty="0" smtClean="0"/>
+              <a:t> </a:t>
+            </a:r>
+            <a:r>
+              <a:rPr lang="de-DE" dirty="0" err="1" smtClean="0"/>
+              <a:t>to</a:t>
+            </a:r>
+            <a:r>
+              <a:rPr lang="de-DE" dirty="0" smtClean="0"/>
+              <a:t> </a:t>
+            </a:r>
+            <a:r>
+              <a:rPr lang="de-DE" dirty="0" err="1" smtClean="0"/>
+              <a:t>participate</a:t>
+            </a:r>
+            <a:endParaRPr lang="de-DE" dirty="0"/>
+          </a:p>
+        </p:txBody>
+      </p:sp>
+      <p:sp>
+        <p:nvSpPr>
+          <p:cNvPr id="3" name="Inhaltsplatzhalter 2"/>
+          <p:cNvSpPr>
+            <a:spLocks noGrp="1"/>
+          </p:cNvSpPr>
+          <p:nvPr>
+            <p:ph idx="1"/>
+          </p:nvPr>
+        </p:nvSpPr>
+        <p:spPr/>
+        <p:txBody>
+          <a:bodyPr>
+            <a:normAutofit fontScale="85000" lnSpcReduction="20000"/>
+          </a:bodyPr>
+          <a:lstStyle/>
+          <a:p>
+            <a:pPr marL="514350" indent="-514350">
+              <a:buFont typeface="+mj-lt"/>
+              <a:buAutoNum type="arabicPeriod"/>
+            </a:pPr>
+            <a:r>
+              <a:rPr lang="de-DE" dirty="0" err="1" smtClean="0"/>
+              <a:t>We</a:t>
+            </a:r>
+            <a:r>
+              <a:rPr lang="de-DE" dirty="0" smtClean="0"/>
+              <a:t> </a:t>
+            </a:r>
+            <a:r>
+              <a:rPr lang="de-DE" dirty="0" err="1" smtClean="0"/>
+              <a:t>need</a:t>
+            </a:r>
+            <a:r>
+              <a:rPr lang="de-DE" dirty="0" smtClean="0"/>
+              <a:t>: </a:t>
+            </a:r>
+            <a:r>
+              <a:rPr lang="de-DE" dirty="0" err="1" smtClean="0"/>
+              <a:t>cryptologists</a:t>
+            </a:r>
+            <a:r>
+              <a:rPr lang="de-DE" dirty="0" smtClean="0"/>
+              <a:t>, sysadmins, </a:t>
+            </a:r>
+            <a:r>
+              <a:rPr lang="de-DE" dirty="0" err="1" smtClean="0"/>
+              <a:t>hackers</a:t>
+            </a:r>
+            <a:endParaRPr lang="de-DE" dirty="0" smtClean="0"/>
+          </a:p>
+          <a:p>
+            <a:pPr marL="514350" indent="-514350">
+              <a:buFont typeface="+mj-lt"/>
+              <a:buAutoNum type="arabicPeriod"/>
+            </a:pPr>
+            <a:r>
+              <a:rPr lang="de-DE" dirty="0" smtClean="0"/>
+              <a:t>Read </a:t>
+            </a:r>
+            <a:r>
+              <a:rPr lang="de-DE" dirty="0" err="1" smtClean="0"/>
+              <a:t>the</a:t>
+            </a:r>
+            <a:r>
+              <a:rPr lang="de-DE" dirty="0" smtClean="0"/>
+              <a:t> </a:t>
+            </a:r>
+            <a:r>
+              <a:rPr lang="de-DE" dirty="0" err="1" smtClean="0"/>
+              <a:t>document</a:t>
+            </a:r>
+            <a:r>
+              <a:rPr lang="de-DE" dirty="0" smtClean="0"/>
+              <a:t>, find </a:t>
+            </a:r>
+            <a:r>
+              <a:rPr lang="de-DE" dirty="0" err="1" smtClean="0"/>
+              <a:t>bugs</a:t>
+            </a:r>
+            <a:endParaRPr lang="de-DE" dirty="0" smtClean="0"/>
+          </a:p>
+          <a:p>
+            <a:pPr marL="514350" indent="-514350">
+              <a:buFont typeface="+mj-lt"/>
+              <a:buAutoNum type="arabicPeriod"/>
+            </a:pPr>
+            <a:r>
+              <a:rPr lang="de-DE" dirty="0" err="1" smtClean="0"/>
+              <a:t>Subscribe</a:t>
+            </a:r>
+            <a:r>
+              <a:rPr lang="de-DE" dirty="0" smtClean="0"/>
+              <a:t> </a:t>
+            </a:r>
+            <a:r>
+              <a:rPr lang="de-DE" dirty="0" err="1" smtClean="0"/>
+              <a:t>to</a:t>
+            </a:r>
+            <a:r>
+              <a:rPr lang="de-DE" dirty="0" smtClean="0"/>
+              <a:t> </a:t>
+            </a:r>
+            <a:r>
+              <a:rPr lang="de-DE" dirty="0" err="1" smtClean="0"/>
+              <a:t>the</a:t>
+            </a:r>
+            <a:r>
+              <a:rPr lang="de-DE" dirty="0" smtClean="0"/>
+              <a:t> </a:t>
+            </a:r>
+            <a:r>
+              <a:rPr lang="de-DE" dirty="0" err="1" smtClean="0"/>
+              <a:t>mailing</a:t>
+            </a:r>
+            <a:r>
+              <a:rPr lang="de-DE" dirty="0" smtClean="0"/>
+              <a:t> </a:t>
+            </a:r>
+            <a:r>
+              <a:rPr lang="de-DE" dirty="0" err="1" smtClean="0"/>
+              <a:t>list</a:t>
+            </a:r>
+            <a:endParaRPr lang="de-DE" dirty="0" smtClean="0"/>
+          </a:p>
+          <a:p>
+            <a:pPr marL="514350" indent="-514350">
+              <a:buFont typeface="+mj-lt"/>
+              <a:buAutoNum type="arabicPeriod"/>
+            </a:pPr>
+            <a:r>
+              <a:rPr lang="de-DE" dirty="0" err="1" smtClean="0"/>
+              <a:t>Understand</a:t>
+            </a:r>
+            <a:r>
+              <a:rPr lang="de-DE" dirty="0" smtClean="0"/>
+              <a:t> </a:t>
+            </a:r>
+            <a:r>
+              <a:rPr lang="de-DE" dirty="0" err="1" smtClean="0"/>
+              <a:t>the</a:t>
+            </a:r>
+            <a:r>
+              <a:rPr lang="de-DE" dirty="0" smtClean="0"/>
+              <a:t> </a:t>
+            </a:r>
+            <a:r>
+              <a:rPr lang="de-DE" dirty="0" err="1" smtClean="0"/>
+              <a:t>cipher</a:t>
+            </a:r>
+            <a:r>
+              <a:rPr lang="de-DE" dirty="0" smtClean="0"/>
+              <a:t> </a:t>
+            </a:r>
+            <a:r>
+              <a:rPr lang="de-DE" dirty="0" err="1" smtClean="0"/>
+              <a:t>strings</a:t>
+            </a:r>
+            <a:r>
+              <a:rPr lang="de-DE" dirty="0" smtClean="0"/>
+              <a:t> Variant (A) </a:t>
+            </a:r>
+            <a:r>
+              <a:rPr lang="de-DE" dirty="0" err="1" smtClean="0"/>
+              <a:t>and</a:t>
+            </a:r>
+            <a:r>
+              <a:rPr lang="de-DE" dirty="0" smtClean="0"/>
+              <a:t> (B) </a:t>
+            </a:r>
+            <a:r>
+              <a:rPr lang="de-DE" dirty="0" err="1" smtClean="0"/>
+              <a:t>before</a:t>
+            </a:r>
+            <a:r>
+              <a:rPr lang="de-DE" dirty="0" smtClean="0"/>
+              <a:t> </a:t>
+            </a:r>
+            <a:r>
+              <a:rPr lang="de-DE" dirty="0" err="1" smtClean="0"/>
+              <a:t>proposing</a:t>
+            </a:r>
+            <a:r>
+              <a:rPr lang="de-DE" dirty="0" smtClean="0"/>
+              <a:t> </a:t>
+            </a:r>
+            <a:r>
+              <a:rPr lang="de-DE" dirty="0" err="1" smtClean="0"/>
+              <a:t>some</a:t>
+            </a:r>
+            <a:r>
+              <a:rPr lang="de-DE" dirty="0" smtClean="0"/>
+              <a:t> </a:t>
+            </a:r>
+            <a:r>
+              <a:rPr lang="de-DE" dirty="0" err="1" smtClean="0"/>
+              <a:t>changes</a:t>
+            </a:r>
+            <a:endParaRPr lang="de-DE" dirty="0" smtClean="0"/>
+          </a:p>
+          <a:p>
+            <a:pPr marL="514350" indent="-514350">
+              <a:buFont typeface="+mj-lt"/>
+              <a:buAutoNum type="arabicPeriod"/>
+            </a:pPr>
+            <a:r>
+              <a:rPr lang="de-DE" dirty="0" err="1" smtClean="0"/>
+              <a:t>If</a:t>
+            </a:r>
+            <a:r>
+              <a:rPr lang="de-DE" dirty="0" smtClean="0"/>
+              <a:t> </a:t>
+            </a:r>
+            <a:r>
+              <a:rPr lang="de-DE" dirty="0" err="1" smtClean="0"/>
+              <a:t>you</a:t>
+            </a:r>
+            <a:r>
+              <a:rPr lang="de-DE" dirty="0" smtClean="0"/>
+              <a:t> </a:t>
+            </a:r>
+            <a:r>
+              <a:rPr lang="de-DE" dirty="0" err="1" smtClean="0"/>
+              <a:t>propose</a:t>
+            </a:r>
+            <a:r>
+              <a:rPr lang="de-DE" dirty="0" smtClean="0"/>
+              <a:t> a </a:t>
+            </a:r>
+            <a:r>
+              <a:rPr lang="de-DE" dirty="0" err="1" smtClean="0"/>
+              <a:t>new</a:t>
+            </a:r>
+            <a:r>
+              <a:rPr lang="de-DE" dirty="0" smtClean="0"/>
+              <a:t> </a:t>
+            </a:r>
+            <a:r>
+              <a:rPr lang="de-DE" dirty="0" err="1" smtClean="0"/>
+              <a:t>subsection</a:t>
+            </a:r>
+            <a:r>
+              <a:rPr lang="de-DE" dirty="0" smtClean="0"/>
+              <a:t>, </a:t>
+            </a:r>
+            <a:r>
+              <a:rPr lang="de-DE" dirty="0" err="1" smtClean="0"/>
+              <a:t>make</a:t>
+            </a:r>
+            <a:r>
+              <a:rPr lang="de-DE" dirty="0" smtClean="0"/>
+              <a:t> a sample </a:t>
+            </a:r>
+            <a:r>
+              <a:rPr lang="de-DE" dirty="0" err="1" smtClean="0"/>
+              <a:t>config</a:t>
+            </a:r>
+            <a:r>
+              <a:rPr lang="de-DE" dirty="0" smtClean="0"/>
+              <a:t> </a:t>
+            </a:r>
+            <a:r>
+              <a:rPr lang="de-DE" dirty="0" err="1" smtClean="0"/>
+              <a:t>with</a:t>
+            </a:r>
+            <a:r>
+              <a:rPr lang="de-DE" dirty="0" smtClean="0"/>
+              <a:t> variant (B)</a:t>
+            </a:r>
+            <a:endParaRPr lang="de-DE" dirty="0" smtClean="0"/>
+          </a:p>
+          <a:p>
+            <a:pPr marL="514350" indent="-514350">
+              <a:buFont typeface="+mj-lt"/>
+              <a:buAutoNum type="arabicPeriod"/>
+            </a:pPr>
+            <a:r>
+              <a:rPr lang="de-DE" dirty="0" err="1" smtClean="0"/>
+              <a:t>Git</a:t>
+            </a:r>
+            <a:r>
+              <a:rPr lang="de-DE" dirty="0" smtClean="0"/>
+              <a:t> </a:t>
+            </a:r>
+            <a:r>
+              <a:rPr lang="de-DE" dirty="0" err="1" smtClean="0"/>
+              <a:t>repo</a:t>
+            </a:r>
+            <a:r>
+              <a:rPr lang="de-DE" dirty="0" smtClean="0"/>
+              <a:t> </a:t>
+            </a:r>
+            <a:r>
+              <a:rPr lang="de-DE" dirty="0" err="1" smtClean="0"/>
+              <a:t>is</a:t>
+            </a:r>
+            <a:r>
+              <a:rPr lang="de-DE" dirty="0" smtClean="0"/>
+              <a:t> </a:t>
+            </a:r>
+            <a:r>
+              <a:rPr lang="de-DE" dirty="0" err="1" smtClean="0"/>
+              <a:t>world</a:t>
+            </a:r>
+            <a:r>
+              <a:rPr lang="de-DE" dirty="0" err="1" smtClean="0"/>
+              <a:t>-</a:t>
+            </a:r>
+            <a:r>
+              <a:rPr lang="de-DE" dirty="0" err="1" smtClean="0"/>
+              <a:t>readable</a:t>
+            </a:r>
+            <a:endParaRPr lang="de-DE" dirty="0" smtClean="0"/>
+          </a:p>
+          <a:p>
+            <a:pPr marL="514350" indent="-514350">
+              <a:buFont typeface="+mj-lt"/>
+              <a:buAutoNum type="arabicPeriod"/>
+            </a:pPr>
+            <a:r>
+              <a:rPr lang="de-DE" dirty="0" err="1" smtClean="0"/>
+              <a:t>We</a:t>
+            </a:r>
+            <a:r>
+              <a:rPr lang="de-DE" dirty="0" smtClean="0"/>
+              <a:t> </a:t>
+            </a:r>
+            <a:r>
+              <a:rPr lang="de-DE" dirty="0" err="1" smtClean="0"/>
+              <a:t>need</a:t>
+            </a:r>
+            <a:r>
+              <a:rPr lang="de-DE" dirty="0" smtClean="0"/>
+              <a:t>: </a:t>
+            </a:r>
+          </a:p>
+          <a:p>
+            <a:pPr marL="914400" lvl="1" indent="-514350">
+              <a:buFont typeface="+mj-lt"/>
+              <a:buAutoNum type="arabicPeriod"/>
+            </a:pPr>
+            <a:r>
+              <a:rPr lang="de-DE" dirty="0" err="1" smtClean="0"/>
+              <a:t>add</a:t>
+            </a:r>
+            <a:r>
+              <a:rPr lang="de-DE" dirty="0" smtClean="0"/>
+              <a:t> a </a:t>
+            </a:r>
+            <a:r>
+              <a:rPr lang="de-DE" dirty="0" err="1" smtClean="0"/>
+              <a:t>subsection</a:t>
+            </a:r>
+            <a:r>
+              <a:rPr lang="de-DE" dirty="0" smtClean="0"/>
+              <a:t> </a:t>
+            </a:r>
+            <a:r>
+              <a:rPr lang="de-DE" dirty="0" err="1" smtClean="0"/>
+              <a:t>from</a:t>
+            </a:r>
+            <a:r>
+              <a:rPr lang="de-DE" dirty="0" smtClean="0"/>
+              <a:t> </a:t>
+            </a:r>
+            <a:r>
+              <a:rPr lang="de-DE" dirty="0" err="1" smtClean="0"/>
+              <a:t>the</a:t>
+            </a:r>
+            <a:r>
+              <a:rPr lang="de-DE" dirty="0" smtClean="0"/>
+              <a:t> TODO </a:t>
+            </a:r>
+            <a:r>
+              <a:rPr lang="de-DE" dirty="0" err="1" smtClean="0"/>
+              <a:t>list</a:t>
+            </a:r>
+            <a:endParaRPr lang="de-DE" dirty="0" smtClean="0"/>
+          </a:p>
+          <a:p>
+            <a:pPr marL="914400" lvl="1" indent="-514350">
+              <a:buFont typeface="+mj-lt"/>
+              <a:buAutoNum type="arabicPeriod"/>
+            </a:pPr>
+            <a:r>
+              <a:rPr lang="de-DE" b="1" dirty="0" err="1" smtClean="0">
+                <a:solidFill>
+                  <a:srgbClr val="008000"/>
+                </a:solidFill>
+              </a:rPr>
+              <a:t>Reviewers</a:t>
+            </a:r>
+            <a:r>
+              <a:rPr lang="de-DE" b="1" dirty="0" smtClean="0">
+                <a:solidFill>
+                  <a:srgbClr val="008000"/>
+                </a:solidFill>
+              </a:rPr>
+              <a:t>!</a:t>
+            </a:r>
+            <a:endParaRPr lang="de-DE" b="1" dirty="0" smtClean="0">
+              <a:solidFill>
+                <a:srgbClr val="008000"/>
+              </a:solidFill>
+            </a:endParaRPr>
+          </a:p>
+        </p:txBody>
+      </p:sp>
+      <p:sp>
+        <p:nvSpPr>
+          <p:cNvPr id="4" name="Textfeld 3"/>
+          <p:cNvSpPr txBox="1"/>
+          <p:nvPr/>
+        </p:nvSpPr>
+        <p:spPr>
+          <a:xfrm>
+            <a:off x="7297503" y="6126163"/>
+            <a:ext cx="1389297" cy="369332"/>
+          </a:xfrm>
+          <a:prstGeom prst="rect">
+            <a:avLst/>
+          </a:prstGeom>
+          <a:noFill/>
+        </p:spPr>
+        <p:txBody>
+          <a:bodyPr wrap="square" rtlCol="0">
+            <a:spAutoFit/>
+          </a:bodyPr>
+          <a:lstStyle/>
+          <a:p>
+            <a:r>
+              <a:rPr lang="de-DE" dirty="0" smtClean="0"/>
+              <a:t>Aaron</a:t>
+            </a:r>
+            <a:endParaRPr lang="de-DE" dirty="0"/>
+          </a:p>
+        </p:txBody>
+      </p:sp>
+    </p:spTree>
+    <p:extLst>
+      <p:ext uri="{BB962C8B-B14F-4D97-AF65-F5344CB8AC3E}">
+        <p14:creationId xmlns:p14="http://schemas.microsoft.com/office/powerpoint/2010/main" val="976292356"/>
+      </p:ext>
+    </p:extLst>
+  </p:cSld>
+  <p:clrMapOvr>
+    <a:masterClrMapping/>
+  </p:clrMapOvr>
+  <p:timing>
+    <p:tnLst>
+      <p:par>
+        <p:cTn xmlns:p14="http://schemas.microsoft.com/office/powerpoint/2010/main" id="1" dur="indefinite" restart="never" nodeType="tmRoot"/>
+      </p:par>
+    </p:tnLst>
+  </p:timing>
 </p:sld>
 </file>
 
@@ -9671,6 +11506,425 @@
     <p:extLst>
       <p:ext uri="{BB962C8B-B14F-4D97-AF65-F5344CB8AC3E}">
         <p14:creationId xmlns:p14="http://schemas.microsoft.com/office/powerpoint/2010/main" val="3573853666"/>
+      </p:ext>
+    </p:extLst>
+  </p:cSld>
+  <p:clrMapOvr>
+    <a:masterClrMapping/>
+  </p:clrMapOvr>
+</p:sld>
+</file>
+
+<file path=ppt/slides/slide40.xml><?xml version="1.0" encoding="utf-8"?>
+<p:sld xmlns:a="http://schemas.openxmlformats.org/drawingml/2006/main" xmlns:r="http://schemas.openxmlformats.org/officeDocument/2006/relationships" xmlns:p="http://schemas.openxmlformats.org/presentationml/2006/main">
+  <p:cSld>
+    <p:spTree>
+      <p:nvGrpSpPr>
+        <p:cNvPr id="1" name=""/>
+        <p:cNvGrpSpPr/>
+        <p:nvPr/>
+      </p:nvGrpSpPr>
+      <p:grpSpPr>
+        <a:xfrm>
+          <a:off x="0" y="0"/>
+          <a:ext cx="0" cy="0"/>
+          <a:chOff x="0" y="0"/>
+          <a:chExt cx="0" cy="0"/>
+        </a:xfrm>
+      </p:grpSpPr>
+      <p:sp>
+        <p:nvSpPr>
+          <p:cNvPr id="2" name="Titel 1"/>
+          <p:cNvSpPr>
+            <a:spLocks noGrp="1"/>
+          </p:cNvSpPr>
+          <p:nvPr>
+            <p:ph type="title"/>
+          </p:nvPr>
+        </p:nvSpPr>
+        <p:spPr/>
+        <p:txBody>
+          <a:bodyPr/>
+          <a:lstStyle/>
+          <a:p>
+            <a:r>
+              <a:rPr lang="de-DE" dirty="0" smtClean="0"/>
+              <a:t>Links</a:t>
+            </a:r>
+            <a:endParaRPr lang="de-DE" dirty="0"/>
+          </a:p>
+        </p:txBody>
+      </p:sp>
+      <p:sp>
+        <p:nvSpPr>
+          <p:cNvPr id="3" name="Inhaltsplatzhalter 2"/>
+          <p:cNvSpPr>
+            <a:spLocks noGrp="1"/>
+          </p:cNvSpPr>
+          <p:nvPr>
+            <p:ph idx="1"/>
+          </p:nvPr>
+        </p:nvSpPr>
+        <p:spPr/>
+        <p:txBody>
+          <a:bodyPr/>
+          <a:lstStyle/>
+          <a:p>
+            <a:r>
+              <a:rPr lang="de-DE" dirty="0" smtClean="0"/>
+              <a:t>Website: </a:t>
+            </a:r>
+            <a:r>
+              <a:rPr lang="de-DE" dirty="0" smtClean="0">
+                <a:hlinkClick r:id="rId2"/>
+              </a:rPr>
+              <a:t>www.bettercrypto.org</a:t>
+            </a:r>
+            <a:endParaRPr lang="de-DE" dirty="0" smtClean="0"/>
+          </a:p>
+          <a:p>
+            <a:r>
+              <a:rPr lang="de-DE" dirty="0" err="1" smtClean="0"/>
+              <a:t>Git</a:t>
+            </a:r>
+            <a:r>
+              <a:rPr lang="de-DE" dirty="0" smtClean="0"/>
+              <a:t> </a:t>
+            </a:r>
+            <a:r>
+              <a:rPr lang="de-DE" dirty="0" err="1" smtClean="0"/>
+              <a:t>repo</a:t>
+            </a:r>
+            <a:r>
+              <a:rPr lang="de-DE" dirty="0" smtClean="0"/>
+              <a:t>: </a:t>
+            </a:r>
+            <a:r>
+              <a:rPr lang="de-DE" dirty="0" smtClean="0">
+                <a:hlinkClick r:id="rId3"/>
+              </a:rPr>
+              <a:t>https://git.bettercrypto.org</a:t>
+            </a:r>
+            <a:endParaRPr lang="de-DE" dirty="0" smtClean="0"/>
+          </a:p>
+          <a:p>
+            <a:r>
+              <a:rPr lang="de-DE" dirty="0" smtClean="0"/>
+              <a:t>Mailing </a:t>
+            </a:r>
+            <a:r>
+              <a:rPr lang="de-DE" dirty="0" err="1" smtClean="0"/>
+              <a:t>list</a:t>
+            </a:r>
+            <a:r>
+              <a:rPr lang="de-DE" dirty="0"/>
+              <a:t>: </a:t>
+            </a:r>
+            <a:r>
+              <a:rPr lang="de-DE" dirty="0" smtClean="0">
+                <a:hlinkClick r:id="rId4"/>
+              </a:rPr>
+              <a:t>http://lists.cert.at</a:t>
+            </a:r>
+            <a:r>
+              <a:rPr lang="de-DE" dirty="0">
+                <a:hlinkClick r:id="rId4"/>
+              </a:rPr>
+              <a:t>/cgi-bin/mailman/listinfo/</a:t>
+            </a:r>
+            <a:r>
+              <a:rPr lang="de-DE" dirty="0" smtClean="0">
+                <a:hlinkClick r:id="rId4"/>
+              </a:rPr>
+              <a:t>ach</a:t>
+            </a:r>
+            <a:r>
+              <a:rPr lang="de-DE" dirty="0" smtClean="0"/>
+              <a:t> </a:t>
+            </a:r>
+          </a:p>
+          <a:p>
+            <a:endParaRPr lang="de-DE" dirty="0"/>
+          </a:p>
+        </p:txBody>
+      </p:sp>
+      <p:sp>
+        <p:nvSpPr>
+          <p:cNvPr id="4" name="Textfeld 3"/>
+          <p:cNvSpPr txBox="1"/>
+          <p:nvPr/>
+        </p:nvSpPr>
+        <p:spPr>
+          <a:xfrm>
+            <a:off x="7297503" y="6126163"/>
+            <a:ext cx="1389297" cy="369332"/>
+          </a:xfrm>
+          <a:prstGeom prst="rect">
+            <a:avLst/>
+          </a:prstGeom>
+          <a:noFill/>
+        </p:spPr>
+        <p:txBody>
+          <a:bodyPr wrap="square" rtlCol="0">
+            <a:spAutoFit/>
+          </a:bodyPr>
+          <a:lstStyle/>
+          <a:p>
+            <a:r>
+              <a:rPr lang="de-DE" dirty="0" smtClean="0"/>
+              <a:t>Aaron</a:t>
+            </a:r>
+            <a:endParaRPr lang="de-DE" dirty="0"/>
+          </a:p>
+        </p:txBody>
+      </p:sp>
+    </p:spTree>
+    <p:extLst>
+      <p:ext uri="{BB962C8B-B14F-4D97-AF65-F5344CB8AC3E}">
+        <p14:creationId xmlns:p14="http://schemas.microsoft.com/office/powerpoint/2010/main" val="665888502"/>
+      </p:ext>
+    </p:extLst>
+  </p:cSld>
+  <p:clrMapOvr>
+    <a:masterClrMapping/>
+  </p:clrMapOvr>
+  <p:timing>
+    <p:tnLst>
+      <p:par>
+        <p:cTn xmlns:p14="http://schemas.microsoft.com/office/powerpoint/2010/main" id="1" dur="indefinite" restart="never" nodeType="tmRoot"/>
+      </p:par>
+    </p:tnLst>
+  </p:timing>
+</p:sld>
+</file>
+
+<file path=ppt/slides/slide41.xml><?xml version="1.0" encoding="utf-8"?>
+<p:sld xmlns:a="http://schemas.openxmlformats.org/drawingml/2006/main" xmlns:r="http://schemas.openxmlformats.org/officeDocument/2006/relationships" xmlns:p="http://schemas.openxmlformats.org/presentationml/2006/main">
+  <p:cSld>
+    <p:spTree>
+      <p:nvGrpSpPr>
+        <p:cNvPr id="1" name=""/>
+        <p:cNvGrpSpPr/>
+        <p:nvPr/>
+      </p:nvGrpSpPr>
+      <p:grpSpPr>
+        <a:xfrm>
+          <a:off x="0" y="0"/>
+          <a:ext cx="0" cy="0"/>
+          <a:chOff x="0" y="0"/>
+          <a:chExt cx="0" cy="0"/>
+        </a:xfrm>
+      </p:grpSpPr>
+      <p:sp>
+        <p:nvSpPr>
+          <p:cNvPr id="2" name="Titel 1"/>
+          <p:cNvSpPr>
+            <a:spLocks noGrp="1"/>
+          </p:cNvSpPr>
+          <p:nvPr>
+            <p:ph type="ctrTitle"/>
+          </p:nvPr>
+        </p:nvSpPr>
+        <p:spPr/>
+        <p:txBody>
+          <a:bodyPr/>
+          <a:lstStyle/>
+          <a:p>
+            <a:r>
+              <a:rPr lang="de-DE" dirty="0" err="1" smtClean="0"/>
+              <a:t>Thank</a:t>
+            </a:r>
+            <a:r>
+              <a:rPr lang="de-DE" dirty="0" smtClean="0"/>
+              <a:t> </a:t>
+            </a:r>
+            <a:r>
+              <a:rPr lang="de-DE" dirty="0" err="1" smtClean="0"/>
+              <a:t>you</a:t>
+            </a:r>
+            <a:r>
+              <a:rPr lang="de-DE" dirty="0" smtClean="0"/>
+              <a:t>!</a:t>
+            </a:r>
+            <a:endParaRPr lang="de-DE" dirty="0"/>
+          </a:p>
+        </p:txBody>
+      </p:sp>
+      <p:sp>
+        <p:nvSpPr>
+          <p:cNvPr id="4" name="Untertitel 3"/>
+          <p:cNvSpPr>
+            <a:spLocks noGrp="1"/>
+          </p:cNvSpPr>
+          <p:nvPr>
+            <p:ph type="subTitle" idx="1"/>
+          </p:nvPr>
+        </p:nvSpPr>
+        <p:spPr/>
+        <p:txBody>
+          <a:bodyPr>
+            <a:normAutofit fontScale="55000" lnSpcReduction="20000"/>
+          </a:bodyPr>
+          <a:lstStyle/>
+          <a:p>
+            <a:r>
+              <a:rPr lang="de-DE" dirty="0" err="1" smtClean="0"/>
+              <a:t>Authors</a:t>
+            </a:r>
+            <a:r>
+              <a:rPr lang="de-DE" dirty="0" smtClean="0"/>
+              <a:t>:</a:t>
+            </a:r>
+          </a:p>
+          <a:p>
+            <a:r>
+              <a:rPr lang="de-DE" dirty="0"/>
+              <a:t>Wolfgang </a:t>
+            </a:r>
+            <a:r>
+              <a:rPr lang="de-DE" dirty="0" err="1"/>
+              <a:t>Breyha</a:t>
+            </a:r>
+            <a:r>
+              <a:rPr lang="de-DE" dirty="0" smtClean="0"/>
+              <a:t>, </a:t>
+            </a:r>
+            <a:r>
+              <a:rPr lang="de-DE" dirty="0"/>
+              <a:t>David </a:t>
+            </a:r>
+            <a:r>
+              <a:rPr lang="de-DE" dirty="0" err="1"/>
+              <a:t>Durvaux</a:t>
+            </a:r>
+            <a:r>
+              <a:rPr lang="de-DE" dirty="0"/>
+              <a:t>, Tobias Dussa, </a:t>
+            </a:r>
+            <a:r>
+              <a:rPr lang="de-DE" dirty="0" smtClean="0"/>
+              <a:t>L</a:t>
+            </a:r>
+            <a:r>
+              <a:rPr lang="de-DE" dirty="0" smtClean="0"/>
+              <a:t>. Aaron Kaplan </a:t>
+            </a:r>
+            <a:r>
+              <a:rPr lang="de-DE" dirty="0" smtClean="0">
+                <a:hlinkClick r:id="rId2"/>
+              </a:rPr>
+              <a:t>kaplan@cert.at</a:t>
+            </a:r>
+            <a:endParaRPr lang="de-DE" dirty="0" smtClean="0"/>
+          </a:p>
+          <a:p>
+            <a:r>
+              <a:rPr lang="de-DE" dirty="0" smtClean="0"/>
+              <a:t>Manuel </a:t>
+            </a:r>
+            <a:r>
+              <a:rPr lang="de-DE" dirty="0" err="1" smtClean="0"/>
+              <a:t>Koschuch</a:t>
+            </a:r>
+            <a:r>
+              <a:rPr lang="de-DE" dirty="0" smtClean="0"/>
+              <a:t>, Daniel </a:t>
+            </a:r>
+            <a:r>
+              <a:rPr lang="de-DE" dirty="0" err="1" smtClean="0"/>
+              <a:t>Kovacic</a:t>
+            </a:r>
+            <a:r>
+              <a:rPr lang="de-DE" dirty="0" smtClean="0"/>
+              <a:t>, </a:t>
+            </a:r>
+            <a:r>
+              <a:rPr lang="de-DE" dirty="0" smtClean="0"/>
+              <a:t>Adi </a:t>
+            </a:r>
+            <a:r>
+              <a:rPr lang="de-DE" dirty="0" err="1" smtClean="0"/>
+              <a:t>Kriegisch</a:t>
+            </a:r>
+            <a:r>
+              <a:rPr lang="de-DE" dirty="0" smtClean="0"/>
+              <a:t> </a:t>
+            </a:r>
+            <a:r>
+              <a:rPr lang="de-DE" dirty="0" smtClean="0">
+                <a:hlinkClick r:id="rId3"/>
+              </a:rPr>
+              <a:t>adi@kriegisch.at</a:t>
+            </a:r>
+            <a:endParaRPr lang="de-DE" dirty="0" smtClean="0"/>
+          </a:p>
+          <a:p>
+            <a:r>
+              <a:rPr lang="de-DE" dirty="0" smtClean="0"/>
+              <a:t>Christian </a:t>
+            </a:r>
+            <a:r>
+              <a:rPr lang="de-DE" dirty="0" smtClean="0"/>
+              <a:t>Mock, Ramin </a:t>
+            </a:r>
+            <a:r>
+              <a:rPr lang="de-DE" dirty="0" err="1" smtClean="0"/>
+              <a:t>Sabet</a:t>
+            </a:r>
+            <a:r>
+              <a:rPr lang="de-DE" dirty="0" smtClean="0"/>
+              <a:t> </a:t>
+            </a:r>
+            <a:r>
+              <a:rPr lang="de-DE" dirty="0" smtClean="0"/>
+              <a:t>, Aaron </a:t>
+            </a:r>
+            <a:r>
+              <a:rPr lang="de-DE" dirty="0" smtClean="0"/>
+              <a:t>Zauner &lt;</a:t>
+            </a:r>
+            <a:r>
+              <a:rPr lang="de-DE" dirty="0" err="1" smtClean="0"/>
+              <a:t>azet.org</a:t>
+            </a:r>
+            <a:r>
+              <a:rPr lang="de-DE" dirty="0" smtClean="0"/>
+              <a:t>&gt; </a:t>
+            </a:r>
+          </a:p>
+          <a:p>
+            <a:r>
+              <a:rPr lang="de-DE" dirty="0" smtClean="0"/>
+              <a:t>Pepi </a:t>
+            </a:r>
+            <a:r>
+              <a:rPr lang="de-DE" dirty="0" err="1" smtClean="0"/>
+              <a:t>Zawodsky</a:t>
+            </a:r>
+            <a:r>
+              <a:rPr lang="de-DE" dirty="0" smtClean="0"/>
+              <a:t> </a:t>
+            </a:r>
+            <a:r>
+              <a:rPr lang="de-DE" dirty="0" smtClean="0">
+                <a:hlinkClick r:id="rId4"/>
+              </a:rPr>
+              <a:t>pepi@maclemon.at</a:t>
+            </a:r>
+            <a:r>
+              <a:rPr lang="de-DE" dirty="0" smtClean="0"/>
+              <a:t> </a:t>
+            </a:r>
+          </a:p>
+          <a:p>
+            <a:endParaRPr lang="de-DE" dirty="0"/>
+          </a:p>
+        </p:txBody>
+      </p:sp>
+    </p:spTree>
+    <p:extLst>
+      <p:ext uri="{BB962C8B-B14F-4D97-AF65-F5344CB8AC3E}">
+        <p14:creationId xmlns:p14="http://schemas.microsoft.com/office/powerpoint/2010/main" val="1320588945"/>
       </p:ext>
     </p:extLst>
   </p:cSld>
@@ -10531,7 +12785,7 @@
   <p:timing>
     <p:tnLst>
       <p:par>
-        <p:cTn id="1" dur="indefinite" restart="never" nodeType="tmRoot"/>
+        <p:cTn xmlns:p14="http://schemas.microsoft.com/office/powerpoint/2010/main" id="1" dur="indefinite" restart="never" nodeType="tmRoot"/>
       </p:par>
     </p:tnLst>
   </p:timing>
@@ -10591,7 +12845,7 @@
         <p:spPr/>
         <p:txBody>
           <a:bodyPr>
-            <a:normAutofit lnSpcReduction="10000"/>
+            <a:normAutofit/>
           </a:bodyPr>
           <a:lstStyle/>
           <a:p>
@@ -10774,43 +13028,62 @@
             <a:r>
               <a:rPr lang="de-DE" dirty="0" smtClean="0">
                 <a:solidFill>
-                  <a:srgbClr val="FF0000"/>
+                  <a:srgbClr val="000000"/>
                 </a:solidFill>
               </a:rPr>
-              <a:t>IAIK: ??</a:t>
-            </a:r>
-          </a:p>
-          <a:p>
-            <a:pPr marL="0" indent="0">
-              <a:buNone/>
-            </a:pPr>
+              <a:t>New </a:t>
+            </a:r>
+            <a:r>
+              <a:rPr lang="de-DE" dirty="0" err="1" smtClean="0">
+                <a:solidFill>
+                  <a:srgbClr val="000000"/>
+                </a:solidFill>
+              </a:rPr>
+              <a:t>contributors</a:t>
+            </a:r>
             <a:r>
               <a:rPr lang="de-DE" dirty="0" smtClean="0">
                 <a:solidFill>
-                  <a:srgbClr val="FF0000"/>
+                  <a:srgbClr val="000000"/>
                 </a:solidFill>
               </a:rPr>
-              <a:t>A-</a:t>
+              <a:t>: IAIK</a:t>
+            </a:r>
+            <a:r>
+              <a:rPr lang="de-DE" dirty="0" smtClean="0">
+                <a:solidFill>
+                  <a:srgbClr val="000000"/>
+                </a:solidFill>
+              </a:rPr>
+              <a:t>, </a:t>
+            </a:r>
+            <a:r>
+              <a:rPr lang="de-DE" dirty="0" smtClean="0">
+                <a:solidFill>
+                  <a:srgbClr val="000000"/>
+                </a:solidFill>
+              </a:rPr>
+              <a:t>A</a:t>
+            </a:r>
+            <a:r>
+              <a:rPr lang="de-DE" dirty="0" smtClean="0">
+                <a:solidFill>
+                  <a:srgbClr val="000000"/>
+                </a:solidFill>
+              </a:rPr>
+              <a:t>-</a:t>
             </a:r>
             <a:r>
               <a:rPr lang="de-DE" dirty="0" err="1" smtClean="0">
                 <a:solidFill>
-                  <a:srgbClr val="FF0000"/>
+                  <a:srgbClr val="000000"/>
                 </a:solidFill>
               </a:rPr>
               <a:t>Sit</a:t>
             </a:r>
-            <a:r>
-              <a:rPr lang="de-DE" dirty="0" smtClean="0">
-                <a:solidFill>
-                  <a:srgbClr val="FF0000"/>
-                </a:solidFill>
-              </a:rPr>
-              <a:t>: ??</a:t>
-            </a:r>
             <a:endParaRPr lang="de-DE" dirty="0">
               <a:solidFill>
-                <a:srgbClr val="FF0000"/>
+                <a:srgbClr val="000000"/>
               </a:solidFill>
             </a:endParaRPr>
           </a:p>
@@ -10821,14 +13094,14 @@
       </p:sp>
       <p:sp>
         <p:nvSpPr>
-          <p:cNvPr id="4" name="Textfeld 3"/>
+          <p:cNvPr id="5" name="Textfeld 4"/>
           <p:cNvSpPr txBox="1"/>
           <p:nvPr/>
         </p:nvSpPr>
         <p:spPr>
           <a:xfrm>
-            <a:off x="6713249" y="682999"/>
-            <a:ext cx="1291420" cy="369332"/>
+            <a:off x="7297503" y="6126163"/>
+            <a:ext cx="1389297" cy="369332"/>
           </a:xfrm>
           <a:prstGeom prst="rect">
             <a:avLst/>
@@ -10843,7 +13116,7 @@
           <a:p>
             <a:r>
               <a:rPr lang="de-DE" dirty="0" smtClean="0"/>
-              <a:t>(Aaron)</a:t>
+              <a:t>Aaron</a:t>
             </a:r>
             <a:endParaRPr lang="de-DE" dirty="0"/>
           </a:p>
@@ -11133,14 +13406,14 @@
       </p:sp>
       <p:sp>
         <p:nvSpPr>
-          <p:cNvPr id="4" name="Textfeld 3"/>
+          <p:cNvPr id="5" name="Textfeld 4"/>
           <p:cNvSpPr txBox="1"/>
           <p:nvPr/>
         </p:nvSpPr>
         <p:spPr>
           <a:xfrm>
-            <a:off x="6713249" y="693410"/>
-            <a:ext cx="1291420" cy="369332"/>
+            <a:off x="7297503" y="6126163"/>
+            <a:ext cx="1389297" cy="369332"/>
           </a:xfrm>
           <a:prstGeom prst="rect">
             <a:avLst/>
@@ -11155,7 +13428,7 @@
           <a:p>
             <a:r>
               <a:rPr lang="de-DE" dirty="0" smtClean="0"/>
-              <a:t>(Aaron)</a:t>
+              <a:t>Aaron</a:t>
             </a:r>
             <a:endParaRPr lang="de-DE" dirty="0"/>
           </a:p>
@@ -11377,7 +13650,7 @@
       </p:grpSpPr>
       <p:sp>
         <p:nvSpPr>
-          <p:cNvPr id="2" name="Titel 1"/>
+          <p:cNvPr id="4" name="Titel 3"/>
           <p:cNvSpPr>
             <a:spLocks noGrp="1"/>
           </p:cNvSpPr>
@@ -11391,20 +13664,20 @@
           <a:lstStyle/>
           <a:p>
             <a:r>
-              <a:rPr lang="de-DE" dirty="0" err="1" smtClean="0"/>
-              <a:t>Some</a:t>
-            </a:r>
-            <a:r>
-              <a:rPr lang="de-DE" dirty="0" smtClean="0"/>
-              <a:t> </a:t>
-            </a:r>
-            <a:r>
-              <a:rPr lang="de-DE" dirty="0" err="1" smtClean="0"/>
-              <a:t>thoughts</a:t>
-            </a:r>
-            <a:r>
-              <a:rPr lang="de-DE" dirty="0" smtClean="0"/>
-              <a:t> on ECC</a:t>
+              <a:rPr lang="de-DE" dirty="0" smtClean="0"/>
+              <a:t>General </a:t>
+            </a:r>
+            <a:r>
+              <a:rPr lang="de-DE" dirty="0" err="1" smtClean="0"/>
+              <a:t>remarks</a:t>
+            </a:r>
+            <a:r>
+              <a:rPr lang="de-DE" dirty="0" smtClean="0"/>
+              <a:t> on </a:t>
+            </a:r>
+            <a:r>
+              <a:rPr lang="de-DE" dirty="0" err="1" smtClean="0"/>
+              <a:t>crypto</a:t>
             </a:r>
             <a:endParaRPr lang="de-DE" dirty="0"/>
           </a:p>
@@ -11412,271 +13685,27 @@
       </p:sp>
       <p:sp>
         <p:nvSpPr>
-          <p:cNvPr id="3" name="Inhaltsplatzhalter 2"/>
-          <p:cNvSpPr>
-            <a:spLocks noGrp="1"/>
-          </p:cNvSpPr>
-          <p:nvPr>
-            <p:ph idx="1"/>
+          <p:cNvPr id="5" name="Textplatzhalter 4"/>
+          <p:cNvSpPr>
+            <a:spLocks noGrp="1"/>
+          </p:cNvSpPr>
+          <p:nvPr>
+            <p:ph type="body" idx="1"/>
           </p:nvPr>
         </p:nvSpPr>
         <p:spPr/>
         <p:txBody>
-          <a:bodyPr>
-            <a:normAutofit/>
-          </a:bodyPr>
-          <a:lstStyle/>
-          <a:p>
-            <a:r>
-              <a:rPr lang="de-DE" dirty="0" err="1" smtClean="0"/>
-              <a:t>Currently</a:t>
-            </a:r>
-            <a:r>
-              <a:rPr lang="de-DE" dirty="0" smtClean="0"/>
-              <a:t> </a:t>
-            </a:r>
-            <a:r>
-              <a:rPr lang="de-DE" dirty="0" err="1" smtClean="0"/>
-              <a:t>this</a:t>
-            </a:r>
-            <a:r>
-              <a:rPr lang="de-DE" dirty="0" smtClean="0"/>
-              <a:t> </a:t>
-            </a:r>
-            <a:r>
-              <a:rPr lang="de-DE" dirty="0" err="1" smtClean="0"/>
-              <a:t>is</a:t>
-            </a:r>
-            <a:r>
-              <a:rPr lang="de-DE" dirty="0" smtClean="0"/>
-              <a:t> </a:t>
-            </a:r>
-            <a:r>
-              <a:rPr lang="de-DE" dirty="0" err="1" smtClean="0"/>
-              <a:t>under</a:t>
-            </a:r>
-            <a:r>
-              <a:rPr lang="de-DE" dirty="0" smtClean="0"/>
-              <a:t> heavy </a:t>
-            </a:r>
-            <a:r>
-              <a:rPr lang="de-DE" dirty="0" err="1" smtClean="0"/>
-              <a:t>debate</a:t>
-            </a:r>
-            <a:endParaRPr lang="de-DE" dirty="0" smtClean="0"/>
-          </a:p>
-          <a:p>
-            <a:r>
-              <a:rPr lang="de-DE" dirty="0" smtClean="0"/>
-              <a:t>Trust </a:t>
-            </a:r>
-            <a:r>
-              <a:rPr lang="de-DE" dirty="0" err="1" smtClean="0"/>
-              <a:t>the</a:t>
-            </a:r>
-            <a:r>
-              <a:rPr lang="de-DE" dirty="0" smtClean="0"/>
-              <a:t> </a:t>
-            </a:r>
-            <a:r>
-              <a:rPr lang="de-DE" dirty="0" err="1" smtClean="0"/>
-              <a:t>Math</a:t>
-            </a:r>
-            <a:endParaRPr lang="de-DE" dirty="0" smtClean="0"/>
-          </a:p>
-          <a:p>
-            <a:pPr marL="342900" lvl="1" indent="-342900">
-              <a:buFont typeface="Arial"/>
-              <a:buChar char="•"/>
-            </a:pPr>
-            <a:r>
-              <a:rPr lang="en-US" sz="3200" dirty="0"/>
-              <a:t>“Nothing Up My Sleeve Numbers</a:t>
-            </a:r>
-            <a:r>
-              <a:rPr lang="en-US" sz="3200" dirty="0"/>
-              <a:t>”</a:t>
-            </a:r>
-            <a:endParaRPr lang="de-DE" sz="3200" dirty="0"/>
-          </a:p>
-          <a:p>
-            <a:pPr lvl="1"/>
-            <a:r>
-              <a:rPr lang="en-US" dirty="0" err="1" smtClean="0"/>
-              <a:t>eg</a:t>
-            </a:r>
-            <a:r>
-              <a:rPr lang="en-US" dirty="0" smtClean="0"/>
-              <a:t>. NIST P-256 (</a:t>
-            </a:r>
-            <a:r>
-              <a:rPr lang="de-AT" sz="1600" dirty="0">
-                <a:hlinkClick r:id="rId2"/>
-              </a:rPr>
-              <a:t>http://</a:t>
-            </a:r>
-            <a:r>
-              <a:rPr lang="de-AT" sz="1600" dirty="0" smtClean="0">
-                <a:hlinkClick r:id="rId2"/>
-              </a:rPr>
-              <a:t>safecurves.cr.yp.to/rigid.html</a:t>
-            </a:r>
-            <a:r>
-              <a:rPr lang="en-US" dirty="0" smtClean="0"/>
-              <a:t>)</a:t>
-            </a:r>
-            <a:endParaRPr lang="en-US" dirty="0"/>
-          </a:p>
-          <a:p>
-            <a:pPr lvl="1"/>
-            <a:r>
-              <a:rPr lang="en-US" sz="1800" dirty="0" smtClean="0">
-                <a:latin typeface="Courier" pitchFamily="49" charset="0"/>
-              </a:rPr>
-              <a:t>Coefficients </a:t>
-            </a:r>
-            <a:r>
-              <a:rPr lang="en-US" sz="1800" dirty="0">
-                <a:latin typeface="Courier" pitchFamily="49" charset="0"/>
-              </a:rPr>
-              <a:t>generated by hashing the unexplained seed c49d3608 86e70493 6a6678e1 139d26b7 819f7e90.</a:t>
-            </a:r>
-            <a:endParaRPr lang="de-DE" sz="1800" dirty="0" smtClean="0">
-              <a:latin typeface="Courier" pitchFamily="49" charset="0"/>
-            </a:endParaRPr>
-          </a:p>
-          <a:p>
-            <a:r>
-              <a:rPr lang="de-DE" dirty="0" err="1" smtClean="0"/>
-              <a:t>Might</a:t>
-            </a:r>
-            <a:r>
-              <a:rPr lang="de-DE" dirty="0" smtClean="0"/>
-              <a:t> </a:t>
-            </a:r>
-            <a:r>
-              <a:rPr lang="de-DE" dirty="0" err="1" smtClean="0"/>
-              <a:t>have</a:t>
-            </a:r>
-            <a:r>
-              <a:rPr lang="de-DE" dirty="0" smtClean="0"/>
-              <a:t> </a:t>
-            </a:r>
-            <a:r>
-              <a:rPr lang="de-DE" dirty="0" err="1" smtClean="0"/>
-              <a:t>to</a:t>
-            </a:r>
-            <a:r>
-              <a:rPr lang="de-DE" dirty="0" smtClean="0"/>
-              <a:t> </a:t>
-            </a:r>
-            <a:r>
-              <a:rPr lang="de-DE" dirty="0" err="1" smtClean="0"/>
-              <a:t>change</a:t>
-            </a:r>
-            <a:r>
-              <a:rPr lang="de-DE" dirty="0" smtClean="0"/>
-              <a:t> </a:t>
-            </a:r>
-            <a:r>
-              <a:rPr lang="de-DE" dirty="0" err="1" smtClean="0"/>
-              <a:t>settings</a:t>
-            </a:r>
-            <a:r>
-              <a:rPr lang="de-DE" dirty="0" smtClean="0"/>
-              <a:t> </a:t>
-            </a:r>
-            <a:r>
-              <a:rPr lang="de-DE" dirty="0" err="1" smtClean="0"/>
-              <a:t>tomorrow</a:t>
-            </a:r>
-            <a:endParaRPr lang="de-DE" dirty="0" smtClean="0"/>
-          </a:p>
-          <a:p>
-            <a:r>
-              <a:rPr lang="de-DE" dirty="0" smtClean="0"/>
-              <a:t>Most </a:t>
-            </a:r>
-            <a:r>
-              <a:rPr lang="de-DE" dirty="0" err="1" smtClean="0"/>
-              <a:t>Applications</a:t>
-            </a:r>
-            <a:r>
-              <a:rPr lang="de-DE" dirty="0" smtClean="0"/>
-              <a:t> </a:t>
-            </a:r>
-            <a:r>
-              <a:rPr lang="de-DE" dirty="0" err="1" smtClean="0"/>
-              <a:t>only</a:t>
-            </a:r>
-            <a:r>
-              <a:rPr lang="de-DE" dirty="0" smtClean="0"/>
-              <a:t> </a:t>
-            </a:r>
-            <a:r>
-              <a:rPr lang="de-DE" dirty="0" err="1" smtClean="0"/>
-              <a:t>work</a:t>
-            </a:r>
-            <a:r>
-              <a:rPr lang="de-DE" dirty="0" smtClean="0"/>
-              <a:t> </a:t>
-            </a:r>
-            <a:r>
-              <a:rPr lang="de-DE" dirty="0" err="1" smtClean="0"/>
-              <a:t>with</a:t>
-            </a:r>
-            <a:r>
-              <a:rPr lang="de-DE" dirty="0" smtClean="0"/>
-              <a:t> NIST-</a:t>
-            </a:r>
-            <a:r>
-              <a:rPr lang="de-DE" dirty="0" err="1" smtClean="0"/>
-              <a:t>Curves</a:t>
-            </a:r>
-            <a:endParaRPr lang="de-DE" dirty="0" smtClean="0"/>
-          </a:p>
-          <a:p>
-            <a:pPr marL="0" indent="0">
-              <a:buNone/>
-            </a:pPr>
-            <a:endParaRPr lang="de-DE" dirty="0"/>
-          </a:p>
-        </p:txBody>
-      </p:sp>
-      <p:sp>
-        <p:nvSpPr>
-          <p:cNvPr id="5" name="Textfeld 4"/>
-          <p:cNvSpPr txBox="1"/>
-          <p:nvPr/>
-        </p:nvSpPr>
-        <p:spPr>
-          <a:xfrm>
-            <a:off x="7318323" y="6126163"/>
-            <a:ext cx="1676031" cy="369332"/>
-          </a:xfrm>
-          <a:prstGeom prst="rect">
-            <a:avLst/>
-          </a:prstGeom>
-          <a:noFill/>
-        </p:spPr>
-        <p:txBody>
-          <a:bodyPr wrap="square" rtlCol="0">
-            <a:spAutoFit/>
-          </a:bodyPr>
-          <a:lstStyle/>
-          <a:p>
-            <a:r>
-              <a:rPr lang="de-DE" dirty="0" smtClean="0"/>
-              <a:t>Ramin, Daniel</a:t>
-            </a:r>
-            <a:endParaRPr lang="de-DE" dirty="0"/>
+          <a:bodyPr/>
+          <a:lstStyle/>
+          <a:p>
+            <a:endParaRPr lang="de-DE"/>
           </a:p>
         </p:txBody>
       </p:sp>
     </p:spTree>
     <p:extLst>
       <p:ext uri="{BB962C8B-B14F-4D97-AF65-F5344CB8AC3E}">
-        <p14:creationId xmlns:p14="http://schemas.microsoft.com/office/powerpoint/2010/main" val="3561811505"/>
+        <p14:creationId xmlns:p14="http://schemas.microsoft.com/office/powerpoint/2010/main" val="2166747675"/>
       </p:ext>
     </p:extLst>
   </p:cSld>

--- a/presentations/20131122-Deepsec-ACH project.pptx
+++ b/presentations/20131122-Deepsec-ACH project.pptx
@@ -8409,7 +8409,7 @@
         <p:spPr/>
         <p:txBody>
           <a:bodyPr>
-            <a:normAutofit/>
+            <a:normAutofit fontScale="92500"/>
           </a:bodyPr>
           <a:lstStyle/>
           <a:p>
@@ -8429,6 +8429,67 @@
               <a:t>optimisation</a:t>
             </a:r>
             <a:endParaRPr lang="de-DE" dirty="0" smtClean="0"/>
+          </a:p>
+          <a:p>
+            <a:endParaRPr lang="de-DE" dirty="0"/>
+          </a:p>
+          <a:p>
+            <a:endParaRPr lang="de-DE" dirty="0" smtClean="0"/>
+          </a:p>
+          <a:p>
+            <a:endParaRPr lang="de-DE" dirty="0"/>
+          </a:p>
+          <a:p>
+            <a:endParaRPr lang="de-DE" dirty="0" smtClean="0"/>
+          </a:p>
+          <a:p>
+            <a:endParaRPr lang="de-DE" dirty="0"/>
+          </a:p>
+          <a:p>
+            <a:r>
+              <a:rPr lang="de-DE" dirty="0" smtClean="0"/>
+              <a:t>Potential </a:t>
+            </a:r>
+            <a:r>
+              <a:rPr lang="de-DE" dirty="0" err="1" smtClean="0"/>
+              <a:t>future</a:t>
+            </a:r>
+            <a:r>
+              <a:rPr lang="de-DE" dirty="0" smtClean="0"/>
+              <a:t> </a:t>
+            </a:r>
+            <a:r>
+              <a:rPr lang="de-DE" dirty="0" err="1" smtClean="0"/>
+              <a:t>solution</a:t>
+            </a:r>
+            <a:r>
+              <a:rPr lang="de-DE" dirty="0" smtClean="0"/>
+              <a:t>: </a:t>
+            </a:r>
+            <a:r>
+              <a:rPr lang="de-DE" dirty="0" err="1" smtClean="0"/>
+              <a:t>generator</a:t>
+            </a:r>
+            <a:r>
+              <a:rPr lang="de-DE" dirty="0" smtClean="0"/>
+              <a:t> </a:t>
+            </a:r>
+            <a:r>
+              <a:rPr lang="de-DE" dirty="0" err="1" smtClean="0"/>
+              <a:t>for</a:t>
+            </a:r>
+            <a:r>
+              <a:rPr lang="de-DE" dirty="0" smtClean="0"/>
+              <a:t> </a:t>
+            </a:r>
+            <a:r>
+              <a:rPr lang="de-DE" dirty="0" err="1" smtClean="0"/>
+              <a:t>settings</a:t>
+            </a:r>
+            <a:r>
+              <a:rPr lang="de-DE" dirty="0" smtClean="0"/>
+              <a:t>?</a:t>
+            </a:r>
           </a:p>
           <a:p>
             <a:endParaRPr lang="de-DE" dirty="0" smtClean="0"/>
@@ -8481,7 +8542,7 @@
         </p:blipFill>
         <p:spPr>
           <a:xfrm>
-            <a:off x="2590800" y="3122826"/>
+            <a:off x="2590800" y="2748043"/>
             <a:ext cx="3949700" cy="2819400"/>
           </a:xfrm>
           <a:prstGeom prst="rect">
@@ -8778,15 +8839,23 @@
                   <a:srgbClr val="000000"/>
                 </a:solidFill>
               </a:rPr>
-              <a:t>DBs: </a:t>
-            </a:r>
-            <a:r>
-              <a:rPr lang="de-DE" dirty="0" err="1" smtClean="0"/>
-              <a:t>Postgresql</a:t>
-            </a:r>
-            <a:r>
-              <a:rPr lang="de-DE" dirty="0" smtClean="0"/>
-              <a:t>, Mysql</a:t>
+              <a:t>DBs</a:t>
+            </a:r>
+            <a:r>
+              <a:rPr lang="de-DE" dirty="0" smtClean="0">
+                <a:solidFill>
+                  <a:srgbClr val="000000"/>
+                </a:solidFill>
+              </a:rPr>
+              <a:t>:</a:t>
+            </a:r>
+            <a:r>
+              <a:rPr lang="de-DE" dirty="0" smtClean="0"/>
+              <a:t> </a:t>
+            </a:r>
+            <a:r>
+              <a:rPr lang="de-DE" dirty="0" smtClean="0"/>
+              <a:t>Mysql</a:t>
             </a:r>
           </a:p>
           <a:p>
@@ -8846,6 +8915,13 @@
   <p:clrMapOvr>
     <a:masterClrMapping/>
   </p:clrMapOvr>
+  <p:timing>
+    <p:tnLst>
+      <p:par>
+        <p:cTn xmlns:p14="http://schemas.microsoft.com/office/powerpoint/2010/main" id="1" dur="indefinite" restart="never" nodeType="tmRoot"/>
+      </p:par>
+    </p:tnLst>
+  </p:timing>
 </p:sld>
 </file>
 
@@ -9254,12 +9330,20 @@
               <a:t>DBs: </a:t>
             </a:r>
             <a:r>
+              <a:rPr lang="de-DE" dirty="0" err="1" smtClean="0">
+                <a:solidFill>
+                  <a:srgbClr val="FF6600"/>
+                </a:solidFill>
+              </a:rPr>
+              <a:t>Postgresql</a:t>
+            </a:r>
+            <a:r>
               <a:rPr lang="de-DE" dirty="0" smtClean="0">
                 <a:solidFill>
                   <a:srgbClr val="FF6600"/>
                 </a:solidFill>
               </a:rPr>
-              <a:t>Oracle</a:t>
+              <a:t>, Oracle</a:t>
             </a:r>
             <a:r>
               <a:rPr lang="de-DE" dirty="0">
@@ -9267,8 +9351,21 @@
                   <a:srgbClr val="FF6600"/>
                 </a:solidFill>
               </a:rPr>
-              <a:t>, DB2</a:t>
-            </a:r>
+              <a:t>, </a:t>
+            </a:r>
+            <a:r>
+              <a:rPr lang="de-DE" dirty="0" smtClean="0">
+                <a:solidFill>
+                  <a:srgbClr val="FF6600"/>
+                </a:solidFill>
+              </a:rPr>
+              <a:t>DB2, Informix</a:t>
+            </a:r>
+            <a:endParaRPr lang="de-DE" dirty="0">
+              <a:solidFill>
+                <a:srgbClr val="FF6600"/>
+              </a:solidFill>
+            </a:endParaRPr>
           </a:p>
           <a:p>
             <a:endParaRPr lang="de-DE" dirty="0"/>
@@ -9953,10 +10050,7 @@
               <a:rPr lang="de-DE" dirty="0" err="1" smtClean="0"/>
               <a:t>tlstester</a:t>
             </a:r>
-            <a:r>
-              <a:rPr lang="de-DE" dirty="0" smtClean="0"/>
-              <a:t>.</a:t>
-            </a:r>
+            <a:endParaRPr lang="de-DE" dirty="0" smtClean="0"/>
           </a:p>
           <a:p>
             <a:r>
@@ -10796,7 +10890,10 @@
               <a:rPr lang="de-DE" dirty="0" err="1" smtClean="0"/>
               <a:t>setup</a:t>
             </a:r>
-            <a:endParaRPr lang="de-DE" dirty="0" smtClean="0"/>
+            <a:r>
+              <a:rPr lang="de-DE" dirty="0" smtClean="0"/>
+              <a:t>?</a:t>
+            </a:r>
           </a:p>
           <a:p>
             <a:endParaRPr lang="de-DE" dirty="0"/>
@@ -11253,12 +11350,8 @@
               <a:buAutoNum type="arabicPeriod"/>
             </a:pPr>
             <a:r>
-              <a:rPr lang="de-DE" dirty="0" err="1" smtClean="0"/>
-              <a:t>add</a:t>
-            </a:r>
-            <a:r>
-              <a:rPr lang="de-DE" dirty="0" smtClean="0"/>
-              <a:t> a </a:t>
+              <a:rPr lang="de-DE" dirty="0" smtClean="0"/>
+              <a:t>Add a </a:t>
             </a:r>
             <a:r>
               <a:rPr lang="de-DE" dirty="0" err="1" smtClean="0"/>

--- a/presentations/20131122-Deepsec-ACH project.pptx
+++ b/presentations/20131122-Deepsec-ACH project.pptx
@@ -5,10 +5,10 @@
     <p:sldMasterId id="2147483648" r:id="rId1"/>
   </p:sldMasterIdLst>
   <p:notesMasterIdLst>
-    <p:notesMasterId r:id="rId43"/>
+    <p:notesMasterId r:id="rId44"/>
   </p:notesMasterIdLst>
   <p:handoutMasterIdLst>
-    <p:handoutMasterId r:id="rId44"/>
+    <p:handoutMasterId r:id="rId45"/>
   </p:handoutMasterIdLst>
   <p:sldIdLst>
     <p:sldId id="256" r:id="rId2"/>
@@ -44,14 +44,15 @@
     <p:sldId id="295" r:id="rId32"/>
     <p:sldId id="296" r:id="rId33"/>
     <p:sldId id="279" r:id="rId34"/>
-    <p:sldId id="297" r:id="rId35"/>
-    <p:sldId id="303" r:id="rId36"/>
-    <p:sldId id="304" r:id="rId37"/>
-    <p:sldId id="305" r:id="rId38"/>
-    <p:sldId id="264" r:id="rId39"/>
-    <p:sldId id="262" r:id="rId40"/>
-    <p:sldId id="275" r:id="rId41"/>
-    <p:sldId id="276" r:id="rId42"/>
+    <p:sldId id="310" r:id="rId35"/>
+    <p:sldId id="297" r:id="rId36"/>
+    <p:sldId id="303" r:id="rId37"/>
+    <p:sldId id="304" r:id="rId38"/>
+    <p:sldId id="305" r:id="rId39"/>
+    <p:sldId id="264" r:id="rId40"/>
+    <p:sldId id="262" r:id="rId41"/>
+    <p:sldId id="275" r:id="rId42"/>
+    <p:sldId id="276" r:id="rId43"/>
   </p:sldIdLst>
   <p:sldSz cx="9144000" cy="6858000" type="screen4x3"/>
   <p:notesSz cx="6669088" cy="9753600"/>
@@ -10036,7 +10037,7 @@
           </a:p>
           <a:p>
             <a:r>
-              <a:rPr lang="de-DE" dirty="0" err="1"/>
+              <a:rPr lang="de-DE" dirty="0" err="1" smtClean="0"/>
               <a:t>x</a:t>
             </a:r>
             <a:r>
@@ -10048,7 +10049,7 @@
           <a:p>
             <a:r>
               <a:rPr lang="de-DE" dirty="0" err="1" smtClean="0"/>
-              <a:t>tlstester</a:t>
+              <a:t>sslscan</a:t>
             </a:r>
             <a:endParaRPr lang="de-DE" dirty="0" smtClean="0"/>
           </a:p>
@@ -10286,6 +10287,98 @@
           <a:lstStyle/>
           <a:p>
             <a:r>
+              <a:rPr lang="de-DE" dirty="0" smtClean="0"/>
+              <a:t>Tools: </a:t>
+            </a:r>
+            <a:r>
+              <a:rPr lang="de-DE" dirty="0" err="1" smtClean="0"/>
+              <a:t>sslscan</a:t>
+            </a:r>
+            <a:endParaRPr lang="de-DE" dirty="0"/>
+          </a:p>
+        </p:txBody>
+      </p:sp>
+      <p:pic>
+        <p:nvPicPr>
+          <p:cNvPr id="4" name="Bild 3"/>
+          <p:cNvPicPr>
+            <a:picLocks noChangeAspect="1"/>
+          </p:cNvPicPr>
+          <p:nvPr/>
+        </p:nvPicPr>
+        <p:blipFill>
+          <a:blip r:embed="rId2"/>
+          <a:stretch>
+            <a:fillRect/>
+          </a:stretch>
+        </p:blipFill>
+        <p:spPr>
+          <a:xfrm>
+            <a:off x="2452675" y="1715151"/>
+            <a:ext cx="4217158" cy="4781080"/>
+          </a:xfrm>
+          <a:prstGeom prst="rect">
+            <a:avLst/>
+          </a:prstGeom>
+        </p:spPr>
+      </p:pic>
+    </p:spTree>
+    <p:extLst>
+      <p:ext uri="{BB962C8B-B14F-4D97-AF65-F5344CB8AC3E}">
+        <p14:creationId xmlns:p14="http://schemas.microsoft.com/office/powerpoint/2010/main" val="113674145"/>
+      </p:ext>
+    </p:extLst>
+  </p:cSld>
+  <p:clrMapOvr>
+    <a:masterClrMapping/>
+  </p:clrMapOvr>
+  <p:timing>
+    <p:tnLst>
+      <p:par>
+        <p:cTn xmlns:p14="http://schemas.microsoft.com/office/powerpoint/2010/main" id="1" dur="indefinite" restart="never" nodeType="tmRoot"/>
+      </p:par>
+    </p:tnLst>
+  </p:timing>
+</p:sld>
+</file>
+
+<file path=ppt/slides/slide35.xml><?xml version="1.0" encoding="utf-8"?>
+<p:sld xmlns:a="http://schemas.openxmlformats.org/drawingml/2006/main" xmlns:r="http://schemas.openxmlformats.org/officeDocument/2006/relationships" xmlns:p="http://schemas.openxmlformats.org/presentationml/2006/main">
+  <p:cSld>
+    <p:spTree>
+      <p:nvGrpSpPr>
+        <p:cNvPr id="1" name=""/>
+        <p:cNvGrpSpPr/>
+        <p:nvPr/>
+      </p:nvGrpSpPr>
+      <p:grpSpPr>
+        <a:xfrm>
+          <a:off x="0" y="0"/>
+          <a:ext cx="0" cy="0"/>
+          <a:chOff x="0" y="0"/>
+          <a:chExt cx="0" cy="0"/>
+        </a:xfrm>
+      </p:grpSpPr>
+      <p:sp>
+        <p:nvSpPr>
+          <p:cNvPr id="2" name="Titel 1"/>
+          <p:cNvSpPr>
+            <a:spLocks noGrp="1"/>
+          </p:cNvSpPr>
+          <p:nvPr>
+            <p:ph type="title"/>
+          </p:nvPr>
+        </p:nvSpPr>
+        <p:spPr/>
+        <p:txBody>
+          <a:bodyPr/>
+          <a:lstStyle/>
+          <a:p>
+            <a:r>
+              <a:rPr lang="de-DE" dirty="0" smtClean="0"/>
+              <a:t>Tools: </a:t>
+            </a:r>
+            <a:r>
               <a:rPr lang="de-DE" dirty="0" err="1" smtClean="0"/>
               <a:t>ssllabs</a:t>
             </a:r>
@@ -10362,7 +10455,7 @@
 </p:sld>
 </file>
 
-<file path=ppt/slides/slide35.xml><?xml version="1.0" encoding="utf-8"?>
+<file path=ppt/slides/slide36.xml><?xml version="1.0" encoding="utf-8"?>
 <p:sld xmlns:a="http://schemas.openxmlformats.org/drawingml/2006/main" xmlns:r="http://schemas.openxmlformats.org/officeDocument/2006/relationships" xmlns:p="http://schemas.openxmlformats.org/presentationml/2006/main">
   <p:cSld>
     <p:spTree>
@@ -10454,7 +10547,7 @@
 </p:sld>
 </file>
 
-<file path=ppt/slides/slide36.xml><?xml version="1.0" encoding="utf-8"?>
+<file path=ppt/slides/slide37.xml><?xml version="1.0" encoding="utf-8"?>
 <p:sld xmlns:a="http://schemas.openxmlformats.org/drawingml/2006/main" xmlns:r="http://schemas.openxmlformats.org/officeDocument/2006/relationships" xmlns:p="http://schemas.openxmlformats.org/presentationml/2006/main">
   <p:cSld>
     <p:spTree>
@@ -10542,108 +10635,6 @@
 </p:sld>
 </file>
 
-<file path=ppt/slides/slide37.xml><?xml version="1.0" encoding="utf-8"?>
-<p:sld xmlns:a="http://schemas.openxmlformats.org/drawingml/2006/main" xmlns:r="http://schemas.openxmlformats.org/officeDocument/2006/relationships" xmlns:p="http://schemas.openxmlformats.org/presentationml/2006/main">
-  <p:cSld>
-    <p:spTree>
-      <p:nvGrpSpPr>
-        <p:cNvPr id="1" name=""/>
-        <p:cNvGrpSpPr/>
-        <p:nvPr/>
-      </p:nvGrpSpPr>
-      <p:grpSpPr>
-        <a:xfrm>
-          <a:off x="0" y="0"/>
-          <a:ext cx="0" cy="0"/>
-          <a:chOff x="0" y="0"/>
-          <a:chExt cx="0" cy="0"/>
-        </a:xfrm>
-      </p:grpSpPr>
-      <p:sp>
-        <p:nvSpPr>
-          <p:cNvPr id="4" name="Titel 3"/>
-          <p:cNvSpPr>
-            <a:spLocks noGrp="1"/>
-          </p:cNvSpPr>
-          <p:nvPr>
-            <p:ph type="title"/>
-          </p:nvPr>
-        </p:nvSpPr>
-        <p:spPr/>
-        <p:txBody>
-          <a:bodyPr/>
-          <a:lstStyle/>
-          <a:p>
-            <a:r>
-              <a:rPr lang="de-DE" dirty="0" err="1" smtClean="0"/>
-              <a:t>Wrap-up</a:t>
-            </a:r>
-            <a:endParaRPr lang="de-DE" dirty="0"/>
-          </a:p>
-        </p:txBody>
-      </p:sp>
-      <p:sp>
-        <p:nvSpPr>
-          <p:cNvPr id="5" name="Textplatzhalter 4"/>
-          <p:cNvSpPr>
-            <a:spLocks noGrp="1"/>
-          </p:cNvSpPr>
-          <p:nvPr>
-            <p:ph type="body" idx="1"/>
-          </p:nvPr>
-        </p:nvSpPr>
-        <p:spPr/>
-        <p:txBody>
-          <a:bodyPr/>
-          <a:lstStyle/>
-          <a:p>
-            <a:endParaRPr lang="de-DE"/>
-          </a:p>
-        </p:txBody>
-      </p:sp>
-      <p:sp>
-        <p:nvSpPr>
-          <p:cNvPr id="6" name="Textfeld 5"/>
-          <p:cNvSpPr txBox="1"/>
-          <p:nvPr/>
-        </p:nvSpPr>
-        <p:spPr>
-          <a:xfrm>
-            <a:off x="7297503" y="6126163"/>
-            <a:ext cx="1389297" cy="369332"/>
-          </a:xfrm>
-          <a:prstGeom prst="rect">
-            <a:avLst/>
-          </a:prstGeom>
-          <a:noFill/>
-        </p:spPr>
-        <p:txBody>
-          <a:bodyPr wrap="square" rtlCol="0">
-            <a:spAutoFit/>
-          </a:bodyPr>
-          <a:lstStyle/>
-          <a:p>
-            <a:r>
-              <a:rPr lang="de-DE" dirty="0" smtClean="0"/>
-              <a:t>Aaron</a:t>
-            </a:r>
-            <a:endParaRPr lang="de-DE" dirty="0"/>
-          </a:p>
-        </p:txBody>
-      </p:sp>
-    </p:spTree>
-    <p:extLst>
-      <p:ext uri="{BB962C8B-B14F-4D97-AF65-F5344CB8AC3E}">
-        <p14:creationId xmlns:p14="http://schemas.microsoft.com/office/powerpoint/2010/main" val="4191511598"/>
-      </p:ext>
-    </p:extLst>
-  </p:cSld>
-  <p:clrMapOvr>
-    <a:masterClrMapping/>
-  </p:clrMapOvr>
-</p:sld>
-</file>
-
 <file path=ppt/slides/slide38.xml><?xml version="1.0" encoding="utf-8"?>
 <p:sld xmlns:a="http://schemas.openxmlformats.org/drawingml/2006/main" xmlns:r="http://schemas.openxmlformats.org/officeDocument/2006/relationships" xmlns:p="http://schemas.openxmlformats.org/presentationml/2006/main">
   <p:cSld>
@@ -10663,7 +10654,7 @@
       </p:grpSpPr>
       <p:sp>
         <p:nvSpPr>
-          <p:cNvPr id="2" name="Titel 1"/>
+          <p:cNvPr id="4" name="Titel 3"/>
           <p:cNvSpPr>
             <a:spLocks noGrp="1"/>
           </p:cNvSpPr>
@@ -10678,27 +10669,7 @@
           <a:p>
             <a:r>
               <a:rPr lang="de-DE" dirty="0" err="1" smtClean="0"/>
-              <a:t>Current</a:t>
-            </a:r>
-            <a:r>
-              <a:rPr lang="de-DE" dirty="0" smtClean="0"/>
-              <a:t> </a:t>
-            </a:r>
-            <a:r>
-              <a:rPr lang="de-DE" dirty="0" err="1" smtClean="0"/>
-              <a:t>state</a:t>
-            </a:r>
-            <a:r>
-              <a:rPr lang="de-DE" dirty="0" smtClean="0"/>
-              <a:t> </a:t>
-            </a:r>
-            <a:r>
-              <a:rPr lang="de-DE" dirty="0" err="1" smtClean="0"/>
-              <a:t>as</a:t>
-            </a:r>
-            <a:r>
-              <a:rPr lang="de-DE" dirty="0" smtClean="0"/>
-              <a:t> of 2013/11/22</a:t>
+              <a:t>Wrap-up</a:t>
             </a:r>
             <a:endParaRPr lang="de-DE" dirty="0"/>
           </a:p>
@@ -10706,12 +10677,12 @@
       </p:sp>
       <p:sp>
         <p:nvSpPr>
-          <p:cNvPr id="3" name="Inhaltsplatzhalter 2"/>
-          <p:cNvSpPr>
-            <a:spLocks noGrp="1"/>
-          </p:cNvSpPr>
-          <p:nvPr>
-            <p:ph idx="1"/>
+          <p:cNvPr id="5" name="Textplatzhalter 4"/>
+          <p:cNvSpPr>
+            <a:spLocks noGrp="1"/>
+          </p:cNvSpPr>
+          <p:nvPr>
+            <p:ph type="body" idx="1"/>
           </p:nvPr>
         </p:nvSpPr>
         <p:spPr/>
@@ -10719,190 +10690,13 @@
           <a:bodyPr/>
           <a:lstStyle/>
           <a:p>
-            <a:pPr>
-              <a:buFont typeface="Wingdings" charset="2"/>
-              <a:buChar char="ü"/>
-            </a:pPr>
-            <a:r>
-              <a:rPr lang="de-DE" dirty="0" smtClean="0"/>
-              <a:t>Solid </a:t>
-            </a:r>
-            <a:r>
-              <a:rPr lang="de-DE" dirty="0" err="1" smtClean="0"/>
-              <a:t>basis</a:t>
-            </a:r>
-            <a:r>
-              <a:rPr lang="de-DE" dirty="0" smtClean="0"/>
-              <a:t> </a:t>
-            </a:r>
-            <a:r>
-              <a:rPr lang="de-DE" dirty="0" err="1" smtClean="0"/>
-              <a:t>with</a:t>
-            </a:r>
-            <a:r>
-              <a:rPr lang="de-DE" dirty="0" smtClean="0"/>
-              <a:t> Variant (A) </a:t>
-            </a:r>
-            <a:r>
-              <a:rPr lang="de-DE" dirty="0" err="1" smtClean="0"/>
-              <a:t>and</a:t>
-            </a:r>
-            <a:r>
-              <a:rPr lang="de-DE" dirty="0" smtClean="0"/>
-              <a:t> (B)</a:t>
-            </a:r>
-          </a:p>
-          <a:p>
-            <a:r>
-              <a:rPr lang="de-DE" dirty="0" err="1" smtClean="0"/>
-              <a:t>Section</a:t>
-            </a:r>
-            <a:r>
-              <a:rPr lang="de-DE" dirty="0" smtClean="0"/>
-              <a:t> „</a:t>
-            </a:r>
-            <a:r>
-              <a:rPr lang="de-DE" dirty="0" err="1" smtClean="0"/>
-              <a:t>cipher</a:t>
-            </a:r>
-            <a:r>
-              <a:rPr lang="de-DE" dirty="0" smtClean="0"/>
-              <a:t> </a:t>
-            </a:r>
-            <a:r>
-              <a:rPr lang="de-DE" dirty="0" err="1" smtClean="0"/>
-              <a:t>suites</a:t>
-            </a:r>
-            <a:r>
-              <a:rPr lang="de-DE" dirty="0" smtClean="0"/>
-              <a:t>“ still a </a:t>
-            </a:r>
-            <a:r>
-              <a:rPr lang="de-DE" dirty="0" err="1" smtClean="0"/>
-              <a:t>bit</a:t>
-            </a:r>
-            <a:r>
-              <a:rPr lang="de-DE" dirty="0" smtClean="0"/>
-              <a:t> </a:t>
-            </a:r>
-            <a:r>
-              <a:rPr lang="de-DE" dirty="0" err="1" smtClean="0"/>
-              <a:t>messy</a:t>
-            </a:r>
-            <a:r>
-              <a:rPr lang="de-DE" dirty="0" smtClean="0"/>
-              <a:t>, </a:t>
-            </a:r>
-            <a:r>
-              <a:rPr lang="de-DE" dirty="0" err="1" smtClean="0"/>
-              <a:t>needs</a:t>
-            </a:r>
-            <a:r>
-              <a:rPr lang="de-DE" dirty="0" smtClean="0"/>
-              <a:t> </a:t>
-            </a:r>
-            <a:r>
-              <a:rPr lang="de-DE" dirty="0" err="1" smtClean="0"/>
-              <a:t>more</a:t>
-            </a:r>
-            <a:r>
-              <a:rPr lang="de-DE" dirty="0" smtClean="0"/>
-              <a:t> </a:t>
-            </a:r>
-            <a:r>
-              <a:rPr lang="de-DE" dirty="0" err="1" smtClean="0"/>
-              <a:t>work</a:t>
-            </a:r>
-            <a:endParaRPr lang="de-DE" dirty="0" smtClean="0"/>
-          </a:p>
-          <a:p>
-            <a:r>
-              <a:rPr lang="de-DE" dirty="0" err="1" smtClean="0"/>
-              <a:t>Section</a:t>
-            </a:r>
-            <a:r>
-              <a:rPr lang="de-DE" dirty="0" smtClean="0"/>
-              <a:t> „</a:t>
-            </a:r>
-            <a:r>
-              <a:rPr lang="de-DE" dirty="0" err="1" smtClean="0"/>
-              <a:t>practical</a:t>
-            </a:r>
-            <a:r>
-              <a:rPr lang="de-DE" dirty="0" smtClean="0"/>
-              <a:t> </a:t>
-            </a:r>
-            <a:r>
-              <a:rPr lang="de-DE" dirty="0" err="1" smtClean="0"/>
-              <a:t>settings</a:t>
-            </a:r>
-            <a:r>
-              <a:rPr lang="de-DE" dirty="0" smtClean="0"/>
-              <a:t>“ – WIP. Need </a:t>
-            </a:r>
-            <a:r>
-              <a:rPr lang="de-DE" dirty="0" err="1" smtClean="0"/>
-              <a:t>more</a:t>
-            </a:r>
-            <a:r>
-              <a:rPr lang="de-DE" dirty="0" smtClean="0"/>
-              <a:t> </a:t>
-            </a:r>
-            <a:r>
-              <a:rPr lang="de-DE" dirty="0" err="1" smtClean="0"/>
-              <a:t>input</a:t>
-            </a:r>
-            <a:r>
-              <a:rPr lang="de-DE" dirty="0" smtClean="0"/>
-              <a:t> on VPNs, PGP, SSH, IPMI, SIP, XMPP, DBs</a:t>
-            </a:r>
-          </a:p>
-          <a:p>
-            <a:r>
-              <a:rPr lang="de-DE" dirty="0" smtClean="0"/>
-              <a:t>Need </a:t>
-            </a:r>
-            <a:r>
-              <a:rPr lang="de-DE" dirty="0" err="1" smtClean="0"/>
-              <a:t>to</a:t>
-            </a:r>
-            <a:r>
-              <a:rPr lang="de-DE" dirty="0" smtClean="0"/>
-              <a:t> </a:t>
-            </a:r>
-            <a:r>
-              <a:rPr lang="de-DE" dirty="0" err="1" smtClean="0"/>
-              <a:t>build</a:t>
-            </a:r>
-            <a:r>
-              <a:rPr lang="de-DE" dirty="0" smtClean="0"/>
-              <a:t> </a:t>
-            </a:r>
-            <a:r>
-              <a:rPr lang="de-DE" dirty="0" err="1" smtClean="0"/>
-              <a:t>testing</a:t>
-            </a:r>
-            <a:r>
-              <a:rPr lang="de-DE" dirty="0" smtClean="0"/>
-              <a:t> </a:t>
-            </a:r>
-            <a:r>
-              <a:rPr lang="de-DE" dirty="0" err="1" smtClean="0"/>
-              <a:t>setup</a:t>
-            </a:r>
-            <a:r>
-              <a:rPr lang="de-DE" dirty="0" smtClean="0"/>
-              <a:t>?</a:t>
-            </a:r>
-          </a:p>
-          <a:p>
-            <a:endParaRPr lang="de-DE" dirty="0"/>
-          </a:p>
-        </p:txBody>
-      </p:sp>
-      <p:sp>
-        <p:nvSpPr>
-          <p:cNvPr id="4" name="Textfeld 3"/>
+            <a:endParaRPr lang="de-DE"/>
+          </a:p>
+        </p:txBody>
+      </p:sp>
+      <p:sp>
+        <p:nvSpPr>
+          <p:cNvPr id="6" name="Textfeld 5"/>
           <p:cNvSpPr txBox="1"/>
           <p:nvPr/>
         </p:nvSpPr>
@@ -10933,20 +10727,13 @@
     </p:spTree>
     <p:extLst>
       <p:ext uri="{BB962C8B-B14F-4D97-AF65-F5344CB8AC3E}">
-        <p14:creationId xmlns:p14="http://schemas.microsoft.com/office/powerpoint/2010/main" val="51044277"/>
+        <p14:creationId xmlns:p14="http://schemas.microsoft.com/office/powerpoint/2010/main" val="4191511598"/>
       </p:ext>
     </p:extLst>
   </p:cSld>
   <p:clrMapOvr>
     <a:masterClrMapping/>
   </p:clrMapOvr>
-  <p:timing>
-    <p:tnLst>
-      <p:par>
-        <p:cTn xmlns:p14="http://schemas.microsoft.com/office/powerpoint/2010/main" id="1" dur="indefinite" restart="never" nodeType="tmRoot"/>
-      </p:par>
-    </p:tnLst>
-  </p:timing>
 </p:sld>
 </file>
 
@@ -10979,18 +10766,194 @@
         </p:nvSpPr>
         <p:spPr/>
         <p:txBody>
-          <a:bodyPr>
-            <a:normAutofit/>
-          </a:bodyPr>
-          <a:lstStyle/>
-          <a:p>
-            <a:r>
-              <a:rPr lang="de-DE" dirty="0" err="1" smtClean="0"/>
-              <a:t>How</a:t>
-            </a:r>
-            <a:r>
-              <a:rPr lang="de-DE" dirty="0" smtClean="0"/>
-              <a:t> </a:t>
+          <a:bodyPr/>
+          <a:lstStyle/>
+          <a:p>
+            <a:r>
+              <a:rPr lang="de-DE" dirty="0" err="1" smtClean="0"/>
+              <a:t>Current</a:t>
+            </a:r>
+            <a:r>
+              <a:rPr lang="de-DE" dirty="0" smtClean="0"/>
+              <a:t> </a:t>
+            </a:r>
+            <a:r>
+              <a:rPr lang="de-DE" dirty="0" err="1" smtClean="0"/>
+              <a:t>state</a:t>
+            </a:r>
+            <a:r>
+              <a:rPr lang="de-DE" dirty="0" smtClean="0"/>
+              <a:t> </a:t>
+            </a:r>
+            <a:r>
+              <a:rPr lang="de-DE" dirty="0" err="1" smtClean="0"/>
+              <a:t>as</a:t>
+            </a:r>
+            <a:r>
+              <a:rPr lang="de-DE" dirty="0" smtClean="0"/>
+              <a:t> of 2013/11/22</a:t>
+            </a:r>
+            <a:endParaRPr lang="de-DE" dirty="0"/>
+          </a:p>
+        </p:txBody>
+      </p:sp>
+      <p:sp>
+        <p:nvSpPr>
+          <p:cNvPr id="3" name="Inhaltsplatzhalter 2"/>
+          <p:cNvSpPr>
+            <a:spLocks noGrp="1"/>
+          </p:cNvSpPr>
+          <p:nvPr>
+            <p:ph idx="1"/>
+          </p:nvPr>
+        </p:nvSpPr>
+        <p:spPr/>
+        <p:txBody>
+          <a:bodyPr/>
+          <a:lstStyle/>
+          <a:p>
+            <a:pPr>
+              <a:buFont typeface="Wingdings" charset="2"/>
+              <a:buChar char="ü"/>
+            </a:pPr>
+            <a:r>
+              <a:rPr lang="de-DE" dirty="0" smtClean="0"/>
+              <a:t>Solid </a:t>
+            </a:r>
+            <a:r>
+              <a:rPr lang="de-DE" dirty="0" err="1" smtClean="0"/>
+              <a:t>basis</a:t>
+            </a:r>
+            <a:r>
+              <a:rPr lang="de-DE" dirty="0" smtClean="0"/>
+              <a:t> </a:t>
+            </a:r>
+            <a:r>
+              <a:rPr lang="de-DE" dirty="0" err="1" smtClean="0"/>
+              <a:t>with</a:t>
+            </a:r>
+            <a:r>
+              <a:rPr lang="de-DE" dirty="0" smtClean="0"/>
+              <a:t> Variant (A) </a:t>
+            </a:r>
+            <a:r>
+              <a:rPr lang="de-DE" dirty="0" err="1" smtClean="0"/>
+              <a:t>and</a:t>
+            </a:r>
+            <a:r>
+              <a:rPr lang="de-DE" dirty="0" smtClean="0"/>
+              <a:t> (B)</a:t>
+            </a:r>
+          </a:p>
+          <a:p>
+            <a:r>
+              <a:rPr lang="de-DE" dirty="0" err="1" smtClean="0"/>
+              <a:t>Section</a:t>
+            </a:r>
+            <a:r>
+              <a:rPr lang="de-DE" dirty="0" smtClean="0"/>
+              <a:t> „</a:t>
+            </a:r>
+            <a:r>
+              <a:rPr lang="de-DE" dirty="0" err="1" smtClean="0"/>
+              <a:t>cipher</a:t>
+            </a:r>
+            <a:r>
+              <a:rPr lang="de-DE" dirty="0" smtClean="0"/>
+              <a:t> </a:t>
+            </a:r>
+            <a:r>
+              <a:rPr lang="de-DE" dirty="0" err="1" smtClean="0"/>
+              <a:t>suites</a:t>
+            </a:r>
+            <a:r>
+              <a:rPr lang="de-DE" dirty="0" smtClean="0"/>
+              <a:t>“ still a </a:t>
+            </a:r>
+            <a:r>
+              <a:rPr lang="de-DE" dirty="0" err="1" smtClean="0"/>
+              <a:t>bit</a:t>
+            </a:r>
+            <a:r>
+              <a:rPr lang="de-DE" dirty="0" smtClean="0"/>
+              <a:t> </a:t>
+            </a:r>
+            <a:r>
+              <a:rPr lang="de-DE" dirty="0" err="1" smtClean="0"/>
+              <a:t>messy</a:t>
+            </a:r>
+            <a:r>
+              <a:rPr lang="de-DE" dirty="0" smtClean="0"/>
+              <a:t>, </a:t>
+            </a:r>
+            <a:r>
+              <a:rPr lang="de-DE" dirty="0" err="1" smtClean="0"/>
+              <a:t>needs</a:t>
+            </a:r>
+            <a:r>
+              <a:rPr lang="de-DE" dirty="0" smtClean="0"/>
+              <a:t> </a:t>
+            </a:r>
+            <a:r>
+              <a:rPr lang="de-DE" dirty="0" err="1" smtClean="0"/>
+              <a:t>more</a:t>
+            </a:r>
+            <a:r>
+              <a:rPr lang="de-DE" dirty="0" smtClean="0"/>
+              <a:t> </a:t>
+            </a:r>
+            <a:r>
+              <a:rPr lang="de-DE" dirty="0" err="1" smtClean="0"/>
+              <a:t>work</a:t>
+            </a:r>
+            <a:endParaRPr lang="de-DE" dirty="0" smtClean="0"/>
+          </a:p>
+          <a:p>
+            <a:r>
+              <a:rPr lang="de-DE" dirty="0" err="1" smtClean="0"/>
+              <a:t>Section</a:t>
+            </a:r>
+            <a:r>
+              <a:rPr lang="de-DE" dirty="0" smtClean="0"/>
+              <a:t> „</a:t>
+            </a:r>
+            <a:r>
+              <a:rPr lang="de-DE" dirty="0" err="1" smtClean="0"/>
+              <a:t>practical</a:t>
+            </a:r>
+            <a:r>
+              <a:rPr lang="de-DE" dirty="0" smtClean="0"/>
+              <a:t> </a:t>
+            </a:r>
+            <a:r>
+              <a:rPr lang="de-DE" dirty="0" err="1" smtClean="0"/>
+              <a:t>settings</a:t>
+            </a:r>
+            <a:r>
+              <a:rPr lang="de-DE" dirty="0" smtClean="0"/>
+              <a:t>“ – WIP. Need </a:t>
+            </a:r>
+            <a:r>
+              <a:rPr lang="de-DE" dirty="0" err="1" smtClean="0"/>
+              <a:t>more</a:t>
+            </a:r>
+            <a:r>
+              <a:rPr lang="de-DE" dirty="0" smtClean="0"/>
+              <a:t> </a:t>
+            </a:r>
+            <a:r>
+              <a:rPr lang="de-DE" dirty="0" err="1" smtClean="0"/>
+              <a:t>input</a:t>
+            </a:r>
+            <a:r>
+              <a:rPr lang="de-DE" dirty="0" smtClean="0"/>
+              <a:t> on VPNs, PGP, SSH, IPMI, SIP, XMPP, DBs</a:t>
+            </a:r>
+          </a:p>
+          <a:p>
+            <a:r>
+              <a:rPr lang="de-DE" dirty="0" smtClean="0"/>
+              <a:t>Need </a:t>
             </a:r>
             <a:r>
               <a:rPr lang="de-DE" dirty="0" err="1" smtClean="0"/>
@@ -11002,413 +10965,31 @@
             </a:r>
             <a:r>
               <a:rPr lang="de-DE" dirty="0" err="1" smtClean="0"/>
-              <a:t>participate</a:t>
-            </a:r>
+              <a:t>build</a:t>
+            </a:r>
+            <a:r>
+              <a:rPr lang="de-DE" dirty="0" smtClean="0"/>
+              <a:t> </a:t>
+            </a:r>
+            <a:r>
+              <a:rPr lang="de-DE" dirty="0" err="1" smtClean="0"/>
+              <a:t>testing</a:t>
+            </a:r>
+            <a:r>
+              <a:rPr lang="de-DE" dirty="0" smtClean="0"/>
+              <a:t> </a:t>
+            </a:r>
+            <a:r>
+              <a:rPr lang="de-DE" dirty="0" err="1" smtClean="0"/>
+              <a:t>setup</a:t>
+            </a:r>
+            <a:r>
+              <a:rPr lang="de-DE" dirty="0" smtClean="0"/>
+              <a:t>?</a:t>
+            </a:r>
+          </a:p>
+          <a:p>
             <a:endParaRPr lang="de-DE" dirty="0"/>
-          </a:p>
-        </p:txBody>
-      </p:sp>
-      <p:sp>
-        <p:nvSpPr>
-          <p:cNvPr id="3" name="Inhaltsplatzhalter 2"/>
-          <p:cNvSpPr>
-            <a:spLocks noGrp="1"/>
-          </p:cNvSpPr>
-          <p:nvPr>
-            <p:ph idx="1"/>
-          </p:nvPr>
-        </p:nvSpPr>
-        <p:spPr/>
-        <p:txBody>
-          <a:bodyPr>
-            <a:normAutofit fontScale="85000" lnSpcReduction="20000"/>
-          </a:bodyPr>
-          <a:lstStyle/>
-          <a:p>
-            <a:pPr marL="514350" indent="-514350">
-              <a:buFont typeface="+mj-lt"/>
-              <a:buAutoNum type="arabicPeriod"/>
-            </a:pPr>
-            <a:r>
-              <a:rPr lang="de-DE" dirty="0" err="1" smtClean="0"/>
-              <a:t>We</a:t>
-            </a:r>
-            <a:r>
-              <a:rPr lang="de-DE" dirty="0" smtClean="0"/>
-              <a:t> </a:t>
-            </a:r>
-            <a:r>
-              <a:rPr lang="de-DE" dirty="0" err="1" smtClean="0"/>
-              <a:t>need</a:t>
-            </a:r>
-            <a:r>
-              <a:rPr lang="de-DE" dirty="0" smtClean="0"/>
-              <a:t>: </a:t>
-            </a:r>
-            <a:r>
-              <a:rPr lang="de-DE" dirty="0" err="1" smtClean="0"/>
-              <a:t>cryptologists</a:t>
-            </a:r>
-            <a:r>
-              <a:rPr lang="de-DE" dirty="0" smtClean="0"/>
-              <a:t>, sysadmins, </a:t>
-            </a:r>
-            <a:r>
-              <a:rPr lang="de-DE" dirty="0" err="1" smtClean="0"/>
-              <a:t>hackers</a:t>
-            </a:r>
-            <a:endParaRPr lang="de-DE" dirty="0" smtClean="0"/>
-          </a:p>
-          <a:p>
-            <a:pPr marL="514350" indent="-514350">
-              <a:buFont typeface="+mj-lt"/>
-              <a:buAutoNum type="arabicPeriod"/>
-            </a:pPr>
-            <a:r>
-              <a:rPr lang="de-DE" dirty="0" smtClean="0"/>
-              <a:t>Read </a:t>
-            </a:r>
-            <a:r>
-              <a:rPr lang="de-DE" dirty="0" err="1" smtClean="0"/>
-              <a:t>the</a:t>
-            </a:r>
-            <a:r>
-              <a:rPr lang="de-DE" dirty="0" smtClean="0"/>
-              <a:t> </a:t>
-            </a:r>
-            <a:r>
-              <a:rPr lang="de-DE" dirty="0" err="1" smtClean="0"/>
-              <a:t>document</a:t>
-            </a:r>
-            <a:r>
-              <a:rPr lang="de-DE" dirty="0" smtClean="0"/>
-              <a:t>, find </a:t>
-            </a:r>
-            <a:r>
-              <a:rPr lang="de-DE" dirty="0" err="1" smtClean="0"/>
-              <a:t>bugs</a:t>
-            </a:r>
-            <a:endParaRPr lang="de-DE" dirty="0" smtClean="0"/>
-          </a:p>
-          <a:p>
-            <a:pPr marL="514350" indent="-514350">
-              <a:buFont typeface="+mj-lt"/>
-              <a:buAutoNum type="arabicPeriod"/>
-            </a:pPr>
-            <a:r>
-              <a:rPr lang="de-DE" dirty="0" err="1" smtClean="0"/>
-              <a:t>Subscribe</a:t>
-            </a:r>
-            <a:r>
-              <a:rPr lang="de-DE" dirty="0" smtClean="0"/>
-              <a:t> </a:t>
-            </a:r>
-            <a:r>
-              <a:rPr lang="de-DE" dirty="0" err="1" smtClean="0"/>
-              <a:t>to</a:t>
-            </a:r>
-            <a:r>
-              <a:rPr lang="de-DE" dirty="0" smtClean="0"/>
-              <a:t> </a:t>
-            </a:r>
-            <a:r>
-              <a:rPr lang="de-DE" dirty="0" err="1" smtClean="0"/>
-              <a:t>the</a:t>
-            </a:r>
-            <a:r>
-              <a:rPr lang="de-DE" dirty="0" smtClean="0"/>
-              <a:t> </a:t>
-            </a:r>
-            <a:r>
-              <a:rPr lang="de-DE" dirty="0" err="1" smtClean="0"/>
-              <a:t>mailing</a:t>
-            </a:r>
-            <a:r>
-              <a:rPr lang="de-DE" dirty="0" smtClean="0"/>
-              <a:t> </a:t>
-            </a:r>
-            <a:r>
-              <a:rPr lang="de-DE" dirty="0" err="1" smtClean="0"/>
-              <a:t>list</a:t>
-            </a:r>
-            <a:endParaRPr lang="de-DE" dirty="0" smtClean="0"/>
-          </a:p>
-          <a:p>
-            <a:pPr marL="514350" indent="-514350">
-              <a:buFont typeface="+mj-lt"/>
-              <a:buAutoNum type="arabicPeriod"/>
-            </a:pPr>
-            <a:r>
-              <a:rPr lang="de-DE" dirty="0" err="1" smtClean="0"/>
-              <a:t>Understand</a:t>
-            </a:r>
-            <a:r>
-              <a:rPr lang="de-DE" dirty="0" smtClean="0"/>
-              <a:t> </a:t>
-            </a:r>
-            <a:r>
-              <a:rPr lang="de-DE" dirty="0" err="1" smtClean="0"/>
-              <a:t>the</a:t>
-            </a:r>
-            <a:r>
-              <a:rPr lang="de-DE" dirty="0" smtClean="0"/>
-              <a:t> </a:t>
-            </a:r>
-            <a:r>
-              <a:rPr lang="de-DE" dirty="0" err="1" smtClean="0"/>
-              <a:t>cipher</a:t>
-            </a:r>
-            <a:r>
-              <a:rPr lang="de-DE" dirty="0" smtClean="0"/>
-              <a:t> </a:t>
-            </a:r>
-            <a:r>
-              <a:rPr lang="de-DE" dirty="0" err="1" smtClean="0"/>
-              <a:t>strings</a:t>
-            </a:r>
-            <a:r>
-              <a:rPr lang="de-DE" dirty="0" smtClean="0"/>
-              <a:t> Variant (A) </a:t>
-            </a:r>
-            <a:r>
-              <a:rPr lang="de-DE" dirty="0" err="1" smtClean="0"/>
-              <a:t>and</a:t>
-            </a:r>
-            <a:r>
-              <a:rPr lang="de-DE" dirty="0" smtClean="0"/>
-              <a:t> (B) </a:t>
-            </a:r>
-            <a:r>
-              <a:rPr lang="de-DE" dirty="0" err="1" smtClean="0"/>
-              <a:t>before</a:t>
-            </a:r>
-            <a:r>
-              <a:rPr lang="de-DE" dirty="0" smtClean="0"/>
-              <a:t> </a:t>
-            </a:r>
-            <a:r>
-              <a:rPr lang="de-DE" dirty="0" err="1" smtClean="0"/>
-              <a:t>proposing</a:t>
-            </a:r>
-            <a:r>
-              <a:rPr lang="de-DE" dirty="0" smtClean="0"/>
-              <a:t> </a:t>
-            </a:r>
-            <a:r>
-              <a:rPr lang="de-DE" dirty="0" err="1" smtClean="0"/>
-              <a:t>some</a:t>
-            </a:r>
-            <a:r>
-              <a:rPr lang="de-DE" dirty="0" smtClean="0"/>
-              <a:t> </a:t>
-            </a:r>
-            <a:r>
-              <a:rPr lang="de-DE" dirty="0" err="1" smtClean="0"/>
-              <a:t>changes</a:t>
-            </a:r>
-            <a:endParaRPr lang="de-DE" dirty="0" smtClean="0"/>
-          </a:p>
-          <a:p>
-            <a:pPr marL="514350" indent="-514350">
-              <a:buFont typeface="+mj-lt"/>
-              <a:buAutoNum type="arabicPeriod"/>
-            </a:pPr>
-            <a:r>
-              <a:rPr lang="de-DE" dirty="0" err="1" smtClean="0"/>
-              <a:t>If</a:t>
-            </a:r>
-            <a:r>
-              <a:rPr lang="de-DE" dirty="0" smtClean="0"/>
-              <a:t> </a:t>
-            </a:r>
-            <a:r>
-              <a:rPr lang="de-DE" dirty="0" err="1" smtClean="0"/>
-              <a:t>you</a:t>
-            </a:r>
-            <a:r>
-              <a:rPr lang="de-DE" dirty="0" smtClean="0"/>
-              <a:t> </a:t>
-            </a:r>
-            <a:r>
-              <a:rPr lang="de-DE" dirty="0" err="1" smtClean="0"/>
-              <a:t>propose</a:t>
-            </a:r>
-            <a:r>
-              <a:rPr lang="de-DE" dirty="0" smtClean="0"/>
-              <a:t> a </a:t>
-            </a:r>
-            <a:r>
-              <a:rPr lang="de-DE" dirty="0" err="1" smtClean="0"/>
-              <a:t>new</a:t>
-            </a:r>
-            <a:r>
-              <a:rPr lang="de-DE" dirty="0" smtClean="0"/>
-              <a:t> </a:t>
-            </a:r>
-            <a:r>
-              <a:rPr lang="de-DE" dirty="0" err="1" smtClean="0"/>
-              <a:t>subsection</a:t>
-            </a:r>
-            <a:r>
-              <a:rPr lang="de-DE" dirty="0" smtClean="0"/>
-              <a:t>, </a:t>
-            </a:r>
-            <a:r>
-              <a:rPr lang="de-DE" dirty="0" err="1" smtClean="0"/>
-              <a:t>make</a:t>
-            </a:r>
-            <a:r>
-              <a:rPr lang="de-DE" dirty="0" smtClean="0"/>
-              <a:t> a sample </a:t>
-            </a:r>
-            <a:r>
-              <a:rPr lang="de-DE" dirty="0" err="1" smtClean="0"/>
-              <a:t>config</a:t>
-            </a:r>
-            <a:r>
-              <a:rPr lang="de-DE" dirty="0" smtClean="0"/>
-              <a:t> </a:t>
-            </a:r>
-            <a:r>
-              <a:rPr lang="de-DE" dirty="0" err="1" smtClean="0"/>
-              <a:t>with</a:t>
-            </a:r>
-            <a:r>
-              <a:rPr lang="de-DE" dirty="0" smtClean="0"/>
-              <a:t> variant (B)</a:t>
-            </a:r>
-            <a:endParaRPr lang="de-DE" dirty="0" smtClean="0"/>
-          </a:p>
-          <a:p>
-            <a:pPr marL="514350" indent="-514350">
-              <a:buFont typeface="+mj-lt"/>
-              <a:buAutoNum type="arabicPeriod"/>
-            </a:pPr>
-            <a:r>
-              <a:rPr lang="de-DE" dirty="0" err="1" smtClean="0"/>
-              <a:t>Git</a:t>
-            </a:r>
-            <a:r>
-              <a:rPr lang="de-DE" dirty="0" smtClean="0"/>
-              <a:t> </a:t>
-            </a:r>
-            <a:r>
-              <a:rPr lang="de-DE" dirty="0" err="1" smtClean="0"/>
-              <a:t>repo</a:t>
-            </a:r>
-            <a:r>
-              <a:rPr lang="de-DE" dirty="0" smtClean="0"/>
-              <a:t> </a:t>
-            </a:r>
-            <a:r>
-              <a:rPr lang="de-DE" dirty="0" err="1" smtClean="0"/>
-              <a:t>is</a:t>
-            </a:r>
-            <a:r>
-              <a:rPr lang="de-DE" dirty="0" smtClean="0"/>
-              <a:t> </a:t>
-            </a:r>
-            <a:r>
-              <a:rPr lang="de-DE" dirty="0" err="1" smtClean="0"/>
-              <a:t>world</a:t>
-            </a:r>
-            <a:r>
-              <a:rPr lang="de-DE" dirty="0" err="1" smtClean="0"/>
-              <a:t>-</a:t>
-            </a:r>
-            <a:r>
-              <a:rPr lang="de-DE" dirty="0" err="1" smtClean="0"/>
-              <a:t>readable</a:t>
-            </a:r>
-            <a:endParaRPr lang="de-DE" dirty="0" smtClean="0"/>
-          </a:p>
-          <a:p>
-            <a:pPr marL="514350" indent="-514350">
-              <a:buFont typeface="+mj-lt"/>
-              <a:buAutoNum type="arabicPeriod"/>
-            </a:pPr>
-            <a:r>
-              <a:rPr lang="de-DE" dirty="0" err="1" smtClean="0"/>
-              <a:t>We</a:t>
-            </a:r>
-            <a:r>
-              <a:rPr lang="de-DE" dirty="0" smtClean="0"/>
-              <a:t> </a:t>
-            </a:r>
-            <a:r>
-              <a:rPr lang="de-DE" dirty="0" err="1" smtClean="0"/>
-              <a:t>need</a:t>
-            </a:r>
-            <a:r>
-              <a:rPr lang="de-DE" dirty="0" smtClean="0"/>
-              <a:t>: </a:t>
-            </a:r>
-          </a:p>
-          <a:p>
-            <a:pPr marL="914400" lvl="1" indent="-514350">
-              <a:buFont typeface="+mj-lt"/>
-              <a:buAutoNum type="arabicPeriod"/>
-            </a:pPr>
-            <a:r>
-              <a:rPr lang="de-DE" dirty="0" smtClean="0"/>
-              <a:t>Add a </a:t>
-            </a:r>
-            <a:r>
-              <a:rPr lang="de-DE" dirty="0" err="1" smtClean="0"/>
-              <a:t>subsection</a:t>
-            </a:r>
-            <a:r>
-              <a:rPr lang="de-DE" dirty="0" smtClean="0"/>
-              <a:t> </a:t>
-            </a:r>
-            <a:r>
-              <a:rPr lang="de-DE" dirty="0" err="1" smtClean="0"/>
-              <a:t>from</a:t>
-            </a:r>
-            <a:r>
-              <a:rPr lang="de-DE" dirty="0" smtClean="0"/>
-              <a:t> </a:t>
-            </a:r>
-            <a:r>
-              <a:rPr lang="de-DE" dirty="0" err="1" smtClean="0"/>
-              <a:t>the</a:t>
-            </a:r>
-            <a:r>
-              <a:rPr lang="de-DE" dirty="0" smtClean="0"/>
-              <a:t> TODO </a:t>
-            </a:r>
-            <a:r>
-              <a:rPr lang="de-DE" dirty="0" err="1" smtClean="0"/>
-              <a:t>list</a:t>
-            </a:r>
-            <a:endParaRPr lang="de-DE" dirty="0" smtClean="0"/>
-          </a:p>
-          <a:p>
-            <a:pPr marL="914400" lvl="1" indent="-514350">
-              <a:buFont typeface="+mj-lt"/>
-              <a:buAutoNum type="arabicPeriod"/>
-            </a:pPr>
-            <a:r>
-              <a:rPr lang="de-DE" b="1" dirty="0" err="1" smtClean="0">
-                <a:solidFill>
-                  <a:srgbClr val="008000"/>
-                </a:solidFill>
-              </a:rPr>
-              <a:t>Reviewers</a:t>
-            </a:r>
-            <a:r>
-              <a:rPr lang="de-DE" b="1" dirty="0" smtClean="0">
-                <a:solidFill>
-                  <a:srgbClr val="008000"/>
-                </a:solidFill>
-              </a:rPr>
-              <a:t>!</a:t>
-            </a:r>
-            <a:endParaRPr lang="de-DE" b="1" dirty="0" smtClean="0">
-              <a:solidFill>
-                <a:srgbClr val="008000"/>
-              </a:solidFill>
-            </a:endParaRPr>
           </a:p>
         </p:txBody>
       </p:sp>
@@ -11445,7 +11026,7 @@
     </p:spTree>
     <p:extLst>
       <p:ext uri="{BB962C8B-B14F-4D97-AF65-F5344CB8AC3E}">
-        <p14:creationId xmlns:p14="http://schemas.microsoft.com/office/powerpoint/2010/main" val="976292356"/>
+        <p14:creationId xmlns:p14="http://schemas.microsoft.com/office/powerpoint/2010/main" val="51044277"/>
       </p:ext>
     </p:extLst>
   </p:cSld>
@@ -11637,6 +11218,518 @@
         </p:nvSpPr>
         <p:spPr/>
         <p:txBody>
+          <a:bodyPr>
+            <a:normAutofit/>
+          </a:bodyPr>
+          <a:lstStyle/>
+          <a:p>
+            <a:r>
+              <a:rPr lang="de-DE" dirty="0" err="1" smtClean="0"/>
+              <a:t>How</a:t>
+            </a:r>
+            <a:r>
+              <a:rPr lang="de-DE" dirty="0" smtClean="0"/>
+              <a:t> </a:t>
+            </a:r>
+            <a:r>
+              <a:rPr lang="de-DE" dirty="0" err="1" smtClean="0"/>
+              <a:t>to</a:t>
+            </a:r>
+            <a:r>
+              <a:rPr lang="de-DE" dirty="0" smtClean="0"/>
+              <a:t> </a:t>
+            </a:r>
+            <a:r>
+              <a:rPr lang="de-DE" dirty="0" err="1" smtClean="0"/>
+              <a:t>participate</a:t>
+            </a:r>
+            <a:endParaRPr lang="de-DE" dirty="0"/>
+          </a:p>
+        </p:txBody>
+      </p:sp>
+      <p:sp>
+        <p:nvSpPr>
+          <p:cNvPr id="3" name="Inhaltsplatzhalter 2"/>
+          <p:cNvSpPr>
+            <a:spLocks noGrp="1"/>
+          </p:cNvSpPr>
+          <p:nvPr>
+            <p:ph idx="1"/>
+          </p:nvPr>
+        </p:nvSpPr>
+        <p:spPr/>
+        <p:txBody>
+          <a:bodyPr>
+            <a:normAutofit fontScale="85000" lnSpcReduction="20000"/>
+          </a:bodyPr>
+          <a:lstStyle/>
+          <a:p>
+            <a:pPr marL="514350" indent="-514350">
+              <a:buFont typeface="+mj-lt"/>
+              <a:buAutoNum type="arabicPeriod"/>
+            </a:pPr>
+            <a:r>
+              <a:rPr lang="de-DE" dirty="0" err="1" smtClean="0"/>
+              <a:t>We</a:t>
+            </a:r>
+            <a:r>
+              <a:rPr lang="de-DE" dirty="0" smtClean="0"/>
+              <a:t> </a:t>
+            </a:r>
+            <a:r>
+              <a:rPr lang="de-DE" dirty="0" err="1" smtClean="0"/>
+              <a:t>need</a:t>
+            </a:r>
+            <a:r>
+              <a:rPr lang="de-DE" dirty="0" smtClean="0"/>
+              <a:t>: </a:t>
+            </a:r>
+            <a:r>
+              <a:rPr lang="de-DE" dirty="0" err="1" smtClean="0"/>
+              <a:t>cryptologists</a:t>
+            </a:r>
+            <a:r>
+              <a:rPr lang="de-DE" dirty="0" smtClean="0"/>
+              <a:t>, sysadmins, </a:t>
+            </a:r>
+            <a:r>
+              <a:rPr lang="de-DE" dirty="0" err="1" smtClean="0"/>
+              <a:t>hackers</a:t>
+            </a:r>
+            <a:endParaRPr lang="de-DE" dirty="0" smtClean="0"/>
+          </a:p>
+          <a:p>
+            <a:pPr marL="514350" indent="-514350">
+              <a:buFont typeface="+mj-lt"/>
+              <a:buAutoNum type="arabicPeriod"/>
+            </a:pPr>
+            <a:r>
+              <a:rPr lang="de-DE" dirty="0" smtClean="0"/>
+              <a:t>Read </a:t>
+            </a:r>
+            <a:r>
+              <a:rPr lang="de-DE" dirty="0" err="1" smtClean="0"/>
+              <a:t>the</a:t>
+            </a:r>
+            <a:r>
+              <a:rPr lang="de-DE" dirty="0" smtClean="0"/>
+              <a:t> </a:t>
+            </a:r>
+            <a:r>
+              <a:rPr lang="de-DE" dirty="0" err="1" smtClean="0"/>
+              <a:t>document</a:t>
+            </a:r>
+            <a:r>
+              <a:rPr lang="de-DE" dirty="0" smtClean="0"/>
+              <a:t>, find </a:t>
+            </a:r>
+            <a:r>
+              <a:rPr lang="de-DE" dirty="0" err="1" smtClean="0"/>
+              <a:t>bugs</a:t>
+            </a:r>
+            <a:endParaRPr lang="de-DE" dirty="0" smtClean="0"/>
+          </a:p>
+          <a:p>
+            <a:pPr marL="514350" indent="-514350">
+              <a:buFont typeface="+mj-lt"/>
+              <a:buAutoNum type="arabicPeriod"/>
+            </a:pPr>
+            <a:r>
+              <a:rPr lang="de-DE" dirty="0" err="1" smtClean="0"/>
+              <a:t>Subscribe</a:t>
+            </a:r>
+            <a:r>
+              <a:rPr lang="de-DE" dirty="0" smtClean="0"/>
+              <a:t> </a:t>
+            </a:r>
+            <a:r>
+              <a:rPr lang="de-DE" dirty="0" err="1" smtClean="0"/>
+              <a:t>to</a:t>
+            </a:r>
+            <a:r>
+              <a:rPr lang="de-DE" dirty="0" smtClean="0"/>
+              <a:t> </a:t>
+            </a:r>
+            <a:r>
+              <a:rPr lang="de-DE" dirty="0" err="1" smtClean="0"/>
+              <a:t>the</a:t>
+            </a:r>
+            <a:r>
+              <a:rPr lang="de-DE" dirty="0" smtClean="0"/>
+              <a:t> </a:t>
+            </a:r>
+            <a:r>
+              <a:rPr lang="de-DE" dirty="0" err="1" smtClean="0"/>
+              <a:t>mailing</a:t>
+            </a:r>
+            <a:r>
+              <a:rPr lang="de-DE" dirty="0" smtClean="0"/>
+              <a:t> </a:t>
+            </a:r>
+            <a:r>
+              <a:rPr lang="de-DE" dirty="0" err="1" smtClean="0"/>
+              <a:t>list</a:t>
+            </a:r>
+            <a:endParaRPr lang="de-DE" dirty="0" smtClean="0"/>
+          </a:p>
+          <a:p>
+            <a:pPr marL="514350" indent="-514350">
+              <a:buFont typeface="+mj-lt"/>
+              <a:buAutoNum type="arabicPeriod"/>
+            </a:pPr>
+            <a:r>
+              <a:rPr lang="de-DE" dirty="0" err="1" smtClean="0"/>
+              <a:t>Understand</a:t>
+            </a:r>
+            <a:r>
+              <a:rPr lang="de-DE" dirty="0" smtClean="0"/>
+              <a:t> </a:t>
+            </a:r>
+            <a:r>
+              <a:rPr lang="de-DE" dirty="0" err="1" smtClean="0"/>
+              <a:t>the</a:t>
+            </a:r>
+            <a:r>
+              <a:rPr lang="de-DE" dirty="0" smtClean="0"/>
+              <a:t> </a:t>
+            </a:r>
+            <a:r>
+              <a:rPr lang="de-DE" dirty="0" err="1" smtClean="0"/>
+              <a:t>cipher</a:t>
+            </a:r>
+            <a:r>
+              <a:rPr lang="de-DE" dirty="0" smtClean="0"/>
+              <a:t> </a:t>
+            </a:r>
+            <a:r>
+              <a:rPr lang="de-DE" dirty="0" err="1" smtClean="0"/>
+              <a:t>strings</a:t>
+            </a:r>
+            <a:r>
+              <a:rPr lang="de-DE" dirty="0" smtClean="0"/>
+              <a:t> Variant (A) </a:t>
+            </a:r>
+            <a:r>
+              <a:rPr lang="de-DE" dirty="0" err="1" smtClean="0"/>
+              <a:t>and</a:t>
+            </a:r>
+            <a:r>
+              <a:rPr lang="de-DE" dirty="0" smtClean="0"/>
+              <a:t> (B) </a:t>
+            </a:r>
+            <a:r>
+              <a:rPr lang="de-DE" dirty="0" err="1" smtClean="0"/>
+              <a:t>before</a:t>
+            </a:r>
+            <a:r>
+              <a:rPr lang="de-DE" dirty="0" smtClean="0"/>
+              <a:t> </a:t>
+            </a:r>
+            <a:r>
+              <a:rPr lang="de-DE" dirty="0" err="1" smtClean="0"/>
+              <a:t>proposing</a:t>
+            </a:r>
+            <a:r>
+              <a:rPr lang="de-DE" dirty="0" smtClean="0"/>
+              <a:t> </a:t>
+            </a:r>
+            <a:r>
+              <a:rPr lang="de-DE" dirty="0" err="1" smtClean="0"/>
+              <a:t>some</a:t>
+            </a:r>
+            <a:r>
+              <a:rPr lang="de-DE" dirty="0" smtClean="0"/>
+              <a:t> </a:t>
+            </a:r>
+            <a:r>
+              <a:rPr lang="de-DE" dirty="0" err="1" smtClean="0"/>
+              <a:t>changes</a:t>
+            </a:r>
+            <a:endParaRPr lang="de-DE" dirty="0" smtClean="0"/>
+          </a:p>
+          <a:p>
+            <a:pPr marL="514350" indent="-514350">
+              <a:buFont typeface="+mj-lt"/>
+              <a:buAutoNum type="arabicPeriod"/>
+            </a:pPr>
+            <a:r>
+              <a:rPr lang="de-DE" dirty="0" err="1" smtClean="0"/>
+              <a:t>If</a:t>
+            </a:r>
+            <a:r>
+              <a:rPr lang="de-DE" dirty="0" smtClean="0"/>
+              <a:t> </a:t>
+            </a:r>
+            <a:r>
+              <a:rPr lang="de-DE" dirty="0" err="1" smtClean="0"/>
+              <a:t>you</a:t>
+            </a:r>
+            <a:r>
+              <a:rPr lang="de-DE" dirty="0" smtClean="0"/>
+              <a:t> </a:t>
+            </a:r>
+            <a:r>
+              <a:rPr lang="de-DE" dirty="0" err="1" smtClean="0"/>
+              <a:t>propose</a:t>
+            </a:r>
+            <a:r>
+              <a:rPr lang="de-DE" dirty="0" smtClean="0"/>
+              <a:t> a </a:t>
+            </a:r>
+            <a:r>
+              <a:rPr lang="de-DE" dirty="0" err="1" smtClean="0"/>
+              <a:t>new</a:t>
+            </a:r>
+            <a:r>
+              <a:rPr lang="de-DE" dirty="0" smtClean="0"/>
+              <a:t> </a:t>
+            </a:r>
+            <a:r>
+              <a:rPr lang="de-DE" dirty="0" err="1" smtClean="0"/>
+              <a:t>subsection</a:t>
+            </a:r>
+            <a:r>
+              <a:rPr lang="de-DE" dirty="0" smtClean="0"/>
+              <a:t>, </a:t>
+            </a:r>
+            <a:r>
+              <a:rPr lang="de-DE" dirty="0" err="1" smtClean="0"/>
+              <a:t>make</a:t>
+            </a:r>
+            <a:r>
+              <a:rPr lang="de-DE" dirty="0" smtClean="0"/>
+              <a:t> a sample </a:t>
+            </a:r>
+            <a:r>
+              <a:rPr lang="de-DE" dirty="0" err="1" smtClean="0"/>
+              <a:t>config</a:t>
+            </a:r>
+            <a:r>
+              <a:rPr lang="de-DE" dirty="0" smtClean="0"/>
+              <a:t> </a:t>
+            </a:r>
+            <a:r>
+              <a:rPr lang="de-DE" dirty="0" err="1" smtClean="0"/>
+              <a:t>with</a:t>
+            </a:r>
+            <a:r>
+              <a:rPr lang="de-DE" dirty="0" smtClean="0"/>
+              <a:t> variant (B)</a:t>
+            </a:r>
+            <a:endParaRPr lang="de-DE" dirty="0" smtClean="0"/>
+          </a:p>
+          <a:p>
+            <a:pPr marL="514350" indent="-514350">
+              <a:buFont typeface="+mj-lt"/>
+              <a:buAutoNum type="arabicPeriod"/>
+            </a:pPr>
+            <a:r>
+              <a:rPr lang="de-DE" dirty="0" err="1" smtClean="0"/>
+              <a:t>Git</a:t>
+            </a:r>
+            <a:r>
+              <a:rPr lang="de-DE" dirty="0" smtClean="0"/>
+              <a:t> </a:t>
+            </a:r>
+            <a:r>
+              <a:rPr lang="de-DE" dirty="0" err="1" smtClean="0"/>
+              <a:t>repo</a:t>
+            </a:r>
+            <a:r>
+              <a:rPr lang="de-DE" dirty="0" smtClean="0"/>
+              <a:t> </a:t>
+            </a:r>
+            <a:r>
+              <a:rPr lang="de-DE" dirty="0" err="1" smtClean="0"/>
+              <a:t>is</a:t>
+            </a:r>
+            <a:r>
+              <a:rPr lang="de-DE" dirty="0" smtClean="0"/>
+              <a:t> </a:t>
+            </a:r>
+            <a:r>
+              <a:rPr lang="de-DE" dirty="0" err="1" smtClean="0"/>
+              <a:t>world</a:t>
+            </a:r>
+            <a:r>
+              <a:rPr lang="de-DE" dirty="0" err="1" smtClean="0"/>
+              <a:t>-</a:t>
+            </a:r>
+            <a:r>
+              <a:rPr lang="de-DE" dirty="0" err="1" smtClean="0"/>
+              <a:t>readable</a:t>
+            </a:r>
+            <a:endParaRPr lang="de-DE" dirty="0" smtClean="0"/>
+          </a:p>
+          <a:p>
+            <a:pPr marL="514350" indent="-514350">
+              <a:buFont typeface="+mj-lt"/>
+              <a:buAutoNum type="arabicPeriod"/>
+            </a:pPr>
+            <a:r>
+              <a:rPr lang="de-DE" dirty="0" err="1" smtClean="0"/>
+              <a:t>We</a:t>
+            </a:r>
+            <a:r>
+              <a:rPr lang="de-DE" dirty="0" smtClean="0"/>
+              <a:t> </a:t>
+            </a:r>
+            <a:r>
+              <a:rPr lang="de-DE" dirty="0" err="1" smtClean="0"/>
+              <a:t>need</a:t>
+            </a:r>
+            <a:r>
+              <a:rPr lang="de-DE" dirty="0" smtClean="0"/>
+              <a:t>: </a:t>
+            </a:r>
+          </a:p>
+          <a:p>
+            <a:pPr marL="914400" lvl="1" indent="-514350">
+              <a:buFont typeface="+mj-lt"/>
+              <a:buAutoNum type="arabicPeriod"/>
+            </a:pPr>
+            <a:r>
+              <a:rPr lang="de-DE" dirty="0" smtClean="0"/>
+              <a:t>Add a </a:t>
+            </a:r>
+            <a:r>
+              <a:rPr lang="de-DE" dirty="0" err="1" smtClean="0"/>
+              <a:t>subsection</a:t>
+            </a:r>
+            <a:r>
+              <a:rPr lang="de-DE" dirty="0" smtClean="0"/>
+              <a:t> </a:t>
+            </a:r>
+            <a:r>
+              <a:rPr lang="de-DE" dirty="0" err="1" smtClean="0"/>
+              <a:t>from</a:t>
+            </a:r>
+            <a:r>
+              <a:rPr lang="de-DE" dirty="0" smtClean="0"/>
+              <a:t> </a:t>
+            </a:r>
+            <a:r>
+              <a:rPr lang="de-DE" dirty="0" err="1" smtClean="0"/>
+              <a:t>the</a:t>
+            </a:r>
+            <a:r>
+              <a:rPr lang="de-DE" dirty="0" smtClean="0"/>
+              <a:t> TODO </a:t>
+            </a:r>
+            <a:r>
+              <a:rPr lang="de-DE" dirty="0" err="1" smtClean="0"/>
+              <a:t>list</a:t>
+            </a:r>
+            <a:endParaRPr lang="de-DE" dirty="0" smtClean="0"/>
+          </a:p>
+          <a:p>
+            <a:pPr marL="914400" lvl="1" indent="-514350">
+              <a:buFont typeface="+mj-lt"/>
+              <a:buAutoNum type="arabicPeriod"/>
+            </a:pPr>
+            <a:r>
+              <a:rPr lang="de-DE" b="1" dirty="0" err="1" smtClean="0">
+                <a:solidFill>
+                  <a:srgbClr val="008000"/>
+                </a:solidFill>
+              </a:rPr>
+              <a:t>Reviewers</a:t>
+            </a:r>
+            <a:r>
+              <a:rPr lang="de-DE" b="1" dirty="0" smtClean="0">
+                <a:solidFill>
+                  <a:srgbClr val="008000"/>
+                </a:solidFill>
+              </a:rPr>
+              <a:t>!</a:t>
+            </a:r>
+            <a:endParaRPr lang="de-DE" b="1" dirty="0" smtClean="0">
+              <a:solidFill>
+                <a:srgbClr val="008000"/>
+              </a:solidFill>
+            </a:endParaRPr>
+          </a:p>
+        </p:txBody>
+      </p:sp>
+      <p:sp>
+        <p:nvSpPr>
+          <p:cNvPr id="4" name="Textfeld 3"/>
+          <p:cNvSpPr txBox="1"/>
+          <p:nvPr/>
+        </p:nvSpPr>
+        <p:spPr>
+          <a:xfrm>
+            <a:off x="7297503" y="6126163"/>
+            <a:ext cx="1389297" cy="369332"/>
+          </a:xfrm>
+          <a:prstGeom prst="rect">
+            <a:avLst/>
+          </a:prstGeom>
+          <a:noFill/>
+        </p:spPr>
+        <p:txBody>
+          <a:bodyPr wrap="square" rtlCol="0">
+            <a:spAutoFit/>
+          </a:bodyPr>
+          <a:lstStyle/>
+          <a:p>
+            <a:r>
+              <a:rPr lang="de-DE" dirty="0" smtClean="0"/>
+              <a:t>Aaron</a:t>
+            </a:r>
+            <a:endParaRPr lang="de-DE" dirty="0"/>
+          </a:p>
+        </p:txBody>
+      </p:sp>
+    </p:spTree>
+    <p:extLst>
+      <p:ext uri="{BB962C8B-B14F-4D97-AF65-F5344CB8AC3E}">
+        <p14:creationId xmlns:p14="http://schemas.microsoft.com/office/powerpoint/2010/main" val="976292356"/>
+      </p:ext>
+    </p:extLst>
+  </p:cSld>
+  <p:clrMapOvr>
+    <a:masterClrMapping/>
+  </p:clrMapOvr>
+  <p:timing>
+    <p:tnLst>
+      <p:par>
+        <p:cTn xmlns:p14="http://schemas.microsoft.com/office/powerpoint/2010/main" id="1" dur="indefinite" restart="never" nodeType="tmRoot"/>
+      </p:par>
+    </p:tnLst>
+  </p:timing>
+</p:sld>
+</file>
+
+<file path=ppt/slides/slide41.xml><?xml version="1.0" encoding="utf-8"?>
+<p:sld xmlns:a="http://schemas.openxmlformats.org/drawingml/2006/main" xmlns:r="http://schemas.openxmlformats.org/officeDocument/2006/relationships" xmlns:p="http://schemas.openxmlformats.org/presentationml/2006/main">
+  <p:cSld>
+    <p:spTree>
+      <p:nvGrpSpPr>
+        <p:cNvPr id="1" name=""/>
+        <p:cNvGrpSpPr/>
+        <p:nvPr/>
+      </p:nvGrpSpPr>
+      <p:grpSpPr>
+        <a:xfrm>
+          <a:off x="0" y="0"/>
+          <a:ext cx="0" cy="0"/>
+          <a:chOff x="0" y="0"/>
+          <a:chExt cx="0" cy="0"/>
+        </a:xfrm>
+      </p:grpSpPr>
+      <p:sp>
+        <p:nvSpPr>
+          <p:cNvPr id="2" name="Titel 1"/>
+          <p:cNvSpPr>
+            <a:spLocks noGrp="1"/>
+          </p:cNvSpPr>
+          <p:nvPr>
+            <p:ph type="title"/>
+          </p:nvPr>
+        </p:nvSpPr>
+        <p:spPr/>
+        <p:txBody>
           <a:bodyPr/>
           <a:lstStyle/>
           <a:p>
@@ -11791,7 +11884,7 @@
 </p:sld>
 </file>
 
-<file path=ppt/slides/slide41.xml><?xml version="1.0" encoding="utf-8"?>
+<file path=ppt/slides/slide42.xml><?xml version="1.0" encoding="utf-8"?>
 <p:sld xmlns:a="http://schemas.openxmlformats.org/drawingml/2006/main" xmlns:r="http://schemas.openxmlformats.org/officeDocument/2006/relationships" xmlns:p="http://schemas.openxmlformats.org/presentationml/2006/main">
   <p:cSld>
     <p:spTree>

--- a/presentations/20131122-Deepsec-ACH project.pptx
+++ b/presentations/20131122-Deepsec-ACH project.pptx
@@ -5,10 +5,10 @@
     <p:sldMasterId id="2147483648" r:id="rId1"/>
   </p:sldMasterIdLst>
   <p:notesMasterIdLst>
-    <p:notesMasterId r:id="rId44"/>
+    <p:notesMasterId r:id="rId45"/>
   </p:notesMasterIdLst>
   <p:handoutMasterIdLst>
-    <p:handoutMasterId r:id="rId45"/>
+    <p:handoutMasterId r:id="rId46"/>
   </p:handoutMasterIdLst>
   <p:sldIdLst>
     <p:sldId id="256" r:id="rId2"/>
@@ -44,15 +44,16 @@
     <p:sldId id="295" r:id="rId32"/>
     <p:sldId id="296" r:id="rId33"/>
     <p:sldId id="279" r:id="rId34"/>
-    <p:sldId id="310" r:id="rId35"/>
-    <p:sldId id="297" r:id="rId36"/>
-    <p:sldId id="303" r:id="rId37"/>
-    <p:sldId id="304" r:id="rId38"/>
-    <p:sldId id="305" r:id="rId39"/>
-    <p:sldId id="264" r:id="rId40"/>
-    <p:sldId id="262" r:id="rId41"/>
-    <p:sldId id="275" r:id="rId42"/>
-    <p:sldId id="276" r:id="rId43"/>
+    <p:sldId id="311" r:id="rId35"/>
+    <p:sldId id="310" r:id="rId36"/>
+    <p:sldId id="297" r:id="rId37"/>
+    <p:sldId id="303" r:id="rId38"/>
+    <p:sldId id="304" r:id="rId39"/>
+    <p:sldId id="305" r:id="rId40"/>
+    <p:sldId id="264" r:id="rId41"/>
+    <p:sldId id="262" r:id="rId42"/>
+    <p:sldId id="275" r:id="rId43"/>
+    <p:sldId id="276" r:id="rId44"/>
   </p:sldIdLst>
   <p:sldSz cx="9144000" cy="6858000" type="screen4x3"/>
   <p:notesSz cx="6669088" cy="9753600"/>
@@ -10025,14 +10026,104 @@
         <p:spPr/>
         <p:txBody>
           <a:bodyPr>
-            <a:normAutofit lnSpcReduction="10000"/>
+            <a:normAutofit/>
           </a:bodyPr>
           <a:lstStyle/>
           <a:p>
             <a:r>
+              <a:rPr lang="de-DE" dirty="0"/>
+              <a:t>o</a:t>
+            </a:r>
+            <a:r>
+              <a:rPr lang="de-DE" dirty="0" smtClean="0"/>
+              <a:t>penssl </a:t>
+            </a:r>
+            <a:r>
+              <a:rPr lang="de-DE" dirty="0" err="1" smtClean="0"/>
+              <a:t>s_client</a:t>
+            </a:r>
+            <a:r>
+              <a:rPr lang="de-DE" dirty="0" smtClean="0"/>
+              <a:t>  (</a:t>
+            </a:r>
+            <a:r>
+              <a:rPr lang="de-DE" dirty="0" err="1" smtClean="0"/>
+              <a:t>or</a:t>
+            </a:r>
+            <a:r>
+              <a:rPr lang="de-DE" dirty="0" smtClean="0"/>
+              <a:t> </a:t>
+            </a:r>
+            <a:r>
+              <a:rPr lang="de-DE" dirty="0" err="1" smtClean="0"/>
+              <a:t>gnutls</a:t>
+            </a:r>
+            <a:r>
+              <a:rPr lang="de-DE" dirty="0" smtClean="0"/>
+              <a:t>-cli)</a:t>
+            </a:r>
+          </a:p>
+          <a:p>
+            <a:r>
               <a:rPr lang="de-DE" dirty="0" err="1" smtClean="0"/>
               <a:t>ssllabs.com</a:t>
             </a:r>
+            <a:r>
+              <a:rPr lang="de-DE" dirty="0" smtClean="0"/>
+              <a:t>: </a:t>
+            </a:r>
+            <a:r>
+              <a:rPr lang="de-DE" dirty="0" err="1" smtClean="0"/>
+              <a:t>checks</a:t>
+            </a:r>
+            <a:r>
+              <a:rPr lang="de-DE" dirty="0" smtClean="0"/>
+              <a:t> </a:t>
+            </a:r>
+            <a:r>
+              <a:rPr lang="de-DE" dirty="0" err="1" smtClean="0"/>
+              <a:t>for</a:t>
+            </a:r>
+            <a:r>
+              <a:rPr lang="de-DE" dirty="0" smtClean="0"/>
+              <a:t> </a:t>
+            </a:r>
+            <a:r>
+              <a:rPr lang="de-DE" dirty="0" err="1" smtClean="0"/>
+              <a:t>servers</a:t>
+            </a:r>
+            <a:r>
+              <a:rPr lang="de-DE" dirty="0" smtClean="0"/>
+              <a:t> </a:t>
+            </a:r>
+            <a:r>
+              <a:rPr lang="de-DE" dirty="0" err="1" smtClean="0"/>
+              <a:t>as</a:t>
+            </a:r>
+            <a:r>
+              <a:rPr lang="de-DE" dirty="0" smtClean="0"/>
+              <a:t> </a:t>
+            </a:r>
+            <a:r>
+              <a:rPr lang="de-DE" dirty="0" err="1" smtClean="0"/>
+              <a:t>well</a:t>
+            </a:r>
+            <a:r>
+              <a:rPr lang="de-DE" dirty="0" smtClean="0"/>
+              <a:t> </a:t>
+            </a:r>
+            <a:r>
+              <a:rPr lang="de-DE" dirty="0" err="1" smtClean="0"/>
+              <a:t>as</a:t>
+            </a:r>
+            <a:r>
+              <a:rPr lang="de-DE" dirty="0" smtClean="0"/>
+              <a:t> </a:t>
+            </a:r>
+            <a:r>
+              <a:rPr lang="de-DE" dirty="0" err="1" smtClean="0"/>
+              <a:t>clients</a:t>
+            </a:r>
             <a:endParaRPr lang="de-DE" dirty="0" smtClean="0"/>
           </a:p>
           <a:p>
@@ -10059,102 +10150,6 @@
               <a:t>SSLyze</a:t>
             </a:r>
             <a:endParaRPr lang="de-DE" dirty="0" smtClean="0"/>
-          </a:p>
-          <a:p>
-            <a:r>
-              <a:rPr lang="de-DE" dirty="0" err="1" smtClean="0"/>
-              <a:t>What</a:t>
-            </a:r>
-            <a:r>
-              <a:rPr lang="de-DE" dirty="0" smtClean="0"/>
-              <a:t> </a:t>
-            </a:r>
-            <a:r>
-              <a:rPr lang="de-DE" dirty="0" err="1" smtClean="0"/>
-              <a:t>can</a:t>
-            </a:r>
-            <a:r>
-              <a:rPr lang="de-DE" dirty="0" smtClean="0"/>
-              <a:t> </a:t>
-            </a:r>
-            <a:r>
-              <a:rPr lang="de-DE" dirty="0" err="1" smtClean="0"/>
-              <a:t>people</a:t>
-            </a:r>
-            <a:r>
-              <a:rPr lang="de-DE" dirty="0" smtClean="0"/>
-              <a:t> do </a:t>
-            </a:r>
-            <a:r>
-              <a:rPr lang="de-DE" dirty="0" err="1" smtClean="0"/>
-              <a:t>to</a:t>
-            </a:r>
-            <a:r>
-              <a:rPr lang="de-DE" dirty="0" smtClean="0"/>
-              <a:t> </a:t>
-            </a:r>
-            <a:r>
-              <a:rPr lang="de-DE" dirty="0" err="1" smtClean="0"/>
-              <a:t>test</a:t>
-            </a:r>
-            <a:r>
-              <a:rPr lang="de-DE" dirty="0" smtClean="0"/>
-              <a:t> </a:t>
-            </a:r>
-            <a:r>
-              <a:rPr lang="de-DE" dirty="0" err="1" smtClean="0"/>
-              <a:t>themselves</a:t>
-            </a:r>
-            <a:r>
-              <a:rPr lang="de-DE" dirty="0" smtClean="0"/>
-              <a:t>?</a:t>
-            </a:r>
-          </a:p>
-          <a:p>
-            <a:r>
-              <a:rPr lang="de-DE" dirty="0" err="1" smtClean="0"/>
-              <a:t>What</a:t>
-            </a:r>
-            <a:r>
-              <a:rPr lang="de-DE" dirty="0" smtClean="0"/>
-              <a:t> </a:t>
-            </a:r>
-            <a:r>
-              <a:rPr lang="de-DE" dirty="0" err="1" smtClean="0"/>
-              <a:t>does</a:t>
-            </a:r>
-            <a:r>
-              <a:rPr lang="de-DE" dirty="0"/>
-              <a:t> </a:t>
-            </a:r>
-            <a:r>
-              <a:rPr lang="de-DE" dirty="0" smtClean="0"/>
-              <a:t>a </a:t>
-            </a:r>
-            <a:r>
-              <a:rPr lang="de-DE" dirty="0" err="1" smtClean="0"/>
-              <a:t>test</a:t>
-            </a:r>
-            <a:r>
-              <a:rPr lang="de-DE" dirty="0" smtClean="0"/>
-              <a:t> </a:t>
-            </a:r>
-            <a:r>
-              <a:rPr lang="de-DE" dirty="0" err="1" smtClean="0"/>
-              <a:t>result</a:t>
-            </a:r>
-            <a:r>
-              <a:rPr lang="de-DE" dirty="0" smtClean="0"/>
-              <a:t> </a:t>
-            </a:r>
-            <a:r>
-              <a:rPr lang="de-DE" dirty="0" err="1" smtClean="0"/>
-              <a:t>mean</a:t>
-            </a:r>
-            <a:r>
-              <a:rPr lang="de-DE" dirty="0" smtClean="0"/>
-              <a:t>?</a:t>
-            </a:r>
           </a:p>
           <a:p>
             <a:r>
@@ -10255,6 +10250,158 @@
 </file>
 
 <file path=ppt/slides/slide34.xml><?xml version="1.0" encoding="utf-8"?>
+<p:sld xmlns:a="http://schemas.openxmlformats.org/drawingml/2006/main" xmlns:r="http://schemas.openxmlformats.org/officeDocument/2006/relationships" xmlns:p="http://schemas.openxmlformats.org/presentationml/2006/main">
+  <p:cSld>
+    <p:spTree>
+      <p:nvGrpSpPr>
+        <p:cNvPr id="1" name=""/>
+        <p:cNvGrpSpPr/>
+        <p:nvPr/>
+      </p:nvGrpSpPr>
+      <p:grpSpPr>
+        <a:xfrm>
+          <a:off x="0" y="0"/>
+          <a:ext cx="0" cy="0"/>
+          <a:chOff x="0" y="0"/>
+          <a:chExt cx="0" cy="0"/>
+        </a:xfrm>
+      </p:grpSpPr>
+      <p:sp>
+        <p:nvSpPr>
+          <p:cNvPr id="2" name="Titel 1"/>
+          <p:cNvSpPr>
+            <a:spLocks noGrp="1"/>
+          </p:cNvSpPr>
+          <p:nvPr>
+            <p:ph type="title"/>
+          </p:nvPr>
+        </p:nvSpPr>
+        <p:spPr/>
+        <p:txBody>
+          <a:bodyPr/>
+          <a:lstStyle/>
+          <a:p>
+            <a:r>
+              <a:rPr lang="de-DE" dirty="0" smtClean="0"/>
+              <a:t>Tools: </a:t>
+            </a:r>
+            <a:r>
+              <a:rPr lang="de-DE" dirty="0" err="1" smtClean="0"/>
+              <a:t>openss</a:t>
+            </a:r>
+            <a:r>
+              <a:rPr lang="de-DE" dirty="0" smtClean="0"/>
+              <a:t> </a:t>
+            </a:r>
+            <a:r>
+              <a:rPr lang="de-DE" dirty="0" err="1" smtClean="0"/>
+              <a:t>s_client</a:t>
+            </a:r>
+            <a:endParaRPr lang="de-DE" dirty="0"/>
+          </a:p>
+        </p:txBody>
+      </p:sp>
+      <p:sp>
+        <p:nvSpPr>
+          <p:cNvPr id="3" name="Inhaltsplatzhalter 2"/>
+          <p:cNvSpPr>
+            <a:spLocks noGrp="1"/>
+          </p:cNvSpPr>
+          <p:nvPr>
+            <p:ph idx="1"/>
+          </p:nvPr>
+        </p:nvSpPr>
+        <p:spPr/>
+        <p:txBody>
+          <a:bodyPr>
+            <a:normAutofit/>
+          </a:bodyPr>
+          <a:lstStyle/>
+          <a:p>
+            <a:pPr marL="0" indent="0">
+              <a:buNone/>
+            </a:pPr>
+            <a:r>
+              <a:rPr lang="de-DE" sz="2400" dirty="0"/>
+              <a:t>openssl </a:t>
+            </a:r>
+            <a:r>
+              <a:rPr lang="de-DE" sz="2400" dirty="0" err="1"/>
+              <a:t>s_client</a:t>
+            </a:r>
+            <a:r>
+              <a:rPr lang="de-DE" sz="2400" dirty="0"/>
+              <a:t> -</a:t>
+            </a:r>
+            <a:r>
+              <a:rPr lang="de-DE" sz="2400" dirty="0" err="1"/>
+              <a:t>showcerts</a:t>
+            </a:r>
+            <a:r>
+              <a:rPr lang="de-DE" sz="2400" dirty="0"/>
+              <a:t> </a:t>
+            </a:r>
+            <a:r>
+              <a:rPr lang="de-DE" sz="2400" dirty="0" smtClean="0"/>
+              <a:t>–</a:t>
+            </a:r>
+            <a:r>
+              <a:rPr lang="de-DE" sz="2400" dirty="0" err="1" smtClean="0"/>
+              <a:t>connect</a:t>
+            </a:r>
+            <a:r>
+              <a:rPr lang="de-DE" sz="2400" dirty="0" smtClean="0"/>
+              <a:t> git.bettercrypto.org:443</a:t>
+            </a:r>
+            <a:endParaRPr lang="de-DE" sz="2400" dirty="0"/>
+          </a:p>
+        </p:txBody>
+      </p:sp>
+      <p:pic>
+        <p:nvPicPr>
+          <p:cNvPr id="4" name="Bild 3"/>
+          <p:cNvPicPr>
+            <a:picLocks noChangeAspect="1"/>
+          </p:cNvPicPr>
+          <p:nvPr/>
+        </p:nvPicPr>
+        <p:blipFill>
+          <a:blip r:embed="rId2"/>
+          <a:stretch>
+            <a:fillRect/>
+          </a:stretch>
+        </p:blipFill>
+        <p:spPr>
+          <a:xfrm>
+            <a:off x="0" y="2260263"/>
+            <a:ext cx="9144000" cy="4400489"/>
+          </a:xfrm>
+          <a:prstGeom prst="rect">
+            <a:avLst/>
+          </a:prstGeom>
+        </p:spPr>
+      </p:pic>
+    </p:spTree>
+    <p:extLst>
+      <p:ext uri="{BB962C8B-B14F-4D97-AF65-F5344CB8AC3E}">
+        <p14:creationId xmlns:p14="http://schemas.microsoft.com/office/powerpoint/2010/main" val="2467489511"/>
+      </p:ext>
+    </p:extLst>
+  </p:cSld>
+  <p:clrMapOvr>
+    <a:masterClrMapping/>
+  </p:clrMapOvr>
+  <p:timing>
+    <p:tnLst>
+      <p:par>
+        <p:cTn xmlns:p14="http://schemas.microsoft.com/office/powerpoint/2010/main" id="1" dur="indefinite" restart="never" nodeType="tmRoot"/>
+      </p:par>
+    </p:tnLst>
+  </p:timing>
+</p:sld>
+</file>
+
+<file path=ppt/slides/slide35.xml><?xml version="1.0" encoding="utf-8"?>
 <p:sld xmlns:a="http://schemas.openxmlformats.org/drawingml/2006/main" xmlns:r="http://schemas.openxmlformats.org/officeDocument/2006/relationships" xmlns:p="http://schemas.openxmlformats.org/presentationml/2006/main">
   <p:cSld>
     <p:spTree>
@@ -10342,7 +10489,7 @@
 </p:sld>
 </file>
 
-<file path=ppt/slides/slide35.xml><?xml version="1.0" encoding="utf-8"?>
+<file path=ppt/slides/slide36.xml><?xml version="1.0" encoding="utf-8"?>
 <p:sld xmlns:a="http://schemas.openxmlformats.org/drawingml/2006/main" xmlns:r="http://schemas.openxmlformats.org/officeDocument/2006/relationships" xmlns:p="http://schemas.openxmlformats.org/presentationml/2006/main">
   <p:cSld>
     <p:spTree>
@@ -10455,7 +10602,7 @@
 </p:sld>
 </file>
 
-<file path=ppt/slides/slide36.xml><?xml version="1.0" encoding="utf-8"?>
+<file path=ppt/slides/slide37.xml><?xml version="1.0" encoding="utf-8"?>
 <p:sld xmlns:a="http://schemas.openxmlformats.org/drawingml/2006/main" xmlns:r="http://schemas.openxmlformats.org/officeDocument/2006/relationships" xmlns:p="http://schemas.openxmlformats.org/presentationml/2006/main">
   <p:cSld>
     <p:spTree>
@@ -10547,7 +10694,7 @@
 </p:sld>
 </file>
 
-<file path=ppt/slides/slide37.xml><?xml version="1.0" encoding="utf-8"?>
+<file path=ppt/slides/slide38.xml><?xml version="1.0" encoding="utf-8"?>
 <p:sld xmlns:a="http://schemas.openxmlformats.org/drawingml/2006/main" xmlns:r="http://schemas.openxmlformats.org/officeDocument/2006/relationships" xmlns:p="http://schemas.openxmlformats.org/presentationml/2006/main">
   <p:cSld>
     <p:spTree>
@@ -10635,108 +10782,6 @@
 </p:sld>
 </file>
 
-<file path=ppt/slides/slide38.xml><?xml version="1.0" encoding="utf-8"?>
-<p:sld xmlns:a="http://schemas.openxmlformats.org/drawingml/2006/main" xmlns:r="http://schemas.openxmlformats.org/officeDocument/2006/relationships" xmlns:p="http://schemas.openxmlformats.org/presentationml/2006/main">
-  <p:cSld>
-    <p:spTree>
-      <p:nvGrpSpPr>
-        <p:cNvPr id="1" name=""/>
-        <p:cNvGrpSpPr/>
-        <p:nvPr/>
-      </p:nvGrpSpPr>
-      <p:grpSpPr>
-        <a:xfrm>
-          <a:off x="0" y="0"/>
-          <a:ext cx="0" cy="0"/>
-          <a:chOff x="0" y="0"/>
-          <a:chExt cx="0" cy="0"/>
-        </a:xfrm>
-      </p:grpSpPr>
-      <p:sp>
-        <p:nvSpPr>
-          <p:cNvPr id="4" name="Titel 3"/>
-          <p:cNvSpPr>
-            <a:spLocks noGrp="1"/>
-          </p:cNvSpPr>
-          <p:nvPr>
-            <p:ph type="title"/>
-          </p:nvPr>
-        </p:nvSpPr>
-        <p:spPr/>
-        <p:txBody>
-          <a:bodyPr/>
-          <a:lstStyle/>
-          <a:p>
-            <a:r>
-              <a:rPr lang="de-DE" dirty="0" err="1" smtClean="0"/>
-              <a:t>Wrap-up</a:t>
-            </a:r>
-            <a:endParaRPr lang="de-DE" dirty="0"/>
-          </a:p>
-        </p:txBody>
-      </p:sp>
-      <p:sp>
-        <p:nvSpPr>
-          <p:cNvPr id="5" name="Textplatzhalter 4"/>
-          <p:cNvSpPr>
-            <a:spLocks noGrp="1"/>
-          </p:cNvSpPr>
-          <p:nvPr>
-            <p:ph type="body" idx="1"/>
-          </p:nvPr>
-        </p:nvSpPr>
-        <p:spPr/>
-        <p:txBody>
-          <a:bodyPr/>
-          <a:lstStyle/>
-          <a:p>
-            <a:endParaRPr lang="de-DE"/>
-          </a:p>
-        </p:txBody>
-      </p:sp>
-      <p:sp>
-        <p:nvSpPr>
-          <p:cNvPr id="6" name="Textfeld 5"/>
-          <p:cNvSpPr txBox="1"/>
-          <p:nvPr/>
-        </p:nvSpPr>
-        <p:spPr>
-          <a:xfrm>
-            <a:off x="7297503" y="6126163"/>
-            <a:ext cx="1389297" cy="369332"/>
-          </a:xfrm>
-          <a:prstGeom prst="rect">
-            <a:avLst/>
-          </a:prstGeom>
-          <a:noFill/>
-        </p:spPr>
-        <p:txBody>
-          <a:bodyPr wrap="square" rtlCol="0">
-            <a:spAutoFit/>
-          </a:bodyPr>
-          <a:lstStyle/>
-          <a:p>
-            <a:r>
-              <a:rPr lang="de-DE" dirty="0" smtClean="0"/>
-              <a:t>Aaron</a:t>
-            </a:r>
-            <a:endParaRPr lang="de-DE" dirty="0"/>
-          </a:p>
-        </p:txBody>
-      </p:sp>
-    </p:spTree>
-    <p:extLst>
-      <p:ext uri="{BB962C8B-B14F-4D97-AF65-F5344CB8AC3E}">
-        <p14:creationId xmlns:p14="http://schemas.microsoft.com/office/powerpoint/2010/main" val="4191511598"/>
-      </p:ext>
-    </p:extLst>
-  </p:cSld>
-  <p:clrMapOvr>
-    <a:masterClrMapping/>
-  </p:clrMapOvr>
-</p:sld>
-</file>
-
 <file path=ppt/slides/slide39.xml><?xml version="1.0" encoding="utf-8"?>
 <p:sld xmlns:a="http://schemas.openxmlformats.org/drawingml/2006/main" xmlns:r="http://schemas.openxmlformats.org/officeDocument/2006/relationships" xmlns:p="http://schemas.openxmlformats.org/presentationml/2006/main">
   <p:cSld>
@@ -10756,7 +10801,7 @@
       </p:grpSpPr>
       <p:sp>
         <p:nvSpPr>
-          <p:cNvPr id="2" name="Titel 1"/>
+          <p:cNvPr id="4" name="Titel 3"/>
           <p:cNvSpPr>
             <a:spLocks noGrp="1"/>
           </p:cNvSpPr>
@@ -10771,27 +10816,7 @@
           <a:p>
             <a:r>
               <a:rPr lang="de-DE" dirty="0" err="1" smtClean="0"/>
-              <a:t>Current</a:t>
-            </a:r>
-            <a:r>
-              <a:rPr lang="de-DE" dirty="0" smtClean="0"/>
-              <a:t> </a:t>
-            </a:r>
-            <a:r>
-              <a:rPr lang="de-DE" dirty="0" err="1" smtClean="0"/>
-              <a:t>state</a:t>
-            </a:r>
-            <a:r>
-              <a:rPr lang="de-DE" dirty="0" smtClean="0"/>
-              <a:t> </a:t>
-            </a:r>
-            <a:r>
-              <a:rPr lang="de-DE" dirty="0" err="1" smtClean="0"/>
-              <a:t>as</a:t>
-            </a:r>
-            <a:r>
-              <a:rPr lang="de-DE" dirty="0" smtClean="0"/>
-              <a:t> of 2013/11/22</a:t>
+              <a:t>Wrap-up</a:t>
             </a:r>
             <a:endParaRPr lang="de-DE" dirty="0"/>
           </a:p>
@@ -10799,12 +10824,12 @@
       </p:sp>
       <p:sp>
         <p:nvSpPr>
-          <p:cNvPr id="3" name="Inhaltsplatzhalter 2"/>
-          <p:cNvSpPr>
-            <a:spLocks noGrp="1"/>
-          </p:cNvSpPr>
-          <p:nvPr>
-            <p:ph idx="1"/>
+          <p:cNvPr id="5" name="Textplatzhalter 4"/>
+          <p:cNvSpPr>
+            <a:spLocks noGrp="1"/>
+          </p:cNvSpPr>
+          <p:nvPr>
+            <p:ph type="body" idx="1"/>
           </p:nvPr>
         </p:nvSpPr>
         <p:spPr/>
@@ -10812,190 +10837,13 @@
           <a:bodyPr/>
           <a:lstStyle/>
           <a:p>
-            <a:pPr>
-              <a:buFont typeface="Wingdings" charset="2"/>
-              <a:buChar char="ü"/>
-            </a:pPr>
-            <a:r>
-              <a:rPr lang="de-DE" dirty="0" smtClean="0"/>
-              <a:t>Solid </a:t>
-            </a:r>
-            <a:r>
-              <a:rPr lang="de-DE" dirty="0" err="1" smtClean="0"/>
-              <a:t>basis</a:t>
-            </a:r>
-            <a:r>
-              <a:rPr lang="de-DE" dirty="0" smtClean="0"/>
-              <a:t> </a:t>
-            </a:r>
-            <a:r>
-              <a:rPr lang="de-DE" dirty="0" err="1" smtClean="0"/>
-              <a:t>with</a:t>
-            </a:r>
-            <a:r>
-              <a:rPr lang="de-DE" dirty="0" smtClean="0"/>
-              <a:t> Variant (A) </a:t>
-            </a:r>
-            <a:r>
-              <a:rPr lang="de-DE" dirty="0" err="1" smtClean="0"/>
-              <a:t>and</a:t>
-            </a:r>
-            <a:r>
-              <a:rPr lang="de-DE" dirty="0" smtClean="0"/>
-              <a:t> (B)</a:t>
-            </a:r>
-          </a:p>
-          <a:p>
-            <a:r>
-              <a:rPr lang="de-DE" dirty="0" err="1" smtClean="0"/>
-              <a:t>Section</a:t>
-            </a:r>
-            <a:r>
-              <a:rPr lang="de-DE" dirty="0" smtClean="0"/>
-              <a:t> „</a:t>
-            </a:r>
-            <a:r>
-              <a:rPr lang="de-DE" dirty="0" err="1" smtClean="0"/>
-              <a:t>cipher</a:t>
-            </a:r>
-            <a:r>
-              <a:rPr lang="de-DE" dirty="0" smtClean="0"/>
-              <a:t> </a:t>
-            </a:r>
-            <a:r>
-              <a:rPr lang="de-DE" dirty="0" err="1" smtClean="0"/>
-              <a:t>suites</a:t>
-            </a:r>
-            <a:r>
-              <a:rPr lang="de-DE" dirty="0" smtClean="0"/>
-              <a:t>“ still a </a:t>
-            </a:r>
-            <a:r>
-              <a:rPr lang="de-DE" dirty="0" err="1" smtClean="0"/>
-              <a:t>bit</a:t>
-            </a:r>
-            <a:r>
-              <a:rPr lang="de-DE" dirty="0" smtClean="0"/>
-              <a:t> </a:t>
-            </a:r>
-            <a:r>
-              <a:rPr lang="de-DE" dirty="0" err="1" smtClean="0"/>
-              <a:t>messy</a:t>
-            </a:r>
-            <a:r>
-              <a:rPr lang="de-DE" dirty="0" smtClean="0"/>
-              <a:t>, </a:t>
-            </a:r>
-            <a:r>
-              <a:rPr lang="de-DE" dirty="0" err="1" smtClean="0"/>
-              <a:t>needs</a:t>
-            </a:r>
-            <a:r>
-              <a:rPr lang="de-DE" dirty="0" smtClean="0"/>
-              <a:t> </a:t>
-            </a:r>
-            <a:r>
-              <a:rPr lang="de-DE" dirty="0" err="1" smtClean="0"/>
-              <a:t>more</a:t>
-            </a:r>
-            <a:r>
-              <a:rPr lang="de-DE" dirty="0" smtClean="0"/>
-              <a:t> </a:t>
-            </a:r>
-            <a:r>
-              <a:rPr lang="de-DE" dirty="0" err="1" smtClean="0"/>
-              <a:t>work</a:t>
-            </a:r>
-            <a:endParaRPr lang="de-DE" dirty="0" smtClean="0"/>
-          </a:p>
-          <a:p>
-            <a:r>
-              <a:rPr lang="de-DE" dirty="0" err="1" smtClean="0"/>
-              <a:t>Section</a:t>
-            </a:r>
-            <a:r>
-              <a:rPr lang="de-DE" dirty="0" smtClean="0"/>
-              <a:t> „</a:t>
-            </a:r>
-            <a:r>
-              <a:rPr lang="de-DE" dirty="0" err="1" smtClean="0"/>
-              <a:t>practical</a:t>
-            </a:r>
-            <a:r>
-              <a:rPr lang="de-DE" dirty="0" smtClean="0"/>
-              <a:t> </a:t>
-            </a:r>
-            <a:r>
-              <a:rPr lang="de-DE" dirty="0" err="1" smtClean="0"/>
-              <a:t>settings</a:t>
-            </a:r>
-            <a:r>
-              <a:rPr lang="de-DE" dirty="0" smtClean="0"/>
-              <a:t>“ – WIP. Need </a:t>
-            </a:r>
-            <a:r>
-              <a:rPr lang="de-DE" dirty="0" err="1" smtClean="0"/>
-              <a:t>more</a:t>
-            </a:r>
-            <a:r>
-              <a:rPr lang="de-DE" dirty="0" smtClean="0"/>
-              <a:t> </a:t>
-            </a:r>
-            <a:r>
-              <a:rPr lang="de-DE" dirty="0" err="1" smtClean="0"/>
-              <a:t>input</a:t>
-            </a:r>
-            <a:r>
-              <a:rPr lang="de-DE" dirty="0" smtClean="0"/>
-              <a:t> on VPNs, PGP, SSH, IPMI, SIP, XMPP, DBs</a:t>
-            </a:r>
-          </a:p>
-          <a:p>
-            <a:r>
-              <a:rPr lang="de-DE" dirty="0" smtClean="0"/>
-              <a:t>Need </a:t>
-            </a:r>
-            <a:r>
-              <a:rPr lang="de-DE" dirty="0" err="1" smtClean="0"/>
-              <a:t>to</a:t>
-            </a:r>
-            <a:r>
-              <a:rPr lang="de-DE" dirty="0" smtClean="0"/>
-              <a:t> </a:t>
-            </a:r>
-            <a:r>
-              <a:rPr lang="de-DE" dirty="0" err="1" smtClean="0"/>
-              <a:t>build</a:t>
-            </a:r>
-            <a:r>
-              <a:rPr lang="de-DE" dirty="0" smtClean="0"/>
-              <a:t> </a:t>
-            </a:r>
-            <a:r>
-              <a:rPr lang="de-DE" dirty="0" err="1" smtClean="0"/>
-              <a:t>testing</a:t>
-            </a:r>
-            <a:r>
-              <a:rPr lang="de-DE" dirty="0" smtClean="0"/>
-              <a:t> </a:t>
-            </a:r>
-            <a:r>
-              <a:rPr lang="de-DE" dirty="0" err="1" smtClean="0"/>
-              <a:t>setup</a:t>
-            </a:r>
-            <a:r>
-              <a:rPr lang="de-DE" dirty="0" smtClean="0"/>
-              <a:t>?</a:t>
-            </a:r>
-          </a:p>
-          <a:p>
-            <a:endParaRPr lang="de-DE" dirty="0"/>
-          </a:p>
-        </p:txBody>
-      </p:sp>
-      <p:sp>
-        <p:nvSpPr>
-          <p:cNvPr id="4" name="Textfeld 3"/>
+            <a:endParaRPr lang="de-DE"/>
+          </a:p>
+        </p:txBody>
+      </p:sp>
+      <p:sp>
+        <p:nvSpPr>
+          <p:cNvPr id="6" name="Textfeld 5"/>
           <p:cNvSpPr txBox="1"/>
           <p:nvPr/>
         </p:nvSpPr>
@@ -11026,7 +10874,7 @@
     </p:spTree>
     <p:extLst>
       <p:ext uri="{BB962C8B-B14F-4D97-AF65-F5344CB8AC3E}">
-        <p14:creationId xmlns:p14="http://schemas.microsoft.com/office/powerpoint/2010/main" val="51044277"/>
+        <p14:creationId xmlns:p14="http://schemas.microsoft.com/office/powerpoint/2010/main" val="4191511598"/>
       </p:ext>
     </p:extLst>
   </p:cSld>
@@ -11218,18 +11066,194 @@
         </p:nvSpPr>
         <p:spPr/>
         <p:txBody>
-          <a:bodyPr>
-            <a:normAutofit/>
-          </a:bodyPr>
-          <a:lstStyle/>
-          <a:p>
-            <a:r>
-              <a:rPr lang="de-DE" dirty="0" err="1" smtClean="0"/>
-              <a:t>How</a:t>
-            </a:r>
-            <a:r>
-              <a:rPr lang="de-DE" dirty="0" smtClean="0"/>
-              <a:t> </a:t>
+          <a:bodyPr/>
+          <a:lstStyle/>
+          <a:p>
+            <a:r>
+              <a:rPr lang="de-DE" dirty="0" err="1" smtClean="0"/>
+              <a:t>Current</a:t>
+            </a:r>
+            <a:r>
+              <a:rPr lang="de-DE" dirty="0" smtClean="0"/>
+              <a:t> </a:t>
+            </a:r>
+            <a:r>
+              <a:rPr lang="de-DE" dirty="0" err="1" smtClean="0"/>
+              <a:t>state</a:t>
+            </a:r>
+            <a:r>
+              <a:rPr lang="de-DE" dirty="0" smtClean="0"/>
+              <a:t> </a:t>
+            </a:r>
+            <a:r>
+              <a:rPr lang="de-DE" dirty="0" err="1" smtClean="0"/>
+              <a:t>as</a:t>
+            </a:r>
+            <a:r>
+              <a:rPr lang="de-DE" dirty="0" smtClean="0"/>
+              <a:t> of 2013/11/22</a:t>
+            </a:r>
+            <a:endParaRPr lang="de-DE" dirty="0"/>
+          </a:p>
+        </p:txBody>
+      </p:sp>
+      <p:sp>
+        <p:nvSpPr>
+          <p:cNvPr id="3" name="Inhaltsplatzhalter 2"/>
+          <p:cNvSpPr>
+            <a:spLocks noGrp="1"/>
+          </p:cNvSpPr>
+          <p:nvPr>
+            <p:ph idx="1"/>
+          </p:nvPr>
+        </p:nvSpPr>
+        <p:spPr/>
+        <p:txBody>
+          <a:bodyPr/>
+          <a:lstStyle/>
+          <a:p>
+            <a:pPr>
+              <a:buFont typeface="Wingdings" charset="2"/>
+              <a:buChar char="ü"/>
+            </a:pPr>
+            <a:r>
+              <a:rPr lang="de-DE" dirty="0" smtClean="0"/>
+              <a:t>Solid </a:t>
+            </a:r>
+            <a:r>
+              <a:rPr lang="de-DE" dirty="0" err="1" smtClean="0"/>
+              <a:t>basis</a:t>
+            </a:r>
+            <a:r>
+              <a:rPr lang="de-DE" dirty="0" smtClean="0"/>
+              <a:t> </a:t>
+            </a:r>
+            <a:r>
+              <a:rPr lang="de-DE" dirty="0" err="1" smtClean="0"/>
+              <a:t>with</a:t>
+            </a:r>
+            <a:r>
+              <a:rPr lang="de-DE" dirty="0" smtClean="0"/>
+              <a:t> Variant (A) </a:t>
+            </a:r>
+            <a:r>
+              <a:rPr lang="de-DE" dirty="0" err="1" smtClean="0"/>
+              <a:t>and</a:t>
+            </a:r>
+            <a:r>
+              <a:rPr lang="de-DE" dirty="0" smtClean="0"/>
+              <a:t> (B)</a:t>
+            </a:r>
+          </a:p>
+          <a:p>
+            <a:r>
+              <a:rPr lang="de-DE" dirty="0" err="1" smtClean="0"/>
+              <a:t>Section</a:t>
+            </a:r>
+            <a:r>
+              <a:rPr lang="de-DE" dirty="0" smtClean="0"/>
+              <a:t> „</a:t>
+            </a:r>
+            <a:r>
+              <a:rPr lang="de-DE" dirty="0" err="1" smtClean="0"/>
+              <a:t>cipher</a:t>
+            </a:r>
+            <a:r>
+              <a:rPr lang="de-DE" dirty="0" smtClean="0"/>
+              <a:t> </a:t>
+            </a:r>
+            <a:r>
+              <a:rPr lang="de-DE" dirty="0" err="1" smtClean="0"/>
+              <a:t>suites</a:t>
+            </a:r>
+            <a:r>
+              <a:rPr lang="de-DE" dirty="0" smtClean="0"/>
+              <a:t>“ still a </a:t>
+            </a:r>
+            <a:r>
+              <a:rPr lang="de-DE" dirty="0" err="1" smtClean="0"/>
+              <a:t>bit</a:t>
+            </a:r>
+            <a:r>
+              <a:rPr lang="de-DE" dirty="0" smtClean="0"/>
+              <a:t> </a:t>
+            </a:r>
+            <a:r>
+              <a:rPr lang="de-DE" dirty="0" err="1" smtClean="0"/>
+              <a:t>messy</a:t>
+            </a:r>
+            <a:r>
+              <a:rPr lang="de-DE" dirty="0" smtClean="0"/>
+              <a:t>, </a:t>
+            </a:r>
+            <a:r>
+              <a:rPr lang="de-DE" dirty="0" err="1" smtClean="0"/>
+              <a:t>needs</a:t>
+            </a:r>
+            <a:r>
+              <a:rPr lang="de-DE" dirty="0" smtClean="0"/>
+              <a:t> </a:t>
+            </a:r>
+            <a:r>
+              <a:rPr lang="de-DE" dirty="0" err="1" smtClean="0"/>
+              <a:t>more</a:t>
+            </a:r>
+            <a:r>
+              <a:rPr lang="de-DE" dirty="0" smtClean="0"/>
+              <a:t> </a:t>
+            </a:r>
+            <a:r>
+              <a:rPr lang="de-DE" dirty="0" err="1" smtClean="0"/>
+              <a:t>work</a:t>
+            </a:r>
+            <a:endParaRPr lang="de-DE" dirty="0" smtClean="0"/>
+          </a:p>
+          <a:p>
+            <a:r>
+              <a:rPr lang="de-DE" dirty="0" err="1" smtClean="0"/>
+              <a:t>Section</a:t>
+            </a:r>
+            <a:r>
+              <a:rPr lang="de-DE" dirty="0" smtClean="0"/>
+              <a:t> „</a:t>
+            </a:r>
+            <a:r>
+              <a:rPr lang="de-DE" dirty="0" err="1" smtClean="0"/>
+              <a:t>practical</a:t>
+            </a:r>
+            <a:r>
+              <a:rPr lang="de-DE" dirty="0" smtClean="0"/>
+              <a:t> </a:t>
+            </a:r>
+            <a:r>
+              <a:rPr lang="de-DE" dirty="0" err="1" smtClean="0"/>
+              <a:t>settings</a:t>
+            </a:r>
+            <a:r>
+              <a:rPr lang="de-DE" dirty="0" smtClean="0"/>
+              <a:t>“ – WIP. Need </a:t>
+            </a:r>
+            <a:r>
+              <a:rPr lang="de-DE" dirty="0" err="1" smtClean="0"/>
+              <a:t>more</a:t>
+            </a:r>
+            <a:r>
+              <a:rPr lang="de-DE" dirty="0" smtClean="0"/>
+              <a:t> </a:t>
+            </a:r>
+            <a:r>
+              <a:rPr lang="de-DE" dirty="0" err="1" smtClean="0"/>
+              <a:t>input</a:t>
+            </a:r>
+            <a:r>
+              <a:rPr lang="de-DE" dirty="0" smtClean="0"/>
+              <a:t> on VPNs, PGP, SSH, IPMI, SIP, XMPP, DBs</a:t>
+            </a:r>
+          </a:p>
+          <a:p>
+            <a:r>
+              <a:rPr lang="de-DE" dirty="0" smtClean="0"/>
+              <a:t>Need </a:t>
             </a:r>
             <a:r>
               <a:rPr lang="de-DE" dirty="0" err="1" smtClean="0"/>
@@ -11241,413 +11265,31 @@
             </a:r>
             <a:r>
               <a:rPr lang="de-DE" dirty="0" err="1" smtClean="0"/>
-              <a:t>participate</a:t>
-            </a:r>
+              <a:t>build</a:t>
+            </a:r>
+            <a:r>
+              <a:rPr lang="de-DE" dirty="0" smtClean="0"/>
+              <a:t> </a:t>
+            </a:r>
+            <a:r>
+              <a:rPr lang="de-DE" dirty="0" err="1" smtClean="0"/>
+              <a:t>testing</a:t>
+            </a:r>
+            <a:r>
+              <a:rPr lang="de-DE" dirty="0" smtClean="0"/>
+              <a:t> </a:t>
+            </a:r>
+            <a:r>
+              <a:rPr lang="de-DE" dirty="0" err="1" smtClean="0"/>
+              <a:t>setup</a:t>
+            </a:r>
+            <a:r>
+              <a:rPr lang="de-DE" dirty="0" smtClean="0"/>
+              <a:t>?</a:t>
+            </a:r>
+          </a:p>
+          <a:p>
             <a:endParaRPr lang="de-DE" dirty="0"/>
-          </a:p>
-        </p:txBody>
-      </p:sp>
-      <p:sp>
-        <p:nvSpPr>
-          <p:cNvPr id="3" name="Inhaltsplatzhalter 2"/>
-          <p:cNvSpPr>
-            <a:spLocks noGrp="1"/>
-          </p:cNvSpPr>
-          <p:nvPr>
-            <p:ph idx="1"/>
-          </p:nvPr>
-        </p:nvSpPr>
-        <p:spPr/>
-        <p:txBody>
-          <a:bodyPr>
-            <a:normAutofit fontScale="85000" lnSpcReduction="20000"/>
-          </a:bodyPr>
-          <a:lstStyle/>
-          <a:p>
-            <a:pPr marL="514350" indent="-514350">
-              <a:buFont typeface="+mj-lt"/>
-              <a:buAutoNum type="arabicPeriod"/>
-            </a:pPr>
-            <a:r>
-              <a:rPr lang="de-DE" dirty="0" err="1" smtClean="0"/>
-              <a:t>We</a:t>
-            </a:r>
-            <a:r>
-              <a:rPr lang="de-DE" dirty="0" smtClean="0"/>
-              <a:t> </a:t>
-            </a:r>
-            <a:r>
-              <a:rPr lang="de-DE" dirty="0" err="1" smtClean="0"/>
-              <a:t>need</a:t>
-            </a:r>
-            <a:r>
-              <a:rPr lang="de-DE" dirty="0" smtClean="0"/>
-              <a:t>: </a:t>
-            </a:r>
-            <a:r>
-              <a:rPr lang="de-DE" dirty="0" err="1" smtClean="0"/>
-              <a:t>cryptologists</a:t>
-            </a:r>
-            <a:r>
-              <a:rPr lang="de-DE" dirty="0" smtClean="0"/>
-              <a:t>, sysadmins, </a:t>
-            </a:r>
-            <a:r>
-              <a:rPr lang="de-DE" dirty="0" err="1" smtClean="0"/>
-              <a:t>hackers</a:t>
-            </a:r>
-            <a:endParaRPr lang="de-DE" dirty="0" smtClean="0"/>
-          </a:p>
-          <a:p>
-            <a:pPr marL="514350" indent="-514350">
-              <a:buFont typeface="+mj-lt"/>
-              <a:buAutoNum type="arabicPeriod"/>
-            </a:pPr>
-            <a:r>
-              <a:rPr lang="de-DE" dirty="0" smtClean="0"/>
-              <a:t>Read </a:t>
-            </a:r>
-            <a:r>
-              <a:rPr lang="de-DE" dirty="0" err="1" smtClean="0"/>
-              <a:t>the</a:t>
-            </a:r>
-            <a:r>
-              <a:rPr lang="de-DE" dirty="0" smtClean="0"/>
-              <a:t> </a:t>
-            </a:r>
-            <a:r>
-              <a:rPr lang="de-DE" dirty="0" err="1" smtClean="0"/>
-              <a:t>document</a:t>
-            </a:r>
-            <a:r>
-              <a:rPr lang="de-DE" dirty="0" smtClean="0"/>
-              <a:t>, find </a:t>
-            </a:r>
-            <a:r>
-              <a:rPr lang="de-DE" dirty="0" err="1" smtClean="0"/>
-              <a:t>bugs</a:t>
-            </a:r>
-            <a:endParaRPr lang="de-DE" dirty="0" smtClean="0"/>
-          </a:p>
-          <a:p>
-            <a:pPr marL="514350" indent="-514350">
-              <a:buFont typeface="+mj-lt"/>
-              <a:buAutoNum type="arabicPeriod"/>
-            </a:pPr>
-            <a:r>
-              <a:rPr lang="de-DE" dirty="0" err="1" smtClean="0"/>
-              <a:t>Subscribe</a:t>
-            </a:r>
-            <a:r>
-              <a:rPr lang="de-DE" dirty="0" smtClean="0"/>
-              <a:t> </a:t>
-            </a:r>
-            <a:r>
-              <a:rPr lang="de-DE" dirty="0" err="1" smtClean="0"/>
-              <a:t>to</a:t>
-            </a:r>
-            <a:r>
-              <a:rPr lang="de-DE" dirty="0" smtClean="0"/>
-              <a:t> </a:t>
-            </a:r>
-            <a:r>
-              <a:rPr lang="de-DE" dirty="0" err="1" smtClean="0"/>
-              <a:t>the</a:t>
-            </a:r>
-            <a:r>
-              <a:rPr lang="de-DE" dirty="0" smtClean="0"/>
-              <a:t> </a:t>
-            </a:r>
-            <a:r>
-              <a:rPr lang="de-DE" dirty="0" err="1" smtClean="0"/>
-              <a:t>mailing</a:t>
-            </a:r>
-            <a:r>
-              <a:rPr lang="de-DE" dirty="0" smtClean="0"/>
-              <a:t> </a:t>
-            </a:r>
-            <a:r>
-              <a:rPr lang="de-DE" dirty="0" err="1" smtClean="0"/>
-              <a:t>list</a:t>
-            </a:r>
-            <a:endParaRPr lang="de-DE" dirty="0" smtClean="0"/>
-          </a:p>
-          <a:p>
-            <a:pPr marL="514350" indent="-514350">
-              <a:buFont typeface="+mj-lt"/>
-              <a:buAutoNum type="arabicPeriod"/>
-            </a:pPr>
-            <a:r>
-              <a:rPr lang="de-DE" dirty="0" err="1" smtClean="0"/>
-              <a:t>Understand</a:t>
-            </a:r>
-            <a:r>
-              <a:rPr lang="de-DE" dirty="0" smtClean="0"/>
-              <a:t> </a:t>
-            </a:r>
-            <a:r>
-              <a:rPr lang="de-DE" dirty="0" err="1" smtClean="0"/>
-              <a:t>the</a:t>
-            </a:r>
-            <a:r>
-              <a:rPr lang="de-DE" dirty="0" smtClean="0"/>
-              <a:t> </a:t>
-            </a:r>
-            <a:r>
-              <a:rPr lang="de-DE" dirty="0" err="1" smtClean="0"/>
-              <a:t>cipher</a:t>
-            </a:r>
-            <a:r>
-              <a:rPr lang="de-DE" dirty="0" smtClean="0"/>
-              <a:t> </a:t>
-            </a:r>
-            <a:r>
-              <a:rPr lang="de-DE" dirty="0" err="1" smtClean="0"/>
-              <a:t>strings</a:t>
-            </a:r>
-            <a:r>
-              <a:rPr lang="de-DE" dirty="0" smtClean="0"/>
-              <a:t> Variant (A) </a:t>
-            </a:r>
-            <a:r>
-              <a:rPr lang="de-DE" dirty="0" err="1" smtClean="0"/>
-              <a:t>and</a:t>
-            </a:r>
-            <a:r>
-              <a:rPr lang="de-DE" dirty="0" smtClean="0"/>
-              <a:t> (B) </a:t>
-            </a:r>
-            <a:r>
-              <a:rPr lang="de-DE" dirty="0" err="1" smtClean="0"/>
-              <a:t>before</a:t>
-            </a:r>
-            <a:r>
-              <a:rPr lang="de-DE" dirty="0" smtClean="0"/>
-              <a:t> </a:t>
-            </a:r>
-            <a:r>
-              <a:rPr lang="de-DE" dirty="0" err="1" smtClean="0"/>
-              <a:t>proposing</a:t>
-            </a:r>
-            <a:r>
-              <a:rPr lang="de-DE" dirty="0" smtClean="0"/>
-              <a:t> </a:t>
-            </a:r>
-            <a:r>
-              <a:rPr lang="de-DE" dirty="0" err="1" smtClean="0"/>
-              <a:t>some</a:t>
-            </a:r>
-            <a:r>
-              <a:rPr lang="de-DE" dirty="0" smtClean="0"/>
-              <a:t> </a:t>
-            </a:r>
-            <a:r>
-              <a:rPr lang="de-DE" dirty="0" err="1" smtClean="0"/>
-              <a:t>changes</a:t>
-            </a:r>
-            <a:endParaRPr lang="de-DE" dirty="0" smtClean="0"/>
-          </a:p>
-          <a:p>
-            <a:pPr marL="514350" indent="-514350">
-              <a:buFont typeface="+mj-lt"/>
-              <a:buAutoNum type="arabicPeriod"/>
-            </a:pPr>
-            <a:r>
-              <a:rPr lang="de-DE" dirty="0" err="1" smtClean="0"/>
-              <a:t>If</a:t>
-            </a:r>
-            <a:r>
-              <a:rPr lang="de-DE" dirty="0" smtClean="0"/>
-              <a:t> </a:t>
-            </a:r>
-            <a:r>
-              <a:rPr lang="de-DE" dirty="0" err="1" smtClean="0"/>
-              <a:t>you</a:t>
-            </a:r>
-            <a:r>
-              <a:rPr lang="de-DE" dirty="0" smtClean="0"/>
-              <a:t> </a:t>
-            </a:r>
-            <a:r>
-              <a:rPr lang="de-DE" dirty="0" err="1" smtClean="0"/>
-              <a:t>propose</a:t>
-            </a:r>
-            <a:r>
-              <a:rPr lang="de-DE" dirty="0" smtClean="0"/>
-              <a:t> a </a:t>
-            </a:r>
-            <a:r>
-              <a:rPr lang="de-DE" dirty="0" err="1" smtClean="0"/>
-              <a:t>new</a:t>
-            </a:r>
-            <a:r>
-              <a:rPr lang="de-DE" dirty="0" smtClean="0"/>
-              <a:t> </a:t>
-            </a:r>
-            <a:r>
-              <a:rPr lang="de-DE" dirty="0" err="1" smtClean="0"/>
-              <a:t>subsection</a:t>
-            </a:r>
-            <a:r>
-              <a:rPr lang="de-DE" dirty="0" smtClean="0"/>
-              <a:t>, </a:t>
-            </a:r>
-            <a:r>
-              <a:rPr lang="de-DE" dirty="0" err="1" smtClean="0"/>
-              <a:t>make</a:t>
-            </a:r>
-            <a:r>
-              <a:rPr lang="de-DE" dirty="0" smtClean="0"/>
-              <a:t> a sample </a:t>
-            </a:r>
-            <a:r>
-              <a:rPr lang="de-DE" dirty="0" err="1" smtClean="0"/>
-              <a:t>config</a:t>
-            </a:r>
-            <a:r>
-              <a:rPr lang="de-DE" dirty="0" smtClean="0"/>
-              <a:t> </a:t>
-            </a:r>
-            <a:r>
-              <a:rPr lang="de-DE" dirty="0" err="1" smtClean="0"/>
-              <a:t>with</a:t>
-            </a:r>
-            <a:r>
-              <a:rPr lang="de-DE" dirty="0" smtClean="0"/>
-              <a:t> variant (B)</a:t>
-            </a:r>
-            <a:endParaRPr lang="de-DE" dirty="0" smtClean="0"/>
-          </a:p>
-          <a:p>
-            <a:pPr marL="514350" indent="-514350">
-              <a:buFont typeface="+mj-lt"/>
-              <a:buAutoNum type="arabicPeriod"/>
-            </a:pPr>
-            <a:r>
-              <a:rPr lang="de-DE" dirty="0" err="1" smtClean="0"/>
-              <a:t>Git</a:t>
-            </a:r>
-            <a:r>
-              <a:rPr lang="de-DE" dirty="0" smtClean="0"/>
-              <a:t> </a:t>
-            </a:r>
-            <a:r>
-              <a:rPr lang="de-DE" dirty="0" err="1" smtClean="0"/>
-              <a:t>repo</a:t>
-            </a:r>
-            <a:r>
-              <a:rPr lang="de-DE" dirty="0" smtClean="0"/>
-              <a:t> </a:t>
-            </a:r>
-            <a:r>
-              <a:rPr lang="de-DE" dirty="0" err="1" smtClean="0"/>
-              <a:t>is</a:t>
-            </a:r>
-            <a:r>
-              <a:rPr lang="de-DE" dirty="0" smtClean="0"/>
-              <a:t> </a:t>
-            </a:r>
-            <a:r>
-              <a:rPr lang="de-DE" dirty="0" err="1" smtClean="0"/>
-              <a:t>world</a:t>
-            </a:r>
-            <a:r>
-              <a:rPr lang="de-DE" dirty="0" err="1" smtClean="0"/>
-              <a:t>-</a:t>
-            </a:r>
-            <a:r>
-              <a:rPr lang="de-DE" dirty="0" err="1" smtClean="0"/>
-              <a:t>readable</a:t>
-            </a:r>
-            <a:endParaRPr lang="de-DE" dirty="0" smtClean="0"/>
-          </a:p>
-          <a:p>
-            <a:pPr marL="514350" indent="-514350">
-              <a:buFont typeface="+mj-lt"/>
-              <a:buAutoNum type="arabicPeriod"/>
-            </a:pPr>
-            <a:r>
-              <a:rPr lang="de-DE" dirty="0" err="1" smtClean="0"/>
-              <a:t>We</a:t>
-            </a:r>
-            <a:r>
-              <a:rPr lang="de-DE" dirty="0" smtClean="0"/>
-              <a:t> </a:t>
-            </a:r>
-            <a:r>
-              <a:rPr lang="de-DE" dirty="0" err="1" smtClean="0"/>
-              <a:t>need</a:t>
-            </a:r>
-            <a:r>
-              <a:rPr lang="de-DE" dirty="0" smtClean="0"/>
-              <a:t>: </a:t>
-            </a:r>
-          </a:p>
-          <a:p>
-            <a:pPr marL="914400" lvl="1" indent="-514350">
-              <a:buFont typeface="+mj-lt"/>
-              <a:buAutoNum type="arabicPeriod"/>
-            </a:pPr>
-            <a:r>
-              <a:rPr lang="de-DE" dirty="0" smtClean="0"/>
-              <a:t>Add a </a:t>
-            </a:r>
-            <a:r>
-              <a:rPr lang="de-DE" dirty="0" err="1" smtClean="0"/>
-              <a:t>subsection</a:t>
-            </a:r>
-            <a:r>
-              <a:rPr lang="de-DE" dirty="0" smtClean="0"/>
-              <a:t> </a:t>
-            </a:r>
-            <a:r>
-              <a:rPr lang="de-DE" dirty="0" err="1" smtClean="0"/>
-              <a:t>from</a:t>
-            </a:r>
-            <a:r>
-              <a:rPr lang="de-DE" dirty="0" smtClean="0"/>
-              <a:t> </a:t>
-            </a:r>
-            <a:r>
-              <a:rPr lang="de-DE" dirty="0" err="1" smtClean="0"/>
-              <a:t>the</a:t>
-            </a:r>
-            <a:r>
-              <a:rPr lang="de-DE" dirty="0" smtClean="0"/>
-              <a:t> TODO </a:t>
-            </a:r>
-            <a:r>
-              <a:rPr lang="de-DE" dirty="0" err="1" smtClean="0"/>
-              <a:t>list</a:t>
-            </a:r>
-            <a:endParaRPr lang="de-DE" dirty="0" smtClean="0"/>
-          </a:p>
-          <a:p>
-            <a:pPr marL="914400" lvl="1" indent="-514350">
-              <a:buFont typeface="+mj-lt"/>
-              <a:buAutoNum type="arabicPeriod"/>
-            </a:pPr>
-            <a:r>
-              <a:rPr lang="de-DE" b="1" dirty="0" err="1" smtClean="0">
-                <a:solidFill>
-                  <a:srgbClr val="008000"/>
-                </a:solidFill>
-              </a:rPr>
-              <a:t>Reviewers</a:t>
-            </a:r>
-            <a:r>
-              <a:rPr lang="de-DE" b="1" dirty="0" smtClean="0">
-                <a:solidFill>
-                  <a:srgbClr val="008000"/>
-                </a:solidFill>
-              </a:rPr>
-              <a:t>!</a:t>
-            </a:r>
-            <a:endParaRPr lang="de-DE" b="1" dirty="0" smtClean="0">
-              <a:solidFill>
-                <a:srgbClr val="008000"/>
-              </a:solidFill>
-            </a:endParaRPr>
           </a:p>
         </p:txBody>
       </p:sp>
@@ -11684,7 +11326,7 @@
     </p:spTree>
     <p:extLst>
       <p:ext uri="{BB962C8B-B14F-4D97-AF65-F5344CB8AC3E}">
-        <p14:creationId xmlns:p14="http://schemas.microsoft.com/office/powerpoint/2010/main" val="976292356"/>
+        <p14:creationId xmlns:p14="http://schemas.microsoft.com/office/powerpoint/2010/main" val="51044277"/>
       </p:ext>
     </p:extLst>
   </p:cSld>
@@ -11730,6 +11372,518 @@
         </p:nvSpPr>
         <p:spPr/>
         <p:txBody>
+          <a:bodyPr>
+            <a:normAutofit/>
+          </a:bodyPr>
+          <a:lstStyle/>
+          <a:p>
+            <a:r>
+              <a:rPr lang="de-DE" dirty="0" err="1" smtClean="0"/>
+              <a:t>How</a:t>
+            </a:r>
+            <a:r>
+              <a:rPr lang="de-DE" dirty="0" smtClean="0"/>
+              <a:t> </a:t>
+            </a:r>
+            <a:r>
+              <a:rPr lang="de-DE" dirty="0" err="1" smtClean="0"/>
+              <a:t>to</a:t>
+            </a:r>
+            <a:r>
+              <a:rPr lang="de-DE" dirty="0" smtClean="0"/>
+              <a:t> </a:t>
+            </a:r>
+            <a:r>
+              <a:rPr lang="de-DE" dirty="0" err="1" smtClean="0"/>
+              <a:t>participate</a:t>
+            </a:r>
+            <a:endParaRPr lang="de-DE" dirty="0"/>
+          </a:p>
+        </p:txBody>
+      </p:sp>
+      <p:sp>
+        <p:nvSpPr>
+          <p:cNvPr id="3" name="Inhaltsplatzhalter 2"/>
+          <p:cNvSpPr>
+            <a:spLocks noGrp="1"/>
+          </p:cNvSpPr>
+          <p:nvPr>
+            <p:ph idx="1"/>
+          </p:nvPr>
+        </p:nvSpPr>
+        <p:spPr/>
+        <p:txBody>
+          <a:bodyPr>
+            <a:normAutofit fontScale="85000" lnSpcReduction="20000"/>
+          </a:bodyPr>
+          <a:lstStyle/>
+          <a:p>
+            <a:pPr marL="514350" indent="-514350">
+              <a:buFont typeface="+mj-lt"/>
+              <a:buAutoNum type="arabicPeriod"/>
+            </a:pPr>
+            <a:r>
+              <a:rPr lang="de-DE" dirty="0" err="1" smtClean="0"/>
+              <a:t>We</a:t>
+            </a:r>
+            <a:r>
+              <a:rPr lang="de-DE" dirty="0" smtClean="0"/>
+              <a:t> </a:t>
+            </a:r>
+            <a:r>
+              <a:rPr lang="de-DE" dirty="0" err="1" smtClean="0"/>
+              <a:t>need</a:t>
+            </a:r>
+            <a:r>
+              <a:rPr lang="de-DE" dirty="0" smtClean="0"/>
+              <a:t>: </a:t>
+            </a:r>
+            <a:r>
+              <a:rPr lang="de-DE" dirty="0" err="1" smtClean="0"/>
+              <a:t>cryptologists</a:t>
+            </a:r>
+            <a:r>
+              <a:rPr lang="de-DE" dirty="0" smtClean="0"/>
+              <a:t>, sysadmins, </a:t>
+            </a:r>
+            <a:r>
+              <a:rPr lang="de-DE" dirty="0" err="1" smtClean="0"/>
+              <a:t>hackers</a:t>
+            </a:r>
+            <a:endParaRPr lang="de-DE" dirty="0" smtClean="0"/>
+          </a:p>
+          <a:p>
+            <a:pPr marL="514350" indent="-514350">
+              <a:buFont typeface="+mj-lt"/>
+              <a:buAutoNum type="arabicPeriod"/>
+            </a:pPr>
+            <a:r>
+              <a:rPr lang="de-DE" dirty="0" smtClean="0"/>
+              <a:t>Read </a:t>
+            </a:r>
+            <a:r>
+              <a:rPr lang="de-DE" dirty="0" err="1" smtClean="0"/>
+              <a:t>the</a:t>
+            </a:r>
+            <a:r>
+              <a:rPr lang="de-DE" dirty="0" smtClean="0"/>
+              <a:t> </a:t>
+            </a:r>
+            <a:r>
+              <a:rPr lang="de-DE" dirty="0" err="1" smtClean="0"/>
+              <a:t>document</a:t>
+            </a:r>
+            <a:r>
+              <a:rPr lang="de-DE" dirty="0" smtClean="0"/>
+              <a:t>, find </a:t>
+            </a:r>
+            <a:r>
+              <a:rPr lang="de-DE" dirty="0" err="1" smtClean="0"/>
+              <a:t>bugs</a:t>
+            </a:r>
+            <a:endParaRPr lang="de-DE" dirty="0" smtClean="0"/>
+          </a:p>
+          <a:p>
+            <a:pPr marL="514350" indent="-514350">
+              <a:buFont typeface="+mj-lt"/>
+              <a:buAutoNum type="arabicPeriod"/>
+            </a:pPr>
+            <a:r>
+              <a:rPr lang="de-DE" dirty="0" err="1" smtClean="0"/>
+              <a:t>Subscribe</a:t>
+            </a:r>
+            <a:r>
+              <a:rPr lang="de-DE" dirty="0" smtClean="0"/>
+              <a:t> </a:t>
+            </a:r>
+            <a:r>
+              <a:rPr lang="de-DE" dirty="0" err="1" smtClean="0"/>
+              <a:t>to</a:t>
+            </a:r>
+            <a:r>
+              <a:rPr lang="de-DE" dirty="0" smtClean="0"/>
+              <a:t> </a:t>
+            </a:r>
+            <a:r>
+              <a:rPr lang="de-DE" dirty="0" err="1" smtClean="0"/>
+              <a:t>the</a:t>
+            </a:r>
+            <a:r>
+              <a:rPr lang="de-DE" dirty="0" smtClean="0"/>
+              <a:t> </a:t>
+            </a:r>
+            <a:r>
+              <a:rPr lang="de-DE" dirty="0" err="1" smtClean="0"/>
+              <a:t>mailing</a:t>
+            </a:r>
+            <a:r>
+              <a:rPr lang="de-DE" dirty="0" smtClean="0"/>
+              <a:t> </a:t>
+            </a:r>
+            <a:r>
+              <a:rPr lang="de-DE" dirty="0" err="1" smtClean="0"/>
+              <a:t>list</a:t>
+            </a:r>
+            <a:endParaRPr lang="de-DE" dirty="0" smtClean="0"/>
+          </a:p>
+          <a:p>
+            <a:pPr marL="514350" indent="-514350">
+              <a:buFont typeface="+mj-lt"/>
+              <a:buAutoNum type="arabicPeriod"/>
+            </a:pPr>
+            <a:r>
+              <a:rPr lang="de-DE" dirty="0" err="1" smtClean="0"/>
+              <a:t>Understand</a:t>
+            </a:r>
+            <a:r>
+              <a:rPr lang="de-DE" dirty="0" smtClean="0"/>
+              <a:t> </a:t>
+            </a:r>
+            <a:r>
+              <a:rPr lang="de-DE" dirty="0" err="1" smtClean="0"/>
+              <a:t>the</a:t>
+            </a:r>
+            <a:r>
+              <a:rPr lang="de-DE" dirty="0" smtClean="0"/>
+              <a:t> </a:t>
+            </a:r>
+            <a:r>
+              <a:rPr lang="de-DE" dirty="0" err="1" smtClean="0"/>
+              <a:t>cipher</a:t>
+            </a:r>
+            <a:r>
+              <a:rPr lang="de-DE" dirty="0" smtClean="0"/>
+              <a:t> </a:t>
+            </a:r>
+            <a:r>
+              <a:rPr lang="de-DE" dirty="0" err="1" smtClean="0"/>
+              <a:t>strings</a:t>
+            </a:r>
+            <a:r>
+              <a:rPr lang="de-DE" dirty="0" smtClean="0"/>
+              <a:t> Variant (A) </a:t>
+            </a:r>
+            <a:r>
+              <a:rPr lang="de-DE" dirty="0" err="1" smtClean="0"/>
+              <a:t>and</a:t>
+            </a:r>
+            <a:r>
+              <a:rPr lang="de-DE" dirty="0" smtClean="0"/>
+              <a:t> (B) </a:t>
+            </a:r>
+            <a:r>
+              <a:rPr lang="de-DE" dirty="0" err="1" smtClean="0"/>
+              <a:t>before</a:t>
+            </a:r>
+            <a:r>
+              <a:rPr lang="de-DE" dirty="0" smtClean="0"/>
+              <a:t> </a:t>
+            </a:r>
+            <a:r>
+              <a:rPr lang="de-DE" dirty="0" err="1" smtClean="0"/>
+              <a:t>proposing</a:t>
+            </a:r>
+            <a:r>
+              <a:rPr lang="de-DE" dirty="0" smtClean="0"/>
+              <a:t> </a:t>
+            </a:r>
+            <a:r>
+              <a:rPr lang="de-DE" dirty="0" err="1" smtClean="0"/>
+              <a:t>some</a:t>
+            </a:r>
+            <a:r>
+              <a:rPr lang="de-DE" dirty="0" smtClean="0"/>
+              <a:t> </a:t>
+            </a:r>
+            <a:r>
+              <a:rPr lang="de-DE" dirty="0" err="1" smtClean="0"/>
+              <a:t>changes</a:t>
+            </a:r>
+            <a:endParaRPr lang="de-DE" dirty="0" smtClean="0"/>
+          </a:p>
+          <a:p>
+            <a:pPr marL="514350" indent="-514350">
+              <a:buFont typeface="+mj-lt"/>
+              <a:buAutoNum type="arabicPeriod"/>
+            </a:pPr>
+            <a:r>
+              <a:rPr lang="de-DE" dirty="0" err="1" smtClean="0"/>
+              <a:t>If</a:t>
+            </a:r>
+            <a:r>
+              <a:rPr lang="de-DE" dirty="0" smtClean="0"/>
+              <a:t> </a:t>
+            </a:r>
+            <a:r>
+              <a:rPr lang="de-DE" dirty="0" err="1" smtClean="0"/>
+              <a:t>you</a:t>
+            </a:r>
+            <a:r>
+              <a:rPr lang="de-DE" dirty="0" smtClean="0"/>
+              <a:t> </a:t>
+            </a:r>
+            <a:r>
+              <a:rPr lang="de-DE" dirty="0" err="1" smtClean="0"/>
+              <a:t>propose</a:t>
+            </a:r>
+            <a:r>
+              <a:rPr lang="de-DE" dirty="0" smtClean="0"/>
+              <a:t> a </a:t>
+            </a:r>
+            <a:r>
+              <a:rPr lang="de-DE" dirty="0" err="1" smtClean="0"/>
+              <a:t>new</a:t>
+            </a:r>
+            <a:r>
+              <a:rPr lang="de-DE" dirty="0" smtClean="0"/>
+              <a:t> </a:t>
+            </a:r>
+            <a:r>
+              <a:rPr lang="de-DE" dirty="0" err="1" smtClean="0"/>
+              <a:t>subsection</a:t>
+            </a:r>
+            <a:r>
+              <a:rPr lang="de-DE" dirty="0" smtClean="0"/>
+              <a:t>, </a:t>
+            </a:r>
+            <a:r>
+              <a:rPr lang="de-DE" dirty="0" err="1" smtClean="0"/>
+              <a:t>make</a:t>
+            </a:r>
+            <a:r>
+              <a:rPr lang="de-DE" dirty="0" smtClean="0"/>
+              <a:t> a sample </a:t>
+            </a:r>
+            <a:r>
+              <a:rPr lang="de-DE" dirty="0" err="1" smtClean="0"/>
+              <a:t>config</a:t>
+            </a:r>
+            <a:r>
+              <a:rPr lang="de-DE" dirty="0" smtClean="0"/>
+              <a:t> </a:t>
+            </a:r>
+            <a:r>
+              <a:rPr lang="de-DE" dirty="0" err="1" smtClean="0"/>
+              <a:t>with</a:t>
+            </a:r>
+            <a:r>
+              <a:rPr lang="de-DE" dirty="0" smtClean="0"/>
+              <a:t> variant (B)</a:t>
+            </a:r>
+            <a:endParaRPr lang="de-DE" dirty="0" smtClean="0"/>
+          </a:p>
+          <a:p>
+            <a:pPr marL="514350" indent="-514350">
+              <a:buFont typeface="+mj-lt"/>
+              <a:buAutoNum type="arabicPeriod"/>
+            </a:pPr>
+            <a:r>
+              <a:rPr lang="de-DE" dirty="0" err="1" smtClean="0"/>
+              <a:t>Git</a:t>
+            </a:r>
+            <a:r>
+              <a:rPr lang="de-DE" dirty="0" smtClean="0"/>
+              <a:t> </a:t>
+            </a:r>
+            <a:r>
+              <a:rPr lang="de-DE" dirty="0" err="1" smtClean="0"/>
+              <a:t>repo</a:t>
+            </a:r>
+            <a:r>
+              <a:rPr lang="de-DE" dirty="0" smtClean="0"/>
+              <a:t> </a:t>
+            </a:r>
+            <a:r>
+              <a:rPr lang="de-DE" dirty="0" err="1" smtClean="0"/>
+              <a:t>is</a:t>
+            </a:r>
+            <a:r>
+              <a:rPr lang="de-DE" dirty="0" smtClean="0"/>
+              <a:t> </a:t>
+            </a:r>
+            <a:r>
+              <a:rPr lang="de-DE" dirty="0" err="1" smtClean="0"/>
+              <a:t>world</a:t>
+            </a:r>
+            <a:r>
+              <a:rPr lang="de-DE" dirty="0" err="1" smtClean="0"/>
+              <a:t>-</a:t>
+            </a:r>
+            <a:r>
+              <a:rPr lang="de-DE" dirty="0" err="1" smtClean="0"/>
+              <a:t>readable</a:t>
+            </a:r>
+            <a:endParaRPr lang="de-DE" dirty="0" smtClean="0"/>
+          </a:p>
+          <a:p>
+            <a:pPr marL="514350" indent="-514350">
+              <a:buFont typeface="+mj-lt"/>
+              <a:buAutoNum type="arabicPeriod"/>
+            </a:pPr>
+            <a:r>
+              <a:rPr lang="de-DE" dirty="0" err="1" smtClean="0"/>
+              <a:t>We</a:t>
+            </a:r>
+            <a:r>
+              <a:rPr lang="de-DE" dirty="0" smtClean="0"/>
+              <a:t> </a:t>
+            </a:r>
+            <a:r>
+              <a:rPr lang="de-DE" dirty="0" err="1" smtClean="0"/>
+              <a:t>need</a:t>
+            </a:r>
+            <a:r>
+              <a:rPr lang="de-DE" dirty="0" smtClean="0"/>
+              <a:t>: </a:t>
+            </a:r>
+          </a:p>
+          <a:p>
+            <a:pPr marL="914400" lvl="1" indent="-514350">
+              <a:buFont typeface="+mj-lt"/>
+              <a:buAutoNum type="arabicPeriod"/>
+            </a:pPr>
+            <a:r>
+              <a:rPr lang="de-DE" dirty="0" smtClean="0"/>
+              <a:t>Add a </a:t>
+            </a:r>
+            <a:r>
+              <a:rPr lang="de-DE" dirty="0" err="1" smtClean="0"/>
+              <a:t>subsection</a:t>
+            </a:r>
+            <a:r>
+              <a:rPr lang="de-DE" dirty="0" smtClean="0"/>
+              <a:t> </a:t>
+            </a:r>
+            <a:r>
+              <a:rPr lang="de-DE" dirty="0" err="1" smtClean="0"/>
+              <a:t>from</a:t>
+            </a:r>
+            <a:r>
+              <a:rPr lang="de-DE" dirty="0" smtClean="0"/>
+              <a:t> </a:t>
+            </a:r>
+            <a:r>
+              <a:rPr lang="de-DE" dirty="0" err="1" smtClean="0"/>
+              <a:t>the</a:t>
+            </a:r>
+            <a:r>
+              <a:rPr lang="de-DE" dirty="0" smtClean="0"/>
+              <a:t> TODO </a:t>
+            </a:r>
+            <a:r>
+              <a:rPr lang="de-DE" dirty="0" err="1" smtClean="0"/>
+              <a:t>list</a:t>
+            </a:r>
+            <a:endParaRPr lang="de-DE" dirty="0" smtClean="0"/>
+          </a:p>
+          <a:p>
+            <a:pPr marL="914400" lvl="1" indent="-514350">
+              <a:buFont typeface="+mj-lt"/>
+              <a:buAutoNum type="arabicPeriod"/>
+            </a:pPr>
+            <a:r>
+              <a:rPr lang="de-DE" b="1" dirty="0" err="1" smtClean="0">
+                <a:solidFill>
+                  <a:srgbClr val="008000"/>
+                </a:solidFill>
+              </a:rPr>
+              <a:t>Reviewers</a:t>
+            </a:r>
+            <a:r>
+              <a:rPr lang="de-DE" b="1" dirty="0" smtClean="0">
+                <a:solidFill>
+                  <a:srgbClr val="008000"/>
+                </a:solidFill>
+              </a:rPr>
+              <a:t>!</a:t>
+            </a:r>
+            <a:endParaRPr lang="de-DE" b="1" dirty="0" smtClean="0">
+              <a:solidFill>
+                <a:srgbClr val="008000"/>
+              </a:solidFill>
+            </a:endParaRPr>
+          </a:p>
+        </p:txBody>
+      </p:sp>
+      <p:sp>
+        <p:nvSpPr>
+          <p:cNvPr id="4" name="Textfeld 3"/>
+          <p:cNvSpPr txBox="1"/>
+          <p:nvPr/>
+        </p:nvSpPr>
+        <p:spPr>
+          <a:xfrm>
+            <a:off x="7297503" y="6126163"/>
+            <a:ext cx="1389297" cy="369332"/>
+          </a:xfrm>
+          <a:prstGeom prst="rect">
+            <a:avLst/>
+          </a:prstGeom>
+          <a:noFill/>
+        </p:spPr>
+        <p:txBody>
+          <a:bodyPr wrap="square" rtlCol="0">
+            <a:spAutoFit/>
+          </a:bodyPr>
+          <a:lstStyle/>
+          <a:p>
+            <a:r>
+              <a:rPr lang="de-DE" dirty="0" smtClean="0"/>
+              <a:t>Aaron</a:t>
+            </a:r>
+            <a:endParaRPr lang="de-DE" dirty="0"/>
+          </a:p>
+        </p:txBody>
+      </p:sp>
+    </p:spTree>
+    <p:extLst>
+      <p:ext uri="{BB962C8B-B14F-4D97-AF65-F5344CB8AC3E}">
+        <p14:creationId xmlns:p14="http://schemas.microsoft.com/office/powerpoint/2010/main" val="976292356"/>
+      </p:ext>
+    </p:extLst>
+  </p:cSld>
+  <p:clrMapOvr>
+    <a:masterClrMapping/>
+  </p:clrMapOvr>
+  <p:timing>
+    <p:tnLst>
+      <p:par>
+        <p:cTn xmlns:p14="http://schemas.microsoft.com/office/powerpoint/2010/main" id="1" dur="indefinite" restart="never" nodeType="tmRoot"/>
+      </p:par>
+    </p:tnLst>
+  </p:timing>
+</p:sld>
+</file>
+
+<file path=ppt/slides/slide42.xml><?xml version="1.0" encoding="utf-8"?>
+<p:sld xmlns:a="http://schemas.openxmlformats.org/drawingml/2006/main" xmlns:r="http://schemas.openxmlformats.org/officeDocument/2006/relationships" xmlns:p="http://schemas.openxmlformats.org/presentationml/2006/main">
+  <p:cSld>
+    <p:spTree>
+      <p:nvGrpSpPr>
+        <p:cNvPr id="1" name=""/>
+        <p:cNvGrpSpPr/>
+        <p:nvPr/>
+      </p:nvGrpSpPr>
+      <p:grpSpPr>
+        <a:xfrm>
+          <a:off x="0" y="0"/>
+          <a:ext cx="0" cy="0"/>
+          <a:chOff x="0" y="0"/>
+          <a:chExt cx="0" cy="0"/>
+        </a:xfrm>
+      </p:grpSpPr>
+      <p:sp>
+        <p:nvSpPr>
+          <p:cNvPr id="2" name="Titel 1"/>
+          <p:cNvSpPr>
+            <a:spLocks noGrp="1"/>
+          </p:cNvSpPr>
+          <p:nvPr>
+            <p:ph type="title"/>
+          </p:nvPr>
+        </p:nvSpPr>
+        <p:spPr/>
+        <p:txBody>
           <a:bodyPr/>
           <a:lstStyle/>
           <a:p>
@@ -11884,7 +12038,7 @@
 </p:sld>
 </file>
 
-<file path=ppt/slides/slide42.xml><?xml version="1.0" encoding="utf-8"?>
+<file path=ppt/slides/slide43.xml><?xml version="1.0" encoding="utf-8"?>
 <p:sld xmlns:a="http://schemas.openxmlformats.org/drawingml/2006/main" xmlns:r="http://schemas.openxmlformats.org/officeDocument/2006/relationships" xmlns:p="http://schemas.openxmlformats.org/presentationml/2006/main">
   <p:cSld>
     <p:spTree>

--- a/presentations/20131122-Deepsec-ACH project.pptx
+++ b/presentations/20131122-Deepsec-ACH project.pptx
@@ -5675,6 +5675,13 @@
   <p:clrMapOvr>
     <a:masterClrMapping/>
   </p:clrMapOvr>
+  <p:timing>
+    <p:tnLst>
+      <p:par>
+        <p:cTn xmlns:p14="http://schemas.microsoft.com/office/powerpoint/2010/main" id="1" dur="indefinite" restart="never" nodeType="tmRoot"/>
+      </p:par>
+    </p:tnLst>
+  </p:timing>
 </p:sld>
 </file>
 
@@ -5777,6 +5784,13 @@
   <p:clrMapOvr>
     <a:masterClrMapping/>
   </p:clrMapOvr>
+  <p:timing>
+    <p:tnLst>
+      <p:par>
+        <p:cTn xmlns:p14="http://schemas.microsoft.com/office/powerpoint/2010/main" id="1" dur="indefinite" restart="never" nodeType="tmRoot"/>
+      </p:par>
+    </p:tnLst>
+  </p:timing>
 </p:sld>
 </file>
 
@@ -6107,6 +6121,13 @@
   <p:clrMapOvr>
     <a:masterClrMapping/>
   </p:clrMapOvr>
+  <p:timing>
+    <p:tnLst>
+      <p:par>
+        <p:cTn xmlns:p14="http://schemas.microsoft.com/office/powerpoint/2010/main" id="1" dur="indefinite" restart="never" nodeType="tmRoot"/>
+      </p:par>
+    </p:tnLst>
+  </p:timing>
 </p:sld>
 </file>
 
@@ -6328,6 +6349,13 @@
   <p:clrMapOvr>
     <a:masterClrMapping/>
   </p:clrMapOvr>
+  <p:timing>
+    <p:tnLst>
+      <p:par>
+        <p:cTn xmlns:p14="http://schemas.microsoft.com/office/powerpoint/2010/main" id="1" dur="indefinite" restart="never" nodeType="tmRoot"/>
+      </p:par>
+    </p:tnLst>
+  </p:timing>
 </p:sld>
 </file>
 
@@ -6517,6 +6545,13 @@
   <p:clrMapOvr>
     <a:masterClrMapping/>
   </p:clrMapOvr>
+  <p:timing>
+    <p:tnLst>
+      <p:par>
+        <p:cTn xmlns:p14="http://schemas.microsoft.com/office/powerpoint/2010/main" id="1" dur="indefinite" restart="never" nodeType="tmRoot"/>
+      </p:par>
+    </p:tnLst>
+  </p:timing>
 </p:sld>
 </file>
 
@@ -7128,6 +7163,13 @@
   <p:clrMapOvr>
     <a:masterClrMapping/>
   </p:clrMapOvr>
+  <p:timing>
+    <p:tnLst>
+      <p:par>
+        <p:cTn xmlns:p14="http://schemas.microsoft.com/office/powerpoint/2010/main" id="1" dur="indefinite" restart="never" nodeType="tmRoot"/>
+      </p:par>
+    </p:tnLst>
+  </p:timing>
 </p:sld>
 </file>
 
@@ -8180,7 +8222,31 @@
             </a:r>
             <a:r>
               <a:rPr lang="de-DE" dirty="0" smtClean="0"/>
-              <a:t> server?</a:t>
+              <a:t> server </a:t>
+            </a:r>
+            <a:r>
+              <a:rPr lang="de-DE" dirty="0" err="1" smtClean="0"/>
+              <a:t>for</a:t>
+            </a:r>
+            <a:r>
+              <a:rPr lang="de-DE" dirty="0" smtClean="0"/>
+              <a:t> a </a:t>
+            </a:r>
+            <a:r>
+              <a:rPr lang="de-DE" dirty="0" err="1" smtClean="0"/>
+              <a:t>newer</a:t>
+            </a:r>
+            <a:r>
+              <a:rPr lang="de-DE" dirty="0" smtClean="0"/>
+              <a:t> </a:t>
+            </a:r>
+            <a:r>
+              <a:rPr lang="de-DE" dirty="0" err="1" smtClean="0"/>
+              <a:t>version</a:t>
+            </a:r>
+            <a:r>
+              <a:rPr lang="de-DE" dirty="0" smtClean="0"/>
+              <a:t>?</a:t>
             </a:r>
           </a:p>
           <a:p>
@@ -11034,6 +11100,13 @@
   <p:clrMapOvr>
     <a:masterClrMapping/>
   </p:clrMapOvr>
+  <p:timing>
+    <p:tnLst>
+      <p:par>
+        <p:cTn xmlns:p14="http://schemas.microsoft.com/office/powerpoint/2010/main" id="1" dur="indefinite" restart="never" nodeType="tmRoot"/>
+      </p:par>
+    </p:tnLst>
+  </p:timing>
 </p:sld>
 </file>
 
@@ -11144,6 +11217,41 @@
               <a:rPr lang="de-DE" dirty="0" smtClean="0"/>
               <a:t> (B)</a:t>
             </a:r>
+          </a:p>
+          <a:p>
+            <a:pPr>
+              <a:buFont typeface="Wingdings" charset="2"/>
+              <a:buChar char="ü"/>
+            </a:pPr>
+            <a:r>
+              <a:rPr lang="de-DE" dirty="0" err="1" smtClean="0"/>
+              <a:t>ToC</a:t>
+            </a:r>
+            <a:r>
+              <a:rPr lang="de-DE" dirty="0" smtClean="0"/>
+              <a:t> </a:t>
+            </a:r>
+            <a:r>
+              <a:rPr lang="de-DE" dirty="0" err="1" smtClean="0"/>
+              <a:t>is</a:t>
+            </a:r>
+            <a:r>
+              <a:rPr lang="de-DE" dirty="0" smtClean="0"/>
+              <a:t> in </a:t>
+            </a:r>
+            <a:r>
+              <a:rPr lang="de-DE" dirty="0" err="1" smtClean="0"/>
+              <a:t>freeze</a:t>
+            </a:r>
+            <a:r>
+              <a:rPr lang="de-DE" dirty="0" smtClean="0"/>
+              <a:t> </a:t>
+            </a:r>
+            <a:r>
+              <a:rPr lang="de-DE" dirty="0" err="1" smtClean="0"/>
+              <a:t>state</a:t>
+            </a:r>
+            <a:endParaRPr lang="de-DE" dirty="0" smtClean="0"/>
           </a:p>
           <a:p>
             <a:r>
@@ -11624,19 +11732,27 @@
             </a:r>
             <a:r>
               <a:rPr lang="de-DE" dirty="0" err="1" smtClean="0"/>
-              <a:t>propose</a:t>
+              <a:t>add</a:t>
+            </a:r>
+            <a:r>
+              <a:rPr lang="de-DE" dirty="0" smtClean="0"/>
+              <a:t> </a:t>
+            </a:r>
+            <a:r>
+              <a:rPr lang="de-DE" dirty="0" err="1" smtClean="0"/>
+              <a:t>content</a:t>
+            </a:r>
+            <a:r>
+              <a:rPr lang="de-DE" dirty="0" smtClean="0"/>
+              <a:t> </a:t>
+            </a:r>
+            <a:r>
+              <a:rPr lang="de-DE" dirty="0" err="1" smtClean="0"/>
+              <a:t>to</a:t>
             </a:r>
             <a:r>
               <a:rPr lang="de-DE" dirty="0" smtClean="0"/>
               <a:t> a </a:t>
-            </a:r>
-            <a:r>
-              <a:rPr lang="de-DE" dirty="0" err="1" smtClean="0"/>
-              <a:t>new</a:t>
-            </a:r>
-            <a:r>
-              <a:rPr lang="de-DE" dirty="0" smtClean="0"/>
-              <a:t> </a:t>
             </a:r>
             <a:r>
               <a:rPr lang="de-DE" dirty="0" err="1" smtClean="0"/>
@@ -12271,6 +12387,13 @@
   <p:clrMapOvr>
     <a:masterClrMapping/>
   </p:clrMapOvr>
+  <p:timing>
+    <p:tnLst>
+      <p:par>
+        <p:cTn xmlns:p14="http://schemas.microsoft.com/office/powerpoint/2010/main" id="1" dur="indefinite" restart="never" nodeType="tmRoot"/>
+      </p:par>
+    </p:tnLst>
+  </p:timing>
 </p:sld>
 </file>
 
@@ -13079,36 +13202,6 @@
               </a:rPr>
               <a:t>!</a:t>
             </a:r>
-          </a:p>
-        </p:txBody>
-      </p:sp>
-      <p:sp>
-        <p:nvSpPr>
-          <p:cNvPr id="4" name="Textfeld 3"/>
-          <p:cNvSpPr txBox="1"/>
-          <p:nvPr/>
-        </p:nvSpPr>
-        <p:spPr>
-          <a:xfrm>
-            <a:off x="6713249" y="682999"/>
-            <a:ext cx="1291420" cy="369332"/>
-          </a:xfrm>
-          <a:prstGeom prst="rect">
-            <a:avLst/>
-          </a:prstGeom>
-          <a:noFill/>
-        </p:spPr>
-        <p:txBody>
-          <a:bodyPr wrap="square" rtlCol="0">
-            <a:spAutoFit/>
-          </a:bodyPr>
-          <a:lstStyle/>
-          <a:p>
-            <a:r>
-              <a:rPr lang="de-DE" dirty="0" smtClean="0"/>
-              <a:t>(Aaron)</a:t>
-            </a:r>
-            <a:endParaRPr lang="de-DE" dirty="0"/>
           </a:p>
         </p:txBody>
       </p:sp>
@@ -13472,6 +13565,13 @@
   <p:clrMapOvr>
     <a:masterClrMapping/>
   </p:clrMapOvr>
+  <p:timing>
+    <p:tnLst>
+      <p:par>
+        <p:cTn xmlns:p14="http://schemas.microsoft.com/office/powerpoint/2010/main" id="1" dur="indefinite" restart="never" nodeType="tmRoot"/>
+      </p:par>
+    </p:tnLst>
+  </p:timing>
 </p:sld>
 </file>
 
@@ -13784,6 +13884,13 @@
   <p:clrMapOvr>
     <a:masterClrMapping/>
   </p:clrMapOvr>
+  <p:timing>
+    <p:tnLst>
+      <p:par>
+        <p:cTn xmlns:p14="http://schemas.microsoft.com/office/powerpoint/2010/main" id="1" dur="indefinite" restart="never" nodeType="tmRoot"/>
+      </p:par>
+    </p:tnLst>
+  </p:timing>
 </p:sld>
 </file>
 
@@ -13968,6 +14075,13 @@
   <p:clrMapOvr>
     <a:masterClrMapping/>
   </p:clrMapOvr>
+  <p:timing>
+    <p:tnLst>
+      <p:par>
+        <p:cTn xmlns:p14="http://schemas.microsoft.com/office/powerpoint/2010/main" id="1" dur="indefinite" restart="never" nodeType="tmRoot"/>
+      </p:par>
+    </p:tnLst>
+  </p:timing>
 </p:sld>
 </file>
 
@@ -14052,6 +14166,13 @@
   <p:clrMapOvr>
     <a:masterClrMapping/>
   </p:clrMapOvr>
+  <p:timing>
+    <p:tnLst>
+      <p:par>
+        <p:cTn xmlns:p14="http://schemas.microsoft.com/office/powerpoint/2010/main" id="1" dur="indefinite" restart="never" nodeType="tmRoot"/>
+      </p:par>
+    </p:tnLst>
+  </p:timing>
 </p:sld>
 </file>
 

--- a/presentations/20131122-Deepsec-ACH project.pptx
+++ b/presentations/20131122-Deepsec-ACH project.pptx
@@ -5,18 +5,18 @@
     <p:sldMasterId id="2147483648" r:id="rId1"/>
   </p:sldMasterIdLst>
   <p:notesMasterIdLst>
-    <p:notesMasterId r:id="rId45"/>
+    <p:notesMasterId r:id="rId44"/>
   </p:notesMasterIdLst>
   <p:handoutMasterIdLst>
-    <p:handoutMasterId r:id="rId46"/>
+    <p:handoutMasterId r:id="rId45"/>
   </p:handoutMasterIdLst>
   <p:sldIdLst>
     <p:sldId id="256" r:id="rId2"/>
     <p:sldId id="265" r:id="rId3"/>
     <p:sldId id="263" r:id="rId4"/>
     <p:sldId id="266" r:id="rId5"/>
-    <p:sldId id="258" r:id="rId6"/>
-    <p:sldId id="283" r:id="rId7"/>
+    <p:sldId id="283" r:id="rId6"/>
+    <p:sldId id="258" r:id="rId7"/>
     <p:sldId id="267" r:id="rId8"/>
     <p:sldId id="268" r:id="rId9"/>
     <p:sldId id="308" r:id="rId10"/>
@@ -34,26 +34,25 @@
     <p:sldId id="289" r:id="rId22"/>
     <p:sldId id="285" r:id="rId23"/>
     <p:sldId id="287" r:id="rId24"/>
-    <p:sldId id="290" r:id="rId25"/>
-    <p:sldId id="306" r:id="rId26"/>
-    <p:sldId id="307" r:id="rId27"/>
-    <p:sldId id="291" r:id="rId28"/>
-    <p:sldId id="292" r:id="rId29"/>
-    <p:sldId id="293" r:id="rId30"/>
-    <p:sldId id="294" r:id="rId31"/>
-    <p:sldId id="295" r:id="rId32"/>
-    <p:sldId id="296" r:id="rId33"/>
-    <p:sldId id="279" r:id="rId34"/>
-    <p:sldId id="311" r:id="rId35"/>
-    <p:sldId id="310" r:id="rId36"/>
-    <p:sldId id="297" r:id="rId37"/>
-    <p:sldId id="303" r:id="rId38"/>
-    <p:sldId id="304" r:id="rId39"/>
-    <p:sldId id="305" r:id="rId40"/>
-    <p:sldId id="264" r:id="rId41"/>
-    <p:sldId id="262" r:id="rId42"/>
-    <p:sldId id="275" r:id="rId43"/>
-    <p:sldId id="276" r:id="rId44"/>
+    <p:sldId id="306" r:id="rId25"/>
+    <p:sldId id="307" r:id="rId26"/>
+    <p:sldId id="291" r:id="rId27"/>
+    <p:sldId id="292" r:id="rId28"/>
+    <p:sldId id="293" r:id="rId29"/>
+    <p:sldId id="294" r:id="rId30"/>
+    <p:sldId id="295" r:id="rId31"/>
+    <p:sldId id="296" r:id="rId32"/>
+    <p:sldId id="279" r:id="rId33"/>
+    <p:sldId id="311" r:id="rId34"/>
+    <p:sldId id="310" r:id="rId35"/>
+    <p:sldId id="297" r:id="rId36"/>
+    <p:sldId id="303" r:id="rId37"/>
+    <p:sldId id="304" r:id="rId38"/>
+    <p:sldId id="305" r:id="rId39"/>
+    <p:sldId id="264" r:id="rId40"/>
+    <p:sldId id="262" r:id="rId41"/>
+    <p:sldId id="275" r:id="rId42"/>
+    <p:sldId id="276" r:id="rId43"/>
   </p:sldIdLst>
   <p:sldSz cx="9144000" cy="6858000" type="screen4x3"/>
   <p:notesSz cx="6669088" cy="9753600"/>
@@ -4306,15 +4305,13 @@
             <a:pPr lvl="1"/>
             <a:r>
               <a:rPr lang="de-DE" dirty="0" smtClean="0"/>
-              <a:t>SHA 2+ (SHA 256,…)</a:t>
-            </a:r>
-          </a:p>
-          <a:p>
-            <a:r>
-              <a:rPr lang="de-DE" dirty="0" smtClean="0"/>
-              <a:t>Demo</a:t>
-            </a:r>
-            <a:endParaRPr lang="de-DE" dirty="0"/>
+              <a:t>SHA 2+ (SHA 256,…</a:t>
+            </a:r>
+            <a:r>
+              <a:rPr lang="de-DE" dirty="0" smtClean="0"/>
+              <a:t>)</a:t>
+            </a:r>
+            <a:endParaRPr lang="de-DE" dirty="0" smtClean="0"/>
           </a:p>
         </p:txBody>
       </p:sp>
@@ -5510,7 +5507,7 @@
             </a:r>
             <a:r>
               <a:rPr lang="de-DE" dirty="0" err="1" smtClean="0"/>
-              <a:t>HavGE</a:t>
+              <a:t>HaveGE</a:t>
             </a:r>
             <a:r>
               <a:rPr lang="de-DE" dirty="0" smtClean="0"/>
@@ -7408,143 +7405,6 @@
       </p:sp>
       <p:pic>
         <p:nvPicPr>
-          <p:cNvPr id="4" name="Bild 3"/>
-          <p:cNvPicPr>
-            <a:picLocks noChangeAspect="1"/>
-          </p:cNvPicPr>
-          <p:nvPr/>
-        </p:nvPicPr>
-        <p:blipFill>
-          <a:blip r:embed="rId2"/>
-          <a:stretch>
-            <a:fillRect/>
-          </a:stretch>
-        </p:blipFill>
-        <p:spPr>
-          <a:xfrm>
-            <a:off x="1130902" y="1344749"/>
-            <a:ext cx="6645568" cy="4984176"/>
-          </a:xfrm>
-          <a:prstGeom prst="rect">
-            <a:avLst/>
-          </a:prstGeom>
-        </p:spPr>
-      </p:pic>
-      <p:sp>
-        <p:nvSpPr>
-          <p:cNvPr id="5" name="Textfeld 4"/>
-          <p:cNvSpPr txBox="1"/>
-          <p:nvPr/>
-        </p:nvSpPr>
-        <p:spPr>
-          <a:xfrm>
-            <a:off x="7318323" y="6126163"/>
-            <a:ext cx="1676031" cy="369332"/>
-          </a:xfrm>
-          <a:prstGeom prst="rect">
-            <a:avLst/>
-          </a:prstGeom>
-          <a:noFill/>
-        </p:spPr>
-        <p:txBody>
-          <a:bodyPr wrap="square" rtlCol="0">
-            <a:spAutoFit/>
-          </a:bodyPr>
-          <a:lstStyle/>
-          <a:p>
-            <a:r>
-              <a:rPr lang="de-DE" dirty="0" smtClean="0"/>
-              <a:t>Ramin, Daniel</a:t>
-            </a:r>
-            <a:endParaRPr lang="de-DE" dirty="0"/>
-          </a:p>
-        </p:txBody>
-      </p:sp>
-    </p:spTree>
-    <p:extLst>
-      <p:ext uri="{BB962C8B-B14F-4D97-AF65-F5344CB8AC3E}">
-        <p14:creationId xmlns:p14="http://schemas.microsoft.com/office/powerpoint/2010/main" val="395281444"/>
-      </p:ext>
-    </p:extLst>
-  </p:cSld>
-  <p:clrMapOvr>
-    <a:masterClrMapping/>
-  </p:clrMapOvr>
-  <p:timing>
-    <p:tnLst>
-      <p:par>
-        <p:cTn xmlns:p14="http://schemas.microsoft.com/office/powerpoint/2010/main" id="1" dur="indefinite" restart="never" nodeType="tmRoot"/>
-      </p:par>
-    </p:tnLst>
-  </p:timing>
-</p:sld>
-</file>
-
-<file path=ppt/slides/slide25.xml><?xml version="1.0" encoding="utf-8"?>
-<p:sld xmlns:a="http://schemas.openxmlformats.org/drawingml/2006/main" xmlns:r="http://schemas.openxmlformats.org/officeDocument/2006/relationships" xmlns:p="http://schemas.openxmlformats.org/presentationml/2006/main">
-  <p:cSld>
-    <p:spTree>
-      <p:nvGrpSpPr>
-        <p:cNvPr id="1" name=""/>
-        <p:cNvGrpSpPr/>
-        <p:nvPr/>
-      </p:nvGrpSpPr>
-      <p:grpSpPr>
-        <a:xfrm>
-          <a:off x="0" y="0"/>
-          <a:ext cx="0" cy="0"/>
-          <a:chOff x="0" y="0"/>
-          <a:chExt cx="0" cy="0"/>
-        </a:xfrm>
-      </p:grpSpPr>
-      <p:sp>
-        <p:nvSpPr>
-          <p:cNvPr id="2" name="Titel 1"/>
-          <p:cNvSpPr>
-            <a:spLocks noGrp="1"/>
-          </p:cNvSpPr>
-          <p:nvPr>
-            <p:ph type="title"/>
-          </p:nvPr>
-        </p:nvSpPr>
-        <p:spPr/>
-        <p:txBody>
-          <a:bodyPr/>
-          <a:lstStyle/>
-          <a:p>
-            <a:r>
-              <a:rPr lang="de-DE" dirty="0" smtClean="0"/>
-              <a:t>Variant B: </a:t>
-            </a:r>
-            <a:r>
-              <a:rPr lang="de-DE" dirty="0" err="1" smtClean="0"/>
-              <a:t>Compatibility</a:t>
-            </a:r>
-            <a:endParaRPr lang="de-DE" dirty="0"/>
-          </a:p>
-        </p:txBody>
-      </p:sp>
-      <p:sp>
-        <p:nvSpPr>
-          <p:cNvPr id="3" name="Inhaltsplatzhalter 2"/>
-          <p:cNvSpPr>
-            <a:spLocks noGrp="1"/>
-          </p:cNvSpPr>
-          <p:nvPr>
-            <p:ph idx="1"/>
-          </p:nvPr>
-        </p:nvSpPr>
-        <p:spPr/>
-        <p:txBody>
-          <a:bodyPr/>
-          <a:lstStyle/>
-          <a:p>
-            <a:endParaRPr lang="de-DE" dirty="0"/>
-          </a:p>
-        </p:txBody>
-      </p:sp>
-      <p:pic>
-        <p:nvPicPr>
           <p:cNvPr id="6" name="Bild 5"/>
           <p:cNvPicPr>
             <a:picLocks noChangeAspect="1"/>
@@ -7567,75 +7427,6 @@
           </a:prstGeom>
         </p:spPr>
       </p:pic>
-      <p:sp>
-        <p:nvSpPr>
-          <p:cNvPr id="8" name="Ovale Legende 7"/>
-          <p:cNvSpPr/>
-          <p:nvPr/>
-        </p:nvSpPr>
-        <p:spPr>
-          <a:xfrm>
-            <a:off x="3404113" y="3789468"/>
-            <a:ext cx="2852377" cy="645459"/>
-          </a:xfrm>
-          <a:prstGeom prst="wedgeEllipseCallout">
-            <a:avLst>
-              <a:gd name="adj1" fmla="val -76308"/>
-              <a:gd name="adj2" fmla="val 67338"/>
-            </a:avLst>
-          </a:prstGeom>
-        </p:spPr>
-        <p:style>
-          <a:lnRef idx="1">
-            <a:schemeClr val="accent1"/>
-          </a:lnRef>
-          <a:fillRef idx="3">
-            <a:schemeClr val="accent1"/>
-          </a:fillRef>
-          <a:effectRef idx="2">
-            <a:schemeClr val="accent1"/>
-          </a:effectRef>
-          <a:fontRef idx="minor">
-            <a:schemeClr val="lt1"/>
-          </a:fontRef>
-        </p:style>
-        <p:txBody>
-          <a:bodyPr rtlCol="0" anchor="ctr"/>
-          <a:lstStyle/>
-          <a:p>
-            <a:pPr algn="ctr"/>
-            <a:r>
-              <a:rPr lang="de-DE" dirty="0" smtClean="0"/>
-              <a:t>Can </a:t>
-            </a:r>
-            <a:r>
-              <a:rPr lang="de-DE" dirty="0" err="1" smtClean="0"/>
-              <a:t>be</a:t>
-            </a:r>
-            <a:r>
-              <a:rPr lang="de-DE" dirty="0" smtClean="0"/>
-              <a:t> </a:t>
-            </a:r>
-            <a:r>
-              <a:rPr lang="de-DE" dirty="0" err="1" smtClean="0"/>
-              <a:t>added</a:t>
-            </a:r>
-            <a:r>
-              <a:rPr lang="de-DE" dirty="0" smtClean="0"/>
-              <a:t> </a:t>
-            </a:r>
-            <a:r>
-              <a:rPr lang="de-DE" dirty="0" err="1" smtClean="0"/>
-              <a:t>with</a:t>
-            </a:r>
-            <a:r>
-              <a:rPr lang="de-DE" dirty="0" smtClean="0"/>
-              <a:t> JCE</a:t>
-            </a:r>
-            <a:endParaRPr lang="de-DE" dirty="0"/>
-          </a:p>
-        </p:txBody>
-      </p:sp>
       <p:sp>
         <p:nvSpPr>
           <p:cNvPr id="9" name="Ovale Legende 8"/>
@@ -7748,51 +7539,6 @@
                       </p:childTnLst>
                     </p:cTn>
                   </p:par>
-                  <p:par>
-                    <p:cTn id="7" fill="hold">
-                      <p:stCondLst>
-                        <p:cond delay="indefinite"/>
-                      </p:stCondLst>
-                      <p:childTnLst>
-                        <p:par>
-                          <p:cTn id="8" fill="hold">
-                            <p:stCondLst>
-                              <p:cond delay="0"/>
-                            </p:stCondLst>
-                            <p:childTnLst>
-                              <p:par>
-                                <p:cTn id="9" presetID="1" presetClass="entr" presetSubtype="0" fill="hold" grpId="0" nodeType="clickEffect">
-                                  <p:stCondLst>
-                                    <p:cond delay="0"/>
-                                  </p:stCondLst>
-                                  <p:childTnLst>
-                                    <p:set>
-                                      <p:cBhvr>
-                                        <p:cTn id="10" dur="1" fill="hold">
-                                          <p:stCondLst>
-                                            <p:cond delay="0"/>
-                                          </p:stCondLst>
-                                        </p:cTn>
-                                        <p:tgtEl>
-                                          <p:spTgt spid="8"/>
-                                        </p:tgtEl>
-                                        <p:attrNameLst>
-                                          <p:attrName>style.visibility</p:attrName>
-                                        </p:attrNameLst>
-                                      </p:cBhvr>
-                                      <p:to>
-                                        <p:strVal val="visible"/>
-                                      </p:to>
-                                    </p:set>
-                                  </p:childTnLst>
-                                </p:cTn>
-                              </p:par>
-                            </p:childTnLst>
-                          </p:cTn>
-                        </p:par>
-                      </p:childTnLst>
-                    </p:cTn>
-                  </p:par>
                 </p:childTnLst>
               </p:cTn>
               <p:prevCondLst>
@@ -7815,9 +7561,572 @@
       </p:par>
     </p:tnLst>
     <p:bldLst>
-      <p:bldP spid="8" grpId="0" animBg="1"/>
       <p:bldP spid="9" grpId="0" animBg="1"/>
     </p:bldLst>
+  </p:timing>
+</p:sld>
+</file>
+
+<file path=ppt/slides/slide25.xml><?xml version="1.0" encoding="utf-8"?>
+<p:sld xmlns:a="http://schemas.openxmlformats.org/drawingml/2006/main" xmlns:r="http://schemas.openxmlformats.org/officeDocument/2006/relationships" xmlns:p="http://schemas.openxmlformats.org/presentationml/2006/main">
+  <p:cSld>
+    <p:spTree>
+      <p:nvGrpSpPr>
+        <p:cNvPr id="1" name=""/>
+        <p:cNvGrpSpPr/>
+        <p:nvPr/>
+      </p:nvGrpSpPr>
+      <p:grpSpPr>
+        <a:xfrm>
+          <a:off x="0" y="0"/>
+          <a:ext cx="0" cy="0"/>
+          <a:chOff x="0" y="0"/>
+          <a:chExt cx="0" cy="0"/>
+        </a:xfrm>
+      </p:grpSpPr>
+      <p:sp>
+        <p:nvSpPr>
+          <p:cNvPr id="2" name="Titel 1"/>
+          <p:cNvSpPr>
+            <a:spLocks noGrp="1"/>
+          </p:cNvSpPr>
+          <p:nvPr>
+            <p:ph type="title"/>
+          </p:nvPr>
+        </p:nvSpPr>
+        <p:spPr/>
+        <p:txBody>
+          <a:bodyPr>
+            <a:normAutofit fontScale="90000"/>
+          </a:bodyPr>
+          <a:lstStyle/>
+          <a:p>
+            <a:r>
+              <a:rPr lang="de-DE" dirty="0" err="1" smtClean="0"/>
+              <a:t>Choosing</a:t>
+            </a:r>
+            <a:r>
+              <a:rPr lang="de-DE" dirty="0" smtClean="0"/>
+              <a:t> </a:t>
+            </a:r>
+            <a:r>
+              <a:rPr lang="de-DE" dirty="0" err="1" smtClean="0"/>
+              <a:t>your</a:t>
+            </a:r>
+            <a:r>
+              <a:rPr lang="de-DE" dirty="0" smtClean="0"/>
+              <a:t> </a:t>
+            </a:r>
+            <a:r>
+              <a:rPr lang="de-DE" dirty="0" err="1" smtClean="0"/>
+              <a:t>own</a:t>
+            </a:r>
+            <a:r>
+              <a:rPr lang="de-DE" dirty="0" smtClean="0"/>
+              <a:t> </a:t>
+            </a:r>
+            <a:r>
+              <a:rPr lang="de-DE" dirty="0" err="1" smtClean="0"/>
+              <a:t>cipher</a:t>
+            </a:r>
+            <a:r>
+              <a:rPr lang="de-DE" dirty="0" smtClean="0"/>
+              <a:t> </a:t>
+            </a:r>
+            <a:r>
+              <a:rPr lang="de-DE" dirty="0" err="1" smtClean="0"/>
+              <a:t>string</a:t>
+            </a:r>
+            <a:r>
+              <a:rPr lang="de-DE" dirty="0" smtClean="0"/>
+              <a:t> (1)</a:t>
+            </a:r>
+            <a:endParaRPr lang="de-DE" dirty="0"/>
+          </a:p>
+        </p:txBody>
+      </p:sp>
+      <p:sp>
+        <p:nvSpPr>
+          <p:cNvPr id="3" name="Inhaltsplatzhalter 2"/>
+          <p:cNvSpPr>
+            <a:spLocks noGrp="1"/>
+          </p:cNvSpPr>
+          <p:nvPr>
+            <p:ph idx="1"/>
+          </p:nvPr>
+        </p:nvSpPr>
+        <p:spPr/>
+        <p:txBody>
+          <a:bodyPr>
+            <a:normAutofit fontScale="92500" lnSpcReduction="20000"/>
+          </a:bodyPr>
+          <a:lstStyle/>
+          <a:p>
+            <a:r>
+              <a:rPr lang="de-DE" dirty="0" smtClean="0"/>
+              <a:t>Rolling </a:t>
+            </a:r>
+            <a:r>
+              <a:rPr lang="de-DE" dirty="0" err="1" smtClean="0"/>
+              <a:t>your</a:t>
+            </a:r>
+            <a:r>
+              <a:rPr lang="de-DE" dirty="0" smtClean="0"/>
+              <a:t> </a:t>
+            </a:r>
+            <a:r>
+              <a:rPr lang="de-DE" dirty="0" err="1" smtClean="0"/>
+              <a:t>own</a:t>
+            </a:r>
+            <a:r>
+              <a:rPr lang="de-DE" dirty="0" smtClean="0"/>
+              <a:t> </a:t>
+            </a:r>
+            <a:r>
+              <a:rPr lang="de-DE" dirty="0" err="1" smtClean="0"/>
+              <a:t>cipher</a:t>
+            </a:r>
+            <a:r>
+              <a:rPr lang="de-DE" dirty="0" smtClean="0"/>
+              <a:t> </a:t>
+            </a:r>
+            <a:r>
+              <a:rPr lang="de-DE" dirty="0" err="1" smtClean="0"/>
+              <a:t>suite</a:t>
+            </a:r>
+            <a:r>
+              <a:rPr lang="de-DE" dirty="0" smtClean="0"/>
+              <a:t> </a:t>
+            </a:r>
+            <a:r>
+              <a:rPr lang="de-DE" dirty="0" err="1" smtClean="0"/>
+              <a:t>string</a:t>
+            </a:r>
+            <a:r>
+              <a:rPr lang="de-DE" dirty="0" smtClean="0"/>
+              <a:t> </a:t>
+            </a:r>
+            <a:r>
+              <a:rPr lang="de-DE" dirty="0" err="1" smtClean="0"/>
+              <a:t>involves</a:t>
+            </a:r>
+            <a:r>
+              <a:rPr lang="de-DE" dirty="0" smtClean="0"/>
+              <a:t> a</a:t>
+            </a:r>
+            <a:r>
+              <a:rPr lang="de-DE" dirty="0" smtClean="0"/>
+              <a:t> trade-off </a:t>
+            </a:r>
+            <a:r>
+              <a:rPr lang="de-DE" dirty="0" err="1" smtClean="0"/>
+              <a:t>between</a:t>
+            </a:r>
+            <a:r>
+              <a:rPr lang="de-DE" dirty="0"/>
+              <a:t>:</a:t>
+            </a:r>
+            <a:endParaRPr lang="de-DE" dirty="0" smtClean="0"/>
+          </a:p>
+          <a:p>
+            <a:pPr lvl="1"/>
+            <a:r>
+              <a:rPr lang="de-DE" dirty="0" err="1" smtClean="0"/>
+              <a:t>Compatibility</a:t>
+            </a:r>
+            <a:r>
+              <a:rPr lang="de-DE" dirty="0" smtClean="0"/>
+              <a:t> (server &lt;-&gt; </a:t>
+            </a:r>
+            <a:r>
+              <a:rPr lang="de-DE" dirty="0" err="1" smtClean="0"/>
+              <a:t>client</a:t>
+            </a:r>
+            <a:r>
+              <a:rPr lang="de-DE" dirty="0" smtClean="0"/>
+              <a:t>), vs.</a:t>
+            </a:r>
+          </a:p>
+          <a:p>
+            <a:pPr lvl="1"/>
+            <a:r>
+              <a:rPr lang="de-DE" dirty="0" err="1"/>
+              <a:t>Known</a:t>
+            </a:r>
+            <a:r>
+              <a:rPr lang="de-DE" dirty="0"/>
+              <a:t> </a:t>
+            </a:r>
+            <a:r>
+              <a:rPr lang="de-DE" dirty="0" err="1"/>
+              <a:t>weak</a:t>
+            </a:r>
+            <a:r>
+              <a:rPr lang="de-DE" dirty="0"/>
+              <a:t> </a:t>
+            </a:r>
+            <a:r>
+              <a:rPr lang="de-DE" dirty="0" err="1"/>
+              <a:t>ciphers</a:t>
+            </a:r>
+            <a:r>
+              <a:rPr lang="de-DE" dirty="0"/>
+              <a:t>/</a:t>
+            </a:r>
+            <a:r>
+              <a:rPr lang="de-DE" dirty="0" err="1"/>
+              <a:t>hashes</a:t>
+            </a:r>
+            <a:r>
+              <a:rPr lang="de-DE" dirty="0"/>
+              <a:t>/</a:t>
+            </a:r>
+            <a:r>
+              <a:rPr lang="de-DE" dirty="0" smtClean="0"/>
+              <a:t>MACs</a:t>
+            </a:r>
+          </a:p>
+          <a:p>
+            <a:pPr lvl="1"/>
+            <a:r>
+              <a:rPr lang="de-DE" dirty="0" smtClean="0"/>
+              <a:t>The </a:t>
+            </a:r>
+            <a:r>
+              <a:rPr lang="de-DE" dirty="0" err="1" smtClean="0"/>
+              <a:t>choice</a:t>
+            </a:r>
+            <a:r>
+              <a:rPr lang="de-DE" dirty="0" smtClean="0"/>
+              <a:t> ECC </a:t>
+            </a:r>
+            <a:r>
+              <a:rPr lang="de-DE" dirty="0" err="1" smtClean="0"/>
+              <a:t>or</a:t>
+            </a:r>
+            <a:r>
+              <a:rPr lang="de-DE" dirty="0" smtClean="0"/>
+              <a:t> not, vs.</a:t>
+            </a:r>
+          </a:p>
+          <a:p>
+            <a:pPr lvl="1"/>
+            <a:r>
+              <a:rPr lang="de-DE" dirty="0" smtClean="0"/>
+              <a:t>Support </a:t>
+            </a:r>
+            <a:r>
+              <a:rPr lang="de-DE" dirty="0" err="1" smtClean="0"/>
+              <a:t>by</a:t>
+            </a:r>
+            <a:r>
+              <a:rPr lang="de-DE" dirty="0" smtClean="0"/>
+              <a:t> different </a:t>
+            </a:r>
+            <a:r>
+              <a:rPr lang="de-DE" dirty="0" err="1" smtClean="0"/>
+              <a:t>ssl</a:t>
+            </a:r>
+            <a:r>
+              <a:rPr lang="de-DE" dirty="0" smtClean="0"/>
+              <a:t> </a:t>
+            </a:r>
+            <a:r>
+              <a:rPr lang="de-DE" dirty="0" err="1" smtClean="0"/>
+              <a:t>libs</a:t>
+            </a:r>
+            <a:r>
+              <a:rPr lang="de-DE" dirty="0" smtClean="0"/>
+              <a:t> (</a:t>
+            </a:r>
+            <a:r>
+              <a:rPr lang="de-DE" dirty="0" err="1" smtClean="0"/>
+              <a:t>gnutls</a:t>
+            </a:r>
+            <a:r>
+              <a:rPr lang="de-DE" dirty="0" smtClean="0"/>
+              <a:t>, openssl,...) vs.</a:t>
+            </a:r>
+          </a:p>
+          <a:p>
+            <a:pPr lvl="1"/>
+            <a:r>
+              <a:rPr lang="de-DE" dirty="0" smtClean="0"/>
+              <a:t>Different </a:t>
+            </a:r>
+            <a:r>
+              <a:rPr lang="de-DE" dirty="0" err="1" smtClean="0"/>
+              <a:t>versions</a:t>
+            </a:r>
+            <a:r>
+              <a:rPr lang="de-DE" dirty="0" smtClean="0"/>
+              <a:t> of </a:t>
+            </a:r>
+            <a:r>
+              <a:rPr lang="de-DE" dirty="0" err="1" smtClean="0"/>
+              <a:t>ssl</a:t>
+            </a:r>
+            <a:r>
+              <a:rPr lang="de-DE" dirty="0" smtClean="0"/>
+              <a:t> </a:t>
+            </a:r>
+            <a:r>
+              <a:rPr lang="de-DE" dirty="0" err="1" smtClean="0"/>
+              <a:t>libs</a:t>
+            </a:r>
+            <a:endParaRPr lang="de-DE" dirty="0" smtClean="0"/>
+          </a:p>
+          <a:p>
+            <a:r>
+              <a:rPr lang="de-DE" dirty="0" smtClean="0"/>
+              <a:t>In </a:t>
+            </a:r>
+            <a:r>
+              <a:rPr lang="de-DE" dirty="0" err="1" smtClean="0"/>
+              <a:t>case</a:t>
+            </a:r>
+            <a:r>
+              <a:rPr lang="de-DE" dirty="0" smtClean="0"/>
+              <a:t> of </a:t>
+            </a:r>
+            <a:r>
+              <a:rPr lang="de-DE" dirty="0" err="1" smtClean="0"/>
+              <a:t>ssl</a:t>
+            </a:r>
+            <a:r>
+              <a:rPr lang="de-DE" dirty="0" smtClean="0"/>
+              <a:t> </a:t>
+            </a:r>
+            <a:r>
+              <a:rPr lang="de-DE" dirty="0" err="1" smtClean="0"/>
+              <a:t>lib</a:t>
+            </a:r>
+            <a:r>
+              <a:rPr lang="de-DE" dirty="0" smtClean="0"/>
+              <a:t> </a:t>
+            </a:r>
+            <a:r>
+              <a:rPr lang="de-DE" dirty="0" err="1" smtClean="0"/>
+              <a:t>version</a:t>
+            </a:r>
+            <a:r>
+              <a:rPr lang="de-DE" dirty="0" smtClean="0"/>
+              <a:t> </a:t>
+            </a:r>
+            <a:r>
+              <a:rPr lang="de-DE" dirty="0" err="1" smtClean="0"/>
+              <a:t>issues</a:t>
+            </a:r>
+            <a:r>
+              <a:rPr lang="de-DE" dirty="0" smtClean="0"/>
+              <a:t>: do </a:t>
+            </a:r>
+            <a:r>
+              <a:rPr lang="de-DE" dirty="0" err="1" smtClean="0"/>
+              <a:t>you</a:t>
+            </a:r>
+            <a:r>
+              <a:rPr lang="de-DE" dirty="0" smtClean="0"/>
+              <a:t> </a:t>
+            </a:r>
+            <a:r>
+              <a:rPr lang="de-DE" dirty="0" err="1" smtClean="0"/>
+              <a:t>want</a:t>
+            </a:r>
+            <a:r>
+              <a:rPr lang="de-DE" dirty="0" smtClean="0"/>
+              <a:t> </a:t>
+            </a:r>
+            <a:r>
+              <a:rPr lang="de-DE" dirty="0" err="1" smtClean="0"/>
+              <a:t>to</a:t>
+            </a:r>
+            <a:r>
+              <a:rPr lang="de-DE" dirty="0" smtClean="0"/>
+              <a:t> </a:t>
+            </a:r>
+            <a:r>
+              <a:rPr lang="de-DE" dirty="0" err="1" smtClean="0"/>
+              <a:t>re-compile</a:t>
+            </a:r>
+            <a:r>
+              <a:rPr lang="de-DE" dirty="0" smtClean="0"/>
+              <a:t> </a:t>
+            </a:r>
+            <a:r>
+              <a:rPr lang="de-DE" dirty="0" err="1" smtClean="0"/>
+              <a:t>the</a:t>
+            </a:r>
+            <a:r>
+              <a:rPr lang="de-DE" dirty="0" smtClean="0"/>
+              <a:t> </a:t>
+            </a:r>
+            <a:r>
+              <a:rPr lang="de-DE" dirty="0" err="1" smtClean="0"/>
+              <a:t>whole</a:t>
+            </a:r>
+            <a:r>
+              <a:rPr lang="de-DE" dirty="0" smtClean="0"/>
+              <a:t> server </a:t>
+            </a:r>
+            <a:r>
+              <a:rPr lang="de-DE" dirty="0" err="1" smtClean="0"/>
+              <a:t>for</a:t>
+            </a:r>
+            <a:r>
+              <a:rPr lang="de-DE" dirty="0" smtClean="0"/>
+              <a:t> a </a:t>
+            </a:r>
+            <a:r>
+              <a:rPr lang="de-DE" dirty="0" err="1" smtClean="0"/>
+              <a:t>newer</a:t>
+            </a:r>
+            <a:r>
+              <a:rPr lang="de-DE" dirty="0" smtClean="0"/>
+              <a:t> </a:t>
+            </a:r>
+            <a:r>
+              <a:rPr lang="de-DE" dirty="0" err="1" smtClean="0"/>
+              <a:t>version</a:t>
+            </a:r>
+            <a:r>
+              <a:rPr lang="de-DE" dirty="0" smtClean="0"/>
+              <a:t>?</a:t>
+            </a:r>
+          </a:p>
+          <a:p>
+            <a:r>
+              <a:rPr lang="de-DE" dirty="0" err="1" smtClean="0"/>
+              <a:t>Be</a:t>
+            </a:r>
+            <a:r>
+              <a:rPr lang="de-DE" dirty="0" smtClean="0"/>
+              <a:t> </a:t>
+            </a:r>
+            <a:r>
+              <a:rPr lang="de-DE" dirty="0" err="1"/>
+              <a:t>aware</a:t>
+            </a:r>
+            <a:r>
+              <a:rPr lang="de-DE" dirty="0"/>
+              <a:t> of </a:t>
+            </a:r>
+            <a:r>
+              <a:rPr lang="de-DE" dirty="0" err="1"/>
+              <a:t>these</a:t>
+            </a:r>
+            <a:r>
+              <a:rPr lang="de-DE" dirty="0"/>
+              <a:t> </a:t>
+            </a:r>
+            <a:r>
+              <a:rPr lang="de-DE" dirty="0" err="1"/>
+              <a:t>issues</a:t>
+            </a:r>
+            <a:r>
+              <a:rPr lang="de-DE" dirty="0"/>
+              <a:t> </a:t>
+            </a:r>
+            <a:r>
+              <a:rPr lang="de-DE" dirty="0" err="1"/>
+              <a:t>before</a:t>
+            </a:r>
+            <a:r>
+              <a:rPr lang="de-DE" dirty="0"/>
+              <a:t> </a:t>
+            </a:r>
+            <a:r>
+              <a:rPr lang="de-DE" dirty="0" err="1"/>
+              <a:t>choosing</a:t>
+            </a:r>
+            <a:r>
+              <a:rPr lang="de-DE" dirty="0"/>
+              <a:t> </a:t>
+            </a:r>
+            <a:r>
+              <a:rPr lang="de-DE" dirty="0" err="1"/>
+              <a:t>your</a:t>
+            </a:r>
+            <a:r>
+              <a:rPr lang="de-DE" dirty="0"/>
+              <a:t> </a:t>
+            </a:r>
+            <a:r>
+              <a:rPr lang="de-DE" dirty="0" err="1"/>
+              <a:t>own</a:t>
+            </a:r>
+            <a:r>
+              <a:rPr lang="de-DE" dirty="0"/>
+              <a:t> </a:t>
+            </a:r>
+            <a:r>
+              <a:rPr lang="de-DE" dirty="0" err="1"/>
+              <a:t>cipher</a:t>
+            </a:r>
+            <a:r>
+              <a:rPr lang="de-DE" dirty="0"/>
+              <a:t> </a:t>
+            </a:r>
+            <a:r>
+              <a:rPr lang="de-DE" dirty="0" err="1"/>
+              <a:t>suite</a:t>
+            </a:r>
+            <a:endParaRPr lang="de-DE" dirty="0"/>
+          </a:p>
+          <a:p>
+            <a:pPr marL="457200" lvl="1" indent="0">
+              <a:buNone/>
+            </a:pPr>
+            <a:endParaRPr lang="de-DE" dirty="0" smtClean="0"/>
+          </a:p>
+        </p:txBody>
+      </p:sp>
+      <p:sp>
+        <p:nvSpPr>
+          <p:cNvPr id="4" name="Textfeld 3"/>
+          <p:cNvSpPr txBox="1"/>
+          <p:nvPr/>
+        </p:nvSpPr>
+        <p:spPr>
+          <a:xfrm>
+            <a:off x="7318323" y="6126163"/>
+            <a:ext cx="1676031" cy="369332"/>
+          </a:xfrm>
+          <a:prstGeom prst="rect">
+            <a:avLst/>
+          </a:prstGeom>
+          <a:noFill/>
+        </p:spPr>
+        <p:txBody>
+          <a:bodyPr wrap="square" rtlCol="0">
+            <a:spAutoFit/>
+          </a:bodyPr>
+          <a:lstStyle/>
+          <a:p>
+            <a:r>
+              <a:rPr lang="de-DE" dirty="0" smtClean="0"/>
+              <a:t>Adi</a:t>
+            </a:r>
+            <a:endParaRPr lang="de-DE" dirty="0"/>
+          </a:p>
+        </p:txBody>
+      </p:sp>
+    </p:spTree>
+    <p:extLst>
+      <p:ext uri="{BB962C8B-B14F-4D97-AF65-F5344CB8AC3E}">
+        <p14:creationId xmlns:p14="http://schemas.microsoft.com/office/powerpoint/2010/main" val="2786823696"/>
+      </p:ext>
+    </p:extLst>
+  </p:cSld>
+  <p:clrMapOvr>
+    <a:masterClrMapping/>
+  </p:clrMapOvr>
+  <p:timing>
+    <p:tnLst>
+      <p:par>
+        <p:cTn xmlns:p14="http://schemas.microsoft.com/office/powerpoint/2010/main" id="1" dur="indefinite" restart="never" nodeType="tmRoot"/>
+      </p:par>
+    </p:tnLst>
   </p:timing>
 </p:sld>
 </file>
@@ -7894,7 +8203,7 @@
             </a:r>
             <a:r>
               <a:rPr lang="de-DE" dirty="0" smtClean="0"/>
-              <a:t> (1)</a:t>
+              <a:t> (2)</a:t>
             </a:r>
             <a:endParaRPr lang="de-DE" dirty="0"/>
           </a:p>
@@ -7913,316 +8222,91 @@
         <p:spPr/>
         <p:txBody>
           <a:bodyPr>
-            <a:normAutofit fontScale="92500" lnSpcReduction="20000"/>
+            <a:normAutofit/>
           </a:bodyPr>
           <a:lstStyle/>
           <a:p>
             <a:r>
-              <a:rPr lang="de-DE" dirty="0" smtClean="0"/>
-              <a:t>Rolling </a:t>
-            </a:r>
-            <a:r>
-              <a:rPr lang="de-DE" dirty="0" err="1" smtClean="0"/>
-              <a:t>your</a:t>
-            </a:r>
-            <a:r>
-              <a:rPr lang="de-DE" dirty="0" smtClean="0"/>
-              <a:t> </a:t>
-            </a:r>
-            <a:r>
-              <a:rPr lang="de-DE" dirty="0" err="1" smtClean="0"/>
-              <a:t>own</a:t>
-            </a:r>
-            <a:r>
-              <a:rPr lang="de-DE" dirty="0" smtClean="0"/>
-              <a:t> </a:t>
-            </a:r>
-            <a:r>
-              <a:rPr lang="de-DE" dirty="0" err="1" smtClean="0"/>
-              <a:t>cipher</a:t>
-            </a:r>
-            <a:r>
-              <a:rPr lang="de-DE" dirty="0" smtClean="0"/>
-              <a:t> </a:t>
-            </a:r>
-            <a:r>
-              <a:rPr lang="de-DE" dirty="0" err="1" smtClean="0"/>
-              <a:t>suite</a:t>
-            </a:r>
-            <a:r>
-              <a:rPr lang="de-DE" dirty="0" smtClean="0"/>
-              <a:t> </a:t>
-            </a:r>
-            <a:r>
-              <a:rPr lang="de-DE" dirty="0" err="1" smtClean="0"/>
-              <a:t>string</a:t>
-            </a:r>
-            <a:r>
-              <a:rPr lang="de-DE" dirty="0" smtClean="0"/>
-              <a:t> </a:t>
-            </a:r>
-            <a:r>
-              <a:rPr lang="de-DE" dirty="0" err="1" smtClean="0"/>
-              <a:t>involves</a:t>
-            </a:r>
-            <a:r>
-              <a:rPr lang="de-DE" dirty="0" smtClean="0"/>
-              <a:t> a</a:t>
-            </a:r>
-            <a:r>
-              <a:rPr lang="de-DE" dirty="0" smtClean="0"/>
-              <a:t> trade-off </a:t>
-            </a:r>
-            <a:r>
-              <a:rPr lang="de-DE" dirty="0" err="1" smtClean="0"/>
-              <a:t>between</a:t>
-            </a:r>
-            <a:r>
-              <a:rPr lang="de-DE" dirty="0"/>
-              <a:t>:</a:t>
+              <a:rPr lang="de-DE" dirty="0" err="1" smtClean="0"/>
+              <a:t>Complexity</a:t>
             </a:r>
             <a:endParaRPr lang="de-DE" dirty="0" smtClean="0"/>
           </a:p>
           <a:p>
-            <a:pPr lvl="1"/>
-            <a:r>
-              <a:rPr lang="de-DE" dirty="0" err="1" smtClean="0"/>
-              <a:t>Compatibility</a:t>
-            </a:r>
-            <a:r>
-              <a:rPr lang="de-DE" dirty="0" smtClean="0"/>
-              <a:t> (server &lt;-&gt; </a:t>
-            </a:r>
-            <a:r>
-              <a:rPr lang="de-DE" dirty="0" err="1" smtClean="0"/>
-              <a:t>client</a:t>
-            </a:r>
-            <a:r>
-              <a:rPr lang="de-DE" dirty="0" smtClean="0"/>
-              <a:t>), vs.</a:t>
-            </a:r>
-          </a:p>
-          <a:p>
-            <a:pPr lvl="1"/>
-            <a:r>
-              <a:rPr lang="de-DE" dirty="0" err="1"/>
-              <a:t>Known</a:t>
-            </a:r>
-            <a:r>
-              <a:rPr lang="de-DE" dirty="0"/>
-              <a:t> </a:t>
-            </a:r>
-            <a:r>
-              <a:rPr lang="de-DE" dirty="0" err="1"/>
-              <a:t>weak</a:t>
-            </a:r>
-            <a:r>
-              <a:rPr lang="de-DE" dirty="0"/>
-              <a:t> </a:t>
-            </a:r>
-            <a:r>
-              <a:rPr lang="de-DE" dirty="0" err="1"/>
-              <a:t>ciphers</a:t>
-            </a:r>
-            <a:r>
-              <a:rPr lang="de-DE" dirty="0"/>
-              <a:t>/</a:t>
-            </a:r>
-            <a:r>
-              <a:rPr lang="de-DE" dirty="0" err="1"/>
-              <a:t>hashes</a:t>
-            </a:r>
-            <a:r>
-              <a:rPr lang="de-DE" dirty="0"/>
-              <a:t>/</a:t>
-            </a:r>
-            <a:r>
-              <a:rPr lang="de-DE" dirty="0" smtClean="0"/>
-              <a:t>MACs</a:t>
-            </a:r>
-          </a:p>
-          <a:p>
-            <a:pPr lvl="1"/>
-            <a:r>
-              <a:rPr lang="de-DE" dirty="0" smtClean="0"/>
-              <a:t>The </a:t>
-            </a:r>
-            <a:r>
-              <a:rPr lang="de-DE" dirty="0" err="1" smtClean="0"/>
-              <a:t>choice</a:t>
-            </a:r>
-            <a:r>
-              <a:rPr lang="de-DE" dirty="0" smtClean="0"/>
-              <a:t> ECC </a:t>
-            </a:r>
-            <a:r>
-              <a:rPr lang="de-DE" dirty="0" err="1" smtClean="0"/>
-              <a:t>or</a:t>
-            </a:r>
-            <a:r>
-              <a:rPr lang="de-DE" dirty="0" smtClean="0"/>
-              <a:t> not, vs.</a:t>
-            </a:r>
-          </a:p>
-          <a:p>
-            <a:pPr lvl="1"/>
-            <a:r>
-              <a:rPr lang="de-DE" dirty="0" smtClean="0"/>
-              <a:t>Support </a:t>
-            </a:r>
-            <a:r>
-              <a:rPr lang="de-DE" dirty="0" err="1" smtClean="0"/>
-              <a:t>by</a:t>
-            </a:r>
-            <a:r>
-              <a:rPr lang="de-DE" dirty="0" smtClean="0"/>
-              <a:t> different </a:t>
-            </a:r>
-            <a:r>
-              <a:rPr lang="de-DE" dirty="0" err="1" smtClean="0"/>
-              <a:t>ssl</a:t>
-            </a:r>
-            <a:r>
-              <a:rPr lang="de-DE" dirty="0" smtClean="0"/>
-              <a:t> </a:t>
-            </a:r>
-            <a:r>
-              <a:rPr lang="de-DE" dirty="0" err="1" smtClean="0"/>
-              <a:t>libs</a:t>
-            </a:r>
-            <a:r>
-              <a:rPr lang="de-DE" dirty="0" smtClean="0"/>
-              <a:t> (</a:t>
-            </a:r>
-            <a:r>
-              <a:rPr lang="de-DE" dirty="0" err="1" smtClean="0"/>
-              <a:t>gnutls</a:t>
-            </a:r>
-            <a:r>
-              <a:rPr lang="de-DE" dirty="0" smtClean="0"/>
-              <a:t>, openssl,...) vs.</a:t>
-            </a:r>
-          </a:p>
-          <a:p>
-            <a:pPr lvl="1"/>
-            <a:r>
-              <a:rPr lang="de-DE" dirty="0" smtClean="0"/>
-              <a:t>Different </a:t>
-            </a:r>
-            <a:r>
-              <a:rPr lang="de-DE" dirty="0" err="1" smtClean="0"/>
-              <a:t>versions</a:t>
-            </a:r>
-            <a:r>
-              <a:rPr lang="de-DE" dirty="0" smtClean="0"/>
-              <a:t> of </a:t>
-            </a:r>
-            <a:r>
-              <a:rPr lang="de-DE" dirty="0" err="1" smtClean="0"/>
-              <a:t>ssl</a:t>
-            </a:r>
-            <a:r>
-              <a:rPr lang="de-DE" dirty="0" smtClean="0"/>
-              <a:t> </a:t>
-            </a:r>
-            <a:r>
-              <a:rPr lang="de-DE" dirty="0" err="1" smtClean="0"/>
-              <a:t>libs</a:t>
-            </a:r>
+            <a:r>
+              <a:rPr lang="de-DE" dirty="0" smtClean="0"/>
+              <a:t>Multi-dimensional </a:t>
+            </a:r>
+            <a:br>
+              <a:rPr lang="de-DE" dirty="0" smtClean="0"/>
+            </a:br>
+            <a:r>
+              <a:rPr lang="de-DE" dirty="0" err="1" smtClean="0"/>
+              <a:t>optimisation</a:t>
+            </a:r>
+            <a:r>
+              <a:rPr lang="de-DE" dirty="0" smtClean="0"/>
+              <a:t/>
+            </a:r>
+            <a:br>
+              <a:rPr lang="de-DE" dirty="0" smtClean="0"/>
+            </a:br>
             <a:endParaRPr lang="de-DE" dirty="0" smtClean="0"/>
           </a:p>
           <a:p>
             <a:r>
-              <a:rPr lang="de-DE" dirty="0" smtClean="0"/>
-              <a:t>In </a:t>
-            </a:r>
-            <a:r>
-              <a:rPr lang="de-DE" dirty="0" err="1" smtClean="0"/>
-              <a:t>case</a:t>
-            </a:r>
-            <a:r>
-              <a:rPr lang="de-DE" dirty="0" smtClean="0"/>
-              <a:t> of </a:t>
-            </a:r>
-            <a:r>
-              <a:rPr lang="de-DE" dirty="0" err="1" smtClean="0"/>
-              <a:t>ssl</a:t>
-            </a:r>
-            <a:r>
-              <a:rPr lang="de-DE" dirty="0" smtClean="0"/>
-              <a:t> </a:t>
-            </a:r>
-            <a:r>
-              <a:rPr lang="de-DE" dirty="0" err="1" smtClean="0"/>
-              <a:t>lib</a:t>
-            </a:r>
-            <a:r>
-              <a:rPr lang="de-DE" dirty="0" smtClean="0"/>
-              <a:t> </a:t>
-            </a:r>
-            <a:r>
-              <a:rPr lang="de-DE" dirty="0" err="1" smtClean="0"/>
-              <a:t>version</a:t>
-            </a:r>
-            <a:r>
-              <a:rPr lang="de-DE" dirty="0" smtClean="0"/>
-              <a:t> </a:t>
-            </a:r>
-            <a:r>
-              <a:rPr lang="de-DE" dirty="0" err="1" smtClean="0"/>
-              <a:t>issues</a:t>
-            </a:r>
-            <a:r>
-              <a:rPr lang="de-DE" dirty="0" smtClean="0"/>
-              <a:t>: do </a:t>
-            </a:r>
-            <a:r>
-              <a:rPr lang="de-DE" dirty="0" err="1" smtClean="0"/>
-              <a:t>you</a:t>
-            </a:r>
-            <a:r>
-              <a:rPr lang="de-DE" dirty="0" smtClean="0"/>
-              <a:t> </a:t>
-            </a:r>
-            <a:r>
-              <a:rPr lang="de-DE" dirty="0" err="1" smtClean="0"/>
-              <a:t>want</a:t>
-            </a:r>
-            <a:r>
-              <a:rPr lang="de-DE" dirty="0" smtClean="0"/>
-              <a:t> </a:t>
-            </a:r>
+              <a:rPr lang="de-DE" dirty="0" err="1" smtClean="0"/>
+              <a:t>Consider</a:t>
+            </a:r>
+            <a:r>
+              <a:rPr lang="de-DE" dirty="0" smtClean="0"/>
+              <a:t> strong alternatives</a:t>
+            </a:r>
+            <a:br>
+              <a:rPr lang="de-DE" dirty="0" smtClean="0"/>
+            </a:br>
             <a:r>
               <a:rPr lang="de-DE" dirty="0" err="1" smtClean="0"/>
               <a:t>to</a:t>
             </a:r>
             <a:r>
               <a:rPr lang="de-DE" dirty="0" smtClean="0"/>
-              <a:t> </a:t>
-            </a:r>
-            <a:r>
-              <a:rPr lang="de-DE" dirty="0" err="1" smtClean="0"/>
-              <a:t>re-compile</a:t>
-            </a:r>
-            <a:r>
-              <a:rPr lang="de-DE" dirty="0" smtClean="0"/>
-              <a:t> </a:t>
-            </a:r>
-            <a:r>
-              <a:rPr lang="de-DE" dirty="0" err="1" smtClean="0"/>
-              <a:t>the</a:t>
-            </a:r>
-            <a:r>
-              <a:rPr lang="de-DE" dirty="0" smtClean="0"/>
-              <a:t> </a:t>
-            </a:r>
-            <a:r>
-              <a:rPr lang="de-DE" dirty="0" err="1" smtClean="0"/>
-              <a:t>whole</a:t>
-            </a:r>
-            <a:r>
-              <a:rPr lang="de-DE" dirty="0" smtClean="0"/>
-              <a:t> server </a:t>
+              <a:t> de-facto </a:t>
+            </a:r>
+            <a:r>
+              <a:rPr lang="de-DE" dirty="0" err="1" smtClean="0"/>
+              <a:t>standards</a:t>
+            </a:r>
+            <a:endParaRPr lang="de-DE" dirty="0"/>
+          </a:p>
+          <a:p>
+            <a:r>
+              <a:rPr lang="de-DE" dirty="0" smtClean="0"/>
+              <a:t>Potential </a:t>
+            </a:r>
+            <a:r>
+              <a:rPr lang="de-DE" dirty="0" err="1" smtClean="0"/>
+              <a:t>future</a:t>
+            </a:r>
+            <a:r>
+              <a:rPr lang="de-DE" dirty="0" smtClean="0"/>
+              <a:t> </a:t>
+            </a:r>
+            <a:r>
+              <a:rPr lang="de-DE" dirty="0" err="1" smtClean="0"/>
+              <a:t>solution</a:t>
+            </a:r>
+            <a:r>
+              <a:rPr lang="de-DE" dirty="0" smtClean="0"/>
+              <a:t>: </a:t>
+            </a:r>
+            <a:r>
+              <a:rPr lang="de-DE" dirty="0" err="1" smtClean="0"/>
+              <a:t>generator</a:t>
+            </a:r>
+            <a:r>
+              <a:rPr lang="de-DE" dirty="0" smtClean="0"/>
+              <a:t> </a:t>
             </a:r>
             <a:r>
               <a:rPr lang="de-DE" dirty="0" err="1" smtClean="0"/>
@@ -8230,19 +8314,11 @@
             </a:r>
             <a:r>
               <a:rPr lang="de-DE" dirty="0" smtClean="0"/>
-              <a:t> a </a:t>
-            </a:r>
-            <a:r>
-              <a:rPr lang="de-DE" dirty="0" err="1" smtClean="0"/>
-              <a:t>newer</a:t>
-            </a:r>
-            <a:r>
-              <a:rPr lang="de-DE" dirty="0" smtClean="0"/>
-              <a:t> </a:t>
-            </a:r>
-            <a:r>
-              <a:rPr lang="de-DE" dirty="0" err="1" smtClean="0"/>
-              <a:t>version</a:t>
+              <a:t> </a:t>
+            </a:r>
+            <a:r>
+              <a:rPr lang="de-DE" dirty="0" err="1" smtClean="0"/>
+              <a:t>settings</a:t>
             </a:r>
             <a:r>
               <a:rPr lang="de-DE" dirty="0" smtClean="0"/>
@@ -8250,88 +8326,6 @@
             </a:r>
           </a:p>
           <a:p>
-            <a:r>
-              <a:rPr lang="de-DE" dirty="0" err="1" smtClean="0"/>
-              <a:t>Be</a:t>
-            </a:r>
-            <a:r>
-              <a:rPr lang="de-DE" dirty="0" smtClean="0"/>
-              <a:t> </a:t>
-            </a:r>
-            <a:r>
-              <a:rPr lang="de-DE" dirty="0" err="1"/>
-              <a:t>aware</a:t>
-            </a:r>
-            <a:r>
-              <a:rPr lang="de-DE" dirty="0"/>
-              <a:t> of </a:t>
-            </a:r>
-            <a:r>
-              <a:rPr lang="de-DE" dirty="0" err="1"/>
-              <a:t>these</a:t>
-            </a:r>
-            <a:r>
-              <a:rPr lang="de-DE" dirty="0"/>
-              <a:t> </a:t>
-            </a:r>
-            <a:r>
-              <a:rPr lang="de-DE" dirty="0" err="1"/>
-              <a:t>issues</a:t>
-            </a:r>
-            <a:r>
-              <a:rPr lang="de-DE" dirty="0"/>
-              <a:t> </a:t>
-            </a:r>
-            <a:r>
-              <a:rPr lang="de-DE" dirty="0" err="1"/>
-              <a:t>before</a:t>
-            </a:r>
-            <a:r>
-              <a:rPr lang="de-DE" dirty="0"/>
-              <a:t> </a:t>
-            </a:r>
-            <a:r>
-              <a:rPr lang="de-DE" dirty="0" err="1"/>
-              <a:t>choosing</a:t>
-            </a:r>
-            <a:r>
-              <a:rPr lang="de-DE" dirty="0"/>
-              <a:t> </a:t>
-            </a:r>
-            <a:r>
-              <a:rPr lang="de-DE" dirty="0" err="1"/>
-              <a:t>your</a:t>
-            </a:r>
-            <a:r>
-              <a:rPr lang="de-DE" dirty="0"/>
-              <a:t> </a:t>
-            </a:r>
-            <a:r>
-              <a:rPr lang="de-DE" dirty="0" err="1"/>
-              <a:t>own</a:t>
-            </a:r>
-            <a:r>
-              <a:rPr lang="de-DE" dirty="0"/>
-              <a:t> </a:t>
-            </a:r>
-            <a:r>
-              <a:rPr lang="de-DE" dirty="0" err="1"/>
-              <a:t>cipher</a:t>
-            </a:r>
-            <a:r>
-              <a:rPr lang="de-DE" dirty="0"/>
-              <a:t> </a:t>
-            </a:r>
-            <a:r>
-              <a:rPr lang="de-DE" dirty="0" err="1"/>
-              <a:t>suite</a:t>
-            </a:r>
-            <a:endParaRPr lang="de-DE" dirty="0"/>
-          </a:p>
-          <a:p>
-            <a:pPr marL="457200" lvl="1" indent="0">
-              <a:buNone/>
-            </a:pPr>
             <a:endParaRPr lang="de-DE" dirty="0" smtClean="0"/>
           </a:p>
         </p:txBody>
@@ -8366,10 +8360,34 @@
           </a:p>
         </p:txBody>
       </p:sp>
+      <p:pic>
+        <p:nvPicPr>
+          <p:cNvPr id="7" name="Bild 6"/>
+          <p:cNvPicPr>
+            <a:picLocks noChangeAspect="1"/>
+          </p:cNvPicPr>
+          <p:nvPr/>
+        </p:nvPicPr>
+        <p:blipFill>
+          <a:blip r:embed="rId2"/>
+          <a:stretch>
+            <a:fillRect/>
+          </a:stretch>
+        </p:blipFill>
+        <p:spPr>
+          <a:xfrm>
+            <a:off x="5614198" y="1417638"/>
+            <a:ext cx="3072602" cy="2193304"/>
+          </a:xfrm>
+          <a:prstGeom prst="rect">
+            <a:avLst/>
+          </a:prstGeom>
+        </p:spPr>
+      </p:pic>
     </p:spTree>
     <p:extLst>
       <p:ext uri="{BB962C8B-B14F-4D97-AF65-F5344CB8AC3E}">
-        <p14:creationId xmlns:p14="http://schemas.microsoft.com/office/powerpoint/2010/main" val="2786823696"/>
+        <p14:creationId xmlns:p14="http://schemas.microsoft.com/office/powerpoint/2010/main" val="765680266"/>
       </p:ext>
     </p:extLst>
   </p:cSld>
@@ -8405,7 +8423,7 @@
       </p:grpSpPr>
       <p:sp>
         <p:nvSpPr>
-          <p:cNvPr id="2" name="Titel 1"/>
+          <p:cNvPr id="4" name="Titel 3"/>
           <p:cNvSpPr>
             <a:spLocks noGrp="1"/>
           </p:cNvSpPr>
@@ -8415,50 +8433,20 @@
         </p:nvSpPr>
         <p:spPr/>
         <p:txBody>
-          <a:bodyPr>
-            <a:normAutofit fontScale="90000"/>
-          </a:bodyPr>
-          <a:lstStyle/>
-          <a:p>
-            <a:r>
-              <a:rPr lang="de-DE" dirty="0" err="1" smtClean="0"/>
-              <a:t>Choosing</a:t>
-            </a:r>
-            <a:r>
-              <a:rPr lang="de-DE" dirty="0" smtClean="0"/>
-              <a:t> </a:t>
-            </a:r>
-            <a:r>
-              <a:rPr lang="de-DE" dirty="0" err="1" smtClean="0"/>
-              <a:t>your</a:t>
-            </a:r>
-            <a:r>
-              <a:rPr lang="de-DE" dirty="0" smtClean="0"/>
-              <a:t> </a:t>
-            </a:r>
-            <a:r>
-              <a:rPr lang="de-DE" dirty="0" err="1" smtClean="0"/>
-              <a:t>own</a:t>
-            </a:r>
-            <a:r>
-              <a:rPr lang="de-DE" dirty="0" smtClean="0"/>
-              <a:t> </a:t>
-            </a:r>
-            <a:r>
-              <a:rPr lang="de-DE" dirty="0" err="1" smtClean="0"/>
-              <a:t>cipher</a:t>
-            </a:r>
-            <a:r>
-              <a:rPr lang="de-DE" dirty="0" smtClean="0"/>
-              <a:t> </a:t>
-            </a:r>
-            <a:r>
-              <a:rPr lang="de-DE" dirty="0" err="1" smtClean="0"/>
-              <a:t>string</a:t>
-            </a:r>
-            <a:r>
-              <a:rPr lang="de-DE" dirty="0" smtClean="0"/>
-              <a:t> (2)</a:t>
+          <a:bodyPr/>
+          <a:lstStyle/>
+          <a:p>
+            <a:r>
+              <a:rPr lang="de-DE" dirty="0" err="1" smtClean="0"/>
+              <a:t>Practical</a:t>
+            </a:r>
+            <a:r>
+              <a:rPr lang="de-DE" dirty="0" smtClean="0"/>
+              <a:t> </a:t>
+            </a:r>
+            <a:r>
+              <a:rPr lang="de-DE" dirty="0" err="1" smtClean="0"/>
+              <a:t>settings</a:t>
             </a:r>
             <a:endParaRPr lang="de-DE" dirty="0"/>
           </a:p>
@@ -8466,114 +8454,33 @@
       </p:sp>
       <p:sp>
         <p:nvSpPr>
-          <p:cNvPr id="3" name="Inhaltsplatzhalter 2"/>
-          <p:cNvSpPr>
-            <a:spLocks noGrp="1"/>
-          </p:cNvSpPr>
-          <p:nvPr>
-            <p:ph idx="1"/>
+          <p:cNvPr id="5" name="Textplatzhalter 4"/>
+          <p:cNvSpPr>
+            <a:spLocks noGrp="1"/>
+          </p:cNvSpPr>
+          <p:nvPr>
+            <p:ph type="body" idx="1"/>
           </p:nvPr>
         </p:nvSpPr>
         <p:spPr/>
         <p:txBody>
-          <a:bodyPr>
-            <a:normAutofit fontScale="92500"/>
-          </a:bodyPr>
-          <a:lstStyle/>
-          <a:p>
-            <a:r>
-              <a:rPr lang="de-DE" dirty="0" err="1" smtClean="0"/>
-              <a:t>Complexity</a:t>
-            </a:r>
-            <a:endParaRPr lang="de-DE" dirty="0" smtClean="0"/>
-          </a:p>
-          <a:p>
-            <a:r>
-              <a:rPr lang="de-DE" dirty="0" smtClean="0"/>
-              <a:t>Multi-dimensional </a:t>
-            </a:r>
-            <a:r>
-              <a:rPr lang="de-DE" dirty="0" err="1" smtClean="0"/>
-              <a:t>optimisation</a:t>
-            </a:r>
-            <a:endParaRPr lang="de-DE" dirty="0" smtClean="0"/>
-          </a:p>
-          <a:p>
-            <a:endParaRPr lang="de-DE" dirty="0"/>
-          </a:p>
-          <a:p>
-            <a:endParaRPr lang="de-DE" dirty="0" smtClean="0"/>
-          </a:p>
-          <a:p>
-            <a:endParaRPr lang="de-DE" dirty="0"/>
-          </a:p>
-          <a:p>
-            <a:endParaRPr lang="de-DE" dirty="0" smtClean="0"/>
-          </a:p>
-          <a:p>
-            <a:endParaRPr lang="de-DE" dirty="0"/>
-          </a:p>
-          <a:p>
-            <a:r>
-              <a:rPr lang="de-DE" dirty="0" smtClean="0"/>
-              <a:t>Potential </a:t>
-            </a:r>
-            <a:r>
-              <a:rPr lang="de-DE" dirty="0" err="1" smtClean="0"/>
-              <a:t>future</a:t>
-            </a:r>
-            <a:r>
-              <a:rPr lang="de-DE" dirty="0" smtClean="0"/>
-              <a:t> </a:t>
-            </a:r>
-            <a:r>
-              <a:rPr lang="de-DE" dirty="0" err="1" smtClean="0"/>
-              <a:t>solution</a:t>
-            </a:r>
-            <a:r>
-              <a:rPr lang="de-DE" dirty="0" smtClean="0"/>
-              <a:t>: </a:t>
-            </a:r>
-            <a:r>
-              <a:rPr lang="de-DE" dirty="0" err="1" smtClean="0"/>
-              <a:t>generator</a:t>
-            </a:r>
-            <a:r>
-              <a:rPr lang="de-DE" dirty="0" smtClean="0"/>
-              <a:t> </a:t>
-            </a:r>
-            <a:r>
-              <a:rPr lang="de-DE" dirty="0" err="1" smtClean="0"/>
-              <a:t>for</a:t>
-            </a:r>
-            <a:r>
-              <a:rPr lang="de-DE" dirty="0" smtClean="0"/>
-              <a:t> </a:t>
-            </a:r>
-            <a:r>
-              <a:rPr lang="de-DE" dirty="0" err="1" smtClean="0"/>
-              <a:t>settings</a:t>
-            </a:r>
-            <a:r>
-              <a:rPr lang="de-DE" dirty="0" smtClean="0"/>
-              <a:t>?</a:t>
-            </a:r>
-          </a:p>
-          <a:p>
-            <a:endParaRPr lang="de-DE" dirty="0" smtClean="0"/>
-          </a:p>
-        </p:txBody>
-      </p:sp>
-      <p:sp>
-        <p:nvSpPr>
-          <p:cNvPr id="4" name="Textfeld 3"/>
+          <a:bodyPr/>
+          <a:lstStyle/>
+          <a:p>
+            <a:endParaRPr lang="de-DE"/>
+          </a:p>
+        </p:txBody>
+      </p:sp>
+      <p:sp>
+        <p:nvSpPr>
+          <p:cNvPr id="6" name="Textfeld 5"/>
           <p:cNvSpPr txBox="1"/>
           <p:nvPr/>
         </p:nvSpPr>
         <p:spPr>
           <a:xfrm>
-            <a:off x="7318323" y="6126163"/>
-            <a:ext cx="1676031" cy="369332"/>
+            <a:off x="7297503" y="6126163"/>
+            <a:ext cx="1389297" cy="369332"/>
           </a:xfrm>
           <a:prstGeom prst="rect">
             <a:avLst/>
@@ -8588,40 +8495,16 @@
           <a:p>
             <a:r>
               <a:rPr lang="de-DE" dirty="0" smtClean="0"/>
-              <a:t>Adi</a:t>
+              <a:t>Aaron</a:t>
             </a:r>
             <a:endParaRPr lang="de-DE" dirty="0"/>
           </a:p>
         </p:txBody>
       </p:sp>
-      <p:pic>
-        <p:nvPicPr>
-          <p:cNvPr id="7" name="Bild 6"/>
-          <p:cNvPicPr>
-            <a:picLocks noChangeAspect="1"/>
-          </p:cNvPicPr>
-          <p:nvPr/>
-        </p:nvPicPr>
-        <p:blipFill>
-          <a:blip r:embed="rId2"/>
-          <a:stretch>
-            <a:fillRect/>
-          </a:stretch>
-        </p:blipFill>
-        <p:spPr>
-          <a:xfrm>
-            <a:off x="2590800" y="2748043"/>
-            <a:ext cx="3949700" cy="2819400"/>
-          </a:xfrm>
-          <a:prstGeom prst="rect">
-            <a:avLst/>
-          </a:prstGeom>
-        </p:spPr>
-      </p:pic>
     </p:spTree>
     <p:extLst>
       <p:ext uri="{BB962C8B-B14F-4D97-AF65-F5344CB8AC3E}">
-        <p14:creationId xmlns:p14="http://schemas.microsoft.com/office/powerpoint/2010/main" val="765680266"/>
+        <p14:creationId xmlns:p14="http://schemas.microsoft.com/office/powerpoint/2010/main" val="1813752796"/>
       </p:ext>
     </p:extLst>
   </p:cSld>
@@ -8657,7 +8540,7 @@
       </p:grpSpPr>
       <p:sp>
         <p:nvSpPr>
-          <p:cNvPr id="4" name="Titel 3"/>
+          <p:cNvPr id="6" name="Titel 5"/>
           <p:cNvSpPr>
             <a:spLocks noGrp="1"/>
           </p:cNvSpPr>
@@ -8672,15 +8555,31 @@
           <a:p>
             <a:r>
               <a:rPr lang="de-DE" dirty="0" err="1" smtClean="0"/>
-              <a:t>Practical</a:t>
-            </a:r>
-            <a:r>
-              <a:rPr lang="de-DE" dirty="0" smtClean="0"/>
-              <a:t> </a:t>
-            </a:r>
-            <a:r>
-              <a:rPr lang="de-DE" dirty="0" err="1" smtClean="0"/>
-              <a:t>settings</a:t>
+              <a:t>What</a:t>
+            </a:r>
+            <a:r>
+              <a:rPr lang="de-DE" dirty="0" smtClean="0"/>
+              <a:t> </a:t>
+            </a:r>
+            <a:r>
+              <a:rPr lang="de-DE" dirty="0" err="1" smtClean="0"/>
+              <a:t>we</a:t>
+            </a:r>
+            <a:r>
+              <a:rPr lang="de-DE" dirty="0" smtClean="0"/>
+              <a:t> </a:t>
+            </a:r>
+            <a:r>
+              <a:rPr lang="de-DE" dirty="0" err="1" smtClean="0"/>
+              <a:t>have</a:t>
+            </a:r>
+            <a:r>
+              <a:rPr lang="de-DE" dirty="0" smtClean="0"/>
+              <a:t> so </a:t>
+            </a:r>
+            <a:r>
+              <a:rPr lang="de-DE" dirty="0" err="1" smtClean="0"/>
+              <a:t>far</a:t>
             </a:r>
             <a:endParaRPr lang="de-DE" dirty="0"/>
           </a:p>
@@ -8688,26 +8587,124 @@
       </p:sp>
       <p:sp>
         <p:nvSpPr>
-          <p:cNvPr id="5" name="Textplatzhalter 4"/>
-          <p:cNvSpPr>
-            <a:spLocks noGrp="1"/>
-          </p:cNvSpPr>
-          <p:nvPr>
-            <p:ph type="body" idx="1"/>
+          <p:cNvPr id="7" name="Inhaltsplatzhalter 6"/>
+          <p:cNvSpPr>
+            <a:spLocks noGrp="1"/>
+          </p:cNvSpPr>
+          <p:nvPr>
+            <p:ph idx="1"/>
           </p:nvPr>
         </p:nvSpPr>
         <p:spPr/>
         <p:txBody>
-          <a:bodyPr/>
-          <a:lstStyle/>
-          <a:p>
-            <a:endParaRPr lang="de-DE"/>
-          </a:p>
-        </p:txBody>
-      </p:sp>
-      <p:sp>
-        <p:nvSpPr>
-          <p:cNvPr id="6" name="Textfeld 5"/>
+          <a:bodyPr>
+            <a:normAutofit/>
+          </a:bodyPr>
+          <a:lstStyle/>
+          <a:p>
+            <a:r>
+              <a:rPr lang="de-DE" dirty="0" smtClean="0"/>
+              <a:t>Web server: Apache, </a:t>
+            </a:r>
+            <a:r>
+              <a:rPr lang="de-DE" dirty="0" err="1" smtClean="0"/>
+              <a:t>nginx</a:t>
+            </a:r>
+            <a:r>
+              <a:rPr lang="de-DE" dirty="0" smtClean="0"/>
+              <a:t>, IIS, </a:t>
+            </a:r>
+            <a:r>
+              <a:rPr lang="de-DE" dirty="0" err="1" smtClean="0"/>
+              <a:t>lighttpd</a:t>
+            </a:r>
+            <a:endParaRPr lang="de-DE" dirty="0"/>
+          </a:p>
+          <a:p>
+            <a:r>
+              <a:rPr lang="de-DE" dirty="0" smtClean="0"/>
+              <a:t>Mail: </a:t>
+            </a:r>
+            <a:r>
+              <a:rPr lang="de-DE" dirty="0" err="1" smtClean="0"/>
+              <a:t>Dovecot</a:t>
+            </a:r>
+            <a:r>
+              <a:rPr lang="de-DE" dirty="0" smtClean="0"/>
+              <a:t>, </a:t>
+            </a:r>
+            <a:r>
+              <a:rPr lang="de-DE" dirty="0" err="1" smtClean="0"/>
+              <a:t>cyrus</a:t>
+            </a:r>
+            <a:r>
+              <a:rPr lang="de-DE" dirty="0" smtClean="0"/>
+              <a:t>, </a:t>
+            </a:r>
+            <a:r>
+              <a:rPr lang="de-DE" dirty="0" err="1" smtClean="0"/>
+              <a:t>Postfix</a:t>
+            </a:r>
+            <a:r>
+              <a:rPr lang="de-DE" dirty="0" smtClean="0"/>
+              <a:t>, </a:t>
+            </a:r>
+            <a:r>
+              <a:rPr lang="de-DE" dirty="0" err="1" smtClean="0"/>
+              <a:t>Exim</a:t>
+            </a:r>
+            <a:endParaRPr lang="de-DE" dirty="0" smtClean="0">
+              <a:solidFill>
+                <a:srgbClr val="FF6600"/>
+              </a:solidFill>
+            </a:endParaRPr>
+          </a:p>
+          <a:p>
+            <a:r>
+              <a:rPr lang="de-DE" dirty="0" smtClean="0">
+                <a:solidFill>
+                  <a:srgbClr val="000000"/>
+                </a:solidFill>
+              </a:rPr>
+              <a:t>DBs</a:t>
+            </a:r>
+            <a:r>
+              <a:rPr lang="de-DE" dirty="0" smtClean="0">
+                <a:solidFill>
+                  <a:srgbClr val="000000"/>
+                </a:solidFill>
+              </a:rPr>
+              <a:t>:</a:t>
+            </a:r>
+            <a:r>
+              <a:rPr lang="de-DE" dirty="0" smtClean="0"/>
+              <a:t> </a:t>
+            </a:r>
+            <a:r>
+              <a:rPr lang="de-DE" dirty="0" smtClean="0"/>
+              <a:t>Mysql</a:t>
+            </a:r>
+          </a:p>
+          <a:p>
+            <a:r>
+              <a:rPr lang="de-DE" dirty="0" err="1" smtClean="0">
+                <a:solidFill>
+                  <a:srgbClr val="000000"/>
+                </a:solidFill>
+              </a:rPr>
+              <a:t>Proxies</a:t>
+            </a:r>
+            <a:endParaRPr lang="de-DE" dirty="0">
+              <a:solidFill>
+                <a:srgbClr val="000000"/>
+              </a:solidFill>
+            </a:endParaRPr>
+          </a:p>
+        </p:txBody>
+      </p:sp>
+      <p:sp>
+        <p:nvSpPr>
+          <p:cNvPr id="8" name="Textfeld 7"/>
           <p:cNvSpPr txBox="1"/>
           <p:nvPr/>
         </p:nvSpPr>
@@ -8738,7 +8735,7 @@
     </p:spTree>
     <p:extLst>
       <p:ext uri="{BB962C8B-B14F-4D97-AF65-F5344CB8AC3E}">
-        <p14:creationId xmlns:p14="http://schemas.microsoft.com/office/powerpoint/2010/main" val="1813752796"/>
+        <p14:creationId xmlns:p14="http://schemas.microsoft.com/office/powerpoint/2010/main" val="4235670127"/>
       </p:ext>
     </p:extLst>
   </p:cSld>
@@ -8774,7 +8771,7 @@
       </p:grpSpPr>
       <p:sp>
         <p:nvSpPr>
-          <p:cNvPr id="6" name="Titel 5"/>
+          <p:cNvPr id="2" name="Titel 1"/>
           <p:cNvSpPr>
             <a:spLocks noGrp="1"/>
           </p:cNvSpPr>
@@ -8805,15 +8802,31 @@
             </a:r>
             <a:r>
               <a:rPr lang="de-DE" dirty="0" err="1" smtClean="0"/>
-              <a:t>have</a:t>
-            </a:r>
-            <a:r>
-              <a:rPr lang="de-DE" dirty="0" smtClean="0"/>
-              <a:t> so </a:t>
-            </a:r>
-            <a:r>
-              <a:rPr lang="de-DE" dirty="0" err="1" smtClean="0"/>
-              <a:t>far</a:t>
+              <a:t>would</a:t>
+            </a:r>
+            <a:r>
+              <a:rPr lang="de-DE" dirty="0" smtClean="0"/>
+              <a:t> </a:t>
+            </a:r>
+            <a:r>
+              <a:rPr lang="de-DE" dirty="0" err="1" smtClean="0"/>
+              <a:t>like</a:t>
+            </a:r>
+            <a:r>
+              <a:rPr lang="de-DE" dirty="0" smtClean="0"/>
+              <a:t> </a:t>
+            </a:r>
+            <a:r>
+              <a:rPr lang="de-DE" dirty="0" err="1" smtClean="0"/>
+              <a:t>to</a:t>
+            </a:r>
+            <a:r>
+              <a:rPr lang="de-DE" dirty="0" smtClean="0"/>
+              <a:t> </a:t>
+            </a:r>
+            <a:r>
+              <a:rPr lang="de-DE" dirty="0" err="1" smtClean="0"/>
+              <a:t>see</a:t>
             </a:r>
             <a:endParaRPr lang="de-DE" dirty="0"/>
           </a:p>
@@ -8821,7 +8834,7 @@
       </p:sp>
       <p:sp>
         <p:nvSpPr>
-          <p:cNvPr id="7" name="Inhaltsplatzhalter 6"/>
+          <p:cNvPr id="3" name="Inhaltsplatzhalter 2"/>
           <p:cNvSpPr>
             <a:spLocks noGrp="1"/>
           </p:cNvSpPr>
@@ -8832,64 +8845,17 @@
         <p:spPr/>
         <p:txBody>
           <a:bodyPr>
-            <a:normAutofit/>
+            <a:normAutofit fontScale="92500" lnSpcReduction="10000"/>
           </a:bodyPr>
           <a:lstStyle/>
           <a:p>
             <a:r>
-              <a:rPr lang="de-DE" dirty="0" smtClean="0"/>
-              <a:t>Web server: Apache, </a:t>
-            </a:r>
-            <a:r>
-              <a:rPr lang="de-DE" dirty="0" err="1" smtClean="0"/>
-              <a:t>nginx</a:t>
-            </a:r>
-            <a:r>
-              <a:rPr lang="de-DE" dirty="0" smtClean="0"/>
-              <a:t>, IIS, </a:t>
-            </a:r>
-            <a:r>
-              <a:rPr lang="de-DE" dirty="0" err="1" smtClean="0"/>
-              <a:t>lighttpd</a:t>
-            </a:r>
-            <a:endParaRPr lang="de-DE" dirty="0"/>
-          </a:p>
-          <a:p>
-            <a:r>
-              <a:rPr lang="de-DE" dirty="0" smtClean="0"/>
+              <a:rPr lang="de-DE" dirty="0">
+                <a:solidFill>
+                  <a:srgbClr val="FF6600"/>
+                </a:solidFill>
+              </a:rPr>
               <a:t>Mail: </a:t>
-            </a:r>
-            <a:r>
-              <a:rPr lang="de-DE" dirty="0" err="1" smtClean="0"/>
-              <a:t>Dovecot</a:t>
-            </a:r>
-            <a:r>
-              <a:rPr lang="de-DE" dirty="0" smtClean="0"/>
-              <a:t>, </a:t>
-            </a:r>
-            <a:r>
-              <a:rPr lang="de-DE" dirty="0" err="1" smtClean="0"/>
-              <a:t>cyrus</a:t>
-            </a:r>
-            <a:r>
-              <a:rPr lang="de-DE" dirty="0" smtClean="0"/>
-              <a:t>, </a:t>
-            </a:r>
-            <a:r>
-              <a:rPr lang="de-DE" dirty="0" err="1" smtClean="0"/>
-              <a:t>Postfix</a:t>
-            </a:r>
-            <a:r>
-              <a:rPr lang="de-DE" dirty="0" smtClean="0"/>
-              <a:t>, </a:t>
-            </a:r>
-            <a:r>
-              <a:rPr lang="de-DE" dirty="0" err="1" smtClean="0"/>
-              <a:t>Exim</a:t>
-            </a:r>
-            <a:r>
-              <a:rPr lang="de-DE" dirty="0" smtClean="0"/>
-              <a:t>, </a:t>
             </a:r>
             <a:r>
               <a:rPr lang="de-DE" dirty="0" smtClean="0">
@@ -8904,48 +8870,183 @@
             <a:r>
               <a:rPr lang="de-DE" dirty="0" smtClean="0">
                 <a:solidFill>
-                  <a:srgbClr val="000000"/>
+                  <a:srgbClr val="FF6600"/>
                 </a:solidFill>
               </a:rPr>
-              <a:t>DBs</a:t>
-            </a:r>
-            <a:r>
-              <a:rPr lang="de-DE" dirty="0" smtClean="0">
-                <a:solidFill>
-                  <a:srgbClr val="000000"/>
-                </a:solidFill>
-              </a:rPr>
-              <a:t>:</a:t>
-            </a:r>
-            <a:r>
-              <a:rPr lang="de-DE" dirty="0" smtClean="0"/>
-              <a:t> </a:t>
-            </a:r>
-            <a:r>
-              <a:rPr lang="de-DE" dirty="0" smtClean="0"/>
-              <a:t>Mysql</a:t>
-            </a:r>
-          </a:p>
-          <a:p>
-            <a:r>
-              <a:rPr lang="de-DE" dirty="0" err="1" smtClean="0">
-                <a:solidFill>
-                  <a:srgbClr val="000000"/>
-                </a:solidFill>
-              </a:rPr>
-              <a:t>Proxies</a:t>
+              <a:t>SSH</a:t>
             </a:r>
             <a:endParaRPr lang="de-DE" dirty="0">
               <a:solidFill>
-                <a:srgbClr val="000000"/>
+                <a:srgbClr val="FF6600"/>
               </a:solidFill>
             </a:endParaRPr>
           </a:p>
-        </p:txBody>
-      </p:sp>
-      <p:sp>
-        <p:nvSpPr>
-          <p:cNvPr id="8" name="Textfeld 7"/>
+          <a:p>
+            <a:r>
+              <a:rPr lang="de-DE" dirty="0">
+                <a:solidFill>
+                  <a:srgbClr val="FF6600"/>
+                </a:solidFill>
+              </a:rPr>
+              <a:t>VPN: </a:t>
+            </a:r>
+            <a:r>
+              <a:rPr lang="de-DE" dirty="0" err="1">
+                <a:solidFill>
+                  <a:srgbClr val="FF6600"/>
+                </a:solidFill>
+              </a:rPr>
+              <a:t>OpenVPN</a:t>
+            </a:r>
+            <a:r>
+              <a:rPr lang="de-DE" dirty="0">
+                <a:solidFill>
+                  <a:srgbClr val="FF6600"/>
+                </a:solidFill>
+              </a:rPr>
+              <a:t>, IPSec, PPTP, Cisco IPSec, </a:t>
+            </a:r>
+            <a:r>
+              <a:rPr lang="de-DE" dirty="0" err="1">
+                <a:solidFill>
+                  <a:srgbClr val="FF6600"/>
+                </a:solidFill>
+              </a:rPr>
+              <a:t>Juniper</a:t>
+            </a:r>
+            <a:r>
+              <a:rPr lang="de-DE" dirty="0">
+                <a:solidFill>
+                  <a:srgbClr val="FF6600"/>
+                </a:solidFill>
+              </a:rPr>
+              <a:t> </a:t>
+            </a:r>
+            <a:r>
+              <a:rPr lang="de-DE" dirty="0" err="1">
+                <a:solidFill>
+                  <a:srgbClr val="FF6600"/>
+                </a:solidFill>
+              </a:rPr>
+              <a:t>Ipsec</a:t>
+            </a:r>
+            <a:r>
+              <a:rPr lang="de-DE" dirty="0">
+                <a:solidFill>
+                  <a:srgbClr val="FF6600"/>
+                </a:solidFill>
+              </a:rPr>
+              <a:t>, L2TP, </a:t>
+            </a:r>
+            <a:r>
+              <a:rPr lang="de-DE" dirty="0" err="1">
+                <a:solidFill>
+                  <a:srgbClr val="FF6600"/>
+                </a:solidFill>
+              </a:rPr>
+              <a:t>Racoon</a:t>
+            </a:r>
+            <a:endParaRPr lang="de-DE" dirty="0">
+              <a:solidFill>
+                <a:srgbClr val="FF6600"/>
+              </a:solidFill>
+            </a:endParaRPr>
+          </a:p>
+          <a:p>
+            <a:r>
+              <a:rPr lang="de-DE" dirty="0">
+                <a:solidFill>
+                  <a:srgbClr val="FF6600"/>
+                </a:solidFill>
+              </a:rPr>
+              <a:t>PGP</a:t>
+            </a:r>
+          </a:p>
+          <a:p>
+            <a:r>
+              <a:rPr lang="de-DE" dirty="0">
+                <a:solidFill>
+                  <a:srgbClr val="FF6600"/>
+                </a:solidFill>
+              </a:rPr>
+              <a:t>IPMI, ILO, ...</a:t>
+            </a:r>
+          </a:p>
+          <a:p>
+            <a:r>
+              <a:rPr lang="de-DE" dirty="0">
+                <a:solidFill>
+                  <a:srgbClr val="FF6600"/>
+                </a:solidFill>
+              </a:rPr>
+              <a:t>SIP</a:t>
+            </a:r>
+          </a:p>
+          <a:p>
+            <a:r>
+              <a:rPr lang="de-DE" dirty="0" smtClean="0">
+                <a:solidFill>
+                  <a:srgbClr val="FF6600"/>
+                </a:solidFill>
+              </a:rPr>
+              <a:t>XMPP</a:t>
+            </a:r>
+          </a:p>
+          <a:p>
+            <a:r>
+              <a:rPr lang="de-DE" dirty="0">
+                <a:solidFill>
+                  <a:srgbClr val="FF6600"/>
+                </a:solidFill>
+              </a:rPr>
+              <a:t>DBs: </a:t>
+            </a:r>
+            <a:r>
+              <a:rPr lang="de-DE" dirty="0" err="1" smtClean="0">
+                <a:solidFill>
+                  <a:srgbClr val="FF6600"/>
+                </a:solidFill>
+              </a:rPr>
+              <a:t>Postgresql</a:t>
+            </a:r>
+            <a:r>
+              <a:rPr lang="de-DE" dirty="0" smtClean="0">
+                <a:solidFill>
+                  <a:srgbClr val="FF6600"/>
+                </a:solidFill>
+              </a:rPr>
+              <a:t>, Oracle</a:t>
+            </a:r>
+            <a:r>
+              <a:rPr lang="de-DE" dirty="0">
+                <a:solidFill>
+                  <a:srgbClr val="FF6600"/>
+                </a:solidFill>
+              </a:rPr>
+              <a:t>, </a:t>
+            </a:r>
+            <a:r>
+              <a:rPr lang="de-DE" dirty="0" smtClean="0">
+                <a:solidFill>
+                  <a:srgbClr val="FF6600"/>
+                </a:solidFill>
+              </a:rPr>
+              <a:t>DB2, Informix</a:t>
+            </a:r>
+            <a:endParaRPr lang="de-DE" dirty="0">
+              <a:solidFill>
+                <a:srgbClr val="FF6600"/>
+              </a:solidFill>
+            </a:endParaRPr>
+          </a:p>
+          <a:p>
+            <a:endParaRPr lang="de-DE" dirty="0"/>
+          </a:p>
+        </p:txBody>
+      </p:sp>
+      <p:sp>
+        <p:nvSpPr>
+          <p:cNvPr id="4" name="Textfeld 3"/>
           <p:cNvSpPr txBox="1"/>
           <p:nvPr/>
         </p:nvSpPr>
@@ -8976,7 +9077,7 @@
     </p:spTree>
     <p:extLst>
       <p:ext uri="{BB962C8B-B14F-4D97-AF65-F5344CB8AC3E}">
-        <p14:creationId xmlns:p14="http://schemas.microsoft.com/office/powerpoint/2010/main" val="4235670127"/>
+        <p14:creationId xmlns:p14="http://schemas.microsoft.com/office/powerpoint/2010/main" val="3458012645"/>
       </p:ext>
     </p:extLst>
   </p:cSld>
@@ -9149,349 +9250,7 @@
 </file>
 
 <file path=ppt/slides/slide30.xml><?xml version="1.0" encoding="utf-8"?>
-<p:sld xmlns:a="http://schemas.openxmlformats.org/drawingml/2006/main" xmlns:r="http://schemas.openxmlformats.org/officeDocument/2006/relationships" xmlns:p="http://schemas.openxmlformats.org/presentationml/2006/main">
-  <p:cSld>
-    <p:spTree>
-      <p:nvGrpSpPr>
-        <p:cNvPr id="1" name=""/>
-        <p:cNvGrpSpPr/>
-        <p:nvPr/>
-      </p:nvGrpSpPr>
-      <p:grpSpPr>
-        <a:xfrm>
-          <a:off x="0" y="0"/>
-          <a:ext cx="0" cy="0"/>
-          <a:chOff x="0" y="0"/>
-          <a:chExt cx="0" cy="0"/>
-        </a:xfrm>
-      </p:grpSpPr>
-      <p:sp>
-        <p:nvSpPr>
-          <p:cNvPr id="2" name="Titel 1"/>
-          <p:cNvSpPr>
-            <a:spLocks noGrp="1"/>
-          </p:cNvSpPr>
-          <p:nvPr>
-            <p:ph type="title"/>
-          </p:nvPr>
-        </p:nvSpPr>
-        <p:spPr/>
-        <p:txBody>
-          <a:bodyPr/>
-          <a:lstStyle/>
-          <a:p>
-            <a:r>
-              <a:rPr lang="de-DE" dirty="0" err="1" smtClean="0"/>
-              <a:t>What</a:t>
-            </a:r>
-            <a:r>
-              <a:rPr lang="de-DE" dirty="0" smtClean="0"/>
-              <a:t> </a:t>
-            </a:r>
-            <a:r>
-              <a:rPr lang="de-DE" dirty="0" err="1" smtClean="0"/>
-              <a:t>we</a:t>
-            </a:r>
-            <a:r>
-              <a:rPr lang="de-DE" dirty="0" smtClean="0"/>
-              <a:t> </a:t>
-            </a:r>
-            <a:r>
-              <a:rPr lang="de-DE" dirty="0" err="1" smtClean="0"/>
-              <a:t>would</a:t>
-            </a:r>
-            <a:r>
-              <a:rPr lang="de-DE" dirty="0" smtClean="0"/>
-              <a:t> </a:t>
-            </a:r>
-            <a:r>
-              <a:rPr lang="de-DE" dirty="0" err="1" smtClean="0"/>
-              <a:t>like</a:t>
-            </a:r>
-            <a:r>
-              <a:rPr lang="de-DE" dirty="0" smtClean="0"/>
-              <a:t> </a:t>
-            </a:r>
-            <a:r>
-              <a:rPr lang="de-DE" dirty="0" err="1" smtClean="0"/>
-              <a:t>to</a:t>
-            </a:r>
-            <a:r>
-              <a:rPr lang="de-DE" dirty="0" smtClean="0"/>
-              <a:t> </a:t>
-            </a:r>
-            <a:r>
-              <a:rPr lang="de-DE" dirty="0" err="1" smtClean="0"/>
-              <a:t>see</a:t>
-            </a:r>
-            <a:endParaRPr lang="de-DE" dirty="0"/>
-          </a:p>
-        </p:txBody>
-      </p:sp>
-      <p:sp>
-        <p:nvSpPr>
-          <p:cNvPr id="3" name="Inhaltsplatzhalter 2"/>
-          <p:cNvSpPr>
-            <a:spLocks noGrp="1"/>
-          </p:cNvSpPr>
-          <p:nvPr>
-            <p:ph idx="1"/>
-          </p:nvPr>
-        </p:nvSpPr>
-        <p:spPr/>
-        <p:txBody>
-          <a:bodyPr>
-            <a:normAutofit fontScale="92500" lnSpcReduction="10000"/>
-          </a:bodyPr>
-          <a:lstStyle/>
-          <a:p>
-            <a:r>
-              <a:rPr lang="de-DE" dirty="0">
-                <a:solidFill>
-                  <a:srgbClr val="FF6600"/>
-                </a:solidFill>
-              </a:rPr>
-              <a:t>Mail: </a:t>
-            </a:r>
-            <a:r>
-              <a:rPr lang="de-DE" dirty="0" smtClean="0">
-                <a:solidFill>
-                  <a:srgbClr val="FF6600"/>
-                </a:solidFill>
-              </a:rPr>
-              <a:t>Exchange</a:t>
-            </a:r>
-          </a:p>
-          <a:p>
-            <a:r>
-              <a:rPr lang="de-DE" dirty="0" smtClean="0">
-                <a:solidFill>
-                  <a:srgbClr val="FF6600"/>
-                </a:solidFill>
-              </a:rPr>
-              <a:t>SSH</a:t>
-            </a:r>
-            <a:endParaRPr lang="de-DE" dirty="0">
-              <a:solidFill>
-                <a:srgbClr val="FF6600"/>
-              </a:solidFill>
-            </a:endParaRPr>
-          </a:p>
-          <a:p>
-            <a:r>
-              <a:rPr lang="de-DE" dirty="0">
-                <a:solidFill>
-                  <a:srgbClr val="FF6600"/>
-                </a:solidFill>
-              </a:rPr>
-              <a:t>VPN: </a:t>
-            </a:r>
-            <a:r>
-              <a:rPr lang="de-DE" dirty="0" err="1">
-                <a:solidFill>
-                  <a:srgbClr val="FF6600"/>
-                </a:solidFill>
-              </a:rPr>
-              <a:t>OpenVPN</a:t>
-            </a:r>
-            <a:r>
-              <a:rPr lang="de-DE" dirty="0">
-                <a:solidFill>
-                  <a:srgbClr val="FF6600"/>
-                </a:solidFill>
-              </a:rPr>
-              <a:t>, IPSec, PPTP, Cisco IPSec, </a:t>
-            </a:r>
-            <a:r>
-              <a:rPr lang="de-DE" dirty="0" err="1">
-                <a:solidFill>
-                  <a:srgbClr val="FF6600"/>
-                </a:solidFill>
-              </a:rPr>
-              <a:t>Juniper</a:t>
-            </a:r>
-            <a:r>
-              <a:rPr lang="de-DE" dirty="0">
-                <a:solidFill>
-                  <a:srgbClr val="FF6600"/>
-                </a:solidFill>
-              </a:rPr>
-              <a:t> </a:t>
-            </a:r>
-            <a:r>
-              <a:rPr lang="de-DE" dirty="0" err="1">
-                <a:solidFill>
-                  <a:srgbClr val="FF6600"/>
-                </a:solidFill>
-              </a:rPr>
-              <a:t>Ipsec</a:t>
-            </a:r>
-            <a:r>
-              <a:rPr lang="de-DE" dirty="0">
-                <a:solidFill>
-                  <a:srgbClr val="FF6600"/>
-                </a:solidFill>
-              </a:rPr>
-              <a:t>, L2TP, </a:t>
-            </a:r>
-            <a:r>
-              <a:rPr lang="de-DE" dirty="0" err="1">
-                <a:solidFill>
-                  <a:srgbClr val="FF6600"/>
-                </a:solidFill>
-              </a:rPr>
-              <a:t>Racoon</a:t>
-            </a:r>
-            <a:endParaRPr lang="de-DE" dirty="0">
-              <a:solidFill>
-                <a:srgbClr val="FF6600"/>
-              </a:solidFill>
-            </a:endParaRPr>
-          </a:p>
-          <a:p>
-            <a:r>
-              <a:rPr lang="de-DE" dirty="0">
-                <a:solidFill>
-                  <a:srgbClr val="FF6600"/>
-                </a:solidFill>
-              </a:rPr>
-              <a:t>PGP</a:t>
-            </a:r>
-          </a:p>
-          <a:p>
-            <a:r>
-              <a:rPr lang="de-DE" dirty="0">
-                <a:solidFill>
-                  <a:srgbClr val="FF6600"/>
-                </a:solidFill>
-              </a:rPr>
-              <a:t>IPMI, ILO, ...</a:t>
-            </a:r>
-          </a:p>
-          <a:p>
-            <a:r>
-              <a:rPr lang="de-DE" dirty="0">
-                <a:solidFill>
-                  <a:srgbClr val="FF6600"/>
-                </a:solidFill>
-              </a:rPr>
-              <a:t>SIP</a:t>
-            </a:r>
-          </a:p>
-          <a:p>
-            <a:r>
-              <a:rPr lang="de-DE" dirty="0" smtClean="0">
-                <a:solidFill>
-                  <a:srgbClr val="FF6600"/>
-                </a:solidFill>
-              </a:rPr>
-              <a:t>XMPP</a:t>
-            </a:r>
-          </a:p>
-          <a:p>
-            <a:r>
-              <a:rPr lang="de-DE" dirty="0">
-                <a:solidFill>
-                  <a:srgbClr val="FF6600"/>
-                </a:solidFill>
-              </a:rPr>
-              <a:t>DBs: </a:t>
-            </a:r>
-            <a:r>
-              <a:rPr lang="de-DE" dirty="0" err="1" smtClean="0">
-                <a:solidFill>
-                  <a:srgbClr val="FF6600"/>
-                </a:solidFill>
-              </a:rPr>
-              <a:t>Postgresql</a:t>
-            </a:r>
-            <a:r>
-              <a:rPr lang="de-DE" dirty="0" smtClean="0">
-                <a:solidFill>
-                  <a:srgbClr val="FF6600"/>
-                </a:solidFill>
-              </a:rPr>
-              <a:t>, Oracle</a:t>
-            </a:r>
-            <a:r>
-              <a:rPr lang="de-DE" dirty="0">
-                <a:solidFill>
-                  <a:srgbClr val="FF6600"/>
-                </a:solidFill>
-              </a:rPr>
-              <a:t>, </a:t>
-            </a:r>
-            <a:r>
-              <a:rPr lang="de-DE" dirty="0" smtClean="0">
-                <a:solidFill>
-                  <a:srgbClr val="FF6600"/>
-                </a:solidFill>
-              </a:rPr>
-              <a:t>DB2, Informix</a:t>
-            </a:r>
-            <a:endParaRPr lang="de-DE" dirty="0">
-              <a:solidFill>
-                <a:srgbClr val="FF6600"/>
-              </a:solidFill>
-            </a:endParaRPr>
-          </a:p>
-          <a:p>
-            <a:endParaRPr lang="de-DE" dirty="0"/>
-          </a:p>
-        </p:txBody>
-      </p:sp>
-      <p:sp>
-        <p:nvSpPr>
-          <p:cNvPr id="4" name="Textfeld 3"/>
-          <p:cNvSpPr txBox="1"/>
-          <p:nvPr/>
-        </p:nvSpPr>
-        <p:spPr>
-          <a:xfrm>
-            <a:off x="7297503" y="6126163"/>
-            <a:ext cx="1389297" cy="369332"/>
-          </a:xfrm>
-          <a:prstGeom prst="rect">
-            <a:avLst/>
-          </a:prstGeom>
-          <a:noFill/>
-        </p:spPr>
-        <p:txBody>
-          <a:bodyPr wrap="square" rtlCol="0">
-            <a:spAutoFit/>
-          </a:bodyPr>
-          <a:lstStyle/>
-          <a:p>
-            <a:r>
-              <a:rPr lang="de-DE" dirty="0" smtClean="0"/>
-              <a:t>Aaron</a:t>
-            </a:r>
-            <a:endParaRPr lang="de-DE" dirty="0"/>
-          </a:p>
-        </p:txBody>
-      </p:sp>
-    </p:spTree>
-    <p:extLst>
-      <p:ext uri="{BB962C8B-B14F-4D97-AF65-F5344CB8AC3E}">
-        <p14:creationId xmlns:p14="http://schemas.microsoft.com/office/powerpoint/2010/main" val="3458012645"/>
-      </p:ext>
-    </p:extLst>
-  </p:cSld>
-  <p:clrMapOvr>
-    <a:masterClrMapping/>
-  </p:clrMapOvr>
-  <p:timing>
-    <p:tnLst>
-      <p:par>
-        <p:cTn xmlns:p14="http://schemas.microsoft.com/office/powerpoint/2010/main" id="1" dur="indefinite" restart="never" nodeType="tmRoot"/>
-      </p:par>
-    </p:tnLst>
-  </p:timing>
-</p:sld>
-</file>
-
-<file path=ppt/slides/slide31.xml><?xml version="1.0" encoding="utf-8"?>
-<p:sld xmlns:a="http://schemas.openxmlformats.org/drawingml/2006/main" xmlns:r="http://schemas.openxmlformats.org/officeDocument/2006/relationships" xmlns:p="http://schemas.openxmlformats.org/presentationml/2006/main">
+<p:sld xmlns:a="http://schemas.openxmlformats.org/drawingml/2006/main" xmlns:r="http://schemas.openxmlformats.org/officeDocument/2006/relationships" xmlns:p="http://schemas.openxmlformats.org/presentationml/2006/main" show="0">
   <p:cSld>
     <p:spTree>
       <p:nvGrpSpPr>
@@ -9783,6 +9542,14 @@
   <p:clrMapOvr>
     <a:masterClrMapping/>
   </p:clrMapOvr>
+  <mc:AlternateContent xmlns:mc="http://schemas.openxmlformats.org/markup-compatibility/2006">
+    <mc:Choice xmlns:p14="http://schemas.microsoft.com/office/powerpoint/2010/main" Requires="p14">
+      <p:transition spd="slow" p14:dur="2000"/>
+    </mc:Choice>
+    <mc:Fallback>
+      <p:transition xmlns:p14="http://schemas.microsoft.com/office/powerpoint/2010/main" spd="slow"/>
+    </mc:Fallback>
+  </mc:AlternateContent>
   <p:timing>
     <p:tnLst>
       <p:par>
@@ -9910,7 +9677,7 @@
 </p:sld>
 </file>
 
-<file path=ppt/slides/slide32.xml><?xml version="1.0" encoding="utf-8"?>
+<file path=ppt/slides/slide31.xml><?xml version="1.0" encoding="utf-8"?>
 <p:sld xmlns:a="http://schemas.openxmlformats.org/drawingml/2006/main" xmlns:r="http://schemas.openxmlformats.org/officeDocument/2006/relationships" xmlns:p="http://schemas.openxmlformats.org/presentationml/2006/main">
   <p:cSld>
     <p:spTree>
@@ -10019,7 +9786,7 @@
 </p:sld>
 </file>
 
-<file path=ppt/slides/slide33.xml><?xml version="1.0" encoding="utf-8"?>
+<file path=ppt/slides/slide32.xml><?xml version="1.0" encoding="utf-8"?>
 <p:sld xmlns:a="http://schemas.openxmlformats.org/drawingml/2006/main" xmlns:r="http://schemas.openxmlformats.org/officeDocument/2006/relationships" xmlns:p="http://schemas.openxmlformats.org/presentationml/2006/main">
   <p:cSld>
     <p:spTree>
@@ -10216,52 +9983,6 @@
               <a:t>SSLyze</a:t>
             </a:r>
             <a:endParaRPr lang="de-DE" dirty="0" smtClean="0"/>
-          </a:p>
-          <a:p>
-            <a:r>
-              <a:rPr lang="de-DE" dirty="0" smtClean="0"/>
-              <a:t>Potential </a:t>
-            </a:r>
-            <a:r>
-              <a:rPr lang="de-DE" dirty="0" err="1" smtClean="0"/>
-              <a:t>for</a:t>
-            </a:r>
-            <a:r>
-              <a:rPr lang="de-DE" dirty="0" smtClean="0"/>
-              <a:t> a </a:t>
-            </a:r>
-            <a:r>
-              <a:rPr lang="de-DE" dirty="0" err="1" smtClean="0"/>
-              <a:t>config</a:t>
-            </a:r>
-            <a:r>
-              <a:rPr lang="de-DE" dirty="0" smtClean="0"/>
-              <a:t> file </a:t>
-            </a:r>
-            <a:r>
-              <a:rPr lang="de-DE" dirty="0" err="1" smtClean="0"/>
-              <a:t>generator</a:t>
-            </a:r>
-            <a:r>
-              <a:rPr lang="de-DE" dirty="0" smtClean="0"/>
-              <a:t> (</a:t>
-            </a:r>
-            <a:r>
-              <a:rPr lang="de-DE" dirty="0" err="1" smtClean="0"/>
-              <a:t>as</a:t>
-            </a:r>
-            <a:r>
-              <a:rPr lang="de-DE" dirty="0" smtClean="0"/>
-              <a:t> </a:t>
-            </a:r>
-            <a:r>
-              <a:rPr lang="de-DE" dirty="0" err="1" smtClean="0"/>
-              <a:t>discussed</a:t>
-            </a:r>
-            <a:r>
-              <a:rPr lang="de-DE" dirty="0" smtClean="0"/>
-              <a:t>)?</a:t>
-            </a:r>
           </a:p>
         </p:txBody>
       </p:sp>
@@ -10315,7 +10036,7 @@
 </p:sld>
 </file>
 
-<file path=ppt/slides/slide34.xml><?xml version="1.0" encoding="utf-8"?>
+<file path=ppt/slides/slide33.xml><?xml version="1.0" encoding="utf-8"?>
 <p:sld xmlns:a="http://schemas.openxmlformats.org/drawingml/2006/main" xmlns:r="http://schemas.openxmlformats.org/officeDocument/2006/relationships" xmlns:p="http://schemas.openxmlformats.org/presentationml/2006/main">
   <p:cSld>
     <p:spTree>
@@ -10467,7 +10188,7 @@
 </p:sld>
 </file>
 
-<file path=ppt/slides/slide35.xml><?xml version="1.0" encoding="utf-8"?>
+<file path=ppt/slides/slide34.xml><?xml version="1.0" encoding="utf-8"?>
 <p:sld xmlns:a="http://schemas.openxmlformats.org/drawingml/2006/main" xmlns:r="http://schemas.openxmlformats.org/officeDocument/2006/relationships" xmlns:p="http://schemas.openxmlformats.org/presentationml/2006/main">
   <p:cSld>
     <p:spTree>
@@ -10555,7 +10276,7 @@
 </p:sld>
 </file>
 
-<file path=ppt/slides/slide36.xml><?xml version="1.0" encoding="utf-8"?>
+<file path=ppt/slides/slide35.xml><?xml version="1.0" encoding="utf-8"?>
 <p:sld xmlns:a="http://schemas.openxmlformats.org/drawingml/2006/main" xmlns:r="http://schemas.openxmlformats.org/officeDocument/2006/relationships" xmlns:p="http://schemas.openxmlformats.org/presentationml/2006/main">
   <p:cSld>
     <p:spTree>
@@ -10668,7 +10389,7 @@
 </p:sld>
 </file>
 
-<file path=ppt/slides/slide37.xml><?xml version="1.0" encoding="utf-8"?>
+<file path=ppt/slides/slide36.xml><?xml version="1.0" encoding="utf-8"?>
 <p:sld xmlns:a="http://schemas.openxmlformats.org/drawingml/2006/main" xmlns:r="http://schemas.openxmlformats.org/officeDocument/2006/relationships" xmlns:p="http://schemas.openxmlformats.org/presentationml/2006/main">
   <p:cSld>
     <p:spTree>
@@ -10760,7 +10481,7 @@
 </p:sld>
 </file>
 
-<file path=ppt/slides/slide38.xml><?xml version="1.0" encoding="utf-8"?>
+<file path=ppt/slides/slide37.xml><?xml version="1.0" encoding="utf-8"?>
 <p:sld xmlns:a="http://schemas.openxmlformats.org/drawingml/2006/main" xmlns:r="http://schemas.openxmlformats.org/officeDocument/2006/relationships" xmlns:p="http://schemas.openxmlformats.org/presentationml/2006/main">
   <p:cSld>
     <p:spTree>
@@ -10848,7 +10569,7 @@
 </p:sld>
 </file>
 
-<file path=ppt/slides/slide39.xml><?xml version="1.0" encoding="utf-8"?>
+<file path=ppt/slides/slide38.xml><?xml version="1.0" encoding="utf-8"?>
 <p:sld xmlns:a="http://schemas.openxmlformats.org/drawingml/2006/main" xmlns:r="http://schemas.openxmlformats.org/officeDocument/2006/relationships" xmlns:p="http://schemas.openxmlformats.org/presentationml/2006/main">
   <p:cSld>
     <p:spTree>
@@ -10957,7 +10678,7 @@
 </p:sld>
 </file>
 
-<file path=ppt/slides/slide4.xml><?xml version="1.0" encoding="utf-8"?>
+<file path=ppt/slides/slide39.xml><?xml version="1.0" encoding="utf-8"?>
 <p:sld xmlns:a="http://schemas.openxmlformats.org/drawingml/2006/main" xmlns:r="http://schemas.openxmlformats.org/officeDocument/2006/relationships" xmlns:p="http://schemas.openxmlformats.org/presentationml/2006/main">
   <p:cSld>
     <p:spTree>
@@ -10990,6 +10711,309 @@
           <a:lstStyle/>
           <a:p>
             <a:r>
+              <a:rPr lang="de-DE" dirty="0" err="1" smtClean="0"/>
+              <a:t>Current</a:t>
+            </a:r>
+            <a:r>
+              <a:rPr lang="de-DE" dirty="0" smtClean="0"/>
+              <a:t> </a:t>
+            </a:r>
+            <a:r>
+              <a:rPr lang="de-DE" dirty="0" err="1" smtClean="0"/>
+              <a:t>state</a:t>
+            </a:r>
+            <a:r>
+              <a:rPr lang="de-DE" dirty="0" smtClean="0"/>
+              <a:t> </a:t>
+            </a:r>
+            <a:r>
+              <a:rPr lang="de-DE" dirty="0" err="1" smtClean="0"/>
+              <a:t>as</a:t>
+            </a:r>
+            <a:r>
+              <a:rPr lang="de-DE" dirty="0" smtClean="0"/>
+              <a:t> of 2013/11/22</a:t>
+            </a:r>
+            <a:endParaRPr lang="de-DE" dirty="0"/>
+          </a:p>
+        </p:txBody>
+      </p:sp>
+      <p:sp>
+        <p:nvSpPr>
+          <p:cNvPr id="3" name="Inhaltsplatzhalter 2"/>
+          <p:cNvSpPr>
+            <a:spLocks noGrp="1"/>
+          </p:cNvSpPr>
+          <p:nvPr>
+            <p:ph idx="1"/>
+          </p:nvPr>
+        </p:nvSpPr>
+        <p:spPr/>
+        <p:txBody>
+          <a:bodyPr/>
+          <a:lstStyle/>
+          <a:p>
+            <a:pPr>
+              <a:buFont typeface="Wingdings" charset="2"/>
+              <a:buChar char="ü"/>
+            </a:pPr>
+            <a:r>
+              <a:rPr lang="de-DE" dirty="0" smtClean="0"/>
+              <a:t>Solid </a:t>
+            </a:r>
+            <a:r>
+              <a:rPr lang="de-DE" dirty="0" err="1" smtClean="0"/>
+              <a:t>basis</a:t>
+            </a:r>
+            <a:r>
+              <a:rPr lang="de-DE" dirty="0" smtClean="0"/>
+              <a:t> </a:t>
+            </a:r>
+            <a:r>
+              <a:rPr lang="de-DE" dirty="0" err="1" smtClean="0"/>
+              <a:t>with</a:t>
+            </a:r>
+            <a:r>
+              <a:rPr lang="de-DE" dirty="0" smtClean="0"/>
+              <a:t> Variant (A) </a:t>
+            </a:r>
+            <a:r>
+              <a:rPr lang="de-DE" dirty="0" err="1" smtClean="0"/>
+              <a:t>and</a:t>
+            </a:r>
+            <a:r>
+              <a:rPr lang="de-DE" dirty="0" smtClean="0"/>
+              <a:t> (B)</a:t>
+            </a:r>
+          </a:p>
+          <a:p>
+            <a:pPr>
+              <a:buFont typeface="Wingdings" charset="2"/>
+              <a:buChar char="ü"/>
+            </a:pPr>
+            <a:r>
+              <a:rPr lang="de-DE" dirty="0" err="1" smtClean="0"/>
+              <a:t>ToC</a:t>
+            </a:r>
+            <a:r>
+              <a:rPr lang="de-DE" dirty="0" smtClean="0"/>
+              <a:t> </a:t>
+            </a:r>
+            <a:r>
+              <a:rPr lang="de-DE" dirty="0" err="1" smtClean="0"/>
+              <a:t>is</a:t>
+            </a:r>
+            <a:r>
+              <a:rPr lang="de-DE" dirty="0" smtClean="0"/>
+              <a:t> in </a:t>
+            </a:r>
+            <a:r>
+              <a:rPr lang="de-DE" dirty="0" err="1" smtClean="0"/>
+              <a:t>freeze</a:t>
+            </a:r>
+            <a:r>
+              <a:rPr lang="de-DE" dirty="0" smtClean="0"/>
+              <a:t> </a:t>
+            </a:r>
+            <a:r>
+              <a:rPr lang="de-DE" dirty="0" err="1" smtClean="0"/>
+              <a:t>state</a:t>
+            </a:r>
+            <a:endParaRPr lang="de-DE" dirty="0" smtClean="0"/>
+          </a:p>
+          <a:p>
+            <a:r>
+              <a:rPr lang="de-DE" dirty="0" err="1" smtClean="0"/>
+              <a:t>Section</a:t>
+            </a:r>
+            <a:r>
+              <a:rPr lang="de-DE" dirty="0" smtClean="0"/>
+              <a:t> „</a:t>
+            </a:r>
+            <a:r>
+              <a:rPr lang="de-DE" dirty="0" err="1" smtClean="0"/>
+              <a:t>cipher</a:t>
+            </a:r>
+            <a:r>
+              <a:rPr lang="de-DE" dirty="0" smtClean="0"/>
+              <a:t> </a:t>
+            </a:r>
+            <a:r>
+              <a:rPr lang="de-DE" dirty="0" err="1" smtClean="0"/>
+              <a:t>suites</a:t>
+            </a:r>
+            <a:r>
+              <a:rPr lang="de-DE" dirty="0" smtClean="0"/>
+              <a:t>“ still a </a:t>
+            </a:r>
+            <a:r>
+              <a:rPr lang="de-DE" dirty="0" err="1" smtClean="0"/>
+              <a:t>bit</a:t>
+            </a:r>
+            <a:r>
+              <a:rPr lang="de-DE" dirty="0" smtClean="0"/>
+              <a:t> </a:t>
+            </a:r>
+            <a:r>
+              <a:rPr lang="de-DE" dirty="0" err="1" smtClean="0"/>
+              <a:t>messy</a:t>
+            </a:r>
+            <a:r>
+              <a:rPr lang="de-DE" dirty="0" smtClean="0"/>
+              <a:t>, </a:t>
+            </a:r>
+            <a:r>
+              <a:rPr lang="de-DE" dirty="0" err="1" smtClean="0"/>
+              <a:t>needs</a:t>
+            </a:r>
+            <a:r>
+              <a:rPr lang="de-DE" dirty="0" smtClean="0"/>
+              <a:t> </a:t>
+            </a:r>
+            <a:r>
+              <a:rPr lang="de-DE" dirty="0" err="1" smtClean="0"/>
+              <a:t>more</a:t>
+            </a:r>
+            <a:r>
+              <a:rPr lang="de-DE" dirty="0" smtClean="0"/>
+              <a:t> </a:t>
+            </a:r>
+            <a:r>
+              <a:rPr lang="de-DE" dirty="0" err="1" smtClean="0"/>
+              <a:t>work</a:t>
+            </a:r>
+            <a:endParaRPr lang="de-DE" dirty="0" smtClean="0"/>
+          </a:p>
+          <a:p>
+            <a:r>
+              <a:rPr lang="de-DE" dirty="0" err="1" smtClean="0"/>
+              <a:t>Section</a:t>
+            </a:r>
+            <a:r>
+              <a:rPr lang="de-DE" dirty="0" smtClean="0"/>
+              <a:t> „</a:t>
+            </a:r>
+            <a:r>
+              <a:rPr lang="de-DE" dirty="0" err="1" smtClean="0"/>
+              <a:t>practical</a:t>
+            </a:r>
+            <a:r>
+              <a:rPr lang="de-DE" dirty="0" smtClean="0"/>
+              <a:t> </a:t>
+            </a:r>
+            <a:r>
+              <a:rPr lang="de-DE" dirty="0" err="1" smtClean="0"/>
+              <a:t>settings</a:t>
+            </a:r>
+            <a:r>
+              <a:rPr lang="de-DE" dirty="0" smtClean="0"/>
+              <a:t>“ – WIP. Need </a:t>
+            </a:r>
+            <a:r>
+              <a:rPr lang="de-DE" dirty="0" err="1" smtClean="0"/>
+              <a:t>more</a:t>
+            </a:r>
+            <a:r>
+              <a:rPr lang="de-DE" dirty="0" smtClean="0"/>
+              <a:t> </a:t>
+            </a:r>
+            <a:r>
+              <a:rPr lang="de-DE" dirty="0" err="1" smtClean="0"/>
+              <a:t>input</a:t>
+            </a:r>
+            <a:r>
+              <a:rPr lang="de-DE" dirty="0" smtClean="0"/>
+              <a:t> on VPNs, PGP, SSH, IPMI, SIP, XMPP, DBs</a:t>
+            </a:r>
+          </a:p>
+          <a:p>
+            <a:endParaRPr lang="de-DE" dirty="0"/>
+          </a:p>
+        </p:txBody>
+      </p:sp>
+      <p:sp>
+        <p:nvSpPr>
+          <p:cNvPr id="4" name="Textfeld 3"/>
+          <p:cNvSpPr txBox="1"/>
+          <p:nvPr/>
+        </p:nvSpPr>
+        <p:spPr>
+          <a:xfrm>
+            <a:off x="7297503" y="6126163"/>
+            <a:ext cx="1389297" cy="369332"/>
+          </a:xfrm>
+          <a:prstGeom prst="rect">
+            <a:avLst/>
+          </a:prstGeom>
+          <a:noFill/>
+        </p:spPr>
+        <p:txBody>
+          <a:bodyPr wrap="square" rtlCol="0">
+            <a:spAutoFit/>
+          </a:bodyPr>
+          <a:lstStyle/>
+          <a:p>
+            <a:r>
+              <a:rPr lang="de-DE" dirty="0" smtClean="0"/>
+              <a:t>Aaron</a:t>
+            </a:r>
+            <a:endParaRPr lang="de-DE" dirty="0"/>
+          </a:p>
+        </p:txBody>
+      </p:sp>
+    </p:spTree>
+    <p:extLst>
+      <p:ext uri="{BB962C8B-B14F-4D97-AF65-F5344CB8AC3E}">
+        <p14:creationId xmlns:p14="http://schemas.microsoft.com/office/powerpoint/2010/main" val="51044277"/>
+      </p:ext>
+    </p:extLst>
+  </p:cSld>
+  <p:clrMapOvr>
+    <a:masterClrMapping/>
+  </p:clrMapOvr>
+  <p:timing>
+    <p:tnLst>
+      <p:par>
+        <p:cTn xmlns:p14="http://schemas.microsoft.com/office/powerpoint/2010/main" id="1" dur="indefinite" restart="never" nodeType="tmRoot"/>
+      </p:par>
+    </p:tnLst>
+  </p:timing>
+</p:sld>
+</file>
+
+<file path=ppt/slides/slide4.xml><?xml version="1.0" encoding="utf-8"?>
+<p:sld xmlns:a="http://schemas.openxmlformats.org/drawingml/2006/main" xmlns:r="http://schemas.openxmlformats.org/officeDocument/2006/relationships" xmlns:p="http://schemas.openxmlformats.org/presentationml/2006/main" show="0">
+  <p:cSld>
+    <p:spTree>
+      <p:nvGrpSpPr>
+        <p:cNvPr id="1" name=""/>
+        <p:cNvGrpSpPr/>
+        <p:nvPr/>
+      </p:nvGrpSpPr>
+      <p:grpSpPr>
+        <a:xfrm>
+          <a:off x="0" y="0"/>
+          <a:ext cx="0" cy="0"/>
+          <a:chOff x="0" y="0"/>
+          <a:chExt cx="0" cy="0"/>
+        </a:xfrm>
+      </p:grpSpPr>
+      <p:sp>
+        <p:nvSpPr>
+          <p:cNvPr id="2" name="Titel 1"/>
+          <p:cNvSpPr>
+            <a:spLocks noGrp="1"/>
+          </p:cNvSpPr>
+          <p:nvPr>
+            <p:ph type="title"/>
+          </p:nvPr>
+        </p:nvSpPr>
+        <p:spPr/>
+        <p:txBody>
+          <a:bodyPr/>
+          <a:lstStyle/>
+          <a:p>
+            <a:r>
               <a:rPr lang="de-DE" dirty="0" smtClean="0"/>
               <a:t>TL;DR - Quickinfos</a:t>
             </a:r>
@@ -11100,6 +11124,14 @@
   <p:clrMapOvr>
     <a:masterClrMapping/>
   </p:clrMapOvr>
+  <mc:AlternateContent xmlns:mc="http://schemas.openxmlformats.org/markup-compatibility/2006">
+    <mc:Choice xmlns:p14="http://schemas.microsoft.com/office/powerpoint/2010/main" Requires="p14">
+      <p:transition spd="slow" p14:dur="2000"/>
+    </mc:Choice>
+    <mc:Fallback>
+      <p:transition xmlns:p14="http://schemas.microsoft.com/office/powerpoint/2010/main" spd="slow"/>
+    </mc:Fallback>
+  </mc:AlternateContent>
   <p:timing>
     <p:tnLst>
       <p:par>
@@ -11139,32 +11171,30 @@
         </p:nvSpPr>
         <p:spPr/>
         <p:txBody>
-          <a:bodyPr/>
-          <a:lstStyle/>
-          <a:p>
-            <a:r>
-              <a:rPr lang="de-DE" dirty="0" err="1" smtClean="0"/>
-              <a:t>Current</a:t>
-            </a:r>
-            <a:r>
-              <a:rPr lang="de-DE" dirty="0" smtClean="0"/>
-              <a:t> </a:t>
-            </a:r>
-            <a:r>
-              <a:rPr lang="de-DE" dirty="0" err="1" smtClean="0"/>
-              <a:t>state</a:t>
-            </a:r>
-            <a:r>
-              <a:rPr lang="de-DE" dirty="0" smtClean="0"/>
-              <a:t> </a:t>
-            </a:r>
-            <a:r>
-              <a:rPr lang="de-DE" dirty="0" err="1" smtClean="0"/>
-              <a:t>as</a:t>
-            </a:r>
-            <a:r>
-              <a:rPr lang="de-DE" dirty="0" smtClean="0"/>
-              <a:t> of 2013/11/22</a:t>
+          <a:bodyPr>
+            <a:normAutofit/>
+          </a:bodyPr>
+          <a:lstStyle/>
+          <a:p>
+            <a:r>
+              <a:rPr lang="de-DE" dirty="0" err="1" smtClean="0"/>
+              <a:t>How</a:t>
+            </a:r>
+            <a:r>
+              <a:rPr lang="de-DE" dirty="0" smtClean="0"/>
+              <a:t> </a:t>
+            </a:r>
+            <a:r>
+              <a:rPr lang="de-DE" dirty="0" err="1" smtClean="0"/>
+              <a:t>to</a:t>
+            </a:r>
+            <a:r>
+              <a:rPr lang="de-DE" dirty="0" smtClean="0"/>
+              <a:t> </a:t>
+            </a:r>
+            <a:r>
+              <a:rPr lang="de-DE" dirty="0" err="1" smtClean="0"/>
+              <a:t>participate</a:t>
             </a:r>
             <a:endParaRPr lang="de-DE" dirty="0"/>
           </a:p>
@@ -11182,20 +11212,258 @@
         </p:nvSpPr>
         <p:spPr/>
         <p:txBody>
-          <a:bodyPr/>
-          <a:lstStyle/>
-          <a:p>
-            <a:pPr>
-              <a:buFont typeface="Wingdings" charset="2"/>
-              <a:buChar char="ü"/>
+          <a:bodyPr>
+            <a:normAutofit fontScale="77500" lnSpcReduction="20000"/>
+          </a:bodyPr>
+          <a:lstStyle/>
+          <a:p>
+            <a:pPr marL="514350" indent="-514350">
+              <a:buFont typeface="+mj-lt"/>
+              <a:buAutoNum type="arabicPeriod"/>
             </a:pPr>
             <a:r>
-              <a:rPr lang="de-DE" dirty="0" smtClean="0"/>
-              <a:t>Solid </a:t>
-            </a:r>
-            <a:r>
-              <a:rPr lang="de-DE" dirty="0" err="1" smtClean="0"/>
-              <a:t>basis</a:t>
+              <a:rPr lang="de-DE" dirty="0" err="1" smtClean="0"/>
+              <a:t>We</a:t>
+            </a:r>
+            <a:r>
+              <a:rPr lang="de-DE" dirty="0" smtClean="0"/>
+              <a:t> </a:t>
+            </a:r>
+            <a:r>
+              <a:rPr lang="de-DE" dirty="0" err="1" smtClean="0"/>
+              <a:t>need</a:t>
+            </a:r>
+            <a:r>
+              <a:rPr lang="de-DE" dirty="0" smtClean="0"/>
+              <a:t>: </a:t>
+            </a:r>
+            <a:r>
+              <a:rPr lang="de-DE" dirty="0" err="1" smtClean="0"/>
+              <a:t>cryptologists</a:t>
+            </a:r>
+            <a:r>
+              <a:rPr lang="de-DE" dirty="0" smtClean="0"/>
+              <a:t>, sysadmins, </a:t>
+            </a:r>
+            <a:r>
+              <a:rPr lang="de-DE" dirty="0" err="1" smtClean="0"/>
+              <a:t>hackers</a:t>
+            </a:r>
+            <a:endParaRPr lang="de-DE" dirty="0" smtClean="0"/>
+          </a:p>
+          <a:p>
+            <a:pPr marL="514350" indent="-514350">
+              <a:buFont typeface="+mj-lt"/>
+              <a:buAutoNum type="arabicPeriod"/>
+            </a:pPr>
+            <a:r>
+              <a:rPr lang="de-DE" dirty="0" smtClean="0"/>
+              <a:t>Read </a:t>
+            </a:r>
+            <a:r>
+              <a:rPr lang="de-DE" dirty="0" err="1" smtClean="0"/>
+              <a:t>the</a:t>
+            </a:r>
+            <a:r>
+              <a:rPr lang="de-DE" dirty="0" smtClean="0"/>
+              <a:t> </a:t>
+            </a:r>
+            <a:r>
+              <a:rPr lang="de-DE" dirty="0" err="1" smtClean="0"/>
+              <a:t>document</a:t>
+            </a:r>
+            <a:r>
+              <a:rPr lang="de-DE" dirty="0" smtClean="0"/>
+              <a:t>, find </a:t>
+            </a:r>
+            <a:r>
+              <a:rPr lang="de-DE" dirty="0" err="1" smtClean="0"/>
+              <a:t>bugs</a:t>
+            </a:r>
+            <a:endParaRPr lang="de-DE" dirty="0" smtClean="0"/>
+          </a:p>
+          <a:p>
+            <a:pPr marL="514350" indent="-514350">
+              <a:buFont typeface="+mj-lt"/>
+              <a:buAutoNum type="arabicPeriod"/>
+            </a:pPr>
+            <a:r>
+              <a:rPr lang="de-DE" dirty="0" err="1" smtClean="0"/>
+              <a:t>Subscribe</a:t>
+            </a:r>
+            <a:r>
+              <a:rPr lang="de-DE" dirty="0" smtClean="0"/>
+              <a:t> </a:t>
+            </a:r>
+            <a:r>
+              <a:rPr lang="de-DE" dirty="0" err="1" smtClean="0"/>
+              <a:t>to</a:t>
+            </a:r>
+            <a:r>
+              <a:rPr lang="de-DE" dirty="0" smtClean="0"/>
+              <a:t> </a:t>
+            </a:r>
+            <a:r>
+              <a:rPr lang="de-DE" dirty="0" err="1" smtClean="0"/>
+              <a:t>the</a:t>
+            </a:r>
+            <a:r>
+              <a:rPr lang="de-DE" dirty="0" smtClean="0"/>
+              <a:t> </a:t>
+            </a:r>
+            <a:r>
+              <a:rPr lang="de-DE" dirty="0" err="1" smtClean="0"/>
+              <a:t>mailing</a:t>
+            </a:r>
+            <a:r>
+              <a:rPr lang="de-DE" dirty="0" smtClean="0"/>
+              <a:t> </a:t>
+            </a:r>
+            <a:r>
+              <a:rPr lang="de-DE" dirty="0" err="1" smtClean="0"/>
+              <a:t>list</a:t>
+            </a:r>
+            <a:endParaRPr lang="de-DE" dirty="0" smtClean="0"/>
+          </a:p>
+          <a:p>
+            <a:pPr marL="514350" indent="-514350">
+              <a:buFont typeface="+mj-lt"/>
+              <a:buAutoNum type="arabicPeriod"/>
+            </a:pPr>
+            <a:r>
+              <a:rPr lang="de-DE" dirty="0" err="1" smtClean="0"/>
+              <a:t>Understand</a:t>
+            </a:r>
+            <a:r>
+              <a:rPr lang="de-DE" dirty="0" smtClean="0"/>
+              <a:t> </a:t>
+            </a:r>
+            <a:r>
+              <a:rPr lang="de-DE" dirty="0" err="1" smtClean="0"/>
+              <a:t>the</a:t>
+            </a:r>
+            <a:r>
+              <a:rPr lang="de-DE" dirty="0" smtClean="0"/>
+              <a:t> </a:t>
+            </a:r>
+            <a:r>
+              <a:rPr lang="de-DE" dirty="0" err="1" smtClean="0"/>
+              <a:t>cipher</a:t>
+            </a:r>
+            <a:r>
+              <a:rPr lang="de-DE" dirty="0" smtClean="0"/>
+              <a:t> </a:t>
+            </a:r>
+            <a:r>
+              <a:rPr lang="de-DE" dirty="0" err="1" smtClean="0"/>
+              <a:t>strings</a:t>
+            </a:r>
+            <a:r>
+              <a:rPr lang="de-DE" dirty="0" smtClean="0"/>
+              <a:t> Variant (A) </a:t>
+            </a:r>
+            <a:r>
+              <a:rPr lang="de-DE" dirty="0" err="1" smtClean="0"/>
+              <a:t>and</a:t>
+            </a:r>
+            <a:r>
+              <a:rPr lang="de-DE" dirty="0" smtClean="0"/>
+              <a:t> (B) </a:t>
+            </a:r>
+            <a:r>
+              <a:rPr lang="de-DE" dirty="0" err="1" smtClean="0"/>
+              <a:t>before</a:t>
+            </a:r>
+            <a:r>
+              <a:rPr lang="de-DE" dirty="0" smtClean="0"/>
+              <a:t> </a:t>
+            </a:r>
+            <a:r>
+              <a:rPr lang="de-DE" dirty="0" err="1" smtClean="0"/>
+              <a:t>proposing</a:t>
+            </a:r>
+            <a:r>
+              <a:rPr lang="de-DE" dirty="0" smtClean="0"/>
+              <a:t> </a:t>
+            </a:r>
+            <a:r>
+              <a:rPr lang="de-DE" dirty="0" err="1" smtClean="0"/>
+              <a:t>some</a:t>
+            </a:r>
+            <a:r>
+              <a:rPr lang="de-DE" dirty="0" smtClean="0"/>
+              <a:t> </a:t>
+            </a:r>
+            <a:r>
+              <a:rPr lang="de-DE" dirty="0" err="1" smtClean="0"/>
+              <a:t>changes</a:t>
+            </a:r>
+            <a:endParaRPr lang="de-DE" dirty="0" smtClean="0"/>
+          </a:p>
+          <a:p>
+            <a:pPr marL="514350" indent="-514350">
+              <a:buFont typeface="+mj-lt"/>
+              <a:buAutoNum type="arabicPeriod"/>
+            </a:pPr>
+            <a:r>
+              <a:rPr lang="de-DE" dirty="0" err="1" smtClean="0"/>
+              <a:t>If</a:t>
+            </a:r>
+            <a:r>
+              <a:rPr lang="de-DE" dirty="0" smtClean="0"/>
+              <a:t> </a:t>
+            </a:r>
+            <a:r>
+              <a:rPr lang="de-DE" dirty="0" err="1" smtClean="0"/>
+              <a:t>you</a:t>
+            </a:r>
+            <a:r>
+              <a:rPr lang="de-DE" dirty="0" smtClean="0"/>
+              <a:t> </a:t>
+            </a:r>
+            <a:r>
+              <a:rPr lang="de-DE" dirty="0" err="1" smtClean="0"/>
+              <a:t>add</a:t>
+            </a:r>
+            <a:r>
+              <a:rPr lang="de-DE" dirty="0" smtClean="0"/>
+              <a:t> </a:t>
+            </a:r>
+            <a:r>
+              <a:rPr lang="de-DE" dirty="0" err="1" smtClean="0"/>
+              <a:t>content</a:t>
+            </a:r>
+            <a:r>
+              <a:rPr lang="de-DE" dirty="0" smtClean="0"/>
+              <a:t> </a:t>
+            </a:r>
+            <a:r>
+              <a:rPr lang="de-DE" dirty="0" err="1" smtClean="0"/>
+              <a:t>to</a:t>
+            </a:r>
+            <a:r>
+              <a:rPr lang="de-DE" dirty="0" smtClean="0"/>
+              <a:t> a </a:t>
+            </a:r>
+            <a:r>
+              <a:rPr lang="de-DE" dirty="0" err="1" smtClean="0"/>
+              <a:t>subsection</a:t>
+            </a:r>
+            <a:r>
+              <a:rPr lang="de-DE" dirty="0" smtClean="0"/>
+              <a:t>, </a:t>
+            </a:r>
+            <a:r>
+              <a:rPr lang="de-DE" dirty="0" err="1" smtClean="0"/>
+              <a:t>make</a:t>
+            </a:r>
+            <a:r>
+              <a:rPr lang="de-DE" dirty="0" smtClean="0"/>
+              <a:t> a sample </a:t>
+            </a:r>
+            <a:r>
+              <a:rPr lang="de-DE" dirty="0" err="1" smtClean="0"/>
+              <a:t>config</a:t>
             </a:r>
             <a:r>
               <a:rPr lang="de-DE" dirty="0" smtClean="0"/>
@@ -11207,25 +11475,26 @@
             </a:r>
             <a:r>
               <a:rPr lang="de-DE" dirty="0" smtClean="0"/>
-              <a:t> Variant (A) </a:t>
-            </a:r>
-            <a:r>
-              <a:rPr lang="de-DE" dirty="0" err="1" smtClean="0"/>
-              <a:t>and</a:t>
-            </a:r>
-            <a:r>
-              <a:rPr lang="de-DE" dirty="0" smtClean="0"/>
-              <a:t> (B)</a:t>
-            </a:r>
-          </a:p>
-          <a:p>
-            <a:pPr>
-              <a:buFont typeface="Wingdings" charset="2"/>
-              <a:buChar char="ü"/>
+              <a:t> variant (B)</a:t>
+            </a:r>
+            <a:endParaRPr lang="de-DE" dirty="0" smtClean="0"/>
+          </a:p>
+          <a:p>
+            <a:pPr marL="514350" indent="-514350">
+              <a:buFont typeface="+mj-lt"/>
+              <a:buAutoNum type="arabicPeriod"/>
             </a:pPr>
             <a:r>
               <a:rPr lang="de-DE" dirty="0" err="1" smtClean="0"/>
-              <a:t>ToC</a:t>
+              <a:t>Git</a:t>
+            </a:r>
+            <a:r>
+              <a:rPr lang="de-DE" dirty="0" smtClean="0"/>
+              <a:t> </a:t>
+            </a:r>
+            <a:r>
+              <a:rPr lang="de-DE" dirty="0" err="1" smtClean="0"/>
+              <a:t>repo</a:t>
             </a:r>
             <a:r>
               <a:rPr lang="de-DE" dirty="0" smtClean="0"/>
@@ -11237,167 +11506,156 @@
             </a:r>
             <a:r>
               <a:rPr lang="de-DE" dirty="0" smtClean="0"/>
-              <a:t> in </a:t>
-            </a:r>
-            <a:r>
-              <a:rPr lang="de-DE" dirty="0" err="1" smtClean="0"/>
-              <a:t>freeze</a:t>
-            </a:r>
-            <a:r>
-              <a:rPr lang="de-DE" dirty="0" smtClean="0"/>
-              <a:t> </a:t>
-            </a:r>
-            <a:r>
-              <a:rPr lang="de-DE" dirty="0" err="1" smtClean="0"/>
-              <a:t>state</a:t>
+              <a:t> </a:t>
+            </a:r>
+            <a:r>
+              <a:rPr lang="de-DE" dirty="0" err="1" smtClean="0"/>
+              <a:t>world</a:t>
+            </a:r>
+            <a:r>
+              <a:rPr lang="de-DE" dirty="0" err="1" smtClean="0"/>
+              <a:t>-</a:t>
+            </a:r>
+            <a:r>
+              <a:rPr lang="de-DE" dirty="0" err="1" smtClean="0"/>
+              <a:t>readable</a:t>
             </a:r>
             <a:endParaRPr lang="de-DE" dirty="0" smtClean="0"/>
           </a:p>
           <a:p>
-            <a:r>
-              <a:rPr lang="de-DE" dirty="0" err="1" smtClean="0"/>
-              <a:t>Section</a:t>
-            </a:r>
-            <a:r>
-              <a:rPr lang="de-DE" dirty="0" smtClean="0"/>
-              <a:t> „</a:t>
-            </a:r>
-            <a:r>
-              <a:rPr lang="de-DE" dirty="0" err="1" smtClean="0"/>
-              <a:t>cipher</a:t>
-            </a:r>
-            <a:r>
-              <a:rPr lang="de-DE" dirty="0" smtClean="0"/>
-              <a:t> </a:t>
-            </a:r>
-            <a:r>
-              <a:rPr lang="de-DE" dirty="0" err="1" smtClean="0"/>
-              <a:t>suites</a:t>
-            </a:r>
-            <a:r>
-              <a:rPr lang="de-DE" dirty="0" smtClean="0"/>
-              <a:t>“ still a </a:t>
-            </a:r>
-            <a:r>
-              <a:rPr lang="de-DE" dirty="0" err="1" smtClean="0"/>
-              <a:t>bit</a:t>
-            </a:r>
-            <a:r>
-              <a:rPr lang="de-DE" dirty="0" smtClean="0"/>
-              <a:t> </a:t>
-            </a:r>
-            <a:r>
-              <a:rPr lang="de-DE" dirty="0" err="1" smtClean="0"/>
-              <a:t>messy</a:t>
-            </a:r>
-            <a:r>
-              <a:rPr lang="de-DE" dirty="0" smtClean="0"/>
-              <a:t>, </a:t>
-            </a:r>
-            <a:r>
-              <a:rPr lang="de-DE" dirty="0" err="1" smtClean="0"/>
-              <a:t>needs</a:t>
-            </a:r>
-            <a:r>
-              <a:rPr lang="de-DE" dirty="0" smtClean="0"/>
-              <a:t> </a:t>
-            </a:r>
-            <a:r>
-              <a:rPr lang="de-DE" dirty="0" err="1" smtClean="0"/>
-              <a:t>more</a:t>
-            </a:r>
-            <a:r>
-              <a:rPr lang="de-DE" dirty="0" smtClean="0"/>
-              <a:t> </a:t>
-            </a:r>
-            <a:r>
-              <a:rPr lang="de-DE" dirty="0" err="1" smtClean="0"/>
-              <a:t>work</a:t>
+            <a:pPr marL="514350" indent="-514350">
+              <a:buFont typeface="+mj-lt"/>
+              <a:buAutoNum type="arabicPeriod"/>
+            </a:pPr>
+            <a:r>
+              <a:rPr lang="de-DE" dirty="0" err="1" smtClean="0"/>
+              <a:t>We</a:t>
+            </a:r>
+            <a:r>
+              <a:rPr lang="de-DE" dirty="0" smtClean="0"/>
+              <a:t> </a:t>
+            </a:r>
+            <a:r>
+              <a:rPr lang="de-DE" dirty="0" err="1" smtClean="0"/>
+              <a:t>need</a:t>
+            </a:r>
+            <a:r>
+              <a:rPr lang="de-DE" dirty="0" smtClean="0"/>
+              <a:t>: </a:t>
+            </a:r>
+          </a:p>
+          <a:p>
+            <a:pPr marL="914400" lvl="1" indent="-514350">
+              <a:buFont typeface="+mj-lt"/>
+              <a:buAutoNum type="arabicPeriod"/>
+            </a:pPr>
+            <a:r>
+              <a:rPr lang="de-DE" dirty="0" smtClean="0"/>
+              <a:t>Add </a:t>
+            </a:r>
+            <a:r>
+              <a:rPr lang="de-DE" dirty="0" err="1" smtClean="0"/>
+              <a:t>content</a:t>
+            </a:r>
+            <a:r>
+              <a:rPr lang="de-DE" dirty="0" smtClean="0"/>
+              <a:t> </a:t>
+            </a:r>
+            <a:r>
+              <a:rPr lang="de-DE" dirty="0" err="1" smtClean="0"/>
+              <a:t>to</a:t>
+            </a:r>
+            <a:r>
+              <a:rPr lang="de-DE" dirty="0" smtClean="0"/>
+              <a:t> an </a:t>
+            </a:r>
+            <a:r>
+              <a:rPr lang="de-DE" dirty="0" err="1" smtClean="0"/>
+              <a:t>subsection</a:t>
+            </a:r>
+            <a:r>
+              <a:rPr lang="de-DE" dirty="0" smtClean="0"/>
+              <a:t> </a:t>
+            </a:r>
+            <a:r>
+              <a:rPr lang="de-DE" dirty="0" err="1" smtClean="0"/>
+              <a:t>from</a:t>
+            </a:r>
+            <a:r>
+              <a:rPr lang="de-DE" dirty="0" smtClean="0"/>
+              <a:t> </a:t>
+            </a:r>
+            <a:r>
+              <a:rPr lang="de-DE" dirty="0" err="1" smtClean="0"/>
+              <a:t>the</a:t>
+            </a:r>
+            <a:r>
+              <a:rPr lang="de-DE" dirty="0" smtClean="0"/>
+              <a:t> TODO </a:t>
+            </a:r>
+            <a:r>
+              <a:rPr lang="de-DE" dirty="0" err="1" smtClean="0"/>
+              <a:t>list</a:t>
+            </a:r>
+            <a:r>
+              <a:rPr lang="de-DE" dirty="0" smtClean="0"/>
+              <a:t> </a:t>
+            </a:r>
+            <a:br>
+              <a:rPr lang="de-DE" dirty="0" smtClean="0"/>
+            </a:br>
+            <a:r>
+              <a:rPr lang="de-DE" dirty="0" smtClean="0">
+                <a:sym typeface="Wingdings"/>
+              </a:rPr>
+              <a:t> send </a:t>
+            </a:r>
+            <a:r>
+              <a:rPr lang="de-DE" dirty="0" err="1" smtClean="0">
+                <a:sym typeface="Wingdings"/>
+              </a:rPr>
+              <a:t>us</a:t>
+            </a:r>
+            <a:r>
+              <a:rPr lang="de-DE" dirty="0" smtClean="0">
+                <a:sym typeface="Wingdings"/>
+              </a:rPr>
+              <a:t> </a:t>
+            </a:r>
+            <a:r>
+              <a:rPr lang="de-DE" dirty="0" err="1" smtClean="0">
+                <a:sym typeface="Wingdings"/>
+              </a:rPr>
+              <a:t>diffs</a:t>
             </a:r>
             <a:endParaRPr lang="de-DE" dirty="0" smtClean="0"/>
           </a:p>
           <a:p>
-            <a:r>
-              <a:rPr lang="de-DE" dirty="0" err="1" smtClean="0"/>
-              <a:t>Section</a:t>
-            </a:r>
-            <a:r>
-              <a:rPr lang="de-DE" dirty="0" smtClean="0"/>
-              <a:t> „</a:t>
-            </a:r>
-            <a:r>
-              <a:rPr lang="de-DE" dirty="0" err="1" smtClean="0"/>
-              <a:t>practical</a:t>
-            </a:r>
-            <a:r>
-              <a:rPr lang="de-DE" dirty="0" smtClean="0"/>
-              <a:t> </a:t>
-            </a:r>
-            <a:r>
-              <a:rPr lang="de-DE" dirty="0" err="1" smtClean="0"/>
-              <a:t>settings</a:t>
-            </a:r>
-            <a:r>
-              <a:rPr lang="de-DE" dirty="0" smtClean="0"/>
-              <a:t>“ – WIP. Need </a:t>
-            </a:r>
-            <a:r>
-              <a:rPr lang="de-DE" dirty="0" err="1" smtClean="0"/>
-              <a:t>more</a:t>
-            </a:r>
-            <a:r>
-              <a:rPr lang="de-DE" dirty="0" smtClean="0"/>
-              <a:t> </a:t>
-            </a:r>
-            <a:r>
-              <a:rPr lang="de-DE" dirty="0" err="1" smtClean="0"/>
-              <a:t>input</a:t>
-            </a:r>
-            <a:r>
-              <a:rPr lang="de-DE" dirty="0" smtClean="0"/>
-              <a:t> on VPNs, PGP, SSH, IPMI, SIP, XMPP, DBs</a:t>
-            </a:r>
-          </a:p>
-          <a:p>
-            <a:r>
-              <a:rPr lang="de-DE" dirty="0" smtClean="0"/>
-              <a:t>Need </a:t>
-            </a:r>
-            <a:r>
-              <a:rPr lang="de-DE" dirty="0" err="1" smtClean="0"/>
-              <a:t>to</a:t>
-            </a:r>
-            <a:r>
-              <a:rPr lang="de-DE" dirty="0" smtClean="0"/>
-              <a:t> </a:t>
-            </a:r>
-            <a:r>
-              <a:rPr lang="de-DE" dirty="0" err="1" smtClean="0"/>
-              <a:t>build</a:t>
-            </a:r>
-            <a:r>
-              <a:rPr lang="de-DE" dirty="0" smtClean="0"/>
-              <a:t> </a:t>
-            </a:r>
-            <a:r>
-              <a:rPr lang="de-DE" dirty="0" err="1" smtClean="0"/>
-              <a:t>testing</a:t>
-            </a:r>
-            <a:r>
-              <a:rPr lang="de-DE" dirty="0" smtClean="0"/>
-              <a:t> </a:t>
-            </a:r>
-            <a:r>
-              <a:rPr lang="de-DE" dirty="0" err="1" smtClean="0"/>
-              <a:t>setup</a:t>
-            </a:r>
-            <a:r>
-              <a:rPr lang="de-DE" dirty="0" smtClean="0"/>
-              <a:t>?</a:t>
-            </a:r>
-          </a:p>
-          <a:p>
-            <a:endParaRPr lang="de-DE" dirty="0"/>
+            <a:pPr marL="914400" lvl="1" indent="-514350">
+              <a:buFont typeface="+mj-lt"/>
+              <a:buAutoNum type="arabicPeriod"/>
+            </a:pPr>
+            <a:r>
+              <a:rPr lang="de-DE" b="1" dirty="0" err="1" smtClean="0">
+                <a:solidFill>
+                  <a:srgbClr val="008000"/>
+                </a:solidFill>
+              </a:rPr>
+              <a:t>Reviewers</a:t>
+            </a:r>
+            <a:r>
+              <a:rPr lang="de-DE" b="1" dirty="0" smtClean="0">
+                <a:solidFill>
+                  <a:srgbClr val="008000"/>
+                </a:solidFill>
+              </a:rPr>
+              <a:t>!</a:t>
+            </a:r>
+            <a:endParaRPr lang="de-DE" b="1" dirty="0" smtClean="0">
+              <a:solidFill>
+                <a:srgbClr val="008000"/>
+              </a:solidFill>
+            </a:endParaRPr>
           </a:p>
         </p:txBody>
       </p:sp>
@@ -11434,7 +11692,7 @@
     </p:spTree>
     <p:extLst>
       <p:ext uri="{BB962C8B-B14F-4D97-AF65-F5344CB8AC3E}">
-        <p14:creationId xmlns:p14="http://schemas.microsoft.com/office/powerpoint/2010/main" val="51044277"/>
+        <p14:creationId xmlns:p14="http://schemas.microsoft.com/office/powerpoint/2010/main" val="976292356"/>
       </p:ext>
     </p:extLst>
   </p:cSld>
@@ -11480,526 +11738,6 @@
         </p:nvSpPr>
         <p:spPr/>
         <p:txBody>
-          <a:bodyPr>
-            <a:normAutofit/>
-          </a:bodyPr>
-          <a:lstStyle/>
-          <a:p>
-            <a:r>
-              <a:rPr lang="de-DE" dirty="0" err="1" smtClean="0"/>
-              <a:t>How</a:t>
-            </a:r>
-            <a:r>
-              <a:rPr lang="de-DE" dirty="0" smtClean="0"/>
-              <a:t> </a:t>
-            </a:r>
-            <a:r>
-              <a:rPr lang="de-DE" dirty="0" err="1" smtClean="0"/>
-              <a:t>to</a:t>
-            </a:r>
-            <a:r>
-              <a:rPr lang="de-DE" dirty="0" smtClean="0"/>
-              <a:t> </a:t>
-            </a:r>
-            <a:r>
-              <a:rPr lang="de-DE" dirty="0" err="1" smtClean="0"/>
-              <a:t>participate</a:t>
-            </a:r>
-            <a:endParaRPr lang="de-DE" dirty="0"/>
-          </a:p>
-        </p:txBody>
-      </p:sp>
-      <p:sp>
-        <p:nvSpPr>
-          <p:cNvPr id="3" name="Inhaltsplatzhalter 2"/>
-          <p:cNvSpPr>
-            <a:spLocks noGrp="1"/>
-          </p:cNvSpPr>
-          <p:nvPr>
-            <p:ph idx="1"/>
-          </p:nvPr>
-        </p:nvSpPr>
-        <p:spPr/>
-        <p:txBody>
-          <a:bodyPr>
-            <a:normAutofit fontScale="85000" lnSpcReduction="20000"/>
-          </a:bodyPr>
-          <a:lstStyle/>
-          <a:p>
-            <a:pPr marL="514350" indent="-514350">
-              <a:buFont typeface="+mj-lt"/>
-              <a:buAutoNum type="arabicPeriod"/>
-            </a:pPr>
-            <a:r>
-              <a:rPr lang="de-DE" dirty="0" err="1" smtClean="0"/>
-              <a:t>We</a:t>
-            </a:r>
-            <a:r>
-              <a:rPr lang="de-DE" dirty="0" smtClean="0"/>
-              <a:t> </a:t>
-            </a:r>
-            <a:r>
-              <a:rPr lang="de-DE" dirty="0" err="1" smtClean="0"/>
-              <a:t>need</a:t>
-            </a:r>
-            <a:r>
-              <a:rPr lang="de-DE" dirty="0" smtClean="0"/>
-              <a:t>: </a:t>
-            </a:r>
-            <a:r>
-              <a:rPr lang="de-DE" dirty="0" err="1" smtClean="0"/>
-              <a:t>cryptologists</a:t>
-            </a:r>
-            <a:r>
-              <a:rPr lang="de-DE" dirty="0" smtClean="0"/>
-              <a:t>, sysadmins, </a:t>
-            </a:r>
-            <a:r>
-              <a:rPr lang="de-DE" dirty="0" err="1" smtClean="0"/>
-              <a:t>hackers</a:t>
-            </a:r>
-            <a:endParaRPr lang="de-DE" dirty="0" smtClean="0"/>
-          </a:p>
-          <a:p>
-            <a:pPr marL="514350" indent="-514350">
-              <a:buFont typeface="+mj-lt"/>
-              <a:buAutoNum type="arabicPeriod"/>
-            </a:pPr>
-            <a:r>
-              <a:rPr lang="de-DE" dirty="0" smtClean="0"/>
-              <a:t>Read </a:t>
-            </a:r>
-            <a:r>
-              <a:rPr lang="de-DE" dirty="0" err="1" smtClean="0"/>
-              <a:t>the</a:t>
-            </a:r>
-            <a:r>
-              <a:rPr lang="de-DE" dirty="0" smtClean="0"/>
-              <a:t> </a:t>
-            </a:r>
-            <a:r>
-              <a:rPr lang="de-DE" dirty="0" err="1" smtClean="0"/>
-              <a:t>document</a:t>
-            </a:r>
-            <a:r>
-              <a:rPr lang="de-DE" dirty="0" smtClean="0"/>
-              <a:t>, find </a:t>
-            </a:r>
-            <a:r>
-              <a:rPr lang="de-DE" dirty="0" err="1" smtClean="0"/>
-              <a:t>bugs</a:t>
-            </a:r>
-            <a:endParaRPr lang="de-DE" dirty="0" smtClean="0"/>
-          </a:p>
-          <a:p>
-            <a:pPr marL="514350" indent="-514350">
-              <a:buFont typeface="+mj-lt"/>
-              <a:buAutoNum type="arabicPeriod"/>
-            </a:pPr>
-            <a:r>
-              <a:rPr lang="de-DE" dirty="0" err="1" smtClean="0"/>
-              <a:t>Subscribe</a:t>
-            </a:r>
-            <a:r>
-              <a:rPr lang="de-DE" dirty="0" smtClean="0"/>
-              <a:t> </a:t>
-            </a:r>
-            <a:r>
-              <a:rPr lang="de-DE" dirty="0" err="1" smtClean="0"/>
-              <a:t>to</a:t>
-            </a:r>
-            <a:r>
-              <a:rPr lang="de-DE" dirty="0" smtClean="0"/>
-              <a:t> </a:t>
-            </a:r>
-            <a:r>
-              <a:rPr lang="de-DE" dirty="0" err="1" smtClean="0"/>
-              <a:t>the</a:t>
-            </a:r>
-            <a:r>
-              <a:rPr lang="de-DE" dirty="0" smtClean="0"/>
-              <a:t> </a:t>
-            </a:r>
-            <a:r>
-              <a:rPr lang="de-DE" dirty="0" err="1" smtClean="0"/>
-              <a:t>mailing</a:t>
-            </a:r>
-            <a:r>
-              <a:rPr lang="de-DE" dirty="0" smtClean="0"/>
-              <a:t> </a:t>
-            </a:r>
-            <a:r>
-              <a:rPr lang="de-DE" dirty="0" err="1" smtClean="0"/>
-              <a:t>list</a:t>
-            </a:r>
-            <a:endParaRPr lang="de-DE" dirty="0" smtClean="0"/>
-          </a:p>
-          <a:p>
-            <a:pPr marL="514350" indent="-514350">
-              <a:buFont typeface="+mj-lt"/>
-              <a:buAutoNum type="arabicPeriod"/>
-            </a:pPr>
-            <a:r>
-              <a:rPr lang="de-DE" dirty="0" err="1" smtClean="0"/>
-              <a:t>Understand</a:t>
-            </a:r>
-            <a:r>
-              <a:rPr lang="de-DE" dirty="0" smtClean="0"/>
-              <a:t> </a:t>
-            </a:r>
-            <a:r>
-              <a:rPr lang="de-DE" dirty="0" err="1" smtClean="0"/>
-              <a:t>the</a:t>
-            </a:r>
-            <a:r>
-              <a:rPr lang="de-DE" dirty="0" smtClean="0"/>
-              <a:t> </a:t>
-            </a:r>
-            <a:r>
-              <a:rPr lang="de-DE" dirty="0" err="1" smtClean="0"/>
-              <a:t>cipher</a:t>
-            </a:r>
-            <a:r>
-              <a:rPr lang="de-DE" dirty="0" smtClean="0"/>
-              <a:t> </a:t>
-            </a:r>
-            <a:r>
-              <a:rPr lang="de-DE" dirty="0" err="1" smtClean="0"/>
-              <a:t>strings</a:t>
-            </a:r>
-            <a:r>
-              <a:rPr lang="de-DE" dirty="0" smtClean="0"/>
-              <a:t> Variant (A) </a:t>
-            </a:r>
-            <a:r>
-              <a:rPr lang="de-DE" dirty="0" err="1" smtClean="0"/>
-              <a:t>and</a:t>
-            </a:r>
-            <a:r>
-              <a:rPr lang="de-DE" dirty="0" smtClean="0"/>
-              <a:t> (B) </a:t>
-            </a:r>
-            <a:r>
-              <a:rPr lang="de-DE" dirty="0" err="1" smtClean="0"/>
-              <a:t>before</a:t>
-            </a:r>
-            <a:r>
-              <a:rPr lang="de-DE" dirty="0" smtClean="0"/>
-              <a:t> </a:t>
-            </a:r>
-            <a:r>
-              <a:rPr lang="de-DE" dirty="0" err="1" smtClean="0"/>
-              <a:t>proposing</a:t>
-            </a:r>
-            <a:r>
-              <a:rPr lang="de-DE" dirty="0" smtClean="0"/>
-              <a:t> </a:t>
-            </a:r>
-            <a:r>
-              <a:rPr lang="de-DE" dirty="0" err="1" smtClean="0"/>
-              <a:t>some</a:t>
-            </a:r>
-            <a:r>
-              <a:rPr lang="de-DE" dirty="0" smtClean="0"/>
-              <a:t> </a:t>
-            </a:r>
-            <a:r>
-              <a:rPr lang="de-DE" dirty="0" err="1" smtClean="0"/>
-              <a:t>changes</a:t>
-            </a:r>
-            <a:endParaRPr lang="de-DE" dirty="0" smtClean="0"/>
-          </a:p>
-          <a:p>
-            <a:pPr marL="514350" indent="-514350">
-              <a:buFont typeface="+mj-lt"/>
-              <a:buAutoNum type="arabicPeriod"/>
-            </a:pPr>
-            <a:r>
-              <a:rPr lang="de-DE" dirty="0" err="1" smtClean="0"/>
-              <a:t>If</a:t>
-            </a:r>
-            <a:r>
-              <a:rPr lang="de-DE" dirty="0" smtClean="0"/>
-              <a:t> </a:t>
-            </a:r>
-            <a:r>
-              <a:rPr lang="de-DE" dirty="0" err="1" smtClean="0"/>
-              <a:t>you</a:t>
-            </a:r>
-            <a:r>
-              <a:rPr lang="de-DE" dirty="0" smtClean="0"/>
-              <a:t> </a:t>
-            </a:r>
-            <a:r>
-              <a:rPr lang="de-DE" dirty="0" err="1" smtClean="0"/>
-              <a:t>add</a:t>
-            </a:r>
-            <a:r>
-              <a:rPr lang="de-DE" dirty="0" smtClean="0"/>
-              <a:t> </a:t>
-            </a:r>
-            <a:r>
-              <a:rPr lang="de-DE" dirty="0" err="1" smtClean="0"/>
-              <a:t>content</a:t>
-            </a:r>
-            <a:r>
-              <a:rPr lang="de-DE" dirty="0" smtClean="0"/>
-              <a:t> </a:t>
-            </a:r>
-            <a:r>
-              <a:rPr lang="de-DE" dirty="0" err="1" smtClean="0"/>
-              <a:t>to</a:t>
-            </a:r>
-            <a:r>
-              <a:rPr lang="de-DE" dirty="0" smtClean="0"/>
-              <a:t> a </a:t>
-            </a:r>
-            <a:r>
-              <a:rPr lang="de-DE" dirty="0" err="1" smtClean="0"/>
-              <a:t>subsection</a:t>
-            </a:r>
-            <a:r>
-              <a:rPr lang="de-DE" dirty="0" smtClean="0"/>
-              <a:t>, </a:t>
-            </a:r>
-            <a:r>
-              <a:rPr lang="de-DE" dirty="0" err="1" smtClean="0"/>
-              <a:t>make</a:t>
-            </a:r>
-            <a:r>
-              <a:rPr lang="de-DE" dirty="0" smtClean="0"/>
-              <a:t> a sample </a:t>
-            </a:r>
-            <a:r>
-              <a:rPr lang="de-DE" dirty="0" err="1" smtClean="0"/>
-              <a:t>config</a:t>
-            </a:r>
-            <a:r>
-              <a:rPr lang="de-DE" dirty="0" smtClean="0"/>
-              <a:t> </a:t>
-            </a:r>
-            <a:r>
-              <a:rPr lang="de-DE" dirty="0" err="1" smtClean="0"/>
-              <a:t>with</a:t>
-            </a:r>
-            <a:r>
-              <a:rPr lang="de-DE" dirty="0" smtClean="0"/>
-              <a:t> variant (B)</a:t>
-            </a:r>
-            <a:endParaRPr lang="de-DE" dirty="0" smtClean="0"/>
-          </a:p>
-          <a:p>
-            <a:pPr marL="514350" indent="-514350">
-              <a:buFont typeface="+mj-lt"/>
-              <a:buAutoNum type="arabicPeriod"/>
-            </a:pPr>
-            <a:r>
-              <a:rPr lang="de-DE" dirty="0" err="1" smtClean="0"/>
-              <a:t>Git</a:t>
-            </a:r>
-            <a:r>
-              <a:rPr lang="de-DE" dirty="0" smtClean="0"/>
-              <a:t> </a:t>
-            </a:r>
-            <a:r>
-              <a:rPr lang="de-DE" dirty="0" err="1" smtClean="0"/>
-              <a:t>repo</a:t>
-            </a:r>
-            <a:r>
-              <a:rPr lang="de-DE" dirty="0" smtClean="0"/>
-              <a:t> </a:t>
-            </a:r>
-            <a:r>
-              <a:rPr lang="de-DE" dirty="0" err="1" smtClean="0"/>
-              <a:t>is</a:t>
-            </a:r>
-            <a:r>
-              <a:rPr lang="de-DE" dirty="0" smtClean="0"/>
-              <a:t> </a:t>
-            </a:r>
-            <a:r>
-              <a:rPr lang="de-DE" dirty="0" err="1" smtClean="0"/>
-              <a:t>world</a:t>
-            </a:r>
-            <a:r>
-              <a:rPr lang="de-DE" dirty="0" err="1" smtClean="0"/>
-              <a:t>-</a:t>
-            </a:r>
-            <a:r>
-              <a:rPr lang="de-DE" dirty="0" err="1" smtClean="0"/>
-              <a:t>readable</a:t>
-            </a:r>
-            <a:endParaRPr lang="de-DE" dirty="0" smtClean="0"/>
-          </a:p>
-          <a:p>
-            <a:pPr marL="514350" indent="-514350">
-              <a:buFont typeface="+mj-lt"/>
-              <a:buAutoNum type="arabicPeriod"/>
-            </a:pPr>
-            <a:r>
-              <a:rPr lang="de-DE" dirty="0" err="1" smtClean="0"/>
-              <a:t>We</a:t>
-            </a:r>
-            <a:r>
-              <a:rPr lang="de-DE" dirty="0" smtClean="0"/>
-              <a:t> </a:t>
-            </a:r>
-            <a:r>
-              <a:rPr lang="de-DE" dirty="0" err="1" smtClean="0"/>
-              <a:t>need</a:t>
-            </a:r>
-            <a:r>
-              <a:rPr lang="de-DE" dirty="0" smtClean="0"/>
-              <a:t>: </a:t>
-            </a:r>
-          </a:p>
-          <a:p>
-            <a:pPr marL="914400" lvl="1" indent="-514350">
-              <a:buFont typeface="+mj-lt"/>
-              <a:buAutoNum type="arabicPeriod"/>
-            </a:pPr>
-            <a:r>
-              <a:rPr lang="de-DE" dirty="0" smtClean="0"/>
-              <a:t>Add a </a:t>
-            </a:r>
-            <a:r>
-              <a:rPr lang="de-DE" dirty="0" err="1" smtClean="0"/>
-              <a:t>subsection</a:t>
-            </a:r>
-            <a:r>
-              <a:rPr lang="de-DE" dirty="0" smtClean="0"/>
-              <a:t> </a:t>
-            </a:r>
-            <a:r>
-              <a:rPr lang="de-DE" dirty="0" err="1" smtClean="0"/>
-              <a:t>from</a:t>
-            </a:r>
-            <a:r>
-              <a:rPr lang="de-DE" dirty="0" smtClean="0"/>
-              <a:t> </a:t>
-            </a:r>
-            <a:r>
-              <a:rPr lang="de-DE" dirty="0" err="1" smtClean="0"/>
-              <a:t>the</a:t>
-            </a:r>
-            <a:r>
-              <a:rPr lang="de-DE" dirty="0" smtClean="0"/>
-              <a:t> TODO </a:t>
-            </a:r>
-            <a:r>
-              <a:rPr lang="de-DE" dirty="0" err="1" smtClean="0"/>
-              <a:t>list</a:t>
-            </a:r>
-            <a:endParaRPr lang="de-DE" dirty="0" smtClean="0"/>
-          </a:p>
-          <a:p>
-            <a:pPr marL="914400" lvl="1" indent="-514350">
-              <a:buFont typeface="+mj-lt"/>
-              <a:buAutoNum type="arabicPeriod"/>
-            </a:pPr>
-            <a:r>
-              <a:rPr lang="de-DE" b="1" dirty="0" err="1" smtClean="0">
-                <a:solidFill>
-                  <a:srgbClr val="008000"/>
-                </a:solidFill>
-              </a:rPr>
-              <a:t>Reviewers</a:t>
-            </a:r>
-            <a:r>
-              <a:rPr lang="de-DE" b="1" dirty="0" smtClean="0">
-                <a:solidFill>
-                  <a:srgbClr val="008000"/>
-                </a:solidFill>
-              </a:rPr>
-              <a:t>!</a:t>
-            </a:r>
-            <a:endParaRPr lang="de-DE" b="1" dirty="0" smtClean="0">
-              <a:solidFill>
-                <a:srgbClr val="008000"/>
-              </a:solidFill>
-            </a:endParaRPr>
-          </a:p>
-        </p:txBody>
-      </p:sp>
-      <p:sp>
-        <p:nvSpPr>
-          <p:cNvPr id="4" name="Textfeld 3"/>
-          <p:cNvSpPr txBox="1"/>
-          <p:nvPr/>
-        </p:nvSpPr>
-        <p:spPr>
-          <a:xfrm>
-            <a:off x="7297503" y="6126163"/>
-            <a:ext cx="1389297" cy="369332"/>
-          </a:xfrm>
-          <a:prstGeom prst="rect">
-            <a:avLst/>
-          </a:prstGeom>
-          <a:noFill/>
-        </p:spPr>
-        <p:txBody>
-          <a:bodyPr wrap="square" rtlCol="0">
-            <a:spAutoFit/>
-          </a:bodyPr>
-          <a:lstStyle/>
-          <a:p>
-            <a:r>
-              <a:rPr lang="de-DE" dirty="0" smtClean="0"/>
-              <a:t>Aaron</a:t>
-            </a:r>
-            <a:endParaRPr lang="de-DE" dirty="0"/>
-          </a:p>
-        </p:txBody>
-      </p:sp>
-    </p:spTree>
-    <p:extLst>
-      <p:ext uri="{BB962C8B-B14F-4D97-AF65-F5344CB8AC3E}">
-        <p14:creationId xmlns:p14="http://schemas.microsoft.com/office/powerpoint/2010/main" val="976292356"/>
-      </p:ext>
-    </p:extLst>
-  </p:cSld>
-  <p:clrMapOvr>
-    <a:masterClrMapping/>
-  </p:clrMapOvr>
-  <p:timing>
-    <p:tnLst>
-      <p:par>
-        <p:cTn xmlns:p14="http://schemas.microsoft.com/office/powerpoint/2010/main" id="1" dur="indefinite" restart="never" nodeType="tmRoot"/>
-      </p:par>
-    </p:tnLst>
-  </p:timing>
-</p:sld>
-</file>
-
-<file path=ppt/slides/slide42.xml><?xml version="1.0" encoding="utf-8"?>
-<p:sld xmlns:a="http://schemas.openxmlformats.org/drawingml/2006/main" xmlns:r="http://schemas.openxmlformats.org/officeDocument/2006/relationships" xmlns:p="http://schemas.openxmlformats.org/presentationml/2006/main">
-  <p:cSld>
-    <p:spTree>
-      <p:nvGrpSpPr>
-        <p:cNvPr id="1" name=""/>
-        <p:cNvGrpSpPr/>
-        <p:nvPr/>
-      </p:nvGrpSpPr>
-      <p:grpSpPr>
-        <a:xfrm>
-          <a:off x="0" y="0"/>
-          <a:ext cx="0" cy="0"/>
-          <a:chOff x="0" y="0"/>
-          <a:chExt cx="0" cy="0"/>
-        </a:xfrm>
-      </p:grpSpPr>
-      <p:sp>
-        <p:nvSpPr>
-          <p:cNvPr id="2" name="Titel 1"/>
-          <p:cNvSpPr>
-            <a:spLocks noGrp="1"/>
-          </p:cNvSpPr>
-          <p:nvPr>
-            <p:ph type="title"/>
-          </p:nvPr>
-        </p:nvSpPr>
-        <p:spPr/>
-        <p:txBody>
           <a:bodyPr/>
           <a:lstStyle/>
           <a:p>
@@ -12154,7 +11892,7 @@
 </p:sld>
 </file>
 
-<file path=ppt/slides/slide43.xml><?xml version="1.0" encoding="utf-8"?>
+<file path=ppt/slides/slide42.xml><?xml version="1.0" encoding="utf-8"?>
 <p:sld xmlns:a="http://schemas.openxmlformats.org/drawingml/2006/main" xmlns:r="http://schemas.openxmlformats.org/officeDocument/2006/relationships" xmlns:p="http://schemas.openxmlformats.org/presentationml/2006/main">
   <p:cSld>
     <p:spTree>
@@ -12430,8 +12168,8 @@
           <a:lstStyle/>
           <a:p>
             <a:r>
-              <a:rPr lang="de-DE" dirty="0" err="1" smtClean="0"/>
-              <a:t>Idea</a:t>
+              <a:rPr lang="de-DE" dirty="0" smtClean="0"/>
+              <a:t>Who?</a:t>
             </a:r>
             <a:endParaRPr lang="de-DE" dirty="0"/>
           </a:p>
@@ -12450,765 +12188,287 @@
         <p:spPr/>
         <p:txBody>
           <a:bodyPr>
-            <a:normAutofit fontScale="85000" lnSpcReduction="20000"/>
+            <a:normAutofit/>
           </a:bodyPr>
           <a:lstStyle/>
           <a:p>
-            <a:r>
-              <a:rPr lang="de-DE" dirty="0" smtClean="0"/>
-              <a:t>Do </a:t>
-            </a:r>
-            <a:r>
-              <a:rPr lang="de-DE" dirty="0" err="1" smtClean="0"/>
-              <a:t>at</a:t>
-            </a:r>
-            <a:r>
-              <a:rPr lang="de-DE" dirty="0" smtClean="0"/>
-              <a:t> least </a:t>
-            </a:r>
-            <a:r>
-              <a:rPr lang="de-DE" dirty="0" err="1" smtClean="0"/>
-              <a:t>something</a:t>
-            </a:r>
-            <a:r>
-              <a:rPr lang="de-DE" dirty="0" smtClean="0"/>
-              <a:t> </a:t>
-            </a:r>
-            <a:r>
-              <a:rPr lang="de-DE" dirty="0" err="1" smtClean="0"/>
-              <a:t>against</a:t>
-            </a:r>
-            <a:r>
-              <a:rPr lang="de-DE" dirty="0" smtClean="0"/>
-              <a:t> </a:t>
-            </a:r>
-            <a:r>
-              <a:rPr lang="de-DE" dirty="0" err="1" smtClean="0"/>
-              <a:t>the</a:t>
-            </a:r>
-            <a:r>
-              <a:rPr lang="de-DE" dirty="0" smtClean="0"/>
-              <a:t> </a:t>
-            </a:r>
-            <a:r>
-              <a:rPr lang="de-DE" b="1" dirty="0" err="1" smtClean="0">
-                <a:solidFill>
-                  <a:srgbClr val="008000"/>
+            <a:pPr marL="0" indent="0">
+              <a:buNone/>
+            </a:pPr>
+            <a:r>
+              <a:rPr lang="de-DE" dirty="0" smtClean="0"/>
+              <a:t>Wolfgang </a:t>
+            </a:r>
+            <a:r>
+              <a:rPr lang="de-DE" dirty="0" err="1" smtClean="0"/>
+              <a:t>Breyha</a:t>
+            </a:r>
+            <a:r>
+              <a:rPr lang="de-DE" dirty="0" smtClean="0"/>
+              <a:t> (uni VIE), </a:t>
+            </a:r>
+            <a:r>
+              <a:rPr lang="de-DE" dirty="0"/>
+              <a:t>David </a:t>
+            </a:r>
+            <a:r>
+              <a:rPr lang="de-DE" dirty="0" err="1" smtClean="0"/>
+              <a:t>Durvaux</a:t>
+            </a:r>
+            <a:r>
+              <a:rPr lang="de-DE" dirty="0" smtClean="0"/>
+              <a:t> (</a:t>
+            </a:r>
+            <a:r>
+              <a:rPr lang="de-DE" dirty="0" err="1" smtClean="0"/>
+              <a:t>CERT.be</a:t>
+            </a:r>
+            <a:r>
+              <a:rPr lang="de-DE" dirty="0" smtClean="0"/>
+              <a:t>), </a:t>
+            </a:r>
+            <a:r>
+              <a:rPr lang="de-DE" dirty="0"/>
+              <a:t>Tobias </a:t>
+            </a:r>
+            <a:r>
+              <a:rPr lang="de-DE" dirty="0" smtClean="0"/>
+              <a:t>Dussa (</a:t>
+            </a:r>
+            <a:r>
+              <a:rPr lang="de-DE" dirty="0" err="1" smtClean="0"/>
+              <a:t>KIT.edu</a:t>
+            </a:r>
+            <a:r>
+              <a:rPr lang="de-DE" dirty="0" smtClean="0"/>
+              <a:t> CERT), </a:t>
+            </a:r>
+            <a:r>
+              <a:rPr lang="de-DE" dirty="0"/>
+              <a:t>L. Aaron </a:t>
+            </a:r>
+            <a:r>
+              <a:rPr lang="de-DE" dirty="0" smtClean="0"/>
+              <a:t>Kaplan (</a:t>
+            </a:r>
+            <a:r>
+              <a:rPr lang="de-DE" dirty="0" err="1" smtClean="0"/>
+              <a:t>CERT.at</a:t>
+            </a:r>
+            <a:r>
+              <a:rPr lang="de-DE" dirty="0" smtClean="0"/>
+              <a:t>), </a:t>
+            </a:r>
+            <a:r>
+              <a:rPr lang="de-DE" dirty="0"/>
+              <a:t>Christian </a:t>
+            </a:r>
+            <a:r>
+              <a:rPr lang="de-DE" dirty="0" smtClean="0"/>
+              <a:t>Mock (</a:t>
+            </a:r>
+            <a:r>
+              <a:rPr lang="de-DE" dirty="0" err="1" smtClean="0"/>
+              <a:t>coretec</a:t>
+            </a:r>
+            <a:r>
+              <a:rPr lang="de-DE" dirty="0" smtClean="0"/>
+              <a:t>), Daniel </a:t>
+            </a:r>
+            <a:r>
+              <a:rPr lang="de-DE" dirty="0" err="1" smtClean="0"/>
+              <a:t>Kovacic</a:t>
+            </a:r>
+            <a:r>
+              <a:rPr lang="de-DE" dirty="0" smtClean="0"/>
+              <a:t> (A-Trust), Manuel </a:t>
+            </a:r>
+            <a:r>
+              <a:rPr lang="de-DE" dirty="0" err="1" smtClean="0"/>
+              <a:t>Koschuch</a:t>
+            </a:r>
+            <a:r>
+              <a:rPr lang="de-DE" dirty="0" smtClean="0"/>
+              <a:t> (FH Campus Wien), </a:t>
+            </a:r>
+            <a:r>
+              <a:rPr lang="de-DE" dirty="0"/>
+              <a:t>Adi </a:t>
+            </a:r>
+            <a:r>
+              <a:rPr lang="de-DE" dirty="0" err="1" smtClean="0"/>
+              <a:t>Kriegisch</a:t>
+            </a:r>
+            <a:r>
+              <a:rPr lang="de-DE" dirty="0" smtClean="0"/>
+              <a:t> (</a:t>
+            </a:r>
+            <a:r>
+              <a:rPr lang="de-DE" dirty="0" err="1" smtClean="0"/>
+              <a:t>VRVis</a:t>
+            </a:r>
+            <a:r>
+              <a:rPr lang="de-DE" dirty="0" smtClean="0"/>
+              <a:t>), </a:t>
+            </a:r>
+            <a:r>
+              <a:rPr lang="de-DE" dirty="0"/>
+              <a:t>Ramin </a:t>
+            </a:r>
+            <a:r>
+              <a:rPr lang="de-DE" dirty="0" err="1" smtClean="0"/>
+              <a:t>Sabet</a:t>
+            </a:r>
+            <a:r>
+              <a:rPr lang="de-DE" dirty="0" smtClean="0"/>
+              <a:t> (A-Trust), </a:t>
+            </a:r>
+            <a:r>
+              <a:rPr lang="de-DE" dirty="0"/>
+              <a:t>Aaron </a:t>
+            </a:r>
+            <a:r>
+              <a:rPr lang="de-DE" dirty="0" smtClean="0"/>
+              <a:t>Zauner (</a:t>
+            </a:r>
+            <a:r>
+              <a:rPr lang="de-DE" dirty="0" err="1" smtClean="0"/>
+              <a:t>azet.org</a:t>
+            </a:r>
+            <a:r>
+              <a:rPr lang="de-DE" dirty="0" smtClean="0"/>
+              <a:t>), </a:t>
+            </a:r>
+            <a:r>
+              <a:rPr lang="de-DE" dirty="0"/>
+              <a:t>Pepi </a:t>
+            </a:r>
+            <a:r>
+              <a:rPr lang="de-DE" dirty="0" err="1"/>
+              <a:t>Zawodsky</a:t>
+            </a:r>
+            <a:r>
+              <a:rPr lang="de-DE" dirty="0"/>
+              <a:t> </a:t>
+            </a:r>
+            <a:r>
+              <a:rPr lang="de-DE" dirty="0" smtClean="0"/>
+              <a:t>(</a:t>
+            </a:r>
+            <a:r>
+              <a:rPr lang="de-DE" dirty="0" err="1" smtClean="0"/>
+              <a:t>maclemon.at</a:t>
+            </a:r>
+            <a:r>
+              <a:rPr lang="de-DE" dirty="0" smtClean="0"/>
+              <a:t>), </a:t>
+            </a:r>
+          </a:p>
+          <a:p>
+            <a:pPr marL="0" indent="0">
+              <a:buNone/>
+            </a:pPr>
+            <a:r>
+              <a:rPr lang="de-DE" dirty="0" smtClean="0">
+                <a:solidFill>
+                  <a:srgbClr val="000000"/>
                 </a:solidFill>
               </a:rPr>
-              <a:t>Cryptocalypse</a:t>
-            </a:r>
-            <a:endParaRPr lang="de-DE" b="1" dirty="0" smtClean="0">
+              <a:t>New </a:t>
+            </a:r>
+            <a:r>
+              <a:rPr lang="de-DE" dirty="0" err="1" smtClean="0">
+                <a:solidFill>
+                  <a:srgbClr val="000000"/>
+                </a:solidFill>
+              </a:rPr>
+              <a:t>contributors</a:t>
+            </a:r>
+            <a:r>
+              <a:rPr lang="de-DE" dirty="0" smtClean="0">
+                <a:solidFill>
+                  <a:srgbClr val="000000"/>
+                </a:solidFill>
+              </a:rPr>
+              <a:t>: IAIK</a:t>
+            </a:r>
+            <a:r>
+              <a:rPr lang="de-DE" dirty="0" smtClean="0">
+                <a:solidFill>
+                  <a:srgbClr val="000000"/>
+                </a:solidFill>
+              </a:rPr>
+              <a:t>, </a:t>
+            </a:r>
+            <a:r>
+              <a:rPr lang="de-DE" dirty="0" smtClean="0">
+                <a:solidFill>
+                  <a:srgbClr val="000000"/>
+                </a:solidFill>
+              </a:rPr>
+              <a:t>A</a:t>
+            </a:r>
+            <a:r>
+              <a:rPr lang="de-DE" dirty="0" smtClean="0">
+                <a:solidFill>
+                  <a:srgbClr val="000000"/>
+                </a:solidFill>
+              </a:rPr>
+              <a:t>-</a:t>
+            </a:r>
+            <a:r>
+              <a:rPr lang="de-DE" dirty="0" err="1" smtClean="0">
+                <a:solidFill>
+                  <a:srgbClr val="000000"/>
+                </a:solidFill>
+              </a:rPr>
+              <a:t>Sit</a:t>
+            </a:r>
+            <a:endParaRPr lang="de-DE" dirty="0">
               <a:solidFill>
                 <a:srgbClr val="000000"/>
               </a:solidFill>
             </a:endParaRPr>
           </a:p>
           <a:p>
-            <a:r>
-              <a:rPr lang="de-DE" dirty="0" smtClean="0">
-                <a:solidFill>
-                  <a:srgbClr val="000000"/>
-                </a:solidFill>
-              </a:rPr>
-              <a:t>Check SSL, SSH, PGP</a:t>
-            </a:r>
-            <a:r>
-              <a:rPr lang="de-DE" dirty="0"/>
-              <a:t> </a:t>
-            </a:r>
-            <a:r>
-              <a:rPr lang="de-DE" dirty="0" err="1" smtClean="0"/>
-              <a:t>c</a:t>
-            </a:r>
-            <a:r>
-              <a:rPr lang="de-DE" dirty="0" err="1" smtClean="0">
-                <a:solidFill>
-                  <a:srgbClr val="000000"/>
-                </a:solidFill>
-              </a:rPr>
-              <a:t>rypto</a:t>
-            </a:r>
-            <a:r>
-              <a:rPr lang="de-DE" dirty="0" smtClean="0">
-                <a:solidFill>
-                  <a:srgbClr val="000000"/>
-                </a:solidFill>
-              </a:rPr>
-              <a:t> Settings in </a:t>
-            </a:r>
-            <a:r>
-              <a:rPr lang="de-DE" dirty="0" err="1" smtClean="0">
-                <a:solidFill>
-                  <a:srgbClr val="000000"/>
-                </a:solidFill>
-              </a:rPr>
-              <a:t>the</a:t>
-            </a:r>
-            <a:r>
-              <a:rPr lang="de-DE" dirty="0" smtClean="0">
-                <a:solidFill>
-                  <a:srgbClr val="000000"/>
-                </a:solidFill>
-              </a:rPr>
-              <a:t> </a:t>
-            </a:r>
-            <a:r>
-              <a:rPr lang="de-DE" dirty="0" err="1" smtClean="0">
-                <a:solidFill>
-                  <a:srgbClr val="000000"/>
-                </a:solidFill>
-              </a:rPr>
-              <a:t>most</a:t>
-            </a:r>
-            <a:r>
-              <a:rPr lang="de-DE" dirty="0" smtClean="0">
-                <a:solidFill>
-                  <a:srgbClr val="000000"/>
-                </a:solidFill>
-              </a:rPr>
-              <a:t> </a:t>
-            </a:r>
-            <a:r>
-              <a:rPr lang="de-DE" dirty="0" err="1" smtClean="0">
-                <a:solidFill>
-                  <a:srgbClr val="000000"/>
-                </a:solidFill>
-              </a:rPr>
-              <a:t>common</a:t>
-            </a:r>
-            <a:r>
-              <a:rPr lang="de-DE" dirty="0" smtClean="0">
-                <a:solidFill>
-                  <a:srgbClr val="000000"/>
-                </a:solidFill>
-              </a:rPr>
-              <a:t> </a:t>
-            </a:r>
-            <a:r>
-              <a:rPr lang="de-DE" dirty="0" err="1" smtClean="0">
-                <a:solidFill>
-                  <a:srgbClr val="000000"/>
-                </a:solidFill>
-              </a:rPr>
-              <a:t>services</a:t>
-            </a:r>
-            <a:r>
-              <a:rPr lang="de-DE" dirty="0" smtClean="0">
-                <a:solidFill>
-                  <a:srgbClr val="000000"/>
-                </a:solidFill>
-              </a:rPr>
-              <a:t> </a:t>
-            </a:r>
-            <a:r>
-              <a:rPr lang="de-DE" dirty="0" err="1" smtClean="0">
-                <a:solidFill>
-                  <a:srgbClr val="000000"/>
-                </a:solidFill>
-              </a:rPr>
-              <a:t>and</a:t>
-            </a:r>
-            <a:r>
-              <a:rPr lang="de-DE" dirty="0" smtClean="0">
-                <a:solidFill>
-                  <a:srgbClr val="000000"/>
-                </a:solidFill>
-              </a:rPr>
-              <a:t> </a:t>
-            </a:r>
-            <a:r>
-              <a:rPr lang="de-DE" dirty="0" err="1" smtClean="0">
-                <a:solidFill>
-                  <a:srgbClr val="000000"/>
-                </a:solidFill>
-              </a:rPr>
-              <a:t>certificates</a:t>
-            </a:r>
-            <a:r>
-              <a:rPr lang="de-DE" dirty="0" smtClean="0">
-                <a:solidFill>
-                  <a:srgbClr val="000000"/>
-                </a:solidFill>
-              </a:rPr>
-              <a:t>:</a:t>
-            </a:r>
-          </a:p>
-          <a:p>
-            <a:pPr lvl="1"/>
-            <a:r>
-              <a:rPr lang="de-DE" dirty="0" smtClean="0">
-                <a:solidFill>
-                  <a:srgbClr val="000000"/>
-                </a:solidFill>
-              </a:rPr>
-              <a:t>Apache, </a:t>
-            </a:r>
-            <a:r>
-              <a:rPr lang="de-DE" dirty="0" err="1" smtClean="0">
-                <a:solidFill>
-                  <a:srgbClr val="000000"/>
-                </a:solidFill>
-              </a:rPr>
-              <a:t>Nginx</a:t>
-            </a:r>
-            <a:r>
-              <a:rPr lang="de-DE" dirty="0" smtClean="0">
-                <a:solidFill>
-                  <a:srgbClr val="000000"/>
-                </a:solidFill>
-              </a:rPr>
-              <a:t>, </a:t>
-            </a:r>
-            <a:r>
-              <a:rPr lang="de-DE" dirty="0" err="1" smtClean="0">
-                <a:solidFill>
-                  <a:srgbClr val="000000"/>
-                </a:solidFill>
-              </a:rPr>
-              <a:t>lighthttp</a:t>
-            </a:r>
-            <a:endParaRPr lang="de-DE" dirty="0" smtClean="0">
-              <a:solidFill>
-                <a:srgbClr val="000000"/>
-              </a:solidFill>
-            </a:endParaRPr>
-          </a:p>
-          <a:p>
-            <a:pPr lvl="1"/>
-            <a:r>
-              <a:rPr lang="de-DE" dirty="0" smtClean="0">
-                <a:solidFill>
-                  <a:srgbClr val="000000"/>
-                </a:solidFill>
-              </a:rPr>
-              <a:t>IMAP/POP </a:t>
-            </a:r>
-            <a:r>
-              <a:rPr lang="de-DE" dirty="0" err="1" smtClean="0">
-                <a:solidFill>
-                  <a:srgbClr val="000000"/>
-                </a:solidFill>
-              </a:rPr>
-              <a:t>servers</a:t>
-            </a:r>
-            <a:r>
-              <a:rPr lang="de-DE" dirty="0" smtClean="0">
-                <a:solidFill>
-                  <a:srgbClr val="000000"/>
-                </a:solidFill>
-              </a:rPr>
-              <a:t> (</a:t>
-            </a:r>
-            <a:r>
-              <a:rPr lang="de-DE" dirty="0" err="1" smtClean="0">
-                <a:solidFill>
-                  <a:srgbClr val="000000"/>
-                </a:solidFill>
-              </a:rPr>
-              <a:t>dovecot</a:t>
-            </a:r>
-            <a:r>
-              <a:rPr lang="de-DE" dirty="0" smtClean="0">
-                <a:solidFill>
-                  <a:srgbClr val="000000"/>
-                </a:solidFill>
-              </a:rPr>
-              <a:t>, </a:t>
-            </a:r>
-            <a:r>
-              <a:rPr lang="de-DE" dirty="0" err="1" smtClean="0">
-                <a:solidFill>
-                  <a:srgbClr val="000000"/>
-                </a:solidFill>
-              </a:rPr>
-              <a:t>cyrus</a:t>
-            </a:r>
-            <a:r>
-              <a:rPr lang="de-DE" dirty="0" smtClean="0">
-                <a:solidFill>
-                  <a:srgbClr val="000000"/>
-                </a:solidFill>
-              </a:rPr>
-              <a:t>, ...)</a:t>
-            </a:r>
-          </a:p>
-          <a:p>
-            <a:pPr lvl="1"/>
-            <a:r>
-              <a:rPr lang="de-DE" dirty="0" err="1" smtClean="0">
-                <a:solidFill>
-                  <a:srgbClr val="000000"/>
-                </a:solidFill>
-              </a:rPr>
-              <a:t>openssl.conf</a:t>
-            </a:r>
-            <a:endParaRPr lang="de-DE" dirty="0" smtClean="0">
-              <a:solidFill>
-                <a:srgbClr val="000000"/>
-              </a:solidFill>
-            </a:endParaRPr>
-          </a:p>
-          <a:p>
-            <a:pPr lvl="1"/>
-            <a:r>
-              <a:rPr lang="de-DE" dirty="0" smtClean="0">
-                <a:solidFill>
-                  <a:srgbClr val="000000"/>
-                </a:solidFill>
-              </a:rPr>
-              <a:t>Etc.</a:t>
-            </a:r>
-          </a:p>
-          <a:p>
-            <a:r>
-              <a:rPr lang="de-DE" dirty="0" smtClean="0">
-                <a:solidFill>
-                  <a:srgbClr val="000000"/>
-                </a:solidFill>
-              </a:rPr>
-              <a:t>Create </a:t>
-            </a:r>
-            <a:r>
-              <a:rPr lang="de-DE" b="1" dirty="0" smtClean="0">
-                <a:solidFill>
-                  <a:srgbClr val="008000"/>
-                </a:solidFill>
-              </a:rPr>
-              <a:t>easy, </a:t>
-            </a:r>
-            <a:r>
-              <a:rPr lang="de-DE" b="1" dirty="0" err="1" smtClean="0">
-                <a:solidFill>
-                  <a:srgbClr val="008000"/>
-                </a:solidFill>
-              </a:rPr>
-              <a:t>copy</a:t>
-            </a:r>
-            <a:r>
-              <a:rPr lang="de-DE" b="1" dirty="0" smtClean="0">
-                <a:solidFill>
-                  <a:srgbClr val="008000"/>
-                </a:solidFill>
-              </a:rPr>
-              <a:t> &amp; </a:t>
-            </a:r>
-            <a:r>
-              <a:rPr lang="de-DE" b="1" dirty="0" err="1" smtClean="0">
-                <a:solidFill>
-                  <a:srgbClr val="008000"/>
-                </a:solidFill>
-              </a:rPr>
-              <a:t>paste-able</a:t>
-            </a:r>
-            <a:r>
-              <a:rPr lang="de-DE" b="1" dirty="0" smtClean="0">
-                <a:solidFill>
-                  <a:srgbClr val="008000"/>
-                </a:solidFill>
-              </a:rPr>
-              <a:t> </a:t>
-            </a:r>
-            <a:r>
-              <a:rPr lang="de-DE" b="1" dirty="0" err="1" smtClean="0">
-                <a:solidFill>
-                  <a:srgbClr val="008000"/>
-                </a:solidFill>
-              </a:rPr>
-              <a:t>settings</a:t>
-            </a:r>
-            <a:r>
-              <a:rPr lang="de-DE" b="1" dirty="0" smtClean="0">
-                <a:solidFill>
-                  <a:srgbClr val="008000"/>
-                </a:solidFill>
-              </a:rPr>
-              <a:t> </a:t>
-            </a:r>
-            <a:r>
-              <a:rPr lang="de-DE" dirty="0" err="1" smtClean="0">
-                <a:solidFill>
-                  <a:srgbClr val="000000"/>
-                </a:solidFill>
-              </a:rPr>
-              <a:t>which</a:t>
-            </a:r>
-            <a:r>
-              <a:rPr lang="de-DE" dirty="0" smtClean="0">
-                <a:solidFill>
-                  <a:srgbClr val="000000"/>
-                </a:solidFill>
-              </a:rPr>
-              <a:t> are „OK“ (</a:t>
-            </a:r>
-            <a:r>
-              <a:rPr lang="de-DE" dirty="0" err="1" smtClean="0">
-                <a:solidFill>
-                  <a:srgbClr val="000000"/>
-                </a:solidFill>
-              </a:rPr>
-              <a:t>as</a:t>
-            </a:r>
-            <a:r>
-              <a:rPr lang="de-DE" dirty="0" smtClean="0">
-                <a:solidFill>
-                  <a:srgbClr val="000000"/>
-                </a:solidFill>
-              </a:rPr>
-              <a:t> </a:t>
-            </a:r>
-            <a:r>
-              <a:rPr lang="de-DE" dirty="0" err="1" smtClean="0">
-                <a:solidFill>
-                  <a:srgbClr val="000000"/>
-                </a:solidFill>
-              </a:rPr>
-              <a:t>far</a:t>
-            </a:r>
-            <a:r>
-              <a:rPr lang="de-DE" dirty="0" smtClean="0">
-                <a:solidFill>
-                  <a:srgbClr val="000000"/>
-                </a:solidFill>
-              </a:rPr>
-              <a:t> </a:t>
-            </a:r>
-            <a:r>
-              <a:rPr lang="de-DE" dirty="0" err="1" smtClean="0">
-                <a:solidFill>
-                  <a:srgbClr val="000000"/>
-                </a:solidFill>
-              </a:rPr>
-              <a:t>as</a:t>
-            </a:r>
-            <a:r>
-              <a:rPr lang="de-DE" dirty="0" smtClean="0">
-                <a:solidFill>
-                  <a:srgbClr val="000000"/>
-                </a:solidFill>
-              </a:rPr>
-              <a:t> </a:t>
-            </a:r>
-            <a:r>
-              <a:rPr lang="de-DE" dirty="0" err="1" smtClean="0">
-                <a:solidFill>
-                  <a:srgbClr val="000000"/>
-                </a:solidFill>
-              </a:rPr>
-              <a:t>we</a:t>
-            </a:r>
-            <a:r>
-              <a:rPr lang="de-DE" dirty="0">
-                <a:solidFill>
-                  <a:srgbClr val="000000"/>
-                </a:solidFill>
-              </a:rPr>
-              <a:t> </a:t>
-            </a:r>
-            <a:r>
-              <a:rPr lang="de-DE" dirty="0" err="1" smtClean="0">
-                <a:solidFill>
-                  <a:srgbClr val="000000"/>
-                </a:solidFill>
-              </a:rPr>
-              <a:t>know</a:t>
-            </a:r>
-            <a:r>
-              <a:rPr lang="de-DE" dirty="0" smtClean="0">
-                <a:solidFill>
-                  <a:srgbClr val="000000"/>
-                </a:solidFill>
-              </a:rPr>
-              <a:t>) </a:t>
-            </a:r>
-            <a:r>
-              <a:rPr lang="de-DE" dirty="0" err="1" smtClean="0">
-                <a:solidFill>
-                  <a:srgbClr val="000000"/>
-                </a:solidFill>
-              </a:rPr>
-              <a:t>for</a:t>
-            </a:r>
-            <a:r>
-              <a:rPr lang="de-DE" dirty="0" smtClean="0">
-                <a:solidFill>
-                  <a:srgbClr val="000000"/>
-                </a:solidFill>
-              </a:rPr>
-              <a:t> </a:t>
-            </a:r>
-            <a:r>
-              <a:rPr lang="de-DE" b="1" dirty="0" smtClean="0">
-                <a:solidFill>
-                  <a:srgbClr val="008000"/>
-                </a:solidFill>
-              </a:rPr>
-              <a:t>sysadmins</a:t>
-            </a:r>
-            <a:r>
-              <a:rPr lang="de-DE" b="1" dirty="0" smtClean="0">
-                <a:solidFill>
-                  <a:srgbClr val="000000"/>
-                </a:solidFill>
-              </a:rPr>
-              <a:t>.</a:t>
-            </a:r>
-          </a:p>
-          <a:p>
-            <a:r>
-              <a:rPr lang="de-DE" dirty="0" smtClean="0">
-                <a:solidFill>
-                  <a:srgbClr val="000000"/>
-                </a:solidFill>
-              </a:rPr>
-              <a:t>Keep </a:t>
-            </a:r>
-            <a:r>
-              <a:rPr lang="de-DE" dirty="0" err="1" smtClean="0">
-                <a:solidFill>
-                  <a:srgbClr val="000000"/>
-                </a:solidFill>
-              </a:rPr>
-              <a:t>it</a:t>
-            </a:r>
-            <a:r>
-              <a:rPr lang="de-DE" dirty="0" smtClean="0">
-                <a:solidFill>
-                  <a:srgbClr val="000000"/>
-                </a:solidFill>
-              </a:rPr>
-              <a:t> </a:t>
-            </a:r>
-            <a:r>
-              <a:rPr lang="de-DE" dirty="0" err="1" smtClean="0">
-                <a:solidFill>
-                  <a:srgbClr val="000000"/>
-                </a:solidFill>
-              </a:rPr>
-              <a:t>short</a:t>
-            </a:r>
-            <a:r>
-              <a:rPr lang="de-DE" dirty="0" smtClean="0">
-                <a:solidFill>
-                  <a:srgbClr val="000000"/>
-                </a:solidFill>
-              </a:rPr>
-              <a:t>. </a:t>
-            </a:r>
-            <a:r>
-              <a:rPr lang="de-DE" dirty="0" err="1" smtClean="0">
-                <a:solidFill>
-                  <a:srgbClr val="000000"/>
-                </a:solidFill>
-              </a:rPr>
-              <a:t>There</a:t>
-            </a:r>
-            <a:r>
-              <a:rPr lang="de-DE" dirty="0" smtClean="0">
-                <a:solidFill>
-                  <a:srgbClr val="000000"/>
-                </a:solidFill>
-              </a:rPr>
-              <a:t> are </a:t>
-            </a:r>
-            <a:r>
-              <a:rPr lang="de-DE" dirty="0" err="1" smtClean="0">
-                <a:solidFill>
-                  <a:srgbClr val="000000"/>
-                </a:solidFill>
-              </a:rPr>
-              <a:t>many</a:t>
-            </a:r>
-            <a:r>
-              <a:rPr lang="de-DE" dirty="0" smtClean="0">
-                <a:solidFill>
-                  <a:srgbClr val="000000"/>
-                </a:solidFill>
-              </a:rPr>
-              <a:t> </a:t>
-            </a:r>
-            <a:r>
-              <a:rPr lang="de-DE" dirty="0" err="1" smtClean="0">
-                <a:solidFill>
-                  <a:srgbClr val="000000"/>
-                </a:solidFill>
-              </a:rPr>
-              <a:t>good</a:t>
-            </a:r>
-            <a:r>
-              <a:rPr lang="de-DE" dirty="0" smtClean="0">
-                <a:solidFill>
-                  <a:srgbClr val="000000"/>
-                </a:solidFill>
-              </a:rPr>
-              <a:t> </a:t>
-            </a:r>
-            <a:r>
-              <a:rPr lang="de-DE" dirty="0" err="1" smtClean="0">
-                <a:solidFill>
-                  <a:srgbClr val="000000"/>
-                </a:solidFill>
-              </a:rPr>
-              <a:t>recommendations</a:t>
-            </a:r>
-            <a:r>
-              <a:rPr lang="de-DE" dirty="0" smtClean="0">
-                <a:solidFill>
-                  <a:srgbClr val="000000"/>
-                </a:solidFill>
-              </a:rPr>
-              <a:t> out </a:t>
-            </a:r>
-            <a:r>
-              <a:rPr lang="de-DE" dirty="0" err="1" smtClean="0">
-                <a:solidFill>
-                  <a:srgbClr val="000000"/>
-                </a:solidFill>
-              </a:rPr>
-              <a:t>there</a:t>
-            </a:r>
-            <a:r>
-              <a:rPr lang="de-DE" dirty="0" smtClean="0">
-                <a:solidFill>
-                  <a:srgbClr val="000000"/>
-                </a:solidFill>
-              </a:rPr>
-              <a:t> </a:t>
-            </a:r>
-            <a:r>
-              <a:rPr lang="de-DE" dirty="0" err="1" smtClean="0">
-                <a:solidFill>
-                  <a:srgbClr val="000000"/>
-                </a:solidFill>
-              </a:rPr>
-              <a:t>written</a:t>
-            </a:r>
-            <a:r>
-              <a:rPr lang="de-DE" dirty="0" smtClean="0">
-                <a:solidFill>
-                  <a:srgbClr val="000000"/>
-                </a:solidFill>
-              </a:rPr>
-              <a:t> </a:t>
-            </a:r>
-            <a:r>
-              <a:rPr lang="de-DE" dirty="0" err="1" smtClean="0">
-                <a:solidFill>
-                  <a:srgbClr val="000000"/>
-                </a:solidFill>
-              </a:rPr>
-              <a:t>by</a:t>
-            </a:r>
-            <a:r>
-              <a:rPr lang="de-DE" dirty="0" smtClean="0">
-                <a:solidFill>
-                  <a:srgbClr val="000000"/>
-                </a:solidFill>
-              </a:rPr>
-              <a:t> </a:t>
-            </a:r>
-            <a:r>
-              <a:rPr lang="de-DE" dirty="0" err="1" smtClean="0">
-                <a:solidFill>
-                  <a:srgbClr val="000000"/>
-                </a:solidFill>
-              </a:rPr>
-              <a:t>cryptographers</a:t>
-            </a:r>
-            <a:r>
-              <a:rPr lang="de-DE" dirty="0" smtClean="0">
-                <a:solidFill>
-                  <a:srgbClr val="000000"/>
-                </a:solidFill>
-              </a:rPr>
-              <a:t> </a:t>
-            </a:r>
-            <a:r>
-              <a:rPr lang="de-DE" dirty="0" err="1" smtClean="0">
-                <a:solidFill>
-                  <a:srgbClr val="000000"/>
-                </a:solidFill>
-              </a:rPr>
-              <a:t>for</a:t>
-            </a:r>
-            <a:r>
-              <a:rPr lang="de-DE" dirty="0" smtClean="0">
-                <a:solidFill>
-                  <a:srgbClr val="000000"/>
-                </a:solidFill>
-              </a:rPr>
-              <a:t> </a:t>
-            </a:r>
-            <a:r>
-              <a:rPr lang="de-DE" dirty="0" err="1" smtClean="0">
-                <a:solidFill>
-                  <a:srgbClr val="000000"/>
-                </a:solidFill>
-              </a:rPr>
-              <a:t>cryptographers</a:t>
-            </a:r>
-            <a:endParaRPr lang="de-DE" dirty="0" smtClean="0">
-              <a:solidFill>
-                <a:srgbClr val="000000"/>
-              </a:solidFill>
-            </a:endParaRPr>
-          </a:p>
-          <a:p>
-            <a:r>
-              <a:rPr lang="de-DE" b="1" dirty="0" err="1" smtClean="0">
-                <a:solidFill>
-                  <a:srgbClr val="000000"/>
-                </a:solidFill>
-              </a:rPr>
-              <a:t>Many</a:t>
-            </a:r>
-            <a:r>
-              <a:rPr lang="de-DE" b="1" dirty="0" smtClean="0">
-                <a:solidFill>
-                  <a:srgbClr val="000000"/>
-                </a:solidFill>
-              </a:rPr>
-              <a:t> </a:t>
-            </a:r>
-            <a:r>
-              <a:rPr lang="de-DE" b="1" dirty="0" err="1" smtClean="0">
-                <a:solidFill>
-                  <a:srgbClr val="000000"/>
-                </a:solidFill>
-              </a:rPr>
-              <a:t>eyes</a:t>
-            </a:r>
-            <a:r>
-              <a:rPr lang="de-DE" b="1" dirty="0" smtClean="0">
-                <a:solidFill>
-                  <a:srgbClr val="000000"/>
-                </a:solidFill>
-              </a:rPr>
-              <a:t> must check </a:t>
-            </a:r>
-            <a:r>
-              <a:rPr lang="de-DE" b="1" dirty="0" err="1" smtClean="0">
-                <a:solidFill>
-                  <a:srgbClr val="000000"/>
-                </a:solidFill>
-              </a:rPr>
-              <a:t>this</a:t>
-            </a:r>
-            <a:r>
-              <a:rPr lang="de-DE" b="1" dirty="0" smtClean="0">
-                <a:solidFill>
-                  <a:srgbClr val="000000"/>
-                </a:solidFill>
-              </a:rPr>
-              <a:t>!</a:t>
-            </a:r>
+            <a:endParaRPr lang="de-DE" dirty="0"/>
+          </a:p>
+        </p:txBody>
+      </p:sp>
+      <p:sp>
+        <p:nvSpPr>
+          <p:cNvPr id="5" name="Textfeld 4"/>
+          <p:cNvSpPr txBox="1"/>
+          <p:nvPr/>
+        </p:nvSpPr>
+        <p:spPr>
+          <a:xfrm>
+            <a:off x="7297503" y="6126163"/>
+            <a:ext cx="1389297" cy="369332"/>
+          </a:xfrm>
+          <a:prstGeom prst="rect">
+            <a:avLst/>
+          </a:prstGeom>
+          <a:noFill/>
+        </p:spPr>
+        <p:txBody>
+          <a:bodyPr wrap="square" rtlCol="0">
+            <a:spAutoFit/>
+          </a:bodyPr>
+          <a:lstStyle/>
+          <a:p>
+            <a:r>
+              <a:rPr lang="de-DE" dirty="0" smtClean="0"/>
+              <a:t>Aaron</a:t>
+            </a:r>
+            <a:endParaRPr lang="de-DE" dirty="0"/>
           </a:p>
         </p:txBody>
       </p:sp>
     </p:spTree>
     <p:extLst>
       <p:ext uri="{BB962C8B-B14F-4D97-AF65-F5344CB8AC3E}">
-        <p14:creationId xmlns:p14="http://schemas.microsoft.com/office/powerpoint/2010/main" val="1835008288"/>
+        <p14:creationId xmlns:p14="http://schemas.microsoft.com/office/powerpoint/2010/main" val="3614600689"/>
       </p:ext>
     </p:extLst>
   </p:cSld>
@@ -13258,8 +12518,8 @@
           <a:lstStyle/>
           <a:p>
             <a:r>
-              <a:rPr lang="de-DE" dirty="0" smtClean="0"/>
-              <a:t>Who?</a:t>
+              <a:rPr lang="de-DE" dirty="0" err="1" smtClean="0"/>
+              <a:t>Idea</a:t>
             </a:r>
             <a:endParaRPr lang="de-DE" dirty="0"/>
           </a:p>
@@ -13278,287 +12538,765 @@
         <p:spPr/>
         <p:txBody>
           <a:bodyPr>
-            <a:normAutofit/>
+            <a:normAutofit fontScale="85000" lnSpcReduction="20000"/>
           </a:bodyPr>
           <a:lstStyle/>
           <a:p>
-            <a:pPr marL="0" indent="0">
-              <a:buNone/>
-            </a:pPr>
-            <a:r>
-              <a:rPr lang="de-DE" dirty="0" smtClean="0"/>
-              <a:t>Wolfgang </a:t>
-            </a:r>
-            <a:r>
-              <a:rPr lang="de-DE" dirty="0" err="1" smtClean="0"/>
-              <a:t>Breyha</a:t>
-            </a:r>
-            <a:r>
-              <a:rPr lang="de-DE" dirty="0" smtClean="0"/>
-              <a:t> (uni VIE), </a:t>
-            </a:r>
-            <a:r>
-              <a:rPr lang="de-DE" dirty="0"/>
-              <a:t>David </a:t>
-            </a:r>
-            <a:r>
-              <a:rPr lang="de-DE" dirty="0" err="1" smtClean="0"/>
-              <a:t>Durvaux</a:t>
-            </a:r>
-            <a:r>
-              <a:rPr lang="de-DE" dirty="0" smtClean="0"/>
-              <a:t> (</a:t>
-            </a:r>
-            <a:r>
-              <a:rPr lang="de-DE" dirty="0" err="1" smtClean="0"/>
-              <a:t>CERT.be</a:t>
-            </a:r>
-            <a:r>
-              <a:rPr lang="de-DE" dirty="0" smtClean="0"/>
-              <a:t>), </a:t>
-            </a:r>
-            <a:r>
-              <a:rPr lang="de-DE" dirty="0"/>
-              <a:t>Tobias </a:t>
-            </a:r>
-            <a:r>
-              <a:rPr lang="de-DE" dirty="0" smtClean="0"/>
-              <a:t>Dussa (</a:t>
-            </a:r>
-            <a:r>
-              <a:rPr lang="de-DE" dirty="0" err="1" smtClean="0"/>
-              <a:t>KIT.edu</a:t>
-            </a:r>
-            <a:r>
-              <a:rPr lang="de-DE" dirty="0" smtClean="0"/>
-              <a:t> CERT), </a:t>
-            </a:r>
-            <a:r>
-              <a:rPr lang="de-DE" dirty="0"/>
-              <a:t>L. Aaron </a:t>
-            </a:r>
-            <a:r>
-              <a:rPr lang="de-DE" dirty="0" smtClean="0"/>
-              <a:t>Kaplan (</a:t>
-            </a:r>
-            <a:r>
-              <a:rPr lang="de-DE" dirty="0" err="1" smtClean="0"/>
-              <a:t>CERT.at</a:t>
-            </a:r>
-            <a:r>
-              <a:rPr lang="de-DE" dirty="0" smtClean="0"/>
-              <a:t>), </a:t>
-            </a:r>
-            <a:r>
-              <a:rPr lang="de-DE" dirty="0"/>
-              <a:t>Christian </a:t>
-            </a:r>
-            <a:r>
-              <a:rPr lang="de-DE" dirty="0" smtClean="0"/>
-              <a:t>Mock (</a:t>
-            </a:r>
-            <a:r>
-              <a:rPr lang="de-DE" dirty="0" err="1" smtClean="0"/>
-              <a:t>coretec</a:t>
-            </a:r>
-            <a:r>
-              <a:rPr lang="de-DE" dirty="0" smtClean="0"/>
-              <a:t>), Daniel </a:t>
-            </a:r>
-            <a:r>
-              <a:rPr lang="de-DE" dirty="0" err="1" smtClean="0"/>
-              <a:t>Kovacic</a:t>
-            </a:r>
-            <a:r>
-              <a:rPr lang="de-DE" dirty="0" smtClean="0"/>
-              <a:t> (A-Trust), Manuel </a:t>
-            </a:r>
-            <a:r>
-              <a:rPr lang="de-DE" dirty="0" err="1" smtClean="0"/>
-              <a:t>Koschuch</a:t>
-            </a:r>
-            <a:r>
-              <a:rPr lang="de-DE" dirty="0" smtClean="0"/>
-              <a:t> (FH Campus Wien), </a:t>
-            </a:r>
-            <a:r>
-              <a:rPr lang="de-DE" dirty="0"/>
-              <a:t>Adi </a:t>
-            </a:r>
-            <a:r>
-              <a:rPr lang="de-DE" dirty="0" err="1" smtClean="0"/>
-              <a:t>Kriegisch</a:t>
-            </a:r>
-            <a:r>
-              <a:rPr lang="de-DE" dirty="0" smtClean="0"/>
-              <a:t> (</a:t>
-            </a:r>
-            <a:r>
-              <a:rPr lang="de-DE" dirty="0" err="1" smtClean="0"/>
-              <a:t>VRVis</a:t>
-            </a:r>
-            <a:r>
-              <a:rPr lang="de-DE" dirty="0" smtClean="0"/>
-              <a:t>), </a:t>
-            </a:r>
-            <a:r>
-              <a:rPr lang="de-DE" dirty="0"/>
-              <a:t>Ramin </a:t>
-            </a:r>
-            <a:r>
-              <a:rPr lang="de-DE" dirty="0" err="1" smtClean="0"/>
-              <a:t>Sabet</a:t>
-            </a:r>
-            <a:r>
-              <a:rPr lang="de-DE" dirty="0" smtClean="0"/>
-              <a:t> (A-Trust), </a:t>
-            </a:r>
-            <a:r>
-              <a:rPr lang="de-DE" dirty="0"/>
-              <a:t>Aaron </a:t>
-            </a:r>
-            <a:r>
-              <a:rPr lang="de-DE" dirty="0" smtClean="0"/>
-              <a:t>Zauner (</a:t>
-            </a:r>
-            <a:r>
-              <a:rPr lang="de-DE" dirty="0" err="1" smtClean="0"/>
-              <a:t>azet.org</a:t>
-            </a:r>
-            <a:r>
-              <a:rPr lang="de-DE" dirty="0" smtClean="0"/>
-              <a:t>), </a:t>
-            </a:r>
-            <a:r>
-              <a:rPr lang="de-DE" dirty="0"/>
-              <a:t>Pepi </a:t>
-            </a:r>
-            <a:r>
-              <a:rPr lang="de-DE" dirty="0" err="1"/>
-              <a:t>Zawodsky</a:t>
-            </a:r>
-            <a:r>
-              <a:rPr lang="de-DE" dirty="0"/>
-              <a:t> </a:t>
-            </a:r>
-            <a:r>
-              <a:rPr lang="de-DE" dirty="0" smtClean="0"/>
-              <a:t>(</a:t>
-            </a:r>
-            <a:r>
-              <a:rPr lang="de-DE" dirty="0" err="1" smtClean="0"/>
-              <a:t>maclemon.at</a:t>
-            </a:r>
-            <a:r>
-              <a:rPr lang="de-DE" dirty="0" smtClean="0"/>
-              <a:t>), </a:t>
-            </a:r>
-          </a:p>
-          <a:p>
-            <a:pPr marL="0" indent="0">
-              <a:buNone/>
-            </a:pPr>
-            <a:r>
-              <a:rPr lang="de-DE" dirty="0" smtClean="0">
-                <a:solidFill>
-                  <a:srgbClr val="000000"/>
+            <a:r>
+              <a:rPr lang="de-DE" dirty="0" smtClean="0"/>
+              <a:t>Do </a:t>
+            </a:r>
+            <a:r>
+              <a:rPr lang="de-DE" dirty="0" err="1" smtClean="0"/>
+              <a:t>at</a:t>
+            </a:r>
+            <a:r>
+              <a:rPr lang="de-DE" dirty="0" smtClean="0"/>
+              <a:t> least </a:t>
+            </a:r>
+            <a:r>
+              <a:rPr lang="de-DE" dirty="0" err="1" smtClean="0"/>
+              <a:t>something</a:t>
+            </a:r>
+            <a:r>
+              <a:rPr lang="de-DE" dirty="0" smtClean="0"/>
+              <a:t> </a:t>
+            </a:r>
+            <a:r>
+              <a:rPr lang="de-DE" dirty="0" err="1" smtClean="0"/>
+              <a:t>against</a:t>
+            </a:r>
+            <a:r>
+              <a:rPr lang="de-DE" dirty="0" smtClean="0"/>
+              <a:t> </a:t>
+            </a:r>
+            <a:r>
+              <a:rPr lang="de-DE" dirty="0" err="1" smtClean="0"/>
+              <a:t>the</a:t>
+            </a:r>
+            <a:r>
+              <a:rPr lang="de-DE" dirty="0" smtClean="0"/>
+              <a:t> </a:t>
+            </a:r>
+            <a:r>
+              <a:rPr lang="de-DE" b="1" dirty="0" err="1" smtClean="0">
+                <a:solidFill>
+                  <a:srgbClr val="008000"/>
                 </a:solidFill>
               </a:rPr>
-              <a:t>New </a:t>
-            </a:r>
-            <a:r>
-              <a:rPr lang="de-DE" dirty="0" err="1" smtClean="0">
-                <a:solidFill>
-                  <a:srgbClr val="000000"/>
-                </a:solidFill>
-              </a:rPr>
-              <a:t>contributors</a:t>
-            </a:r>
-            <a:r>
-              <a:rPr lang="de-DE" dirty="0" smtClean="0">
-                <a:solidFill>
-                  <a:srgbClr val="000000"/>
-                </a:solidFill>
-              </a:rPr>
-              <a:t>: IAIK</a:t>
-            </a:r>
-            <a:r>
-              <a:rPr lang="de-DE" dirty="0" smtClean="0">
-                <a:solidFill>
-                  <a:srgbClr val="000000"/>
-                </a:solidFill>
-              </a:rPr>
-              <a:t>, </a:t>
-            </a:r>
-            <a:r>
-              <a:rPr lang="de-DE" dirty="0" smtClean="0">
-                <a:solidFill>
-                  <a:srgbClr val="000000"/>
-                </a:solidFill>
-              </a:rPr>
-              <a:t>A</a:t>
-            </a:r>
-            <a:r>
-              <a:rPr lang="de-DE" dirty="0" smtClean="0">
-                <a:solidFill>
-                  <a:srgbClr val="000000"/>
-                </a:solidFill>
-              </a:rPr>
-              <a:t>-</a:t>
-            </a:r>
-            <a:r>
-              <a:rPr lang="de-DE" dirty="0" err="1" smtClean="0">
-                <a:solidFill>
-                  <a:srgbClr val="000000"/>
-                </a:solidFill>
-              </a:rPr>
-              <a:t>Sit</a:t>
-            </a:r>
-            <a:endParaRPr lang="de-DE" dirty="0">
+              <a:t>Cryptocalypse</a:t>
+            </a:r>
+            <a:endParaRPr lang="de-DE" b="1" dirty="0" smtClean="0">
               <a:solidFill>
                 <a:srgbClr val="000000"/>
               </a:solidFill>
             </a:endParaRPr>
           </a:p>
           <a:p>
-            <a:endParaRPr lang="de-DE" dirty="0"/>
-          </a:p>
-        </p:txBody>
-      </p:sp>
-      <p:sp>
-        <p:nvSpPr>
-          <p:cNvPr id="5" name="Textfeld 4"/>
-          <p:cNvSpPr txBox="1"/>
-          <p:nvPr/>
-        </p:nvSpPr>
-        <p:spPr>
-          <a:xfrm>
-            <a:off x="7297503" y="6126163"/>
-            <a:ext cx="1389297" cy="369332"/>
-          </a:xfrm>
-          <a:prstGeom prst="rect">
-            <a:avLst/>
-          </a:prstGeom>
-          <a:noFill/>
-        </p:spPr>
-        <p:txBody>
-          <a:bodyPr wrap="square" rtlCol="0">
-            <a:spAutoFit/>
-          </a:bodyPr>
-          <a:lstStyle/>
-          <a:p>
-            <a:r>
-              <a:rPr lang="de-DE" dirty="0" smtClean="0"/>
-              <a:t>Aaron</a:t>
-            </a:r>
-            <a:endParaRPr lang="de-DE" dirty="0"/>
+            <a:r>
+              <a:rPr lang="de-DE" dirty="0" smtClean="0">
+                <a:solidFill>
+                  <a:srgbClr val="000000"/>
+                </a:solidFill>
+              </a:rPr>
+              <a:t>Check SSL, SSH, PGP</a:t>
+            </a:r>
+            <a:r>
+              <a:rPr lang="de-DE" dirty="0"/>
+              <a:t> </a:t>
+            </a:r>
+            <a:r>
+              <a:rPr lang="de-DE" dirty="0" err="1" smtClean="0"/>
+              <a:t>c</a:t>
+            </a:r>
+            <a:r>
+              <a:rPr lang="de-DE" dirty="0" err="1" smtClean="0">
+                <a:solidFill>
+                  <a:srgbClr val="000000"/>
+                </a:solidFill>
+              </a:rPr>
+              <a:t>rypto</a:t>
+            </a:r>
+            <a:r>
+              <a:rPr lang="de-DE" dirty="0" smtClean="0">
+                <a:solidFill>
+                  <a:srgbClr val="000000"/>
+                </a:solidFill>
+              </a:rPr>
+              <a:t> Settings in </a:t>
+            </a:r>
+            <a:r>
+              <a:rPr lang="de-DE" dirty="0" err="1" smtClean="0">
+                <a:solidFill>
+                  <a:srgbClr val="000000"/>
+                </a:solidFill>
+              </a:rPr>
+              <a:t>the</a:t>
+            </a:r>
+            <a:r>
+              <a:rPr lang="de-DE" dirty="0" smtClean="0">
+                <a:solidFill>
+                  <a:srgbClr val="000000"/>
+                </a:solidFill>
+              </a:rPr>
+              <a:t> </a:t>
+            </a:r>
+            <a:r>
+              <a:rPr lang="de-DE" dirty="0" err="1" smtClean="0">
+                <a:solidFill>
+                  <a:srgbClr val="000000"/>
+                </a:solidFill>
+              </a:rPr>
+              <a:t>most</a:t>
+            </a:r>
+            <a:r>
+              <a:rPr lang="de-DE" dirty="0" smtClean="0">
+                <a:solidFill>
+                  <a:srgbClr val="000000"/>
+                </a:solidFill>
+              </a:rPr>
+              <a:t> </a:t>
+            </a:r>
+            <a:r>
+              <a:rPr lang="de-DE" dirty="0" err="1" smtClean="0">
+                <a:solidFill>
+                  <a:srgbClr val="000000"/>
+                </a:solidFill>
+              </a:rPr>
+              <a:t>common</a:t>
+            </a:r>
+            <a:r>
+              <a:rPr lang="de-DE" dirty="0" smtClean="0">
+                <a:solidFill>
+                  <a:srgbClr val="000000"/>
+                </a:solidFill>
+              </a:rPr>
+              <a:t> </a:t>
+            </a:r>
+            <a:r>
+              <a:rPr lang="de-DE" dirty="0" err="1" smtClean="0">
+                <a:solidFill>
+                  <a:srgbClr val="000000"/>
+                </a:solidFill>
+              </a:rPr>
+              <a:t>services</a:t>
+            </a:r>
+            <a:r>
+              <a:rPr lang="de-DE" dirty="0" smtClean="0">
+                <a:solidFill>
+                  <a:srgbClr val="000000"/>
+                </a:solidFill>
+              </a:rPr>
+              <a:t> </a:t>
+            </a:r>
+            <a:r>
+              <a:rPr lang="de-DE" dirty="0" err="1" smtClean="0">
+                <a:solidFill>
+                  <a:srgbClr val="000000"/>
+                </a:solidFill>
+              </a:rPr>
+              <a:t>and</a:t>
+            </a:r>
+            <a:r>
+              <a:rPr lang="de-DE" dirty="0" smtClean="0">
+                <a:solidFill>
+                  <a:srgbClr val="000000"/>
+                </a:solidFill>
+              </a:rPr>
+              <a:t> </a:t>
+            </a:r>
+            <a:r>
+              <a:rPr lang="de-DE" dirty="0" err="1" smtClean="0">
+                <a:solidFill>
+                  <a:srgbClr val="000000"/>
+                </a:solidFill>
+              </a:rPr>
+              <a:t>certificates</a:t>
+            </a:r>
+            <a:r>
+              <a:rPr lang="de-DE" dirty="0" smtClean="0">
+                <a:solidFill>
+                  <a:srgbClr val="000000"/>
+                </a:solidFill>
+              </a:rPr>
+              <a:t>:</a:t>
+            </a:r>
+          </a:p>
+          <a:p>
+            <a:pPr lvl="1"/>
+            <a:r>
+              <a:rPr lang="de-DE" dirty="0" smtClean="0">
+                <a:solidFill>
+                  <a:srgbClr val="000000"/>
+                </a:solidFill>
+              </a:rPr>
+              <a:t>Apache, </a:t>
+            </a:r>
+            <a:r>
+              <a:rPr lang="de-DE" dirty="0" err="1" smtClean="0">
+                <a:solidFill>
+                  <a:srgbClr val="000000"/>
+                </a:solidFill>
+              </a:rPr>
+              <a:t>Nginx</a:t>
+            </a:r>
+            <a:r>
+              <a:rPr lang="de-DE" dirty="0" smtClean="0">
+                <a:solidFill>
+                  <a:srgbClr val="000000"/>
+                </a:solidFill>
+              </a:rPr>
+              <a:t>, </a:t>
+            </a:r>
+            <a:r>
+              <a:rPr lang="de-DE" dirty="0" err="1" smtClean="0">
+                <a:solidFill>
+                  <a:srgbClr val="000000"/>
+                </a:solidFill>
+              </a:rPr>
+              <a:t>lighthttp</a:t>
+            </a:r>
+            <a:endParaRPr lang="de-DE" dirty="0" smtClean="0">
+              <a:solidFill>
+                <a:srgbClr val="000000"/>
+              </a:solidFill>
+            </a:endParaRPr>
+          </a:p>
+          <a:p>
+            <a:pPr lvl="1"/>
+            <a:r>
+              <a:rPr lang="de-DE" dirty="0" smtClean="0">
+                <a:solidFill>
+                  <a:srgbClr val="000000"/>
+                </a:solidFill>
+              </a:rPr>
+              <a:t>IMAP/POP </a:t>
+            </a:r>
+            <a:r>
+              <a:rPr lang="de-DE" dirty="0" err="1" smtClean="0">
+                <a:solidFill>
+                  <a:srgbClr val="000000"/>
+                </a:solidFill>
+              </a:rPr>
+              <a:t>servers</a:t>
+            </a:r>
+            <a:r>
+              <a:rPr lang="de-DE" dirty="0" smtClean="0">
+                <a:solidFill>
+                  <a:srgbClr val="000000"/>
+                </a:solidFill>
+              </a:rPr>
+              <a:t> (</a:t>
+            </a:r>
+            <a:r>
+              <a:rPr lang="de-DE" dirty="0" err="1" smtClean="0">
+                <a:solidFill>
+                  <a:srgbClr val="000000"/>
+                </a:solidFill>
+              </a:rPr>
+              <a:t>dovecot</a:t>
+            </a:r>
+            <a:r>
+              <a:rPr lang="de-DE" dirty="0" smtClean="0">
+                <a:solidFill>
+                  <a:srgbClr val="000000"/>
+                </a:solidFill>
+              </a:rPr>
+              <a:t>, </a:t>
+            </a:r>
+            <a:r>
+              <a:rPr lang="de-DE" dirty="0" err="1" smtClean="0">
+                <a:solidFill>
+                  <a:srgbClr val="000000"/>
+                </a:solidFill>
+              </a:rPr>
+              <a:t>cyrus</a:t>
+            </a:r>
+            <a:r>
+              <a:rPr lang="de-DE" dirty="0" smtClean="0">
+                <a:solidFill>
+                  <a:srgbClr val="000000"/>
+                </a:solidFill>
+              </a:rPr>
+              <a:t>, ...)</a:t>
+            </a:r>
+          </a:p>
+          <a:p>
+            <a:pPr lvl="1"/>
+            <a:r>
+              <a:rPr lang="de-DE" dirty="0" err="1" smtClean="0">
+                <a:solidFill>
+                  <a:srgbClr val="000000"/>
+                </a:solidFill>
+              </a:rPr>
+              <a:t>openssl.conf</a:t>
+            </a:r>
+            <a:endParaRPr lang="de-DE" dirty="0" smtClean="0">
+              <a:solidFill>
+                <a:srgbClr val="000000"/>
+              </a:solidFill>
+            </a:endParaRPr>
+          </a:p>
+          <a:p>
+            <a:pPr lvl="1"/>
+            <a:r>
+              <a:rPr lang="de-DE" dirty="0" smtClean="0">
+                <a:solidFill>
+                  <a:srgbClr val="000000"/>
+                </a:solidFill>
+              </a:rPr>
+              <a:t>Etc.</a:t>
+            </a:r>
+          </a:p>
+          <a:p>
+            <a:r>
+              <a:rPr lang="de-DE" dirty="0" smtClean="0">
+                <a:solidFill>
+                  <a:srgbClr val="000000"/>
+                </a:solidFill>
+              </a:rPr>
+              <a:t>Create </a:t>
+            </a:r>
+            <a:r>
+              <a:rPr lang="de-DE" b="1" dirty="0" smtClean="0">
+                <a:solidFill>
+                  <a:srgbClr val="008000"/>
+                </a:solidFill>
+              </a:rPr>
+              <a:t>easy, </a:t>
+            </a:r>
+            <a:r>
+              <a:rPr lang="de-DE" b="1" dirty="0" err="1" smtClean="0">
+                <a:solidFill>
+                  <a:srgbClr val="008000"/>
+                </a:solidFill>
+              </a:rPr>
+              <a:t>copy</a:t>
+            </a:r>
+            <a:r>
+              <a:rPr lang="de-DE" b="1" dirty="0" smtClean="0">
+                <a:solidFill>
+                  <a:srgbClr val="008000"/>
+                </a:solidFill>
+              </a:rPr>
+              <a:t> &amp; </a:t>
+            </a:r>
+            <a:r>
+              <a:rPr lang="de-DE" b="1" dirty="0" err="1" smtClean="0">
+                <a:solidFill>
+                  <a:srgbClr val="008000"/>
+                </a:solidFill>
+              </a:rPr>
+              <a:t>paste-able</a:t>
+            </a:r>
+            <a:r>
+              <a:rPr lang="de-DE" b="1" dirty="0" smtClean="0">
+                <a:solidFill>
+                  <a:srgbClr val="008000"/>
+                </a:solidFill>
+              </a:rPr>
+              <a:t> </a:t>
+            </a:r>
+            <a:r>
+              <a:rPr lang="de-DE" b="1" dirty="0" err="1" smtClean="0">
+                <a:solidFill>
+                  <a:srgbClr val="008000"/>
+                </a:solidFill>
+              </a:rPr>
+              <a:t>settings</a:t>
+            </a:r>
+            <a:r>
+              <a:rPr lang="de-DE" b="1" dirty="0" smtClean="0">
+                <a:solidFill>
+                  <a:srgbClr val="008000"/>
+                </a:solidFill>
+              </a:rPr>
+              <a:t> </a:t>
+            </a:r>
+            <a:r>
+              <a:rPr lang="de-DE" dirty="0" err="1" smtClean="0">
+                <a:solidFill>
+                  <a:srgbClr val="000000"/>
+                </a:solidFill>
+              </a:rPr>
+              <a:t>which</a:t>
+            </a:r>
+            <a:r>
+              <a:rPr lang="de-DE" dirty="0" smtClean="0">
+                <a:solidFill>
+                  <a:srgbClr val="000000"/>
+                </a:solidFill>
+              </a:rPr>
+              <a:t> are „OK“ (</a:t>
+            </a:r>
+            <a:r>
+              <a:rPr lang="de-DE" dirty="0" err="1" smtClean="0">
+                <a:solidFill>
+                  <a:srgbClr val="000000"/>
+                </a:solidFill>
+              </a:rPr>
+              <a:t>as</a:t>
+            </a:r>
+            <a:r>
+              <a:rPr lang="de-DE" dirty="0" smtClean="0">
+                <a:solidFill>
+                  <a:srgbClr val="000000"/>
+                </a:solidFill>
+              </a:rPr>
+              <a:t> </a:t>
+            </a:r>
+            <a:r>
+              <a:rPr lang="de-DE" dirty="0" err="1" smtClean="0">
+                <a:solidFill>
+                  <a:srgbClr val="000000"/>
+                </a:solidFill>
+              </a:rPr>
+              <a:t>far</a:t>
+            </a:r>
+            <a:r>
+              <a:rPr lang="de-DE" dirty="0" smtClean="0">
+                <a:solidFill>
+                  <a:srgbClr val="000000"/>
+                </a:solidFill>
+              </a:rPr>
+              <a:t> </a:t>
+            </a:r>
+            <a:r>
+              <a:rPr lang="de-DE" dirty="0" err="1" smtClean="0">
+                <a:solidFill>
+                  <a:srgbClr val="000000"/>
+                </a:solidFill>
+              </a:rPr>
+              <a:t>as</a:t>
+            </a:r>
+            <a:r>
+              <a:rPr lang="de-DE" dirty="0" smtClean="0">
+                <a:solidFill>
+                  <a:srgbClr val="000000"/>
+                </a:solidFill>
+              </a:rPr>
+              <a:t> </a:t>
+            </a:r>
+            <a:r>
+              <a:rPr lang="de-DE" dirty="0" err="1" smtClean="0">
+                <a:solidFill>
+                  <a:srgbClr val="000000"/>
+                </a:solidFill>
+              </a:rPr>
+              <a:t>we</a:t>
+            </a:r>
+            <a:r>
+              <a:rPr lang="de-DE" dirty="0">
+                <a:solidFill>
+                  <a:srgbClr val="000000"/>
+                </a:solidFill>
+              </a:rPr>
+              <a:t> </a:t>
+            </a:r>
+            <a:r>
+              <a:rPr lang="de-DE" dirty="0" err="1" smtClean="0">
+                <a:solidFill>
+                  <a:srgbClr val="000000"/>
+                </a:solidFill>
+              </a:rPr>
+              <a:t>know</a:t>
+            </a:r>
+            <a:r>
+              <a:rPr lang="de-DE" dirty="0" smtClean="0">
+                <a:solidFill>
+                  <a:srgbClr val="000000"/>
+                </a:solidFill>
+              </a:rPr>
+              <a:t>) </a:t>
+            </a:r>
+            <a:r>
+              <a:rPr lang="de-DE" dirty="0" err="1" smtClean="0">
+                <a:solidFill>
+                  <a:srgbClr val="000000"/>
+                </a:solidFill>
+              </a:rPr>
+              <a:t>for</a:t>
+            </a:r>
+            <a:r>
+              <a:rPr lang="de-DE" dirty="0" smtClean="0">
+                <a:solidFill>
+                  <a:srgbClr val="000000"/>
+                </a:solidFill>
+              </a:rPr>
+              <a:t> </a:t>
+            </a:r>
+            <a:r>
+              <a:rPr lang="de-DE" b="1" dirty="0" smtClean="0">
+                <a:solidFill>
+                  <a:srgbClr val="008000"/>
+                </a:solidFill>
+              </a:rPr>
+              <a:t>sysadmins</a:t>
+            </a:r>
+            <a:r>
+              <a:rPr lang="de-DE" b="1" dirty="0" smtClean="0">
+                <a:solidFill>
+                  <a:srgbClr val="000000"/>
+                </a:solidFill>
+              </a:rPr>
+              <a:t>.</a:t>
+            </a:r>
+          </a:p>
+          <a:p>
+            <a:r>
+              <a:rPr lang="de-DE" dirty="0" smtClean="0">
+                <a:solidFill>
+                  <a:srgbClr val="000000"/>
+                </a:solidFill>
+              </a:rPr>
+              <a:t>Keep </a:t>
+            </a:r>
+            <a:r>
+              <a:rPr lang="de-DE" dirty="0" err="1" smtClean="0">
+                <a:solidFill>
+                  <a:srgbClr val="000000"/>
+                </a:solidFill>
+              </a:rPr>
+              <a:t>it</a:t>
+            </a:r>
+            <a:r>
+              <a:rPr lang="de-DE" dirty="0" smtClean="0">
+                <a:solidFill>
+                  <a:srgbClr val="000000"/>
+                </a:solidFill>
+              </a:rPr>
+              <a:t> </a:t>
+            </a:r>
+            <a:r>
+              <a:rPr lang="de-DE" dirty="0" err="1" smtClean="0">
+                <a:solidFill>
+                  <a:srgbClr val="000000"/>
+                </a:solidFill>
+              </a:rPr>
+              <a:t>short</a:t>
+            </a:r>
+            <a:r>
+              <a:rPr lang="de-DE" dirty="0" smtClean="0">
+                <a:solidFill>
+                  <a:srgbClr val="000000"/>
+                </a:solidFill>
+              </a:rPr>
+              <a:t>. </a:t>
+            </a:r>
+            <a:r>
+              <a:rPr lang="de-DE" dirty="0" err="1" smtClean="0">
+                <a:solidFill>
+                  <a:srgbClr val="000000"/>
+                </a:solidFill>
+              </a:rPr>
+              <a:t>There</a:t>
+            </a:r>
+            <a:r>
+              <a:rPr lang="de-DE" dirty="0" smtClean="0">
+                <a:solidFill>
+                  <a:srgbClr val="000000"/>
+                </a:solidFill>
+              </a:rPr>
+              <a:t> are </a:t>
+            </a:r>
+            <a:r>
+              <a:rPr lang="de-DE" dirty="0" err="1" smtClean="0">
+                <a:solidFill>
+                  <a:srgbClr val="000000"/>
+                </a:solidFill>
+              </a:rPr>
+              <a:t>many</a:t>
+            </a:r>
+            <a:r>
+              <a:rPr lang="de-DE" dirty="0" smtClean="0">
+                <a:solidFill>
+                  <a:srgbClr val="000000"/>
+                </a:solidFill>
+              </a:rPr>
+              <a:t> </a:t>
+            </a:r>
+            <a:r>
+              <a:rPr lang="de-DE" dirty="0" err="1" smtClean="0">
+                <a:solidFill>
+                  <a:srgbClr val="000000"/>
+                </a:solidFill>
+              </a:rPr>
+              <a:t>good</a:t>
+            </a:r>
+            <a:r>
+              <a:rPr lang="de-DE" dirty="0" smtClean="0">
+                <a:solidFill>
+                  <a:srgbClr val="000000"/>
+                </a:solidFill>
+              </a:rPr>
+              <a:t> </a:t>
+            </a:r>
+            <a:r>
+              <a:rPr lang="de-DE" dirty="0" err="1" smtClean="0">
+                <a:solidFill>
+                  <a:srgbClr val="000000"/>
+                </a:solidFill>
+              </a:rPr>
+              <a:t>recommendations</a:t>
+            </a:r>
+            <a:r>
+              <a:rPr lang="de-DE" dirty="0" smtClean="0">
+                <a:solidFill>
+                  <a:srgbClr val="000000"/>
+                </a:solidFill>
+              </a:rPr>
+              <a:t> out </a:t>
+            </a:r>
+            <a:r>
+              <a:rPr lang="de-DE" dirty="0" err="1" smtClean="0">
+                <a:solidFill>
+                  <a:srgbClr val="000000"/>
+                </a:solidFill>
+              </a:rPr>
+              <a:t>there</a:t>
+            </a:r>
+            <a:r>
+              <a:rPr lang="de-DE" dirty="0" smtClean="0">
+                <a:solidFill>
+                  <a:srgbClr val="000000"/>
+                </a:solidFill>
+              </a:rPr>
+              <a:t> </a:t>
+            </a:r>
+            <a:r>
+              <a:rPr lang="de-DE" dirty="0" err="1" smtClean="0">
+                <a:solidFill>
+                  <a:srgbClr val="000000"/>
+                </a:solidFill>
+              </a:rPr>
+              <a:t>written</a:t>
+            </a:r>
+            <a:r>
+              <a:rPr lang="de-DE" dirty="0" smtClean="0">
+                <a:solidFill>
+                  <a:srgbClr val="000000"/>
+                </a:solidFill>
+              </a:rPr>
+              <a:t> </a:t>
+            </a:r>
+            <a:r>
+              <a:rPr lang="de-DE" dirty="0" err="1" smtClean="0">
+                <a:solidFill>
+                  <a:srgbClr val="000000"/>
+                </a:solidFill>
+              </a:rPr>
+              <a:t>by</a:t>
+            </a:r>
+            <a:r>
+              <a:rPr lang="de-DE" dirty="0" smtClean="0">
+                <a:solidFill>
+                  <a:srgbClr val="000000"/>
+                </a:solidFill>
+              </a:rPr>
+              <a:t> </a:t>
+            </a:r>
+            <a:r>
+              <a:rPr lang="de-DE" dirty="0" err="1" smtClean="0">
+                <a:solidFill>
+                  <a:srgbClr val="000000"/>
+                </a:solidFill>
+              </a:rPr>
+              <a:t>cryptographers</a:t>
+            </a:r>
+            <a:r>
+              <a:rPr lang="de-DE" dirty="0" smtClean="0">
+                <a:solidFill>
+                  <a:srgbClr val="000000"/>
+                </a:solidFill>
+              </a:rPr>
+              <a:t> </a:t>
+            </a:r>
+            <a:r>
+              <a:rPr lang="de-DE" dirty="0" err="1" smtClean="0">
+                <a:solidFill>
+                  <a:srgbClr val="000000"/>
+                </a:solidFill>
+              </a:rPr>
+              <a:t>for</a:t>
+            </a:r>
+            <a:r>
+              <a:rPr lang="de-DE" dirty="0" smtClean="0">
+                <a:solidFill>
+                  <a:srgbClr val="000000"/>
+                </a:solidFill>
+              </a:rPr>
+              <a:t> </a:t>
+            </a:r>
+            <a:r>
+              <a:rPr lang="de-DE" dirty="0" err="1" smtClean="0">
+                <a:solidFill>
+                  <a:srgbClr val="000000"/>
+                </a:solidFill>
+              </a:rPr>
+              <a:t>cryptographers</a:t>
+            </a:r>
+            <a:endParaRPr lang="de-DE" dirty="0" smtClean="0">
+              <a:solidFill>
+                <a:srgbClr val="000000"/>
+              </a:solidFill>
+            </a:endParaRPr>
+          </a:p>
+          <a:p>
+            <a:r>
+              <a:rPr lang="de-DE" b="1" dirty="0" err="1" smtClean="0">
+                <a:solidFill>
+                  <a:srgbClr val="000000"/>
+                </a:solidFill>
+              </a:rPr>
+              <a:t>Many</a:t>
+            </a:r>
+            <a:r>
+              <a:rPr lang="de-DE" b="1" dirty="0" smtClean="0">
+                <a:solidFill>
+                  <a:srgbClr val="000000"/>
+                </a:solidFill>
+              </a:rPr>
+              <a:t> </a:t>
+            </a:r>
+            <a:r>
+              <a:rPr lang="de-DE" b="1" dirty="0" err="1" smtClean="0">
+                <a:solidFill>
+                  <a:srgbClr val="000000"/>
+                </a:solidFill>
+              </a:rPr>
+              <a:t>eyes</a:t>
+            </a:r>
+            <a:r>
+              <a:rPr lang="de-DE" b="1" dirty="0" smtClean="0">
+                <a:solidFill>
+                  <a:srgbClr val="000000"/>
+                </a:solidFill>
+              </a:rPr>
+              <a:t> must check </a:t>
+            </a:r>
+            <a:r>
+              <a:rPr lang="de-DE" b="1" dirty="0" err="1" smtClean="0">
+                <a:solidFill>
+                  <a:srgbClr val="000000"/>
+                </a:solidFill>
+              </a:rPr>
+              <a:t>this</a:t>
+            </a:r>
+            <a:r>
+              <a:rPr lang="de-DE" b="1" dirty="0" smtClean="0">
+                <a:solidFill>
+                  <a:srgbClr val="000000"/>
+                </a:solidFill>
+              </a:rPr>
+              <a:t>!</a:t>
+            </a:r>
           </a:p>
         </p:txBody>
       </p:sp>
     </p:spTree>
     <p:extLst>
       <p:ext uri="{BB962C8B-B14F-4D97-AF65-F5344CB8AC3E}">
-        <p14:creationId xmlns:p14="http://schemas.microsoft.com/office/powerpoint/2010/main" val="3614600689"/>
+        <p14:creationId xmlns:p14="http://schemas.microsoft.com/office/powerpoint/2010/main" val="1835008288"/>
       </p:ext>
     </p:extLst>
   </p:cSld>
